--- a/PPT/JAVA Final project.pptx
+++ b/PPT/JAVA Final project.pptx
@@ -121,6 +121,11 @@
       </a:defRPr>
     </a:lvl9pPr>
   </p:defaultTextStyle>
+  <p:extLst>
+    <p:ext uri="{EFAFB233-063F-42B5-8137-9DF3F51BA10A}">
+      <p15:sldGuideLst xmlns:p15="http://schemas.microsoft.com/office/powerpoint/2012/main"/>
+    </p:ext>
+  </p:extLst>
 </p:presentation>
 </file>
 
@@ -369,7 +374,7 @@
           <a:p>
             <a:fld id="{32E0DD32-1C3F-4C1E-A478-0B3C75426AC3}" type="datetimeFigureOut">
               <a:rPr lang="zh-TW" altLang="en-US" smtClean="0"/>
-              <a:t>2020/6/10</a:t>
+              <a:t>2020/6/13</a:t>
             </a:fld>
             <a:endParaRPr lang="zh-TW" altLang="en-US"/>
           </a:p>
@@ -638,7 +643,7 @@
           <a:p>
             <a:fld id="{32E0DD32-1C3F-4C1E-A478-0B3C75426AC3}" type="datetimeFigureOut">
               <a:rPr lang="zh-TW" altLang="en-US" smtClean="0"/>
-              <a:t>2020/6/10</a:t>
+              <a:t>2020/6/13</a:t>
             </a:fld>
             <a:endParaRPr lang="zh-TW" altLang="en-US"/>
           </a:p>
@@ -880,7 +885,7 @@
           <a:p>
             <a:fld id="{32E0DD32-1C3F-4C1E-A478-0B3C75426AC3}" type="datetimeFigureOut">
               <a:rPr lang="zh-TW" altLang="en-US" smtClean="0"/>
-              <a:t>2020/6/10</a:t>
+              <a:t>2020/6/13</a:t>
             </a:fld>
             <a:endParaRPr lang="zh-TW" altLang="en-US"/>
           </a:p>
@@ -1120,7 +1125,7 @@
           <a:p>
             <a:fld id="{32E0DD32-1C3F-4C1E-A478-0B3C75426AC3}" type="datetimeFigureOut">
               <a:rPr lang="zh-TW" altLang="en-US" smtClean="0"/>
-              <a:t>2020/6/10</a:t>
+              <a:t>2020/6/13</a:t>
             </a:fld>
             <a:endParaRPr lang="zh-TW" altLang="en-US"/>
           </a:p>
@@ -1434,7 +1439,7 @@
           <a:p>
             <a:fld id="{32E0DD32-1C3F-4C1E-A478-0B3C75426AC3}" type="datetimeFigureOut">
               <a:rPr lang="zh-TW" altLang="en-US" smtClean="0"/>
-              <a:t>2020/6/10</a:t>
+              <a:t>2020/6/13</a:t>
             </a:fld>
             <a:endParaRPr lang="zh-TW" altLang="en-US"/>
           </a:p>
@@ -1743,7 +1748,7 @@
           <a:p>
             <a:fld id="{32E0DD32-1C3F-4C1E-A478-0B3C75426AC3}" type="datetimeFigureOut">
               <a:rPr lang="zh-TW" altLang="en-US" smtClean="0"/>
-              <a:t>2020/6/10</a:t>
+              <a:t>2020/6/13</a:t>
             </a:fld>
             <a:endParaRPr lang="zh-TW" altLang="en-US"/>
           </a:p>
@@ -2172,7 +2177,7 @@
           <a:p>
             <a:fld id="{32E0DD32-1C3F-4C1E-A478-0B3C75426AC3}" type="datetimeFigureOut">
               <a:rPr lang="zh-TW" altLang="en-US" smtClean="0"/>
-              <a:t>2020/6/10</a:t>
+              <a:t>2020/6/13</a:t>
             </a:fld>
             <a:endParaRPr lang="zh-TW" altLang="en-US"/>
           </a:p>
@@ -2341,7 +2346,7 @@
           <a:p>
             <a:fld id="{32E0DD32-1C3F-4C1E-A478-0B3C75426AC3}" type="datetimeFigureOut">
               <a:rPr lang="zh-TW" altLang="en-US" smtClean="0"/>
-              <a:t>2020/6/10</a:t>
+              <a:t>2020/6/13</a:t>
             </a:fld>
             <a:endParaRPr lang="zh-TW" altLang="en-US"/>
           </a:p>
@@ -2443,7 +2448,7 @@
           <a:p>
             <a:fld id="{32E0DD32-1C3F-4C1E-A478-0B3C75426AC3}" type="datetimeFigureOut">
               <a:rPr lang="zh-TW" altLang="en-US" smtClean="0"/>
-              <a:t>2020/6/10</a:t>
+              <a:t>2020/6/13</a:t>
             </a:fld>
             <a:endParaRPr lang="zh-TW" altLang="en-US"/>
           </a:p>
@@ -2828,7 +2833,7 @@
           <a:p>
             <a:fld id="{32E0DD32-1C3F-4C1E-A478-0B3C75426AC3}" type="datetimeFigureOut">
               <a:rPr lang="zh-TW" altLang="en-US" smtClean="0"/>
-              <a:t>2020/6/10</a:t>
+              <a:t>2020/6/13</a:t>
             </a:fld>
             <a:endParaRPr lang="zh-TW" altLang="en-US"/>
           </a:p>
@@ -3124,7 +3129,7 @@
           <a:p>
             <a:fld id="{32E0DD32-1C3F-4C1E-A478-0B3C75426AC3}" type="datetimeFigureOut">
               <a:rPr lang="zh-TW" altLang="en-US" smtClean="0"/>
-              <a:t>2020/6/10</a:t>
+              <a:t>2020/6/13</a:t>
             </a:fld>
             <a:endParaRPr lang="zh-TW" altLang="en-US"/>
           </a:p>
@@ -3342,7 +3347,7 @@
           <a:p>
             <a:fld id="{32E0DD32-1C3F-4C1E-A478-0B3C75426AC3}" type="datetimeFigureOut">
               <a:rPr lang="zh-TW" altLang="en-US" smtClean="0"/>
-              <a:t>2020/6/10</a:t>
+              <a:t>2020/6/13</a:t>
             </a:fld>
             <a:endParaRPr lang="zh-TW" altLang="en-US"/>
           </a:p>
@@ -4427,17 +4432,17 @@
           <a:lstStyle/>
           <a:p>
             <a:r>
-              <a:rPr lang="zh-TW" altLang="en-US" dirty="0" smtClean="0"/>
+              <a:rPr lang="zh-TW" altLang="en-US" sz="2400" dirty="0" smtClean="0"/>
               <a:t>上下左右鍵</a:t>
             </a:r>
-            <a:endParaRPr lang="en-US" altLang="zh-TW" dirty="0" smtClean="0"/>
-          </a:p>
-          <a:p>
-            <a:r>
-              <a:rPr lang="zh-TW" altLang="en-US" dirty="0" smtClean="0"/>
+            <a:endParaRPr lang="en-US" altLang="zh-TW" sz="2400" dirty="0" smtClean="0"/>
+          </a:p>
+          <a:p>
+            <a:r>
+              <a:rPr lang="zh-TW" altLang="en-US" sz="2400" dirty="0" smtClean="0"/>
               <a:t>控制移動</a:t>
             </a:r>
-            <a:endParaRPr lang="en-US" altLang="zh-TW" dirty="0" smtClean="0"/>
+            <a:endParaRPr lang="en-US" altLang="zh-TW" sz="2400" dirty="0" smtClean="0"/>
           </a:p>
           <a:p>
             <a:endParaRPr lang="en-US" altLang="zh-TW" dirty="0"/>
@@ -4483,37 +4488,128 @@
           <a:lstStyle/>
           <a:p>
             <a:r>
-              <a:rPr lang="en-US" altLang="zh-TW" dirty="0" smtClean="0"/>
+              <a:rPr lang="en-US" altLang="zh-TW" sz="2400" dirty="0" smtClean="0"/>
               <a:t>A</a:t>
             </a:r>
             <a:r>
-              <a:rPr lang="zh-TW" altLang="en-US" dirty="0" smtClean="0"/>
+              <a:rPr lang="zh-TW" altLang="en-US" sz="2400" dirty="0" smtClean="0"/>
               <a:t>：挖地板</a:t>
             </a:r>
+            <a:endParaRPr lang="en-US" altLang="zh-TW" sz="2400" dirty="0" smtClean="0"/>
+          </a:p>
+          <a:p>
+            <a:r>
+              <a:rPr lang="en-US" altLang="zh-TW" sz="2400" dirty="0" smtClean="0"/>
+              <a:t>S</a:t>
+            </a:r>
+            <a:r>
+              <a:rPr lang="zh-TW" altLang="en-US" sz="2400" dirty="0" smtClean="0"/>
+              <a:t>：發射</a:t>
+            </a:r>
+            <a:endParaRPr lang="en-US" altLang="zh-TW" sz="2400" dirty="0"/>
+          </a:p>
+          <a:p>
             <a:endParaRPr lang="en-US" altLang="zh-TW" dirty="0" smtClean="0"/>
           </a:p>
           <a:p>
-            <a:r>
-              <a:rPr lang="en-US" altLang="zh-TW" dirty="0" smtClean="0"/>
-              <a:t>S</a:t>
-            </a:r>
-            <a:r>
-              <a:rPr lang="zh-TW" altLang="en-US" dirty="0" smtClean="0"/>
-              <a:t>：發射</a:t>
-            </a:r>
-            <a:endParaRPr lang="en-US" altLang="zh-TW" dirty="0"/>
-          </a:p>
-          <a:p>
-            <a:endParaRPr lang="en-US" altLang="zh-TW" dirty="0" smtClean="0"/>
-          </a:p>
-          <a:p>
             <a:endParaRPr lang="zh-TW" altLang="en-US" dirty="0"/>
+          </a:p>
+        </p:txBody>
+      </p:sp>
+      <p:sp>
+        <p:nvSpPr>
+          <p:cNvPr id="7" name="文字方塊 6"/>
+          <p:cNvSpPr txBox="1"/>
+          <p:nvPr/>
+        </p:nvSpPr>
+        <p:spPr>
+          <a:xfrm>
+            <a:off x="9607463" y="5399385"/>
+            <a:ext cx="2003346" cy="461665"/>
+          </a:xfrm>
+          <a:prstGeom prst="rect">
+            <a:avLst/>
+          </a:prstGeom>
+          <a:noFill/>
+        </p:spPr>
+        <p:txBody>
+          <a:bodyPr wrap="square" rtlCol="0">
+            <a:spAutoFit/>
+          </a:bodyPr>
+          <a:lstStyle/>
+          <a:p>
+            <a:r>
+              <a:rPr lang="zh-TW" altLang="en-US" sz="2400" dirty="0"/>
+              <a:t> </a:t>
+            </a:r>
+            <a:r>
+              <a:rPr lang="zh-TW" altLang="en-US" sz="2400" dirty="0" smtClean="0"/>
+              <a:t>按</a:t>
+            </a:r>
+            <a:r>
+              <a:rPr lang="en-US" altLang="zh-TW" sz="2400" dirty="0" smtClean="0"/>
+              <a:t>Q</a:t>
+            </a:r>
+            <a:r>
+              <a:rPr lang="zh-TW" altLang="en-US" sz="2400" dirty="0" smtClean="0"/>
+              <a:t>鍵看看</a:t>
+            </a:r>
+            <a:r>
+              <a:rPr lang="zh-TW" altLang="en-US" sz="2400" dirty="0"/>
+              <a:t>？</a:t>
+            </a:r>
+          </a:p>
+        </p:txBody>
+      </p:sp>
+      <p:sp>
+        <p:nvSpPr>
+          <p:cNvPr id="8" name="向右箭號 7"/>
+          <p:cNvSpPr/>
+          <p:nvPr/>
+        </p:nvSpPr>
+        <p:spPr>
+          <a:xfrm>
+            <a:off x="9265086" y="5461229"/>
+            <a:ext cx="342377" cy="399821"/>
+          </a:xfrm>
+          <a:prstGeom prst="rightArrow">
+            <a:avLst/>
+          </a:prstGeom>
+          <a:solidFill>
+            <a:schemeClr val="accent2"/>
+          </a:solidFill>
+          <a:ln>
+            <a:noFill/>
+          </a:ln>
+        </p:spPr>
+        <p:style>
+          <a:lnRef idx="2">
+            <a:schemeClr val="accent1">
+              <a:shade val="50000"/>
+            </a:schemeClr>
+          </a:lnRef>
+          <a:fillRef idx="1">
+            <a:schemeClr val="accent1"/>
+          </a:fillRef>
+          <a:effectRef idx="0">
+            <a:schemeClr val="accent1"/>
+          </a:effectRef>
+          <a:fontRef idx="minor">
+            <a:schemeClr val="lt1"/>
+          </a:fontRef>
+        </p:style>
+        <p:txBody>
+          <a:bodyPr rtlCol="0" anchor="ctr"/>
+          <a:lstStyle/>
+          <a:p>
+            <a:pPr algn="ctr"/>
+            <a:endParaRPr lang="zh-TW" altLang="en-US"/>
           </a:p>
         </p:txBody>
       </p:sp>
       <p:pic>
         <p:nvPicPr>
-          <p:cNvPr id="6" name="圖片 5"/>
+          <p:cNvPr id="9" name="圖片 8"/>
           <p:cNvPicPr>
             <a:picLocks noChangeAspect="1"/>
           </p:cNvPicPr>
@@ -4533,105 +4629,14 @@
         </p:blipFill>
         <p:spPr>
           <a:xfrm>
-            <a:off x="1385484" y="3234310"/>
-            <a:ext cx="2626740" cy="2626740"/>
+            <a:off x="3055142" y="2951787"/>
+            <a:ext cx="6081716" cy="3419276"/>
           </a:xfrm>
           <a:prstGeom prst="rect">
             <a:avLst/>
           </a:prstGeom>
         </p:spPr>
       </p:pic>
-      <p:sp>
-        <p:nvSpPr>
-          <p:cNvPr id="7" name="文字方塊 6"/>
-          <p:cNvSpPr txBox="1"/>
-          <p:nvPr/>
-        </p:nvSpPr>
-        <p:spPr>
-          <a:xfrm>
-            <a:off x="6188417" y="5399385"/>
-            <a:ext cx="5422392" cy="461665"/>
-          </a:xfrm>
-          <a:prstGeom prst="rect">
-            <a:avLst/>
-          </a:prstGeom>
-          <a:noFill/>
-        </p:spPr>
-        <p:txBody>
-          <a:bodyPr wrap="square" rtlCol="0">
-            <a:spAutoFit/>
-          </a:bodyPr>
-          <a:lstStyle/>
-          <a:p>
-            <a:r>
-              <a:rPr lang="zh-TW" altLang="en-US" sz="2400" dirty="0"/>
-              <a:t> </a:t>
-            </a:r>
-            <a:r>
-              <a:rPr lang="zh-TW" altLang="en-US" sz="2400" dirty="0" smtClean="0"/>
-              <a:t>按</a:t>
-            </a:r>
-            <a:r>
-              <a:rPr lang="en-US" altLang="zh-TW" sz="2400" dirty="0" smtClean="0"/>
-              <a:t>Q</a:t>
-            </a:r>
-            <a:r>
-              <a:rPr lang="zh-TW" altLang="en-US" sz="2400" dirty="0" smtClean="0"/>
-              <a:t>鍵看看</a:t>
-            </a:r>
-            <a:r>
-              <a:rPr lang="zh-TW" altLang="en-US" sz="2400" dirty="0"/>
-              <a:t>？</a:t>
-            </a:r>
-          </a:p>
-        </p:txBody>
-      </p:sp>
-      <p:sp>
-        <p:nvSpPr>
-          <p:cNvPr id="8" name="向右箭號 7"/>
-          <p:cNvSpPr/>
-          <p:nvPr/>
-        </p:nvSpPr>
-        <p:spPr>
-          <a:xfrm>
-            <a:off x="5924812" y="5399385"/>
-            <a:ext cx="342377" cy="399821"/>
-          </a:xfrm>
-          <a:prstGeom prst="rightArrow">
-            <a:avLst/>
-          </a:prstGeom>
-          <a:solidFill>
-            <a:schemeClr val="accent2"/>
-          </a:solidFill>
-          <a:ln>
-            <a:noFill/>
-          </a:ln>
-        </p:spPr>
-        <p:style>
-          <a:lnRef idx="2">
-            <a:schemeClr val="accent1">
-              <a:shade val="50000"/>
-            </a:schemeClr>
-          </a:lnRef>
-          <a:fillRef idx="1">
-            <a:schemeClr val="accent1"/>
-          </a:fillRef>
-          <a:effectRef idx="0">
-            <a:schemeClr val="accent1"/>
-          </a:effectRef>
-          <a:fontRef idx="minor">
-            <a:schemeClr val="lt1"/>
-          </a:fontRef>
-        </p:style>
-        <p:txBody>
-          <a:bodyPr rtlCol="0" anchor="ctr"/>
-          <a:lstStyle/>
-          <a:p>
-            <a:pPr algn="ctr"/>
-            <a:endParaRPr lang="zh-TW" altLang="en-US"/>
-          </a:p>
-        </p:txBody>
-      </p:sp>
     </p:spTree>
     <p:extLst>
       <p:ext uri="{BB962C8B-B14F-4D97-AF65-F5344CB8AC3E}">
@@ -6051,7 +6056,7 @@
       </p:sp>
       <p:pic>
         <p:nvPicPr>
-          <p:cNvPr id="6" name="內容版面配置區 5"/>
+          <p:cNvPr id="5" name="內容版面配置區 4"/>
           <p:cNvPicPr>
             <a:picLocks noGrp="1" noChangeAspect="1"/>
           </p:cNvPicPr>
@@ -6060,7 +6065,7 @@
           </p:nvPr>
         </p:nvPicPr>
         <p:blipFill>
-          <a:blip r:embed="rId2">
+          <a:blip r:embed="rId2" cstate="print">
             <a:extLst>
               <a:ext uri="{28A0092B-C50C-407E-A947-70E740481C1C}">
                 <a14:useLocalDpi xmlns:a14="http://schemas.microsoft.com/office/drawing/2010/main" val="0"/>
@@ -6073,8 +6078,8 @@
         </p:blipFill>
         <p:spPr>
           <a:xfrm>
-            <a:off x="7629684" y="2774315"/>
-            <a:ext cx="2539682" cy="2539682"/>
+            <a:off x="6188075" y="3073164"/>
+            <a:ext cx="5422900" cy="1941984"/>
           </a:xfrm>
         </p:spPr>
       </p:pic>
@@ -6605,7 +6610,6 @@
               <a:rPr lang="zh-TW" altLang="en-US" sz="2400" dirty="0"/>
               <a:t>！</a:t>
             </a:r>
-            <a:endParaRPr lang="zh-TW" altLang="en-US" sz="2400" dirty="0"/>
           </a:p>
         </p:txBody>
       </p:sp>

--- a/PPT/JAVA Final project.pptx
+++ b/PPT/JAVA Final project.pptx
@@ -12,17 +12,23 @@
     <p:sldId id="260" r:id="rId6"/>
     <p:sldId id="261" r:id="rId7"/>
     <p:sldId id="264" r:id="rId8"/>
-    <p:sldId id="262" r:id="rId9"/>
-    <p:sldId id="263" r:id="rId10"/>
-    <p:sldId id="265" r:id="rId11"/>
-    <p:sldId id="266" r:id="rId12"/>
-    <p:sldId id="267" r:id="rId13"/>
-    <p:sldId id="268" r:id="rId14"/>
-    <p:sldId id="269" r:id="rId15"/>
-    <p:sldId id="270" r:id="rId16"/>
-    <p:sldId id="271" r:id="rId17"/>
-    <p:sldId id="272" r:id="rId18"/>
-    <p:sldId id="273" r:id="rId19"/>
+    <p:sldId id="275" r:id="rId9"/>
+    <p:sldId id="262" r:id="rId10"/>
+    <p:sldId id="263" r:id="rId11"/>
+    <p:sldId id="265" r:id="rId12"/>
+    <p:sldId id="266" r:id="rId13"/>
+    <p:sldId id="276" r:id="rId14"/>
+    <p:sldId id="277" r:id="rId15"/>
+    <p:sldId id="267" r:id="rId16"/>
+    <p:sldId id="274" r:id="rId17"/>
+    <p:sldId id="270" r:id="rId18"/>
+    <p:sldId id="278" r:id="rId19"/>
+    <p:sldId id="279" r:id="rId20"/>
+    <p:sldId id="268" r:id="rId21"/>
+    <p:sldId id="269" r:id="rId22"/>
+    <p:sldId id="271" r:id="rId23"/>
+    <p:sldId id="272" r:id="rId24"/>
+    <p:sldId id="273" r:id="rId25"/>
   </p:sldIdLst>
   <p:sldSz cx="12192000" cy="6858000"/>
   <p:notesSz cx="6858000" cy="9144000"/>
@@ -129,6 +135,3125 @@
 </p:presentation>
 </file>
 
+<file path=ppt/diagrams/colors1.xml><?xml version="1.0" encoding="utf-8"?>
+<dgm:colorsDef xmlns:dgm="http://schemas.openxmlformats.org/drawingml/2006/diagram" xmlns:a="http://schemas.openxmlformats.org/drawingml/2006/main" uniqueId="urn:microsoft.com/office/officeart/2005/8/colors/colorful2">
+  <dgm:title val=""/>
+  <dgm:desc val=""/>
+  <dgm:catLst>
+    <dgm:cat type="colorful" pri="10200"/>
+  </dgm:catLst>
+  <dgm:styleLbl name="node0">
+    <dgm:fillClrLst meth="repeat">
+      <a:schemeClr val="accent1"/>
+    </dgm:fillClrLst>
+    <dgm:linClrLst meth="repeat">
+      <a:schemeClr val="lt1"/>
+    </dgm:linClrLst>
+    <dgm:effectClrLst/>
+    <dgm:txLinClrLst/>
+    <dgm:txFillClrLst/>
+    <dgm:txEffectClrLst/>
+  </dgm:styleLbl>
+  <dgm:styleLbl name="node1">
+    <dgm:fillClrLst>
+      <a:schemeClr val="accent2"/>
+      <a:schemeClr val="accent3"/>
+    </dgm:fillClrLst>
+    <dgm:linClrLst meth="repeat">
+      <a:schemeClr val="lt1"/>
+    </dgm:linClrLst>
+    <dgm:effectClrLst/>
+    <dgm:txLinClrLst/>
+    <dgm:txFillClrLst/>
+    <dgm:txEffectClrLst/>
+  </dgm:styleLbl>
+  <dgm:styleLbl name="alignNode1">
+    <dgm:fillClrLst>
+      <a:schemeClr val="accent2"/>
+      <a:schemeClr val="accent3"/>
+    </dgm:fillClrLst>
+    <dgm:linClrLst>
+      <a:schemeClr val="accent2"/>
+      <a:schemeClr val="accent3"/>
+    </dgm:linClrLst>
+    <dgm:effectClrLst/>
+    <dgm:txLinClrLst/>
+    <dgm:txFillClrLst/>
+    <dgm:txEffectClrLst/>
+  </dgm:styleLbl>
+  <dgm:styleLbl name="lnNode1">
+    <dgm:fillClrLst>
+      <a:schemeClr val="accent2"/>
+      <a:schemeClr val="accent3"/>
+    </dgm:fillClrLst>
+    <dgm:linClrLst meth="repeat">
+      <a:schemeClr val="lt1"/>
+    </dgm:linClrLst>
+    <dgm:effectClrLst/>
+    <dgm:txLinClrLst/>
+    <dgm:txFillClrLst/>
+    <dgm:txEffectClrLst/>
+  </dgm:styleLbl>
+  <dgm:styleLbl name="vennNode1">
+    <dgm:fillClrLst>
+      <a:schemeClr val="accent2">
+        <a:alpha val="50000"/>
+      </a:schemeClr>
+      <a:schemeClr val="accent3">
+        <a:alpha val="50000"/>
+      </a:schemeClr>
+    </dgm:fillClrLst>
+    <dgm:linClrLst meth="repeat">
+      <a:schemeClr val="lt1"/>
+    </dgm:linClrLst>
+    <dgm:effectClrLst/>
+    <dgm:txLinClrLst/>
+    <dgm:txFillClrLst/>
+    <dgm:txEffectClrLst/>
+  </dgm:styleLbl>
+  <dgm:styleLbl name="node2">
+    <dgm:fillClrLst>
+      <a:schemeClr val="accent3"/>
+    </dgm:fillClrLst>
+    <dgm:linClrLst meth="repeat">
+      <a:schemeClr val="lt1"/>
+    </dgm:linClrLst>
+    <dgm:effectClrLst/>
+    <dgm:txLinClrLst/>
+    <dgm:txFillClrLst/>
+    <dgm:txEffectClrLst/>
+  </dgm:styleLbl>
+  <dgm:styleLbl name="node3">
+    <dgm:fillClrLst>
+      <a:schemeClr val="accent4"/>
+    </dgm:fillClrLst>
+    <dgm:linClrLst meth="repeat">
+      <a:schemeClr val="lt1"/>
+    </dgm:linClrLst>
+    <dgm:effectClrLst/>
+    <dgm:txLinClrLst/>
+    <dgm:txFillClrLst/>
+    <dgm:txEffectClrLst/>
+  </dgm:styleLbl>
+  <dgm:styleLbl name="node4">
+    <dgm:fillClrLst>
+      <a:schemeClr val="accent5"/>
+    </dgm:fillClrLst>
+    <dgm:linClrLst meth="repeat">
+      <a:schemeClr val="lt1"/>
+    </dgm:linClrLst>
+    <dgm:effectClrLst/>
+    <dgm:txLinClrLst/>
+    <dgm:txFillClrLst/>
+    <dgm:txEffectClrLst/>
+  </dgm:styleLbl>
+  <dgm:styleLbl name="fgImgPlace1">
+    <dgm:fillClrLst>
+      <a:schemeClr val="accent2">
+        <a:tint val="50000"/>
+      </a:schemeClr>
+      <a:schemeClr val="accent3">
+        <a:tint val="50000"/>
+      </a:schemeClr>
+    </dgm:fillClrLst>
+    <dgm:linClrLst meth="repeat">
+      <a:schemeClr val="lt1"/>
+    </dgm:linClrLst>
+    <dgm:effectClrLst/>
+    <dgm:txLinClrLst/>
+    <dgm:txFillClrLst meth="repeat">
+      <a:schemeClr val="lt1"/>
+    </dgm:txFillClrLst>
+    <dgm:txEffectClrLst/>
+  </dgm:styleLbl>
+  <dgm:styleLbl name="alignImgPlace1">
+    <dgm:fillClrLst>
+      <a:schemeClr val="accent2">
+        <a:tint val="50000"/>
+      </a:schemeClr>
+      <a:schemeClr val="accent3">
+        <a:tint val="20000"/>
+      </a:schemeClr>
+    </dgm:fillClrLst>
+    <dgm:linClrLst meth="repeat">
+      <a:schemeClr val="lt1"/>
+    </dgm:linClrLst>
+    <dgm:effectClrLst/>
+    <dgm:txLinClrLst/>
+    <dgm:txFillClrLst meth="repeat">
+      <a:schemeClr val="lt1"/>
+    </dgm:txFillClrLst>
+    <dgm:txEffectClrLst/>
+  </dgm:styleLbl>
+  <dgm:styleLbl name="bgImgPlace1">
+    <dgm:fillClrLst>
+      <a:schemeClr val="accent2">
+        <a:tint val="50000"/>
+      </a:schemeClr>
+      <a:schemeClr val="accent3">
+        <a:tint val="20000"/>
+      </a:schemeClr>
+    </dgm:fillClrLst>
+    <dgm:linClrLst meth="repeat">
+      <a:schemeClr val="lt1"/>
+    </dgm:linClrLst>
+    <dgm:effectClrLst/>
+    <dgm:txLinClrLst/>
+    <dgm:txFillClrLst meth="repeat">
+      <a:schemeClr val="lt1"/>
+    </dgm:txFillClrLst>
+    <dgm:txEffectClrLst/>
+  </dgm:styleLbl>
+  <dgm:styleLbl name="sibTrans2D1">
+    <dgm:fillClrLst>
+      <a:schemeClr val="accent2"/>
+      <a:schemeClr val="accent3"/>
+    </dgm:fillClrLst>
+    <dgm:linClrLst meth="repeat">
+      <a:schemeClr val="lt1"/>
+    </dgm:linClrLst>
+    <dgm:effectClrLst/>
+    <dgm:txLinClrLst/>
+    <dgm:txFillClrLst/>
+    <dgm:txEffectClrLst/>
+  </dgm:styleLbl>
+  <dgm:styleLbl name="fgSibTrans2D1">
+    <dgm:fillClrLst>
+      <a:schemeClr val="accent2"/>
+      <a:schemeClr val="accent3"/>
+    </dgm:fillClrLst>
+    <dgm:linClrLst meth="repeat">
+      <a:schemeClr val="lt1"/>
+    </dgm:linClrLst>
+    <dgm:effectClrLst/>
+    <dgm:txLinClrLst/>
+    <dgm:txFillClrLst meth="repeat">
+      <a:schemeClr val="lt1"/>
+    </dgm:txFillClrLst>
+    <dgm:txEffectClrLst/>
+  </dgm:styleLbl>
+  <dgm:styleLbl name="bgSibTrans2D1">
+    <dgm:fillClrLst>
+      <a:schemeClr val="accent2"/>
+      <a:schemeClr val="accent3"/>
+    </dgm:fillClrLst>
+    <dgm:linClrLst meth="repeat">
+      <a:schemeClr val="lt1"/>
+    </dgm:linClrLst>
+    <dgm:effectClrLst/>
+    <dgm:txLinClrLst/>
+    <dgm:txFillClrLst meth="repeat">
+      <a:schemeClr val="lt1"/>
+    </dgm:txFillClrLst>
+    <dgm:txEffectClrLst/>
+  </dgm:styleLbl>
+  <dgm:styleLbl name="sibTrans1D1">
+    <dgm:fillClrLst/>
+    <dgm:linClrLst>
+      <a:schemeClr val="accent2"/>
+      <a:schemeClr val="accent3"/>
+    </dgm:linClrLst>
+    <dgm:effectClrLst/>
+    <dgm:txLinClrLst/>
+    <dgm:txFillClrLst meth="repeat">
+      <a:schemeClr val="tx1"/>
+    </dgm:txFillClrLst>
+    <dgm:txEffectClrLst/>
+  </dgm:styleLbl>
+  <dgm:styleLbl name="callout">
+    <dgm:fillClrLst meth="repeat">
+      <a:schemeClr val="accent2"/>
+    </dgm:fillClrLst>
+    <dgm:linClrLst meth="repeat">
+      <a:schemeClr val="accent2">
+        <a:tint val="50000"/>
+      </a:schemeClr>
+    </dgm:linClrLst>
+    <dgm:effectClrLst/>
+    <dgm:txLinClrLst/>
+    <dgm:txFillClrLst meth="repeat">
+      <a:schemeClr val="tx1"/>
+    </dgm:txFillClrLst>
+    <dgm:txEffectClrLst/>
+  </dgm:styleLbl>
+  <dgm:styleLbl name="asst0">
+    <dgm:fillClrLst meth="repeat">
+      <a:schemeClr val="accent2"/>
+    </dgm:fillClrLst>
+    <dgm:linClrLst meth="repeat">
+      <a:schemeClr val="lt1">
+        <a:shade val="80000"/>
+      </a:schemeClr>
+    </dgm:linClrLst>
+    <dgm:effectClrLst/>
+    <dgm:txLinClrLst/>
+    <dgm:txFillClrLst/>
+    <dgm:txEffectClrLst/>
+  </dgm:styleLbl>
+  <dgm:styleLbl name="asst1">
+    <dgm:fillClrLst meth="repeat">
+      <a:schemeClr val="accent3"/>
+    </dgm:fillClrLst>
+    <dgm:linClrLst meth="repeat">
+      <a:schemeClr val="lt1">
+        <a:shade val="80000"/>
+      </a:schemeClr>
+    </dgm:linClrLst>
+    <dgm:effectClrLst/>
+    <dgm:txLinClrLst/>
+    <dgm:txFillClrLst/>
+    <dgm:txEffectClrLst/>
+  </dgm:styleLbl>
+  <dgm:styleLbl name="asst2">
+    <dgm:fillClrLst>
+      <a:schemeClr val="accent4"/>
+    </dgm:fillClrLst>
+    <dgm:linClrLst meth="repeat">
+      <a:schemeClr val="lt1"/>
+    </dgm:linClrLst>
+    <dgm:effectClrLst/>
+    <dgm:txLinClrLst/>
+    <dgm:txFillClrLst/>
+    <dgm:txEffectClrLst/>
+  </dgm:styleLbl>
+  <dgm:styleLbl name="asst3">
+    <dgm:fillClrLst>
+      <a:schemeClr val="accent5"/>
+    </dgm:fillClrLst>
+    <dgm:linClrLst meth="repeat">
+      <a:schemeClr val="lt1"/>
+    </dgm:linClrLst>
+    <dgm:effectClrLst/>
+    <dgm:txLinClrLst/>
+    <dgm:txFillClrLst/>
+    <dgm:txEffectClrLst/>
+  </dgm:styleLbl>
+  <dgm:styleLbl name="asst4">
+    <dgm:fillClrLst>
+      <a:schemeClr val="accent6"/>
+    </dgm:fillClrLst>
+    <dgm:linClrLst meth="repeat">
+      <a:schemeClr val="lt1"/>
+    </dgm:linClrLst>
+    <dgm:effectClrLst/>
+    <dgm:txLinClrLst/>
+    <dgm:txFillClrLst/>
+    <dgm:txEffectClrLst/>
+  </dgm:styleLbl>
+  <dgm:styleLbl name="parChTrans2D1">
+    <dgm:fillClrLst meth="repeat">
+      <a:schemeClr val="accent2"/>
+    </dgm:fillClrLst>
+    <dgm:linClrLst meth="repeat">
+      <a:schemeClr val="lt1"/>
+    </dgm:linClrLst>
+    <dgm:effectClrLst/>
+    <dgm:txLinClrLst/>
+    <dgm:txFillClrLst meth="repeat">
+      <a:schemeClr val="lt1"/>
+    </dgm:txFillClrLst>
+    <dgm:txEffectClrLst/>
+  </dgm:styleLbl>
+  <dgm:styleLbl name="parChTrans2D2">
+    <dgm:fillClrLst meth="repeat">
+      <a:schemeClr val="accent3"/>
+    </dgm:fillClrLst>
+    <dgm:linClrLst meth="repeat">
+      <a:schemeClr val="lt1"/>
+    </dgm:linClrLst>
+    <dgm:effectClrLst/>
+    <dgm:txLinClrLst/>
+    <dgm:txFillClrLst/>
+    <dgm:txEffectClrLst/>
+  </dgm:styleLbl>
+  <dgm:styleLbl name="parChTrans2D3">
+    <dgm:fillClrLst meth="repeat">
+      <a:schemeClr val="accent4"/>
+    </dgm:fillClrLst>
+    <dgm:linClrLst meth="repeat">
+      <a:schemeClr val="lt1"/>
+    </dgm:linClrLst>
+    <dgm:effectClrLst/>
+    <dgm:txLinClrLst/>
+    <dgm:txFillClrLst/>
+    <dgm:txEffectClrLst/>
+  </dgm:styleLbl>
+  <dgm:styleLbl name="parChTrans2D4">
+    <dgm:fillClrLst meth="repeat">
+      <a:schemeClr val="accent5"/>
+    </dgm:fillClrLst>
+    <dgm:linClrLst meth="repeat">
+      <a:schemeClr val="lt1"/>
+    </dgm:linClrLst>
+    <dgm:effectClrLst/>
+    <dgm:txLinClrLst/>
+    <dgm:txFillClrLst meth="repeat">
+      <a:schemeClr val="lt1"/>
+    </dgm:txFillClrLst>
+    <dgm:txEffectClrLst/>
+  </dgm:styleLbl>
+  <dgm:styleLbl name="parChTrans1D1">
+    <dgm:fillClrLst meth="repeat">
+      <a:schemeClr val="accent2"/>
+    </dgm:fillClrLst>
+    <dgm:linClrLst meth="repeat">
+      <a:schemeClr val="accent2"/>
+    </dgm:linClrLst>
+    <dgm:effectClrLst/>
+    <dgm:txLinClrLst/>
+    <dgm:txFillClrLst meth="repeat">
+      <a:schemeClr val="tx1"/>
+    </dgm:txFillClrLst>
+    <dgm:txEffectClrLst/>
+  </dgm:styleLbl>
+  <dgm:styleLbl name="parChTrans1D2">
+    <dgm:fillClrLst meth="repeat">
+      <a:schemeClr val="accent2">
+        <a:tint val="90000"/>
+      </a:schemeClr>
+    </dgm:fillClrLst>
+    <dgm:linClrLst meth="repeat">
+      <a:schemeClr val="accent3"/>
+    </dgm:linClrLst>
+    <dgm:effectClrLst/>
+    <dgm:txLinClrLst/>
+    <dgm:txFillClrLst meth="repeat">
+      <a:schemeClr val="tx1"/>
+    </dgm:txFillClrLst>
+    <dgm:txEffectClrLst/>
+  </dgm:styleLbl>
+  <dgm:styleLbl name="parChTrans1D3">
+    <dgm:fillClrLst meth="repeat">
+      <a:schemeClr val="accent2">
+        <a:tint val="70000"/>
+      </a:schemeClr>
+    </dgm:fillClrLst>
+    <dgm:linClrLst meth="repeat">
+      <a:schemeClr val="accent4"/>
+    </dgm:linClrLst>
+    <dgm:effectClrLst/>
+    <dgm:txLinClrLst/>
+    <dgm:txFillClrLst meth="repeat">
+      <a:schemeClr val="tx1"/>
+    </dgm:txFillClrLst>
+    <dgm:txEffectClrLst/>
+  </dgm:styleLbl>
+  <dgm:styleLbl name="parChTrans1D4">
+    <dgm:fillClrLst meth="repeat">
+      <a:schemeClr val="accent2">
+        <a:tint val="50000"/>
+      </a:schemeClr>
+    </dgm:fillClrLst>
+    <dgm:linClrLst meth="repeat">
+      <a:schemeClr val="accent5"/>
+    </dgm:linClrLst>
+    <dgm:effectClrLst/>
+    <dgm:txLinClrLst/>
+    <dgm:txFillClrLst meth="repeat">
+      <a:schemeClr val="tx1"/>
+    </dgm:txFillClrLst>
+    <dgm:txEffectClrLst/>
+  </dgm:styleLbl>
+  <dgm:styleLbl name="fgAcc1">
+    <dgm:fillClrLst meth="repeat">
+      <a:schemeClr val="lt1">
+        <a:alpha val="90000"/>
+      </a:schemeClr>
+    </dgm:fillClrLst>
+    <dgm:linClrLst>
+      <a:schemeClr val="accent2"/>
+      <a:schemeClr val="accent3"/>
+    </dgm:linClrLst>
+    <dgm:effectClrLst/>
+    <dgm:txLinClrLst/>
+    <dgm:txFillClrLst meth="repeat">
+      <a:schemeClr val="dk1"/>
+    </dgm:txFillClrLst>
+    <dgm:txEffectClrLst/>
+  </dgm:styleLbl>
+  <dgm:styleLbl name="conFgAcc1">
+    <dgm:fillClrLst meth="repeat">
+      <a:schemeClr val="lt1">
+        <a:alpha val="90000"/>
+      </a:schemeClr>
+    </dgm:fillClrLst>
+    <dgm:linClrLst>
+      <a:schemeClr val="accent2"/>
+      <a:schemeClr val="accent3"/>
+    </dgm:linClrLst>
+    <dgm:effectClrLst/>
+    <dgm:txLinClrLst/>
+    <dgm:txFillClrLst meth="repeat">
+      <a:schemeClr val="dk1"/>
+    </dgm:txFillClrLst>
+    <dgm:txEffectClrLst/>
+  </dgm:styleLbl>
+  <dgm:styleLbl name="alignAcc1">
+    <dgm:fillClrLst meth="repeat">
+      <a:schemeClr val="lt1">
+        <a:alpha val="90000"/>
+      </a:schemeClr>
+    </dgm:fillClrLst>
+    <dgm:linClrLst>
+      <a:schemeClr val="accent2"/>
+      <a:schemeClr val="accent3"/>
+    </dgm:linClrLst>
+    <dgm:effectClrLst/>
+    <dgm:txLinClrLst/>
+    <dgm:txFillClrLst meth="repeat">
+      <a:schemeClr val="dk1"/>
+    </dgm:txFillClrLst>
+    <dgm:txEffectClrLst/>
+  </dgm:styleLbl>
+  <dgm:styleLbl name="trAlignAcc1">
+    <dgm:fillClrLst meth="repeat">
+      <a:schemeClr val="lt1">
+        <a:alpha val="40000"/>
+      </a:schemeClr>
+    </dgm:fillClrLst>
+    <dgm:linClrLst meth="repeat">
+      <a:schemeClr val="accent2"/>
+    </dgm:linClrLst>
+    <dgm:effectClrLst/>
+    <dgm:txLinClrLst/>
+    <dgm:txFillClrLst meth="repeat">
+      <a:schemeClr val="dk1"/>
+    </dgm:txFillClrLst>
+    <dgm:txEffectClrLst/>
+  </dgm:styleLbl>
+  <dgm:styleLbl name="bgAcc1">
+    <dgm:fillClrLst meth="repeat">
+      <a:schemeClr val="lt1">
+        <a:alpha val="90000"/>
+      </a:schemeClr>
+    </dgm:fillClrLst>
+    <dgm:linClrLst>
+      <a:schemeClr val="accent2"/>
+      <a:schemeClr val="accent3"/>
+    </dgm:linClrLst>
+    <dgm:effectClrLst/>
+    <dgm:txLinClrLst/>
+    <dgm:txFillClrLst meth="repeat">
+      <a:schemeClr val="dk1"/>
+    </dgm:txFillClrLst>
+    <dgm:txEffectClrLst/>
+  </dgm:styleLbl>
+  <dgm:styleLbl name="solidFgAcc1">
+    <dgm:fillClrLst meth="repeat">
+      <a:schemeClr val="lt1"/>
+    </dgm:fillClrLst>
+    <dgm:linClrLst>
+      <a:schemeClr val="accent2"/>
+      <a:schemeClr val="accent3"/>
+    </dgm:linClrLst>
+    <dgm:effectClrLst/>
+    <dgm:txLinClrLst/>
+    <dgm:txFillClrLst meth="repeat">
+      <a:schemeClr val="dk1"/>
+    </dgm:txFillClrLst>
+    <dgm:txEffectClrLst/>
+  </dgm:styleLbl>
+  <dgm:styleLbl name="solidAlignAcc1">
+    <dgm:fillClrLst meth="repeat">
+      <a:schemeClr val="lt1"/>
+    </dgm:fillClrLst>
+    <dgm:linClrLst>
+      <a:schemeClr val="accent2"/>
+      <a:schemeClr val="accent3"/>
+    </dgm:linClrLst>
+    <dgm:effectClrLst/>
+    <dgm:txLinClrLst/>
+    <dgm:txFillClrLst meth="repeat">
+      <a:schemeClr val="dk1"/>
+    </dgm:txFillClrLst>
+    <dgm:txEffectClrLst/>
+  </dgm:styleLbl>
+  <dgm:styleLbl name="solidBgAcc1">
+    <dgm:fillClrLst meth="repeat">
+      <a:schemeClr val="lt1"/>
+    </dgm:fillClrLst>
+    <dgm:linClrLst>
+      <a:schemeClr val="accent2"/>
+      <a:schemeClr val="accent3"/>
+    </dgm:linClrLst>
+    <dgm:effectClrLst/>
+    <dgm:txLinClrLst/>
+    <dgm:txFillClrLst meth="repeat">
+      <a:schemeClr val="dk1"/>
+    </dgm:txFillClrLst>
+    <dgm:txEffectClrLst/>
+  </dgm:styleLbl>
+  <dgm:styleLbl name="fgAccFollowNode1">
+    <dgm:fillClrLst>
+      <a:schemeClr val="accent2">
+        <a:tint val="40000"/>
+        <a:alpha val="90000"/>
+      </a:schemeClr>
+      <a:schemeClr val="accent3">
+        <a:tint val="40000"/>
+        <a:alpha val="90000"/>
+      </a:schemeClr>
+    </dgm:fillClrLst>
+    <dgm:linClrLst>
+      <a:schemeClr val="accent2">
+        <a:tint val="40000"/>
+        <a:alpha val="90000"/>
+      </a:schemeClr>
+      <a:schemeClr val="accent3">
+        <a:tint val="40000"/>
+        <a:alpha val="90000"/>
+      </a:schemeClr>
+    </dgm:linClrLst>
+    <dgm:effectClrLst/>
+    <dgm:txLinClrLst/>
+    <dgm:txFillClrLst meth="repeat">
+      <a:schemeClr val="dk1"/>
+    </dgm:txFillClrLst>
+    <dgm:txEffectClrLst/>
+  </dgm:styleLbl>
+  <dgm:styleLbl name="alignAccFollowNode1">
+    <dgm:fillClrLst>
+      <a:schemeClr val="accent2">
+        <a:tint val="40000"/>
+        <a:alpha val="90000"/>
+      </a:schemeClr>
+      <a:schemeClr val="accent3">
+        <a:tint val="40000"/>
+        <a:alpha val="90000"/>
+      </a:schemeClr>
+    </dgm:fillClrLst>
+    <dgm:linClrLst>
+      <a:schemeClr val="accent2">
+        <a:tint val="40000"/>
+        <a:alpha val="90000"/>
+      </a:schemeClr>
+      <a:schemeClr val="accent3">
+        <a:tint val="40000"/>
+        <a:alpha val="90000"/>
+      </a:schemeClr>
+    </dgm:linClrLst>
+    <dgm:effectClrLst/>
+    <dgm:txLinClrLst/>
+    <dgm:txFillClrLst meth="repeat">
+      <a:schemeClr val="dk1"/>
+    </dgm:txFillClrLst>
+    <dgm:txEffectClrLst/>
+  </dgm:styleLbl>
+  <dgm:styleLbl name="bgAccFollowNode1">
+    <dgm:fillClrLst>
+      <a:schemeClr val="accent2">
+        <a:tint val="40000"/>
+        <a:alpha val="90000"/>
+      </a:schemeClr>
+      <a:schemeClr val="accent3">
+        <a:tint val="40000"/>
+        <a:alpha val="90000"/>
+      </a:schemeClr>
+    </dgm:fillClrLst>
+    <dgm:linClrLst>
+      <a:schemeClr val="accent2">
+        <a:tint val="40000"/>
+        <a:alpha val="90000"/>
+      </a:schemeClr>
+      <a:schemeClr val="accent3">
+        <a:tint val="40000"/>
+        <a:alpha val="90000"/>
+      </a:schemeClr>
+    </dgm:linClrLst>
+    <dgm:effectClrLst/>
+    <dgm:txLinClrLst/>
+    <dgm:txFillClrLst meth="repeat">
+      <a:schemeClr val="dk1"/>
+    </dgm:txFillClrLst>
+    <dgm:txEffectClrLst/>
+  </dgm:styleLbl>
+  <dgm:styleLbl name="fgAcc0">
+    <dgm:fillClrLst meth="repeat">
+      <a:schemeClr val="lt1">
+        <a:alpha val="90000"/>
+      </a:schemeClr>
+    </dgm:fillClrLst>
+    <dgm:linClrLst>
+      <a:schemeClr val="accent1"/>
+    </dgm:linClrLst>
+    <dgm:effectClrLst/>
+    <dgm:txLinClrLst/>
+    <dgm:txFillClrLst meth="repeat">
+      <a:schemeClr val="dk1"/>
+    </dgm:txFillClrLst>
+    <dgm:txEffectClrLst/>
+  </dgm:styleLbl>
+  <dgm:styleLbl name="fgAcc2">
+    <dgm:fillClrLst meth="repeat">
+      <a:schemeClr val="lt1">
+        <a:alpha val="90000"/>
+      </a:schemeClr>
+    </dgm:fillClrLst>
+    <dgm:linClrLst>
+      <a:schemeClr val="accent3"/>
+    </dgm:linClrLst>
+    <dgm:effectClrLst/>
+    <dgm:txLinClrLst/>
+    <dgm:txFillClrLst meth="repeat">
+      <a:schemeClr val="dk1"/>
+    </dgm:txFillClrLst>
+    <dgm:txEffectClrLst/>
+  </dgm:styleLbl>
+  <dgm:styleLbl name="fgAcc3">
+    <dgm:fillClrLst meth="repeat">
+      <a:schemeClr val="lt1">
+        <a:alpha val="90000"/>
+      </a:schemeClr>
+    </dgm:fillClrLst>
+    <dgm:linClrLst>
+      <a:schemeClr val="accent4"/>
+    </dgm:linClrLst>
+    <dgm:effectClrLst/>
+    <dgm:txLinClrLst/>
+    <dgm:txFillClrLst meth="repeat">
+      <a:schemeClr val="dk1"/>
+    </dgm:txFillClrLst>
+    <dgm:txEffectClrLst/>
+  </dgm:styleLbl>
+  <dgm:styleLbl name="fgAcc4">
+    <dgm:fillClrLst meth="repeat">
+      <a:schemeClr val="lt1">
+        <a:alpha val="90000"/>
+      </a:schemeClr>
+    </dgm:fillClrLst>
+    <dgm:linClrLst>
+      <a:schemeClr val="accent5"/>
+    </dgm:linClrLst>
+    <dgm:effectClrLst/>
+    <dgm:txLinClrLst/>
+    <dgm:txFillClrLst meth="repeat">
+      <a:schemeClr val="dk1"/>
+    </dgm:txFillClrLst>
+    <dgm:txEffectClrLst/>
+  </dgm:styleLbl>
+  <dgm:styleLbl name="bgShp">
+    <dgm:fillClrLst meth="repeat">
+      <a:schemeClr val="accent2">
+        <a:tint val="40000"/>
+      </a:schemeClr>
+    </dgm:fillClrLst>
+    <dgm:linClrLst meth="repeat">
+      <a:schemeClr val="dk1"/>
+    </dgm:linClrLst>
+    <dgm:effectClrLst/>
+    <dgm:txLinClrLst/>
+    <dgm:txFillClrLst meth="repeat">
+      <a:schemeClr val="dk1"/>
+    </dgm:txFillClrLst>
+    <dgm:txEffectClrLst/>
+  </dgm:styleLbl>
+  <dgm:styleLbl name="dkBgShp">
+    <dgm:fillClrLst meth="repeat">
+      <a:schemeClr val="accent2">
+        <a:shade val="90000"/>
+      </a:schemeClr>
+    </dgm:fillClrLst>
+    <dgm:linClrLst meth="repeat">
+      <a:schemeClr val="dk1"/>
+    </dgm:linClrLst>
+    <dgm:effectClrLst/>
+    <dgm:txLinClrLst/>
+    <dgm:txFillClrLst meth="repeat">
+      <a:schemeClr val="lt1"/>
+    </dgm:txFillClrLst>
+    <dgm:txEffectClrLst/>
+  </dgm:styleLbl>
+  <dgm:styleLbl name="trBgShp">
+    <dgm:fillClrLst meth="repeat">
+      <a:schemeClr val="accent2">
+        <a:tint val="50000"/>
+        <a:alpha val="40000"/>
+      </a:schemeClr>
+    </dgm:fillClrLst>
+    <dgm:linClrLst meth="repeat">
+      <a:schemeClr val="accent2"/>
+    </dgm:linClrLst>
+    <dgm:effectClrLst/>
+    <dgm:txLinClrLst/>
+    <dgm:txFillClrLst meth="repeat">
+      <a:schemeClr val="lt1"/>
+    </dgm:txFillClrLst>
+    <dgm:txEffectClrLst/>
+  </dgm:styleLbl>
+  <dgm:styleLbl name="fgShp">
+    <dgm:fillClrLst meth="repeat">
+      <a:schemeClr val="accent2">
+        <a:tint val="40000"/>
+      </a:schemeClr>
+    </dgm:fillClrLst>
+    <dgm:linClrLst meth="repeat">
+      <a:schemeClr val="lt1"/>
+    </dgm:linClrLst>
+    <dgm:effectClrLst/>
+    <dgm:txLinClrLst/>
+    <dgm:txFillClrLst meth="repeat">
+      <a:schemeClr val="dk1"/>
+    </dgm:txFillClrLst>
+    <dgm:txEffectClrLst/>
+  </dgm:styleLbl>
+  <dgm:styleLbl name="revTx">
+    <dgm:fillClrLst meth="repeat">
+      <a:schemeClr val="lt1">
+        <a:alpha val="0"/>
+      </a:schemeClr>
+    </dgm:fillClrLst>
+    <dgm:linClrLst meth="repeat">
+      <a:schemeClr val="dk1">
+        <a:alpha val="0"/>
+      </a:schemeClr>
+    </dgm:linClrLst>
+    <dgm:effectClrLst/>
+    <dgm:txLinClrLst/>
+    <dgm:txFillClrLst meth="repeat">
+      <a:schemeClr val="tx1"/>
+    </dgm:txFillClrLst>
+    <dgm:txEffectClrLst/>
+  </dgm:styleLbl>
+</dgm:colorsDef>
+</file>
+
+<file path=ppt/diagrams/data1.xml><?xml version="1.0" encoding="utf-8"?>
+<dgm:dataModel xmlns:dgm="http://schemas.openxmlformats.org/drawingml/2006/diagram" xmlns:a="http://schemas.openxmlformats.org/drawingml/2006/main">
+  <dgm:ptLst>
+    <dgm:pt modelId="{97530BD9-D8AB-4788-AF98-5256AAD70A54}" type="doc">
+      <dgm:prSet loTypeId="urn:microsoft.com/office/officeart/2005/8/layout/hList1" loCatId="list" qsTypeId="urn:microsoft.com/office/officeart/2005/8/quickstyle/simple1" qsCatId="simple" csTypeId="urn:microsoft.com/office/officeart/2005/8/colors/colorful2" csCatId="colorful" phldr="1"/>
+      <dgm:spPr/>
+      <dgm:t>
+        <a:bodyPr/>
+        <a:lstStyle/>
+        <a:p>
+          <a:endParaRPr lang="zh-TW" altLang="en-US"/>
+        </a:p>
+      </dgm:t>
+    </dgm:pt>
+    <dgm:pt modelId="{C758ECAF-F32F-4458-94B0-721E74BC9A0A}">
+      <dgm:prSet phldrT="[文字]" custT="1"/>
+      <dgm:spPr/>
+      <dgm:t>
+        <a:bodyPr/>
+        <a:lstStyle/>
+        <a:p>
+          <a:r>
+            <a:rPr lang="zh-TW" altLang="en-US" sz="4000" dirty="0" smtClean="0"/>
+            <a:t>道具</a:t>
+          </a:r>
+          <a:endParaRPr lang="zh-TW" altLang="en-US" sz="4000" dirty="0"/>
+        </a:p>
+      </dgm:t>
+    </dgm:pt>
+    <dgm:pt modelId="{BA5BB22B-7B64-4AF0-8A3F-63159B402732}" type="parTrans" cxnId="{DA59C536-7D8A-4065-BA6E-B8A3961DF522}">
+      <dgm:prSet/>
+      <dgm:spPr/>
+      <dgm:t>
+        <a:bodyPr/>
+        <a:lstStyle/>
+        <a:p>
+          <a:endParaRPr lang="zh-TW" altLang="en-US"/>
+        </a:p>
+      </dgm:t>
+    </dgm:pt>
+    <dgm:pt modelId="{DA101461-B71B-4ACE-957D-B9144337C585}" type="sibTrans" cxnId="{DA59C536-7D8A-4065-BA6E-B8A3961DF522}">
+      <dgm:prSet/>
+      <dgm:spPr/>
+      <dgm:t>
+        <a:bodyPr/>
+        <a:lstStyle/>
+        <a:p>
+          <a:endParaRPr lang="zh-TW" altLang="en-US"/>
+        </a:p>
+      </dgm:t>
+    </dgm:pt>
+    <dgm:pt modelId="{923F61DE-E860-4815-8E74-4CB05693297D}">
+      <dgm:prSet phldrT="[文字]" custT="1"/>
+      <dgm:spPr/>
+      <dgm:t>
+        <a:bodyPr/>
+        <a:lstStyle/>
+        <a:p>
+          <a:r>
+            <a:rPr lang="zh-TW" altLang="en-US" sz="2400" dirty="0" smtClean="0"/>
+            <a:t>隨機生成遊戲道具</a:t>
+          </a:r>
+          <a:endParaRPr lang="zh-TW" altLang="en-US" sz="2400" dirty="0"/>
+        </a:p>
+      </dgm:t>
+    </dgm:pt>
+    <dgm:pt modelId="{E744A790-EB9B-4313-B917-85736D9CCEF3}" type="parTrans" cxnId="{8D59BC2B-5B49-4BFA-9EF0-C835B72C0365}">
+      <dgm:prSet/>
+      <dgm:spPr/>
+      <dgm:t>
+        <a:bodyPr/>
+        <a:lstStyle/>
+        <a:p>
+          <a:endParaRPr lang="zh-TW" altLang="en-US"/>
+        </a:p>
+      </dgm:t>
+    </dgm:pt>
+    <dgm:pt modelId="{67820AE9-A2F9-4D51-87AB-50964F1C2CBA}" type="sibTrans" cxnId="{8D59BC2B-5B49-4BFA-9EF0-C835B72C0365}">
+      <dgm:prSet/>
+      <dgm:spPr/>
+      <dgm:t>
+        <a:bodyPr/>
+        <a:lstStyle/>
+        <a:p>
+          <a:endParaRPr lang="zh-TW" altLang="en-US"/>
+        </a:p>
+      </dgm:t>
+    </dgm:pt>
+    <dgm:pt modelId="{0A0F0714-B356-41DF-B12E-0E4389850F15}">
+      <dgm:prSet phldrT="[文字]" custT="1"/>
+      <dgm:spPr/>
+      <dgm:t>
+        <a:bodyPr/>
+        <a:lstStyle/>
+        <a:p>
+          <a:r>
+            <a:rPr lang="zh-TW" altLang="en-US" sz="2400" dirty="0" smtClean="0"/>
+            <a:t>出現特殊效果</a:t>
+          </a:r>
+          <a:endParaRPr lang="zh-TW" altLang="en-US" sz="2400" dirty="0"/>
+        </a:p>
+      </dgm:t>
+    </dgm:pt>
+    <dgm:pt modelId="{B389920E-7768-4240-B4DE-5F0FE1098638}" type="parTrans" cxnId="{3AB1F5B4-0200-432E-BF4C-F1B129A50505}">
+      <dgm:prSet/>
+      <dgm:spPr/>
+      <dgm:t>
+        <a:bodyPr/>
+        <a:lstStyle/>
+        <a:p>
+          <a:endParaRPr lang="zh-TW" altLang="en-US"/>
+        </a:p>
+      </dgm:t>
+    </dgm:pt>
+    <dgm:pt modelId="{8951F423-65D3-4381-98D1-DB29738E83DC}" type="sibTrans" cxnId="{3AB1F5B4-0200-432E-BF4C-F1B129A50505}">
+      <dgm:prSet/>
+      <dgm:spPr/>
+      <dgm:t>
+        <a:bodyPr/>
+        <a:lstStyle/>
+        <a:p>
+          <a:endParaRPr lang="zh-TW" altLang="en-US"/>
+        </a:p>
+      </dgm:t>
+    </dgm:pt>
+    <dgm:pt modelId="{809E0E03-2E77-4E7E-92B7-E861F6B01114}">
+      <dgm:prSet phldrT="[文字]" custT="1"/>
+      <dgm:spPr/>
+      <dgm:t>
+        <a:bodyPr/>
+        <a:lstStyle/>
+        <a:p>
+          <a:r>
+            <a:rPr lang="zh-TW" altLang="en-US" sz="4000" dirty="0" smtClean="0"/>
+            <a:t>鬼抓人</a:t>
+          </a:r>
+          <a:endParaRPr lang="zh-TW" altLang="en-US" sz="4000" dirty="0"/>
+        </a:p>
+      </dgm:t>
+    </dgm:pt>
+    <dgm:pt modelId="{67488039-66EC-450C-8416-665B4A65BE35}" type="parTrans" cxnId="{ACF650E4-7425-4AAE-8DAA-E42DC23642DA}">
+      <dgm:prSet/>
+      <dgm:spPr/>
+      <dgm:t>
+        <a:bodyPr/>
+        <a:lstStyle/>
+        <a:p>
+          <a:endParaRPr lang="zh-TW" altLang="en-US"/>
+        </a:p>
+      </dgm:t>
+    </dgm:pt>
+    <dgm:pt modelId="{6B6B0D51-6F38-47B0-93E4-E5059DEE9228}" type="sibTrans" cxnId="{ACF650E4-7425-4AAE-8DAA-E42DC23642DA}">
+      <dgm:prSet/>
+      <dgm:spPr/>
+      <dgm:t>
+        <a:bodyPr/>
+        <a:lstStyle/>
+        <a:p>
+          <a:endParaRPr lang="zh-TW" altLang="en-US"/>
+        </a:p>
+      </dgm:t>
+    </dgm:pt>
+    <dgm:pt modelId="{63271212-213F-47D9-BB84-B84BA86664EA}">
+      <dgm:prSet phldrT="[文字]" custT="1"/>
+      <dgm:spPr/>
+      <dgm:t>
+        <a:bodyPr/>
+        <a:lstStyle/>
+        <a:p>
+          <a:r>
+            <a:rPr lang="zh-TW" altLang="en-US" sz="2400" dirty="0" smtClean="0"/>
+            <a:t>結合鬼抓人</a:t>
+          </a:r>
+          <a:endParaRPr lang="zh-TW" altLang="en-US" sz="2400" dirty="0"/>
+        </a:p>
+      </dgm:t>
+    </dgm:pt>
+    <dgm:pt modelId="{34EB48B3-08B9-4296-BCD2-575C8ADB0EA9}" type="parTrans" cxnId="{D80F80C4-3E1F-493E-A49F-6CFACA64BB76}">
+      <dgm:prSet/>
+      <dgm:spPr/>
+      <dgm:t>
+        <a:bodyPr/>
+        <a:lstStyle/>
+        <a:p>
+          <a:endParaRPr lang="zh-TW" altLang="en-US"/>
+        </a:p>
+      </dgm:t>
+    </dgm:pt>
+    <dgm:pt modelId="{EE3A2A11-5181-4B21-8F93-B9C377ABE497}" type="sibTrans" cxnId="{D80F80C4-3E1F-493E-A49F-6CFACA64BB76}">
+      <dgm:prSet/>
+      <dgm:spPr/>
+      <dgm:t>
+        <a:bodyPr/>
+        <a:lstStyle/>
+        <a:p>
+          <a:endParaRPr lang="zh-TW" altLang="en-US"/>
+        </a:p>
+      </dgm:t>
+    </dgm:pt>
+    <dgm:pt modelId="{D88FC435-F8DF-418E-A9B4-BD48A6028889}">
+      <dgm:prSet phldrT="[文字]" custT="1"/>
+      <dgm:spPr/>
+      <dgm:t>
+        <a:bodyPr/>
+        <a:lstStyle/>
+        <a:p>
+          <a:r>
+            <a:rPr lang="zh-TW" altLang="en-US" sz="2400" dirty="0" smtClean="0"/>
+            <a:t>增加刺激感</a:t>
+          </a:r>
+          <a:endParaRPr lang="zh-TW" altLang="en-US" sz="2400" dirty="0"/>
+        </a:p>
+      </dgm:t>
+    </dgm:pt>
+    <dgm:pt modelId="{E16356B6-9EF6-469A-98EC-AD35133D76BD}" type="parTrans" cxnId="{9D62A0E7-7FF1-40D2-A46E-1078CC093A87}">
+      <dgm:prSet/>
+      <dgm:spPr/>
+      <dgm:t>
+        <a:bodyPr/>
+        <a:lstStyle/>
+        <a:p>
+          <a:endParaRPr lang="zh-TW" altLang="en-US"/>
+        </a:p>
+      </dgm:t>
+    </dgm:pt>
+    <dgm:pt modelId="{E6AF035E-3EC7-4364-96F4-06AB0FCA770A}" type="sibTrans" cxnId="{9D62A0E7-7FF1-40D2-A46E-1078CC093A87}">
+      <dgm:prSet/>
+      <dgm:spPr/>
+      <dgm:t>
+        <a:bodyPr/>
+        <a:lstStyle/>
+        <a:p>
+          <a:endParaRPr lang="zh-TW" altLang="en-US"/>
+        </a:p>
+      </dgm:t>
+    </dgm:pt>
+    <dgm:pt modelId="{562658D3-9B9A-4932-AB1C-91A2ED42C30F}">
+      <dgm:prSet phldrT="[文字]" custT="1"/>
+      <dgm:spPr/>
+      <dgm:t>
+        <a:bodyPr/>
+        <a:lstStyle/>
+        <a:p>
+          <a:r>
+            <a:rPr lang="zh-TW" altLang="en-US" sz="4000" dirty="0" smtClean="0"/>
+            <a:t>可挖地</a:t>
+          </a:r>
+          <a:endParaRPr lang="zh-TW" altLang="en-US" sz="4000" dirty="0"/>
+        </a:p>
+      </dgm:t>
+    </dgm:pt>
+    <dgm:pt modelId="{3FBF06B3-2832-401F-9524-17A8DA1D0F69}" type="parTrans" cxnId="{3401D9F1-92EB-45A6-A17F-34DF30F9FCC4}">
+      <dgm:prSet/>
+      <dgm:spPr/>
+      <dgm:t>
+        <a:bodyPr/>
+        <a:lstStyle/>
+        <a:p>
+          <a:endParaRPr lang="zh-TW" altLang="en-US"/>
+        </a:p>
+      </dgm:t>
+    </dgm:pt>
+    <dgm:pt modelId="{8FE84243-108D-4674-8C5F-016A91163256}" type="sibTrans" cxnId="{3401D9F1-92EB-45A6-A17F-34DF30F9FCC4}">
+      <dgm:prSet/>
+      <dgm:spPr/>
+      <dgm:t>
+        <a:bodyPr/>
+        <a:lstStyle/>
+        <a:p>
+          <a:endParaRPr lang="zh-TW" altLang="en-US"/>
+        </a:p>
+      </dgm:t>
+    </dgm:pt>
+    <dgm:pt modelId="{3BE7D290-79C1-4C7C-BB2A-B107C3858D2A}">
+      <dgm:prSet phldrT="[文字]" custT="1"/>
+      <dgm:spPr/>
+      <dgm:t>
+        <a:bodyPr/>
+        <a:lstStyle/>
+        <a:p>
+          <a:r>
+            <a:rPr lang="zh-TW" altLang="en-US" sz="2400" dirty="0" smtClean="0"/>
+            <a:t>發想自麥塊</a:t>
+          </a:r>
+          <a:endParaRPr lang="zh-TW" altLang="en-US" sz="2400" dirty="0"/>
+        </a:p>
+      </dgm:t>
+    </dgm:pt>
+    <dgm:pt modelId="{1C57F9A4-9B0E-4C44-B7C9-F969456A8E56}" type="parTrans" cxnId="{75E89C87-201F-4D57-A122-7A070718B5DF}">
+      <dgm:prSet/>
+      <dgm:spPr/>
+      <dgm:t>
+        <a:bodyPr/>
+        <a:lstStyle/>
+        <a:p>
+          <a:endParaRPr lang="zh-TW" altLang="en-US"/>
+        </a:p>
+      </dgm:t>
+    </dgm:pt>
+    <dgm:pt modelId="{D089A82C-6D7B-4363-B8AF-FD5546B08512}" type="sibTrans" cxnId="{75E89C87-201F-4D57-A122-7A070718B5DF}">
+      <dgm:prSet/>
+      <dgm:spPr/>
+      <dgm:t>
+        <a:bodyPr/>
+        <a:lstStyle/>
+        <a:p>
+          <a:endParaRPr lang="zh-TW" altLang="en-US"/>
+        </a:p>
+      </dgm:t>
+    </dgm:pt>
+    <dgm:pt modelId="{7FA0FC05-50B9-44A9-BB7D-2E2AFA8E616C}">
+      <dgm:prSet phldrT="[文字]" custT="1"/>
+      <dgm:spPr/>
+      <dgm:t>
+        <a:bodyPr/>
+        <a:lstStyle/>
+        <a:p>
+          <a:r>
+            <a:rPr lang="zh-TW" altLang="en-US" sz="2400" dirty="0" smtClean="0"/>
+            <a:t>可挖掉地板</a:t>
+          </a:r>
+          <a:endParaRPr lang="zh-TW" altLang="en-US" sz="2400" dirty="0"/>
+        </a:p>
+      </dgm:t>
+    </dgm:pt>
+    <dgm:pt modelId="{018515F1-8B1F-49E5-8EFB-DE7151DD8410}" type="parTrans" cxnId="{055D4307-FE81-4F6C-869F-76E11F1292E9}">
+      <dgm:prSet/>
+      <dgm:spPr/>
+      <dgm:t>
+        <a:bodyPr/>
+        <a:lstStyle/>
+        <a:p>
+          <a:endParaRPr lang="zh-TW" altLang="en-US"/>
+        </a:p>
+      </dgm:t>
+    </dgm:pt>
+    <dgm:pt modelId="{D04BF425-E135-4B42-8B54-79A335C20DE0}" type="sibTrans" cxnId="{055D4307-FE81-4F6C-869F-76E11F1292E9}">
+      <dgm:prSet/>
+      <dgm:spPr/>
+      <dgm:t>
+        <a:bodyPr/>
+        <a:lstStyle/>
+        <a:p>
+          <a:endParaRPr lang="zh-TW" altLang="en-US"/>
+        </a:p>
+      </dgm:t>
+    </dgm:pt>
+    <dgm:pt modelId="{345507A3-9419-41D9-B797-8D3204E98438}">
+      <dgm:prSet phldrT="[文字]" custT="1"/>
+      <dgm:spPr/>
+      <dgm:t>
+        <a:bodyPr/>
+        <a:lstStyle/>
+        <a:p>
+          <a:r>
+            <a:rPr lang="zh-TW" altLang="en-US" sz="2400" dirty="0" smtClean="0"/>
+            <a:t>成為子彈擊退鬼</a:t>
+          </a:r>
+          <a:endParaRPr lang="zh-TW" altLang="en-US" sz="2400" dirty="0"/>
+        </a:p>
+      </dgm:t>
+    </dgm:pt>
+    <dgm:pt modelId="{37A49160-76FB-499E-A104-2BD6F0DB6489}" type="parTrans" cxnId="{0824859A-35A9-4654-9743-22E2D85610F6}">
+      <dgm:prSet/>
+      <dgm:spPr/>
+      <dgm:t>
+        <a:bodyPr/>
+        <a:lstStyle/>
+        <a:p>
+          <a:endParaRPr lang="zh-TW" altLang="en-US"/>
+        </a:p>
+      </dgm:t>
+    </dgm:pt>
+    <dgm:pt modelId="{E7F66A6C-3EB7-4005-8DA5-11415CA13F82}" type="sibTrans" cxnId="{0824859A-35A9-4654-9743-22E2D85610F6}">
+      <dgm:prSet/>
+      <dgm:spPr/>
+      <dgm:t>
+        <a:bodyPr/>
+        <a:lstStyle/>
+        <a:p>
+          <a:endParaRPr lang="zh-TW" altLang="en-US"/>
+        </a:p>
+      </dgm:t>
+    </dgm:pt>
+    <dgm:pt modelId="{1C2A8DDC-5DEE-47DC-9B0D-40EC7A11488F}" type="pres">
+      <dgm:prSet presAssocID="{97530BD9-D8AB-4788-AF98-5256AAD70A54}" presName="Name0" presStyleCnt="0">
+        <dgm:presLayoutVars>
+          <dgm:dir/>
+          <dgm:animLvl val="lvl"/>
+          <dgm:resizeHandles val="exact"/>
+        </dgm:presLayoutVars>
+      </dgm:prSet>
+      <dgm:spPr/>
+    </dgm:pt>
+    <dgm:pt modelId="{12DE72CE-4EED-4979-B5A8-6EF3F2DAE39D}" type="pres">
+      <dgm:prSet presAssocID="{C758ECAF-F32F-4458-94B0-721E74BC9A0A}" presName="composite" presStyleCnt="0"/>
+      <dgm:spPr/>
+    </dgm:pt>
+    <dgm:pt modelId="{C21B7ABD-EFAB-4ACC-A816-F2104D1654EC}" type="pres">
+      <dgm:prSet presAssocID="{C758ECAF-F32F-4458-94B0-721E74BC9A0A}" presName="parTx" presStyleLbl="alignNode1" presStyleIdx="0" presStyleCnt="3">
+        <dgm:presLayoutVars>
+          <dgm:chMax val="0"/>
+          <dgm:chPref val="0"/>
+          <dgm:bulletEnabled val="1"/>
+        </dgm:presLayoutVars>
+      </dgm:prSet>
+      <dgm:spPr/>
+    </dgm:pt>
+    <dgm:pt modelId="{3403FB3D-026A-4A43-8DFD-FA717358EC2E}" type="pres">
+      <dgm:prSet presAssocID="{C758ECAF-F32F-4458-94B0-721E74BC9A0A}" presName="desTx" presStyleLbl="alignAccFollowNode1" presStyleIdx="0" presStyleCnt="3">
+        <dgm:presLayoutVars>
+          <dgm:bulletEnabled val="1"/>
+        </dgm:presLayoutVars>
+      </dgm:prSet>
+      <dgm:spPr/>
+      <dgm:t>
+        <a:bodyPr/>
+        <a:lstStyle/>
+        <a:p>
+          <a:endParaRPr lang="zh-TW" altLang="en-US"/>
+        </a:p>
+      </dgm:t>
+    </dgm:pt>
+    <dgm:pt modelId="{DFB40080-8CE4-4707-BF1F-C9CB984FFD2E}" type="pres">
+      <dgm:prSet presAssocID="{DA101461-B71B-4ACE-957D-B9144337C585}" presName="space" presStyleCnt="0"/>
+      <dgm:spPr/>
+    </dgm:pt>
+    <dgm:pt modelId="{2B03FBAB-8865-4339-B495-0A5C577782EC}" type="pres">
+      <dgm:prSet presAssocID="{809E0E03-2E77-4E7E-92B7-E861F6B01114}" presName="composite" presStyleCnt="0"/>
+      <dgm:spPr/>
+    </dgm:pt>
+    <dgm:pt modelId="{EF9AD9C6-92B1-4BAC-947A-68F6701D7B54}" type="pres">
+      <dgm:prSet presAssocID="{809E0E03-2E77-4E7E-92B7-E861F6B01114}" presName="parTx" presStyleLbl="alignNode1" presStyleIdx="1" presStyleCnt="3">
+        <dgm:presLayoutVars>
+          <dgm:chMax val="0"/>
+          <dgm:chPref val="0"/>
+          <dgm:bulletEnabled val="1"/>
+        </dgm:presLayoutVars>
+      </dgm:prSet>
+      <dgm:spPr/>
+    </dgm:pt>
+    <dgm:pt modelId="{FC124E87-141F-486D-8C91-3ACD47AEB095}" type="pres">
+      <dgm:prSet presAssocID="{809E0E03-2E77-4E7E-92B7-E861F6B01114}" presName="desTx" presStyleLbl="alignAccFollowNode1" presStyleIdx="1" presStyleCnt="3">
+        <dgm:presLayoutVars>
+          <dgm:bulletEnabled val="1"/>
+        </dgm:presLayoutVars>
+      </dgm:prSet>
+      <dgm:spPr/>
+    </dgm:pt>
+    <dgm:pt modelId="{3F255FE8-3F70-4F47-8560-1B3F29F24DF9}" type="pres">
+      <dgm:prSet presAssocID="{6B6B0D51-6F38-47B0-93E4-E5059DEE9228}" presName="space" presStyleCnt="0"/>
+      <dgm:spPr/>
+    </dgm:pt>
+    <dgm:pt modelId="{52077D8B-3473-4964-A01F-4B62205E0889}" type="pres">
+      <dgm:prSet presAssocID="{562658D3-9B9A-4932-AB1C-91A2ED42C30F}" presName="composite" presStyleCnt="0"/>
+      <dgm:spPr/>
+    </dgm:pt>
+    <dgm:pt modelId="{7C36AF3A-B3F5-448C-95B7-293D095EDED1}" type="pres">
+      <dgm:prSet presAssocID="{562658D3-9B9A-4932-AB1C-91A2ED42C30F}" presName="parTx" presStyleLbl="alignNode1" presStyleIdx="2" presStyleCnt="3">
+        <dgm:presLayoutVars>
+          <dgm:chMax val="0"/>
+          <dgm:chPref val="0"/>
+          <dgm:bulletEnabled val="1"/>
+        </dgm:presLayoutVars>
+      </dgm:prSet>
+      <dgm:spPr/>
+    </dgm:pt>
+    <dgm:pt modelId="{89ED2C74-9297-4BB1-B2AC-CC9AFBE3C64B}" type="pres">
+      <dgm:prSet presAssocID="{562658D3-9B9A-4932-AB1C-91A2ED42C30F}" presName="desTx" presStyleLbl="alignAccFollowNode1" presStyleIdx="2" presStyleCnt="3">
+        <dgm:presLayoutVars>
+          <dgm:bulletEnabled val="1"/>
+        </dgm:presLayoutVars>
+      </dgm:prSet>
+      <dgm:spPr/>
+      <dgm:t>
+        <a:bodyPr/>
+        <a:lstStyle/>
+        <a:p>
+          <a:endParaRPr lang="zh-TW" altLang="en-US"/>
+        </a:p>
+      </dgm:t>
+    </dgm:pt>
+  </dgm:ptLst>
+  <dgm:cxnLst>
+    <dgm:cxn modelId="{8104A2B7-35FA-4101-877E-FD4621797B46}" type="presOf" srcId="{345507A3-9419-41D9-B797-8D3204E98438}" destId="{89ED2C74-9297-4BB1-B2AC-CC9AFBE3C64B}" srcOrd="0" destOrd="2" presId="urn:microsoft.com/office/officeart/2005/8/layout/hList1"/>
+    <dgm:cxn modelId="{30BF6E16-A8CD-4596-A49C-FDF01B1FC638}" type="presOf" srcId="{0A0F0714-B356-41DF-B12E-0E4389850F15}" destId="{3403FB3D-026A-4A43-8DFD-FA717358EC2E}" srcOrd="0" destOrd="1" presId="urn:microsoft.com/office/officeart/2005/8/layout/hList1"/>
+    <dgm:cxn modelId="{0824859A-35A9-4654-9743-22E2D85610F6}" srcId="{562658D3-9B9A-4932-AB1C-91A2ED42C30F}" destId="{345507A3-9419-41D9-B797-8D3204E98438}" srcOrd="2" destOrd="0" parTransId="{37A49160-76FB-499E-A104-2BD6F0DB6489}" sibTransId="{E7F66A6C-3EB7-4005-8DA5-11415CA13F82}"/>
+    <dgm:cxn modelId="{8D59BC2B-5B49-4BFA-9EF0-C835B72C0365}" srcId="{C758ECAF-F32F-4458-94B0-721E74BC9A0A}" destId="{923F61DE-E860-4815-8E74-4CB05693297D}" srcOrd="0" destOrd="0" parTransId="{E744A790-EB9B-4313-B917-85736D9CCEF3}" sibTransId="{67820AE9-A2F9-4D51-87AB-50964F1C2CBA}"/>
+    <dgm:cxn modelId="{C85477E2-3508-4AFF-9505-19B631204D6E}" type="presOf" srcId="{C758ECAF-F32F-4458-94B0-721E74BC9A0A}" destId="{C21B7ABD-EFAB-4ACC-A816-F2104D1654EC}" srcOrd="0" destOrd="0" presId="urn:microsoft.com/office/officeart/2005/8/layout/hList1"/>
+    <dgm:cxn modelId="{E6C1B3C4-7BD8-4225-8464-DA6DC6E638BE}" type="presOf" srcId="{3BE7D290-79C1-4C7C-BB2A-B107C3858D2A}" destId="{89ED2C74-9297-4BB1-B2AC-CC9AFBE3C64B}" srcOrd="0" destOrd="0" presId="urn:microsoft.com/office/officeart/2005/8/layout/hList1"/>
+    <dgm:cxn modelId="{3AB1F5B4-0200-432E-BF4C-F1B129A50505}" srcId="{C758ECAF-F32F-4458-94B0-721E74BC9A0A}" destId="{0A0F0714-B356-41DF-B12E-0E4389850F15}" srcOrd="1" destOrd="0" parTransId="{B389920E-7768-4240-B4DE-5F0FE1098638}" sibTransId="{8951F423-65D3-4381-98D1-DB29738E83DC}"/>
+    <dgm:cxn modelId="{ACF650E4-7425-4AAE-8DAA-E42DC23642DA}" srcId="{97530BD9-D8AB-4788-AF98-5256AAD70A54}" destId="{809E0E03-2E77-4E7E-92B7-E861F6B01114}" srcOrd="1" destOrd="0" parTransId="{67488039-66EC-450C-8416-665B4A65BE35}" sibTransId="{6B6B0D51-6F38-47B0-93E4-E5059DEE9228}"/>
+    <dgm:cxn modelId="{7F542080-580E-4D06-811D-854E9147D0C9}" type="presOf" srcId="{923F61DE-E860-4815-8E74-4CB05693297D}" destId="{3403FB3D-026A-4A43-8DFD-FA717358EC2E}" srcOrd="0" destOrd="0" presId="urn:microsoft.com/office/officeart/2005/8/layout/hList1"/>
+    <dgm:cxn modelId="{75E89C87-201F-4D57-A122-7A070718B5DF}" srcId="{562658D3-9B9A-4932-AB1C-91A2ED42C30F}" destId="{3BE7D290-79C1-4C7C-BB2A-B107C3858D2A}" srcOrd="0" destOrd="0" parTransId="{1C57F9A4-9B0E-4C44-B7C9-F969456A8E56}" sibTransId="{D089A82C-6D7B-4363-B8AF-FD5546B08512}"/>
+    <dgm:cxn modelId="{93D7815A-69CA-4D4E-9043-7996BADE4E3E}" type="presOf" srcId="{97530BD9-D8AB-4788-AF98-5256AAD70A54}" destId="{1C2A8DDC-5DEE-47DC-9B0D-40EC7A11488F}" srcOrd="0" destOrd="0" presId="urn:microsoft.com/office/officeart/2005/8/layout/hList1"/>
+    <dgm:cxn modelId="{055D4307-FE81-4F6C-869F-76E11F1292E9}" srcId="{562658D3-9B9A-4932-AB1C-91A2ED42C30F}" destId="{7FA0FC05-50B9-44A9-BB7D-2E2AFA8E616C}" srcOrd="1" destOrd="0" parTransId="{018515F1-8B1F-49E5-8EFB-DE7151DD8410}" sibTransId="{D04BF425-E135-4B42-8B54-79A335C20DE0}"/>
+    <dgm:cxn modelId="{946378F4-1F9B-4234-988C-90889DA9CA99}" type="presOf" srcId="{562658D3-9B9A-4932-AB1C-91A2ED42C30F}" destId="{7C36AF3A-B3F5-448C-95B7-293D095EDED1}" srcOrd="0" destOrd="0" presId="urn:microsoft.com/office/officeart/2005/8/layout/hList1"/>
+    <dgm:cxn modelId="{D80F80C4-3E1F-493E-A49F-6CFACA64BB76}" srcId="{809E0E03-2E77-4E7E-92B7-E861F6B01114}" destId="{63271212-213F-47D9-BB84-B84BA86664EA}" srcOrd="0" destOrd="0" parTransId="{34EB48B3-08B9-4296-BCD2-575C8ADB0EA9}" sibTransId="{EE3A2A11-5181-4B21-8F93-B9C377ABE497}"/>
+    <dgm:cxn modelId="{2AE4A962-33D0-403A-BD59-32BEDE971214}" type="presOf" srcId="{63271212-213F-47D9-BB84-B84BA86664EA}" destId="{FC124E87-141F-486D-8C91-3ACD47AEB095}" srcOrd="0" destOrd="0" presId="urn:microsoft.com/office/officeart/2005/8/layout/hList1"/>
+    <dgm:cxn modelId="{DA59C536-7D8A-4065-BA6E-B8A3961DF522}" srcId="{97530BD9-D8AB-4788-AF98-5256AAD70A54}" destId="{C758ECAF-F32F-4458-94B0-721E74BC9A0A}" srcOrd="0" destOrd="0" parTransId="{BA5BB22B-7B64-4AF0-8A3F-63159B402732}" sibTransId="{DA101461-B71B-4ACE-957D-B9144337C585}"/>
+    <dgm:cxn modelId="{9D62A0E7-7FF1-40D2-A46E-1078CC093A87}" srcId="{809E0E03-2E77-4E7E-92B7-E861F6B01114}" destId="{D88FC435-F8DF-418E-A9B4-BD48A6028889}" srcOrd="1" destOrd="0" parTransId="{E16356B6-9EF6-469A-98EC-AD35133D76BD}" sibTransId="{E6AF035E-3EC7-4364-96F4-06AB0FCA770A}"/>
+    <dgm:cxn modelId="{FE5AF861-A9B2-42D4-B2B2-AC7F5218174D}" type="presOf" srcId="{D88FC435-F8DF-418E-A9B4-BD48A6028889}" destId="{FC124E87-141F-486D-8C91-3ACD47AEB095}" srcOrd="0" destOrd="1" presId="urn:microsoft.com/office/officeart/2005/8/layout/hList1"/>
+    <dgm:cxn modelId="{2C60B517-2F1A-4037-98CD-A1A5E64D89A6}" type="presOf" srcId="{7FA0FC05-50B9-44A9-BB7D-2E2AFA8E616C}" destId="{89ED2C74-9297-4BB1-B2AC-CC9AFBE3C64B}" srcOrd="0" destOrd="1" presId="urn:microsoft.com/office/officeart/2005/8/layout/hList1"/>
+    <dgm:cxn modelId="{2DF6AC3B-6809-47C9-B39D-BA935CD3479D}" type="presOf" srcId="{809E0E03-2E77-4E7E-92B7-E861F6B01114}" destId="{EF9AD9C6-92B1-4BAC-947A-68F6701D7B54}" srcOrd="0" destOrd="0" presId="urn:microsoft.com/office/officeart/2005/8/layout/hList1"/>
+    <dgm:cxn modelId="{3401D9F1-92EB-45A6-A17F-34DF30F9FCC4}" srcId="{97530BD9-D8AB-4788-AF98-5256AAD70A54}" destId="{562658D3-9B9A-4932-AB1C-91A2ED42C30F}" srcOrd="2" destOrd="0" parTransId="{3FBF06B3-2832-401F-9524-17A8DA1D0F69}" sibTransId="{8FE84243-108D-4674-8C5F-016A91163256}"/>
+    <dgm:cxn modelId="{1E6E5947-ED04-41C8-A036-380DD5BDC579}" type="presParOf" srcId="{1C2A8DDC-5DEE-47DC-9B0D-40EC7A11488F}" destId="{12DE72CE-4EED-4979-B5A8-6EF3F2DAE39D}" srcOrd="0" destOrd="0" presId="urn:microsoft.com/office/officeart/2005/8/layout/hList1"/>
+    <dgm:cxn modelId="{BDAEDA6B-E249-4691-88A9-D9588AFC2A33}" type="presParOf" srcId="{12DE72CE-4EED-4979-B5A8-6EF3F2DAE39D}" destId="{C21B7ABD-EFAB-4ACC-A816-F2104D1654EC}" srcOrd="0" destOrd="0" presId="urn:microsoft.com/office/officeart/2005/8/layout/hList1"/>
+    <dgm:cxn modelId="{85B1F4BD-9924-4DF0-9279-6AF36FE331DD}" type="presParOf" srcId="{12DE72CE-4EED-4979-B5A8-6EF3F2DAE39D}" destId="{3403FB3D-026A-4A43-8DFD-FA717358EC2E}" srcOrd="1" destOrd="0" presId="urn:microsoft.com/office/officeart/2005/8/layout/hList1"/>
+    <dgm:cxn modelId="{5860EE41-B77B-45B5-AFD3-F4F3ADEFA7D9}" type="presParOf" srcId="{1C2A8DDC-5DEE-47DC-9B0D-40EC7A11488F}" destId="{DFB40080-8CE4-4707-BF1F-C9CB984FFD2E}" srcOrd="1" destOrd="0" presId="urn:microsoft.com/office/officeart/2005/8/layout/hList1"/>
+    <dgm:cxn modelId="{B8FDEC96-95CF-4C61-B525-8A67C9EFDEBD}" type="presParOf" srcId="{1C2A8DDC-5DEE-47DC-9B0D-40EC7A11488F}" destId="{2B03FBAB-8865-4339-B495-0A5C577782EC}" srcOrd="2" destOrd="0" presId="urn:microsoft.com/office/officeart/2005/8/layout/hList1"/>
+    <dgm:cxn modelId="{0B1C449E-0A75-45D4-B149-482B1F4C1174}" type="presParOf" srcId="{2B03FBAB-8865-4339-B495-0A5C577782EC}" destId="{EF9AD9C6-92B1-4BAC-947A-68F6701D7B54}" srcOrd="0" destOrd="0" presId="urn:microsoft.com/office/officeart/2005/8/layout/hList1"/>
+    <dgm:cxn modelId="{757A0A03-3ADE-4B04-9A53-4DD80BE42FAE}" type="presParOf" srcId="{2B03FBAB-8865-4339-B495-0A5C577782EC}" destId="{FC124E87-141F-486D-8C91-3ACD47AEB095}" srcOrd="1" destOrd="0" presId="urn:microsoft.com/office/officeart/2005/8/layout/hList1"/>
+    <dgm:cxn modelId="{1E9BAD7E-3F09-4D16-B6C4-0769C563B0ED}" type="presParOf" srcId="{1C2A8DDC-5DEE-47DC-9B0D-40EC7A11488F}" destId="{3F255FE8-3F70-4F47-8560-1B3F29F24DF9}" srcOrd="3" destOrd="0" presId="urn:microsoft.com/office/officeart/2005/8/layout/hList1"/>
+    <dgm:cxn modelId="{48F70496-606E-4437-94C2-9FE0B25D0B46}" type="presParOf" srcId="{1C2A8DDC-5DEE-47DC-9B0D-40EC7A11488F}" destId="{52077D8B-3473-4964-A01F-4B62205E0889}" srcOrd="4" destOrd="0" presId="urn:microsoft.com/office/officeart/2005/8/layout/hList1"/>
+    <dgm:cxn modelId="{323AF321-62DA-48F2-A91A-34366F951D9D}" type="presParOf" srcId="{52077D8B-3473-4964-A01F-4B62205E0889}" destId="{7C36AF3A-B3F5-448C-95B7-293D095EDED1}" srcOrd="0" destOrd="0" presId="urn:microsoft.com/office/officeart/2005/8/layout/hList1"/>
+    <dgm:cxn modelId="{B703AEFB-F953-4748-AA9F-1CD76D6858A6}" type="presParOf" srcId="{52077D8B-3473-4964-A01F-4B62205E0889}" destId="{89ED2C74-9297-4BB1-B2AC-CC9AFBE3C64B}" srcOrd="1" destOrd="0" presId="urn:microsoft.com/office/officeart/2005/8/layout/hList1"/>
+  </dgm:cxnLst>
+  <dgm:bg/>
+  <dgm:whole/>
+  <dgm:extLst>
+    <a:ext uri="http://schemas.microsoft.com/office/drawing/2008/diagram">
+      <dsp:dataModelExt xmlns:dsp="http://schemas.microsoft.com/office/drawing/2008/diagram" relId="rId6" minVer="http://schemas.openxmlformats.org/drawingml/2006/diagram"/>
+    </a:ext>
+  </dgm:extLst>
+</dgm:dataModel>
+</file>
+
+<file path=ppt/diagrams/drawing1.xml><?xml version="1.0" encoding="utf-8"?>
+<dsp:drawing xmlns:dgm="http://schemas.openxmlformats.org/drawingml/2006/diagram" xmlns:dsp="http://schemas.microsoft.com/office/drawing/2008/diagram" xmlns:a="http://schemas.openxmlformats.org/drawingml/2006/main">
+  <dsp:spTree>
+    <dsp:nvGrpSpPr>
+      <dsp:cNvPr id="0" name=""/>
+      <dsp:cNvGrpSpPr/>
+    </dsp:nvGrpSpPr>
+    <dsp:grpSpPr/>
+    <dsp:sp modelId="{C21B7ABD-EFAB-4ACC-A816-F2104D1654EC}">
+      <dsp:nvSpPr>
+        <dsp:cNvPr id="0" name=""/>
+        <dsp:cNvSpPr/>
+      </dsp:nvSpPr>
+      <dsp:spPr>
+        <a:xfrm>
+          <a:off x="3446" y="3101"/>
+          <a:ext cx="3360687" cy="1344275"/>
+        </a:xfrm>
+        <a:prstGeom prst="rect">
+          <a:avLst/>
+        </a:prstGeom>
+        <a:solidFill>
+          <a:schemeClr val="accent2">
+            <a:hueOff val="0"/>
+            <a:satOff val="0"/>
+            <a:lumOff val="0"/>
+            <a:alphaOff val="0"/>
+          </a:schemeClr>
+        </a:solidFill>
+        <a:ln w="22225" cap="rnd" cmpd="sng" algn="ctr">
+          <a:solidFill>
+            <a:schemeClr val="accent2">
+              <a:hueOff val="0"/>
+              <a:satOff val="0"/>
+              <a:lumOff val="0"/>
+              <a:alphaOff val="0"/>
+            </a:schemeClr>
+          </a:solidFill>
+          <a:prstDash val="solid"/>
+        </a:ln>
+        <a:effectLst/>
+      </dsp:spPr>
+      <dsp:style>
+        <a:lnRef idx="2">
+          <a:scrgbClr r="0" g="0" b="0"/>
+        </a:lnRef>
+        <a:fillRef idx="1">
+          <a:scrgbClr r="0" g="0" b="0"/>
+        </a:fillRef>
+        <a:effectRef idx="0">
+          <a:scrgbClr r="0" g="0" b="0"/>
+        </a:effectRef>
+        <a:fontRef idx="minor">
+          <a:schemeClr val="lt1"/>
+        </a:fontRef>
+      </dsp:style>
+      <dsp:txBody>
+        <a:bodyPr spcFirstLastPara="0" vert="horz" wrap="square" lIns="284480" tIns="162560" rIns="284480" bIns="162560" numCol="1" spcCol="1270" anchor="ctr" anchorCtr="0">
+          <a:noAutofit/>
+        </a:bodyPr>
+        <a:lstStyle/>
+        <a:p>
+          <a:pPr lvl="0" algn="ctr" defTabSz="1778000">
+            <a:lnSpc>
+              <a:spcPct val="90000"/>
+            </a:lnSpc>
+            <a:spcBef>
+              <a:spcPct val="0"/>
+            </a:spcBef>
+            <a:spcAft>
+              <a:spcPct val="35000"/>
+            </a:spcAft>
+          </a:pPr>
+          <a:r>
+            <a:rPr lang="zh-TW" altLang="en-US" sz="4000" kern="1200" dirty="0" smtClean="0"/>
+            <a:t>道具</a:t>
+          </a:r>
+          <a:endParaRPr lang="zh-TW" altLang="en-US" sz="4000" kern="1200" dirty="0"/>
+        </a:p>
+      </dsp:txBody>
+      <dsp:txXfrm>
+        <a:off x="3446" y="3101"/>
+        <a:ext cx="3360687" cy="1344275"/>
+      </dsp:txXfrm>
+    </dsp:sp>
+    <dsp:sp modelId="{3403FB3D-026A-4A43-8DFD-FA717358EC2E}">
+      <dsp:nvSpPr>
+        <dsp:cNvPr id="0" name=""/>
+        <dsp:cNvSpPr/>
+      </dsp:nvSpPr>
+      <dsp:spPr>
+        <a:xfrm>
+          <a:off x="3446" y="1347376"/>
+          <a:ext cx="3360687" cy="2327760"/>
+        </a:xfrm>
+        <a:prstGeom prst="rect">
+          <a:avLst/>
+        </a:prstGeom>
+        <a:solidFill>
+          <a:schemeClr val="accent2">
+            <a:tint val="40000"/>
+            <a:alpha val="90000"/>
+            <a:hueOff val="0"/>
+            <a:satOff val="0"/>
+            <a:lumOff val="0"/>
+            <a:alphaOff val="0"/>
+          </a:schemeClr>
+        </a:solidFill>
+        <a:ln w="22225" cap="rnd" cmpd="sng" algn="ctr">
+          <a:solidFill>
+            <a:schemeClr val="accent2">
+              <a:tint val="40000"/>
+              <a:alpha val="90000"/>
+              <a:hueOff val="0"/>
+              <a:satOff val="0"/>
+              <a:lumOff val="0"/>
+              <a:alphaOff val="0"/>
+            </a:schemeClr>
+          </a:solidFill>
+          <a:prstDash val="solid"/>
+        </a:ln>
+        <a:effectLst/>
+      </dsp:spPr>
+      <dsp:style>
+        <a:lnRef idx="2">
+          <a:scrgbClr r="0" g="0" b="0"/>
+        </a:lnRef>
+        <a:fillRef idx="1">
+          <a:scrgbClr r="0" g="0" b="0"/>
+        </a:fillRef>
+        <a:effectRef idx="0">
+          <a:scrgbClr r="0" g="0" b="0"/>
+        </a:effectRef>
+        <a:fontRef idx="minor"/>
+      </dsp:style>
+      <dsp:txBody>
+        <a:bodyPr spcFirstLastPara="0" vert="horz" wrap="square" lIns="128016" tIns="128016" rIns="170688" bIns="192024" numCol="1" spcCol="1270" anchor="t" anchorCtr="0">
+          <a:noAutofit/>
+        </a:bodyPr>
+        <a:lstStyle/>
+        <a:p>
+          <a:pPr marL="228600" lvl="1" indent="-228600" algn="l" defTabSz="1066800">
+            <a:lnSpc>
+              <a:spcPct val="90000"/>
+            </a:lnSpc>
+            <a:spcBef>
+              <a:spcPct val="0"/>
+            </a:spcBef>
+            <a:spcAft>
+              <a:spcPct val="15000"/>
+            </a:spcAft>
+            <a:buChar char="••"/>
+          </a:pPr>
+          <a:r>
+            <a:rPr lang="zh-TW" altLang="en-US" sz="2400" kern="1200" dirty="0" smtClean="0"/>
+            <a:t>隨機生成遊戲道具</a:t>
+          </a:r>
+          <a:endParaRPr lang="zh-TW" altLang="en-US" sz="2400" kern="1200" dirty="0"/>
+        </a:p>
+        <a:p>
+          <a:pPr marL="228600" lvl="1" indent="-228600" algn="l" defTabSz="1066800">
+            <a:lnSpc>
+              <a:spcPct val="90000"/>
+            </a:lnSpc>
+            <a:spcBef>
+              <a:spcPct val="0"/>
+            </a:spcBef>
+            <a:spcAft>
+              <a:spcPct val="15000"/>
+            </a:spcAft>
+            <a:buChar char="••"/>
+          </a:pPr>
+          <a:r>
+            <a:rPr lang="zh-TW" altLang="en-US" sz="2400" kern="1200" dirty="0" smtClean="0"/>
+            <a:t>出現特殊效果</a:t>
+          </a:r>
+          <a:endParaRPr lang="zh-TW" altLang="en-US" sz="2400" kern="1200" dirty="0"/>
+        </a:p>
+      </dsp:txBody>
+      <dsp:txXfrm>
+        <a:off x="3446" y="1347376"/>
+        <a:ext cx="3360687" cy="2327760"/>
+      </dsp:txXfrm>
+    </dsp:sp>
+    <dsp:sp modelId="{EF9AD9C6-92B1-4BAC-947A-68F6701D7B54}">
+      <dsp:nvSpPr>
+        <dsp:cNvPr id="0" name=""/>
+        <dsp:cNvSpPr/>
+      </dsp:nvSpPr>
+      <dsp:spPr>
+        <a:xfrm>
+          <a:off x="3834631" y="3101"/>
+          <a:ext cx="3360687" cy="1344275"/>
+        </a:xfrm>
+        <a:prstGeom prst="rect">
+          <a:avLst/>
+        </a:prstGeom>
+        <a:solidFill>
+          <a:schemeClr val="accent2">
+            <a:hueOff val="-1483991"/>
+            <a:satOff val="-9911"/>
+            <a:lumOff val="-3921"/>
+            <a:alphaOff val="0"/>
+          </a:schemeClr>
+        </a:solidFill>
+        <a:ln w="22225" cap="rnd" cmpd="sng" algn="ctr">
+          <a:solidFill>
+            <a:schemeClr val="accent2">
+              <a:hueOff val="-1483991"/>
+              <a:satOff val="-9911"/>
+              <a:lumOff val="-3921"/>
+              <a:alphaOff val="0"/>
+            </a:schemeClr>
+          </a:solidFill>
+          <a:prstDash val="solid"/>
+        </a:ln>
+        <a:effectLst/>
+      </dsp:spPr>
+      <dsp:style>
+        <a:lnRef idx="2">
+          <a:scrgbClr r="0" g="0" b="0"/>
+        </a:lnRef>
+        <a:fillRef idx="1">
+          <a:scrgbClr r="0" g="0" b="0"/>
+        </a:fillRef>
+        <a:effectRef idx="0">
+          <a:scrgbClr r="0" g="0" b="0"/>
+        </a:effectRef>
+        <a:fontRef idx="minor">
+          <a:schemeClr val="lt1"/>
+        </a:fontRef>
+      </dsp:style>
+      <dsp:txBody>
+        <a:bodyPr spcFirstLastPara="0" vert="horz" wrap="square" lIns="284480" tIns="162560" rIns="284480" bIns="162560" numCol="1" spcCol="1270" anchor="ctr" anchorCtr="0">
+          <a:noAutofit/>
+        </a:bodyPr>
+        <a:lstStyle/>
+        <a:p>
+          <a:pPr lvl="0" algn="ctr" defTabSz="1778000">
+            <a:lnSpc>
+              <a:spcPct val="90000"/>
+            </a:lnSpc>
+            <a:spcBef>
+              <a:spcPct val="0"/>
+            </a:spcBef>
+            <a:spcAft>
+              <a:spcPct val="35000"/>
+            </a:spcAft>
+          </a:pPr>
+          <a:r>
+            <a:rPr lang="zh-TW" altLang="en-US" sz="4000" kern="1200" dirty="0" smtClean="0"/>
+            <a:t>鬼抓人</a:t>
+          </a:r>
+          <a:endParaRPr lang="zh-TW" altLang="en-US" sz="4000" kern="1200" dirty="0"/>
+        </a:p>
+      </dsp:txBody>
+      <dsp:txXfrm>
+        <a:off x="3834631" y="3101"/>
+        <a:ext cx="3360687" cy="1344275"/>
+      </dsp:txXfrm>
+    </dsp:sp>
+    <dsp:sp modelId="{FC124E87-141F-486D-8C91-3ACD47AEB095}">
+      <dsp:nvSpPr>
+        <dsp:cNvPr id="0" name=""/>
+        <dsp:cNvSpPr/>
+      </dsp:nvSpPr>
+      <dsp:spPr>
+        <a:xfrm>
+          <a:off x="3834631" y="1347376"/>
+          <a:ext cx="3360687" cy="2327760"/>
+        </a:xfrm>
+        <a:prstGeom prst="rect">
+          <a:avLst/>
+        </a:prstGeom>
+        <a:solidFill>
+          <a:schemeClr val="accent2">
+            <a:tint val="40000"/>
+            <a:alpha val="90000"/>
+            <a:hueOff val="-1637819"/>
+            <a:satOff val="-6786"/>
+            <a:lumOff val="-892"/>
+            <a:alphaOff val="0"/>
+          </a:schemeClr>
+        </a:solidFill>
+        <a:ln w="22225" cap="rnd" cmpd="sng" algn="ctr">
+          <a:solidFill>
+            <a:schemeClr val="accent2">
+              <a:tint val="40000"/>
+              <a:alpha val="90000"/>
+              <a:hueOff val="-1637819"/>
+              <a:satOff val="-6786"/>
+              <a:lumOff val="-892"/>
+              <a:alphaOff val="0"/>
+            </a:schemeClr>
+          </a:solidFill>
+          <a:prstDash val="solid"/>
+        </a:ln>
+        <a:effectLst/>
+      </dsp:spPr>
+      <dsp:style>
+        <a:lnRef idx="2">
+          <a:scrgbClr r="0" g="0" b="0"/>
+        </a:lnRef>
+        <a:fillRef idx="1">
+          <a:scrgbClr r="0" g="0" b="0"/>
+        </a:fillRef>
+        <a:effectRef idx="0">
+          <a:scrgbClr r="0" g="0" b="0"/>
+        </a:effectRef>
+        <a:fontRef idx="minor"/>
+      </dsp:style>
+      <dsp:txBody>
+        <a:bodyPr spcFirstLastPara="0" vert="horz" wrap="square" lIns="128016" tIns="128016" rIns="170688" bIns="192024" numCol="1" spcCol="1270" anchor="t" anchorCtr="0">
+          <a:noAutofit/>
+        </a:bodyPr>
+        <a:lstStyle/>
+        <a:p>
+          <a:pPr marL="228600" lvl="1" indent="-228600" algn="l" defTabSz="1066800">
+            <a:lnSpc>
+              <a:spcPct val="90000"/>
+            </a:lnSpc>
+            <a:spcBef>
+              <a:spcPct val="0"/>
+            </a:spcBef>
+            <a:spcAft>
+              <a:spcPct val="15000"/>
+            </a:spcAft>
+            <a:buChar char="••"/>
+          </a:pPr>
+          <a:r>
+            <a:rPr lang="zh-TW" altLang="en-US" sz="2400" kern="1200" dirty="0" smtClean="0"/>
+            <a:t>結合鬼抓人</a:t>
+          </a:r>
+          <a:endParaRPr lang="zh-TW" altLang="en-US" sz="2400" kern="1200" dirty="0"/>
+        </a:p>
+        <a:p>
+          <a:pPr marL="228600" lvl="1" indent="-228600" algn="l" defTabSz="1066800">
+            <a:lnSpc>
+              <a:spcPct val="90000"/>
+            </a:lnSpc>
+            <a:spcBef>
+              <a:spcPct val="0"/>
+            </a:spcBef>
+            <a:spcAft>
+              <a:spcPct val="15000"/>
+            </a:spcAft>
+            <a:buChar char="••"/>
+          </a:pPr>
+          <a:r>
+            <a:rPr lang="zh-TW" altLang="en-US" sz="2400" kern="1200" dirty="0" smtClean="0"/>
+            <a:t>增加刺激感</a:t>
+          </a:r>
+          <a:endParaRPr lang="zh-TW" altLang="en-US" sz="2400" kern="1200" dirty="0"/>
+        </a:p>
+      </dsp:txBody>
+      <dsp:txXfrm>
+        <a:off x="3834631" y="1347376"/>
+        <a:ext cx="3360687" cy="2327760"/>
+      </dsp:txXfrm>
+    </dsp:sp>
+    <dsp:sp modelId="{7C36AF3A-B3F5-448C-95B7-293D095EDED1}">
+      <dsp:nvSpPr>
+        <dsp:cNvPr id="0" name=""/>
+        <dsp:cNvSpPr/>
+      </dsp:nvSpPr>
+      <dsp:spPr>
+        <a:xfrm>
+          <a:off x="7665815" y="3101"/>
+          <a:ext cx="3360687" cy="1344275"/>
+        </a:xfrm>
+        <a:prstGeom prst="rect">
+          <a:avLst/>
+        </a:prstGeom>
+        <a:solidFill>
+          <a:schemeClr val="accent2">
+            <a:hueOff val="-2967982"/>
+            <a:satOff val="-19823"/>
+            <a:lumOff val="-7842"/>
+            <a:alphaOff val="0"/>
+          </a:schemeClr>
+        </a:solidFill>
+        <a:ln w="22225" cap="rnd" cmpd="sng" algn="ctr">
+          <a:solidFill>
+            <a:schemeClr val="accent2">
+              <a:hueOff val="-2967982"/>
+              <a:satOff val="-19823"/>
+              <a:lumOff val="-7842"/>
+              <a:alphaOff val="0"/>
+            </a:schemeClr>
+          </a:solidFill>
+          <a:prstDash val="solid"/>
+        </a:ln>
+        <a:effectLst/>
+      </dsp:spPr>
+      <dsp:style>
+        <a:lnRef idx="2">
+          <a:scrgbClr r="0" g="0" b="0"/>
+        </a:lnRef>
+        <a:fillRef idx="1">
+          <a:scrgbClr r="0" g="0" b="0"/>
+        </a:fillRef>
+        <a:effectRef idx="0">
+          <a:scrgbClr r="0" g="0" b="0"/>
+        </a:effectRef>
+        <a:fontRef idx="minor">
+          <a:schemeClr val="lt1"/>
+        </a:fontRef>
+      </dsp:style>
+      <dsp:txBody>
+        <a:bodyPr spcFirstLastPara="0" vert="horz" wrap="square" lIns="284480" tIns="162560" rIns="284480" bIns="162560" numCol="1" spcCol="1270" anchor="ctr" anchorCtr="0">
+          <a:noAutofit/>
+        </a:bodyPr>
+        <a:lstStyle/>
+        <a:p>
+          <a:pPr lvl="0" algn="ctr" defTabSz="1778000">
+            <a:lnSpc>
+              <a:spcPct val="90000"/>
+            </a:lnSpc>
+            <a:spcBef>
+              <a:spcPct val="0"/>
+            </a:spcBef>
+            <a:spcAft>
+              <a:spcPct val="35000"/>
+            </a:spcAft>
+          </a:pPr>
+          <a:r>
+            <a:rPr lang="zh-TW" altLang="en-US" sz="4000" kern="1200" dirty="0" smtClean="0"/>
+            <a:t>可挖地</a:t>
+          </a:r>
+          <a:endParaRPr lang="zh-TW" altLang="en-US" sz="4000" kern="1200" dirty="0"/>
+        </a:p>
+      </dsp:txBody>
+      <dsp:txXfrm>
+        <a:off x="7665815" y="3101"/>
+        <a:ext cx="3360687" cy="1344275"/>
+      </dsp:txXfrm>
+    </dsp:sp>
+    <dsp:sp modelId="{89ED2C74-9297-4BB1-B2AC-CC9AFBE3C64B}">
+      <dsp:nvSpPr>
+        <dsp:cNvPr id="0" name=""/>
+        <dsp:cNvSpPr/>
+      </dsp:nvSpPr>
+      <dsp:spPr>
+        <a:xfrm>
+          <a:off x="7665815" y="1347376"/>
+          <a:ext cx="3360687" cy="2327760"/>
+        </a:xfrm>
+        <a:prstGeom prst="rect">
+          <a:avLst/>
+        </a:prstGeom>
+        <a:solidFill>
+          <a:schemeClr val="accent2">
+            <a:tint val="40000"/>
+            <a:alpha val="90000"/>
+            <a:hueOff val="-3275638"/>
+            <a:satOff val="-13571"/>
+            <a:lumOff val="-1784"/>
+            <a:alphaOff val="0"/>
+          </a:schemeClr>
+        </a:solidFill>
+        <a:ln w="22225" cap="rnd" cmpd="sng" algn="ctr">
+          <a:solidFill>
+            <a:schemeClr val="accent2">
+              <a:tint val="40000"/>
+              <a:alpha val="90000"/>
+              <a:hueOff val="-3275638"/>
+              <a:satOff val="-13571"/>
+              <a:lumOff val="-1784"/>
+              <a:alphaOff val="0"/>
+            </a:schemeClr>
+          </a:solidFill>
+          <a:prstDash val="solid"/>
+        </a:ln>
+        <a:effectLst/>
+      </dsp:spPr>
+      <dsp:style>
+        <a:lnRef idx="2">
+          <a:scrgbClr r="0" g="0" b="0"/>
+        </a:lnRef>
+        <a:fillRef idx="1">
+          <a:scrgbClr r="0" g="0" b="0"/>
+        </a:fillRef>
+        <a:effectRef idx="0">
+          <a:scrgbClr r="0" g="0" b="0"/>
+        </a:effectRef>
+        <a:fontRef idx="minor"/>
+      </dsp:style>
+      <dsp:txBody>
+        <a:bodyPr spcFirstLastPara="0" vert="horz" wrap="square" lIns="128016" tIns="128016" rIns="170688" bIns="192024" numCol="1" spcCol="1270" anchor="t" anchorCtr="0">
+          <a:noAutofit/>
+        </a:bodyPr>
+        <a:lstStyle/>
+        <a:p>
+          <a:pPr marL="228600" lvl="1" indent="-228600" algn="l" defTabSz="1066800">
+            <a:lnSpc>
+              <a:spcPct val="90000"/>
+            </a:lnSpc>
+            <a:spcBef>
+              <a:spcPct val="0"/>
+            </a:spcBef>
+            <a:spcAft>
+              <a:spcPct val="15000"/>
+            </a:spcAft>
+            <a:buChar char="••"/>
+          </a:pPr>
+          <a:r>
+            <a:rPr lang="zh-TW" altLang="en-US" sz="2400" kern="1200" dirty="0" smtClean="0"/>
+            <a:t>發想自麥塊</a:t>
+          </a:r>
+          <a:endParaRPr lang="zh-TW" altLang="en-US" sz="2400" kern="1200" dirty="0"/>
+        </a:p>
+        <a:p>
+          <a:pPr marL="228600" lvl="1" indent="-228600" algn="l" defTabSz="1066800">
+            <a:lnSpc>
+              <a:spcPct val="90000"/>
+            </a:lnSpc>
+            <a:spcBef>
+              <a:spcPct val="0"/>
+            </a:spcBef>
+            <a:spcAft>
+              <a:spcPct val="15000"/>
+            </a:spcAft>
+            <a:buChar char="••"/>
+          </a:pPr>
+          <a:r>
+            <a:rPr lang="zh-TW" altLang="en-US" sz="2400" kern="1200" dirty="0" smtClean="0"/>
+            <a:t>可挖掉地板</a:t>
+          </a:r>
+          <a:endParaRPr lang="zh-TW" altLang="en-US" sz="2400" kern="1200" dirty="0"/>
+        </a:p>
+        <a:p>
+          <a:pPr marL="228600" lvl="1" indent="-228600" algn="l" defTabSz="1066800">
+            <a:lnSpc>
+              <a:spcPct val="90000"/>
+            </a:lnSpc>
+            <a:spcBef>
+              <a:spcPct val="0"/>
+            </a:spcBef>
+            <a:spcAft>
+              <a:spcPct val="15000"/>
+            </a:spcAft>
+            <a:buChar char="••"/>
+          </a:pPr>
+          <a:r>
+            <a:rPr lang="zh-TW" altLang="en-US" sz="2400" kern="1200" dirty="0" smtClean="0"/>
+            <a:t>成為子彈擊退鬼</a:t>
+          </a:r>
+          <a:endParaRPr lang="zh-TW" altLang="en-US" sz="2400" kern="1200" dirty="0"/>
+        </a:p>
+      </dsp:txBody>
+      <dsp:txXfrm>
+        <a:off x="7665815" y="1347376"/>
+        <a:ext cx="3360687" cy="2327760"/>
+      </dsp:txXfrm>
+    </dsp:sp>
+  </dsp:spTree>
+</dsp:drawing>
+</file>
+
+<file path=ppt/diagrams/layout1.xml><?xml version="1.0" encoding="utf-8"?>
+<dgm:layoutDef xmlns:dgm="http://schemas.openxmlformats.org/drawingml/2006/diagram" xmlns:a="http://schemas.openxmlformats.org/drawingml/2006/main" uniqueId="urn:microsoft.com/office/officeart/2005/8/layout/hList1">
+  <dgm:title val=""/>
+  <dgm:desc val=""/>
+  <dgm:catLst>
+    <dgm:cat type="list" pri="5000"/>
+    <dgm:cat type="convert" pri="5000"/>
+  </dgm:catLst>
+  <dgm:sampData>
+    <dgm:dataModel>
+      <dgm:ptLst>
+        <dgm:pt modelId="0" type="doc"/>
+        <dgm:pt modelId="1">
+          <dgm:prSet phldr="1"/>
+        </dgm:pt>
+        <dgm:pt modelId="11">
+          <dgm:prSet phldr="1"/>
+        </dgm:pt>
+        <dgm:pt modelId="12">
+          <dgm:prSet phldr="1"/>
+        </dgm:pt>
+        <dgm:pt modelId="2">
+          <dgm:prSet phldr="1"/>
+        </dgm:pt>
+        <dgm:pt modelId="21">
+          <dgm:prSet phldr="1"/>
+        </dgm:pt>
+        <dgm:pt modelId="22">
+          <dgm:prSet phldr="1"/>
+        </dgm:pt>
+        <dgm:pt modelId="3">
+          <dgm:prSet phldr="1"/>
+        </dgm:pt>
+        <dgm:pt modelId="31">
+          <dgm:prSet phldr="1"/>
+        </dgm:pt>
+        <dgm:pt modelId="32">
+          <dgm:prSet phldr="1"/>
+        </dgm:pt>
+      </dgm:ptLst>
+      <dgm:cxnLst>
+        <dgm:cxn modelId="4" srcId="0" destId="1" srcOrd="0" destOrd="0"/>
+        <dgm:cxn modelId="5" srcId="0" destId="2" srcOrd="1" destOrd="0"/>
+        <dgm:cxn modelId="6" srcId="0" destId="3" srcOrd="2" destOrd="0"/>
+        <dgm:cxn modelId="13" srcId="1" destId="11" srcOrd="0" destOrd="0"/>
+        <dgm:cxn modelId="14" srcId="1" destId="12" srcOrd="1" destOrd="0"/>
+        <dgm:cxn modelId="23" srcId="2" destId="21" srcOrd="0" destOrd="0"/>
+        <dgm:cxn modelId="24" srcId="2" destId="22" srcOrd="1" destOrd="0"/>
+        <dgm:cxn modelId="33" srcId="3" destId="31" srcOrd="0" destOrd="0"/>
+        <dgm:cxn modelId="34" srcId="3" destId="32" srcOrd="1" destOrd="0"/>
+      </dgm:cxnLst>
+      <dgm:bg/>
+      <dgm:whole/>
+    </dgm:dataModel>
+  </dgm:sampData>
+  <dgm:styleData>
+    <dgm:dataModel>
+      <dgm:ptLst>
+        <dgm:pt modelId="0" type="doc"/>
+        <dgm:pt modelId="1">
+          <dgm:prSet phldr="1"/>
+        </dgm:pt>
+        <dgm:pt modelId="2">
+          <dgm:prSet phldr="1"/>
+        </dgm:pt>
+      </dgm:ptLst>
+      <dgm:cxnLst>
+        <dgm:cxn modelId="3" srcId="0" destId="1" srcOrd="0" destOrd="0"/>
+        <dgm:cxn modelId="4" srcId="0" destId="2" srcOrd="1" destOrd="0"/>
+      </dgm:cxnLst>
+      <dgm:bg/>
+      <dgm:whole/>
+    </dgm:dataModel>
+  </dgm:styleData>
+  <dgm:clrData>
+    <dgm:dataModel>
+      <dgm:ptLst>
+        <dgm:pt modelId="0" type="doc"/>
+        <dgm:pt modelId="1">
+          <dgm:prSet phldr="1"/>
+        </dgm:pt>
+        <dgm:pt modelId="2">
+          <dgm:prSet phldr="1"/>
+        </dgm:pt>
+        <dgm:pt modelId="3">
+          <dgm:prSet phldr="1"/>
+        </dgm:pt>
+        <dgm:pt modelId="4">
+          <dgm:prSet phldr="1"/>
+        </dgm:pt>
+      </dgm:ptLst>
+      <dgm:cxnLst>
+        <dgm:cxn modelId="5" srcId="0" destId="1" srcOrd="0" destOrd="0"/>
+        <dgm:cxn modelId="6" srcId="0" destId="2" srcOrd="1" destOrd="0"/>
+        <dgm:cxn modelId="7" srcId="0" destId="3" srcOrd="2" destOrd="0"/>
+        <dgm:cxn modelId="8" srcId="0" destId="4" srcOrd="3" destOrd="0"/>
+      </dgm:cxnLst>
+      <dgm:bg/>
+      <dgm:whole/>
+    </dgm:dataModel>
+  </dgm:clrData>
+  <dgm:layoutNode name="Name0">
+    <dgm:varLst>
+      <dgm:dir/>
+      <dgm:animLvl val="lvl"/>
+      <dgm:resizeHandles val="exact"/>
+    </dgm:varLst>
+    <dgm:choose name="Name1">
+      <dgm:if name="Name2" func="var" arg="dir" op="equ" val="norm">
+        <dgm:alg type="lin"/>
+      </dgm:if>
+      <dgm:else name="Name3">
+        <dgm:alg type="lin">
+          <dgm:param type="linDir" val="fromR"/>
+        </dgm:alg>
+      </dgm:else>
+    </dgm:choose>
+    <dgm:shape xmlns:r="http://schemas.openxmlformats.org/officeDocument/2006/relationships" r:blip="">
+      <dgm:adjLst/>
+    </dgm:shape>
+    <dgm:presOf/>
+    <dgm:constrLst>
+      <dgm:constr type="h" for="ch" forName="composite" refType="h"/>
+      <dgm:constr type="w" for="ch" forName="composite" refType="w"/>
+      <dgm:constr type="w" for="des" forName="parTx"/>
+      <dgm:constr type="h" for="des" forName="parTx" op="equ"/>
+      <dgm:constr type="w" for="des" forName="desTx"/>
+      <dgm:constr type="h" for="des" forName="desTx" op="equ"/>
+      <dgm:constr type="primFontSz" for="des" forName="parTx" val="65"/>
+      <dgm:constr type="secFontSz" for="des" forName="desTx" refType="primFontSz" refFor="des" refForName="parTx" op="equ"/>
+      <dgm:constr type="h" for="des" forName="parTx" refType="primFontSz" refFor="des" refForName="parTx" fact="0.8"/>
+      <dgm:constr type="h" for="des" forName="desTx" refType="primFontSz" refFor="des" refForName="parTx" fact="1.22"/>
+      <dgm:constr type="w" for="ch" forName="space" refType="w" refFor="ch" refForName="composite" op="equ" fact="0.14"/>
+    </dgm:constrLst>
+    <dgm:ruleLst>
+      <dgm:rule type="w" for="ch" forName="composite" val="0" fact="NaN" max="NaN"/>
+      <dgm:rule type="primFontSz" for="des" forName="parTx" val="5" fact="NaN" max="NaN"/>
+    </dgm:ruleLst>
+    <dgm:forEach name="Name4" axis="ch" ptType="node">
+      <dgm:layoutNode name="composite">
+        <dgm:alg type="composite"/>
+        <dgm:shape xmlns:r="http://schemas.openxmlformats.org/officeDocument/2006/relationships" r:blip="">
+          <dgm:adjLst/>
+        </dgm:shape>
+        <dgm:presOf/>
+        <dgm:constrLst>
+          <dgm:constr type="l" for="ch" forName="parTx"/>
+          <dgm:constr type="w" for="ch" forName="parTx" refType="w"/>
+          <dgm:constr type="t" for="ch" forName="parTx"/>
+          <dgm:constr type="l" for="ch" forName="desTx"/>
+          <dgm:constr type="w" for="ch" forName="desTx" refType="w" refFor="ch" refForName="parTx"/>
+          <dgm:constr type="t" for="ch" forName="desTx" refType="h" refFor="ch" refForName="parTx"/>
+        </dgm:constrLst>
+        <dgm:ruleLst>
+          <dgm:rule type="h" val="INF" fact="NaN" max="NaN"/>
+        </dgm:ruleLst>
+        <dgm:layoutNode name="parTx" styleLbl="alignNode1">
+          <dgm:varLst>
+            <dgm:chMax val="0"/>
+            <dgm:chPref val="0"/>
+            <dgm:bulletEnabled val="1"/>
+          </dgm:varLst>
+          <dgm:alg type="tx"/>
+          <dgm:shape xmlns:r="http://schemas.openxmlformats.org/officeDocument/2006/relationships" type="rect" r:blip="">
+            <dgm:adjLst/>
+          </dgm:shape>
+          <dgm:presOf axis="self" ptType="node"/>
+          <dgm:constrLst>
+            <dgm:constr type="h" refType="w" op="lte" fact="0.4"/>
+            <dgm:constr type="h"/>
+            <dgm:constr type="tMarg" refType="primFontSz" fact="0.32"/>
+            <dgm:constr type="bMarg" refType="primFontSz" fact="0.32"/>
+          </dgm:constrLst>
+          <dgm:ruleLst>
+            <dgm:rule type="h" val="INF" fact="NaN" max="NaN"/>
+          </dgm:ruleLst>
+        </dgm:layoutNode>
+        <dgm:layoutNode name="desTx" styleLbl="alignAccFollowNode1">
+          <dgm:varLst>
+            <dgm:bulletEnabled val="1"/>
+          </dgm:varLst>
+          <dgm:alg type="tx">
+            <dgm:param type="stBulletLvl" val="1"/>
+          </dgm:alg>
+          <dgm:shape xmlns:r="http://schemas.openxmlformats.org/officeDocument/2006/relationships" type="rect" r:blip="">
+            <dgm:adjLst/>
+          </dgm:shape>
+          <dgm:presOf axis="des" ptType="node"/>
+          <dgm:constrLst>
+            <dgm:constr type="secFontSz" val="65"/>
+            <dgm:constr type="primFontSz" refType="secFontSz"/>
+            <dgm:constr type="h"/>
+            <dgm:constr type="lMarg" refType="primFontSz" fact="0.42"/>
+            <dgm:constr type="tMarg" refType="primFontSz" fact="0.42"/>
+            <dgm:constr type="bMarg" refType="primFontSz" fact="0.63"/>
+          </dgm:constrLst>
+          <dgm:ruleLst>
+            <dgm:rule type="h" val="INF" fact="NaN" max="NaN"/>
+          </dgm:ruleLst>
+        </dgm:layoutNode>
+      </dgm:layoutNode>
+      <dgm:forEach name="Name5" axis="followSib" ptType="sibTrans" cnt="1">
+        <dgm:layoutNode name="space">
+          <dgm:alg type="sp"/>
+          <dgm:shape xmlns:r="http://schemas.openxmlformats.org/officeDocument/2006/relationships" r:blip="">
+            <dgm:adjLst/>
+          </dgm:shape>
+          <dgm:presOf/>
+          <dgm:constrLst/>
+          <dgm:ruleLst/>
+        </dgm:layoutNode>
+      </dgm:forEach>
+    </dgm:forEach>
+  </dgm:layoutNode>
+</dgm:layoutDef>
+</file>
+
+<file path=ppt/diagrams/quickStyle1.xml><?xml version="1.0" encoding="utf-8"?>
+<dgm:styleDef xmlns:dgm="http://schemas.openxmlformats.org/drawingml/2006/diagram" xmlns:a="http://schemas.openxmlformats.org/drawingml/2006/main" uniqueId="urn:microsoft.com/office/officeart/2005/8/quickstyle/simple1">
+  <dgm:title val=""/>
+  <dgm:desc val=""/>
+  <dgm:catLst>
+    <dgm:cat type="simple" pri="10100"/>
+  </dgm:catLst>
+  <dgm:scene3d>
+    <a:camera prst="orthographicFront"/>
+    <a:lightRig rig="threePt" dir="t"/>
+  </dgm:scene3d>
+  <dgm:styleLbl name="node0">
+    <dgm:scene3d>
+      <a:camera prst="orthographicFront"/>
+      <a:lightRig rig="threePt" dir="t"/>
+    </dgm:scene3d>
+    <dgm:sp3d/>
+    <dgm:txPr/>
+    <dgm:style>
+      <a:lnRef idx="2">
+        <a:scrgbClr r="0" g="0" b="0"/>
+      </a:lnRef>
+      <a:fillRef idx="1">
+        <a:scrgbClr r="0" g="0" b="0"/>
+      </a:fillRef>
+      <a:effectRef idx="0">
+        <a:scrgbClr r="0" g="0" b="0"/>
+      </a:effectRef>
+      <a:fontRef idx="minor">
+        <a:schemeClr val="lt1"/>
+      </a:fontRef>
+    </dgm:style>
+  </dgm:styleLbl>
+  <dgm:styleLbl name="lnNode1">
+    <dgm:scene3d>
+      <a:camera prst="orthographicFront"/>
+      <a:lightRig rig="threePt" dir="t"/>
+    </dgm:scene3d>
+    <dgm:sp3d/>
+    <dgm:txPr/>
+    <dgm:style>
+      <a:lnRef idx="2">
+        <a:scrgbClr r="0" g="0" b="0"/>
+      </a:lnRef>
+      <a:fillRef idx="1">
+        <a:scrgbClr r="0" g="0" b="0"/>
+      </a:fillRef>
+      <a:effectRef idx="0">
+        <a:scrgbClr r="0" g="0" b="0"/>
+      </a:effectRef>
+      <a:fontRef idx="minor">
+        <a:schemeClr val="lt1"/>
+      </a:fontRef>
+    </dgm:style>
+  </dgm:styleLbl>
+  <dgm:styleLbl name="vennNode1">
+    <dgm:scene3d>
+      <a:camera prst="orthographicFront"/>
+      <a:lightRig rig="threePt" dir="t"/>
+    </dgm:scene3d>
+    <dgm:sp3d/>
+    <dgm:txPr/>
+    <dgm:style>
+      <a:lnRef idx="2">
+        <a:scrgbClr r="0" g="0" b="0"/>
+      </a:lnRef>
+      <a:fillRef idx="1">
+        <a:scrgbClr r="0" g="0" b="0"/>
+      </a:fillRef>
+      <a:effectRef idx="0">
+        <a:scrgbClr r="0" g="0" b="0"/>
+      </a:effectRef>
+      <a:fontRef idx="minor">
+        <a:schemeClr val="tx1"/>
+      </a:fontRef>
+    </dgm:style>
+  </dgm:styleLbl>
+  <dgm:styleLbl name="alignNode1">
+    <dgm:scene3d>
+      <a:camera prst="orthographicFront"/>
+      <a:lightRig rig="threePt" dir="t"/>
+    </dgm:scene3d>
+    <dgm:sp3d/>
+    <dgm:txPr/>
+    <dgm:style>
+      <a:lnRef idx="2">
+        <a:scrgbClr r="0" g="0" b="0"/>
+      </a:lnRef>
+      <a:fillRef idx="1">
+        <a:scrgbClr r="0" g="0" b="0"/>
+      </a:fillRef>
+      <a:effectRef idx="0">
+        <a:scrgbClr r="0" g="0" b="0"/>
+      </a:effectRef>
+      <a:fontRef idx="minor">
+        <a:schemeClr val="lt1"/>
+      </a:fontRef>
+    </dgm:style>
+  </dgm:styleLbl>
+  <dgm:styleLbl name="node1">
+    <dgm:scene3d>
+      <a:camera prst="orthographicFront"/>
+      <a:lightRig rig="threePt" dir="t"/>
+    </dgm:scene3d>
+    <dgm:sp3d/>
+    <dgm:txPr/>
+    <dgm:style>
+      <a:lnRef idx="2">
+        <a:scrgbClr r="0" g="0" b="0"/>
+      </a:lnRef>
+      <a:fillRef idx="1">
+        <a:scrgbClr r="0" g="0" b="0"/>
+      </a:fillRef>
+      <a:effectRef idx="0">
+        <a:scrgbClr r="0" g="0" b="0"/>
+      </a:effectRef>
+      <a:fontRef idx="minor">
+        <a:schemeClr val="lt1"/>
+      </a:fontRef>
+    </dgm:style>
+  </dgm:styleLbl>
+  <dgm:styleLbl name="node2">
+    <dgm:scene3d>
+      <a:camera prst="orthographicFront"/>
+      <a:lightRig rig="threePt" dir="t"/>
+    </dgm:scene3d>
+    <dgm:sp3d/>
+    <dgm:txPr/>
+    <dgm:style>
+      <a:lnRef idx="2">
+        <a:scrgbClr r="0" g="0" b="0"/>
+      </a:lnRef>
+      <a:fillRef idx="1">
+        <a:scrgbClr r="0" g="0" b="0"/>
+      </a:fillRef>
+      <a:effectRef idx="0">
+        <a:scrgbClr r="0" g="0" b="0"/>
+      </a:effectRef>
+      <a:fontRef idx="minor">
+        <a:schemeClr val="lt1"/>
+      </a:fontRef>
+    </dgm:style>
+  </dgm:styleLbl>
+  <dgm:styleLbl name="node3">
+    <dgm:scene3d>
+      <a:camera prst="orthographicFront"/>
+      <a:lightRig rig="threePt" dir="t"/>
+    </dgm:scene3d>
+    <dgm:sp3d/>
+    <dgm:txPr/>
+    <dgm:style>
+      <a:lnRef idx="2">
+        <a:scrgbClr r="0" g="0" b="0"/>
+      </a:lnRef>
+      <a:fillRef idx="1">
+        <a:scrgbClr r="0" g="0" b="0"/>
+      </a:fillRef>
+      <a:effectRef idx="0">
+        <a:scrgbClr r="0" g="0" b="0"/>
+      </a:effectRef>
+      <a:fontRef idx="minor">
+        <a:schemeClr val="lt1"/>
+      </a:fontRef>
+    </dgm:style>
+  </dgm:styleLbl>
+  <dgm:styleLbl name="node4">
+    <dgm:scene3d>
+      <a:camera prst="orthographicFront"/>
+      <a:lightRig rig="threePt" dir="t"/>
+    </dgm:scene3d>
+    <dgm:sp3d/>
+    <dgm:txPr/>
+    <dgm:style>
+      <a:lnRef idx="2">
+        <a:scrgbClr r="0" g="0" b="0"/>
+      </a:lnRef>
+      <a:fillRef idx="1">
+        <a:scrgbClr r="0" g="0" b="0"/>
+      </a:fillRef>
+      <a:effectRef idx="0">
+        <a:scrgbClr r="0" g="0" b="0"/>
+      </a:effectRef>
+      <a:fontRef idx="minor">
+        <a:schemeClr val="lt1"/>
+      </a:fontRef>
+    </dgm:style>
+  </dgm:styleLbl>
+  <dgm:styleLbl name="fgImgPlace1">
+    <dgm:scene3d>
+      <a:camera prst="orthographicFront"/>
+      <a:lightRig rig="threePt" dir="t"/>
+    </dgm:scene3d>
+    <dgm:sp3d/>
+    <dgm:txPr/>
+    <dgm:style>
+      <a:lnRef idx="2">
+        <a:scrgbClr r="0" g="0" b="0"/>
+      </a:lnRef>
+      <a:fillRef idx="1">
+        <a:scrgbClr r="0" g="0" b="0"/>
+      </a:fillRef>
+      <a:effectRef idx="0">
+        <a:scrgbClr r="0" g="0" b="0"/>
+      </a:effectRef>
+      <a:fontRef idx="minor"/>
+    </dgm:style>
+  </dgm:styleLbl>
+  <dgm:styleLbl name="alignImgPlace1">
+    <dgm:scene3d>
+      <a:camera prst="orthographicFront"/>
+      <a:lightRig rig="threePt" dir="t"/>
+    </dgm:scene3d>
+    <dgm:sp3d/>
+    <dgm:txPr/>
+    <dgm:style>
+      <a:lnRef idx="2">
+        <a:scrgbClr r="0" g="0" b="0"/>
+      </a:lnRef>
+      <a:fillRef idx="1">
+        <a:scrgbClr r="0" g="0" b="0"/>
+      </a:fillRef>
+      <a:effectRef idx="0">
+        <a:scrgbClr r="0" g="0" b="0"/>
+      </a:effectRef>
+      <a:fontRef idx="minor"/>
+    </dgm:style>
+  </dgm:styleLbl>
+  <dgm:styleLbl name="bgImgPlace1">
+    <dgm:scene3d>
+      <a:camera prst="orthographicFront"/>
+      <a:lightRig rig="threePt" dir="t"/>
+    </dgm:scene3d>
+    <dgm:sp3d/>
+    <dgm:txPr/>
+    <dgm:style>
+      <a:lnRef idx="2">
+        <a:scrgbClr r="0" g="0" b="0"/>
+      </a:lnRef>
+      <a:fillRef idx="1">
+        <a:scrgbClr r="0" g="0" b="0"/>
+      </a:fillRef>
+      <a:effectRef idx="0">
+        <a:scrgbClr r="0" g="0" b="0"/>
+      </a:effectRef>
+      <a:fontRef idx="minor"/>
+    </dgm:style>
+  </dgm:styleLbl>
+  <dgm:styleLbl name="sibTrans2D1">
+    <dgm:scene3d>
+      <a:camera prst="orthographicFront"/>
+      <a:lightRig rig="threePt" dir="t"/>
+    </dgm:scene3d>
+    <dgm:sp3d/>
+    <dgm:txPr/>
+    <dgm:style>
+      <a:lnRef idx="0">
+        <a:scrgbClr r="0" g="0" b="0"/>
+      </a:lnRef>
+      <a:fillRef idx="1">
+        <a:scrgbClr r="0" g="0" b="0"/>
+      </a:fillRef>
+      <a:effectRef idx="0">
+        <a:scrgbClr r="0" g="0" b="0"/>
+      </a:effectRef>
+      <a:fontRef idx="minor">
+        <a:schemeClr val="lt1"/>
+      </a:fontRef>
+    </dgm:style>
+  </dgm:styleLbl>
+  <dgm:styleLbl name="fgSibTrans2D1">
+    <dgm:scene3d>
+      <a:camera prst="orthographicFront"/>
+      <a:lightRig rig="threePt" dir="t"/>
+    </dgm:scene3d>
+    <dgm:sp3d/>
+    <dgm:txPr/>
+    <dgm:style>
+      <a:lnRef idx="0">
+        <a:scrgbClr r="0" g="0" b="0"/>
+      </a:lnRef>
+      <a:fillRef idx="1">
+        <a:scrgbClr r="0" g="0" b="0"/>
+      </a:fillRef>
+      <a:effectRef idx="0">
+        <a:scrgbClr r="0" g="0" b="0"/>
+      </a:effectRef>
+      <a:fontRef idx="minor">
+        <a:schemeClr val="lt1"/>
+      </a:fontRef>
+    </dgm:style>
+  </dgm:styleLbl>
+  <dgm:styleLbl name="bgSibTrans2D1">
+    <dgm:scene3d>
+      <a:camera prst="orthographicFront"/>
+      <a:lightRig rig="threePt" dir="t"/>
+    </dgm:scene3d>
+    <dgm:sp3d/>
+    <dgm:txPr/>
+    <dgm:style>
+      <a:lnRef idx="0">
+        <a:scrgbClr r="0" g="0" b="0"/>
+      </a:lnRef>
+      <a:fillRef idx="1">
+        <a:scrgbClr r="0" g="0" b="0"/>
+      </a:fillRef>
+      <a:effectRef idx="0">
+        <a:scrgbClr r="0" g="0" b="0"/>
+      </a:effectRef>
+      <a:fontRef idx="minor">
+        <a:schemeClr val="lt1"/>
+      </a:fontRef>
+    </dgm:style>
+  </dgm:styleLbl>
+  <dgm:styleLbl name="sibTrans1D1">
+    <dgm:scene3d>
+      <a:camera prst="orthographicFront"/>
+      <a:lightRig rig="threePt" dir="t"/>
+    </dgm:scene3d>
+    <dgm:sp3d/>
+    <dgm:txPr/>
+    <dgm:style>
+      <a:lnRef idx="1">
+        <a:scrgbClr r="0" g="0" b="0"/>
+      </a:lnRef>
+      <a:fillRef idx="0">
+        <a:scrgbClr r="0" g="0" b="0"/>
+      </a:fillRef>
+      <a:effectRef idx="0">
+        <a:scrgbClr r="0" g="0" b="0"/>
+      </a:effectRef>
+      <a:fontRef idx="minor"/>
+    </dgm:style>
+  </dgm:styleLbl>
+  <dgm:styleLbl name="callout">
+    <dgm:scene3d>
+      <a:camera prst="orthographicFront"/>
+      <a:lightRig rig="threePt" dir="t"/>
+    </dgm:scene3d>
+    <dgm:sp3d/>
+    <dgm:txPr/>
+    <dgm:style>
+      <a:lnRef idx="2">
+        <a:scrgbClr r="0" g="0" b="0"/>
+      </a:lnRef>
+      <a:fillRef idx="1">
+        <a:scrgbClr r="0" g="0" b="0"/>
+      </a:fillRef>
+      <a:effectRef idx="0">
+        <a:scrgbClr r="0" g="0" b="0"/>
+      </a:effectRef>
+      <a:fontRef idx="minor"/>
+    </dgm:style>
+  </dgm:styleLbl>
+  <dgm:styleLbl name="asst0">
+    <dgm:scene3d>
+      <a:camera prst="orthographicFront"/>
+      <a:lightRig rig="threePt" dir="t"/>
+    </dgm:scene3d>
+    <dgm:sp3d/>
+    <dgm:txPr/>
+    <dgm:style>
+      <a:lnRef idx="2">
+        <a:scrgbClr r="0" g="0" b="0"/>
+      </a:lnRef>
+      <a:fillRef idx="1">
+        <a:scrgbClr r="0" g="0" b="0"/>
+      </a:fillRef>
+      <a:effectRef idx="0">
+        <a:scrgbClr r="0" g="0" b="0"/>
+      </a:effectRef>
+      <a:fontRef idx="minor">
+        <a:schemeClr val="lt1"/>
+      </a:fontRef>
+    </dgm:style>
+  </dgm:styleLbl>
+  <dgm:styleLbl name="asst1">
+    <dgm:scene3d>
+      <a:camera prst="orthographicFront"/>
+      <a:lightRig rig="threePt" dir="t"/>
+    </dgm:scene3d>
+    <dgm:sp3d/>
+    <dgm:txPr/>
+    <dgm:style>
+      <a:lnRef idx="2">
+        <a:scrgbClr r="0" g="0" b="0"/>
+      </a:lnRef>
+      <a:fillRef idx="1">
+        <a:scrgbClr r="0" g="0" b="0"/>
+      </a:fillRef>
+      <a:effectRef idx="0">
+        <a:scrgbClr r="0" g="0" b="0"/>
+      </a:effectRef>
+      <a:fontRef idx="minor">
+        <a:schemeClr val="lt1"/>
+      </a:fontRef>
+    </dgm:style>
+  </dgm:styleLbl>
+  <dgm:styleLbl name="asst2">
+    <dgm:scene3d>
+      <a:camera prst="orthographicFront"/>
+      <a:lightRig rig="threePt" dir="t"/>
+    </dgm:scene3d>
+    <dgm:sp3d/>
+    <dgm:txPr/>
+    <dgm:style>
+      <a:lnRef idx="2">
+        <a:scrgbClr r="0" g="0" b="0"/>
+      </a:lnRef>
+      <a:fillRef idx="1">
+        <a:scrgbClr r="0" g="0" b="0"/>
+      </a:fillRef>
+      <a:effectRef idx="0">
+        <a:scrgbClr r="0" g="0" b="0"/>
+      </a:effectRef>
+      <a:fontRef idx="minor">
+        <a:schemeClr val="lt1"/>
+      </a:fontRef>
+    </dgm:style>
+  </dgm:styleLbl>
+  <dgm:styleLbl name="asst3">
+    <dgm:scene3d>
+      <a:camera prst="orthographicFront"/>
+      <a:lightRig rig="threePt" dir="t"/>
+    </dgm:scene3d>
+    <dgm:sp3d/>
+    <dgm:txPr/>
+    <dgm:style>
+      <a:lnRef idx="2">
+        <a:scrgbClr r="0" g="0" b="0"/>
+      </a:lnRef>
+      <a:fillRef idx="1">
+        <a:scrgbClr r="0" g="0" b="0"/>
+      </a:fillRef>
+      <a:effectRef idx="0">
+        <a:scrgbClr r="0" g="0" b="0"/>
+      </a:effectRef>
+      <a:fontRef idx="minor">
+        <a:schemeClr val="lt1"/>
+      </a:fontRef>
+    </dgm:style>
+  </dgm:styleLbl>
+  <dgm:styleLbl name="asst4">
+    <dgm:scene3d>
+      <a:camera prst="orthographicFront"/>
+      <a:lightRig rig="threePt" dir="t"/>
+    </dgm:scene3d>
+    <dgm:sp3d/>
+    <dgm:txPr/>
+    <dgm:style>
+      <a:lnRef idx="2">
+        <a:scrgbClr r="0" g="0" b="0"/>
+      </a:lnRef>
+      <a:fillRef idx="1">
+        <a:scrgbClr r="0" g="0" b="0"/>
+      </a:fillRef>
+      <a:effectRef idx="0">
+        <a:scrgbClr r="0" g="0" b="0"/>
+      </a:effectRef>
+      <a:fontRef idx="minor">
+        <a:schemeClr val="lt1"/>
+      </a:fontRef>
+    </dgm:style>
+  </dgm:styleLbl>
+  <dgm:styleLbl name="parChTrans2D1">
+    <dgm:scene3d>
+      <a:camera prst="orthographicFront"/>
+      <a:lightRig rig="threePt" dir="t"/>
+    </dgm:scene3d>
+    <dgm:sp3d/>
+    <dgm:txPr/>
+    <dgm:style>
+      <a:lnRef idx="2">
+        <a:scrgbClr r="0" g="0" b="0"/>
+      </a:lnRef>
+      <a:fillRef idx="1">
+        <a:scrgbClr r="0" g="0" b="0"/>
+      </a:fillRef>
+      <a:effectRef idx="0">
+        <a:scrgbClr r="0" g="0" b="0"/>
+      </a:effectRef>
+      <a:fontRef idx="minor">
+        <a:schemeClr val="lt1"/>
+      </a:fontRef>
+    </dgm:style>
+  </dgm:styleLbl>
+  <dgm:styleLbl name="parChTrans2D2">
+    <dgm:scene3d>
+      <a:camera prst="orthographicFront"/>
+      <a:lightRig rig="threePt" dir="t"/>
+    </dgm:scene3d>
+    <dgm:sp3d/>
+    <dgm:txPr/>
+    <dgm:style>
+      <a:lnRef idx="2">
+        <a:scrgbClr r="0" g="0" b="0"/>
+      </a:lnRef>
+      <a:fillRef idx="1">
+        <a:scrgbClr r="0" g="0" b="0"/>
+      </a:fillRef>
+      <a:effectRef idx="0">
+        <a:scrgbClr r="0" g="0" b="0"/>
+      </a:effectRef>
+      <a:fontRef idx="minor">
+        <a:schemeClr val="lt1"/>
+      </a:fontRef>
+    </dgm:style>
+  </dgm:styleLbl>
+  <dgm:styleLbl name="parChTrans2D3">
+    <dgm:scene3d>
+      <a:camera prst="orthographicFront"/>
+      <a:lightRig rig="threePt" dir="t"/>
+    </dgm:scene3d>
+    <dgm:sp3d/>
+    <dgm:txPr/>
+    <dgm:style>
+      <a:lnRef idx="2">
+        <a:scrgbClr r="0" g="0" b="0"/>
+      </a:lnRef>
+      <a:fillRef idx="1">
+        <a:scrgbClr r="0" g="0" b="0"/>
+      </a:fillRef>
+      <a:effectRef idx="0">
+        <a:scrgbClr r="0" g="0" b="0"/>
+      </a:effectRef>
+      <a:fontRef idx="minor">
+        <a:schemeClr val="lt1"/>
+      </a:fontRef>
+    </dgm:style>
+  </dgm:styleLbl>
+  <dgm:styleLbl name="parChTrans2D4">
+    <dgm:scene3d>
+      <a:camera prst="orthographicFront"/>
+      <a:lightRig rig="threePt" dir="t"/>
+    </dgm:scene3d>
+    <dgm:sp3d/>
+    <dgm:txPr/>
+    <dgm:style>
+      <a:lnRef idx="2">
+        <a:scrgbClr r="0" g="0" b="0"/>
+      </a:lnRef>
+      <a:fillRef idx="1">
+        <a:scrgbClr r="0" g="0" b="0"/>
+      </a:fillRef>
+      <a:effectRef idx="0">
+        <a:scrgbClr r="0" g="0" b="0"/>
+      </a:effectRef>
+      <a:fontRef idx="minor">
+        <a:schemeClr val="lt1"/>
+      </a:fontRef>
+    </dgm:style>
+  </dgm:styleLbl>
+  <dgm:styleLbl name="parChTrans1D1">
+    <dgm:scene3d>
+      <a:camera prst="orthographicFront"/>
+      <a:lightRig rig="threePt" dir="t"/>
+    </dgm:scene3d>
+    <dgm:sp3d/>
+    <dgm:txPr/>
+    <dgm:style>
+      <a:lnRef idx="2">
+        <a:scrgbClr r="0" g="0" b="0"/>
+      </a:lnRef>
+      <a:fillRef idx="0">
+        <a:scrgbClr r="0" g="0" b="0"/>
+      </a:fillRef>
+      <a:effectRef idx="0">
+        <a:scrgbClr r="0" g="0" b="0"/>
+      </a:effectRef>
+      <a:fontRef idx="minor"/>
+    </dgm:style>
+  </dgm:styleLbl>
+  <dgm:styleLbl name="parChTrans1D2">
+    <dgm:scene3d>
+      <a:camera prst="orthographicFront"/>
+      <a:lightRig rig="threePt" dir="t"/>
+    </dgm:scene3d>
+    <dgm:sp3d/>
+    <dgm:txPr/>
+    <dgm:style>
+      <a:lnRef idx="2">
+        <a:scrgbClr r="0" g="0" b="0"/>
+      </a:lnRef>
+      <a:fillRef idx="0">
+        <a:scrgbClr r="0" g="0" b="0"/>
+      </a:fillRef>
+      <a:effectRef idx="0">
+        <a:scrgbClr r="0" g="0" b="0"/>
+      </a:effectRef>
+      <a:fontRef idx="minor"/>
+    </dgm:style>
+  </dgm:styleLbl>
+  <dgm:styleLbl name="parChTrans1D3">
+    <dgm:scene3d>
+      <a:camera prst="orthographicFront"/>
+      <a:lightRig rig="threePt" dir="t"/>
+    </dgm:scene3d>
+    <dgm:sp3d/>
+    <dgm:txPr/>
+    <dgm:style>
+      <a:lnRef idx="2">
+        <a:scrgbClr r="0" g="0" b="0"/>
+      </a:lnRef>
+      <a:fillRef idx="0">
+        <a:scrgbClr r="0" g="0" b="0"/>
+      </a:fillRef>
+      <a:effectRef idx="0">
+        <a:scrgbClr r="0" g="0" b="0"/>
+      </a:effectRef>
+      <a:fontRef idx="minor"/>
+    </dgm:style>
+  </dgm:styleLbl>
+  <dgm:styleLbl name="parChTrans1D4">
+    <dgm:scene3d>
+      <a:camera prst="orthographicFront"/>
+      <a:lightRig rig="threePt" dir="t"/>
+    </dgm:scene3d>
+    <dgm:sp3d/>
+    <dgm:txPr/>
+    <dgm:style>
+      <a:lnRef idx="2">
+        <a:scrgbClr r="0" g="0" b="0"/>
+      </a:lnRef>
+      <a:fillRef idx="0">
+        <a:scrgbClr r="0" g="0" b="0"/>
+      </a:fillRef>
+      <a:effectRef idx="0">
+        <a:scrgbClr r="0" g="0" b="0"/>
+      </a:effectRef>
+      <a:fontRef idx="minor"/>
+    </dgm:style>
+  </dgm:styleLbl>
+  <dgm:styleLbl name="fgAcc1">
+    <dgm:scene3d>
+      <a:camera prst="orthographicFront"/>
+      <a:lightRig rig="threePt" dir="t"/>
+    </dgm:scene3d>
+    <dgm:sp3d/>
+    <dgm:txPr/>
+    <dgm:style>
+      <a:lnRef idx="2">
+        <a:scrgbClr r="0" g="0" b="0"/>
+      </a:lnRef>
+      <a:fillRef idx="1">
+        <a:scrgbClr r="0" g="0" b="0"/>
+      </a:fillRef>
+      <a:effectRef idx="0">
+        <a:scrgbClr r="0" g="0" b="0"/>
+      </a:effectRef>
+      <a:fontRef idx="minor"/>
+    </dgm:style>
+  </dgm:styleLbl>
+  <dgm:styleLbl name="conFgAcc1">
+    <dgm:scene3d>
+      <a:camera prst="orthographicFront"/>
+      <a:lightRig rig="threePt" dir="t"/>
+    </dgm:scene3d>
+    <dgm:sp3d/>
+    <dgm:txPr/>
+    <dgm:style>
+      <a:lnRef idx="2">
+        <a:scrgbClr r="0" g="0" b="0"/>
+      </a:lnRef>
+      <a:fillRef idx="1">
+        <a:scrgbClr r="0" g="0" b="0"/>
+      </a:fillRef>
+      <a:effectRef idx="0">
+        <a:scrgbClr r="0" g="0" b="0"/>
+      </a:effectRef>
+      <a:fontRef idx="minor"/>
+    </dgm:style>
+  </dgm:styleLbl>
+  <dgm:styleLbl name="alignAcc1">
+    <dgm:scene3d>
+      <a:camera prst="orthographicFront"/>
+      <a:lightRig rig="threePt" dir="t"/>
+    </dgm:scene3d>
+    <dgm:sp3d/>
+    <dgm:txPr/>
+    <dgm:style>
+      <a:lnRef idx="2">
+        <a:scrgbClr r="0" g="0" b="0"/>
+      </a:lnRef>
+      <a:fillRef idx="1">
+        <a:scrgbClr r="0" g="0" b="0"/>
+      </a:fillRef>
+      <a:effectRef idx="0">
+        <a:scrgbClr r="0" g="0" b="0"/>
+      </a:effectRef>
+      <a:fontRef idx="minor"/>
+    </dgm:style>
+  </dgm:styleLbl>
+  <dgm:styleLbl name="trAlignAcc1">
+    <dgm:scene3d>
+      <a:camera prst="orthographicFront"/>
+      <a:lightRig rig="threePt" dir="t"/>
+    </dgm:scene3d>
+    <dgm:sp3d/>
+    <dgm:txPr/>
+    <dgm:style>
+      <a:lnRef idx="1">
+        <a:scrgbClr r="0" g="0" b="0"/>
+      </a:lnRef>
+      <a:fillRef idx="1">
+        <a:scrgbClr r="0" g="0" b="0"/>
+      </a:fillRef>
+      <a:effectRef idx="0">
+        <a:scrgbClr r="0" g="0" b="0"/>
+      </a:effectRef>
+      <a:fontRef idx="minor"/>
+    </dgm:style>
+  </dgm:styleLbl>
+  <dgm:styleLbl name="bgAcc1">
+    <dgm:scene3d>
+      <a:camera prst="orthographicFront"/>
+      <a:lightRig rig="threePt" dir="t"/>
+    </dgm:scene3d>
+    <dgm:sp3d/>
+    <dgm:txPr/>
+    <dgm:style>
+      <a:lnRef idx="2">
+        <a:scrgbClr r="0" g="0" b="0"/>
+      </a:lnRef>
+      <a:fillRef idx="1">
+        <a:scrgbClr r="0" g="0" b="0"/>
+      </a:fillRef>
+      <a:effectRef idx="0">
+        <a:scrgbClr r="0" g="0" b="0"/>
+      </a:effectRef>
+      <a:fontRef idx="minor"/>
+    </dgm:style>
+  </dgm:styleLbl>
+  <dgm:styleLbl name="solidFgAcc1">
+    <dgm:scene3d>
+      <a:camera prst="orthographicFront"/>
+      <a:lightRig rig="threePt" dir="t"/>
+    </dgm:scene3d>
+    <dgm:sp3d/>
+    <dgm:txPr/>
+    <dgm:style>
+      <a:lnRef idx="2">
+        <a:scrgbClr r="0" g="0" b="0"/>
+      </a:lnRef>
+      <a:fillRef idx="1">
+        <a:scrgbClr r="0" g="0" b="0"/>
+      </a:fillRef>
+      <a:effectRef idx="0">
+        <a:scrgbClr r="0" g="0" b="0"/>
+      </a:effectRef>
+      <a:fontRef idx="minor"/>
+    </dgm:style>
+  </dgm:styleLbl>
+  <dgm:styleLbl name="solidAlignAcc1">
+    <dgm:scene3d>
+      <a:camera prst="orthographicFront"/>
+      <a:lightRig rig="threePt" dir="t"/>
+    </dgm:scene3d>
+    <dgm:sp3d/>
+    <dgm:txPr/>
+    <dgm:style>
+      <a:lnRef idx="2">
+        <a:scrgbClr r="0" g="0" b="0"/>
+      </a:lnRef>
+      <a:fillRef idx="1">
+        <a:scrgbClr r="0" g="0" b="0"/>
+      </a:fillRef>
+      <a:effectRef idx="0">
+        <a:scrgbClr r="0" g="0" b="0"/>
+      </a:effectRef>
+      <a:fontRef idx="minor"/>
+    </dgm:style>
+  </dgm:styleLbl>
+  <dgm:styleLbl name="solidBgAcc1">
+    <dgm:scene3d>
+      <a:camera prst="orthographicFront"/>
+      <a:lightRig rig="threePt" dir="t"/>
+    </dgm:scene3d>
+    <dgm:sp3d/>
+    <dgm:txPr/>
+    <dgm:style>
+      <a:lnRef idx="2">
+        <a:scrgbClr r="0" g="0" b="0"/>
+      </a:lnRef>
+      <a:fillRef idx="1">
+        <a:scrgbClr r="0" g="0" b="0"/>
+      </a:fillRef>
+      <a:effectRef idx="0">
+        <a:scrgbClr r="0" g="0" b="0"/>
+      </a:effectRef>
+      <a:fontRef idx="minor"/>
+    </dgm:style>
+  </dgm:styleLbl>
+  <dgm:styleLbl name="fgAccFollowNode1">
+    <dgm:scene3d>
+      <a:camera prst="orthographicFront"/>
+      <a:lightRig rig="threePt" dir="t"/>
+    </dgm:scene3d>
+    <dgm:sp3d/>
+    <dgm:txPr/>
+    <dgm:style>
+      <a:lnRef idx="2">
+        <a:scrgbClr r="0" g="0" b="0"/>
+      </a:lnRef>
+      <a:fillRef idx="1">
+        <a:scrgbClr r="0" g="0" b="0"/>
+      </a:fillRef>
+      <a:effectRef idx="0">
+        <a:scrgbClr r="0" g="0" b="0"/>
+      </a:effectRef>
+      <a:fontRef idx="minor"/>
+    </dgm:style>
+  </dgm:styleLbl>
+  <dgm:styleLbl name="alignAccFollowNode1">
+    <dgm:scene3d>
+      <a:camera prst="orthographicFront"/>
+      <a:lightRig rig="threePt" dir="t"/>
+    </dgm:scene3d>
+    <dgm:sp3d/>
+    <dgm:txPr/>
+    <dgm:style>
+      <a:lnRef idx="2">
+        <a:scrgbClr r="0" g="0" b="0"/>
+      </a:lnRef>
+      <a:fillRef idx="1">
+        <a:scrgbClr r="0" g="0" b="0"/>
+      </a:fillRef>
+      <a:effectRef idx="0">
+        <a:scrgbClr r="0" g="0" b="0"/>
+      </a:effectRef>
+      <a:fontRef idx="minor"/>
+    </dgm:style>
+  </dgm:styleLbl>
+  <dgm:styleLbl name="bgAccFollowNode1">
+    <dgm:scene3d>
+      <a:camera prst="orthographicFront"/>
+      <a:lightRig rig="threePt" dir="t"/>
+    </dgm:scene3d>
+    <dgm:sp3d/>
+    <dgm:txPr/>
+    <dgm:style>
+      <a:lnRef idx="2">
+        <a:scrgbClr r="0" g="0" b="0"/>
+      </a:lnRef>
+      <a:fillRef idx="1">
+        <a:scrgbClr r="0" g="0" b="0"/>
+      </a:fillRef>
+      <a:effectRef idx="0">
+        <a:scrgbClr r="0" g="0" b="0"/>
+      </a:effectRef>
+      <a:fontRef idx="minor"/>
+    </dgm:style>
+  </dgm:styleLbl>
+  <dgm:styleLbl name="fgAcc0">
+    <dgm:scene3d>
+      <a:camera prst="orthographicFront"/>
+      <a:lightRig rig="threePt" dir="t"/>
+    </dgm:scene3d>
+    <dgm:sp3d/>
+    <dgm:txPr/>
+    <dgm:style>
+      <a:lnRef idx="2">
+        <a:scrgbClr r="0" g="0" b="0"/>
+      </a:lnRef>
+      <a:fillRef idx="1">
+        <a:scrgbClr r="0" g="0" b="0"/>
+      </a:fillRef>
+      <a:effectRef idx="0">
+        <a:scrgbClr r="0" g="0" b="0"/>
+      </a:effectRef>
+      <a:fontRef idx="minor"/>
+    </dgm:style>
+  </dgm:styleLbl>
+  <dgm:styleLbl name="fgAcc2">
+    <dgm:scene3d>
+      <a:camera prst="orthographicFront"/>
+      <a:lightRig rig="threePt" dir="t"/>
+    </dgm:scene3d>
+    <dgm:sp3d/>
+    <dgm:txPr/>
+    <dgm:style>
+      <a:lnRef idx="2">
+        <a:scrgbClr r="0" g="0" b="0"/>
+      </a:lnRef>
+      <a:fillRef idx="1">
+        <a:scrgbClr r="0" g="0" b="0"/>
+      </a:fillRef>
+      <a:effectRef idx="0">
+        <a:scrgbClr r="0" g="0" b="0"/>
+      </a:effectRef>
+      <a:fontRef idx="minor"/>
+    </dgm:style>
+  </dgm:styleLbl>
+  <dgm:styleLbl name="fgAcc3">
+    <dgm:scene3d>
+      <a:camera prst="orthographicFront"/>
+      <a:lightRig rig="threePt" dir="t"/>
+    </dgm:scene3d>
+    <dgm:sp3d/>
+    <dgm:txPr/>
+    <dgm:style>
+      <a:lnRef idx="2">
+        <a:scrgbClr r="0" g="0" b="0"/>
+      </a:lnRef>
+      <a:fillRef idx="1">
+        <a:scrgbClr r="0" g="0" b="0"/>
+      </a:fillRef>
+      <a:effectRef idx="0">
+        <a:scrgbClr r="0" g="0" b="0"/>
+      </a:effectRef>
+      <a:fontRef idx="minor"/>
+    </dgm:style>
+  </dgm:styleLbl>
+  <dgm:styleLbl name="fgAcc4">
+    <dgm:scene3d>
+      <a:camera prst="orthographicFront"/>
+      <a:lightRig rig="threePt" dir="t"/>
+    </dgm:scene3d>
+    <dgm:sp3d/>
+    <dgm:txPr/>
+    <dgm:style>
+      <a:lnRef idx="2">
+        <a:scrgbClr r="0" g="0" b="0"/>
+      </a:lnRef>
+      <a:fillRef idx="1">
+        <a:scrgbClr r="0" g="0" b="0"/>
+      </a:fillRef>
+      <a:effectRef idx="0">
+        <a:scrgbClr r="0" g="0" b="0"/>
+      </a:effectRef>
+      <a:fontRef idx="minor"/>
+    </dgm:style>
+  </dgm:styleLbl>
+  <dgm:styleLbl name="bgShp">
+    <dgm:scene3d>
+      <a:camera prst="orthographicFront"/>
+      <a:lightRig rig="threePt" dir="t"/>
+    </dgm:scene3d>
+    <dgm:sp3d/>
+    <dgm:txPr/>
+    <dgm:style>
+      <a:lnRef idx="0">
+        <a:scrgbClr r="0" g="0" b="0"/>
+      </a:lnRef>
+      <a:fillRef idx="1">
+        <a:scrgbClr r="0" g="0" b="0"/>
+      </a:fillRef>
+      <a:effectRef idx="0">
+        <a:scrgbClr r="0" g="0" b="0"/>
+      </a:effectRef>
+      <a:fontRef idx="minor"/>
+    </dgm:style>
+  </dgm:styleLbl>
+  <dgm:styleLbl name="dkBgShp">
+    <dgm:scene3d>
+      <a:camera prst="orthographicFront"/>
+      <a:lightRig rig="threePt" dir="t"/>
+    </dgm:scene3d>
+    <dgm:sp3d/>
+    <dgm:txPr/>
+    <dgm:style>
+      <a:lnRef idx="0">
+        <a:scrgbClr r="0" g="0" b="0"/>
+      </a:lnRef>
+      <a:fillRef idx="1">
+        <a:scrgbClr r="0" g="0" b="0"/>
+      </a:fillRef>
+      <a:effectRef idx="0">
+        <a:scrgbClr r="0" g="0" b="0"/>
+      </a:effectRef>
+      <a:fontRef idx="minor"/>
+    </dgm:style>
+  </dgm:styleLbl>
+  <dgm:styleLbl name="trBgShp">
+    <dgm:scene3d>
+      <a:camera prst="orthographicFront"/>
+      <a:lightRig rig="threePt" dir="t"/>
+    </dgm:scene3d>
+    <dgm:sp3d/>
+    <dgm:txPr/>
+    <dgm:style>
+      <a:lnRef idx="0">
+        <a:scrgbClr r="0" g="0" b="0"/>
+      </a:lnRef>
+      <a:fillRef idx="1">
+        <a:scrgbClr r="0" g="0" b="0"/>
+      </a:fillRef>
+      <a:effectRef idx="0">
+        <a:scrgbClr r="0" g="0" b="0"/>
+      </a:effectRef>
+      <a:fontRef idx="minor"/>
+    </dgm:style>
+  </dgm:styleLbl>
+  <dgm:styleLbl name="fgShp">
+    <dgm:scene3d>
+      <a:camera prst="orthographicFront"/>
+      <a:lightRig rig="threePt" dir="t"/>
+    </dgm:scene3d>
+    <dgm:sp3d/>
+    <dgm:txPr/>
+    <dgm:style>
+      <a:lnRef idx="2">
+        <a:scrgbClr r="0" g="0" b="0"/>
+      </a:lnRef>
+      <a:fillRef idx="1">
+        <a:scrgbClr r="0" g="0" b="0"/>
+      </a:fillRef>
+      <a:effectRef idx="0">
+        <a:scrgbClr r="0" g="0" b="0"/>
+      </a:effectRef>
+      <a:fontRef idx="minor"/>
+    </dgm:style>
+  </dgm:styleLbl>
+  <dgm:styleLbl name="revTx">
+    <dgm:scene3d>
+      <a:camera prst="orthographicFront"/>
+      <a:lightRig rig="threePt" dir="t"/>
+    </dgm:scene3d>
+    <dgm:sp3d/>
+    <dgm:txPr/>
+    <dgm:style>
+      <a:lnRef idx="0">
+        <a:scrgbClr r="0" g="0" b="0"/>
+      </a:lnRef>
+      <a:fillRef idx="0">
+        <a:scrgbClr r="0" g="0" b="0"/>
+      </a:fillRef>
+      <a:effectRef idx="0">
+        <a:scrgbClr r="0" g="0" b="0"/>
+      </a:effectRef>
+      <a:fontRef idx="minor"/>
+    </dgm:style>
+  </dgm:styleLbl>
+</dgm:styleDef>
+</file>
+
 <file path=ppt/slideLayouts/slideLayout1.xml><?xml version="1.0" encoding="utf-8"?>
 <p:sldLayout xmlns:a="http://schemas.openxmlformats.org/drawingml/2006/main" xmlns:r="http://schemas.openxmlformats.org/officeDocument/2006/relationships" xmlns:p="http://schemas.openxmlformats.org/presentationml/2006/main" type="title" preserve="1">
   <p:cSld name="標題投影片">
@@ -374,7 +3499,7 @@
           <a:p>
             <a:fld id="{32E0DD32-1C3F-4C1E-A478-0B3C75426AC3}" type="datetimeFigureOut">
               <a:rPr lang="zh-TW" altLang="en-US" smtClean="0"/>
-              <a:t>2020/6/13</a:t>
+              <a:t>2020/6/17</a:t>
             </a:fld>
             <a:endParaRPr lang="zh-TW" altLang="en-US"/>
           </a:p>
@@ -643,7 +3768,7 @@
           <a:p>
             <a:fld id="{32E0DD32-1C3F-4C1E-A478-0B3C75426AC3}" type="datetimeFigureOut">
               <a:rPr lang="zh-TW" altLang="en-US" smtClean="0"/>
-              <a:t>2020/6/13</a:t>
+              <a:t>2020/6/17</a:t>
             </a:fld>
             <a:endParaRPr lang="zh-TW" altLang="en-US"/>
           </a:p>
@@ -885,7 +4010,7 @@
           <a:p>
             <a:fld id="{32E0DD32-1C3F-4C1E-A478-0B3C75426AC3}" type="datetimeFigureOut">
               <a:rPr lang="zh-TW" altLang="en-US" smtClean="0"/>
-              <a:t>2020/6/13</a:t>
+              <a:t>2020/6/17</a:t>
             </a:fld>
             <a:endParaRPr lang="zh-TW" altLang="en-US"/>
           </a:p>
@@ -1125,7 +4250,7 @@
           <a:p>
             <a:fld id="{32E0DD32-1C3F-4C1E-A478-0B3C75426AC3}" type="datetimeFigureOut">
               <a:rPr lang="zh-TW" altLang="en-US" smtClean="0"/>
-              <a:t>2020/6/13</a:t>
+              <a:t>2020/6/17</a:t>
             </a:fld>
             <a:endParaRPr lang="zh-TW" altLang="en-US"/>
           </a:p>
@@ -1439,7 +4564,7 @@
           <a:p>
             <a:fld id="{32E0DD32-1C3F-4C1E-A478-0B3C75426AC3}" type="datetimeFigureOut">
               <a:rPr lang="zh-TW" altLang="en-US" smtClean="0"/>
-              <a:t>2020/6/13</a:t>
+              <a:t>2020/6/17</a:t>
             </a:fld>
             <a:endParaRPr lang="zh-TW" altLang="en-US"/>
           </a:p>
@@ -1748,7 +4873,7 @@
           <a:p>
             <a:fld id="{32E0DD32-1C3F-4C1E-A478-0B3C75426AC3}" type="datetimeFigureOut">
               <a:rPr lang="zh-TW" altLang="en-US" smtClean="0"/>
-              <a:t>2020/6/13</a:t>
+              <a:t>2020/6/17</a:t>
             </a:fld>
             <a:endParaRPr lang="zh-TW" altLang="en-US"/>
           </a:p>
@@ -2177,7 +5302,7 @@
           <a:p>
             <a:fld id="{32E0DD32-1C3F-4C1E-A478-0B3C75426AC3}" type="datetimeFigureOut">
               <a:rPr lang="zh-TW" altLang="en-US" smtClean="0"/>
-              <a:t>2020/6/13</a:t>
+              <a:t>2020/6/17</a:t>
             </a:fld>
             <a:endParaRPr lang="zh-TW" altLang="en-US"/>
           </a:p>
@@ -2346,7 +5471,7 @@
           <a:p>
             <a:fld id="{32E0DD32-1C3F-4C1E-A478-0B3C75426AC3}" type="datetimeFigureOut">
               <a:rPr lang="zh-TW" altLang="en-US" smtClean="0"/>
-              <a:t>2020/6/13</a:t>
+              <a:t>2020/6/17</a:t>
             </a:fld>
             <a:endParaRPr lang="zh-TW" altLang="en-US"/>
           </a:p>
@@ -2448,7 +5573,7 @@
           <a:p>
             <a:fld id="{32E0DD32-1C3F-4C1E-A478-0B3C75426AC3}" type="datetimeFigureOut">
               <a:rPr lang="zh-TW" altLang="en-US" smtClean="0"/>
-              <a:t>2020/6/13</a:t>
+              <a:t>2020/6/17</a:t>
             </a:fld>
             <a:endParaRPr lang="zh-TW" altLang="en-US"/>
           </a:p>
@@ -2833,7 +5958,7 @@
           <a:p>
             <a:fld id="{32E0DD32-1C3F-4C1E-A478-0B3C75426AC3}" type="datetimeFigureOut">
               <a:rPr lang="zh-TW" altLang="en-US" smtClean="0"/>
-              <a:t>2020/6/13</a:t>
+              <a:t>2020/6/17</a:t>
             </a:fld>
             <a:endParaRPr lang="zh-TW" altLang="en-US"/>
           </a:p>
@@ -3129,7 +6254,7 @@
           <a:p>
             <a:fld id="{32E0DD32-1C3F-4C1E-A478-0B3C75426AC3}" type="datetimeFigureOut">
               <a:rPr lang="zh-TW" altLang="en-US" smtClean="0"/>
-              <a:t>2020/6/13</a:t>
+              <a:t>2020/6/17</a:t>
             </a:fld>
             <a:endParaRPr lang="zh-TW" altLang="en-US"/>
           </a:p>
@@ -3347,7 +6472,7 @@
           <a:p>
             <a:fld id="{32E0DD32-1C3F-4C1E-A478-0B3C75426AC3}" type="datetimeFigureOut">
               <a:rPr lang="zh-TW" altLang="en-US" smtClean="0"/>
-              <a:t>2020/6/13</a:t>
+              <a:t>2020/6/17</a:t>
             </a:fld>
             <a:endParaRPr lang="zh-TW" altLang="en-US"/>
           </a:p>
@@ -4400,6 +7525,228 @@
             <p:ph type="title"/>
           </p:nvPr>
         </p:nvSpPr>
+        <p:spPr>
+          <a:xfrm>
+            <a:off x="581193" y="5262296"/>
+            <a:ext cx="3865548" cy="689514"/>
+          </a:xfrm>
+        </p:spPr>
+        <p:txBody>
+          <a:bodyPr/>
+          <a:lstStyle/>
+          <a:p>
+            <a:r>
+              <a:rPr lang="en-US" altLang="zh-TW" dirty="0" smtClean="0"/>
+              <a:t>QQ</a:t>
+            </a:r>
+            <a:endParaRPr lang="zh-TW" altLang="en-US" dirty="0"/>
+          </a:p>
+        </p:txBody>
+      </p:sp>
+      <p:pic>
+        <p:nvPicPr>
+          <p:cNvPr id="5" name="內容版面配置區 4"/>
+          <p:cNvPicPr>
+            <a:picLocks noGrp="1" noChangeAspect="1"/>
+          </p:cNvPicPr>
+          <p:nvPr>
+            <p:ph idx="1"/>
+          </p:nvPr>
+        </p:nvPicPr>
+        <p:blipFill>
+          <a:blip r:embed="rId2">
+            <a:extLst>
+              <a:ext uri="{28A0092B-C50C-407E-A947-70E740481C1C}">
+                <a14:useLocalDpi xmlns:a14="http://schemas.microsoft.com/office/drawing/2010/main" val="0"/>
+              </a:ext>
+            </a:extLst>
+          </a:blip>
+          <a:stretch>
+            <a:fillRect/>
+          </a:stretch>
+        </p:blipFill>
+        <p:spPr>
+          <a:xfrm>
+            <a:off x="2001636" y="2050894"/>
+            <a:ext cx="2031746" cy="2031746"/>
+          </a:xfrm>
+        </p:spPr>
+      </p:pic>
+      <p:sp>
+        <p:nvSpPr>
+          <p:cNvPr id="4" name="文字版面配置區 3"/>
+          <p:cNvSpPr>
+            <a:spLocks noGrp="1"/>
+          </p:cNvSpPr>
+          <p:nvPr>
+            <p:ph type="body" sz="half" idx="2"/>
+          </p:nvPr>
+        </p:nvSpPr>
+        <p:spPr>
+          <a:xfrm>
+            <a:off x="5336089" y="5262296"/>
+            <a:ext cx="6274722" cy="689515"/>
+          </a:xfrm>
+        </p:spPr>
+        <p:txBody>
+          <a:bodyPr>
+            <a:noAutofit/>
+          </a:bodyPr>
+          <a:lstStyle/>
+          <a:p>
+            <a:r>
+              <a:rPr lang="zh-TW" altLang="en-US" sz="3600" dirty="0" smtClean="0"/>
+              <a:t>掉進流沙怎麼辦？乖</a:t>
+            </a:r>
+            <a:r>
+              <a:rPr lang="en-US" altLang="zh-TW" sz="3600" dirty="0" smtClean="0"/>
+              <a:t>~</a:t>
+            </a:r>
+            <a:r>
+              <a:rPr lang="zh-TW" altLang="en-US" sz="3600" dirty="0" smtClean="0"/>
+              <a:t>別掙扎！</a:t>
+            </a:r>
+            <a:endParaRPr lang="zh-TW" altLang="en-US" sz="3600" dirty="0"/>
+          </a:p>
+        </p:txBody>
+      </p:sp>
+      <p:pic>
+        <p:nvPicPr>
+          <p:cNvPr id="6" name="圖片 5"/>
+          <p:cNvPicPr>
+            <a:picLocks noChangeAspect="1"/>
+          </p:cNvPicPr>
+          <p:nvPr/>
+        </p:nvPicPr>
+        <p:blipFill>
+          <a:blip r:embed="rId3">
+            <a:extLst>
+              <a:ext uri="{28A0092B-C50C-407E-A947-70E740481C1C}">
+                <a14:useLocalDpi xmlns:a14="http://schemas.microsoft.com/office/drawing/2010/main" val="0"/>
+              </a:ext>
+            </a:extLst>
+          </a:blip>
+          <a:stretch>
+            <a:fillRect/>
+          </a:stretch>
+        </p:blipFill>
+        <p:spPr>
+          <a:xfrm>
+            <a:off x="4136697" y="2050894"/>
+            <a:ext cx="2031746" cy="2031746"/>
+          </a:xfrm>
+          <a:prstGeom prst="rect">
+            <a:avLst/>
+          </a:prstGeom>
+        </p:spPr>
+      </p:pic>
+      <p:pic>
+        <p:nvPicPr>
+          <p:cNvPr id="7" name="圖片 6"/>
+          <p:cNvPicPr>
+            <a:picLocks noChangeAspect="1"/>
+          </p:cNvPicPr>
+          <p:nvPr/>
+        </p:nvPicPr>
+        <p:blipFill>
+          <a:blip r:embed="rId4">
+            <a:extLst>
+              <a:ext uri="{28A0092B-C50C-407E-A947-70E740481C1C}">
+                <a14:useLocalDpi xmlns:a14="http://schemas.microsoft.com/office/drawing/2010/main" val="0"/>
+              </a:ext>
+            </a:extLst>
+          </a:blip>
+          <a:stretch>
+            <a:fillRect/>
+          </a:stretch>
+        </p:blipFill>
+        <p:spPr>
+          <a:xfrm>
+            <a:off x="6271759" y="2050894"/>
+            <a:ext cx="2031746" cy="2031746"/>
+          </a:xfrm>
+          <a:prstGeom prst="rect">
+            <a:avLst/>
+          </a:prstGeom>
+        </p:spPr>
+      </p:pic>
+      <p:pic>
+        <p:nvPicPr>
+          <p:cNvPr id="8" name="圖片 7"/>
+          <p:cNvPicPr>
+            <a:picLocks noChangeAspect="1"/>
+          </p:cNvPicPr>
+          <p:nvPr/>
+        </p:nvPicPr>
+        <p:blipFill>
+          <a:blip r:embed="rId5">
+            <a:extLst>
+              <a:ext uri="{28A0092B-C50C-407E-A947-70E740481C1C}">
+                <a14:useLocalDpi xmlns:a14="http://schemas.microsoft.com/office/drawing/2010/main" val="0"/>
+              </a:ext>
+            </a:extLst>
+          </a:blip>
+          <a:stretch>
+            <a:fillRect/>
+          </a:stretch>
+        </p:blipFill>
+        <p:spPr>
+          <a:xfrm>
+            <a:off x="8406821" y="2050894"/>
+            <a:ext cx="2031746" cy="2031746"/>
+          </a:xfrm>
+          <a:prstGeom prst="rect">
+            <a:avLst/>
+          </a:prstGeom>
+        </p:spPr>
+      </p:pic>
+    </p:spTree>
+    <p:extLst>
+      <p:ext uri="{BB962C8B-B14F-4D97-AF65-F5344CB8AC3E}">
+        <p14:creationId xmlns:p14="http://schemas.microsoft.com/office/powerpoint/2010/main" val="1031016532"/>
+      </p:ext>
+    </p:extLst>
+  </p:cSld>
+  <p:clrMapOvr>
+    <a:masterClrMapping/>
+  </p:clrMapOvr>
+  <p:timing>
+    <p:tnLst>
+      <p:par>
+        <p:cTn id="1" dur="indefinite" restart="never" nodeType="tmRoot"/>
+      </p:par>
+    </p:tnLst>
+  </p:timing>
+</p:sld>
+</file>
+
+<file path=ppt/slides/slide11.xml><?xml version="1.0" encoding="utf-8"?>
+<p:sld xmlns:a="http://schemas.openxmlformats.org/drawingml/2006/main" xmlns:r="http://schemas.openxmlformats.org/officeDocument/2006/relationships" xmlns:p="http://schemas.openxmlformats.org/presentationml/2006/main">
+  <p:cSld>
+    <p:spTree>
+      <p:nvGrpSpPr>
+        <p:cNvPr id="1" name=""/>
+        <p:cNvGrpSpPr/>
+        <p:nvPr/>
+      </p:nvGrpSpPr>
+      <p:grpSpPr>
+        <a:xfrm>
+          <a:off x="0" y="0"/>
+          <a:ext cx="0" cy="0"/>
+          <a:chOff x="0" y="0"/>
+          <a:chExt cx="0" cy="0"/>
+        </a:xfrm>
+      </p:grpSpPr>
+      <p:sp>
+        <p:nvSpPr>
+          <p:cNvPr id="2" name="標題 1"/>
+          <p:cNvSpPr>
+            <a:spLocks noGrp="1"/>
+          </p:cNvSpPr>
+          <p:nvPr>
+            <p:ph type="title"/>
+          </p:nvPr>
+        </p:nvSpPr>
         <p:spPr/>
         <p:txBody>
           <a:bodyPr>
@@ -4657,7 +8004,7 @@
 </p:sld>
 </file>
 
-<file path=ppt/slides/slide11.xml><?xml version="1.0" encoding="utf-8"?>
+<file path=ppt/slides/slide12.xml><?xml version="1.0" encoding="utf-8"?>
 <p:sld xmlns:a="http://schemas.openxmlformats.org/drawingml/2006/main" xmlns:r="http://schemas.openxmlformats.org/officeDocument/2006/relationships" xmlns:p="http://schemas.openxmlformats.org/presentationml/2006/main">
   <p:cSld>
     <p:spTree>
@@ -4754,7 +8101,7 @@
 </p:sld>
 </file>
 
-<file path=ppt/slides/slide12.xml><?xml version="1.0" encoding="utf-8"?>
+<file path=ppt/slides/slide13.xml><?xml version="1.0" encoding="utf-8"?>
 <p:sld xmlns:a="http://schemas.openxmlformats.org/drawingml/2006/main" xmlns:r="http://schemas.openxmlformats.org/officeDocument/2006/relationships" xmlns:p="http://schemas.openxmlformats.org/presentationml/2006/main">
   <p:cSld>
     <p:spTree>
@@ -4790,21 +8137,81 @@
           <a:p>
             <a:pPr algn="ctr"/>
             <a:r>
-              <a:rPr lang="en-US" altLang="zh-TW" sz="8800" b="1" dirty="0" smtClean="0"/>
-              <a:t>UML</a:t>
-            </a:r>
-            <a:endParaRPr lang="zh-TW" altLang="en-US" sz="8800" b="1" dirty="0"/>
-          </a:p>
-        </p:txBody>
-      </p:sp>
-      <p:sp>
-        <p:nvSpPr>
-          <p:cNvPr id="3" name="文字版面配置區 2"/>
+              <a:rPr lang="en-US" altLang="zh-TW" sz="4800" dirty="0" smtClean="0"/>
+              <a:t>GUI</a:t>
+            </a:r>
+            <a:r>
+              <a:rPr lang="zh-TW" altLang="en-US" sz="4800" dirty="0" smtClean="0"/>
+              <a:t> 介面</a:t>
+            </a:r>
+            <a:endParaRPr lang="zh-TW" altLang="en-US" sz="4800" dirty="0"/>
+          </a:p>
+        </p:txBody>
+      </p:sp>
+      <p:pic>
+        <p:nvPicPr>
+          <p:cNvPr id="5" name="內容版面配置區 4"/>
+          <p:cNvPicPr>
+            <a:picLocks noGrp="1" noChangeAspect="1"/>
+          </p:cNvPicPr>
+          <p:nvPr>
+            <p:ph idx="1"/>
+          </p:nvPr>
+        </p:nvPicPr>
+        <p:blipFill>
+          <a:blip r:embed="rId2"/>
+          <a:stretch>
+            <a:fillRect/>
+          </a:stretch>
+        </p:blipFill>
+        <p:spPr>
+          <a:xfrm>
+            <a:off x="2599042" y="2181225"/>
+            <a:ext cx="6993915" cy="3678238"/>
+          </a:xfrm>
+          <a:prstGeom prst="rect">
+            <a:avLst/>
+          </a:prstGeom>
+        </p:spPr>
+      </p:pic>
+    </p:spTree>
+    <p:extLst>
+      <p:ext uri="{BB962C8B-B14F-4D97-AF65-F5344CB8AC3E}">
+        <p14:creationId xmlns:p14="http://schemas.microsoft.com/office/powerpoint/2010/main" val="346015694"/>
+      </p:ext>
+    </p:extLst>
+  </p:cSld>
+  <p:clrMapOvr>
+    <a:masterClrMapping/>
+  </p:clrMapOvr>
+</p:sld>
+</file>
+
+<file path=ppt/slides/slide14.xml><?xml version="1.0" encoding="utf-8"?>
+<p:sld xmlns:a="http://schemas.openxmlformats.org/drawingml/2006/main" xmlns:r="http://schemas.openxmlformats.org/officeDocument/2006/relationships" xmlns:p="http://schemas.openxmlformats.org/presentationml/2006/main">
+  <p:cSld>
+    <p:spTree>
+      <p:nvGrpSpPr>
+        <p:cNvPr id="1" name=""/>
+        <p:cNvGrpSpPr/>
+        <p:nvPr/>
+      </p:nvGrpSpPr>
+      <p:grpSpPr>
+        <a:xfrm>
+          <a:off x="0" y="0"/>
+          <a:ext cx="0" cy="0"/>
+          <a:chOff x="0" y="0"/>
+          <a:chExt cx="0" cy="0"/>
+        </a:xfrm>
+      </p:grpSpPr>
+      <p:sp>
+        <p:nvSpPr>
+          <p:cNvPr id="2" name="標題 1"/>
           <p:cNvSpPr>
             <a:spLocks noGrp="1"/>
           </p:cNvSpPr>
           <p:nvPr>
-            <p:ph type="body" idx="1"/>
+            <p:ph type="title"/>
           </p:nvPr>
         </p:nvSpPr>
         <p:spPr/>
@@ -4816,12 +8223,116 @@
           <a:p>
             <a:pPr algn="ctr"/>
             <a:r>
+              <a:rPr lang="zh-TW" altLang="en-US" sz="4800" dirty="0" smtClean="0"/>
+              <a:t>遊戲畫面</a:t>
+            </a:r>
+            <a:endParaRPr lang="zh-TW" altLang="en-US" sz="4800" dirty="0"/>
+          </a:p>
+        </p:txBody>
+      </p:sp>
+      <p:pic>
+        <p:nvPicPr>
+          <p:cNvPr id="4" name="內容版面配置區 3"/>
+          <p:cNvPicPr>
+            <a:picLocks noGrp="1" noChangeAspect="1"/>
+          </p:cNvPicPr>
+          <p:nvPr>
+            <p:ph idx="1"/>
+          </p:nvPr>
+        </p:nvPicPr>
+        <p:blipFill>
+          <a:blip r:embed="rId2"/>
+          <a:stretch>
+            <a:fillRect/>
+          </a:stretch>
+        </p:blipFill>
+        <p:spPr>
+          <a:xfrm>
+            <a:off x="2741650" y="2181225"/>
+            <a:ext cx="6708700" cy="3678238"/>
+          </a:xfrm>
+          <a:prstGeom prst="rect">
+            <a:avLst/>
+          </a:prstGeom>
+        </p:spPr>
+      </p:pic>
+    </p:spTree>
+    <p:extLst>
+      <p:ext uri="{BB962C8B-B14F-4D97-AF65-F5344CB8AC3E}">
+        <p14:creationId xmlns:p14="http://schemas.microsoft.com/office/powerpoint/2010/main" val="1033378492"/>
+      </p:ext>
+    </p:extLst>
+  </p:cSld>
+  <p:clrMapOvr>
+    <a:masterClrMapping/>
+  </p:clrMapOvr>
+</p:sld>
+</file>
+
+<file path=ppt/slides/slide15.xml><?xml version="1.0" encoding="utf-8"?>
+<p:sld xmlns:a="http://schemas.openxmlformats.org/drawingml/2006/main" xmlns:r="http://schemas.openxmlformats.org/officeDocument/2006/relationships" xmlns:p="http://schemas.openxmlformats.org/presentationml/2006/main">
+  <p:cSld>
+    <p:spTree>
+      <p:nvGrpSpPr>
+        <p:cNvPr id="1" name=""/>
+        <p:cNvGrpSpPr/>
+        <p:nvPr/>
+      </p:nvGrpSpPr>
+      <p:grpSpPr>
+        <a:xfrm>
+          <a:off x="0" y="0"/>
+          <a:ext cx="0" cy="0"/>
+          <a:chOff x="0" y="0"/>
+          <a:chExt cx="0" cy="0"/>
+        </a:xfrm>
+      </p:grpSpPr>
+      <p:sp>
+        <p:nvSpPr>
+          <p:cNvPr id="2" name="標題 1"/>
+          <p:cNvSpPr>
+            <a:spLocks noGrp="1"/>
+          </p:cNvSpPr>
+          <p:nvPr>
+            <p:ph type="title"/>
+          </p:nvPr>
+        </p:nvSpPr>
+        <p:spPr/>
+        <p:txBody>
+          <a:bodyPr>
+            <a:normAutofit/>
+          </a:bodyPr>
+          <a:lstStyle/>
+          <a:p>
+            <a:pPr algn="ctr"/>
+            <a:r>
+              <a:rPr lang="en-US" altLang="zh-TW" sz="8800" b="1" dirty="0" smtClean="0"/>
+              <a:t>UML</a:t>
+            </a:r>
+            <a:endParaRPr lang="zh-TW" altLang="en-US" sz="8800" b="1" dirty="0"/>
+          </a:p>
+        </p:txBody>
+      </p:sp>
+      <p:sp>
+        <p:nvSpPr>
+          <p:cNvPr id="3" name="文字版面配置區 2"/>
+          <p:cNvSpPr>
+            <a:spLocks noGrp="1"/>
+          </p:cNvSpPr>
+          <p:nvPr>
+            <p:ph type="body" idx="1"/>
+          </p:nvPr>
+        </p:nvSpPr>
+        <p:spPr/>
+        <p:txBody>
+          <a:bodyPr>
+            <a:normAutofit/>
+          </a:bodyPr>
+          <a:lstStyle/>
+          <a:p>
+            <a:pPr algn="ctr"/>
+            <a:r>
               <a:rPr lang="zh-TW" altLang="en-US" sz="2400" dirty="0" smtClean="0"/>
-              <a:t>輸入處理、音效撥放、頁面管理、</a:t>
-            </a:r>
-            <a:r>
-              <a:rPr lang="en-US" altLang="zh-TW" sz="2400" dirty="0" smtClean="0"/>
-              <a:t>…</a:t>
+              <a:t>系統設計</a:t>
             </a:r>
             <a:endParaRPr lang="zh-TW" altLang="en-US" sz="2400" dirty="0"/>
           </a:p>
@@ -4847,7 +8358,673 @@
 </p:sld>
 </file>
 
-<file path=ppt/slides/slide13.xml><?xml version="1.0" encoding="utf-8"?>
+<file path=ppt/slides/slide16.xml><?xml version="1.0" encoding="utf-8"?>
+<p:sld xmlns:a="http://schemas.openxmlformats.org/drawingml/2006/main" xmlns:r="http://schemas.openxmlformats.org/officeDocument/2006/relationships" xmlns:p="http://schemas.openxmlformats.org/presentationml/2006/main">
+  <p:cSld>
+    <p:spTree>
+      <p:nvGrpSpPr>
+        <p:cNvPr id="1" name=""/>
+        <p:cNvGrpSpPr/>
+        <p:nvPr/>
+      </p:nvGrpSpPr>
+      <p:grpSpPr>
+        <a:xfrm>
+          <a:off x="0" y="0"/>
+          <a:ext cx="0" cy="0"/>
+          <a:chOff x="0" y="0"/>
+          <a:chExt cx="0" cy="0"/>
+        </a:xfrm>
+      </p:grpSpPr>
+      <p:pic>
+        <p:nvPicPr>
+          <p:cNvPr id="1026" name="Picture 2" descr="https://i.imgur.com/ymUERkk.png"/>
+          <p:cNvPicPr>
+            <a:picLocks noChangeAspect="1" noChangeArrowheads="1"/>
+          </p:cNvPicPr>
+          <p:nvPr/>
+        </p:nvPicPr>
+        <p:blipFill>
+          <a:blip r:embed="rId2">
+            <a:extLst>
+              <a:ext uri="{28A0092B-C50C-407E-A947-70E740481C1C}">
+                <a14:useLocalDpi xmlns:a14="http://schemas.microsoft.com/office/drawing/2010/main" val="0"/>
+              </a:ext>
+            </a:extLst>
+          </a:blip>
+          <a:srcRect/>
+          <a:stretch>
+            <a:fillRect/>
+          </a:stretch>
+        </p:blipFill>
+        <p:spPr bwMode="auto">
+          <a:xfrm>
+            <a:off x="738946" y="1"/>
+            <a:ext cx="10686063" cy="6858000"/>
+          </a:xfrm>
+          <a:prstGeom prst="rect">
+            <a:avLst/>
+          </a:prstGeom>
+          <a:noFill/>
+          <a:extLst>
+            <a:ext uri="{909E8E84-426E-40DD-AFC4-6F175D3DCCD1}">
+              <a14:hiddenFill xmlns:a14="http://schemas.microsoft.com/office/drawing/2010/main">
+                <a:solidFill>
+                  <a:srgbClr val="FFFFFF"/>
+                </a:solidFill>
+              </a14:hiddenFill>
+            </a:ext>
+          </a:extLst>
+        </p:spPr>
+      </p:pic>
+    </p:spTree>
+    <p:extLst>
+      <p:ext uri="{BB962C8B-B14F-4D97-AF65-F5344CB8AC3E}">
+        <p14:creationId xmlns:p14="http://schemas.microsoft.com/office/powerpoint/2010/main" val="2135975994"/>
+      </p:ext>
+    </p:extLst>
+  </p:cSld>
+  <p:clrMapOvr>
+    <a:masterClrMapping/>
+  </p:clrMapOvr>
+</p:sld>
+</file>
+
+<file path=ppt/slides/slide17.xml><?xml version="1.0" encoding="utf-8"?>
+<p:sld xmlns:a="http://schemas.openxmlformats.org/drawingml/2006/main" xmlns:r="http://schemas.openxmlformats.org/officeDocument/2006/relationships" xmlns:p="http://schemas.openxmlformats.org/presentationml/2006/main">
+  <p:cSld>
+    <p:spTree>
+      <p:nvGrpSpPr>
+        <p:cNvPr id="1" name=""/>
+        <p:cNvGrpSpPr/>
+        <p:nvPr/>
+      </p:nvGrpSpPr>
+      <p:grpSpPr>
+        <a:xfrm>
+          <a:off x="0" y="0"/>
+          <a:ext cx="0" cy="0"/>
+          <a:chOff x="0" y="0"/>
+          <a:chExt cx="0" cy="0"/>
+        </a:xfrm>
+      </p:grpSpPr>
+      <p:sp>
+        <p:nvSpPr>
+          <p:cNvPr id="2" name="標題 1"/>
+          <p:cNvSpPr>
+            <a:spLocks noGrp="1"/>
+          </p:cNvSpPr>
+          <p:nvPr>
+            <p:ph type="title"/>
+          </p:nvPr>
+        </p:nvSpPr>
+        <p:spPr/>
+        <p:txBody>
+          <a:bodyPr>
+            <a:noAutofit/>
+          </a:bodyPr>
+          <a:lstStyle/>
+          <a:p>
+            <a:pPr algn="ctr"/>
+            <a:r>
+              <a:rPr lang="zh-TW" altLang="en-US" sz="9600" b="1" dirty="0" smtClean="0"/>
+              <a:t>問題紀錄</a:t>
+            </a:r>
+            <a:endParaRPr lang="zh-TW" altLang="en-US" sz="9600" b="1" dirty="0"/>
+          </a:p>
+        </p:txBody>
+      </p:sp>
+      <p:sp>
+        <p:nvSpPr>
+          <p:cNvPr id="3" name="文字版面配置區 2"/>
+          <p:cNvSpPr>
+            <a:spLocks noGrp="1"/>
+          </p:cNvSpPr>
+          <p:nvPr>
+            <p:ph type="body" idx="1"/>
+          </p:nvPr>
+        </p:nvSpPr>
+        <p:spPr/>
+        <p:txBody>
+          <a:bodyPr>
+            <a:normAutofit/>
+          </a:bodyPr>
+          <a:lstStyle/>
+          <a:p>
+            <a:pPr algn="ctr"/>
+            <a:r>
+              <a:rPr lang="zh-TW" altLang="en-US" sz="2400" dirty="0" smtClean="0"/>
+              <a:t>發生了許多無法理解的問題</a:t>
+            </a:r>
+            <a:r>
+              <a:rPr lang="en-US" altLang="zh-TW" sz="2400" dirty="0" smtClean="0"/>
+              <a:t>…</a:t>
+            </a:r>
+            <a:endParaRPr lang="zh-TW" altLang="en-US" sz="2400" dirty="0"/>
+          </a:p>
+        </p:txBody>
+      </p:sp>
+    </p:spTree>
+    <p:extLst>
+      <p:ext uri="{BB962C8B-B14F-4D97-AF65-F5344CB8AC3E}">
+        <p14:creationId xmlns:p14="http://schemas.microsoft.com/office/powerpoint/2010/main" val="2101376914"/>
+      </p:ext>
+    </p:extLst>
+  </p:cSld>
+  <p:clrMapOvr>
+    <a:masterClrMapping/>
+  </p:clrMapOvr>
+  <p:timing>
+    <p:tnLst>
+      <p:par>
+        <p:cTn id="1" dur="indefinite" restart="never" nodeType="tmRoot"/>
+      </p:par>
+    </p:tnLst>
+  </p:timing>
+</p:sld>
+</file>
+
+<file path=ppt/slides/slide18.xml><?xml version="1.0" encoding="utf-8"?>
+<p:sld xmlns:a="http://schemas.openxmlformats.org/drawingml/2006/main" xmlns:r="http://schemas.openxmlformats.org/officeDocument/2006/relationships" xmlns:p="http://schemas.openxmlformats.org/presentationml/2006/main">
+  <p:cSld>
+    <p:spTree>
+      <p:nvGrpSpPr>
+        <p:cNvPr id="1" name=""/>
+        <p:cNvGrpSpPr/>
+        <p:nvPr/>
+      </p:nvGrpSpPr>
+      <p:grpSpPr>
+        <a:xfrm>
+          <a:off x="0" y="0"/>
+          <a:ext cx="0" cy="0"/>
+          <a:chOff x="0" y="0"/>
+          <a:chExt cx="0" cy="0"/>
+        </a:xfrm>
+      </p:grpSpPr>
+      <p:sp>
+        <p:nvSpPr>
+          <p:cNvPr id="2" name="標題 1"/>
+          <p:cNvSpPr>
+            <a:spLocks noGrp="1"/>
+          </p:cNvSpPr>
+          <p:nvPr>
+            <p:ph type="title"/>
+          </p:nvPr>
+        </p:nvSpPr>
+        <p:spPr/>
+        <p:txBody>
+          <a:bodyPr>
+            <a:normAutofit/>
+          </a:bodyPr>
+          <a:lstStyle/>
+          <a:p>
+            <a:pPr algn="ctr"/>
+            <a:r>
+              <a:rPr lang="en-US" altLang="zh-TW" sz="4800" dirty="0" smtClean="0"/>
+              <a:t>IN</a:t>
+            </a:r>
+            <a:r>
+              <a:rPr lang="zh-TW" altLang="en-US" sz="4800" dirty="0" smtClean="0"/>
+              <a:t> </a:t>
+            </a:r>
+            <a:r>
+              <a:rPr lang="en-US" altLang="zh-TW" sz="4800" b="1" dirty="0" smtClean="0"/>
+              <a:t>GUI</a:t>
+            </a:r>
+            <a:endParaRPr lang="zh-TW" altLang="en-US" sz="4800" b="1" dirty="0"/>
+          </a:p>
+        </p:txBody>
+      </p:sp>
+      <p:sp>
+        <p:nvSpPr>
+          <p:cNvPr id="6" name="文字版面配置區 5"/>
+          <p:cNvSpPr>
+            <a:spLocks noGrp="1"/>
+          </p:cNvSpPr>
+          <p:nvPr>
+            <p:ph type="body" idx="1"/>
+          </p:nvPr>
+        </p:nvSpPr>
+        <p:spPr/>
+        <p:txBody>
+          <a:bodyPr/>
+          <a:lstStyle/>
+          <a:p>
+            <a:r>
+              <a:rPr lang="zh-TW" altLang="en-US" sz="2400" dirty="0" smtClean="0"/>
+              <a:t>已解決</a:t>
+            </a:r>
+            <a:endParaRPr lang="zh-TW" altLang="en-US" sz="2400" dirty="0"/>
+          </a:p>
+        </p:txBody>
+      </p:sp>
+      <p:sp>
+        <p:nvSpPr>
+          <p:cNvPr id="7" name="內容版面配置區 6"/>
+          <p:cNvSpPr>
+            <a:spLocks noGrp="1"/>
+          </p:cNvSpPr>
+          <p:nvPr>
+            <p:ph sz="half" idx="2"/>
+          </p:nvPr>
+        </p:nvSpPr>
+        <p:spPr/>
+        <p:txBody>
+          <a:bodyPr>
+            <a:normAutofit lnSpcReduction="10000"/>
+          </a:bodyPr>
+          <a:lstStyle/>
+          <a:p>
+            <a:r>
+              <a:rPr lang="zh-TW" altLang="en-US" sz="2400" dirty="0" smtClean="0"/>
+              <a:t>排版問題，無法把選單放在正中間，並將按鈕以垂直排列。</a:t>
+            </a:r>
+            <a:endParaRPr lang="en-US" altLang="zh-TW" sz="2400" dirty="0" smtClean="0"/>
+          </a:p>
+          <a:p>
+            <a:pPr lvl="1"/>
+            <a:r>
+              <a:rPr lang="zh-TW" altLang="en-US" sz="2200" dirty="0" smtClean="0"/>
+              <a:t>學新的 </a:t>
+            </a:r>
+            <a:r>
+              <a:rPr lang="en-US" altLang="zh-TW" sz="2200" dirty="0" smtClean="0"/>
+              <a:t>Layout</a:t>
+            </a:r>
+          </a:p>
+          <a:p>
+            <a:r>
+              <a:rPr lang="zh-TW" altLang="en-US" sz="2400" dirty="0" smtClean="0"/>
+              <a:t>預設按鈕很醜</a:t>
+            </a:r>
+            <a:endParaRPr lang="en-US" altLang="zh-TW" sz="2400" dirty="0" smtClean="0"/>
+          </a:p>
+          <a:p>
+            <a:pPr lvl="1"/>
+            <a:r>
+              <a:rPr lang="zh-TW" altLang="en-US" sz="2200" dirty="0" smtClean="0"/>
+              <a:t>重寫一個繼承 </a:t>
+            </a:r>
+            <a:r>
+              <a:rPr lang="en-US" altLang="zh-TW" sz="2200" dirty="0" err="1" smtClean="0"/>
+              <a:t>JButton</a:t>
+            </a:r>
+            <a:r>
+              <a:rPr lang="zh-TW" altLang="en-US" sz="2200" dirty="0" smtClean="0"/>
+              <a:t>的自訂按鈕</a:t>
+            </a:r>
+            <a:endParaRPr lang="en-US" altLang="zh-TW" sz="2200" dirty="0" smtClean="0"/>
+          </a:p>
+          <a:p>
+            <a:pPr lvl="1"/>
+            <a:r>
+              <a:rPr lang="zh-TW" altLang="en-US" sz="2200" dirty="0" smtClean="0"/>
+              <a:t>原來調整大小的方法 </a:t>
+            </a:r>
+            <a:r>
+              <a:rPr lang="en-US" altLang="zh-TW" sz="2200" dirty="0" smtClean="0"/>
+              <a:t>ex. </a:t>
+            </a:r>
+            <a:r>
+              <a:rPr lang="en-US" altLang="zh-TW" sz="2200" dirty="0" err="1" smtClean="0"/>
+              <a:t>setSize</a:t>
+            </a:r>
+            <a:r>
+              <a:rPr lang="en-US" altLang="zh-TW" sz="2200" dirty="0" smtClean="0"/>
+              <a:t>()</a:t>
+            </a:r>
+            <a:r>
+              <a:rPr lang="zh-TW" altLang="en-US" sz="2200" dirty="0" smtClean="0"/>
+              <a:t>，在有設定 </a:t>
+            </a:r>
+            <a:r>
+              <a:rPr lang="en-US" altLang="zh-TW" sz="2200" dirty="0" smtClean="0"/>
+              <a:t>Layout</a:t>
+            </a:r>
+            <a:r>
+              <a:rPr lang="zh-TW" altLang="en-US" sz="2200" dirty="0" smtClean="0"/>
+              <a:t> 的情形下會失效。</a:t>
+            </a:r>
+            <a:endParaRPr lang="zh-TW" altLang="en-US" sz="2200" dirty="0"/>
+          </a:p>
+        </p:txBody>
+      </p:sp>
+      <p:sp>
+        <p:nvSpPr>
+          <p:cNvPr id="8" name="文字版面配置區 7"/>
+          <p:cNvSpPr>
+            <a:spLocks noGrp="1"/>
+          </p:cNvSpPr>
+          <p:nvPr>
+            <p:ph type="body" sz="quarter" idx="3"/>
+          </p:nvPr>
+        </p:nvSpPr>
+        <p:spPr/>
+        <p:txBody>
+          <a:bodyPr/>
+          <a:lstStyle/>
+          <a:p>
+            <a:r>
+              <a:rPr lang="zh-TW" altLang="en-US" sz="2400" dirty="0" smtClean="0"/>
+              <a:t>無</a:t>
+            </a:r>
+            <a:r>
+              <a:rPr lang="zh-TW" altLang="en-US" sz="2400" dirty="0"/>
+              <a:t>法</a:t>
+            </a:r>
+            <a:r>
+              <a:rPr lang="zh-TW" altLang="en-US" sz="2400" dirty="0" smtClean="0"/>
+              <a:t>解決</a:t>
+            </a:r>
+            <a:endParaRPr lang="zh-TW" altLang="en-US" sz="2400" dirty="0"/>
+          </a:p>
+        </p:txBody>
+      </p:sp>
+      <p:sp>
+        <p:nvSpPr>
+          <p:cNvPr id="9" name="內容版面配置區 8"/>
+          <p:cNvSpPr>
+            <a:spLocks noGrp="1"/>
+          </p:cNvSpPr>
+          <p:nvPr>
+            <p:ph sz="quarter" idx="4"/>
+          </p:nvPr>
+        </p:nvSpPr>
+        <p:spPr/>
+        <p:txBody>
+          <a:bodyPr>
+            <a:normAutofit/>
+          </a:bodyPr>
+          <a:lstStyle/>
+          <a:p>
+            <a:r>
+              <a:rPr lang="zh-TW" altLang="en-US" sz="2400" dirty="0" smtClean="0"/>
+              <a:t>本來在遊戲載入前，放置一個</a:t>
+            </a:r>
+            <a:r>
+              <a:rPr lang="en-US" altLang="zh-TW" sz="2400" dirty="0" smtClean="0"/>
+              <a:t>Loading…</a:t>
+            </a:r>
+            <a:r>
+              <a:rPr lang="zh-TW" altLang="en-US" sz="2400" dirty="0" smtClean="0"/>
+              <a:t> 的 </a:t>
+            </a:r>
+            <a:r>
+              <a:rPr lang="en-US" altLang="zh-TW" sz="2400" dirty="0" smtClean="0"/>
+              <a:t>Panel</a:t>
+            </a:r>
+            <a:r>
+              <a:rPr lang="zh-TW" altLang="en-US" sz="2400" dirty="0" smtClean="0"/>
+              <a:t>，卻無法顯示</a:t>
+            </a:r>
+            <a:endParaRPr lang="en-US" altLang="zh-TW" sz="2400" dirty="0" smtClean="0"/>
+          </a:p>
+          <a:p>
+            <a:pPr lvl="1"/>
+            <a:r>
+              <a:rPr lang="zh-TW" altLang="en-US" sz="2200" dirty="0" smtClean="0"/>
+              <a:t>刪除此頁面</a:t>
+            </a:r>
+            <a:endParaRPr lang="zh-TW" altLang="en-US" sz="2200" dirty="0"/>
+          </a:p>
+        </p:txBody>
+      </p:sp>
+    </p:spTree>
+    <p:extLst>
+      <p:ext uri="{BB962C8B-B14F-4D97-AF65-F5344CB8AC3E}">
+        <p14:creationId xmlns:p14="http://schemas.microsoft.com/office/powerpoint/2010/main" val="2889762921"/>
+      </p:ext>
+    </p:extLst>
+  </p:cSld>
+  <p:clrMapOvr>
+    <a:masterClrMapping/>
+  </p:clrMapOvr>
+</p:sld>
+</file>
+
+<file path=ppt/slides/slide19.xml><?xml version="1.0" encoding="utf-8"?>
+<p:sld xmlns:a="http://schemas.openxmlformats.org/drawingml/2006/main" xmlns:r="http://schemas.openxmlformats.org/officeDocument/2006/relationships" xmlns:p="http://schemas.openxmlformats.org/presentationml/2006/main">
+  <p:cSld>
+    <p:spTree>
+      <p:nvGrpSpPr>
+        <p:cNvPr id="1" name=""/>
+        <p:cNvGrpSpPr/>
+        <p:nvPr/>
+      </p:nvGrpSpPr>
+      <p:grpSpPr>
+        <a:xfrm>
+          <a:off x="0" y="0"/>
+          <a:ext cx="0" cy="0"/>
+          <a:chOff x="0" y="0"/>
+          <a:chExt cx="0" cy="0"/>
+        </a:xfrm>
+      </p:grpSpPr>
+      <p:sp>
+        <p:nvSpPr>
+          <p:cNvPr id="2" name="標題 1"/>
+          <p:cNvSpPr>
+            <a:spLocks noGrp="1"/>
+          </p:cNvSpPr>
+          <p:nvPr>
+            <p:ph type="title"/>
+          </p:nvPr>
+        </p:nvSpPr>
+        <p:spPr/>
+        <p:txBody>
+          <a:bodyPr>
+            <a:normAutofit/>
+          </a:bodyPr>
+          <a:lstStyle/>
+          <a:p>
+            <a:pPr algn="ctr"/>
+            <a:r>
+              <a:rPr lang="en-US" altLang="zh-TW" sz="4800" dirty="0" smtClean="0"/>
+              <a:t>In </a:t>
+            </a:r>
+            <a:r>
+              <a:rPr lang="en-US" altLang="zh-TW" sz="4800" b="1" dirty="0" smtClean="0"/>
+              <a:t>Game</a:t>
+            </a:r>
+            <a:endParaRPr lang="zh-TW" altLang="en-US" sz="4800" b="1" dirty="0"/>
+          </a:p>
+        </p:txBody>
+      </p:sp>
+      <p:sp>
+        <p:nvSpPr>
+          <p:cNvPr id="3" name="內容版面配置區 2"/>
+          <p:cNvSpPr>
+            <a:spLocks noGrp="1"/>
+          </p:cNvSpPr>
+          <p:nvPr>
+            <p:ph sz="half" idx="1"/>
+          </p:nvPr>
+        </p:nvSpPr>
+        <p:spPr/>
+        <p:txBody>
+          <a:bodyPr>
+            <a:normAutofit/>
+          </a:bodyPr>
+          <a:lstStyle/>
+          <a:p>
+            <a:r>
+              <a:rPr lang="zh-TW" altLang="en-US" sz="2400" dirty="0" smtClean="0"/>
+              <a:t>因為遊戲無法在短時間內做優化，在玩遊戲時會閃爍。</a:t>
+            </a:r>
+            <a:endParaRPr lang="en-US" altLang="zh-TW" sz="2400" dirty="0" smtClean="0"/>
+          </a:p>
+          <a:p>
+            <a:pPr lvl="1"/>
+            <a:r>
+              <a:rPr lang="zh-TW" altLang="en-US" sz="2200" dirty="0" smtClean="0"/>
+              <a:t>將背景色設為地圖顏色，這樣閃爍也不明顯。</a:t>
+            </a:r>
+            <a:endParaRPr lang="zh-TW" altLang="en-US" sz="2200" dirty="0"/>
+          </a:p>
+        </p:txBody>
+      </p:sp>
+      <p:sp>
+        <p:nvSpPr>
+          <p:cNvPr id="4" name="內容版面配置區 3"/>
+          <p:cNvSpPr>
+            <a:spLocks noGrp="1"/>
+          </p:cNvSpPr>
+          <p:nvPr>
+            <p:ph sz="half" idx="2"/>
+          </p:nvPr>
+        </p:nvSpPr>
+        <p:spPr/>
+        <p:txBody>
+          <a:bodyPr/>
+          <a:lstStyle/>
+          <a:p>
+            <a:endParaRPr lang="zh-TW" altLang="en-US"/>
+          </a:p>
+        </p:txBody>
+      </p:sp>
+    </p:spTree>
+    <p:extLst>
+      <p:ext uri="{BB962C8B-B14F-4D97-AF65-F5344CB8AC3E}">
+        <p14:creationId xmlns:p14="http://schemas.microsoft.com/office/powerpoint/2010/main" val="2438584705"/>
+      </p:ext>
+    </p:extLst>
+  </p:cSld>
+  <p:clrMapOvr>
+    <a:masterClrMapping/>
+  </p:clrMapOvr>
+</p:sld>
+</file>
+
+<file path=ppt/slides/slide2.xml><?xml version="1.0" encoding="utf-8"?>
+<p:sld xmlns:a="http://schemas.openxmlformats.org/drawingml/2006/main" xmlns:r="http://schemas.openxmlformats.org/officeDocument/2006/relationships" xmlns:p="http://schemas.openxmlformats.org/presentationml/2006/main">
+  <p:cSld>
+    <p:spTree>
+      <p:nvGrpSpPr>
+        <p:cNvPr id="1" name=""/>
+        <p:cNvGrpSpPr/>
+        <p:nvPr/>
+      </p:nvGrpSpPr>
+      <p:grpSpPr>
+        <a:xfrm>
+          <a:off x="0" y="0"/>
+          <a:ext cx="0" cy="0"/>
+          <a:chOff x="0" y="0"/>
+          <a:chExt cx="0" cy="0"/>
+        </a:xfrm>
+      </p:grpSpPr>
+      <p:sp>
+        <p:nvSpPr>
+          <p:cNvPr id="2" name="標題 1"/>
+          <p:cNvSpPr>
+            <a:spLocks noGrp="1"/>
+          </p:cNvSpPr>
+          <p:nvPr>
+            <p:ph type="title"/>
+          </p:nvPr>
+        </p:nvSpPr>
+        <p:spPr/>
+        <p:txBody>
+          <a:bodyPr>
+            <a:normAutofit/>
+          </a:bodyPr>
+          <a:lstStyle/>
+          <a:p>
+            <a:pPr algn="ctr"/>
+            <a:r>
+              <a:rPr lang="zh-TW" altLang="en-US" sz="4800" b="1" dirty="0" smtClean="0"/>
+              <a:t>簡介</a:t>
+            </a:r>
+            <a:endParaRPr lang="zh-TW" altLang="en-US" sz="4800" b="1" dirty="0"/>
+          </a:p>
+        </p:txBody>
+      </p:sp>
+      <p:sp>
+        <p:nvSpPr>
+          <p:cNvPr id="3" name="內容版面配置區 2"/>
+          <p:cNvSpPr>
+            <a:spLocks noGrp="1"/>
+          </p:cNvSpPr>
+          <p:nvPr>
+            <p:ph sz="half" idx="1"/>
+          </p:nvPr>
+        </p:nvSpPr>
+        <p:spPr/>
+        <p:txBody>
+          <a:bodyPr>
+            <a:normAutofit/>
+          </a:bodyPr>
+          <a:lstStyle/>
+          <a:p>
+            <a:r>
+              <a:rPr lang="zh-TW" altLang="en-US" sz="2400" dirty="0" smtClean="0"/>
+              <a:t>亂</a:t>
+            </a:r>
+            <a:r>
+              <a:rPr lang="zh-TW" altLang="en-US" sz="2400" dirty="0" smtClean="0"/>
+              <a:t>吃來路不明的水果，會發生什麼有趣的事呢</a:t>
+            </a:r>
+            <a:r>
+              <a:rPr lang="zh-TW" altLang="en-US" sz="2400" dirty="0" smtClean="0"/>
+              <a:t>？</a:t>
+            </a:r>
+            <a:endParaRPr lang="en-US" altLang="zh-TW" sz="2400" dirty="0" smtClean="0"/>
+          </a:p>
+          <a:p>
+            <a:r>
+              <a:rPr lang="zh-TW" altLang="en-US" sz="2400" dirty="0" smtClean="0"/>
+              <a:t>在沙漠中，會遇見什麼？</a:t>
+            </a:r>
+            <a:endParaRPr lang="zh-TW" altLang="en-US" sz="2400" dirty="0"/>
+          </a:p>
+        </p:txBody>
+      </p:sp>
+      <p:pic>
+        <p:nvPicPr>
+          <p:cNvPr id="5" name="內容版面配置區 4"/>
+          <p:cNvPicPr>
+            <a:picLocks noGrp="1" noChangeAspect="1"/>
+          </p:cNvPicPr>
+          <p:nvPr>
+            <p:ph sz="half" idx="2"/>
+          </p:nvPr>
+        </p:nvPicPr>
+        <p:blipFill>
+          <a:blip r:embed="rId2" cstate="print">
+            <a:extLst>
+              <a:ext uri="{28A0092B-C50C-407E-A947-70E740481C1C}">
+                <a14:useLocalDpi xmlns:a14="http://schemas.microsoft.com/office/drawing/2010/main" val="0"/>
+              </a:ext>
+            </a:extLst>
+          </a:blip>
+          <a:stretch>
+            <a:fillRect/>
+          </a:stretch>
+        </p:blipFill>
+        <p:spPr>
+          <a:xfrm>
+            <a:off x="6188075" y="3073164"/>
+            <a:ext cx="5422900" cy="1941984"/>
+          </a:xfrm>
+        </p:spPr>
+      </p:pic>
+    </p:spTree>
+    <p:extLst>
+      <p:ext uri="{BB962C8B-B14F-4D97-AF65-F5344CB8AC3E}">
+        <p14:creationId xmlns:p14="http://schemas.microsoft.com/office/powerpoint/2010/main" val="2518679045"/>
+      </p:ext>
+    </p:extLst>
+  </p:cSld>
+  <p:clrMapOvr>
+    <a:masterClrMapping/>
+  </p:clrMapOvr>
+  <p:timing>
+    <p:tnLst>
+      <p:par>
+        <p:cTn id="1" dur="indefinite" restart="never" nodeType="tmRoot"/>
+      </p:par>
+    </p:tnLst>
+  </p:timing>
+</p:sld>
+</file>
+
+<file path=ppt/slides/slide20.xml><?xml version="1.0" encoding="utf-8"?>
 <p:sld xmlns:a="http://schemas.openxmlformats.org/drawingml/2006/main" xmlns:r="http://schemas.openxmlformats.org/officeDocument/2006/relationships" xmlns:p="http://schemas.openxmlformats.org/presentationml/2006/main">
   <p:cSld>
     <p:spTree>
@@ -5291,7 +9468,7 @@
 </p:sld>
 </file>
 
-<file path=ppt/slides/slide14.xml><?xml version="1.0" encoding="utf-8"?>
+<file path=ppt/slides/slide21.xml><?xml version="1.0" encoding="utf-8"?>
 <p:sld xmlns:a="http://schemas.openxmlformats.org/drawingml/2006/main" xmlns:r="http://schemas.openxmlformats.org/officeDocument/2006/relationships" xmlns:p="http://schemas.openxmlformats.org/presentationml/2006/main">
   <p:cSld>
     <p:spTree>
@@ -5335,7 +9512,7 @@
       </p:sp>
       <p:sp>
         <p:nvSpPr>
-          <p:cNvPr id="3" name="內容版面配置區 2"/>
+          <p:cNvPr id="8" name="內容版面配置區 7"/>
           <p:cNvSpPr>
             <a:spLocks noGrp="1"/>
           </p:cNvSpPr>
@@ -5348,7 +9525,7 @@
           <a:bodyPr/>
           <a:lstStyle/>
           <a:p>
-            <a:endParaRPr lang="zh-TW" altLang="en-US" dirty="0"/>
+            <a:endParaRPr lang="zh-TW" altLang="en-US"/>
           </a:p>
         </p:txBody>
       </p:sp>
@@ -5372,7 +9549,7 @@
 </p:sld>
 </file>
 
-<file path=ppt/slides/slide15.xml><?xml version="1.0" encoding="utf-8"?>
+<file path=ppt/slides/slide22.xml><?xml version="1.0" encoding="utf-8"?>
 <p:sld xmlns:a="http://schemas.openxmlformats.org/drawingml/2006/main" xmlns:r="http://schemas.openxmlformats.org/officeDocument/2006/relationships" xmlns:p="http://schemas.openxmlformats.org/presentationml/2006/main">
   <p:cSld>
     <p:spTree>
@@ -5408,99 +9585,6 @@
           <a:p>
             <a:pPr algn="ctr"/>
             <a:r>
-              <a:rPr lang="zh-TW" altLang="en-US" sz="9600" b="1" dirty="0" smtClean="0"/>
-              <a:t>問題紀錄</a:t>
-            </a:r>
-            <a:endParaRPr lang="zh-TW" altLang="en-US" sz="9600" b="1" dirty="0"/>
-          </a:p>
-        </p:txBody>
-      </p:sp>
-      <p:sp>
-        <p:nvSpPr>
-          <p:cNvPr id="3" name="文字版面配置區 2"/>
-          <p:cNvSpPr>
-            <a:spLocks noGrp="1"/>
-          </p:cNvSpPr>
-          <p:nvPr>
-            <p:ph type="body" idx="1"/>
-          </p:nvPr>
-        </p:nvSpPr>
-        <p:spPr/>
-        <p:txBody>
-          <a:bodyPr>
-            <a:normAutofit/>
-          </a:bodyPr>
-          <a:lstStyle/>
-          <a:p>
-            <a:pPr algn="ctr"/>
-            <a:r>
-              <a:rPr lang="zh-TW" altLang="en-US" sz="2400" dirty="0" smtClean="0"/>
-              <a:t>發生了許多無法理解的問題</a:t>
-            </a:r>
-            <a:r>
-              <a:rPr lang="en-US" altLang="zh-TW" sz="2400" dirty="0" smtClean="0"/>
-              <a:t>…</a:t>
-            </a:r>
-            <a:endParaRPr lang="zh-TW" altLang="en-US" sz="2400" dirty="0"/>
-          </a:p>
-        </p:txBody>
-      </p:sp>
-    </p:spTree>
-    <p:extLst>
-      <p:ext uri="{BB962C8B-B14F-4D97-AF65-F5344CB8AC3E}">
-        <p14:creationId xmlns:p14="http://schemas.microsoft.com/office/powerpoint/2010/main" val="2101376914"/>
-      </p:ext>
-    </p:extLst>
-  </p:cSld>
-  <p:clrMapOvr>
-    <a:masterClrMapping/>
-  </p:clrMapOvr>
-  <p:timing>
-    <p:tnLst>
-      <p:par>
-        <p:cTn id="1" dur="indefinite" restart="never" nodeType="tmRoot"/>
-      </p:par>
-    </p:tnLst>
-  </p:timing>
-</p:sld>
-</file>
-
-<file path=ppt/slides/slide16.xml><?xml version="1.0" encoding="utf-8"?>
-<p:sld xmlns:a="http://schemas.openxmlformats.org/drawingml/2006/main" xmlns:r="http://schemas.openxmlformats.org/officeDocument/2006/relationships" xmlns:p="http://schemas.openxmlformats.org/presentationml/2006/main">
-  <p:cSld>
-    <p:spTree>
-      <p:nvGrpSpPr>
-        <p:cNvPr id="1" name=""/>
-        <p:cNvGrpSpPr/>
-        <p:nvPr/>
-      </p:nvGrpSpPr>
-      <p:grpSpPr>
-        <a:xfrm>
-          <a:off x="0" y="0"/>
-          <a:ext cx="0" cy="0"/>
-          <a:chOff x="0" y="0"/>
-          <a:chExt cx="0" cy="0"/>
-        </a:xfrm>
-      </p:grpSpPr>
-      <p:sp>
-        <p:nvSpPr>
-          <p:cNvPr id="2" name="標題 1"/>
-          <p:cNvSpPr>
-            <a:spLocks noGrp="1"/>
-          </p:cNvSpPr>
-          <p:nvPr>
-            <p:ph type="title"/>
-          </p:nvPr>
-        </p:nvSpPr>
-        <p:spPr/>
-        <p:txBody>
-          <a:bodyPr>
-            <a:noAutofit/>
-          </a:bodyPr>
-          <a:lstStyle/>
-          <a:p>
-            <a:pPr algn="ctr"/>
-            <a:r>
               <a:rPr lang="zh-TW" altLang="en-US" sz="5400" b="1" dirty="0" smtClean="0"/>
               <a:t>音效來源</a:t>
             </a:r>
@@ -5518,7 +9602,7 @@
             <p:ph idx="1"/>
             <p:extLst>
               <p:ext uri="{D42A27DB-BD31-4B8C-83A1-F6EECF244321}">
-                <p14:modId xmlns:p14="http://schemas.microsoft.com/office/powerpoint/2010/main" val="152666530"/>
+                <p14:modId xmlns:p14="http://schemas.microsoft.com/office/powerpoint/2010/main" val="224753701"/>
               </p:ext>
             </p:extLst>
           </p:nvPr>
@@ -5570,6 +9654,10 @@
                     <a:bodyPr/>
                     <a:lstStyle/>
                     <a:p>
+                      <a:r>
+                        <a:rPr lang="en-US" altLang="zh-TW" sz="2400" dirty="0" smtClean="0"/>
+                        <a:t>NIVIRO - The Ghost [NCS Official Video]</a:t>
+                      </a:r>
                       <a:endParaRPr lang="zh-TW" altLang="en-US" sz="2400" dirty="0"/>
                     </a:p>
                   </a:txBody>
@@ -5610,6 +9698,14 @@
                     <a:bodyPr/>
                     <a:lstStyle/>
                     <a:p>
+                      <a:r>
+                        <a:rPr lang="en-US" altLang="zh-TW" sz="2400" dirty="0" smtClean="0">
+                          <a:solidFill>
+                            <a:schemeClr val="accent2"/>
+                          </a:solidFill>
+                        </a:rPr>
+                        <a:t>https://www.youtube.com/watch?v=lTEzfj8IAR0</a:t>
+                      </a:r>
                       <a:endParaRPr lang="zh-TW" altLang="en-US" sz="2400" dirty="0">
                         <a:solidFill>
                           <a:schemeClr val="accent2"/>
@@ -5810,7 +9906,100 @@
 </p:sld>
 </file>
 
-<file path=ppt/slides/slide17.xml><?xml version="1.0" encoding="utf-8"?>
+<file path=ppt/slides/slide23.xml><?xml version="1.0" encoding="utf-8"?>
+<p:sld xmlns:a="http://schemas.openxmlformats.org/drawingml/2006/main" xmlns:r="http://schemas.openxmlformats.org/officeDocument/2006/relationships" xmlns:p="http://schemas.openxmlformats.org/presentationml/2006/main" show="0">
+  <p:cSld>
+    <p:spTree>
+      <p:nvGrpSpPr>
+        <p:cNvPr id="1" name=""/>
+        <p:cNvGrpSpPr/>
+        <p:nvPr/>
+      </p:nvGrpSpPr>
+      <p:grpSpPr>
+        <a:xfrm>
+          <a:off x="0" y="0"/>
+          <a:ext cx="0" cy="0"/>
+          <a:chOff x="0" y="0"/>
+          <a:chExt cx="0" cy="0"/>
+        </a:xfrm>
+      </p:grpSpPr>
+      <p:sp>
+        <p:nvSpPr>
+          <p:cNvPr id="2" name="標題 1"/>
+          <p:cNvSpPr>
+            <a:spLocks noGrp="1"/>
+          </p:cNvSpPr>
+          <p:nvPr>
+            <p:ph type="title"/>
+          </p:nvPr>
+        </p:nvSpPr>
+        <p:spPr/>
+        <p:txBody>
+          <a:bodyPr>
+            <a:normAutofit/>
+          </a:bodyPr>
+          <a:lstStyle/>
+          <a:p>
+            <a:pPr algn="ctr"/>
+            <a:r>
+              <a:rPr lang="zh-TW" altLang="en-US" sz="5400" b="1" dirty="0" smtClean="0"/>
+              <a:t>資料來</a:t>
+            </a:r>
+            <a:r>
+              <a:rPr lang="zh-TW" altLang="en-US" sz="5400" b="1" dirty="0"/>
+              <a:t>源</a:t>
+            </a:r>
+          </a:p>
+        </p:txBody>
+      </p:sp>
+      <p:sp>
+        <p:nvSpPr>
+          <p:cNvPr id="3" name="內容版面配置區 2"/>
+          <p:cNvSpPr>
+            <a:spLocks noGrp="1"/>
+          </p:cNvSpPr>
+          <p:nvPr>
+            <p:ph idx="1"/>
+          </p:nvPr>
+        </p:nvSpPr>
+        <p:spPr/>
+        <p:txBody>
+          <a:bodyPr/>
+          <a:lstStyle/>
+          <a:p>
+            <a:endParaRPr lang="zh-TW" altLang="en-US" dirty="0"/>
+          </a:p>
+        </p:txBody>
+      </p:sp>
+    </p:spTree>
+    <p:extLst>
+      <p:ext uri="{BB962C8B-B14F-4D97-AF65-F5344CB8AC3E}">
+        <p14:creationId xmlns:p14="http://schemas.microsoft.com/office/powerpoint/2010/main" val="648900677"/>
+      </p:ext>
+    </p:extLst>
+  </p:cSld>
+  <p:clrMapOvr>
+    <a:masterClrMapping/>
+  </p:clrMapOvr>
+  <mc:AlternateContent xmlns:mc="http://schemas.openxmlformats.org/markup-compatibility/2006">
+    <mc:Choice xmlns:p14="http://schemas.microsoft.com/office/powerpoint/2010/main" Requires="p14">
+      <p:transition spd="slow" p14:dur="2000"/>
+    </mc:Choice>
+    <mc:Fallback>
+      <p:transition spd="slow"/>
+    </mc:Fallback>
+  </mc:AlternateContent>
+  <p:timing>
+    <p:tnLst>
+      <p:par>
+        <p:cTn id="1" dur="indefinite" restart="never" nodeType="tmRoot"/>
+      </p:par>
+    </p:tnLst>
+  </p:timing>
+</p:sld>
+</file>
+
+<file path=ppt/slides/slide24.xml><?xml version="1.0" encoding="utf-8"?>
 <p:sld xmlns:a="http://schemas.openxmlformats.org/drawingml/2006/main" xmlns:r="http://schemas.openxmlformats.org/officeDocument/2006/relationships" xmlns:p="http://schemas.openxmlformats.org/presentationml/2006/main">
   <p:cSld>
     <p:spTree>
@@ -5846,80 +10035,21 @@
           <a:p>
             <a:pPr algn="ctr"/>
             <a:r>
-              <a:rPr lang="zh-TW" altLang="en-US" sz="4800" b="1" dirty="0" smtClean="0"/>
-              <a:t>資料來</a:t>
-            </a:r>
-            <a:r>
-              <a:rPr lang="zh-TW" altLang="en-US" sz="4800" b="1" dirty="0"/>
-              <a:t>源</a:t>
-            </a:r>
-          </a:p>
-        </p:txBody>
-      </p:sp>
-      <p:sp>
-        <p:nvSpPr>
-          <p:cNvPr id="3" name="內容版面配置區 2"/>
+              <a:rPr lang="en-US" altLang="zh-TW" sz="8000" dirty="0" smtClean="0"/>
+              <a:t>Fin.</a:t>
+            </a:r>
+            <a:endParaRPr lang="zh-TW" altLang="en-US" sz="8000" dirty="0"/>
+          </a:p>
+        </p:txBody>
+      </p:sp>
+      <p:sp>
+        <p:nvSpPr>
+          <p:cNvPr id="3" name="文字版面配置區 2"/>
           <p:cNvSpPr>
             <a:spLocks noGrp="1"/>
           </p:cNvSpPr>
           <p:nvPr>
-            <p:ph idx="1"/>
-          </p:nvPr>
-        </p:nvSpPr>
-        <p:spPr/>
-        <p:txBody>
-          <a:bodyPr/>
-          <a:lstStyle/>
-          <a:p>
-            <a:endParaRPr lang="zh-TW" altLang="en-US" dirty="0"/>
-          </a:p>
-        </p:txBody>
-      </p:sp>
-    </p:spTree>
-    <p:extLst>
-      <p:ext uri="{BB962C8B-B14F-4D97-AF65-F5344CB8AC3E}">
-        <p14:creationId xmlns:p14="http://schemas.microsoft.com/office/powerpoint/2010/main" val="648900677"/>
-      </p:ext>
-    </p:extLst>
-  </p:cSld>
-  <p:clrMapOvr>
-    <a:masterClrMapping/>
-  </p:clrMapOvr>
-  <p:timing>
-    <p:tnLst>
-      <p:par>
-        <p:cTn id="1" dur="indefinite" restart="never" nodeType="tmRoot"/>
-      </p:par>
-    </p:tnLst>
-  </p:timing>
-</p:sld>
-</file>
-
-<file path=ppt/slides/slide18.xml><?xml version="1.0" encoding="utf-8"?>
-<p:sld xmlns:a="http://schemas.openxmlformats.org/drawingml/2006/main" xmlns:r="http://schemas.openxmlformats.org/officeDocument/2006/relationships" xmlns:p="http://schemas.openxmlformats.org/presentationml/2006/main">
-  <p:cSld>
-    <p:spTree>
-      <p:nvGrpSpPr>
-        <p:cNvPr id="1" name=""/>
-        <p:cNvGrpSpPr/>
-        <p:nvPr/>
-      </p:nvGrpSpPr>
-      <p:grpSpPr>
-        <a:xfrm>
-          <a:off x="0" y="0"/>
-          <a:ext cx="0" cy="0"/>
-          <a:chOff x="0" y="0"/>
-          <a:chExt cx="0" cy="0"/>
-        </a:xfrm>
-      </p:grpSpPr>
-      <p:sp>
-        <p:nvSpPr>
-          <p:cNvPr id="2" name="標題 1"/>
-          <p:cNvSpPr>
-            <a:spLocks noGrp="1"/>
-          </p:cNvSpPr>
-          <p:nvPr>
-            <p:ph type="title"/>
+            <p:ph type="body" idx="1"/>
           </p:nvPr>
         </p:nvSpPr>
         <p:spPr/>
@@ -5929,32 +10059,6 @@
           </a:bodyPr>
           <a:lstStyle/>
           <a:p>
-            <a:pPr algn="ctr"/>
-            <a:r>
-              <a:rPr lang="en-US" altLang="zh-TW" sz="8000" dirty="0" smtClean="0"/>
-              <a:t>Fin.</a:t>
-            </a:r>
-            <a:endParaRPr lang="zh-TW" altLang="en-US" sz="8000" dirty="0"/>
-          </a:p>
-        </p:txBody>
-      </p:sp>
-      <p:sp>
-        <p:nvSpPr>
-          <p:cNvPr id="3" name="文字版面配置區 2"/>
-          <p:cNvSpPr>
-            <a:spLocks noGrp="1"/>
-          </p:cNvSpPr>
-          <p:nvPr>
-            <p:ph type="body" idx="1"/>
-          </p:nvPr>
-        </p:nvSpPr>
-        <p:spPr/>
-        <p:txBody>
-          <a:bodyPr>
-            <a:normAutofit/>
-          </a:bodyPr>
-          <a:lstStyle/>
-          <a:p>
             <a:r>
               <a:rPr lang="en-US" altLang="zh-TW" sz="2400" dirty="0" smtClean="0"/>
               <a:t>Thank for watching…</a:t>
@@ -5967,126 +10071,6 @@
     <p:extLst>
       <p:ext uri="{BB962C8B-B14F-4D97-AF65-F5344CB8AC3E}">
         <p14:creationId xmlns:p14="http://schemas.microsoft.com/office/powerpoint/2010/main" val="978165443"/>
-      </p:ext>
-    </p:extLst>
-  </p:cSld>
-  <p:clrMapOvr>
-    <a:masterClrMapping/>
-  </p:clrMapOvr>
-  <p:timing>
-    <p:tnLst>
-      <p:par>
-        <p:cTn id="1" dur="indefinite" restart="never" nodeType="tmRoot"/>
-      </p:par>
-    </p:tnLst>
-  </p:timing>
-</p:sld>
-</file>
-
-<file path=ppt/slides/slide2.xml><?xml version="1.0" encoding="utf-8"?>
-<p:sld xmlns:a="http://schemas.openxmlformats.org/drawingml/2006/main" xmlns:r="http://schemas.openxmlformats.org/officeDocument/2006/relationships" xmlns:p="http://schemas.openxmlformats.org/presentationml/2006/main">
-  <p:cSld>
-    <p:spTree>
-      <p:nvGrpSpPr>
-        <p:cNvPr id="1" name=""/>
-        <p:cNvGrpSpPr/>
-        <p:nvPr/>
-      </p:nvGrpSpPr>
-      <p:grpSpPr>
-        <a:xfrm>
-          <a:off x="0" y="0"/>
-          <a:ext cx="0" cy="0"/>
-          <a:chOff x="0" y="0"/>
-          <a:chExt cx="0" cy="0"/>
-        </a:xfrm>
-      </p:grpSpPr>
-      <p:sp>
-        <p:nvSpPr>
-          <p:cNvPr id="2" name="標題 1"/>
-          <p:cNvSpPr>
-            <a:spLocks noGrp="1"/>
-          </p:cNvSpPr>
-          <p:nvPr>
-            <p:ph type="title"/>
-          </p:nvPr>
-        </p:nvSpPr>
-        <p:spPr/>
-        <p:txBody>
-          <a:bodyPr>
-            <a:normAutofit/>
-          </a:bodyPr>
-          <a:lstStyle/>
-          <a:p>
-            <a:pPr algn="ctr"/>
-            <a:r>
-              <a:rPr lang="zh-TW" altLang="en-US" sz="4800" b="1" dirty="0" smtClean="0"/>
-              <a:t>簡介</a:t>
-            </a:r>
-            <a:endParaRPr lang="zh-TW" altLang="en-US" sz="4800" b="1" dirty="0"/>
-          </a:p>
-        </p:txBody>
-      </p:sp>
-      <p:sp>
-        <p:nvSpPr>
-          <p:cNvPr id="3" name="內容版面配置區 2"/>
-          <p:cNvSpPr>
-            <a:spLocks noGrp="1"/>
-          </p:cNvSpPr>
-          <p:nvPr>
-            <p:ph sz="half" idx="1"/>
-          </p:nvPr>
-        </p:nvSpPr>
-        <p:spPr/>
-        <p:txBody>
-          <a:bodyPr>
-            <a:normAutofit/>
-          </a:bodyPr>
-          <a:lstStyle/>
-          <a:p>
-            <a:r>
-              <a:rPr lang="zh-TW" altLang="en-US" sz="2400" dirty="0" smtClean="0"/>
-              <a:t>亂吃來路不明的水果，會發生什麼有趣的事呢</a:t>
-            </a:r>
-            <a:r>
-              <a:rPr lang="zh-TW" altLang="en-US" sz="2400" dirty="0"/>
-              <a:t>？</a:t>
-            </a:r>
-          </a:p>
-        </p:txBody>
-      </p:sp>
-      <p:pic>
-        <p:nvPicPr>
-          <p:cNvPr id="5" name="內容版面配置區 4"/>
-          <p:cNvPicPr>
-            <a:picLocks noGrp="1" noChangeAspect="1"/>
-          </p:cNvPicPr>
-          <p:nvPr>
-            <p:ph sz="half" idx="2"/>
-          </p:nvPr>
-        </p:nvPicPr>
-        <p:blipFill>
-          <a:blip r:embed="rId2" cstate="print">
-            <a:extLst>
-              <a:ext uri="{28A0092B-C50C-407E-A947-70E740481C1C}">
-                <a14:useLocalDpi xmlns:a14="http://schemas.microsoft.com/office/drawing/2010/main" val="0"/>
-              </a:ext>
-            </a:extLst>
-          </a:blip>
-          <a:stretch>
-            <a:fillRect/>
-          </a:stretch>
-        </p:blipFill>
-        <p:spPr>
-          <a:xfrm>
-            <a:off x="6188075" y="3073164"/>
-            <a:ext cx="5422900" cy="1941984"/>
-          </a:xfrm>
-        </p:spPr>
-      </p:pic>
-    </p:spTree>
-    <p:extLst>
-      <p:ext uri="{BB962C8B-B14F-4D97-AF65-F5344CB8AC3E}">
-        <p14:creationId xmlns:p14="http://schemas.microsoft.com/office/powerpoint/2010/main" val="2518679045"/>
       </p:ext>
     </p:extLst>
   </p:cSld>
@@ -6146,49 +10130,31 @@
           </a:p>
         </p:txBody>
       </p:sp>
-      <p:sp>
-        <p:nvSpPr>
-          <p:cNvPr id="5" name="內容版面配置區 4"/>
-          <p:cNvSpPr>
-            <a:spLocks noGrp="1"/>
-          </p:cNvSpPr>
+      <p:graphicFrame>
+        <p:nvGraphicFramePr>
+          <p:cNvPr id="2" name="內容版面配置區 1"/>
+          <p:cNvGraphicFramePr>
+            <a:graphicFrameLocks noGrp="1"/>
+          </p:cNvGraphicFramePr>
           <p:nvPr>
             <p:ph idx="1"/>
-          </p:nvPr>
-        </p:nvSpPr>
-        <p:spPr/>
-        <p:txBody>
-          <a:bodyPr>
-            <a:normAutofit/>
-          </a:bodyPr>
-          <a:lstStyle/>
-          <a:p>
-            <a:r>
-              <a:rPr lang="zh-TW" altLang="en-US" sz="2400" dirty="0" smtClean="0"/>
-              <a:t>道具</a:t>
-            </a:r>
-            <a:endParaRPr lang="en-US" altLang="zh-TW" sz="2400" dirty="0" smtClean="0"/>
-          </a:p>
-          <a:p>
-            <a:r>
-              <a:rPr lang="zh-TW" altLang="en-US" sz="2400" dirty="0" smtClean="0"/>
-              <a:t>鬼抓</a:t>
-            </a:r>
-            <a:r>
-              <a:rPr lang="zh-TW" altLang="en-US" sz="2400" dirty="0"/>
-              <a:t>人</a:t>
-            </a:r>
-            <a:endParaRPr lang="en-US" altLang="zh-TW" sz="2400" dirty="0"/>
-          </a:p>
-          <a:p>
-            <a:r>
-              <a:rPr lang="zh-TW" altLang="en-US" sz="2400" dirty="0" smtClean="0"/>
-              <a:t>挖地板</a:t>
-            </a:r>
-            <a:endParaRPr lang="en-US" altLang="zh-TW" sz="2400" dirty="0"/>
-          </a:p>
-        </p:txBody>
-      </p:sp>
+            <p:extLst>
+              <p:ext uri="{D42A27DB-BD31-4B8C-83A1-F6EECF244321}">
+                <p14:modId xmlns:p14="http://schemas.microsoft.com/office/powerpoint/2010/main" val="3159692761"/>
+              </p:ext>
+            </p:extLst>
+          </p:nvPr>
+        </p:nvGraphicFramePr>
+        <p:xfrm>
+          <a:off x="581025" y="2181225"/>
+          <a:ext cx="11029950" cy="3678238"/>
+        </p:xfrm>
+        <a:graphic>
+          <a:graphicData uri="http://schemas.openxmlformats.org/drawingml/2006/diagram">
+            <dgm:relIds xmlns:dgm="http://schemas.openxmlformats.org/drawingml/2006/diagram" xmlns:r="http://schemas.openxmlformats.org/officeDocument/2006/relationships" r:dm="rId2" r:lo="rId3" r:qs="rId4" r:cs="rId5"/>
+          </a:graphicData>
+        </a:graphic>
+      </p:graphicFrame>
     </p:spTree>
     <p:extLst>
       <p:ext uri="{BB962C8B-B14F-4D97-AF65-F5344CB8AC3E}">
@@ -7389,6 +11355,162 @@
           <a:lstStyle/>
           <a:p>
             <a:r>
+              <a:rPr lang="zh-TW" altLang="en-US" sz="4800" dirty="0"/>
+              <a:t>道具介紹 </a:t>
+            </a:r>
+            <a:r>
+              <a:rPr lang="en-US" altLang="zh-TW" sz="4800" dirty="0"/>
+              <a:t>–</a:t>
+            </a:r>
+            <a:r>
+              <a:rPr lang="zh-TW" altLang="en-US" sz="4800" dirty="0"/>
+              <a:t> </a:t>
+            </a:r>
+            <a:r>
+              <a:rPr lang="zh-TW" altLang="en-US" sz="4800" b="1" dirty="0" smtClean="0"/>
+              <a:t>惡魔果實！</a:t>
+            </a:r>
+            <a:endParaRPr lang="zh-TW" altLang="en-US" sz="4800" dirty="0"/>
+          </a:p>
+        </p:txBody>
+      </p:sp>
+      <p:pic>
+        <p:nvPicPr>
+          <p:cNvPr id="4" name="內容版面配置區 3"/>
+          <p:cNvPicPr>
+            <a:picLocks noGrp="1" noChangeAspect="1"/>
+          </p:cNvPicPr>
+          <p:nvPr>
+            <p:ph idx="1"/>
+          </p:nvPr>
+        </p:nvPicPr>
+        <p:blipFill>
+          <a:blip r:embed="rId2">
+            <a:extLst>
+              <a:ext uri="{28A0092B-C50C-407E-A947-70E740481C1C}">
+                <a14:useLocalDpi xmlns:a14="http://schemas.microsoft.com/office/drawing/2010/main" val="0"/>
+              </a:ext>
+            </a:extLst>
+          </a:blip>
+          <a:stretch>
+            <a:fillRect/>
+          </a:stretch>
+        </p:blipFill>
+        <p:spPr>
+          <a:xfrm>
+            <a:off x="2759941" y="2893880"/>
+            <a:ext cx="2031746" cy="2031746"/>
+          </a:xfrm>
+        </p:spPr>
+      </p:pic>
+      <p:pic>
+        <p:nvPicPr>
+          <p:cNvPr id="5" name="圖片 4"/>
+          <p:cNvPicPr>
+            <a:picLocks noChangeAspect="1"/>
+          </p:cNvPicPr>
+          <p:nvPr/>
+        </p:nvPicPr>
+        <p:blipFill>
+          <a:blip r:embed="rId3">
+            <a:extLst>
+              <a:ext uri="{28A0092B-C50C-407E-A947-70E740481C1C}">
+                <a14:useLocalDpi xmlns:a14="http://schemas.microsoft.com/office/drawing/2010/main" val="0"/>
+              </a:ext>
+            </a:extLst>
+          </a:blip>
+          <a:stretch>
+            <a:fillRect/>
+          </a:stretch>
+        </p:blipFill>
+        <p:spPr>
+          <a:xfrm>
+            <a:off x="5080127" y="2893880"/>
+            <a:ext cx="2031746" cy="2031746"/>
+          </a:xfrm>
+          <a:prstGeom prst="rect">
+            <a:avLst/>
+          </a:prstGeom>
+        </p:spPr>
+      </p:pic>
+      <p:pic>
+        <p:nvPicPr>
+          <p:cNvPr id="6" name="圖片 5"/>
+          <p:cNvPicPr>
+            <a:picLocks noChangeAspect="1"/>
+          </p:cNvPicPr>
+          <p:nvPr/>
+        </p:nvPicPr>
+        <p:blipFill>
+          <a:blip r:embed="rId4">
+            <a:extLst>
+              <a:ext uri="{28A0092B-C50C-407E-A947-70E740481C1C}">
+                <a14:useLocalDpi xmlns:a14="http://schemas.microsoft.com/office/drawing/2010/main" val="0"/>
+              </a:ext>
+            </a:extLst>
+          </a:blip>
+          <a:stretch>
+            <a:fillRect/>
+          </a:stretch>
+        </p:blipFill>
+        <p:spPr>
+          <a:xfrm>
+            <a:off x="7400313" y="2893880"/>
+            <a:ext cx="2031746" cy="2031746"/>
+          </a:xfrm>
+          <a:prstGeom prst="rect">
+            <a:avLst/>
+          </a:prstGeom>
+        </p:spPr>
+      </p:pic>
+    </p:spTree>
+    <p:extLst>
+      <p:ext uri="{BB962C8B-B14F-4D97-AF65-F5344CB8AC3E}">
+        <p14:creationId xmlns:p14="http://schemas.microsoft.com/office/powerpoint/2010/main" val="4059860130"/>
+      </p:ext>
+    </p:extLst>
+  </p:cSld>
+  <p:clrMapOvr>
+    <a:masterClrMapping/>
+  </p:clrMapOvr>
+</p:sld>
+</file>
+
+<file path=ppt/slides/slide9.xml><?xml version="1.0" encoding="utf-8"?>
+<p:sld xmlns:a="http://schemas.openxmlformats.org/drawingml/2006/main" xmlns:r="http://schemas.openxmlformats.org/officeDocument/2006/relationships" xmlns:p="http://schemas.openxmlformats.org/presentationml/2006/main">
+  <p:cSld>
+    <p:spTree>
+      <p:nvGrpSpPr>
+        <p:cNvPr id="1" name=""/>
+        <p:cNvGrpSpPr/>
+        <p:nvPr/>
+      </p:nvGrpSpPr>
+      <p:grpSpPr>
+        <a:xfrm>
+          <a:off x="0" y="0"/>
+          <a:ext cx="0" cy="0"/>
+          <a:chOff x="0" y="0"/>
+          <a:chExt cx="0" cy="0"/>
+        </a:xfrm>
+      </p:grpSpPr>
+      <p:sp>
+        <p:nvSpPr>
+          <p:cNvPr id="2" name="標題 1"/>
+          <p:cNvSpPr>
+            <a:spLocks noGrp="1"/>
+          </p:cNvSpPr>
+          <p:nvPr>
+            <p:ph type="title"/>
+          </p:nvPr>
+        </p:nvSpPr>
+        <p:spPr/>
+        <p:txBody>
+          <a:bodyPr>
+            <a:normAutofit/>
+          </a:bodyPr>
+          <a:lstStyle/>
+          <a:p>
+            <a:r>
               <a:rPr lang="zh-TW" altLang="en-US" dirty="0" smtClean="0"/>
               <a:t>跑跑跑</a:t>
             </a:r>
@@ -7548,228 +11670,6 @@
     <p:extLst>
       <p:ext uri="{BB962C8B-B14F-4D97-AF65-F5344CB8AC3E}">
         <p14:creationId xmlns:p14="http://schemas.microsoft.com/office/powerpoint/2010/main" val="1970581000"/>
-      </p:ext>
-    </p:extLst>
-  </p:cSld>
-  <p:clrMapOvr>
-    <a:masterClrMapping/>
-  </p:clrMapOvr>
-  <p:timing>
-    <p:tnLst>
-      <p:par>
-        <p:cTn id="1" dur="indefinite" restart="never" nodeType="tmRoot"/>
-      </p:par>
-    </p:tnLst>
-  </p:timing>
-</p:sld>
-</file>
-
-<file path=ppt/slides/slide9.xml><?xml version="1.0" encoding="utf-8"?>
-<p:sld xmlns:a="http://schemas.openxmlformats.org/drawingml/2006/main" xmlns:r="http://schemas.openxmlformats.org/officeDocument/2006/relationships" xmlns:p="http://schemas.openxmlformats.org/presentationml/2006/main">
-  <p:cSld>
-    <p:spTree>
-      <p:nvGrpSpPr>
-        <p:cNvPr id="1" name=""/>
-        <p:cNvGrpSpPr/>
-        <p:nvPr/>
-      </p:nvGrpSpPr>
-      <p:grpSpPr>
-        <a:xfrm>
-          <a:off x="0" y="0"/>
-          <a:ext cx="0" cy="0"/>
-          <a:chOff x="0" y="0"/>
-          <a:chExt cx="0" cy="0"/>
-        </a:xfrm>
-      </p:grpSpPr>
-      <p:sp>
-        <p:nvSpPr>
-          <p:cNvPr id="2" name="標題 1"/>
-          <p:cNvSpPr>
-            <a:spLocks noGrp="1"/>
-          </p:cNvSpPr>
-          <p:nvPr>
-            <p:ph type="title"/>
-          </p:nvPr>
-        </p:nvSpPr>
-        <p:spPr>
-          <a:xfrm>
-            <a:off x="581193" y="5262296"/>
-            <a:ext cx="3865548" cy="689514"/>
-          </a:xfrm>
-        </p:spPr>
-        <p:txBody>
-          <a:bodyPr/>
-          <a:lstStyle/>
-          <a:p>
-            <a:r>
-              <a:rPr lang="en-US" altLang="zh-TW" dirty="0" smtClean="0"/>
-              <a:t>QQ</a:t>
-            </a:r>
-            <a:endParaRPr lang="zh-TW" altLang="en-US" dirty="0"/>
-          </a:p>
-        </p:txBody>
-      </p:sp>
-      <p:pic>
-        <p:nvPicPr>
-          <p:cNvPr id="5" name="內容版面配置區 4"/>
-          <p:cNvPicPr>
-            <a:picLocks noGrp="1" noChangeAspect="1"/>
-          </p:cNvPicPr>
-          <p:nvPr>
-            <p:ph idx="1"/>
-          </p:nvPr>
-        </p:nvPicPr>
-        <p:blipFill>
-          <a:blip r:embed="rId2">
-            <a:extLst>
-              <a:ext uri="{28A0092B-C50C-407E-A947-70E740481C1C}">
-                <a14:useLocalDpi xmlns:a14="http://schemas.microsoft.com/office/drawing/2010/main" val="0"/>
-              </a:ext>
-            </a:extLst>
-          </a:blip>
-          <a:stretch>
-            <a:fillRect/>
-          </a:stretch>
-        </p:blipFill>
-        <p:spPr>
-          <a:xfrm>
-            <a:off x="2001636" y="2050894"/>
-            <a:ext cx="2031746" cy="2031746"/>
-          </a:xfrm>
-        </p:spPr>
-      </p:pic>
-      <p:sp>
-        <p:nvSpPr>
-          <p:cNvPr id="4" name="文字版面配置區 3"/>
-          <p:cNvSpPr>
-            <a:spLocks noGrp="1"/>
-          </p:cNvSpPr>
-          <p:nvPr>
-            <p:ph type="body" sz="half" idx="2"/>
-          </p:nvPr>
-        </p:nvSpPr>
-        <p:spPr>
-          <a:xfrm>
-            <a:off x="5336089" y="5262296"/>
-            <a:ext cx="6274722" cy="689515"/>
-          </a:xfrm>
-        </p:spPr>
-        <p:txBody>
-          <a:bodyPr>
-            <a:noAutofit/>
-          </a:bodyPr>
-          <a:lstStyle/>
-          <a:p>
-            <a:r>
-              <a:rPr lang="zh-TW" altLang="en-US" sz="3600" dirty="0" smtClean="0"/>
-              <a:t>掉進流沙怎麼辦？乖</a:t>
-            </a:r>
-            <a:r>
-              <a:rPr lang="en-US" altLang="zh-TW" sz="3600" dirty="0" smtClean="0"/>
-              <a:t>~</a:t>
-            </a:r>
-            <a:r>
-              <a:rPr lang="zh-TW" altLang="en-US" sz="3600" dirty="0" smtClean="0"/>
-              <a:t>別掙扎！</a:t>
-            </a:r>
-            <a:endParaRPr lang="zh-TW" altLang="en-US" sz="3600" dirty="0"/>
-          </a:p>
-        </p:txBody>
-      </p:sp>
-      <p:pic>
-        <p:nvPicPr>
-          <p:cNvPr id="6" name="圖片 5"/>
-          <p:cNvPicPr>
-            <a:picLocks noChangeAspect="1"/>
-          </p:cNvPicPr>
-          <p:nvPr/>
-        </p:nvPicPr>
-        <p:blipFill>
-          <a:blip r:embed="rId3">
-            <a:extLst>
-              <a:ext uri="{28A0092B-C50C-407E-A947-70E740481C1C}">
-                <a14:useLocalDpi xmlns:a14="http://schemas.microsoft.com/office/drawing/2010/main" val="0"/>
-              </a:ext>
-            </a:extLst>
-          </a:blip>
-          <a:stretch>
-            <a:fillRect/>
-          </a:stretch>
-        </p:blipFill>
-        <p:spPr>
-          <a:xfrm>
-            <a:off x="4136697" y="2050894"/>
-            <a:ext cx="2031746" cy="2031746"/>
-          </a:xfrm>
-          <a:prstGeom prst="rect">
-            <a:avLst/>
-          </a:prstGeom>
-        </p:spPr>
-      </p:pic>
-      <p:pic>
-        <p:nvPicPr>
-          <p:cNvPr id="7" name="圖片 6"/>
-          <p:cNvPicPr>
-            <a:picLocks noChangeAspect="1"/>
-          </p:cNvPicPr>
-          <p:nvPr/>
-        </p:nvPicPr>
-        <p:blipFill>
-          <a:blip r:embed="rId4">
-            <a:extLst>
-              <a:ext uri="{28A0092B-C50C-407E-A947-70E740481C1C}">
-                <a14:useLocalDpi xmlns:a14="http://schemas.microsoft.com/office/drawing/2010/main" val="0"/>
-              </a:ext>
-            </a:extLst>
-          </a:blip>
-          <a:stretch>
-            <a:fillRect/>
-          </a:stretch>
-        </p:blipFill>
-        <p:spPr>
-          <a:xfrm>
-            <a:off x="6271759" y="2050894"/>
-            <a:ext cx="2031746" cy="2031746"/>
-          </a:xfrm>
-          <a:prstGeom prst="rect">
-            <a:avLst/>
-          </a:prstGeom>
-        </p:spPr>
-      </p:pic>
-      <p:pic>
-        <p:nvPicPr>
-          <p:cNvPr id="8" name="圖片 7"/>
-          <p:cNvPicPr>
-            <a:picLocks noChangeAspect="1"/>
-          </p:cNvPicPr>
-          <p:nvPr/>
-        </p:nvPicPr>
-        <p:blipFill>
-          <a:blip r:embed="rId5">
-            <a:extLst>
-              <a:ext uri="{28A0092B-C50C-407E-A947-70E740481C1C}">
-                <a14:useLocalDpi xmlns:a14="http://schemas.microsoft.com/office/drawing/2010/main" val="0"/>
-              </a:ext>
-            </a:extLst>
-          </a:blip>
-          <a:stretch>
-            <a:fillRect/>
-          </a:stretch>
-        </p:blipFill>
-        <p:spPr>
-          <a:xfrm>
-            <a:off x="8406821" y="2050894"/>
-            <a:ext cx="2031746" cy="2031746"/>
-          </a:xfrm>
-          <a:prstGeom prst="rect">
-            <a:avLst/>
-          </a:prstGeom>
-        </p:spPr>
-      </p:pic>
-    </p:spTree>
-    <p:extLst>
-      <p:ext uri="{BB962C8B-B14F-4D97-AF65-F5344CB8AC3E}">
-        <p14:creationId xmlns:p14="http://schemas.microsoft.com/office/powerpoint/2010/main" val="1031016532"/>
       </p:ext>
     </p:extLst>
   </p:cSld>

--- a/PPT/JAVA Final project.pptx
+++ b/PPT/JAVA Final project.pptx
@@ -23,11 +23,11 @@
     <p:sldId id="274" r:id="rId17"/>
     <p:sldId id="270" r:id="rId18"/>
     <p:sldId id="278" r:id="rId19"/>
-    <p:sldId id="279" r:id="rId20"/>
-    <p:sldId id="268" r:id="rId21"/>
-    <p:sldId id="269" r:id="rId22"/>
-    <p:sldId id="271" r:id="rId23"/>
-    <p:sldId id="272" r:id="rId24"/>
+    <p:sldId id="280" r:id="rId20"/>
+    <p:sldId id="279" r:id="rId21"/>
+    <p:sldId id="268" r:id="rId22"/>
+    <p:sldId id="269" r:id="rId23"/>
+    <p:sldId id="271" r:id="rId24"/>
     <p:sldId id="273" r:id="rId25"/>
   </p:sldIdLst>
   <p:sldSz cx="12192000" cy="6858000"/>
@@ -1310,6 +1310,13 @@
         </dgm:presLayoutVars>
       </dgm:prSet>
       <dgm:spPr/>
+      <dgm:t>
+        <a:bodyPr/>
+        <a:lstStyle/>
+        <a:p>
+          <a:endParaRPr lang="zh-TW" altLang="en-US"/>
+        </a:p>
+      </dgm:t>
     </dgm:pt>
     <dgm:pt modelId="{12DE72CE-4EED-4979-B5A8-6EF3F2DAE39D}" type="pres">
       <dgm:prSet presAssocID="{C758ECAF-F32F-4458-94B0-721E74BC9A0A}" presName="composite" presStyleCnt="0"/>
@@ -1324,6 +1331,13 @@
         </dgm:presLayoutVars>
       </dgm:prSet>
       <dgm:spPr/>
+      <dgm:t>
+        <a:bodyPr/>
+        <a:lstStyle/>
+        <a:p>
+          <a:endParaRPr lang="zh-TW" altLang="en-US"/>
+        </a:p>
+      </dgm:t>
     </dgm:pt>
     <dgm:pt modelId="{3403FB3D-026A-4A43-8DFD-FA717358EC2E}" type="pres">
       <dgm:prSet presAssocID="{C758ECAF-F32F-4458-94B0-721E74BC9A0A}" presName="desTx" presStyleLbl="alignAccFollowNode1" presStyleIdx="0" presStyleCnt="3">
@@ -1357,6 +1371,13 @@
         </dgm:presLayoutVars>
       </dgm:prSet>
       <dgm:spPr/>
+      <dgm:t>
+        <a:bodyPr/>
+        <a:lstStyle/>
+        <a:p>
+          <a:endParaRPr lang="zh-TW" altLang="en-US"/>
+        </a:p>
+      </dgm:t>
     </dgm:pt>
     <dgm:pt modelId="{FC124E87-141F-486D-8C91-3ACD47AEB095}" type="pres">
       <dgm:prSet presAssocID="{809E0E03-2E77-4E7E-92B7-E861F6B01114}" presName="desTx" presStyleLbl="alignAccFollowNode1" presStyleIdx="1" presStyleCnt="3">
@@ -1365,6 +1386,13 @@
         </dgm:presLayoutVars>
       </dgm:prSet>
       <dgm:spPr/>
+      <dgm:t>
+        <a:bodyPr/>
+        <a:lstStyle/>
+        <a:p>
+          <a:endParaRPr lang="zh-TW" altLang="en-US"/>
+        </a:p>
+      </dgm:t>
     </dgm:pt>
     <dgm:pt modelId="{3F255FE8-3F70-4F47-8560-1B3F29F24DF9}" type="pres">
       <dgm:prSet presAssocID="{6B6B0D51-6F38-47B0-93E4-E5059DEE9228}" presName="space" presStyleCnt="0"/>
@@ -1383,6 +1411,13 @@
         </dgm:presLayoutVars>
       </dgm:prSet>
       <dgm:spPr/>
+      <dgm:t>
+        <a:bodyPr/>
+        <a:lstStyle/>
+        <a:p>
+          <a:endParaRPr lang="zh-TW" altLang="en-US"/>
+        </a:p>
+      </dgm:t>
     </dgm:pt>
     <dgm:pt modelId="{89ED2C74-9297-4BB1-B2AC-CC9AFBE3C64B}" type="pres">
       <dgm:prSet presAssocID="{562658D3-9B9A-4932-AB1C-91A2ED42C30F}" presName="desTx" presStyleLbl="alignAccFollowNode1" presStyleIdx="2" presStyleCnt="3">
@@ -1412,11 +1447,11 @@
     <dgm:cxn modelId="{7F542080-580E-4D06-811D-854E9147D0C9}" type="presOf" srcId="{923F61DE-E860-4815-8E74-4CB05693297D}" destId="{3403FB3D-026A-4A43-8DFD-FA717358EC2E}" srcOrd="0" destOrd="0" presId="urn:microsoft.com/office/officeart/2005/8/layout/hList1"/>
     <dgm:cxn modelId="{75E89C87-201F-4D57-A122-7A070718B5DF}" srcId="{562658D3-9B9A-4932-AB1C-91A2ED42C30F}" destId="{3BE7D290-79C1-4C7C-BB2A-B107C3858D2A}" srcOrd="0" destOrd="0" parTransId="{1C57F9A4-9B0E-4C44-B7C9-F969456A8E56}" sibTransId="{D089A82C-6D7B-4363-B8AF-FD5546B08512}"/>
     <dgm:cxn modelId="{93D7815A-69CA-4D4E-9043-7996BADE4E3E}" type="presOf" srcId="{97530BD9-D8AB-4788-AF98-5256AAD70A54}" destId="{1C2A8DDC-5DEE-47DC-9B0D-40EC7A11488F}" srcOrd="0" destOrd="0" presId="urn:microsoft.com/office/officeart/2005/8/layout/hList1"/>
+    <dgm:cxn modelId="{946378F4-1F9B-4234-988C-90889DA9CA99}" type="presOf" srcId="{562658D3-9B9A-4932-AB1C-91A2ED42C30F}" destId="{7C36AF3A-B3F5-448C-95B7-293D095EDED1}" srcOrd="0" destOrd="0" presId="urn:microsoft.com/office/officeart/2005/8/layout/hList1"/>
     <dgm:cxn modelId="{055D4307-FE81-4F6C-869F-76E11F1292E9}" srcId="{562658D3-9B9A-4932-AB1C-91A2ED42C30F}" destId="{7FA0FC05-50B9-44A9-BB7D-2E2AFA8E616C}" srcOrd="1" destOrd="0" parTransId="{018515F1-8B1F-49E5-8EFB-DE7151DD8410}" sibTransId="{D04BF425-E135-4B42-8B54-79A335C20DE0}"/>
-    <dgm:cxn modelId="{946378F4-1F9B-4234-988C-90889DA9CA99}" type="presOf" srcId="{562658D3-9B9A-4932-AB1C-91A2ED42C30F}" destId="{7C36AF3A-B3F5-448C-95B7-293D095EDED1}" srcOrd="0" destOrd="0" presId="urn:microsoft.com/office/officeart/2005/8/layout/hList1"/>
     <dgm:cxn modelId="{D80F80C4-3E1F-493E-A49F-6CFACA64BB76}" srcId="{809E0E03-2E77-4E7E-92B7-E861F6B01114}" destId="{63271212-213F-47D9-BB84-B84BA86664EA}" srcOrd="0" destOrd="0" parTransId="{34EB48B3-08B9-4296-BCD2-575C8ADB0EA9}" sibTransId="{EE3A2A11-5181-4B21-8F93-B9C377ABE497}"/>
+    <dgm:cxn modelId="{DA59C536-7D8A-4065-BA6E-B8A3961DF522}" srcId="{97530BD9-D8AB-4788-AF98-5256AAD70A54}" destId="{C758ECAF-F32F-4458-94B0-721E74BC9A0A}" srcOrd="0" destOrd="0" parTransId="{BA5BB22B-7B64-4AF0-8A3F-63159B402732}" sibTransId="{DA101461-B71B-4ACE-957D-B9144337C585}"/>
     <dgm:cxn modelId="{2AE4A962-33D0-403A-BD59-32BEDE971214}" type="presOf" srcId="{63271212-213F-47D9-BB84-B84BA86664EA}" destId="{FC124E87-141F-486D-8C91-3ACD47AEB095}" srcOrd="0" destOrd="0" presId="urn:microsoft.com/office/officeart/2005/8/layout/hList1"/>
-    <dgm:cxn modelId="{DA59C536-7D8A-4065-BA6E-B8A3961DF522}" srcId="{97530BD9-D8AB-4788-AF98-5256AAD70A54}" destId="{C758ECAF-F32F-4458-94B0-721E74BC9A0A}" srcOrd="0" destOrd="0" parTransId="{BA5BB22B-7B64-4AF0-8A3F-63159B402732}" sibTransId="{DA101461-B71B-4ACE-957D-B9144337C585}"/>
     <dgm:cxn modelId="{9D62A0E7-7FF1-40D2-A46E-1078CC093A87}" srcId="{809E0E03-2E77-4E7E-92B7-E861F6B01114}" destId="{D88FC435-F8DF-418E-A9B4-BD48A6028889}" srcOrd="1" destOrd="0" parTransId="{E16356B6-9EF6-469A-98EC-AD35133D76BD}" sibTransId="{E6AF035E-3EC7-4364-96F4-06AB0FCA770A}"/>
     <dgm:cxn modelId="{FE5AF861-A9B2-42D4-B2B2-AC7F5218174D}" type="presOf" srcId="{D88FC435-F8DF-418E-A9B4-BD48A6028889}" destId="{FC124E87-141F-486D-8C91-3ACD47AEB095}" srcOrd="0" destOrd="1" presId="urn:microsoft.com/office/officeart/2005/8/layout/hList1"/>
     <dgm:cxn modelId="{2C60B517-2F1A-4037-98CD-A1A5E64D89A6}" type="presOf" srcId="{7FA0FC05-50B9-44A9-BB7D-2E2AFA8E616C}" destId="{89ED2C74-9297-4BB1-B2AC-CC9AFBE3C64B}" srcOrd="0" destOrd="1" presId="urn:microsoft.com/office/officeart/2005/8/layout/hList1"/>
@@ -8492,7 +8527,27 @@
             <a:pPr algn="ctr"/>
             <a:r>
               <a:rPr lang="zh-TW" altLang="en-US" sz="2400" dirty="0" smtClean="0"/>
-              <a:t>發生了許多無法理解的問題</a:t>
+              <a:t>發生了</a:t>
+            </a:r>
+            <a:r>
+              <a:rPr lang="zh-TW" altLang="en-US" sz="2400" dirty="0" smtClean="0"/>
+              <a:t>許多</a:t>
+            </a:r>
+            <a:r>
+              <a:rPr lang="zh-TW" altLang="en-US" sz="2400" dirty="0" smtClean="0"/>
+              <a:t>無理取</a:t>
+            </a:r>
+            <a:r>
+              <a:rPr lang="zh-TW" altLang="en-US" sz="2400" dirty="0"/>
+              <a:t>鬧</a:t>
+            </a:r>
+            <a:r>
+              <a:rPr lang="zh-TW" altLang="en-US" sz="2400" dirty="0" smtClean="0"/>
+              <a:t>的</a:t>
+            </a:r>
+            <a:r>
+              <a:rPr lang="zh-TW" altLang="en-US" sz="2400" dirty="0" smtClean="0"/>
+              <a:t>問題</a:t>
             </a:r>
             <a:r>
               <a:rPr lang="en-US" altLang="zh-TW" sz="2400" dirty="0" smtClean="0"/>
@@ -8821,7 +8876,7 @@
             </a:r>
             <a:r>
               <a:rPr lang="en-US" altLang="zh-TW" sz="4800" b="1" dirty="0" smtClean="0"/>
-              <a:t>Game</a:t>
+              <a:t>game</a:t>
             </a:r>
             <a:endParaRPr lang="zh-TW" altLang="en-US" sz="4800" b="1" dirty="0"/>
           </a:p>
@@ -8829,12 +8884,35 @@
       </p:sp>
       <p:sp>
         <p:nvSpPr>
-          <p:cNvPr id="3" name="內容版面配置區 2"/>
+          <p:cNvPr id="3" name="文字版面配置區 2"/>
           <p:cNvSpPr>
             <a:spLocks noGrp="1"/>
           </p:cNvSpPr>
           <p:nvPr>
-            <p:ph sz="half" idx="1"/>
+            <p:ph type="body" idx="1"/>
+          </p:nvPr>
+        </p:nvSpPr>
+        <p:spPr/>
+        <p:txBody>
+          <a:bodyPr/>
+          <a:lstStyle/>
+          <a:p>
+            <a:r>
+              <a:rPr lang="zh-TW" altLang="en-US" sz="2400" dirty="0" smtClean="0"/>
+              <a:t>已解決</a:t>
+            </a:r>
+            <a:endParaRPr lang="zh-TW" altLang="en-US" sz="2400" dirty="0"/>
+          </a:p>
+        </p:txBody>
+      </p:sp>
+      <p:sp>
+        <p:nvSpPr>
+          <p:cNvPr id="4" name="內容版面配置區 3"/>
+          <p:cNvSpPr>
+            <a:spLocks noGrp="1"/>
+          </p:cNvSpPr>
+          <p:nvPr>
+            <p:ph sz="half" idx="2"/>
           </p:nvPr>
         </p:nvSpPr>
         <p:spPr/>
@@ -8846,7 +8924,7 @@
           <a:p>
             <a:r>
               <a:rPr lang="zh-TW" altLang="en-US" sz="2400" dirty="0" smtClean="0"/>
-              <a:t>因為遊戲無法在短時間內做優化，在玩遊戲時會閃爍。</a:t>
+              <a:t>背景音樂無法同時進行</a:t>
             </a:r>
             <a:endParaRPr lang="en-US" altLang="zh-TW" sz="2400" dirty="0" smtClean="0"/>
           </a:p>
@@ -8854,20 +8932,82 @@
             <a:pPr lvl="1"/>
             <a:r>
               <a:rPr lang="zh-TW" altLang="en-US" sz="2200" dirty="0" smtClean="0"/>
-              <a:t>將背景色設為地圖顏色，這樣閃爍也不明顯。</a:t>
-            </a:r>
-            <a:endParaRPr lang="zh-TW" altLang="en-US" sz="2200" dirty="0"/>
-          </a:p>
-        </p:txBody>
-      </p:sp>
-      <p:sp>
-        <p:nvSpPr>
-          <p:cNvPr id="4" name="內容版面配置區 3"/>
+              <a:t>原先使用 </a:t>
+            </a:r>
+            <a:r>
+              <a:rPr lang="en-US" altLang="zh-TW" sz="2200" dirty="0" smtClean="0"/>
+              <a:t>applet</a:t>
+            </a:r>
+            <a:r>
+              <a:rPr lang="zh-TW" altLang="en-US" sz="2200" dirty="0" smtClean="0"/>
+              <a:t> 最後使用 </a:t>
+            </a:r>
+            <a:r>
+              <a:rPr lang="en-US" altLang="zh-TW" sz="2200" dirty="0" smtClean="0"/>
+              <a:t>clip</a:t>
+            </a:r>
+          </a:p>
+          <a:p>
+            <a:r>
+              <a:rPr lang="zh-TW" altLang="en-US" sz="2400" dirty="0" smtClean="0"/>
+              <a:t>碰撞判定，人碰撞到障礙物就會不能移動</a:t>
+            </a:r>
+            <a:endParaRPr lang="en-US" altLang="zh-TW" sz="2400" dirty="0" smtClean="0"/>
+          </a:p>
+          <a:p>
+            <a:pPr lvl="1"/>
+            <a:r>
+              <a:rPr lang="zh-TW" altLang="en-US" sz="2200" dirty="0" smtClean="0"/>
+              <a:t>不能直接到碰撞時 </a:t>
+            </a:r>
+            <a:r>
+              <a:rPr lang="en-US" altLang="zh-TW" sz="2200" dirty="0" smtClean="0"/>
+              <a:t>speed</a:t>
+            </a:r>
+            <a:r>
+              <a:rPr lang="zh-TW" altLang="en-US" sz="2200" dirty="0" smtClean="0"/>
+              <a:t> 改成 </a:t>
+            </a:r>
+            <a:r>
+              <a:rPr lang="en-US" altLang="zh-TW" sz="2200" dirty="0" smtClean="0"/>
+              <a:t>0</a:t>
+            </a:r>
+          </a:p>
+          <a:p>
+            <a:pPr lvl="1"/>
+            <a:r>
+              <a:rPr lang="zh-TW" altLang="en-US" sz="2200" dirty="0" smtClean="0"/>
+              <a:t>預測碰</a:t>
+            </a:r>
+            <a:r>
+              <a:rPr lang="zh-TW" altLang="en-US" sz="2200" dirty="0"/>
+              <a:t>撞</a:t>
+            </a:r>
+            <a:endParaRPr lang="en-US" altLang="zh-TW" sz="2200" dirty="0" smtClean="0"/>
+          </a:p>
+          <a:p>
+            <a:pPr lvl="2"/>
+            <a:endParaRPr lang="en-US" altLang="zh-TW" dirty="0" smtClean="0"/>
+          </a:p>
+          <a:p>
+            <a:endParaRPr lang="en-US" altLang="zh-TW" dirty="0" smtClean="0"/>
+          </a:p>
+          <a:p>
+            <a:endParaRPr lang="en-US" altLang="zh-TW" dirty="0" smtClean="0"/>
+          </a:p>
+          <a:p>
+            <a:endParaRPr lang="zh-TW" altLang="en-US" dirty="0"/>
+          </a:p>
+        </p:txBody>
+      </p:sp>
+      <p:sp>
+        <p:nvSpPr>
+          <p:cNvPr id="5" name="文字版面配置區 4"/>
           <p:cNvSpPr>
             <a:spLocks noGrp="1"/>
           </p:cNvSpPr>
           <p:nvPr>
-            <p:ph sz="half" idx="2"/>
+            <p:ph type="body" sz="quarter" idx="3"/>
           </p:nvPr>
         </p:nvSpPr>
         <p:spPr/>
@@ -8875,14 +9015,72 @@
           <a:bodyPr/>
           <a:lstStyle/>
           <a:p>
-            <a:endParaRPr lang="zh-TW" altLang="en-US"/>
+            <a:r>
+              <a:rPr lang="zh-TW" altLang="en-US" sz="2400" dirty="0" smtClean="0"/>
+              <a:t>未解決</a:t>
+            </a:r>
+            <a:endParaRPr lang="zh-TW" altLang="en-US" sz="2400" dirty="0"/>
+          </a:p>
+        </p:txBody>
+      </p:sp>
+      <p:sp>
+        <p:nvSpPr>
+          <p:cNvPr id="6" name="內容版面配置區 5"/>
+          <p:cNvSpPr>
+            <a:spLocks noGrp="1"/>
+          </p:cNvSpPr>
+          <p:nvPr>
+            <p:ph sz="quarter" idx="4"/>
+          </p:nvPr>
+        </p:nvSpPr>
+        <p:spPr/>
+        <p:txBody>
+          <a:bodyPr/>
+          <a:lstStyle/>
+          <a:p>
+            <a:r>
+              <a:rPr lang="en-US" altLang="zh-TW" sz="2400" dirty="0" smtClean="0"/>
+              <a:t>3D</a:t>
+            </a:r>
+            <a:endParaRPr lang="en-US" altLang="zh-TW" sz="2400" dirty="0"/>
+          </a:p>
+          <a:p>
+            <a:pPr lvl="1"/>
+            <a:r>
+              <a:rPr lang="zh-TW" altLang="en-US" sz="2200" dirty="0" smtClean="0"/>
+              <a:t>碰撞無法完全偵測</a:t>
+            </a:r>
+            <a:endParaRPr lang="en-US" altLang="zh-TW" sz="2200" dirty="0" smtClean="0"/>
+          </a:p>
+          <a:p>
+            <a:r>
+              <a:rPr lang="zh-TW" altLang="en-US" sz="2400" dirty="0" smtClean="0"/>
+              <a:t>連線</a:t>
+            </a:r>
+            <a:endParaRPr lang="en-US" altLang="zh-TW" sz="2400" dirty="0" smtClean="0"/>
+          </a:p>
+          <a:p>
+            <a:pPr lvl="1"/>
+            <a:r>
+              <a:rPr lang="zh-TW" altLang="en-US" sz="2200" dirty="0" smtClean="0"/>
+              <a:t>時間上來不</a:t>
+            </a:r>
+            <a:r>
+              <a:rPr lang="zh-TW" altLang="en-US" sz="2200" dirty="0"/>
+              <a:t>及</a:t>
+            </a:r>
+            <a:endParaRPr lang="en-US" altLang="zh-TW" sz="2200" dirty="0"/>
+          </a:p>
+          <a:p>
+            <a:pPr lvl="2"/>
+            <a:endParaRPr lang="en-US" altLang="zh-TW" dirty="0" smtClean="0"/>
           </a:p>
         </p:txBody>
       </p:sp>
     </p:spTree>
     <p:extLst>
       <p:ext uri="{BB962C8B-B14F-4D97-AF65-F5344CB8AC3E}">
-        <p14:creationId xmlns:p14="http://schemas.microsoft.com/office/powerpoint/2010/main" val="2438584705"/>
+        <p14:creationId xmlns:p14="http://schemas.microsoft.com/office/powerpoint/2010/main" val="2239348133"/>
       </p:ext>
     </p:extLst>
   </p:cSld>
@@ -8954,15 +9152,7 @@
           <a:p>
             <a:r>
               <a:rPr lang="zh-TW" altLang="en-US" sz="2400" dirty="0" smtClean="0"/>
-              <a:t>亂</a:t>
-            </a:r>
-            <a:r>
-              <a:rPr lang="zh-TW" altLang="en-US" sz="2400" dirty="0" smtClean="0"/>
-              <a:t>吃來路不明的水果，會發生什麼有趣的事呢</a:t>
-            </a:r>
-            <a:r>
-              <a:rPr lang="zh-TW" altLang="en-US" sz="2400" dirty="0" smtClean="0"/>
-              <a:t>？</a:t>
+              <a:t>亂吃來路不明的水果，會發生什麼有趣的事呢？</a:t>
             </a:r>
             <a:endParaRPr lang="en-US" altLang="zh-TW" sz="2400" dirty="0" smtClean="0"/>
           </a:p>
@@ -9060,6 +9250,251 @@
           <a:p>
             <a:pPr algn="ctr"/>
             <a:r>
+              <a:rPr lang="en-US" altLang="zh-TW" sz="4800" dirty="0" smtClean="0"/>
+              <a:t>In </a:t>
+            </a:r>
+            <a:r>
+              <a:rPr lang="en-US" altLang="zh-TW" sz="4800" b="1" dirty="0" smtClean="0"/>
+              <a:t>Game</a:t>
+            </a:r>
+            <a:endParaRPr lang="zh-TW" altLang="en-US" sz="4800" b="1" dirty="0"/>
+          </a:p>
+        </p:txBody>
+      </p:sp>
+      <p:sp>
+        <p:nvSpPr>
+          <p:cNvPr id="3" name="內容版面配置區 2"/>
+          <p:cNvSpPr>
+            <a:spLocks noGrp="1"/>
+          </p:cNvSpPr>
+          <p:nvPr>
+            <p:ph sz="half" idx="1"/>
+          </p:nvPr>
+        </p:nvSpPr>
+        <p:spPr/>
+        <p:txBody>
+          <a:bodyPr>
+            <a:normAutofit/>
+          </a:bodyPr>
+          <a:lstStyle/>
+          <a:p>
+            <a:r>
+              <a:rPr lang="zh-TW" altLang="en-US" sz="2400" dirty="0" smtClean="0"/>
+              <a:t>因為遊戲無法在短時間內做優化，在玩遊戲時會閃爍。</a:t>
+            </a:r>
+            <a:endParaRPr lang="en-US" altLang="zh-TW" sz="2400" dirty="0" smtClean="0"/>
+          </a:p>
+          <a:p>
+            <a:pPr lvl="1"/>
+            <a:r>
+              <a:rPr lang="zh-TW" altLang="en-US" sz="2200" dirty="0" smtClean="0"/>
+              <a:t>將背景色設為地圖顏色，這樣閃爍也不明顯</a:t>
+            </a:r>
+            <a:r>
+              <a:rPr lang="zh-TW" altLang="en-US" sz="2200" dirty="0" smtClean="0"/>
+              <a:t>。</a:t>
+            </a:r>
+            <a:endParaRPr lang="en-US" altLang="zh-TW" sz="2200" dirty="0" smtClean="0"/>
+          </a:p>
+          <a:p>
+            <a:r>
+              <a:rPr lang="zh-TW" altLang="en-US" sz="2400" dirty="0"/>
+              <a:t>地圖放陣列</a:t>
+            </a:r>
+            <a:r>
+              <a:rPr lang="zh-TW" altLang="en-US" sz="2400" dirty="0" smtClean="0"/>
+              <a:t>對於 </a:t>
+            </a:r>
+            <a:r>
+              <a:rPr lang="en-US" altLang="zh-TW" sz="2400" dirty="0" smtClean="0"/>
+              <a:t>x, y </a:t>
+            </a:r>
+            <a:r>
+              <a:rPr lang="zh-TW" altLang="en-US" sz="2400" dirty="0" smtClean="0"/>
+              <a:t>很</a:t>
+            </a:r>
+            <a:r>
+              <a:rPr lang="zh-TW" altLang="en-US" sz="2400" dirty="0"/>
+              <a:t>混亂</a:t>
+            </a:r>
+            <a:endParaRPr lang="en-US" altLang="zh-TW" sz="2400" dirty="0"/>
+          </a:p>
+          <a:p>
+            <a:pPr lvl="1"/>
+            <a:r>
+              <a:rPr lang="zh-TW" altLang="en-US" sz="2400" dirty="0"/>
+              <a:t>直接新增兩個變數重新</a:t>
+            </a:r>
+            <a:r>
+              <a:rPr lang="zh-TW" altLang="en-US" sz="2400" dirty="0" smtClean="0"/>
+              <a:t>定義 </a:t>
+            </a:r>
+            <a:r>
+              <a:rPr lang="en-US" altLang="zh-TW" sz="2400" dirty="0" smtClean="0"/>
+              <a:t>x, y</a:t>
+            </a:r>
+            <a:endParaRPr lang="en-US" altLang="zh-TW" sz="2400" dirty="0"/>
+          </a:p>
+          <a:p>
+            <a:pPr lvl="1"/>
+            <a:endParaRPr lang="zh-TW" altLang="en-US" sz="2200" dirty="0"/>
+          </a:p>
+        </p:txBody>
+      </p:sp>
+      <p:sp>
+        <p:nvSpPr>
+          <p:cNvPr id="4" name="內容版面配置區 3"/>
+          <p:cNvSpPr>
+            <a:spLocks noGrp="1"/>
+          </p:cNvSpPr>
+          <p:nvPr>
+            <p:ph sz="half" idx="2"/>
+          </p:nvPr>
+        </p:nvSpPr>
+        <p:spPr/>
+        <p:txBody>
+          <a:bodyPr/>
+          <a:lstStyle/>
+          <a:p>
+            <a:r>
+              <a:rPr lang="zh-TW" altLang="en-US" sz="2400" dirty="0"/>
+              <a:t>地圖無法更新</a:t>
+            </a:r>
+            <a:endParaRPr lang="en-US" altLang="zh-TW" sz="2400" dirty="0"/>
+          </a:p>
+          <a:p>
+            <a:pPr lvl="1"/>
+            <a:r>
+              <a:rPr lang="zh-TW" altLang="en-US" sz="2200" dirty="0"/>
+              <a:t>原先試圖</a:t>
+            </a:r>
+            <a:r>
+              <a:rPr lang="zh-TW" altLang="en-US" sz="2200" dirty="0" smtClean="0"/>
+              <a:t>由 </a:t>
+            </a:r>
+            <a:r>
+              <a:rPr lang="en-US" altLang="zh-TW" sz="2200" dirty="0" smtClean="0"/>
+              <a:t>map.txt </a:t>
+            </a:r>
+            <a:r>
+              <a:rPr lang="zh-TW" altLang="en-US" sz="2200" dirty="0" smtClean="0"/>
+              <a:t>改</a:t>
+            </a:r>
+            <a:r>
+              <a:rPr lang="zh-TW" altLang="en-US" sz="2200" dirty="0"/>
+              <a:t>在重新讀取但發現無法正確找到道具的</a:t>
+            </a:r>
+            <a:r>
+              <a:rPr lang="zh-TW" altLang="en-US" sz="2200" dirty="0" smtClean="0"/>
+              <a:t>位置</a:t>
+            </a:r>
+            <a:endParaRPr lang="en-US" altLang="zh-TW" sz="2200" dirty="0" smtClean="0"/>
+          </a:p>
+          <a:p>
+            <a:pPr lvl="1"/>
+            <a:r>
+              <a:rPr lang="zh-TW" altLang="en-US" sz="2200" dirty="0" smtClean="0"/>
+              <a:t>將</a:t>
+            </a:r>
+            <a:r>
+              <a:rPr lang="zh-TW" altLang="en-US" sz="2200" dirty="0"/>
+              <a:t>道具丟</a:t>
+            </a:r>
+            <a:r>
+              <a:rPr lang="zh-TW" altLang="en-US" sz="2200" dirty="0" smtClean="0"/>
+              <a:t>出 </a:t>
+            </a:r>
+            <a:r>
+              <a:rPr lang="en-US" altLang="zh-TW" sz="2200" dirty="0" smtClean="0"/>
+              <a:t>list </a:t>
+            </a:r>
+            <a:r>
+              <a:rPr lang="zh-TW" altLang="en-US" sz="2200" dirty="0" smtClean="0"/>
+              <a:t>即可</a:t>
+            </a:r>
+            <a:endParaRPr lang="en-US" altLang="zh-TW" sz="2200" dirty="0"/>
+          </a:p>
+          <a:p>
+            <a:r>
+              <a:rPr lang="zh-TW" altLang="en-US" sz="2400" dirty="0"/>
+              <a:t>任意門，人移動但視窗無法隨之改變</a:t>
+            </a:r>
+            <a:endParaRPr lang="en-US" altLang="zh-TW" sz="2400" dirty="0"/>
+          </a:p>
+          <a:p>
+            <a:pPr lvl="1"/>
+            <a:r>
+              <a:rPr lang="zh-TW" altLang="en-US" sz="2200" dirty="0" smtClean="0"/>
+              <a:t>因 </a:t>
+            </a:r>
+            <a:r>
+              <a:rPr lang="en-US" altLang="zh-TW" sz="2200" dirty="0" smtClean="0"/>
+              <a:t>x, y </a:t>
+            </a:r>
+            <a:r>
+              <a:rPr lang="zh-TW" altLang="en-US" sz="2200" dirty="0" smtClean="0"/>
+              <a:t>重新</a:t>
+            </a:r>
+            <a:r>
+              <a:rPr lang="zh-TW" altLang="en-US" sz="2200" dirty="0"/>
+              <a:t>定義就解決了</a:t>
+            </a:r>
+            <a:endParaRPr lang="en-US" altLang="zh-TW" sz="2200" dirty="0"/>
+          </a:p>
+          <a:p>
+            <a:endParaRPr lang="zh-TW" altLang="en-US" dirty="0"/>
+          </a:p>
+        </p:txBody>
+      </p:sp>
+    </p:spTree>
+    <p:extLst>
+      <p:ext uri="{BB962C8B-B14F-4D97-AF65-F5344CB8AC3E}">
+        <p14:creationId xmlns:p14="http://schemas.microsoft.com/office/powerpoint/2010/main" val="2438584705"/>
+      </p:ext>
+    </p:extLst>
+  </p:cSld>
+  <p:clrMapOvr>
+    <a:masterClrMapping/>
+  </p:clrMapOvr>
+</p:sld>
+</file>
+
+<file path=ppt/slides/slide21.xml><?xml version="1.0" encoding="utf-8"?>
+<p:sld xmlns:a="http://schemas.openxmlformats.org/drawingml/2006/main" xmlns:r="http://schemas.openxmlformats.org/officeDocument/2006/relationships" xmlns:p="http://schemas.openxmlformats.org/presentationml/2006/main">
+  <p:cSld>
+    <p:spTree>
+      <p:nvGrpSpPr>
+        <p:cNvPr id="1" name=""/>
+        <p:cNvGrpSpPr/>
+        <p:nvPr/>
+      </p:nvGrpSpPr>
+      <p:grpSpPr>
+        <a:xfrm>
+          <a:off x="0" y="0"/>
+          <a:ext cx="0" cy="0"/>
+          <a:chOff x="0" y="0"/>
+          <a:chExt cx="0" cy="0"/>
+        </a:xfrm>
+      </p:grpSpPr>
+      <p:sp>
+        <p:nvSpPr>
+          <p:cNvPr id="2" name="標題 1"/>
+          <p:cNvSpPr>
+            <a:spLocks noGrp="1"/>
+          </p:cNvSpPr>
+          <p:nvPr>
+            <p:ph type="title"/>
+          </p:nvPr>
+        </p:nvSpPr>
+        <p:spPr/>
+        <p:txBody>
+          <a:bodyPr>
+            <a:normAutofit/>
+          </a:bodyPr>
+          <a:lstStyle/>
+          <a:p>
+            <a:pPr algn="ctr"/>
+            <a:r>
               <a:rPr lang="zh-TW" altLang="en-US" sz="4800" b="1" dirty="0" smtClean="0"/>
               <a:t>工作分工</a:t>
             </a:r>
@@ -9077,14 +9512,14 @@
             <p:ph idx="1"/>
             <p:extLst>
               <p:ext uri="{D42A27DB-BD31-4B8C-83A1-F6EECF244321}">
-                <p14:modId xmlns:p14="http://schemas.microsoft.com/office/powerpoint/2010/main" val="649259727"/>
+                <p14:modId xmlns:p14="http://schemas.microsoft.com/office/powerpoint/2010/main" val="2236662733"/>
               </p:ext>
             </p:extLst>
           </p:nvPr>
         </p:nvGraphicFramePr>
         <p:xfrm>
           <a:off x="581025" y="2181225"/>
-          <a:ext cx="11029952" cy="2743200"/>
+          <a:ext cx="11029952" cy="3017520"/>
         </p:xfrm>
         <a:graphic>
           <a:graphicData uri="http://schemas.openxmlformats.org/drawingml/2006/table">
@@ -9196,6 +9631,10 @@
                     <a:lstStyle/>
                     <a:p>
                       <a:pPr algn="ctr"/>
+                      <a:r>
+                        <a:rPr lang="en-US" altLang="zh-TW" sz="2400" dirty="0" smtClean="0"/>
+                        <a:t>GUI</a:t>
+                      </a:r>
                       <a:endParaRPr lang="zh-TW" altLang="en-US" sz="2400" dirty="0"/>
                     </a:p>
                   </a:txBody>
@@ -9207,6 +9646,10 @@
                     <a:lstStyle/>
                     <a:p>
                       <a:pPr algn="ctr"/>
+                      <a:r>
+                        <a:rPr lang="en-US" altLang="zh-TW" sz="2400" dirty="0" smtClean="0"/>
+                        <a:t>GUI</a:t>
+                      </a:r>
                       <a:endParaRPr lang="zh-TW" altLang="en-US" sz="2400" dirty="0"/>
                     </a:p>
                   </a:txBody>
@@ -9218,7 +9661,11 @@
                     <a:lstStyle/>
                     <a:p>
                       <a:pPr algn="ctr"/>
-                      <a:endParaRPr lang="zh-TW" altLang="en-US" sz="2400"/>
+                      <a:r>
+                        <a:rPr lang="zh-TW" altLang="en-US" sz="2400" dirty="0" smtClean="0"/>
+                        <a:t>統整</a:t>
+                      </a:r>
+                      <a:endParaRPr lang="zh-TW" altLang="en-US" sz="2400" dirty="0"/>
                     </a:p>
                   </a:txBody>
                   <a:tcPr/>
@@ -9229,7 +9676,11 @@
                     <a:lstStyle/>
                     <a:p>
                       <a:pPr algn="ctr"/>
-                      <a:endParaRPr lang="zh-TW" altLang="en-US" sz="2400"/>
+                      <a:r>
+                        <a:rPr lang="en-US" altLang="zh-TW" sz="2400" dirty="0" smtClean="0"/>
+                        <a:t>GUI</a:t>
+                      </a:r>
+                      <a:endParaRPr lang="zh-TW" altLang="en-US" sz="2400" dirty="0"/>
                     </a:p>
                   </a:txBody>
                   <a:tcPr/>
@@ -9247,6 +9698,10 @@
                     <a:lstStyle/>
                     <a:p>
                       <a:pPr algn="ctr"/>
+                      <a:r>
+                        <a:rPr lang="zh-TW" altLang="en-US" sz="2400" dirty="0" smtClean="0"/>
+                        <a:t>遊戲設計</a:t>
+                      </a:r>
                       <a:endParaRPr lang="zh-TW" altLang="en-US" sz="2400" dirty="0"/>
                     </a:p>
                   </a:txBody>
@@ -9258,6 +9713,10 @@
                     <a:lstStyle/>
                     <a:p>
                       <a:pPr algn="ctr"/>
+                      <a:r>
+                        <a:rPr lang="zh-TW" altLang="en-US" sz="2400" dirty="0" smtClean="0"/>
+                        <a:t>美編</a:t>
+                      </a:r>
                       <a:endParaRPr lang="zh-TW" altLang="en-US" sz="2400" dirty="0"/>
                     </a:p>
                   </a:txBody>
@@ -9269,7 +9728,11 @@
                     <a:lstStyle/>
                     <a:p>
                       <a:pPr algn="ctr"/>
-                      <a:endParaRPr lang="zh-TW" altLang="en-US" sz="2400"/>
+                      <a:r>
+                        <a:rPr lang="en-US" altLang="zh-TW" sz="2400" smtClean="0"/>
+                        <a:t>debug</a:t>
+                      </a:r>
+                      <a:endParaRPr lang="zh-TW" altLang="en-US" sz="2400" dirty="0"/>
                     </a:p>
                   </a:txBody>
                   <a:tcPr/>
@@ -9280,7 +9743,11 @@
                     <a:lstStyle/>
                     <a:p>
                       <a:pPr algn="ctr"/>
-                      <a:endParaRPr lang="zh-TW" altLang="en-US" sz="2400"/>
+                      <a:r>
+                        <a:rPr lang="zh-TW" altLang="en-US" sz="2400" dirty="0" smtClean="0"/>
+                        <a:t>地圖設計，道具設計</a:t>
+                      </a:r>
+                      <a:endParaRPr lang="zh-TW" altLang="en-US" sz="2400" dirty="0"/>
                     </a:p>
                   </a:txBody>
                   <a:tcPr/>
@@ -9298,7 +9765,139 @@
                     <a:lstStyle/>
                     <a:p>
                       <a:pPr algn="ctr"/>
-                      <a:endParaRPr lang="zh-TW" altLang="en-US" sz="2400"/>
+                      <a:r>
+                        <a:rPr lang="zh-TW" altLang="en-US" sz="2400" dirty="0" smtClean="0"/>
+                        <a:t>程式碼</a:t>
+                      </a:r>
+                      <a:endParaRPr lang="zh-TW" altLang="en-US" sz="2400" dirty="0"/>
+                    </a:p>
+                  </a:txBody>
+                  <a:tcPr/>
+                </a:tc>
+                <a:tc>
+                  <a:txBody>
+                    <a:bodyPr/>
+                    <a:lstStyle/>
+                    <a:p>
+                      <a:pPr marL="0" marR="0" indent="0" algn="ctr" defTabSz="457200" rtl="0" eaLnBrk="1" fontAlgn="auto" latinLnBrk="0" hangingPunct="1">
+                        <a:lnSpc>
+                          <a:spcPct val="100000"/>
+                        </a:lnSpc>
+                        <a:spcBef>
+                          <a:spcPts val="0"/>
+                        </a:spcBef>
+                        <a:spcAft>
+                          <a:spcPts val="0"/>
+                        </a:spcAft>
+                        <a:buClrTx/>
+                        <a:buSzTx/>
+                        <a:buFontTx/>
+                        <a:buNone/>
+                        <a:tabLst/>
+                        <a:defRPr/>
+                      </a:pPr>
+                      <a:r>
+                        <a:rPr lang="zh-TW" altLang="en-US" sz="2400" dirty="0" smtClean="0"/>
+                        <a:t>程式碼</a:t>
+                      </a:r>
+                    </a:p>
+                    <a:p>
+                      <a:pPr algn="ctr"/>
+                      <a:endParaRPr lang="zh-TW" altLang="en-US" sz="2400" dirty="0"/>
+                    </a:p>
+                  </a:txBody>
+                  <a:tcPr/>
+                </a:tc>
+                <a:tc>
+                  <a:txBody>
+                    <a:bodyPr/>
+                    <a:lstStyle/>
+                    <a:p>
+                      <a:pPr marL="0" marR="0" indent="0" algn="ctr" defTabSz="457200" rtl="0" eaLnBrk="1" fontAlgn="auto" latinLnBrk="0" hangingPunct="1">
+                        <a:lnSpc>
+                          <a:spcPct val="100000"/>
+                        </a:lnSpc>
+                        <a:spcBef>
+                          <a:spcPts val="0"/>
+                        </a:spcBef>
+                        <a:spcAft>
+                          <a:spcPts val="0"/>
+                        </a:spcAft>
+                        <a:buClrTx/>
+                        <a:buSzTx/>
+                        <a:buFontTx/>
+                        <a:buNone/>
+                        <a:tabLst/>
+                        <a:defRPr/>
+                      </a:pPr>
+                      <a:r>
+                        <a:rPr lang="zh-TW" altLang="en-US" sz="2400" dirty="0" smtClean="0"/>
+                        <a:t>程式碼</a:t>
+                      </a:r>
+                    </a:p>
+                    <a:p>
+                      <a:pPr algn="ctr"/>
+                      <a:endParaRPr lang="zh-TW" altLang="en-US" sz="2400" dirty="0"/>
+                    </a:p>
+                  </a:txBody>
+                  <a:tcPr/>
+                </a:tc>
+                <a:tc>
+                  <a:txBody>
+                    <a:bodyPr/>
+                    <a:lstStyle/>
+                    <a:p>
+                      <a:pPr marL="0" marR="0" indent="0" algn="ctr" defTabSz="457200" rtl="0" eaLnBrk="1" fontAlgn="auto" latinLnBrk="0" hangingPunct="1">
+                        <a:lnSpc>
+                          <a:spcPct val="100000"/>
+                        </a:lnSpc>
+                        <a:spcBef>
+                          <a:spcPts val="0"/>
+                        </a:spcBef>
+                        <a:spcAft>
+                          <a:spcPts val="0"/>
+                        </a:spcAft>
+                        <a:buClrTx/>
+                        <a:buSzTx/>
+                        <a:buFontTx/>
+                        <a:buNone/>
+                        <a:tabLst/>
+                        <a:defRPr/>
+                      </a:pPr>
+                      <a:r>
+                        <a:rPr lang="zh-TW" altLang="en-US" sz="2400" dirty="0" smtClean="0"/>
+                        <a:t>程式碼</a:t>
+                      </a:r>
+                    </a:p>
+                    <a:p>
+                      <a:pPr algn="ctr"/>
+                      <a:endParaRPr lang="zh-TW" altLang="en-US" sz="2400" dirty="0"/>
+                    </a:p>
+                  </a:txBody>
+                  <a:tcPr/>
+                </a:tc>
+                <a:extLst>
+                  <a:ext uri="{0D108BD9-81ED-4DB2-BD59-A6C34878D82A}">
+                    <a16:rowId xmlns:a16="http://schemas.microsoft.com/office/drawing/2014/main" val="363511297"/>
+                  </a:ext>
+                </a:extLst>
+              </a:tr>
+              <a:tr h="370840">
+                <a:tc>
+                  <a:txBody>
+                    <a:bodyPr/>
+                    <a:lstStyle/>
+                    <a:p>
+                      <a:pPr algn="ctr"/>
+                      <a:r>
+                        <a:rPr lang="zh-TW" altLang="en-US" sz="2400" dirty="0" smtClean="0"/>
+                        <a:t>排版 </a:t>
+                      </a:r>
+                      <a:r>
+                        <a:rPr lang="en-US" altLang="zh-TW" sz="2400" dirty="0" smtClean="0"/>
+                        <a:t>debug</a:t>
+                      </a:r>
+                      <a:endParaRPr lang="zh-TW" altLang="en-US" sz="2400" dirty="0"/>
                     </a:p>
                   </a:txBody>
                   <a:tcPr/>
@@ -9331,58 +9930,7 @@
                     <a:lstStyle/>
                     <a:p>
                       <a:pPr algn="ctr"/>
-                      <a:endParaRPr lang="zh-TW" altLang="en-US" sz="2400"/>
-                    </a:p>
-                  </a:txBody>
-                  <a:tcPr/>
-                </a:tc>
-                <a:extLst>
-                  <a:ext uri="{0D108BD9-81ED-4DB2-BD59-A6C34878D82A}">
-                    <a16:rowId xmlns:a16="http://schemas.microsoft.com/office/drawing/2014/main" val="363511297"/>
-                  </a:ext>
-                </a:extLst>
-              </a:tr>
-              <a:tr h="370840">
-                <a:tc>
-                  <a:txBody>
-                    <a:bodyPr/>
-                    <a:lstStyle/>
-                    <a:p>
-                      <a:pPr algn="ctr"/>
-                      <a:endParaRPr lang="zh-TW" altLang="en-US" sz="2400"/>
-                    </a:p>
-                  </a:txBody>
-                  <a:tcPr/>
-                </a:tc>
-                <a:tc>
-                  <a:txBody>
-                    <a:bodyPr/>
-                    <a:lstStyle/>
-                    <a:p>
-                      <a:pPr algn="ctr"/>
-                      <a:endParaRPr lang="zh-TW" altLang="en-US" sz="2400"/>
-                    </a:p>
-                  </a:txBody>
-                  <a:tcPr/>
-                </a:tc>
-                <a:tc>
-                  <a:txBody>
-                    <a:bodyPr/>
-                    <a:lstStyle/>
-                    <a:p>
-                      <a:pPr algn="ctr"/>
                       <a:endParaRPr lang="zh-TW" altLang="en-US" sz="2400" dirty="0"/>
-                    </a:p>
-                  </a:txBody>
-                  <a:tcPr/>
-                </a:tc>
-                <a:tc>
-                  <a:txBody>
-                    <a:bodyPr/>
-                    <a:lstStyle/>
-                    <a:p>
-                      <a:pPr algn="ctr"/>
-                      <a:endParaRPr lang="zh-TW" altLang="en-US" sz="2400"/>
                     </a:p>
                   </a:txBody>
                   <a:tcPr/>
@@ -9390,57 +9938,6 @@
                 <a:extLst>
                   <a:ext uri="{0D108BD9-81ED-4DB2-BD59-A6C34878D82A}">
                     <a16:rowId xmlns:a16="http://schemas.microsoft.com/office/drawing/2014/main" val="1449590866"/>
-                  </a:ext>
-                </a:extLst>
-              </a:tr>
-              <a:tr h="370840">
-                <a:tc>
-                  <a:txBody>
-                    <a:bodyPr/>
-                    <a:lstStyle/>
-                    <a:p>
-                      <a:pPr algn="ctr"/>
-                      <a:endParaRPr lang="zh-TW" altLang="en-US" sz="2400"/>
-                    </a:p>
-                  </a:txBody>
-                  <a:tcPr/>
-                </a:tc>
-                <a:tc>
-                  <a:txBody>
-                    <a:bodyPr/>
-                    <a:lstStyle/>
-                    <a:p>
-                      <a:pPr algn="ctr"/>
-                      <a:endParaRPr lang="zh-TW" altLang="en-US" sz="2400"/>
-                    </a:p>
-                  </a:txBody>
-                  <a:tcPr/>
-                </a:tc>
-                <a:tc>
-                  <a:txBody>
-                    <a:bodyPr/>
-                    <a:lstStyle/>
-                    <a:p>
-                      <a:pPr algn="ctr"/>
-                      <a:endParaRPr lang="zh-TW" altLang="en-US" sz="2400" dirty="0"/>
-                    </a:p>
-                  </a:txBody>
-                  <a:tcPr/>
-                </a:tc>
-                <a:tc>
-                  <a:txBody>
-                    <a:bodyPr/>
-                    <a:lstStyle/>
-                    <a:p>
-                      <a:pPr algn="ctr"/>
-                      <a:endParaRPr lang="zh-TW" altLang="en-US" sz="2400" dirty="0"/>
-                    </a:p>
-                  </a:txBody>
-                  <a:tcPr/>
-                </a:tc>
-                <a:extLst>
-                  <a:ext uri="{0D108BD9-81ED-4DB2-BD59-A6C34878D82A}">
-                    <a16:rowId xmlns:a16="http://schemas.microsoft.com/office/drawing/2014/main" val="1470975379"/>
                   </a:ext>
                 </a:extLst>
               </a:tr>
@@ -9468,7 +9965,7 @@
 </p:sld>
 </file>
 
-<file path=ppt/slides/slide21.xml><?xml version="1.0" encoding="utf-8"?>
+<file path=ppt/slides/slide22.xml><?xml version="1.0" encoding="utf-8"?>
 <p:sld xmlns:a="http://schemas.openxmlformats.org/drawingml/2006/main" xmlns:r="http://schemas.openxmlformats.org/officeDocument/2006/relationships" xmlns:p="http://schemas.openxmlformats.org/presentationml/2006/main">
   <p:cSld>
     <p:spTree>
@@ -9522,13 +10019,470 @@
         </p:nvSpPr>
         <p:spPr/>
         <p:txBody>
-          <a:bodyPr/>
+          <a:bodyPr>
+            <a:normAutofit/>
+          </a:bodyPr>
           <a:lstStyle/>
           <a:p>
-            <a:endParaRPr lang="zh-TW" altLang="en-US"/>
-          </a:p>
-        </p:txBody>
-      </p:sp>
+            <a:pPr marL="0" indent="0">
+              <a:buNone/>
+            </a:pPr>
+            <a:endParaRPr lang="en-US" altLang="zh-TW" dirty="0" smtClean="0"/>
+          </a:p>
+          <a:p>
+            <a:pPr marL="0" indent="0">
+              <a:buNone/>
+            </a:pPr>
+            <a:endParaRPr lang="en-US" altLang="zh-TW" dirty="0"/>
+          </a:p>
+          <a:p>
+            <a:pPr marL="0" indent="0">
+              <a:buNone/>
+            </a:pPr>
+            <a:endParaRPr lang="en-US" altLang="zh-TW" dirty="0" smtClean="0"/>
+          </a:p>
+        </p:txBody>
+      </p:sp>
+      <p:graphicFrame>
+        <p:nvGraphicFramePr>
+          <p:cNvPr id="3" name="表格 2"/>
+          <p:cNvGraphicFramePr>
+            <a:graphicFrameLocks noGrp="1"/>
+          </p:cNvGraphicFramePr>
+          <p:nvPr>
+            <p:extLst>
+              <p:ext uri="{D42A27DB-BD31-4B8C-83A1-F6EECF244321}">
+                <p14:modId xmlns:p14="http://schemas.microsoft.com/office/powerpoint/2010/main" val="516107243"/>
+              </p:ext>
+            </p:extLst>
+          </p:nvPr>
+        </p:nvGraphicFramePr>
+        <p:xfrm>
+          <a:off x="1778000" y="2587087"/>
+          <a:ext cx="8127999" cy="2743200"/>
+        </p:xfrm>
+        <a:graphic>
+          <a:graphicData uri="http://schemas.openxmlformats.org/drawingml/2006/table">
+            <a:tbl>
+              <a:tblPr firstRow="1" bandRow="1">
+                <a:tableStyleId>{21E4AEA4-8DFA-4A89-87EB-49C32662AFE0}</a:tableStyleId>
+              </a:tblPr>
+              <a:tblGrid>
+                <a:gridCol w="1899920">
+                  <a:extLst>
+                    <a:ext uri="{9D8B030D-6E8A-4147-A177-3AD203B41FA5}">
+                      <a16:colId xmlns:a16="http://schemas.microsoft.com/office/drawing/2014/main" val="3253071268"/>
+                    </a:ext>
+                  </a:extLst>
+                </a:gridCol>
+                <a:gridCol w="2032000">
+                  <a:extLst>
+                    <a:ext uri="{9D8B030D-6E8A-4147-A177-3AD203B41FA5}">
+                      <a16:colId xmlns:a16="http://schemas.microsoft.com/office/drawing/2014/main" val="673923106"/>
+                    </a:ext>
+                  </a:extLst>
+                </a:gridCol>
+                <a:gridCol w="4196079">
+                  <a:extLst>
+                    <a:ext uri="{9D8B030D-6E8A-4147-A177-3AD203B41FA5}">
+                      <a16:colId xmlns:a16="http://schemas.microsoft.com/office/drawing/2014/main" val="2819960138"/>
+                    </a:ext>
+                  </a:extLst>
+                </a:gridCol>
+              </a:tblGrid>
+              <a:tr h="370840">
+                <a:tc>
+                  <a:txBody>
+                    <a:bodyPr/>
+                    <a:lstStyle/>
+                    <a:p>
+                      <a:pPr algn="ctr"/>
+                      <a:r>
+                        <a:rPr lang="zh-TW" altLang="en-US" sz="2400" dirty="0" smtClean="0"/>
+                        <a:t>起</a:t>
+                      </a:r>
+                      <a:endParaRPr lang="zh-TW" altLang="en-US" sz="2400" dirty="0"/>
+                    </a:p>
+                  </a:txBody>
+                  <a:tcPr/>
+                </a:tc>
+                <a:tc>
+                  <a:txBody>
+                    <a:bodyPr/>
+                    <a:lstStyle/>
+                    <a:p>
+                      <a:pPr algn="ctr"/>
+                      <a:r>
+                        <a:rPr lang="zh-TW" altLang="en-US" sz="2400" dirty="0" smtClean="0"/>
+                        <a:t>迄</a:t>
+                      </a:r>
+                      <a:endParaRPr lang="zh-TW" altLang="en-US" sz="2400" dirty="0"/>
+                    </a:p>
+                  </a:txBody>
+                  <a:tcPr/>
+                </a:tc>
+                <a:tc>
+                  <a:txBody>
+                    <a:bodyPr/>
+                    <a:lstStyle/>
+                    <a:p>
+                      <a:pPr algn="ctr"/>
+                      <a:r>
+                        <a:rPr lang="zh-TW" altLang="en-US" sz="2400" dirty="0" smtClean="0"/>
+                        <a:t>內容</a:t>
+                      </a:r>
+                      <a:endParaRPr lang="zh-TW" altLang="en-US" sz="2400" dirty="0"/>
+                    </a:p>
+                  </a:txBody>
+                  <a:tcPr/>
+                </a:tc>
+                <a:extLst>
+                  <a:ext uri="{0D108BD9-81ED-4DB2-BD59-A6C34878D82A}">
+                    <a16:rowId xmlns:a16="http://schemas.microsoft.com/office/drawing/2014/main" val="490002351"/>
+                  </a:ext>
+                </a:extLst>
+              </a:tr>
+              <a:tr h="370840">
+                <a:tc>
+                  <a:txBody>
+                    <a:bodyPr/>
+                    <a:lstStyle/>
+                    <a:p>
+                      <a:pPr algn="ctr"/>
+                      <a:r>
+                        <a:rPr lang="en-US" altLang="zh-TW" sz="2400" dirty="0" smtClean="0"/>
+                        <a:t>-</a:t>
+                      </a:r>
+                      <a:endParaRPr lang="zh-TW" altLang="en-US" sz="2400" dirty="0"/>
+                    </a:p>
+                  </a:txBody>
+                  <a:tcPr/>
+                </a:tc>
+                <a:tc>
+                  <a:txBody>
+                    <a:bodyPr/>
+                    <a:lstStyle/>
+                    <a:p>
+                      <a:pPr algn="ctr"/>
+                      <a:r>
+                        <a:rPr lang="en-US" altLang="zh-TW" sz="2400" dirty="0" smtClean="0"/>
+                        <a:t>4/18</a:t>
+                      </a:r>
+                      <a:endParaRPr lang="zh-TW" altLang="en-US" sz="2400" dirty="0"/>
+                    </a:p>
+                  </a:txBody>
+                  <a:tcPr/>
+                </a:tc>
+                <a:tc>
+                  <a:txBody>
+                    <a:bodyPr/>
+                    <a:lstStyle/>
+                    <a:p>
+                      <a:pPr marL="0" marR="0" indent="0" algn="ctr" defTabSz="457200" rtl="0" eaLnBrk="1" fontAlgn="auto" latinLnBrk="0" hangingPunct="1">
+                        <a:lnSpc>
+                          <a:spcPct val="100000"/>
+                        </a:lnSpc>
+                        <a:spcBef>
+                          <a:spcPts val="0"/>
+                        </a:spcBef>
+                        <a:spcAft>
+                          <a:spcPts val="0"/>
+                        </a:spcAft>
+                        <a:buClrTx/>
+                        <a:buSzTx/>
+                        <a:buFontTx/>
+                        <a:buNone/>
+                        <a:tabLst/>
+                        <a:defRPr/>
+                      </a:pPr>
+                      <a:r>
+                        <a:rPr lang="zh-TW" altLang="en-US" sz="2400" dirty="0" smtClean="0"/>
+                        <a:t>構思</a:t>
+                      </a:r>
+                    </a:p>
+                  </a:txBody>
+                  <a:tcPr/>
+                </a:tc>
+                <a:extLst>
+                  <a:ext uri="{0D108BD9-81ED-4DB2-BD59-A6C34878D82A}">
+                    <a16:rowId xmlns:a16="http://schemas.microsoft.com/office/drawing/2014/main" val="30699171"/>
+                  </a:ext>
+                </a:extLst>
+              </a:tr>
+              <a:tr h="370840">
+                <a:tc>
+                  <a:txBody>
+                    <a:bodyPr/>
+                    <a:lstStyle/>
+                    <a:p>
+                      <a:pPr algn="ctr"/>
+                      <a:r>
+                        <a:rPr lang="en-US" altLang="zh-TW" sz="2400" dirty="0" smtClean="0"/>
+                        <a:t>4/25</a:t>
+                      </a:r>
+                      <a:endParaRPr lang="zh-TW" altLang="en-US" sz="2400" dirty="0"/>
+                    </a:p>
+                  </a:txBody>
+                  <a:tcPr/>
+                </a:tc>
+                <a:tc>
+                  <a:txBody>
+                    <a:bodyPr/>
+                    <a:lstStyle/>
+                    <a:p>
+                      <a:pPr algn="ctr"/>
+                      <a:r>
+                        <a:rPr lang="en-US" altLang="zh-TW" sz="2400" dirty="0" smtClean="0"/>
+                        <a:t>5/1</a:t>
+                      </a:r>
+                      <a:endParaRPr lang="zh-TW" altLang="en-US" sz="2400" dirty="0"/>
+                    </a:p>
+                  </a:txBody>
+                  <a:tcPr/>
+                </a:tc>
+                <a:tc>
+                  <a:txBody>
+                    <a:bodyPr/>
+                    <a:lstStyle/>
+                    <a:p>
+                      <a:pPr algn="ctr"/>
+                      <a:r>
+                        <a:rPr lang="zh-TW" altLang="en-US" sz="2400" dirty="0" smtClean="0"/>
+                        <a:t>構想遊戲細節</a:t>
+                      </a:r>
+                      <a:r>
+                        <a:rPr lang="en-US" altLang="zh-TW" sz="2400" dirty="0" smtClean="0"/>
+                        <a:t>(</a:t>
+                      </a:r>
+                      <a:r>
+                        <a:rPr lang="zh-TW" altLang="en-US" sz="2400" dirty="0" smtClean="0"/>
+                        <a:t>道具 人物設定</a:t>
+                      </a:r>
+                      <a:r>
+                        <a:rPr lang="en-US" altLang="zh-TW" sz="2400" dirty="0" smtClean="0"/>
+                        <a:t>)</a:t>
+                      </a:r>
+                      <a:endParaRPr lang="zh-TW" altLang="en-US" sz="2400" dirty="0"/>
+                    </a:p>
+                  </a:txBody>
+                  <a:tcPr/>
+                </a:tc>
+                <a:extLst>
+                  <a:ext uri="{0D108BD9-81ED-4DB2-BD59-A6C34878D82A}">
+                    <a16:rowId xmlns:a16="http://schemas.microsoft.com/office/drawing/2014/main" val="1969263726"/>
+                  </a:ext>
+                </a:extLst>
+              </a:tr>
+              <a:tr h="370840">
+                <a:tc>
+                  <a:txBody>
+                    <a:bodyPr/>
+                    <a:lstStyle/>
+                    <a:p>
+                      <a:pPr algn="ctr"/>
+                      <a:r>
+                        <a:rPr lang="en-US" altLang="zh-TW" sz="2400" dirty="0" smtClean="0"/>
+                        <a:t>5/2</a:t>
+                      </a:r>
+                      <a:endParaRPr lang="zh-TW" altLang="en-US" sz="2400" dirty="0"/>
+                    </a:p>
+                  </a:txBody>
+                  <a:tcPr/>
+                </a:tc>
+                <a:tc>
+                  <a:txBody>
+                    <a:bodyPr/>
+                    <a:lstStyle/>
+                    <a:p>
+                      <a:pPr algn="ctr"/>
+                      <a:r>
+                        <a:rPr lang="en-US" altLang="zh-TW" sz="2400" dirty="0" smtClean="0"/>
+                        <a:t>5/7</a:t>
+                      </a:r>
+                      <a:endParaRPr lang="zh-TW" altLang="en-US" sz="2400" dirty="0"/>
+                    </a:p>
+                  </a:txBody>
+                  <a:tcPr/>
+                </a:tc>
+                <a:tc>
+                  <a:txBody>
+                    <a:bodyPr/>
+                    <a:lstStyle/>
+                    <a:p>
+                      <a:pPr marL="0" marR="0" indent="0" algn="ctr" defTabSz="457200" rtl="0" eaLnBrk="1" fontAlgn="auto" latinLnBrk="0" hangingPunct="1">
+                        <a:lnSpc>
+                          <a:spcPct val="100000"/>
+                        </a:lnSpc>
+                        <a:spcBef>
+                          <a:spcPts val="0"/>
+                        </a:spcBef>
+                        <a:spcAft>
+                          <a:spcPts val="0"/>
+                        </a:spcAft>
+                        <a:buClrTx/>
+                        <a:buSzTx/>
+                        <a:buFontTx/>
+                        <a:buNone/>
+                        <a:tabLst/>
+                        <a:defRPr/>
+                      </a:pPr>
+                      <a:r>
+                        <a:rPr lang="en-US" altLang="zh-TW" sz="2400" dirty="0" smtClean="0"/>
+                        <a:t>GUI</a:t>
+                      </a:r>
+                    </a:p>
+                  </a:txBody>
+                  <a:tcPr/>
+                </a:tc>
+                <a:extLst>
+                  <a:ext uri="{0D108BD9-81ED-4DB2-BD59-A6C34878D82A}">
+                    <a16:rowId xmlns:a16="http://schemas.microsoft.com/office/drawing/2014/main" val="618525642"/>
+                  </a:ext>
+                </a:extLst>
+              </a:tr>
+              <a:tr h="370840">
+                <a:tc>
+                  <a:txBody>
+                    <a:bodyPr/>
+                    <a:lstStyle/>
+                    <a:p>
+                      <a:pPr algn="ctr"/>
+                      <a:r>
+                        <a:rPr lang="en-US" altLang="zh-TW" sz="2400" dirty="0" smtClean="0"/>
+                        <a:t>5/8</a:t>
+                      </a:r>
+                      <a:endParaRPr lang="zh-TW" altLang="en-US" sz="2400" dirty="0"/>
+                    </a:p>
+                  </a:txBody>
+                  <a:tcPr/>
+                </a:tc>
+                <a:tc>
+                  <a:txBody>
+                    <a:bodyPr/>
+                    <a:lstStyle/>
+                    <a:p>
+                      <a:pPr algn="ctr"/>
+                      <a:r>
+                        <a:rPr lang="en-US" altLang="zh-TW" sz="2400" dirty="0" smtClean="0"/>
+                        <a:t>6/8</a:t>
+                      </a:r>
+                      <a:endParaRPr lang="zh-TW" altLang="en-US" sz="2400" dirty="0"/>
+                    </a:p>
+                  </a:txBody>
+                  <a:tcPr/>
+                </a:tc>
+                <a:tc>
+                  <a:txBody>
+                    <a:bodyPr/>
+                    <a:lstStyle/>
+                    <a:p>
+                      <a:pPr marL="0" marR="0" indent="0" algn="ctr" defTabSz="457200" rtl="0" eaLnBrk="1" fontAlgn="auto" latinLnBrk="0" hangingPunct="1">
+                        <a:lnSpc>
+                          <a:spcPct val="100000"/>
+                        </a:lnSpc>
+                        <a:spcBef>
+                          <a:spcPts val="0"/>
+                        </a:spcBef>
+                        <a:spcAft>
+                          <a:spcPts val="0"/>
+                        </a:spcAft>
+                        <a:buClrTx/>
+                        <a:buSzTx/>
+                        <a:buFontTx/>
+                        <a:buNone/>
+                        <a:tabLst/>
+                        <a:defRPr/>
+                      </a:pPr>
+                      <a:r>
+                        <a:rPr lang="zh-TW" altLang="en-US" sz="2400" dirty="0" smtClean="0"/>
+                        <a:t>設計遊戲、</a:t>
+                      </a:r>
+                      <a:r>
+                        <a:rPr lang="en-US" altLang="zh-TW" sz="2400" dirty="0" smtClean="0"/>
+                        <a:t>debug</a:t>
+                      </a:r>
+                    </a:p>
+                  </a:txBody>
+                  <a:tcPr/>
+                </a:tc>
+                <a:extLst>
+                  <a:ext uri="{0D108BD9-81ED-4DB2-BD59-A6C34878D82A}">
+                    <a16:rowId xmlns:a16="http://schemas.microsoft.com/office/drawing/2014/main" val="740026423"/>
+                  </a:ext>
+                </a:extLst>
+              </a:tr>
+              <a:tr h="370840">
+                <a:tc>
+                  <a:txBody>
+                    <a:bodyPr/>
+                    <a:lstStyle/>
+                    <a:p>
+                      <a:pPr algn="ctr"/>
+                      <a:r>
+                        <a:rPr lang="en-US" altLang="zh-TW" sz="2400" dirty="0" smtClean="0"/>
+                        <a:t>5/27</a:t>
+                      </a:r>
+                      <a:endParaRPr lang="zh-TW" altLang="en-US" sz="2400" dirty="0"/>
+                    </a:p>
+                  </a:txBody>
+                  <a:tcPr/>
+                </a:tc>
+                <a:tc>
+                  <a:txBody>
+                    <a:bodyPr/>
+                    <a:lstStyle/>
+                    <a:p>
+                      <a:pPr algn="ctr"/>
+                      <a:r>
+                        <a:rPr lang="en-US" altLang="zh-TW" sz="2400" dirty="0" smtClean="0"/>
+                        <a:t>6/16</a:t>
+                      </a:r>
+                      <a:endParaRPr lang="zh-TW" altLang="en-US" sz="2400" dirty="0"/>
+                    </a:p>
+                  </a:txBody>
+                  <a:tcPr/>
+                </a:tc>
+                <a:tc>
+                  <a:txBody>
+                    <a:bodyPr/>
+                    <a:lstStyle/>
+                    <a:p>
+                      <a:pPr marL="0" marR="0" indent="0" algn="ctr" defTabSz="457200" rtl="0" eaLnBrk="1" fontAlgn="auto" latinLnBrk="0" hangingPunct="1">
+                        <a:lnSpc>
+                          <a:spcPct val="100000"/>
+                        </a:lnSpc>
+                        <a:spcBef>
+                          <a:spcPts val="0"/>
+                        </a:spcBef>
+                        <a:spcAft>
+                          <a:spcPts val="0"/>
+                        </a:spcAft>
+                        <a:buClrTx/>
+                        <a:buSzTx/>
+                        <a:buFontTx/>
+                        <a:buNone/>
+                        <a:tabLst/>
+                        <a:defRPr/>
+                      </a:pPr>
+                      <a:r>
+                        <a:rPr lang="zh-TW" altLang="en-US" sz="2400" dirty="0" smtClean="0"/>
+                        <a:t>美術創作</a:t>
+                      </a:r>
+                      <a:endParaRPr lang="en-US" altLang="zh-TW" sz="2400" dirty="0" smtClean="0"/>
+                    </a:p>
+                  </a:txBody>
+                  <a:tcPr/>
+                </a:tc>
+                <a:extLst>
+                  <a:ext uri="{0D108BD9-81ED-4DB2-BD59-A6C34878D82A}">
+                    <a16:rowId xmlns:a16="http://schemas.microsoft.com/office/drawing/2014/main" val="4257919795"/>
+                  </a:ext>
+                </a:extLst>
+              </a:tr>
+            </a:tbl>
+          </a:graphicData>
+        </a:graphic>
+      </p:graphicFrame>
     </p:spTree>
     <p:extLst>
       <p:ext uri="{BB962C8B-B14F-4D97-AF65-F5344CB8AC3E}">
@@ -9549,7 +10503,7 @@
 </p:sld>
 </file>
 
-<file path=ppt/slides/slide22.xml><?xml version="1.0" encoding="utf-8"?>
+<file path=ppt/slides/slide23.xml><?xml version="1.0" encoding="utf-8"?>
 <p:sld xmlns:a="http://schemas.openxmlformats.org/drawingml/2006/main" xmlns:r="http://schemas.openxmlformats.org/officeDocument/2006/relationships" xmlns:p="http://schemas.openxmlformats.org/presentationml/2006/main">
   <p:cSld>
     <p:spTree>
@@ -9896,99 +10850,6 @@
   <p:clrMapOvr>
     <a:masterClrMapping/>
   </p:clrMapOvr>
-  <p:timing>
-    <p:tnLst>
-      <p:par>
-        <p:cTn id="1" dur="indefinite" restart="never" nodeType="tmRoot"/>
-      </p:par>
-    </p:tnLst>
-  </p:timing>
-</p:sld>
-</file>
-
-<file path=ppt/slides/slide23.xml><?xml version="1.0" encoding="utf-8"?>
-<p:sld xmlns:a="http://schemas.openxmlformats.org/drawingml/2006/main" xmlns:r="http://schemas.openxmlformats.org/officeDocument/2006/relationships" xmlns:p="http://schemas.openxmlformats.org/presentationml/2006/main" show="0">
-  <p:cSld>
-    <p:spTree>
-      <p:nvGrpSpPr>
-        <p:cNvPr id="1" name=""/>
-        <p:cNvGrpSpPr/>
-        <p:nvPr/>
-      </p:nvGrpSpPr>
-      <p:grpSpPr>
-        <a:xfrm>
-          <a:off x="0" y="0"/>
-          <a:ext cx="0" cy="0"/>
-          <a:chOff x="0" y="0"/>
-          <a:chExt cx="0" cy="0"/>
-        </a:xfrm>
-      </p:grpSpPr>
-      <p:sp>
-        <p:nvSpPr>
-          <p:cNvPr id="2" name="標題 1"/>
-          <p:cNvSpPr>
-            <a:spLocks noGrp="1"/>
-          </p:cNvSpPr>
-          <p:nvPr>
-            <p:ph type="title"/>
-          </p:nvPr>
-        </p:nvSpPr>
-        <p:spPr/>
-        <p:txBody>
-          <a:bodyPr>
-            <a:normAutofit/>
-          </a:bodyPr>
-          <a:lstStyle/>
-          <a:p>
-            <a:pPr algn="ctr"/>
-            <a:r>
-              <a:rPr lang="zh-TW" altLang="en-US" sz="5400" b="1" dirty="0" smtClean="0"/>
-              <a:t>資料來</a:t>
-            </a:r>
-            <a:r>
-              <a:rPr lang="zh-TW" altLang="en-US" sz="5400" b="1" dirty="0"/>
-              <a:t>源</a:t>
-            </a:r>
-          </a:p>
-        </p:txBody>
-      </p:sp>
-      <p:sp>
-        <p:nvSpPr>
-          <p:cNvPr id="3" name="內容版面配置區 2"/>
-          <p:cNvSpPr>
-            <a:spLocks noGrp="1"/>
-          </p:cNvSpPr>
-          <p:nvPr>
-            <p:ph idx="1"/>
-          </p:nvPr>
-        </p:nvSpPr>
-        <p:spPr/>
-        <p:txBody>
-          <a:bodyPr/>
-          <a:lstStyle/>
-          <a:p>
-            <a:endParaRPr lang="zh-TW" altLang="en-US" dirty="0"/>
-          </a:p>
-        </p:txBody>
-      </p:sp>
-    </p:spTree>
-    <p:extLst>
-      <p:ext uri="{BB962C8B-B14F-4D97-AF65-F5344CB8AC3E}">
-        <p14:creationId xmlns:p14="http://schemas.microsoft.com/office/powerpoint/2010/main" val="648900677"/>
-      </p:ext>
-    </p:extLst>
-  </p:cSld>
-  <p:clrMapOvr>
-    <a:masterClrMapping/>
-  </p:clrMapOvr>
-  <mc:AlternateContent xmlns:mc="http://schemas.openxmlformats.org/markup-compatibility/2006">
-    <mc:Choice xmlns:p14="http://schemas.microsoft.com/office/powerpoint/2010/main" Requires="p14">
-      <p:transition spd="slow" p14:dur="2000"/>
-    </mc:Choice>
-    <mc:Fallback>
-      <p:transition spd="slow"/>
-    </mc:Fallback>
-  </mc:AlternateContent>
   <p:timing>
     <p:tnLst>
       <p:par>

--- a/PPT/JAVA Final project.pptx
+++ b/PPT/JAVA Final project.pptx
@@ -27,8 +27,9 @@
     <p:sldId id="279" r:id="rId21"/>
     <p:sldId id="268" r:id="rId22"/>
     <p:sldId id="269" r:id="rId23"/>
-    <p:sldId id="271" r:id="rId24"/>
-    <p:sldId id="273" r:id="rId25"/>
+    <p:sldId id="281" r:id="rId24"/>
+    <p:sldId id="271" r:id="rId25"/>
+    <p:sldId id="273" r:id="rId26"/>
   </p:sldIdLst>
   <p:sldSz cx="12192000" cy="6858000"/>
   <p:notesSz cx="6858000" cy="9144000"/>
@@ -939,10 +940,9 @@
         <a:lstStyle/>
         <a:p>
           <a:r>
-            <a:rPr lang="zh-TW" altLang="en-US" sz="4000" dirty="0" smtClean="0"/>
+            <a:rPr lang="zh-TW" altLang="en-US" sz="4000" dirty="0"/>
             <a:t>道具</a:t>
           </a:r>
-          <a:endParaRPr lang="zh-TW" altLang="en-US" sz="4000" dirty="0"/>
         </a:p>
       </dgm:t>
     </dgm:pt>
@@ -976,10 +976,9 @@
         <a:lstStyle/>
         <a:p>
           <a:r>
-            <a:rPr lang="zh-TW" altLang="en-US" sz="2400" dirty="0" smtClean="0"/>
+            <a:rPr lang="zh-TW" altLang="en-US" sz="2400" dirty="0"/>
             <a:t>隨機生成遊戲道具</a:t>
           </a:r>
-          <a:endParaRPr lang="zh-TW" altLang="en-US" sz="2400" dirty="0"/>
         </a:p>
       </dgm:t>
     </dgm:pt>
@@ -1013,10 +1012,9 @@
         <a:lstStyle/>
         <a:p>
           <a:r>
-            <a:rPr lang="zh-TW" altLang="en-US" sz="2400" dirty="0" smtClean="0"/>
+            <a:rPr lang="zh-TW" altLang="en-US" sz="2400" dirty="0"/>
             <a:t>出現特殊效果</a:t>
           </a:r>
-          <a:endParaRPr lang="zh-TW" altLang="en-US" sz="2400" dirty="0"/>
         </a:p>
       </dgm:t>
     </dgm:pt>
@@ -1050,10 +1048,9 @@
         <a:lstStyle/>
         <a:p>
           <a:r>
-            <a:rPr lang="zh-TW" altLang="en-US" sz="4000" dirty="0" smtClean="0"/>
+            <a:rPr lang="zh-TW" altLang="en-US" sz="4000" dirty="0"/>
             <a:t>鬼抓人</a:t>
           </a:r>
-          <a:endParaRPr lang="zh-TW" altLang="en-US" sz="4000" dirty="0"/>
         </a:p>
       </dgm:t>
     </dgm:pt>
@@ -1087,10 +1084,9 @@
         <a:lstStyle/>
         <a:p>
           <a:r>
-            <a:rPr lang="zh-TW" altLang="en-US" sz="2400" dirty="0" smtClean="0"/>
+            <a:rPr lang="zh-TW" altLang="en-US" sz="2400" dirty="0"/>
             <a:t>結合鬼抓人</a:t>
           </a:r>
-          <a:endParaRPr lang="zh-TW" altLang="en-US" sz="2400" dirty="0"/>
         </a:p>
       </dgm:t>
     </dgm:pt>
@@ -1124,10 +1120,9 @@
         <a:lstStyle/>
         <a:p>
           <a:r>
-            <a:rPr lang="zh-TW" altLang="en-US" sz="2400" dirty="0" smtClean="0"/>
+            <a:rPr lang="zh-TW" altLang="en-US" sz="2400" dirty="0"/>
             <a:t>增加刺激感</a:t>
           </a:r>
-          <a:endParaRPr lang="zh-TW" altLang="en-US" sz="2400" dirty="0"/>
         </a:p>
       </dgm:t>
     </dgm:pt>
@@ -1161,10 +1156,9 @@
         <a:lstStyle/>
         <a:p>
           <a:r>
-            <a:rPr lang="zh-TW" altLang="en-US" sz="4000" dirty="0" smtClean="0"/>
+            <a:rPr lang="zh-TW" altLang="en-US" sz="4000" dirty="0"/>
             <a:t>可挖地</a:t>
           </a:r>
-          <a:endParaRPr lang="zh-TW" altLang="en-US" sz="4000" dirty="0"/>
         </a:p>
       </dgm:t>
     </dgm:pt>
@@ -1198,10 +1192,9 @@
         <a:lstStyle/>
         <a:p>
           <a:r>
-            <a:rPr lang="zh-TW" altLang="en-US" sz="2400" dirty="0" smtClean="0"/>
+            <a:rPr lang="zh-TW" altLang="en-US" sz="2400" dirty="0"/>
             <a:t>發想自麥塊</a:t>
           </a:r>
-          <a:endParaRPr lang="zh-TW" altLang="en-US" sz="2400" dirty="0"/>
         </a:p>
       </dgm:t>
     </dgm:pt>
@@ -1235,10 +1228,9 @@
         <a:lstStyle/>
         <a:p>
           <a:r>
-            <a:rPr lang="zh-TW" altLang="en-US" sz="2400" dirty="0" smtClean="0"/>
+            <a:rPr lang="zh-TW" altLang="en-US" sz="2400" dirty="0"/>
             <a:t>可挖掉地板</a:t>
           </a:r>
-          <a:endParaRPr lang="zh-TW" altLang="en-US" sz="2400" dirty="0"/>
         </a:p>
       </dgm:t>
     </dgm:pt>
@@ -1272,10 +1264,9 @@
         <a:lstStyle/>
         <a:p>
           <a:r>
-            <a:rPr lang="zh-TW" altLang="en-US" sz="2400" dirty="0" smtClean="0"/>
+            <a:rPr lang="zh-TW" altLang="en-US" sz="2400" dirty="0"/>
             <a:t>成為子彈擊退鬼</a:t>
           </a:r>
-          <a:endParaRPr lang="zh-TW" altLang="en-US" sz="2400" dirty="0"/>
         </a:p>
       </dgm:t>
     </dgm:pt>
@@ -1310,13 +1301,6 @@
         </dgm:presLayoutVars>
       </dgm:prSet>
       <dgm:spPr/>
-      <dgm:t>
-        <a:bodyPr/>
-        <a:lstStyle/>
-        <a:p>
-          <a:endParaRPr lang="zh-TW" altLang="en-US"/>
-        </a:p>
-      </dgm:t>
     </dgm:pt>
     <dgm:pt modelId="{12DE72CE-4EED-4979-B5A8-6EF3F2DAE39D}" type="pres">
       <dgm:prSet presAssocID="{C758ECAF-F32F-4458-94B0-721E74BC9A0A}" presName="composite" presStyleCnt="0"/>
@@ -1331,13 +1315,6 @@
         </dgm:presLayoutVars>
       </dgm:prSet>
       <dgm:spPr/>
-      <dgm:t>
-        <a:bodyPr/>
-        <a:lstStyle/>
-        <a:p>
-          <a:endParaRPr lang="zh-TW" altLang="en-US"/>
-        </a:p>
-      </dgm:t>
     </dgm:pt>
     <dgm:pt modelId="{3403FB3D-026A-4A43-8DFD-FA717358EC2E}" type="pres">
       <dgm:prSet presAssocID="{C758ECAF-F32F-4458-94B0-721E74BC9A0A}" presName="desTx" presStyleLbl="alignAccFollowNode1" presStyleIdx="0" presStyleCnt="3">
@@ -1346,13 +1323,6 @@
         </dgm:presLayoutVars>
       </dgm:prSet>
       <dgm:spPr/>
-      <dgm:t>
-        <a:bodyPr/>
-        <a:lstStyle/>
-        <a:p>
-          <a:endParaRPr lang="zh-TW" altLang="en-US"/>
-        </a:p>
-      </dgm:t>
     </dgm:pt>
     <dgm:pt modelId="{DFB40080-8CE4-4707-BF1F-C9CB984FFD2E}" type="pres">
       <dgm:prSet presAssocID="{DA101461-B71B-4ACE-957D-B9144337C585}" presName="space" presStyleCnt="0"/>
@@ -1371,13 +1341,6 @@
         </dgm:presLayoutVars>
       </dgm:prSet>
       <dgm:spPr/>
-      <dgm:t>
-        <a:bodyPr/>
-        <a:lstStyle/>
-        <a:p>
-          <a:endParaRPr lang="zh-TW" altLang="en-US"/>
-        </a:p>
-      </dgm:t>
     </dgm:pt>
     <dgm:pt modelId="{FC124E87-141F-486D-8C91-3ACD47AEB095}" type="pres">
       <dgm:prSet presAssocID="{809E0E03-2E77-4E7E-92B7-E861F6B01114}" presName="desTx" presStyleLbl="alignAccFollowNode1" presStyleIdx="1" presStyleCnt="3">
@@ -1386,13 +1349,6 @@
         </dgm:presLayoutVars>
       </dgm:prSet>
       <dgm:spPr/>
-      <dgm:t>
-        <a:bodyPr/>
-        <a:lstStyle/>
-        <a:p>
-          <a:endParaRPr lang="zh-TW" altLang="en-US"/>
-        </a:p>
-      </dgm:t>
     </dgm:pt>
     <dgm:pt modelId="{3F255FE8-3F70-4F47-8560-1B3F29F24DF9}" type="pres">
       <dgm:prSet presAssocID="{6B6B0D51-6F38-47B0-93E4-E5059DEE9228}" presName="space" presStyleCnt="0"/>
@@ -1411,13 +1367,6 @@
         </dgm:presLayoutVars>
       </dgm:prSet>
       <dgm:spPr/>
-      <dgm:t>
-        <a:bodyPr/>
-        <a:lstStyle/>
-        <a:p>
-          <a:endParaRPr lang="zh-TW" altLang="en-US"/>
-        </a:p>
-      </dgm:t>
     </dgm:pt>
     <dgm:pt modelId="{89ED2C74-9297-4BB1-B2AC-CC9AFBE3C64B}" type="pres">
       <dgm:prSet presAssocID="{562658D3-9B9A-4932-AB1C-91A2ED42C30F}" presName="desTx" presStyleLbl="alignAccFollowNode1" presStyleIdx="2" presStyleCnt="3">
@@ -1426,37 +1375,30 @@
         </dgm:presLayoutVars>
       </dgm:prSet>
       <dgm:spPr/>
-      <dgm:t>
-        <a:bodyPr/>
-        <a:lstStyle/>
-        <a:p>
-          <a:endParaRPr lang="zh-TW" altLang="en-US"/>
-        </a:p>
-      </dgm:t>
     </dgm:pt>
   </dgm:ptLst>
   <dgm:cxnLst>
-    <dgm:cxn modelId="{8104A2B7-35FA-4101-877E-FD4621797B46}" type="presOf" srcId="{345507A3-9419-41D9-B797-8D3204E98438}" destId="{89ED2C74-9297-4BB1-B2AC-CC9AFBE3C64B}" srcOrd="0" destOrd="2" presId="urn:microsoft.com/office/officeart/2005/8/layout/hList1"/>
+    <dgm:cxn modelId="{055D4307-FE81-4F6C-869F-76E11F1292E9}" srcId="{562658D3-9B9A-4932-AB1C-91A2ED42C30F}" destId="{7FA0FC05-50B9-44A9-BB7D-2E2AFA8E616C}" srcOrd="1" destOrd="0" parTransId="{018515F1-8B1F-49E5-8EFB-DE7151DD8410}" sibTransId="{D04BF425-E135-4B42-8B54-79A335C20DE0}"/>
     <dgm:cxn modelId="{30BF6E16-A8CD-4596-A49C-FDF01B1FC638}" type="presOf" srcId="{0A0F0714-B356-41DF-B12E-0E4389850F15}" destId="{3403FB3D-026A-4A43-8DFD-FA717358EC2E}" srcOrd="0" destOrd="1" presId="urn:microsoft.com/office/officeart/2005/8/layout/hList1"/>
-    <dgm:cxn modelId="{0824859A-35A9-4654-9743-22E2D85610F6}" srcId="{562658D3-9B9A-4932-AB1C-91A2ED42C30F}" destId="{345507A3-9419-41D9-B797-8D3204E98438}" srcOrd="2" destOrd="0" parTransId="{37A49160-76FB-499E-A104-2BD6F0DB6489}" sibTransId="{E7F66A6C-3EB7-4005-8DA5-11415CA13F82}"/>
+    <dgm:cxn modelId="{2C60B517-2F1A-4037-98CD-A1A5E64D89A6}" type="presOf" srcId="{7FA0FC05-50B9-44A9-BB7D-2E2AFA8E616C}" destId="{89ED2C74-9297-4BB1-B2AC-CC9AFBE3C64B}" srcOrd="0" destOrd="1" presId="urn:microsoft.com/office/officeart/2005/8/layout/hList1"/>
     <dgm:cxn modelId="{8D59BC2B-5B49-4BFA-9EF0-C835B72C0365}" srcId="{C758ECAF-F32F-4458-94B0-721E74BC9A0A}" destId="{923F61DE-E860-4815-8E74-4CB05693297D}" srcOrd="0" destOrd="0" parTransId="{E744A790-EB9B-4313-B917-85736D9CCEF3}" sibTransId="{67820AE9-A2F9-4D51-87AB-50964F1C2CBA}"/>
-    <dgm:cxn modelId="{C85477E2-3508-4AFF-9505-19B631204D6E}" type="presOf" srcId="{C758ECAF-F32F-4458-94B0-721E74BC9A0A}" destId="{C21B7ABD-EFAB-4ACC-A816-F2104D1654EC}" srcOrd="0" destOrd="0" presId="urn:microsoft.com/office/officeart/2005/8/layout/hList1"/>
-    <dgm:cxn modelId="{E6C1B3C4-7BD8-4225-8464-DA6DC6E638BE}" type="presOf" srcId="{3BE7D290-79C1-4C7C-BB2A-B107C3858D2A}" destId="{89ED2C74-9297-4BB1-B2AC-CC9AFBE3C64B}" srcOrd="0" destOrd="0" presId="urn:microsoft.com/office/officeart/2005/8/layout/hList1"/>
-    <dgm:cxn modelId="{3AB1F5B4-0200-432E-BF4C-F1B129A50505}" srcId="{C758ECAF-F32F-4458-94B0-721E74BC9A0A}" destId="{0A0F0714-B356-41DF-B12E-0E4389850F15}" srcOrd="1" destOrd="0" parTransId="{B389920E-7768-4240-B4DE-5F0FE1098638}" sibTransId="{8951F423-65D3-4381-98D1-DB29738E83DC}"/>
-    <dgm:cxn modelId="{ACF650E4-7425-4AAE-8DAA-E42DC23642DA}" srcId="{97530BD9-D8AB-4788-AF98-5256AAD70A54}" destId="{809E0E03-2E77-4E7E-92B7-E861F6B01114}" srcOrd="1" destOrd="0" parTransId="{67488039-66EC-450C-8416-665B4A65BE35}" sibTransId="{6B6B0D51-6F38-47B0-93E4-E5059DEE9228}"/>
+    <dgm:cxn modelId="{DA59C536-7D8A-4065-BA6E-B8A3961DF522}" srcId="{97530BD9-D8AB-4788-AF98-5256AAD70A54}" destId="{C758ECAF-F32F-4458-94B0-721E74BC9A0A}" srcOrd="0" destOrd="0" parTransId="{BA5BB22B-7B64-4AF0-8A3F-63159B402732}" sibTransId="{DA101461-B71B-4ACE-957D-B9144337C585}"/>
+    <dgm:cxn modelId="{2DF6AC3B-6809-47C9-B39D-BA935CD3479D}" type="presOf" srcId="{809E0E03-2E77-4E7E-92B7-E861F6B01114}" destId="{EF9AD9C6-92B1-4BAC-947A-68F6701D7B54}" srcOrd="0" destOrd="0" presId="urn:microsoft.com/office/officeart/2005/8/layout/hList1"/>
+    <dgm:cxn modelId="{93D7815A-69CA-4D4E-9043-7996BADE4E3E}" type="presOf" srcId="{97530BD9-D8AB-4788-AF98-5256AAD70A54}" destId="{1C2A8DDC-5DEE-47DC-9B0D-40EC7A11488F}" srcOrd="0" destOrd="0" presId="urn:microsoft.com/office/officeart/2005/8/layout/hList1"/>
+    <dgm:cxn modelId="{FE5AF861-A9B2-42D4-B2B2-AC7F5218174D}" type="presOf" srcId="{D88FC435-F8DF-418E-A9B4-BD48A6028889}" destId="{FC124E87-141F-486D-8C91-3ACD47AEB095}" srcOrd="0" destOrd="1" presId="urn:microsoft.com/office/officeart/2005/8/layout/hList1"/>
+    <dgm:cxn modelId="{2AE4A962-33D0-403A-BD59-32BEDE971214}" type="presOf" srcId="{63271212-213F-47D9-BB84-B84BA86664EA}" destId="{FC124E87-141F-486D-8C91-3ACD47AEB095}" srcOrd="0" destOrd="0" presId="urn:microsoft.com/office/officeart/2005/8/layout/hList1"/>
     <dgm:cxn modelId="{7F542080-580E-4D06-811D-854E9147D0C9}" type="presOf" srcId="{923F61DE-E860-4815-8E74-4CB05693297D}" destId="{3403FB3D-026A-4A43-8DFD-FA717358EC2E}" srcOrd="0" destOrd="0" presId="urn:microsoft.com/office/officeart/2005/8/layout/hList1"/>
     <dgm:cxn modelId="{75E89C87-201F-4D57-A122-7A070718B5DF}" srcId="{562658D3-9B9A-4932-AB1C-91A2ED42C30F}" destId="{3BE7D290-79C1-4C7C-BB2A-B107C3858D2A}" srcOrd="0" destOrd="0" parTransId="{1C57F9A4-9B0E-4C44-B7C9-F969456A8E56}" sibTransId="{D089A82C-6D7B-4363-B8AF-FD5546B08512}"/>
-    <dgm:cxn modelId="{93D7815A-69CA-4D4E-9043-7996BADE4E3E}" type="presOf" srcId="{97530BD9-D8AB-4788-AF98-5256AAD70A54}" destId="{1C2A8DDC-5DEE-47DC-9B0D-40EC7A11488F}" srcOrd="0" destOrd="0" presId="urn:microsoft.com/office/officeart/2005/8/layout/hList1"/>
+    <dgm:cxn modelId="{0824859A-35A9-4654-9743-22E2D85610F6}" srcId="{562658D3-9B9A-4932-AB1C-91A2ED42C30F}" destId="{345507A3-9419-41D9-B797-8D3204E98438}" srcOrd="2" destOrd="0" parTransId="{37A49160-76FB-499E-A104-2BD6F0DB6489}" sibTransId="{E7F66A6C-3EB7-4005-8DA5-11415CA13F82}"/>
+    <dgm:cxn modelId="{3AB1F5B4-0200-432E-BF4C-F1B129A50505}" srcId="{C758ECAF-F32F-4458-94B0-721E74BC9A0A}" destId="{0A0F0714-B356-41DF-B12E-0E4389850F15}" srcOrd="1" destOrd="0" parTransId="{B389920E-7768-4240-B4DE-5F0FE1098638}" sibTransId="{8951F423-65D3-4381-98D1-DB29738E83DC}"/>
+    <dgm:cxn modelId="{8104A2B7-35FA-4101-877E-FD4621797B46}" type="presOf" srcId="{345507A3-9419-41D9-B797-8D3204E98438}" destId="{89ED2C74-9297-4BB1-B2AC-CC9AFBE3C64B}" srcOrd="0" destOrd="2" presId="urn:microsoft.com/office/officeart/2005/8/layout/hList1"/>
+    <dgm:cxn modelId="{D80F80C4-3E1F-493E-A49F-6CFACA64BB76}" srcId="{809E0E03-2E77-4E7E-92B7-E861F6B01114}" destId="{63271212-213F-47D9-BB84-B84BA86664EA}" srcOrd="0" destOrd="0" parTransId="{34EB48B3-08B9-4296-BCD2-575C8ADB0EA9}" sibTransId="{EE3A2A11-5181-4B21-8F93-B9C377ABE497}"/>
+    <dgm:cxn modelId="{E6C1B3C4-7BD8-4225-8464-DA6DC6E638BE}" type="presOf" srcId="{3BE7D290-79C1-4C7C-BB2A-B107C3858D2A}" destId="{89ED2C74-9297-4BB1-B2AC-CC9AFBE3C64B}" srcOrd="0" destOrd="0" presId="urn:microsoft.com/office/officeart/2005/8/layout/hList1"/>
+    <dgm:cxn modelId="{C85477E2-3508-4AFF-9505-19B631204D6E}" type="presOf" srcId="{C758ECAF-F32F-4458-94B0-721E74BC9A0A}" destId="{C21B7ABD-EFAB-4ACC-A816-F2104D1654EC}" srcOrd="0" destOrd="0" presId="urn:microsoft.com/office/officeart/2005/8/layout/hList1"/>
+    <dgm:cxn modelId="{ACF650E4-7425-4AAE-8DAA-E42DC23642DA}" srcId="{97530BD9-D8AB-4788-AF98-5256AAD70A54}" destId="{809E0E03-2E77-4E7E-92B7-E861F6B01114}" srcOrd="1" destOrd="0" parTransId="{67488039-66EC-450C-8416-665B4A65BE35}" sibTransId="{6B6B0D51-6F38-47B0-93E4-E5059DEE9228}"/>
+    <dgm:cxn modelId="{9D62A0E7-7FF1-40D2-A46E-1078CC093A87}" srcId="{809E0E03-2E77-4E7E-92B7-E861F6B01114}" destId="{D88FC435-F8DF-418E-A9B4-BD48A6028889}" srcOrd="1" destOrd="0" parTransId="{E16356B6-9EF6-469A-98EC-AD35133D76BD}" sibTransId="{E6AF035E-3EC7-4364-96F4-06AB0FCA770A}"/>
+    <dgm:cxn modelId="{3401D9F1-92EB-45A6-A17F-34DF30F9FCC4}" srcId="{97530BD9-D8AB-4788-AF98-5256AAD70A54}" destId="{562658D3-9B9A-4932-AB1C-91A2ED42C30F}" srcOrd="2" destOrd="0" parTransId="{3FBF06B3-2832-401F-9524-17A8DA1D0F69}" sibTransId="{8FE84243-108D-4674-8C5F-016A91163256}"/>
     <dgm:cxn modelId="{946378F4-1F9B-4234-988C-90889DA9CA99}" type="presOf" srcId="{562658D3-9B9A-4932-AB1C-91A2ED42C30F}" destId="{7C36AF3A-B3F5-448C-95B7-293D095EDED1}" srcOrd="0" destOrd="0" presId="urn:microsoft.com/office/officeart/2005/8/layout/hList1"/>
-    <dgm:cxn modelId="{055D4307-FE81-4F6C-869F-76E11F1292E9}" srcId="{562658D3-9B9A-4932-AB1C-91A2ED42C30F}" destId="{7FA0FC05-50B9-44A9-BB7D-2E2AFA8E616C}" srcOrd="1" destOrd="0" parTransId="{018515F1-8B1F-49E5-8EFB-DE7151DD8410}" sibTransId="{D04BF425-E135-4B42-8B54-79A335C20DE0}"/>
-    <dgm:cxn modelId="{D80F80C4-3E1F-493E-A49F-6CFACA64BB76}" srcId="{809E0E03-2E77-4E7E-92B7-E861F6B01114}" destId="{63271212-213F-47D9-BB84-B84BA86664EA}" srcOrd="0" destOrd="0" parTransId="{34EB48B3-08B9-4296-BCD2-575C8ADB0EA9}" sibTransId="{EE3A2A11-5181-4B21-8F93-B9C377ABE497}"/>
-    <dgm:cxn modelId="{DA59C536-7D8A-4065-BA6E-B8A3961DF522}" srcId="{97530BD9-D8AB-4788-AF98-5256AAD70A54}" destId="{C758ECAF-F32F-4458-94B0-721E74BC9A0A}" srcOrd="0" destOrd="0" parTransId="{BA5BB22B-7B64-4AF0-8A3F-63159B402732}" sibTransId="{DA101461-B71B-4ACE-957D-B9144337C585}"/>
-    <dgm:cxn modelId="{2AE4A962-33D0-403A-BD59-32BEDE971214}" type="presOf" srcId="{63271212-213F-47D9-BB84-B84BA86664EA}" destId="{FC124E87-141F-486D-8C91-3ACD47AEB095}" srcOrd="0" destOrd="0" presId="urn:microsoft.com/office/officeart/2005/8/layout/hList1"/>
-    <dgm:cxn modelId="{9D62A0E7-7FF1-40D2-A46E-1078CC093A87}" srcId="{809E0E03-2E77-4E7E-92B7-E861F6B01114}" destId="{D88FC435-F8DF-418E-A9B4-BD48A6028889}" srcOrd="1" destOrd="0" parTransId="{E16356B6-9EF6-469A-98EC-AD35133D76BD}" sibTransId="{E6AF035E-3EC7-4364-96F4-06AB0FCA770A}"/>
-    <dgm:cxn modelId="{FE5AF861-A9B2-42D4-B2B2-AC7F5218174D}" type="presOf" srcId="{D88FC435-F8DF-418E-A9B4-BD48A6028889}" destId="{FC124E87-141F-486D-8C91-3ACD47AEB095}" srcOrd="0" destOrd="1" presId="urn:microsoft.com/office/officeart/2005/8/layout/hList1"/>
-    <dgm:cxn modelId="{2C60B517-2F1A-4037-98CD-A1A5E64D89A6}" type="presOf" srcId="{7FA0FC05-50B9-44A9-BB7D-2E2AFA8E616C}" destId="{89ED2C74-9297-4BB1-B2AC-CC9AFBE3C64B}" srcOrd="0" destOrd="1" presId="urn:microsoft.com/office/officeart/2005/8/layout/hList1"/>
-    <dgm:cxn modelId="{2DF6AC3B-6809-47C9-B39D-BA935CD3479D}" type="presOf" srcId="{809E0E03-2E77-4E7E-92B7-E861F6B01114}" destId="{EF9AD9C6-92B1-4BAC-947A-68F6701D7B54}" srcOrd="0" destOrd="0" presId="urn:microsoft.com/office/officeart/2005/8/layout/hList1"/>
-    <dgm:cxn modelId="{3401D9F1-92EB-45A6-A17F-34DF30F9FCC4}" srcId="{97530BD9-D8AB-4788-AF98-5256AAD70A54}" destId="{562658D3-9B9A-4932-AB1C-91A2ED42C30F}" srcOrd="2" destOrd="0" parTransId="{3FBF06B3-2832-401F-9524-17A8DA1D0F69}" sibTransId="{8FE84243-108D-4674-8C5F-016A91163256}"/>
     <dgm:cxn modelId="{1E6E5947-ED04-41C8-A036-380DD5BDC579}" type="presParOf" srcId="{1C2A8DDC-5DEE-47DC-9B0D-40EC7A11488F}" destId="{12DE72CE-4EED-4979-B5A8-6EF3F2DAE39D}" srcOrd="0" destOrd="0" presId="urn:microsoft.com/office/officeart/2005/8/layout/hList1"/>
     <dgm:cxn modelId="{BDAEDA6B-E249-4691-88A9-D9588AFC2A33}" type="presParOf" srcId="{12DE72CE-4EED-4979-B5A8-6EF3F2DAE39D}" destId="{C21B7ABD-EFAB-4ACC-A816-F2104D1654EC}" srcOrd="0" destOrd="0" presId="urn:microsoft.com/office/officeart/2005/8/layout/hList1"/>
     <dgm:cxn modelId="{85B1F4BD-9924-4DF0-9279-6AF36FE331DD}" type="presParOf" srcId="{12DE72CE-4EED-4979-B5A8-6EF3F2DAE39D}" destId="{3403FB3D-026A-4A43-8DFD-FA717358EC2E}" srcOrd="1" destOrd="0" presId="urn:microsoft.com/office/officeart/2005/8/layout/hList1"/>
@@ -1541,7 +1483,7 @@
         </a:bodyPr>
         <a:lstStyle/>
         <a:p>
-          <a:pPr lvl="0" algn="ctr" defTabSz="1778000">
+          <a:pPr marL="0" lvl="0" indent="0" algn="ctr" defTabSz="1778000">
             <a:lnSpc>
               <a:spcPct val="90000"/>
             </a:lnSpc>
@@ -1551,12 +1493,12 @@
             <a:spcAft>
               <a:spcPct val="35000"/>
             </a:spcAft>
+            <a:buNone/>
           </a:pPr>
           <a:r>
-            <a:rPr lang="zh-TW" altLang="en-US" sz="4000" kern="1200" dirty="0" smtClean="0"/>
+            <a:rPr lang="zh-TW" altLang="en-US" sz="4000" kern="1200" dirty="0"/>
             <a:t>道具</a:t>
           </a:r>
-          <a:endParaRPr lang="zh-TW" altLang="en-US" sz="4000" kern="1200" dirty="0"/>
         </a:p>
       </dsp:txBody>
       <dsp:txXfrm>
@@ -1630,13 +1572,12 @@
             <a:spcAft>
               <a:spcPct val="15000"/>
             </a:spcAft>
-            <a:buChar char="••"/>
+            <a:buChar char="•"/>
           </a:pPr>
           <a:r>
-            <a:rPr lang="zh-TW" altLang="en-US" sz="2400" kern="1200" dirty="0" smtClean="0"/>
+            <a:rPr lang="zh-TW" altLang="en-US" sz="2400" kern="1200" dirty="0"/>
             <a:t>隨機生成遊戲道具</a:t>
           </a:r>
-          <a:endParaRPr lang="zh-TW" altLang="en-US" sz="2400" kern="1200" dirty="0"/>
         </a:p>
         <a:p>
           <a:pPr marL="228600" lvl="1" indent="-228600" algn="l" defTabSz="1066800">
@@ -1649,13 +1590,12 @@
             <a:spcAft>
               <a:spcPct val="15000"/>
             </a:spcAft>
-            <a:buChar char="••"/>
+            <a:buChar char="•"/>
           </a:pPr>
           <a:r>
-            <a:rPr lang="zh-TW" altLang="en-US" sz="2400" kern="1200" dirty="0" smtClean="0"/>
+            <a:rPr lang="zh-TW" altLang="en-US" sz="2400" kern="1200" dirty="0"/>
             <a:t>出現特殊效果</a:t>
           </a:r>
-          <a:endParaRPr lang="zh-TW" altLang="en-US" sz="2400" kern="1200" dirty="0"/>
         </a:p>
       </dsp:txBody>
       <dsp:txXfrm>
@@ -1717,7 +1657,7 @@
         </a:bodyPr>
         <a:lstStyle/>
         <a:p>
-          <a:pPr lvl="0" algn="ctr" defTabSz="1778000">
+          <a:pPr marL="0" lvl="0" indent="0" algn="ctr" defTabSz="1778000">
             <a:lnSpc>
               <a:spcPct val="90000"/>
             </a:lnSpc>
@@ -1727,12 +1667,12 @@
             <a:spcAft>
               <a:spcPct val="35000"/>
             </a:spcAft>
+            <a:buNone/>
           </a:pPr>
           <a:r>
-            <a:rPr lang="zh-TW" altLang="en-US" sz="4000" kern="1200" dirty="0" smtClean="0"/>
+            <a:rPr lang="zh-TW" altLang="en-US" sz="4000" kern="1200" dirty="0"/>
             <a:t>鬼抓人</a:t>
           </a:r>
-          <a:endParaRPr lang="zh-TW" altLang="en-US" sz="4000" kern="1200" dirty="0"/>
         </a:p>
       </dsp:txBody>
       <dsp:txXfrm>
@@ -1806,13 +1746,12 @@
             <a:spcAft>
               <a:spcPct val="15000"/>
             </a:spcAft>
-            <a:buChar char="••"/>
+            <a:buChar char="•"/>
           </a:pPr>
           <a:r>
-            <a:rPr lang="zh-TW" altLang="en-US" sz="2400" kern="1200" dirty="0" smtClean="0"/>
+            <a:rPr lang="zh-TW" altLang="en-US" sz="2400" kern="1200" dirty="0"/>
             <a:t>結合鬼抓人</a:t>
           </a:r>
-          <a:endParaRPr lang="zh-TW" altLang="en-US" sz="2400" kern="1200" dirty="0"/>
         </a:p>
         <a:p>
           <a:pPr marL="228600" lvl="1" indent="-228600" algn="l" defTabSz="1066800">
@@ -1825,13 +1764,12 @@
             <a:spcAft>
               <a:spcPct val="15000"/>
             </a:spcAft>
-            <a:buChar char="••"/>
+            <a:buChar char="•"/>
           </a:pPr>
           <a:r>
-            <a:rPr lang="zh-TW" altLang="en-US" sz="2400" kern="1200" dirty="0" smtClean="0"/>
+            <a:rPr lang="zh-TW" altLang="en-US" sz="2400" kern="1200" dirty="0"/>
             <a:t>增加刺激感</a:t>
           </a:r>
-          <a:endParaRPr lang="zh-TW" altLang="en-US" sz="2400" kern="1200" dirty="0"/>
         </a:p>
       </dsp:txBody>
       <dsp:txXfrm>
@@ -1893,7 +1831,7 @@
         </a:bodyPr>
         <a:lstStyle/>
         <a:p>
-          <a:pPr lvl="0" algn="ctr" defTabSz="1778000">
+          <a:pPr marL="0" lvl="0" indent="0" algn="ctr" defTabSz="1778000">
             <a:lnSpc>
               <a:spcPct val="90000"/>
             </a:lnSpc>
@@ -1903,12 +1841,12 @@
             <a:spcAft>
               <a:spcPct val="35000"/>
             </a:spcAft>
+            <a:buNone/>
           </a:pPr>
           <a:r>
-            <a:rPr lang="zh-TW" altLang="en-US" sz="4000" kern="1200" dirty="0" smtClean="0"/>
+            <a:rPr lang="zh-TW" altLang="en-US" sz="4000" kern="1200" dirty="0"/>
             <a:t>可挖地</a:t>
           </a:r>
-          <a:endParaRPr lang="zh-TW" altLang="en-US" sz="4000" kern="1200" dirty="0"/>
         </a:p>
       </dsp:txBody>
       <dsp:txXfrm>
@@ -1982,13 +1920,12 @@
             <a:spcAft>
               <a:spcPct val="15000"/>
             </a:spcAft>
-            <a:buChar char="••"/>
+            <a:buChar char="•"/>
           </a:pPr>
           <a:r>
-            <a:rPr lang="zh-TW" altLang="en-US" sz="2400" kern="1200" dirty="0" smtClean="0"/>
+            <a:rPr lang="zh-TW" altLang="en-US" sz="2400" kern="1200" dirty="0"/>
             <a:t>發想自麥塊</a:t>
           </a:r>
-          <a:endParaRPr lang="zh-TW" altLang="en-US" sz="2400" kern="1200" dirty="0"/>
         </a:p>
         <a:p>
           <a:pPr marL="228600" lvl="1" indent="-228600" algn="l" defTabSz="1066800">
@@ -2001,13 +1938,12 @@
             <a:spcAft>
               <a:spcPct val="15000"/>
             </a:spcAft>
-            <a:buChar char="••"/>
+            <a:buChar char="•"/>
           </a:pPr>
           <a:r>
-            <a:rPr lang="zh-TW" altLang="en-US" sz="2400" kern="1200" dirty="0" smtClean="0"/>
+            <a:rPr lang="zh-TW" altLang="en-US" sz="2400" kern="1200" dirty="0"/>
             <a:t>可挖掉地板</a:t>
           </a:r>
-          <a:endParaRPr lang="zh-TW" altLang="en-US" sz="2400" kern="1200" dirty="0"/>
         </a:p>
         <a:p>
           <a:pPr marL="228600" lvl="1" indent="-228600" algn="l" defTabSz="1066800">
@@ -2020,13 +1956,12 @@
             <a:spcAft>
               <a:spcPct val="15000"/>
             </a:spcAft>
-            <a:buChar char="••"/>
+            <a:buChar char="•"/>
           </a:pPr>
           <a:r>
-            <a:rPr lang="zh-TW" altLang="en-US" sz="2400" kern="1200" dirty="0" smtClean="0"/>
+            <a:rPr lang="zh-TW" altLang="en-US" sz="2400" kern="1200" dirty="0"/>
             <a:t>成為子彈擊退鬼</a:t>
           </a:r>
-          <a:endParaRPr lang="zh-TW" altLang="en-US" sz="2400" kern="1200" dirty="0"/>
         </a:p>
       </dsp:txBody>
       <dsp:txXfrm>
@@ -3375,7 +3310,7 @@
           </a:lstStyle>
           <a:p>
             <a:r>
-              <a:rPr lang="zh-TW" altLang="en-US" smtClean="0"/>
+              <a:rPr lang="zh-TW" altLang="en-US"/>
               <a:t>按一下以編輯母片標題樣式</a:t>
             </a:r>
             <a:endParaRPr lang="en-US" dirty="0"/>
@@ -3494,7 +3429,7 @@
           </a:lstStyle>
           <a:p>
             <a:r>
-              <a:rPr lang="zh-TW" altLang="en-US" smtClean="0"/>
+              <a:rPr lang="zh-TW" altLang="en-US"/>
               <a:t>按一下以編輯母片副標題樣式</a:t>
             </a:r>
             <a:endParaRPr lang="en-US" dirty="0"/>
@@ -3624,13 +3559,6 @@
   <p:clrMapOvr>
     <a:masterClrMapping/>
   </p:clrMapOvr>
-  <p:timing>
-    <p:tnLst>
-      <p:par>
-        <p:cTn id="1" dur="indefinite" restart="never" nodeType="tmRoot"/>
-      </p:par>
-    </p:tnLst>
-  </p:timing>
 </p:sldLayout>
 </file>
 
@@ -3711,7 +3639,7 @@
           <a:lstStyle/>
           <a:p>
             <a:r>
-              <a:rPr lang="zh-TW" altLang="en-US" smtClean="0"/>
+              <a:rPr lang="zh-TW" altLang="en-US"/>
               <a:t>按一下以編輯母片標題樣式</a:t>
             </a:r>
             <a:endParaRPr lang="en-US" dirty="0"/>
@@ -3751,35 +3679,35 @@
           <a:p>
             <a:pPr lvl="0"/>
             <a:r>
-              <a:rPr lang="zh-TW" altLang="en-US" smtClean="0"/>
+              <a:rPr lang="zh-TW" altLang="en-US"/>
               <a:t>編輯母片文字樣式</a:t>
             </a:r>
           </a:p>
           <a:p>
             <a:pPr lvl="1"/>
             <a:r>
-              <a:rPr lang="zh-TW" altLang="en-US" smtClean="0"/>
+              <a:rPr lang="zh-TW" altLang="en-US"/>
               <a:t>第二層</a:t>
             </a:r>
           </a:p>
           <a:p>
             <a:pPr lvl="2"/>
             <a:r>
-              <a:rPr lang="zh-TW" altLang="en-US" smtClean="0"/>
+              <a:rPr lang="zh-TW" altLang="en-US"/>
               <a:t>第三層</a:t>
             </a:r>
           </a:p>
           <a:p>
             <a:pPr lvl="3"/>
             <a:r>
-              <a:rPr lang="zh-TW" altLang="en-US" smtClean="0"/>
+              <a:rPr lang="zh-TW" altLang="en-US"/>
               <a:t>第四層</a:t>
             </a:r>
           </a:p>
           <a:p>
             <a:pPr lvl="4"/>
             <a:r>
-              <a:rPr lang="zh-TW" altLang="en-US" smtClean="0"/>
+              <a:rPr lang="zh-TW" altLang="en-US"/>
               <a:t>第五層</a:t>
             </a:r>
             <a:endParaRPr lang="en-US" dirty="0"/>
@@ -3861,13 +3789,6 @@
   <p:clrMapOvr>
     <a:masterClrMapping/>
   </p:clrMapOvr>
-  <p:timing>
-    <p:tnLst>
-      <p:par>
-        <p:cTn id="1" dur="indefinite" restart="never" nodeType="tmRoot"/>
-      </p:par>
-    </p:tnLst>
-  </p:timing>
 </p:sldLayout>
 </file>
 
@@ -3948,7 +3869,7 @@
           <a:lstStyle/>
           <a:p>
             <a:r>
-              <a:rPr lang="zh-TW" altLang="en-US" smtClean="0"/>
+              <a:rPr lang="zh-TW" altLang="en-US"/>
               <a:t>按一下以編輯母片標題樣式</a:t>
             </a:r>
             <a:endParaRPr lang="en-US" dirty="0"/>
@@ -3977,35 +3898,35 @@
           <a:p>
             <a:pPr lvl="0"/>
             <a:r>
-              <a:rPr lang="zh-TW" altLang="en-US" smtClean="0"/>
+              <a:rPr lang="zh-TW" altLang="en-US"/>
               <a:t>編輯母片文字樣式</a:t>
             </a:r>
           </a:p>
           <a:p>
             <a:pPr lvl="1"/>
             <a:r>
-              <a:rPr lang="zh-TW" altLang="en-US" smtClean="0"/>
+              <a:rPr lang="zh-TW" altLang="en-US"/>
               <a:t>第二層</a:t>
             </a:r>
           </a:p>
           <a:p>
             <a:pPr lvl="2"/>
             <a:r>
-              <a:rPr lang="zh-TW" altLang="en-US" smtClean="0"/>
+              <a:rPr lang="zh-TW" altLang="en-US"/>
               <a:t>第三層</a:t>
             </a:r>
           </a:p>
           <a:p>
             <a:pPr lvl="3"/>
             <a:r>
-              <a:rPr lang="zh-TW" altLang="en-US" smtClean="0"/>
+              <a:rPr lang="zh-TW" altLang="en-US"/>
               <a:t>第四層</a:t>
             </a:r>
           </a:p>
           <a:p>
             <a:pPr lvl="4"/>
             <a:r>
-              <a:rPr lang="zh-TW" altLang="en-US" smtClean="0"/>
+              <a:rPr lang="zh-TW" altLang="en-US"/>
               <a:t>第五層</a:t>
             </a:r>
             <a:endParaRPr lang="en-US" dirty="0"/>
@@ -4204,7 +4125,7 @@
           <a:lstStyle/>
           <a:p>
             <a:r>
-              <a:rPr lang="zh-TW" altLang="en-US" smtClean="0"/>
+              <a:rPr lang="zh-TW" altLang="en-US"/>
               <a:t>按一下以編輯母片標題樣式</a:t>
             </a:r>
             <a:endParaRPr lang="en-US" dirty="0"/>
@@ -4233,35 +4154,35 @@
           <a:p>
             <a:pPr lvl="0"/>
             <a:r>
-              <a:rPr lang="zh-TW" altLang="en-US" smtClean="0"/>
+              <a:rPr lang="zh-TW" altLang="en-US"/>
               <a:t>編輯母片文字樣式</a:t>
             </a:r>
           </a:p>
           <a:p>
             <a:pPr lvl="1"/>
             <a:r>
-              <a:rPr lang="zh-TW" altLang="en-US" smtClean="0"/>
+              <a:rPr lang="zh-TW" altLang="en-US"/>
               <a:t>第二層</a:t>
             </a:r>
           </a:p>
           <a:p>
             <a:pPr lvl="2"/>
             <a:r>
-              <a:rPr lang="zh-TW" altLang="en-US" smtClean="0"/>
+              <a:rPr lang="zh-TW" altLang="en-US"/>
               <a:t>第三層</a:t>
             </a:r>
           </a:p>
           <a:p>
             <a:pPr lvl="3"/>
             <a:r>
-              <a:rPr lang="zh-TW" altLang="en-US" smtClean="0"/>
+              <a:rPr lang="zh-TW" altLang="en-US"/>
               <a:t>第四層</a:t>
             </a:r>
           </a:p>
           <a:p>
             <a:pPr lvl="4"/>
             <a:r>
-              <a:rPr lang="zh-TW" altLang="en-US" smtClean="0"/>
+              <a:rPr lang="zh-TW" altLang="en-US"/>
               <a:t>第五層</a:t>
             </a:r>
             <a:endParaRPr lang="en-US" dirty="0"/>
@@ -4348,13 +4269,6 @@
   <p:clrMapOvr>
     <a:masterClrMapping/>
   </p:clrMapOvr>
-  <p:timing>
-    <p:tnLst>
-      <p:par>
-        <p:cTn id="1" dur="indefinite" restart="never" nodeType="tmRoot"/>
-      </p:par>
-    </p:tnLst>
-  </p:timing>
 </p:sldLayout>
 </file>
 
@@ -4445,7 +4359,7 @@
           </a:lstStyle>
           <a:p>
             <a:r>
-              <a:rPr lang="zh-TW" altLang="en-US" smtClean="0"/>
+              <a:rPr lang="zh-TW" altLang="en-US"/>
               <a:t>按一下以編輯母片標題樣式</a:t>
             </a:r>
             <a:endParaRPr lang="en-US" dirty="0"/>
@@ -4565,7 +4479,7 @@
           <a:p>
             <a:pPr lvl="0"/>
             <a:r>
-              <a:rPr lang="zh-TW" altLang="en-US" smtClean="0"/>
+              <a:rPr lang="zh-TW" altLang="en-US"/>
               <a:t>編輯母片文字樣式</a:t>
             </a:r>
           </a:p>
@@ -4679,13 +4593,6 @@
   <p:clrMapOvr>
     <a:masterClrMapping/>
   </p:clrMapOvr>
-  <p:timing>
-    <p:tnLst>
-      <p:par>
-        <p:cTn id="1" dur="indefinite" restart="never" nodeType="tmRoot"/>
-      </p:par>
-    </p:tnLst>
-  </p:timing>
 </p:sldLayout>
 </file>
 
@@ -4766,7 +4673,7 @@
           <a:lstStyle/>
           <a:p>
             <a:r>
-              <a:rPr lang="zh-TW" altLang="en-US" smtClean="0"/>
+              <a:rPr lang="zh-TW" altLang="en-US"/>
               <a:t>按一下以編輯母片標題樣式</a:t>
             </a:r>
             <a:endParaRPr lang="en-US" dirty="0"/>
@@ -4797,35 +4704,35 @@
           <a:p>
             <a:pPr lvl="0"/>
             <a:r>
-              <a:rPr lang="zh-TW" altLang="en-US" smtClean="0"/>
+              <a:rPr lang="zh-TW" altLang="en-US"/>
               <a:t>編輯母片文字樣式</a:t>
             </a:r>
           </a:p>
           <a:p>
             <a:pPr lvl="1"/>
             <a:r>
-              <a:rPr lang="zh-TW" altLang="en-US" smtClean="0"/>
+              <a:rPr lang="zh-TW" altLang="en-US"/>
               <a:t>第二層</a:t>
             </a:r>
           </a:p>
           <a:p>
             <a:pPr lvl="2"/>
             <a:r>
-              <a:rPr lang="zh-TW" altLang="en-US" smtClean="0"/>
+              <a:rPr lang="zh-TW" altLang="en-US"/>
               <a:t>第三層</a:t>
             </a:r>
           </a:p>
           <a:p>
             <a:pPr lvl="3"/>
             <a:r>
-              <a:rPr lang="zh-TW" altLang="en-US" smtClean="0"/>
+              <a:rPr lang="zh-TW" altLang="en-US"/>
               <a:t>第四層</a:t>
             </a:r>
           </a:p>
           <a:p>
             <a:pPr lvl="4"/>
             <a:r>
-              <a:rPr lang="zh-TW" altLang="en-US" smtClean="0"/>
+              <a:rPr lang="zh-TW" altLang="en-US"/>
               <a:t>第五層</a:t>
             </a:r>
             <a:endParaRPr lang="en-US" dirty="0"/>
@@ -4856,35 +4763,35 @@
           <a:p>
             <a:pPr lvl="0"/>
             <a:r>
-              <a:rPr lang="zh-TW" altLang="en-US" smtClean="0"/>
+              <a:rPr lang="zh-TW" altLang="en-US"/>
               <a:t>編輯母片文字樣式</a:t>
             </a:r>
           </a:p>
           <a:p>
             <a:pPr lvl="1"/>
             <a:r>
-              <a:rPr lang="zh-TW" altLang="en-US" smtClean="0"/>
+              <a:rPr lang="zh-TW" altLang="en-US"/>
               <a:t>第二層</a:t>
             </a:r>
           </a:p>
           <a:p>
             <a:pPr lvl="2"/>
             <a:r>
-              <a:rPr lang="zh-TW" altLang="en-US" smtClean="0"/>
+              <a:rPr lang="zh-TW" altLang="en-US"/>
               <a:t>第三層</a:t>
             </a:r>
           </a:p>
           <a:p>
             <a:pPr lvl="3"/>
             <a:r>
-              <a:rPr lang="zh-TW" altLang="en-US" smtClean="0"/>
+              <a:rPr lang="zh-TW" altLang="en-US"/>
               <a:t>第四層</a:t>
             </a:r>
           </a:p>
           <a:p>
             <a:pPr lvl="4"/>
             <a:r>
-              <a:rPr lang="zh-TW" altLang="en-US" smtClean="0"/>
+              <a:rPr lang="zh-TW" altLang="en-US"/>
               <a:t>第五層</a:t>
             </a:r>
             <a:endParaRPr lang="en-US" dirty="0"/>
@@ -4966,13 +4873,6 @@
   <p:clrMapOvr>
     <a:masterClrMapping/>
   </p:clrMapOvr>
-  <p:timing>
-    <p:tnLst>
-      <p:par>
-        <p:cTn id="1" dur="indefinite" restart="never" nodeType="tmRoot"/>
-      </p:par>
-    </p:tnLst>
-  </p:timing>
 </p:sldLayout>
 </file>
 
@@ -5053,7 +4953,7 @@
           <a:lstStyle/>
           <a:p>
             <a:r>
-              <a:rPr lang="zh-TW" altLang="en-US" smtClean="0"/>
+              <a:rPr lang="zh-TW" altLang="en-US"/>
               <a:t>按一下以編輯母片標題樣式</a:t>
             </a:r>
             <a:endParaRPr lang="en-US" dirty="0"/>
@@ -5125,7 +5025,7 @@
           <a:p>
             <a:pPr lvl="0"/>
             <a:r>
-              <a:rPr lang="zh-TW" altLang="en-US" smtClean="0"/>
+              <a:rPr lang="zh-TW" altLang="en-US"/>
               <a:t>編輯母片文字樣式</a:t>
             </a:r>
           </a:p>
@@ -5155,35 +5055,35 @@
           <a:p>
             <a:pPr lvl="0"/>
             <a:r>
-              <a:rPr lang="zh-TW" altLang="en-US" smtClean="0"/>
+              <a:rPr lang="zh-TW" altLang="en-US"/>
               <a:t>編輯母片文字樣式</a:t>
             </a:r>
           </a:p>
           <a:p>
             <a:pPr lvl="1"/>
             <a:r>
-              <a:rPr lang="zh-TW" altLang="en-US" smtClean="0"/>
+              <a:rPr lang="zh-TW" altLang="en-US"/>
               <a:t>第二層</a:t>
             </a:r>
           </a:p>
           <a:p>
             <a:pPr lvl="2"/>
             <a:r>
-              <a:rPr lang="zh-TW" altLang="en-US" smtClean="0"/>
+              <a:rPr lang="zh-TW" altLang="en-US"/>
               <a:t>第三層</a:t>
             </a:r>
           </a:p>
           <a:p>
             <a:pPr lvl="3"/>
             <a:r>
-              <a:rPr lang="zh-TW" altLang="en-US" smtClean="0"/>
+              <a:rPr lang="zh-TW" altLang="en-US"/>
               <a:t>第四層</a:t>
             </a:r>
           </a:p>
           <a:p>
             <a:pPr lvl="4"/>
             <a:r>
-              <a:rPr lang="zh-TW" altLang="en-US" smtClean="0"/>
+              <a:rPr lang="zh-TW" altLang="en-US"/>
               <a:t>第五層</a:t>
             </a:r>
             <a:endParaRPr lang="en-US" dirty="0"/>
@@ -5255,7 +5155,7 @@
           <a:p>
             <a:pPr lvl="0"/>
             <a:r>
-              <a:rPr lang="zh-TW" altLang="en-US" smtClean="0"/>
+              <a:rPr lang="zh-TW" altLang="en-US"/>
               <a:t>編輯母片文字樣式</a:t>
             </a:r>
           </a:p>
@@ -5285,35 +5185,35 @@
           <a:p>
             <a:pPr lvl="0"/>
             <a:r>
-              <a:rPr lang="zh-TW" altLang="en-US" smtClean="0"/>
+              <a:rPr lang="zh-TW" altLang="en-US"/>
               <a:t>編輯母片文字樣式</a:t>
             </a:r>
           </a:p>
           <a:p>
             <a:pPr lvl="1"/>
             <a:r>
-              <a:rPr lang="zh-TW" altLang="en-US" smtClean="0"/>
+              <a:rPr lang="zh-TW" altLang="en-US"/>
               <a:t>第二層</a:t>
             </a:r>
           </a:p>
           <a:p>
             <a:pPr lvl="2"/>
             <a:r>
-              <a:rPr lang="zh-TW" altLang="en-US" smtClean="0"/>
+              <a:rPr lang="zh-TW" altLang="en-US"/>
               <a:t>第三層</a:t>
             </a:r>
           </a:p>
           <a:p>
             <a:pPr lvl="3"/>
             <a:r>
-              <a:rPr lang="zh-TW" altLang="en-US" smtClean="0"/>
+              <a:rPr lang="zh-TW" altLang="en-US"/>
               <a:t>第四層</a:t>
             </a:r>
           </a:p>
           <a:p>
             <a:pPr lvl="4"/>
             <a:r>
-              <a:rPr lang="zh-TW" altLang="en-US" smtClean="0"/>
+              <a:rPr lang="zh-TW" altLang="en-US"/>
               <a:t>第五層</a:t>
             </a:r>
             <a:endParaRPr lang="en-US" dirty="0"/>
@@ -5395,13 +5295,6 @@
   <p:clrMapOvr>
     <a:masterClrMapping/>
   </p:clrMapOvr>
-  <p:timing>
-    <p:tnLst>
-      <p:par>
-        <p:cTn id="1" dur="indefinite" restart="never" nodeType="tmRoot"/>
-      </p:par>
-    </p:tnLst>
-  </p:timing>
 </p:sldLayout>
 </file>
 
@@ -5482,7 +5375,7 @@
           <a:lstStyle/>
           <a:p>
             <a:r>
-              <a:rPr lang="zh-TW" altLang="en-US" smtClean="0"/>
+              <a:rPr lang="zh-TW" altLang="en-US"/>
               <a:t>按一下以編輯母片標題樣式</a:t>
             </a:r>
             <a:endParaRPr lang="en-US" dirty="0"/>
@@ -5564,13 +5457,6 @@
   <p:clrMapOvr>
     <a:masterClrMapping/>
   </p:clrMapOvr>
-  <p:timing>
-    <p:tnLst>
-      <p:par>
-        <p:cTn id="1" dur="indefinite" restart="never" nodeType="tmRoot"/>
-      </p:par>
-    </p:tnLst>
-  </p:timing>
 </p:sldLayout>
 </file>
 
@@ -5666,13 +5552,6 @@
   <p:clrMapOvr>
     <a:masterClrMapping/>
   </p:clrMapOvr>
-  <p:timing>
-    <p:tnLst>
-      <p:par>
-        <p:cTn id="1" dur="indefinite" restart="never" nodeType="tmRoot"/>
-      </p:par>
-    </p:tnLst>
-  </p:timing>
 </p:sldLayout>
 </file>
 
@@ -5764,7 +5643,7 @@
           </a:lstStyle>
           <a:p>
             <a:r>
-              <a:rPr lang="zh-TW" altLang="en-US" smtClean="0"/>
+              <a:rPr lang="zh-TW" altLang="en-US"/>
               <a:t>按一下以編輯母片標題樣式</a:t>
             </a:r>
             <a:endParaRPr lang="en-US" dirty="0"/>
@@ -5859,35 +5738,35 @@
           <a:p>
             <a:pPr lvl="0"/>
             <a:r>
-              <a:rPr lang="zh-TW" altLang="en-US" smtClean="0"/>
+              <a:rPr lang="zh-TW" altLang="en-US"/>
               <a:t>編輯母片文字樣式</a:t>
             </a:r>
           </a:p>
           <a:p>
             <a:pPr lvl="1"/>
             <a:r>
-              <a:rPr lang="zh-TW" altLang="en-US" smtClean="0"/>
+              <a:rPr lang="zh-TW" altLang="en-US"/>
               <a:t>第二層</a:t>
             </a:r>
           </a:p>
           <a:p>
             <a:pPr lvl="2"/>
             <a:r>
-              <a:rPr lang="zh-TW" altLang="en-US" smtClean="0"/>
+              <a:rPr lang="zh-TW" altLang="en-US"/>
               <a:t>第三層</a:t>
             </a:r>
           </a:p>
           <a:p>
             <a:pPr lvl="3"/>
             <a:r>
-              <a:rPr lang="zh-TW" altLang="en-US" smtClean="0"/>
+              <a:rPr lang="zh-TW" altLang="en-US"/>
               <a:t>第四層</a:t>
             </a:r>
           </a:p>
           <a:p>
             <a:pPr lvl="4"/>
             <a:r>
-              <a:rPr lang="zh-TW" altLang="en-US" smtClean="0"/>
+              <a:rPr lang="zh-TW" altLang="en-US"/>
               <a:t>第五層</a:t>
             </a:r>
             <a:endParaRPr lang="en-US" dirty="0"/>
@@ -5959,7 +5838,7 @@
           <a:p>
             <a:pPr lvl="0"/>
             <a:r>
-              <a:rPr lang="zh-TW" altLang="en-US" smtClean="0"/>
+              <a:rPr lang="zh-TW" altLang="en-US"/>
               <a:t>編輯母片文字樣式</a:t>
             </a:r>
           </a:p>
@@ -6073,13 +5952,6 @@
   <p:clrMapOvr>
     <a:masterClrMapping/>
   </p:clrMapOvr>
-  <p:timing>
-    <p:tnLst>
-      <p:par>
-        <p:cTn id="1" dur="indefinite" restart="never" nodeType="tmRoot"/>
-      </p:par>
-    </p:tnLst>
-  </p:timing>
 </p:sldLayout>
 </file>
 
@@ -6131,7 +6003,7 @@
           </a:lstStyle>
           <a:p>
             <a:r>
-              <a:rPr lang="zh-TW" altLang="en-US" smtClean="0"/>
+              <a:rPr lang="zh-TW" altLang="en-US"/>
               <a:t>按一下以編輯母片標題樣式</a:t>
             </a:r>
             <a:endParaRPr lang="en-US" dirty="0"/>
@@ -6198,7 +6070,7 @@
           </a:lstStyle>
           <a:p>
             <a:r>
-              <a:rPr lang="zh-TW" altLang="en-US" smtClean="0"/>
+              <a:rPr lang="zh-TW" altLang="en-US"/>
               <a:t>按一下圖示以新增圖片</a:t>
             </a:r>
             <a:endParaRPr lang="en-US" dirty="0"/>
@@ -6266,7 +6138,7 @@
           <a:p>
             <a:pPr lvl="0"/>
             <a:r>
-              <a:rPr lang="zh-TW" altLang="en-US" smtClean="0"/>
+              <a:rPr lang="zh-TW" altLang="en-US"/>
               <a:t>編輯母片文字樣式</a:t>
             </a:r>
           </a:p>
@@ -6347,13 +6219,6 @@
   <p:clrMapOvr>
     <a:masterClrMapping/>
   </p:clrMapOvr>
-  <p:timing>
-    <p:tnLst>
-      <p:par>
-        <p:cTn id="1" dur="indefinite" restart="never" nodeType="tmRoot"/>
-      </p:par>
-    </p:tnLst>
-  </p:timing>
 </p:sldLayout>
 </file>
 
@@ -6405,7 +6270,7 @@
           <a:lstStyle/>
           <a:p>
             <a:r>
-              <a:rPr lang="zh-TW" altLang="en-US" dirty="0" smtClean="0"/>
+              <a:rPr lang="zh-TW" altLang="en-US" dirty="0"/>
               <a:t>按一下以編輯母片標題樣式</a:t>
             </a:r>
             <a:endParaRPr lang="en-US" dirty="0"/>
@@ -6439,35 +6304,35 @@
           <a:p>
             <a:pPr lvl="0"/>
             <a:r>
-              <a:rPr lang="zh-TW" altLang="en-US" smtClean="0"/>
+              <a:rPr lang="zh-TW" altLang="en-US"/>
               <a:t>編輯母片文字樣式</a:t>
             </a:r>
           </a:p>
           <a:p>
             <a:pPr lvl="1"/>
             <a:r>
-              <a:rPr lang="zh-TW" altLang="en-US" smtClean="0"/>
+              <a:rPr lang="zh-TW" altLang="en-US"/>
               <a:t>第二層</a:t>
             </a:r>
           </a:p>
           <a:p>
             <a:pPr lvl="2"/>
             <a:r>
-              <a:rPr lang="zh-TW" altLang="en-US" smtClean="0"/>
+              <a:rPr lang="zh-TW" altLang="en-US"/>
               <a:t>第三層</a:t>
             </a:r>
           </a:p>
           <a:p>
             <a:pPr lvl="3"/>
             <a:r>
-              <a:rPr lang="zh-TW" altLang="en-US" smtClean="0"/>
+              <a:rPr lang="zh-TW" altLang="en-US"/>
               <a:t>第四層</a:t>
             </a:r>
           </a:p>
           <a:p>
             <a:pPr lvl="4"/>
             <a:r>
-              <a:rPr lang="zh-TW" altLang="en-US" smtClean="0"/>
+              <a:rPr lang="zh-TW" altLang="en-US"/>
               <a:t>第五層</a:t>
             </a:r>
             <a:endParaRPr lang="en-US" dirty="0"/>
@@ -6719,13 +6584,6 @@
     <p:sldLayoutId id="2147483694" r:id="rId10"/>
     <p:sldLayoutId id="2147483695" r:id="rId11"/>
   </p:sldLayoutIdLst>
-  <p:timing>
-    <p:tnLst>
-      <p:par>
-        <p:cTn id="1" dur="indefinite" restart="never" nodeType="tmRoot"/>
-      </p:par>
-    </p:tnLst>
-  </p:timing>
   <p:txStyles>
     <p:titleStyle>
       <a:lvl1pPr algn="l" defTabSz="457200" rtl="0" eaLnBrk="1" latinLnBrk="0" hangingPunct="1">
@@ -7134,14 +6992,14 @@
           <a:p>
             <a:pPr algn="ctr"/>
             <a:r>
-              <a:rPr lang="en-US" altLang="zh-TW" sz="4800" dirty="0" smtClean="0"/>
+              <a:rPr lang="en-US" altLang="zh-TW" sz="4800" dirty="0"/>
               <a:t>JAVA Final project</a:t>
             </a:r>
             <a:br>
-              <a:rPr lang="en-US" altLang="zh-TW" sz="4800" dirty="0" smtClean="0"/>
+              <a:rPr lang="en-US" altLang="zh-TW" sz="4800" dirty="0"/>
             </a:br>
             <a:r>
-              <a:rPr lang="en-US" altLang="zh-TW" sz="4800" dirty="0" smtClean="0">
+              <a:rPr lang="en-US" altLang="zh-TW" sz="4800" dirty="0">
                 <a:solidFill>
                   <a:schemeClr val="accent2"/>
                 </a:solidFill>
@@ -7150,7 +7008,7 @@
               <a:t>-</a:t>
             </a:r>
             <a:r>
-              <a:rPr lang="en-US" altLang="zh-TW" sz="4800" dirty="0" smtClean="0">
+              <a:rPr lang="en-US" altLang="zh-TW" sz="4800" dirty="0">
                 <a:solidFill>
                   <a:schemeClr val="accent2"/>
                 </a:solidFill>
@@ -7187,11 +7045,11 @@
           <a:p>
             <a:pPr algn="r"/>
             <a:r>
-              <a:rPr lang="en-US" altLang="zh-TW" sz="2400" b="1" dirty="0" smtClean="0"/>
+              <a:rPr lang="en-US" altLang="zh-TW" sz="2400" b="1" dirty="0"/>
               <a:t>Java</a:t>
             </a:r>
             <a:r>
-              <a:rPr lang="zh-TW" altLang="en-US" sz="2400" b="1" dirty="0" smtClean="0"/>
+              <a:rPr lang="zh-TW" altLang="en-US" sz="2400" b="1" dirty="0"/>
               <a:t>期末專案</a:t>
             </a:r>
             <a:r>
@@ -7199,10 +7057,9 @@
               <a:t>_</a:t>
             </a:r>
             <a:r>
-              <a:rPr lang="zh-TW" altLang="en-US" sz="2400" b="1" dirty="0" smtClean="0"/>
+              <a:rPr lang="zh-TW" altLang="en-US" sz="2400" b="1" dirty="0"/>
               <a:t>鬼抓人</a:t>
             </a:r>
-            <a:endParaRPr lang="zh-TW" altLang="en-US" sz="2400" b="1" dirty="0"/>
           </a:p>
         </p:txBody>
       </p:sp>
@@ -7229,11 +7086,11 @@
           <a:lstStyle/>
           <a:p>
             <a:r>
-              <a:rPr lang="zh-TW" altLang="en-US" sz="2400" b="1" dirty="0" smtClean="0"/>
+              <a:rPr lang="zh-TW" altLang="en-US" sz="2400" b="1" dirty="0"/>
               <a:t>組員 </a:t>
             </a:r>
             <a:r>
-              <a:rPr lang="en-US" altLang="zh-TW" sz="2400" b="1" dirty="0" smtClean="0"/>
+              <a:rPr lang="en-US" altLang="zh-TW" sz="2400" b="1" dirty="0"/>
               <a:t>Member :</a:t>
             </a:r>
           </a:p>
@@ -7262,47 +7119,46 @@
           <a:lstStyle/>
           <a:p>
             <a:r>
-              <a:rPr lang="en-US" altLang="zh-TW" sz="3200" b="1" dirty="0" smtClean="0"/>
+              <a:rPr lang="en-US" altLang="zh-TW" sz="3200" b="1" dirty="0"/>
               <a:t>00757003</a:t>
             </a:r>
             <a:r>
-              <a:rPr lang="zh-TW" altLang="en-US" sz="3200" b="1" dirty="0" smtClean="0"/>
+              <a:rPr lang="zh-TW" altLang="en-US" sz="3200" b="1" dirty="0"/>
               <a:t> 楊筑鈞</a:t>
             </a:r>
-            <a:endParaRPr lang="en-US" altLang="zh-TW" sz="3200" b="1" dirty="0" smtClean="0"/>
-          </a:p>
-          <a:p>
-            <a:r>
-              <a:rPr lang="en-US" altLang="zh-TW" sz="3200" b="1" dirty="0" smtClean="0"/>
+            <a:endParaRPr lang="en-US" altLang="zh-TW" sz="3200" b="1" dirty="0"/>
+          </a:p>
+          <a:p>
+            <a:r>
+              <a:rPr lang="en-US" altLang="zh-TW" sz="3200" b="1" dirty="0"/>
               <a:t>00757015</a:t>
             </a:r>
             <a:r>
-              <a:rPr lang="zh-TW" altLang="en-US" sz="3200" b="1" dirty="0" smtClean="0"/>
+              <a:rPr lang="zh-TW" altLang="en-US" sz="3200" b="1" dirty="0"/>
               <a:t> 邱詩婷</a:t>
             </a:r>
-            <a:endParaRPr lang="en-US" altLang="zh-TW" sz="3200" b="1" dirty="0" smtClean="0"/>
-          </a:p>
-          <a:p>
-            <a:r>
-              <a:rPr lang="en-US" altLang="zh-TW" sz="3200" b="1" dirty="0" smtClean="0"/>
+            <a:endParaRPr lang="en-US" altLang="zh-TW" sz="3200" b="1" dirty="0"/>
+          </a:p>
+          <a:p>
+            <a:r>
+              <a:rPr lang="en-US" altLang="zh-TW" sz="3200" b="1" dirty="0"/>
               <a:t>00757110</a:t>
             </a:r>
             <a:r>
-              <a:rPr lang="zh-TW" altLang="en-US" sz="3200" b="1" dirty="0" smtClean="0"/>
+              <a:rPr lang="zh-TW" altLang="en-US" sz="3200" b="1" dirty="0"/>
               <a:t> 李煜中</a:t>
             </a:r>
-            <a:endParaRPr lang="en-US" altLang="zh-TW" sz="3200" b="1" dirty="0" smtClean="0"/>
-          </a:p>
-          <a:p>
-            <a:r>
-              <a:rPr lang="en-US" altLang="zh-TW" sz="3200" b="1" dirty="0" smtClean="0"/>
+            <a:endParaRPr lang="en-US" altLang="zh-TW" sz="3200" b="1" dirty="0"/>
+          </a:p>
+          <a:p>
+            <a:r>
+              <a:rPr lang="en-US" altLang="zh-TW" sz="3200" b="1" dirty="0"/>
               <a:t>00857202</a:t>
             </a:r>
             <a:r>
-              <a:rPr lang="zh-TW" altLang="en-US" sz="3200" b="1" dirty="0" smtClean="0"/>
+              <a:rPr lang="zh-TW" altLang="en-US" sz="3200" b="1" dirty="0"/>
               <a:t> 翁培馨</a:t>
             </a:r>
-            <a:endParaRPr lang="zh-TW" altLang="en-US" sz="3200" b="1" dirty="0"/>
           </a:p>
         </p:txBody>
       </p:sp>
@@ -7372,18 +7228,13 @@
           <a:lstStyle/>
           <a:p>
             <a:r>
-              <a:rPr lang="zh-TW" altLang="en-US" dirty="0" smtClean="0">
+              <a:rPr lang="zh-TW" altLang="en-US" dirty="0">
                 <a:solidFill>
                   <a:schemeClr val="accent2"/>
                 </a:solidFill>
               </a:rPr>
               <a:t>千萬別吃來路不明的水果！</a:t>
             </a:r>
-            <a:endParaRPr lang="zh-TW" altLang="en-US" dirty="0">
-              <a:solidFill>
-                <a:schemeClr val="accent2"/>
-              </a:solidFill>
-            </a:endParaRPr>
           </a:p>
         </p:txBody>
       </p:sp>
@@ -7410,18 +7261,17 @@
           <a:lstStyle/>
           <a:p>
             <a:r>
-              <a:rPr lang="zh-TW" altLang="en-US" sz="2400" b="1" dirty="0" smtClean="0"/>
+              <a:rPr lang="zh-TW" altLang="en-US" sz="2400" b="1" dirty="0"/>
               <a:t>指導老師 </a:t>
             </a:r>
             <a:r>
-              <a:rPr lang="en-US" altLang="zh-TW" sz="2400" b="1" dirty="0" smtClean="0"/>
+              <a:rPr lang="en-US" altLang="zh-TW" sz="2400" b="1" dirty="0"/>
               <a:t>Teacher</a:t>
             </a:r>
             <a:r>
-              <a:rPr lang="zh-TW" altLang="en-US" sz="2400" b="1" dirty="0" smtClean="0"/>
+              <a:rPr lang="zh-TW" altLang="en-US" sz="2400" b="1" dirty="0"/>
               <a:t>：</a:t>
             </a:r>
-            <a:endParaRPr lang="zh-TW" altLang="en-US" sz="2400" b="1" dirty="0"/>
           </a:p>
         </p:txBody>
       </p:sp>
@@ -7448,24 +7298,12 @@
           <a:lstStyle/>
           <a:p>
             <a:r>
-              <a:rPr lang="zh-TW" altLang="en-US" sz="3200" b="1" dirty="0" smtClean="0"/>
-              <a:t>馬</a:t>
-            </a:r>
-            <a:r>
               <a:rPr lang="zh-TW" altLang="en-US" sz="3200" b="1" dirty="0"/>
-              <a:t>尚</a:t>
-            </a:r>
-            <a:r>
-              <a:rPr lang="zh-TW" altLang="en-US" sz="3200" b="1" dirty="0" smtClean="0"/>
-              <a:t>彬</a:t>
-            </a:r>
-            <a:r>
-              <a:rPr lang="zh-TW" altLang="en-US" sz="2400" dirty="0" smtClean="0"/>
-              <a:t>老</a:t>
+              <a:t>馬尚彬</a:t>
             </a:r>
             <a:r>
               <a:rPr lang="zh-TW" altLang="en-US" sz="2400" dirty="0"/>
-              <a:t>師</a:t>
+              <a:t>老師</a:t>
             </a:r>
           </a:p>
         </p:txBody>
@@ -7523,13 +7361,6 @@
   <p:clrMapOvr>
     <a:masterClrMapping/>
   </p:clrMapOvr>
-  <p:timing>
-    <p:tnLst>
-      <p:par>
-        <p:cTn id="1" dur="indefinite" restart="never" nodeType="tmRoot"/>
-      </p:par>
-    </p:tnLst>
-  </p:timing>
 </p:sld>
 </file>
 
@@ -7571,7 +7402,7 @@
           <a:lstStyle/>
           <a:p>
             <a:r>
-              <a:rPr lang="en-US" altLang="zh-TW" dirty="0" smtClean="0"/>
+              <a:rPr lang="en-US" altLang="zh-TW" dirty="0"/>
               <a:t>QQ</a:t>
             </a:r>
             <a:endParaRPr lang="zh-TW" altLang="en-US" dirty="0"/>
@@ -7630,18 +7461,17 @@
           <a:lstStyle/>
           <a:p>
             <a:r>
-              <a:rPr lang="zh-TW" altLang="en-US" sz="3600" dirty="0" smtClean="0"/>
+              <a:rPr lang="zh-TW" altLang="en-US" sz="3600" dirty="0"/>
               <a:t>掉進流沙怎麼辦？乖</a:t>
             </a:r>
             <a:r>
-              <a:rPr lang="en-US" altLang="zh-TW" sz="3600" dirty="0" smtClean="0"/>
+              <a:rPr lang="en-US" altLang="zh-TW" sz="3600" dirty="0"/>
               <a:t>~</a:t>
             </a:r>
             <a:r>
-              <a:rPr lang="zh-TW" altLang="en-US" sz="3600" dirty="0" smtClean="0"/>
+              <a:rPr lang="zh-TW" altLang="en-US" sz="3600" dirty="0"/>
               <a:t>別掙扎！</a:t>
             </a:r>
-            <a:endParaRPr lang="zh-TW" altLang="en-US" sz="3600" dirty="0"/>
           </a:p>
         </p:txBody>
       </p:sp>
@@ -7745,13 +7575,6 @@
   <p:clrMapOvr>
     <a:masterClrMapping/>
   </p:clrMapOvr>
-  <p:timing>
-    <p:tnLst>
-      <p:par>
-        <p:cTn id="1" dur="indefinite" restart="never" nodeType="tmRoot"/>
-      </p:par>
-    </p:tnLst>
-  </p:timing>
 </p:sld>
 </file>
 
@@ -7791,10 +7614,9 @@
           <a:p>
             <a:pPr algn="ctr"/>
             <a:r>
-              <a:rPr lang="zh-TW" altLang="en-US" sz="4800" b="1" dirty="0" smtClean="0"/>
+              <a:rPr lang="zh-TW" altLang="en-US" sz="4800" b="1" dirty="0"/>
               <a:t>玩家操作說明</a:t>
             </a:r>
-            <a:endParaRPr lang="zh-TW" altLang="en-US" sz="4800" b="1" dirty="0"/>
           </a:p>
         </p:txBody>
       </p:sp>
@@ -7814,35 +7636,35 @@
           <a:lstStyle/>
           <a:p>
             <a:r>
-              <a:rPr lang="zh-TW" altLang="en-US" sz="2400" dirty="0" smtClean="0"/>
+              <a:rPr lang="zh-TW" altLang="en-US" sz="2400" dirty="0"/>
               <a:t>上下左右鍵</a:t>
             </a:r>
-            <a:endParaRPr lang="en-US" altLang="zh-TW" sz="2400" dirty="0" smtClean="0"/>
-          </a:p>
-          <a:p>
-            <a:r>
-              <a:rPr lang="zh-TW" altLang="en-US" sz="2400" dirty="0" smtClean="0"/>
+            <a:endParaRPr lang="en-US" altLang="zh-TW" sz="2400" dirty="0"/>
+          </a:p>
+          <a:p>
+            <a:r>
+              <a:rPr lang="zh-TW" altLang="en-US" sz="2400" dirty="0"/>
               <a:t>控制移動</a:t>
             </a:r>
-            <a:endParaRPr lang="en-US" altLang="zh-TW" sz="2400" dirty="0" smtClean="0"/>
+            <a:endParaRPr lang="en-US" altLang="zh-TW" sz="2400" dirty="0"/>
           </a:p>
           <a:p>
             <a:endParaRPr lang="en-US" altLang="zh-TW" dirty="0"/>
           </a:p>
           <a:p>
-            <a:endParaRPr lang="en-US" altLang="zh-TW" dirty="0" smtClean="0"/>
-          </a:p>
-          <a:p>
             <a:endParaRPr lang="en-US" altLang="zh-TW" dirty="0"/>
           </a:p>
           <a:p>
-            <a:endParaRPr lang="en-US" altLang="zh-TW" dirty="0" smtClean="0"/>
-          </a:p>
-          <a:p>
-            <a:endParaRPr lang="en-US" altLang="zh-TW" dirty="0" smtClean="0"/>
-          </a:p>
-          <a:p>
-            <a:endParaRPr lang="en-US" altLang="zh-TW" dirty="0" smtClean="0"/>
+            <a:endParaRPr lang="en-US" altLang="zh-TW" dirty="0"/>
+          </a:p>
+          <a:p>
+            <a:endParaRPr lang="en-US" altLang="zh-TW" dirty="0"/>
+          </a:p>
+          <a:p>
+            <a:endParaRPr lang="en-US" altLang="zh-TW" dirty="0"/>
+          </a:p>
+          <a:p>
+            <a:endParaRPr lang="en-US" altLang="zh-TW" dirty="0"/>
           </a:p>
           <a:p>
             <a:endParaRPr lang="zh-TW" altLang="en-US" dirty="0"/>
@@ -7870,28 +7692,28 @@
           <a:lstStyle/>
           <a:p>
             <a:r>
-              <a:rPr lang="en-US" altLang="zh-TW" sz="2400" dirty="0" smtClean="0"/>
+              <a:rPr lang="en-US" altLang="zh-TW" sz="2400" dirty="0"/>
               <a:t>A</a:t>
             </a:r>
             <a:r>
-              <a:rPr lang="zh-TW" altLang="en-US" sz="2400" dirty="0" smtClean="0"/>
+              <a:rPr lang="zh-TW" altLang="en-US" sz="2400" dirty="0"/>
               <a:t>：挖地板</a:t>
             </a:r>
-            <a:endParaRPr lang="en-US" altLang="zh-TW" sz="2400" dirty="0" smtClean="0"/>
-          </a:p>
-          <a:p>
-            <a:r>
-              <a:rPr lang="en-US" altLang="zh-TW" sz="2400" dirty="0" smtClean="0"/>
+            <a:endParaRPr lang="en-US" altLang="zh-TW" sz="2400" dirty="0"/>
+          </a:p>
+          <a:p>
+            <a:r>
+              <a:rPr lang="en-US" altLang="zh-TW" sz="2400" dirty="0"/>
               <a:t>S</a:t>
             </a:r>
             <a:r>
-              <a:rPr lang="zh-TW" altLang="en-US" sz="2400" dirty="0" smtClean="0"/>
+              <a:rPr lang="zh-TW" altLang="en-US" sz="2400" dirty="0"/>
               <a:t>：發射</a:t>
             </a:r>
             <a:endParaRPr lang="en-US" altLang="zh-TW" sz="2400" dirty="0"/>
           </a:p>
           <a:p>
-            <a:endParaRPr lang="en-US" altLang="zh-TW" dirty="0" smtClean="0"/>
+            <a:endParaRPr lang="en-US" altLang="zh-TW" dirty="0"/>
           </a:p>
           <a:p>
             <a:endParaRPr lang="zh-TW" altLang="en-US" dirty="0"/>
@@ -7922,23 +7744,15 @@
           <a:p>
             <a:r>
               <a:rPr lang="zh-TW" altLang="en-US" sz="2400" dirty="0"/>
-              <a:t> </a:t>
-            </a:r>
-            <a:r>
-              <a:rPr lang="zh-TW" altLang="en-US" sz="2400" dirty="0" smtClean="0"/>
-              <a:t>按</a:t>
-            </a:r>
-            <a:r>
-              <a:rPr lang="en-US" altLang="zh-TW" sz="2400" dirty="0" smtClean="0"/>
+              <a:t> 按</a:t>
+            </a:r>
+            <a:r>
+              <a:rPr lang="en-US" altLang="zh-TW" sz="2400" dirty="0"/>
               <a:t>Q</a:t>
             </a:r>
             <a:r>
-              <a:rPr lang="zh-TW" altLang="en-US" sz="2400" dirty="0" smtClean="0"/>
-              <a:t>鍵看看</a:t>
-            </a:r>
-            <a:r>
               <a:rPr lang="zh-TW" altLang="en-US" sz="2400" dirty="0"/>
-              <a:t>？</a:t>
+              <a:t>鍵看看？</a:t>
             </a:r>
           </a:p>
         </p:txBody>
@@ -8029,13 +7843,6 @@
   <p:clrMapOvr>
     <a:masterClrMapping/>
   </p:clrMapOvr>
-  <p:timing>
-    <p:tnLst>
-      <p:par>
-        <p:cTn id="1" dur="indefinite" restart="never" nodeType="tmRoot"/>
-      </p:par>
-    </p:tnLst>
-  </p:timing>
 </p:sld>
 </file>
 
@@ -8075,10 +7882,9 @@
           <a:p>
             <a:pPr algn="ctr"/>
             <a:r>
-              <a:rPr lang="zh-TW" altLang="en-US" sz="8800" b="1" dirty="0" smtClean="0"/>
+              <a:rPr lang="zh-TW" altLang="en-US" sz="8800" b="1" dirty="0"/>
               <a:t>介面規劃</a:t>
             </a:r>
-            <a:endParaRPr lang="zh-TW" altLang="en-US" sz="8800" b="1" dirty="0"/>
           </a:p>
         </p:txBody>
       </p:sp>
@@ -8101,18 +7907,17 @@
           <a:p>
             <a:pPr algn="ctr"/>
             <a:r>
-              <a:rPr lang="zh-TW" altLang="en-US" sz="3200" dirty="0" smtClean="0"/>
+              <a:rPr lang="zh-TW" altLang="en-US" sz="3200" dirty="0"/>
               <a:t>選單畫面 </a:t>
             </a:r>
             <a:r>
-              <a:rPr lang="en-US" altLang="zh-TW" sz="3200" dirty="0" smtClean="0"/>
+              <a:rPr lang="en-US" altLang="zh-TW" sz="3200" dirty="0"/>
               <a:t>&amp;</a:t>
             </a:r>
             <a:r>
-              <a:rPr lang="zh-TW" altLang="en-US" sz="3200" dirty="0" smtClean="0"/>
+              <a:rPr lang="zh-TW" altLang="en-US" sz="3200" dirty="0"/>
               <a:t> 遊戲畫面</a:t>
             </a:r>
-            <a:endParaRPr lang="zh-TW" altLang="en-US" sz="3200" dirty="0"/>
           </a:p>
         </p:txBody>
       </p:sp>
@@ -8126,13 +7931,6 @@
   <p:clrMapOvr>
     <a:masterClrMapping/>
   </p:clrMapOvr>
-  <p:timing>
-    <p:tnLst>
-      <p:par>
-        <p:cTn id="1" dur="indefinite" restart="never" nodeType="tmRoot"/>
-      </p:par>
-    </p:tnLst>
-  </p:timing>
 </p:sld>
 </file>
 
@@ -8172,14 +7970,13 @@
           <a:p>
             <a:pPr algn="ctr"/>
             <a:r>
-              <a:rPr lang="en-US" altLang="zh-TW" sz="4800" dirty="0" smtClean="0"/>
+              <a:rPr lang="en-US" altLang="zh-TW" sz="4800" dirty="0"/>
               <a:t>GUI</a:t>
             </a:r>
             <a:r>
-              <a:rPr lang="zh-TW" altLang="en-US" sz="4800" dirty="0" smtClean="0"/>
+              <a:rPr lang="zh-TW" altLang="en-US" sz="4800" dirty="0"/>
               <a:t> 介面</a:t>
             </a:r>
-            <a:endParaRPr lang="zh-TW" altLang="en-US" sz="4800" dirty="0"/>
           </a:p>
         </p:txBody>
       </p:sp>
@@ -8258,10 +8055,9 @@
           <a:p>
             <a:pPr algn="ctr"/>
             <a:r>
-              <a:rPr lang="zh-TW" altLang="en-US" sz="4800" dirty="0" smtClean="0"/>
+              <a:rPr lang="zh-TW" altLang="en-US" sz="4800" dirty="0"/>
               <a:t>遊戲畫面</a:t>
             </a:r>
-            <a:endParaRPr lang="zh-TW" altLang="en-US" sz="4800" dirty="0"/>
           </a:p>
         </p:txBody>
       </p:sp>
@@ -8340,7 +8136,7 @@
           <a:p>
             <a:pPr algn="ctr"/>
             <a:r>
-              <a:rPr lang="en-US" altLang="zh-TW" sz="8800" b="1" dirty="0" smtClean="0"/>
+              <a:rPr lang="en-US" altLang="zh-TW" sz="8800" b="1" dirty="0"/>
               <a:t>UML</a:t>
             </a:r>
             <a:endParaRPr lang="zh-TW" altLang="en-US" sz="8800" b="1" dirty="0"/>
@@ -8366,10 +8162,9 @@
           <a:p>
             <a:pPr algn="ctr"/>
             <a:r>
-              <a:rPr lang="zh-TW" altLang="en-US" sz="2400" dirty="0" smtClean="0"/>
+              <a:rPr lang="zh-TW" altLang="en-US" sz="2400" dirty="0"/>
               <a:t>系統設計</a:t>
             </a:r>
-            <a:endParaRPr lang="zh-TW" altLang="en-US" sz="2400" dirty="0"/>
           </a:p>
         </p:txBody>
       </p:sp>
@@ -8383,13 +8178,6 @@
   <p:clrMapOvr>
     <a:masterClrMapping/>
   </p:clrMapOvr>
-  <p:timing>
-    <p:tnLst>
-      <p:par>
-        <p:cTn id="1" dur="indefinite" restart="never" nodeType="tmRoot"/>
-      </p:par>
-    </p:tnLst>
-  </p:timing>
 </p:sld>
 </file>
 
@@ -8500,10 +8288,9 @@
           <a:p>
             <a:pPr algn="ctr"/>
             <a:r>
-              <a:rPr lang="zh-TW" altLang="en-US" sz="9600" b="1" dirty="0" smtClean="0"/>
+              <a:rPr lang="zh-TW" altLang="en-US" sz="9600" b="1" dirty="0"/>
               <a:t>問題紀錄</a:t>
             </a:r>
-            <a:endParaRPr lang="zh-TW" altLang="en-US" sz="9600" b="1" dirty="0"/>
           </a:p>
         </p:txBody>
       </p:sp>
@@ -8526,31 +8313,11 @@
           <a:p>
             <a:pPr algn="ctr"/>
             <a:r>
-              <a:rPr lang="zh-TW" altLang="en-US" sz="2400" dirty="0" smtClean="0"/>
-              <a:t>發生了</a:t>
-            </a:r>
-            <a:r>
-              <a:rPr lang="zh-TW" altLang="en-US" sz="2400" dirty="0" smtClean="0"/>
-              <a:t>許多</a:t>
-            </a:r>
-            <a:r>
-              <a:rPr lang="zh-TW" altLang="en-US" sz="2400" dirty="0" smtClean="0"/>
-              <a:t>無理取</a:t>
-            </a:r>
-            <a:r>
               <a:rPr lang="zh-TW" altLang="en-US" sz="2400" dirty="0"/>
-              <a:t>鬧</a:t>
-            </a:r>
-            <a:r>
-              <a:rPr lang="zh-TW" altLang="en-US" sz="2400" dirty="0" smtClean="0"/>
-              <a:t>的</a:t>
-            </a:r>
-            <a:r>
-              <a:rPr lang="zh-TW" altLang="en-US" sz="2400" dirty="0" smtClean="0"/>
-              <a:t>問題</a:t>
-            </a:r>
-            <a:r>
-              <a:rPr lang="en-US" altLang="zh-TW" sz="2400" dirty="0" smtClean="0"/>
+              <a:t>發生了許多無理取鬧的問題</a:t>
+            </a:r>
+            <a:r>
+              <a:rPr lang="en-US" altLang="zh-TW" sz="2400" dirty="0"/>
               <a:t>…</a:t>
             </a:r>
             <a:endParaRPr lang="zh-TW" altLang="en-US" sz="2400" dirty="0"/>
@@ -8567,13 +8334,6 @@
   <p:clrMapOvr>
     <a:masterClrMapping/>
   </p:clrMapOvr>
-  <p:timing>
-    <p:tnLst>
-      <p:par>
-        <p:cTn id="1" dur="indefinite" restart="never" nodeType="tmRoot"/>
-      </p:par>
-    </p:tnLst>
-  </p:timing>
 </p:sld>
 </file>
 
@@ -8613,15 +8373,15 @@
           <a:p>
             <a:pPr algn="ctr"/>
             <a:r>
-              <a:rPr lang="en-US" altLang="zh-TW" sz="4800" dirty="0" smtClean="0"/>
+              <a:rPr lang="en-US" altLang="zh-TW" sz="4800" dirty="0"/>
               <a:t>IN</a:t>
             </a:r>
             <a:r>
-              <a:rPr lang="zh-TW" altLang="en-US" sz="4800" dirty="0" smtClean="0"/>
+              <a:rPr lang="zh-TW" altLang="en-US" sz="4800" dirty="0"/>
               <a:t> </a:t>
             </a:r>
             <a:r>
-              <a:rPr lang="en-US" altLang="zh-TW" sz="4800" b="1" dirty="0" smtClean="0"/>
+              <a:rPr lang="en-US" altLang="zh-TW" sz="4800" b="1" dirty="0"/>
               <a:t>GUI</a:t>
             </a:r>
             <a:endParaRPr lang="zh-TW" altLang="en-US" sz="4800" b="1" dirty="0"/>
@@ -8644,10 +8404,9 @@
           <a:lstStyle/>
           <a:p>
             <a:r>
-              <a:rPr lang="zh-TW" altLang="en-US" sz="2400" dirty="0" smtClean="0"/>
+              <a:rPr lang="zh-TW" altLang="en-US" sz="2400" dirty="0"/>
               <a:t>已解決</a:t>
             </a:r>
-            <a:endParaRPr lang="zh-TW" altLang="en-US" sz="2400" dirty="0"/>
           </a:p>
         </p:txBody>
       </p:sp>
@@ -8669,76 +8428,75 @@
           <a:lstStyle/>
           <a:p>
             <a:r>
-              <a:rPr lang="zh-TW" altLang="en-US" sz="2400" dirty="0" smtClean="0"/>
+              <a:rPr lang="zh-TW" altLang="en-US" sz="2400" dirty="0"/>
               <a:t>排版問題，無法把選單放在正中間，並將按鈕以垂直排列。</a:t>
             </a:r>
-            <a:endParaRPr lang="en-US" altLang="zh-TW" sz="2400" dirty="0" smtClean="0"/>
+            <a:endParaRPr lang="en-US" altLang="zh-TW" sz="2400" dirty="0"/>
           </a:p>
           <a:p>
             <a:pPr lvl="1"/>
             <a:r>
-              <a:rPr lang="zh-TW" altLang="en-US" sz="2200" dirty="0" smtClean="0"/>
+              <a:rPr lang="zh-TW" altLang="en-US" sz="2200" dirty="0"/>
               <a:t>學新的 </a:t>
             </a:r>
             <a:r>
-              <a:rPr lang="en-US" altLang="zh-TW" sz="2200" dirty="0" smtClean="0"/>
+              <a:rPr lang="en-US" altLang="zh-TW" sz="2200" dirty="0"/>
               <a:t>Layout</a:t>
             </a:r>
           </a:p>
           <a:p>
             <a:r>
-              <a:rPr lang="zh-TW" altLang="en-US" sz="2400" dirty="0" smtClean="0"/>
+              <a:rPr lang="zh-TW" altLang="en-US" sz="2400" dirty="0"/>
               <a:t>預設按鈕很醜</a:t>
             </a:r>
-            <a:endParaRPr lang="en-US" altLang="zh-TW" sz="2400" dirty="0" smtClean="0"/>
+            <a:endParaRPr lang="en-US" altLang="zh-TW" sz="2400" dirty="0"/>
           </a:p>
           <a:p>
             <a:pPr lvl="1"/>
             <a:r>
-              <a:rPr lang="zh-TW" altLang="en-US" sz="2200" dirty="0" smtClean="0"/>
+              <a:rPr lang="zh-TW" altLang="en-US" sz="2200" dirty="0"/>
               <a:t>重寫一個繼承 </a:t>
             </a:r>
             <a:r>
-              <a:rPr lang="en-US" altLang="zh-TW" sz="2200" dirty="0" err="1" smtClean="0"/>
+              <a:rPr lang="en-US" altLang="zh-TW" sz="2200" dirty="0" err="1"/>
               <a:t>JButton</a:t>
             </a:r>
             <a:r>
-              <a:rPr lang="zh-TW" altLang="en-US" sz="2200" dirty="0" smtClean="0"/>
+              <a:rPr lang="zh-TW" altLang="en-US" sz="2200" dirty="0"/>
               <a:t>的自訂按鈕</a:t>
             </a:r>
-            <a:endParaRPr lang="en-US" altLang="zh-TW" sz="2200" dirty="0" smtClean="0"/>
+            <a:endParaRPr lang="en-US" altLang="zh-TW" sz="2200" dirty="0"/>
           </a:p>
           <a:p>
             <a:pPr lvl="1"/>
             <a:r>
-              <a:rPr lang="zh-TW" altLang="en-US" sz="2200" dirty="0" smtClean="0"/>
+              <a:rPr lang="zh-TW" altLang="en-US" sz="2200" dirty="0"/>
               <a:t>原來調整大小的方法 </a:t>
             </a:r>
             <a:r>
-              <a:rPr lang="en-US" altLang="zh-TW" sz="2200" dirty="0" smtClean="0"/>
+              <a:rPr lang="en-US" altLang="zh-TW" sz="2200" dirty="0"/>
               <a:t>ex. </a:t>
             </a:r>
             <a:r>
-              <a:rPr lang="en-US" altLang="zh-TW" sz="2200" dirty="0" err="1" smtClean="0"/>
+              <a:rPr lang="en-US" altLang="zh-TW" sz="2200" dirty="0" err="1"/>
               <a:t>setSize</a:t>
             </a:r>
             <a:r>
-              <a:rPr lang="en-US" altLang="zh-TW" sz="2200" dirty="0" smtClean="0"/>
+              <a:rPr lang="en-US" altLang="zh-TW" sz="2200" dirty="0"/>
               <a:t>()</a:t>
             </a:r>
             <a:r>
-              <a:rPr lang="zh-TW" altLang="en-US" sz="2200" dirty="0" smtClean="0"/>
+              <a:rPr lang="zh-TW" altLang="en-US" sz="2200" dirty="0"/>
               <a:t>，在有設定 </a:t>
             </a:r>
             <a:r>
-              <a:rPr lang="en-US" altLang="zh-TW" sz="2200" dirty="0" smtClean="0"/>
+              <a:rPr lang="en-US" altLang="zh-TW" sz="2200" dirty="0"/>
               <a:t>Layout</a:t>
             </a:r>
             <a:r>
-              <a:rPr lang="zh-TW" altLang="en-US" sz="2200" dirty="0" smtClean="0"/>
+              <a:rPr lang="zh-TW" altLang="en-US" sz="2200" dirty="0"/>
               <a:t> 的情形下會失效。</a:t>
             </a:r>
-            <a:endParaRPr lang="zh-TW" altLang="en-US" sz="2200" dirty="0"/>
           </a:p>
         </p:txBody>
       </p:sp>
@@ -8758,18 +8516,9 @@
           <a:lstStyle/>
           <a:p>
             <a:r>
-              <a:rPr lang="zh-TW" altLang="en-US" sz="2400" dirty="0" smtClean="0"/>
-              <a:t>無</a:t>
-            </a:r>
-            <a:r>
               <a:rPr lang="zh-TW" altLang="en-US" sz="2400" dirty="0"/>
-              <a:t>法</a:t>
-            </a:r>
-            <a:r>
-              <a:rPr lang="zh-TW" altLang="en-US" sz="2400" dirty="0" smtClean="0"/>
-              <a:t>解決</a:t>
-            </a:r>
-            <a:endParaRPr lang="zh-TW" altLang="en-US" sz="2400" dirty="0"/>
+              <a:t>無法解決</a:t>
+            </a:r>
           </a:p>
         </p:txBody>
       </p:sp>
@@ -8791,34 +8540,33 @@
           <a:lstStyle/>
           <a:p>
             <a:r>
-              <a:rPr lang="zh-TW" altLang="en-US" sz="2400" dirty="0" smtClean="0"/>
+              <a:rPr lang="zh-TW" altLang="en-US" sz="2400" dirty="0"/>
               <a:t>本來在遊戲載入前，放置一個</a:t>
             </a:r>
             <a:r>
-              <a:rPr lang="en-US" altLang="zh-TW" sz="2400" dirty="0" smtClean="0"/>
+              <a:rPr lang="en-US" altLang="zh-TW" sz="2400" dirty="0"/>
               <a:t>Loading…</a:t>
             </a:r>
             <a:r>
-              <a:rPr lang="zh-TW" altLang="en-US" sz="2400" dirty="0" smtClean="0"/>
+              <a:rPr lang="zh-TW" altLang="en-US" sz="2400" dirty="0"/>
               <a:t> 的 </a:t>
             </a:r>
             <a:r>
-              <a:rPr lang="en-US" altLang="zh-TW" sz="2400" dirty="0" smtClean="0"/>
+              <a:rPr lang="en-US" altLang="zh-TW" sz="2400" dirty="0"/>
               <a:t>Panel</a:t>
             </a:r>
             <a:r>
-              <a:rPr lang="zh-TW" altLang="en-US" sz="2400" dirty="0" smtClean="0"/>
+              <a:rPr lang="zh-TW" altLang="en-US" sz="2400" dirty="0"/>
               <a:t>，卻無法顯示</a:t>
             </a:r>
-            <a:endParaRPr lang="en-US" altLang="zh-TW" sz="2400" dirty="0" smtClean="0"/>
+            <a:endParaRPr lang="en-US" altLang="zh-TW" sz="2400" dirty="0"/>
           </a:p>
           <a:p>
             <a:pPr lvl="1"/>
             <a:r>
-              <a:rPr lang="zh-TW" altLang="en-US" sz="2200" dirty="0" smtClean="0"/>
+              <a:rPr lang="zh-TW" altLang="en-US" sz="2200" dirty="0"/>
               <a:t>刪除此頁面</a:t>
             </a:r>
-            <a:endParaRPr lang="zh-TW" altLang="en-US" sz="2200" dirty="0"/>
           </a:p>
         </p:txBody>
       </p:sp>
@@ -8871,11 +8619,11 @@
           <a:p>
             <a:pPr algn="ctr"/>
             <a:r>
-              <a:rPr lang="en-US" altLang="zh-TW" sz="4800" dirty="0" smtClean="0"/>
+              <a:rPr lang="en-US" altLang="zh-TW" sz="4800" dirty="0"/>
               <a:t>In </a:t>
             </a:r>
             <a:r>
-              <a:rPr lang="en-US" altLang="zh-TW" sz="4800" b="1" dirty="0" smtClean="0"/>
+              <a:rPr lang="en-US" altLang="zh-TW" sz="4800" b="1" dirty="0"/>
               <a:t>game</a:t>
             </a:r>
             <a:endParaRPr lang="zh-TW" altLang="en-US" sz="4800" b="1" dirty="0"/>
@@ -8898,10 +8646,9 @@
           <a:lstStyle/>
           <a:p>
             <a:r>
-              <a:rPr lang="zh-TW" altLang="en-US" sz="2400" dirty="0" smtClean="0"/>
+              <a:rPr lang="zh-TW" altLang="en-US" sz="2400" dirty="0"/>
               <a:t>已解決</a:t>
             </a:r>
-            <a:endParaRPr lang="zh-TW" altLang="en-US" sz="2400" dirty="0"/>
           </a:p>
         </p:txBody>
       </p:sp>
@@ -8923,77 +8670,73 @@
           <a:lstStyle/>
           <a:p>
             <a:r>
-              <a:rPr lang="zh-TW" altLang="en-US" sz="2400" dirty="0" smtClean="0"/>
+              <a:rPr lang="zh-TW" altLang="en-US" sz="2400" dirty="0"/>
               <a:t>背景音樂無法同時進行</a:t>
             </a:r>
-            <a:endParaRPr lang="en-US" altLang="zh-TW" sz="2400" dirty="0" smtClean="0"/>
+            <a:endParaRPr lang="en-US" altLang="zh-TW" sz="2400" dirty="0"/>
           </a:p>
           <a:p>
             <a:pPr lvl="1"/>
             <a:r>
-              <a:rPr lang="zh-TW" altLang="en-US" sz="2200" dirty="0" smtClean="0"/>
+              <a:rPr lang="zh-TW" altLang="en-US" sz="2200" dirty="0"/>
               <a:t>原先使用 </a:t>
             </a:r>
             <a:r>
-              <a:rPr lang="en-US" altLang="zh-TW" sz="2200" dirty="0" smtClean="0"/>
+              <a:rPr lang="en-US" altLang="zh-TW" sz="2200" dirty="0"/>
               <a:t>applet</a:t>
             </a:r>
             <a:r>
-              <a:rPr lang="zh-TW" altLang="en-US" sz="2200" dirty="0" smtClean="0"/>
+              <a:rPr lang="zh-TW" altLang="en-US" sz="2200" dirty="0"/>
               <a:t> 最後使用 </a:t>
             </a:r>
             <a:r>
-              <a:rPr lang="en-US" altLang="zh-TW" sz="2200" dirty="0" smtClean="0"/>
+              <a:rPr lang="en-US" altLang="zh-TW" sz="2200" dirty="0"/>
               <a:t>clip</a:t>
             </a:r>
           </a:p>
           <a:p>
             <a:r>
-              <a:rPr lang="zh-TW" altLang="en-US" sz="2400" dirty="0" smtClean="0"/>
+              <a:rPr lang="zh-TW" altLang="en-US" sz="2400" dirty="0"/>
               <a:t>碰撞判定，人碰撞到障礙物就會不能移動</a:t>
             </a:r>
-            <a:endParaRPr lang="en-US" altLang="zh-TW" sz="2400" dirty="0" smtClean="0"/>
+            <a:endParaRPr lang="en-US" altLang="zh-TW" sz="2400" dirty="0"/>
           </a:p>
           <a:p>
             <a:pPr lvl="1"/>
             <a:r>
-              <a:rPr lang="zh-TW" altLang="en-US" sz="2200" dirty="0" smtClean="0"/>
+              <a:rPr lang="zh-TW" altLang="en-US" sz="2200" dirty="0"/>
               <a:t>不能直接到碰撞時 </a:t>
             </a:r>
             <a:r>
-              <a:rPr lang="en-US" altLang="zh-TW" sz="2200" dirty="0" smtClean="0"/>
+              <a:rPr lang="en-US" altLang="zh-TW" sz="2200" dirty="0"/>
               <a:t>speed</a:t>
             </a:r>
             <a:r>
-              <a:rPr lang="zh-TW" altLang="en-US" sz="2200" dirty="0" smtClean="0"/>
+              <a:rPr lang="zh-TW" altLang="en-US" sz="2200" dirty="0"/>
               <a:t> 改成 </a:t>
             </a:r>
             <a:r>
-              <a:rPr lang="en-US" altLang="zh-TW" sz="2200" dirty="0" smtClean="0"/>
+              <a:rPr lang="en-US" altLang="zh-TW" sz="2200" dirty="0"/>
               <a:t>0</a:t>
             </a:r>
           </a:p>
           <a:p>
             <a:pPr lvl="1"/>
             <a:r>
-              <a:rPr lang="zh-TW" altLang="en-US" sz="2200" dirty="0" smtClean="0"/>
-              <a:t>預測碰</a:t>
-            </a:r>
-            <a:r>
               <a:rPr lang="zh-TW" altLang="en-US" sz="2200" dirty="0"/>
-              <a:t>撞</a:t>
-            </a:r>
-            <a:endParaRPr lang="en-US" altLang="zh-TW" sz="2200" dirty="0" smtClean="0"/>
+              <a:t>預測碰撞</a:t>
+            </a:r>
+            <a:endParaRPr lang="en-US" altLang="zh-TW" sz="2200" dirty="0"/>
           </a:p>
           <a:p>
             <a:pPr lvl="2"/>
-            <a:endParaRPr lang="en-US" altLang="zh-TW" dirty="0" smtClean="0"/>
-          </a:p>
-          <a:p>
-            <a:endParaRPr lang="en-US" altLang="zh-TW" dirty="0" smtClean="0"/>
-          </a:p>
-          <a:p>
-            <a:endParaRPr lang="en-US" altLang="zh-TW" dirty="0" smtClean="0"/>
+            <a:endParaRPr lang="en-US" altLang="zh-TW" dirty="0"/>
+          </a:p>
+          <a:p>
+            <a:endParaRPr lang="en-US" altLang="zh-TW" dirty="0"/>
+          </a:p>
+          <a:p>
+            <a:endParaRPr lang="en-US" altLang="zh-TW" dirty="0"/>
           </a:p>
           <a:p>
             <a:endParaRPr lang="zh-TW" altLang="en-US" dirty="0"/>
@@ -9016,10 +8759,9 @@
           <a:lstStyle/>
           <a:p>
             <a:r>
-              <a:rPr lang="zh-TW" altLang="en-US" sz="2400" dirty="0" smtClean="0"/>
+              <a:rPr lang="zh-TW" altLang="en-US" sz="2400" dirty="0"/>
               <a:t>未解決</a:t>
             </a:r>
-            <a:endParaRPr lang="zh-TW" altLang="en-US" sz="2400" dirty="0"/>
           </a:p>
         </p:txBody>
       </p:sp>
@@ -9039,41 +8781,36 @@
           <a:lstStyle/>
           <a:p>
             <a:r>
-              <a:rPr lang="en-US" altLang="zh-TW" sz="2400" dirty="0" smtClean="0"/>
+              <a:rPr lang="en-US" altLang="zh-TW" sz="2400" dirty="0"/>
               <a:t>3D</a:t>
             </a:r>
+          </a:p>
+          <a:p>
+            <a:pPr lvl="1"/>
+            <a:r>
+              <a:rPr lang="zh-TW" altLang="en-US" sz="2200" dirty="0"/>
+              <a:t>碰撞無法完全偵測</a:t>
+            </a:r>
+            <a:endParaRPr lang="en-US" altLang="zh-TW" sz="2200" dirty="0"/>
+          </a:p>
+          <a:p>
+            <a:r>
+              <a:rPr lang="zh-TW" altLang="en-US" sz="2400" dirty="0"/>
+              <a:t>連線</a:t>
+            </a:r>
             <a:endParaRPr lang="en-US" altLang="zh-TW" sz="2400" dirty="0"/>
           </a:p>
           <a:p>
             <a:pPr lvl="1"/>
             <a:r>
-              <a:rPr lang="zh-TW" altLang="en-US" sz="2200" dirty="0" smtClean="0"/>
-              <a:t>碰撞無法完全偵測</a:t>
-            </a:r>
-            <a:endParaRPr lang="en-US" altLang="zh-TW" sz="2200" dirty="0" smtClean="0"/>
-          </a:p>
-          <a:p>
-            <a:r>
-              <a:rPr lang="zh-TW" altLang="en-US" sz="2400" dirty="0" smtClean="0"/>
-              <a:t>連線</a:t>
-            </a:r>
-            <a:endParaRPr lang="en-US" altLang="zh-TW" sz="2400" dirty="0" smtClean="0"/>
-          </a:p>
-          <a:p>
-            <a:pPr lvl="1"/>
-            <a:r>
-              <a:rPr lang="zh-TW" altLang="en-US" sz="2200" dirty="0" smtClean="0"/>
-              <a:t>時間上來不</a:t>
-            </a:r>
-            <a:r>
               <a:rPr lang="zh-TW" altLang="en-US" sz="2200" dirty="0"/>
-              <a:t>及</a:t>
+              <a:t>時間上來不及</a:t>
             </a:r>
             <a:endParaRPr lang="en-US" altLang="zh-TW" sz="2200" dirty="0"/>
           </a:p>
           <a:p>
             <a:pPr lvl="2"/>
-            <a:endParaRPr lang="en-US" altLang="zh-TW" dirty="0" smtClean="0"/>
+            <a:endParaRPr lang="en-US" altLang="zh-TW" dirty="0"/>
           </a:p>
         </p:txBody>
       </p:sp>
@@ -9126,10 +8863,9 @@
           <a:p>
             <a:pPr algn="ctr"/>
             <a:r>
-              <a:rPr lang="zh-TW" altLang="en-US" sz="4800" b="1" dirty="0" smtClean="0"/>
+              <a:rPr lang="zh-TW" altLang="en-US" sz="4800" b="1" dirty="0"/>
               <a:t>簡介</a:t>
             </a:r>
-            <a:endParaRPr lang="zh-TW" altLang="en-US" sz="4800" b="1" dirty="0"/>
           </a:p>
         </p:txBody>
       </p:sp>
@@ -9151,17 +8887,16 @@
           <a:lstStyle/>
           <a:p>
             <a:r>
-              <a:rPr lang="zh-TW" altLang="en-US" sz="2400" dirty="0" smtClean="0"/>
+              <a:rPr lang="zh-TW" altLang="en-US" sz="2400" dirty="0"/>
               <a:t>亂吃來路不明的水果，會發生什麼有趣的事呢？</a:t>
             </a:r>
-            <a:endParaRPr lang="en-US" altLang="zh-TW" sz="2400" dirty="0" smtClean="0"/>
-          </a:p>
-          <a:p>
-            <a:r>
-              <a:rPr lang="zh-TW" altLang="en-US" sz="2400" dirty="0" smtClean="0"/>
+            <a:endParaRPr lang="en-US" altLang="zh-TW" sz="2400" dirty="0"/>
+          </a:p>
+          <a:p>
+            <a:r>
+              <a:rPr lang="zh-TW" altLang="en-US" sz="2400" dirty="0"/>
               <a:t>在沙漠中，會遇見什麼？</a:t>
             </a:r>
-            <a:endParaRPr lang="zh-TW" altLang="en-US" sz="2400" dirty="0"/>
           </a:p>
         </p:txBody>
       </p:sp>
@@ -9204,13 +8939,6 @@
   <p:clrMapOvr>
     <a:masterClrMapping/>
   </p:clrMapOvr>
-  <p:timing>
-    <p:tnLst>
-      <p:par>
-        <p:cTn id="1" dur="indefinite" restart="never" nodeType="tmRoot"/>
-      </p:par>
-    </p:tnLst>
-  </p:timing>
 </p:sld>
 </file>
 
@@ -9250,11 +8978,11 @@
           <a:p>
             <a:pPr algn="ctr"/>
             <a:r>
-              <a:rPr lang="en-US" altLang="zh-TW" sz="4800" dirty="0" smtClean="0"/>
+              <a:rPr lang="en-US" altLang="zh-TW" sz="4800" dirty="0"/>
               <a:t>In </a:t>
             </a:r>
             <a:r>
-              <a:rPr lang="en-US" altLang="zh-TW" sz="4800" b="1" dirty="0" smtClean="0"/>
+              <a:rPr lang="en-US" altLang="zh-TW" sz="4800" b="1" dirty="0"/>
               <a:t>Game</a:t>
             </a:r>
             <a:endParaRPr lang="zh-TW" altLang="en-US" sz="4800" b="1" dirty="0"/>
@@ -9279,43 +9007,31 @@
           <a:lstStyle/>
           <a:p>
             <a:r>
-              <a:rPr lang="zh-TW" altLang="en-US" sz="2400" dirty="0" smtClean="0"/>
+              <a:rPr lang="zh-TW" altLang="en-US" sz="2400" dirty="0"/>
               <a:t>因為遊戲無法在短時間內做優化，在玩遊戲時會閃爍。</a:t>
             </a:r>
-            <a:endParaRPr lang="en-US" altLang="zh-TW" sz="2400" dirty="0" smtClean="0"/>
+            <a:endParaRPr lang="en-US" altLang="zh-TW" sz="2400" dirty="0"/>
           </a:p>
           <a:p>
             <a:pPr lvl="1"/>
             <a:r>
-              <a:rPr lang="zh-TW" altLang="en-US" sz="2200" dirty="0" smtClean="0"/>
-              <a:t>將背景色設為地圖顏色，這樣閃爍也不明顯</a:t>
-            </a:r>
-            <a:r>
-              <a:rPr lang="zh-TW" altLang="en-US" sz="2200" dirty="0" smtClean="0"/>
-              <a:t>。</a:t>
-            </a:r>
-            <a:endParaRPr lang="en-US" altLang="zh-TW" sz="2200" dirty="0" smtClean="0"/>
+              <a:rPr lang="zh-TW" altLang="en-US" sz="2200" dirty="0"/>
+              <a:t>將背景色設為地圖顏色，這樣閃爍也不明顯。</a:t>
+            </a:r>
+            <a:endParaRPr lang="en-US" altLang="zh-TW" sz="2200" dirty="0"/>
           </a:p>
           <a:p>
             <a:r>
               <a:rPr lang="zh-TW" altLang="en-US" sz="2400" dirty="0"/>
-              <a:t>地圖放陣列</a:t>
-            </a:r>
-            <a:r>
-              <a:rPr lang="zh-TW" altLang="en-US" sz="2400" dirty="0" smtClean="0"/>
-              <a:t>對於 </a:t>
-            </a:r>
-            <a:r>
-              <a:rPr lang="en-US" altLang="zh-TW" sz="2400" dirty="0" smtClean="0"/>
+              <a:t>地圖放陣列對於 </a:t>
+            </a:r>
+            <a:r>
+              <a:rPr lang="en-US" altLang="zh-TW" sz="2400" dirty="0"/>
               <a:t>x, y </a:t>
             </a:r>
             <a:r>
-              <a:rPr lang="zh-TW" altLang="en-US" sz="2400" dirty="0" smtClean="0"/>
-              <a:t>很</a:t>
-            </a:r>
-            <a:r>
               <a:rPr lang="zh-TW" altLang="en-US" sz="2400" dirty="0"/>
-              <a:t>混亂</a:t>
+              <a:t>很混亂</a:t>
             </a:r>
             <a:endParaRPr lang="en-US" altLang="zh-TW" sz="2400" dirty="0"/>
           </a:p>
@@ -9323,17 +9039,12 @@
             <a:pPr lvl="1"/>
             <a:r>
               <a:rPr lang="zh-TW" altLang="en-US" sz="2400" dirty="0"/>
-              <a:t>直接新增兩個變數重新</a:t>
-            </a:r>
-            <a:r>
-              <a:rPr lang="zh-TW" altLang="en-US" sz="2400" dirty="0" smtClean="0"/>
-              <a:t>定義 </a:t>
-            </a:r>
-            <a:r>
-              <a:rPr lang="en-US" altLang="zh-TW" sz="2400" dirty="0" smtClean="0"/>
+              <a:t>直接新增兩個變數重新定義 </a:t>
+            </a:r>
+            <a:r>
+              <a:rPr lang="en-US" altLang="zh-TW" sz="2400" dirty="0"/>
               <a:t>x, y</a:t>
             </a:r>
-            <a:endParaRPr lang="en-US" altLang="zh-TW" sz="2400" dirty="0"/>
           </a:p>
           <a:p>
             <a:pPr lvl="1"/>
@@ -9366,50 +9077,30 @@
             <a:pPr lvl="1"/>
             <a:r>
               <a:rPr lang="zh-TW" altLang="en-US" sz="2200" dirty="0"/>
-              <a:t>原先試圖</a:t>
-            </a:r>
-            <a:r>
-              <a:rPr lang="zh-TW" altLang="en-US" sz="2200" dirty="0" smtClean="0"/>
-              <a:t>由 </a:t>
-            </a:r>
-            <a:r>
-              <a:rPr lang="en-US" altLang="zh-TW" sz="2200" dirty="0" smtClean="0"/>
+              <a:t>原先試圖由 </a:t>
+            </a:r>
+            <a:r>
+              <a:rPr lang="en-US" altLang="zh-TW" sz="2200" dirty="0"/>
               <a:t>map.txt </a:t>
             </a:r>
             <a:r>
-              <a:rPr lang="zh-TW" altLang="en-US" sz="2200" dirty="0" smtClean="0"/>
-              <a:t>改</a:t>
-            </a:r>
-            <a:r>
               <a:rPr lang="zh-TW" altLang="en-US" sz="2200" dirty="0"/>
-              <a:t>在重新讀取但發現無法正確找到道具的</a:t>
-            </a:r>
-            <a:r>
-              <a:rPr lang="zh-TW" altLang="en-US" sz="2200" dirty="0" smtClean="0"/>
-              <a:t>位置</a:t>
-            </a:r>
-            <a:endParaRPr lang="en-US" altLang="zh-TW" sz="2200" dirty="0" smtClean="0"/>
+              <a:t>改在重新讀取但發現無法正確找到道具的位置</a:t>
+            </a:r>
+            <a:endParaRPr lang="en-US" altLang="zh-TW" sz="2200" dirty="0"/>
           </a:p>
           <a:p>
             <a:pPr lvl="1"/>
             <a:r>
-              <a:rPr lang="zh-TW" altLang="en-US" sz="2200" dirty="0" smtClean="0"/>
-              <a:t>將</a:t>
-            </a:r>
-            <a:r>
               <a:rPr lang="zh-TW" altLang="en-US" sz="2200" dirty="0"/>
-              <a:t>道具丟</a:t>
-            </a:r>
-            <a:r>
-              <a:rPr lang="zh-TW" altLang="en-US" sz="2200" dirty="0" smtClean="0"/>
-              <a:t>出 </a:t>
-            </a:r>
-            <a:r>
-              <a:rPr lang="en-US" altLang="zh-TW" sz="2200" dirty="0" smtClean="0"/>
+              <a:t>將道具丟出 </a:t>
+            </a:r>
+            <a:r>
+              <a:rPr lang="en-US" altLang="zh-TW" sz="2200" dirty="0"/>
               <a:t>list </a:t>
             </a:r>
             <a:r>
-              <a:rPr lang="zh-TW" altLang="en-US" sz="2200" dirty="0" smtClean="0"/>
+              <a:rPr lang="zh-TW" altLang="en-US" sz="2200" dirty="0"/>
               <a:t>即可</a:t>
             </a:r>
             <a:endParaRPr lang="en-US" altLang="zh-TW" sz="2200" dirty="0"/>
@@ -9424,20 +9115,16 @@
           <a:p>
             <a:pPr lvl="1"/>
             <a:r>
-              <a:rPr lang="zh-TW" altLang="en-US" sz="2200" dirty="0" smtClean="0"/>
+              <a:rPr lang="zh-TW" altLang="en-US" sz="2200" dirty="0"/>
               <a:t>因 </a:t>
             </a:r>
             <a:r>
-              <a:rPr lang="en-US" altLang="zh-TW" sz="2200" dirty="0" smtClean="0"/>
+              <a:rPr lang="en-US" altLang="zh-TW" sz="2200" dirty="0"/>
               <a:t>x, y </a:t>
             </a:r>
             <a:r>
-              <a:rPr lang="zh-TW" altLang="en-US" sz="2200" dirty="0" smtClean="0"/>
-              <a:t>重新</a:t>
-            </a:r>
-            <a:r>
               <a:rPr lang="zh-TW" altLang="en-US" sz="2200" dirty="0"/>
-              <a:t>定義就解決了</a:t>
+              <a:t>重新定義就解決了</a:t>
             </a:r>
             <a:endParaRPr lang="en-US" altLang="zh-TW" sz="2200" dirty="0"/>
           </a:p>
@@ -9495,10 +9182,9 @@
           <a:p>
             <a:pPr algn="ctr"/>
             <a:r>
-              <a:rPr lang="zh-TW" altLang="en-US" sz="4800" b="1" dirty="0" smtClean="0"/>
+              <a:rPr lang="zh-TW" altLang="en-US" sz="4800" b="1" dirty="0"/>
               <a:t>工作分工</a:t>
             </a:r>
-            <a:endParaRPr lang="zh-TW" altLang="en-US" sz="4800" b="1" dirty="0"/>
           </a:p>
         </p:txBody>
       </p:sp>
@@ -9565,10 +9251,9 @@
                     <a:p>
                       <a:pPr algn="ctr"/>
                       <a:r>
-                        <a:rPr lang="zh-TW" altLang="en-US" sz="2400" dirty="0" smtClean="0"/>
+                        <a:rPr lang="zh-TW" altLang="en-US" sz="2400" dirty="0"/>
                         <a:t>楊筑鈞</a:t>
                       </a:r>
-                      <a:endParaRPr lang="zh-TW" altLang="en-US" sz="2400" dirty="0"/>
                     </a:p>
                   </a:txBody>
                   <a:tcPr/>
@@ -9580,10 +9265,9 @@
                     <a:p>
                       <a:pPr algn="ctr"/>
                       <a:r>
-                        <a:rPr lang="zh-TW" altLang="en-US" sz="2400" dirty="0" smtClean="0"/>
+                        <a:rPr lang="zh-TW" altLang="en-US" sz="2400" dirty="0"/>
                         <a:t>邱詩婷</a:t>
                       </a:r>
-                      <a:endParaRPr lang="zh-TW" altLang="en-US" sz="2400" dirty="0"/>
                     </a:p>
                   </a:txBody>
                   <a:tcPr/>
@@ -9595,10 +9279,9 @@
                     <a:p>
                       <a:pPr algn="ctr"/>
                       <a:r>
-                        <a:rPr lang="zh-TW" altLang="en-US" sz="2400" dirty="0" smtClean="0"/>
+                        <a:rPr lang="zh-TW" altLang="en-US" sz="2400" dirty="0"/>
                         <a:t>李煜中</a:t>
                       </a:r>
-                      <a:endParaRPr lang="zh-TW" altLang="en-US" sz="2400" dirty="0"/>
                     </a:p>
                   </a:txBody>
                   <a:tcPr/>
@@ -9610,10 +9293,9 @@
                     <a:p>
                       <a:pPr algn="ctr"/>
                       <a:r>
-                        <a:rPr lang="zh-TW" altLang="en-US" sz="2400" dirty="0" smtClean="0"/>
+                        <a:rPr lang="zh-TW" altLang="en-US" sz="2400" dirty="0"/>
                         <a:t>翁培馨</a:t>
                       </a:r>
-                      <a:endParaRPr lang="zh-TW" altLang="en-US" sz="2400" dirty="0"/>
                     </a:p>
                   </a:txBody>
                   <a:tcPr/>
@@ -9632,7 +9314,7 @@
                     <a:p>
                       <a:pPr algn="ctr"/>
                       <a:r>
-                        <a:rPr lang="en-US" altLang="zh-TW" sz="2400" dirty="0" smtClean="0"/>
+                        <a:rPr lang="en-US" altLang="zh-TW" sz="2400" dirty="0"/>
                         <a:t>GUI</a:t>
                       </a:r>
                       <a:endParaRPr lang="zh-TW" altLang="en-US" sz="2400" dirty="0"/>
@@ -9647,7 +9329,7 @@
                     <a:p>
                       <a:pPr algn="ctr"/>
                       <a:r>
-                        <a:rPr lang="en-US" altLang="zh-TW" sz="2400" dirty="0" smtClean="0"/>
+                        <a:rPr lang="en-US" altLang="zh-TW" sz="2400" dirty="0"/>
                         <a:t>GUI</a:t>
                       </a:r>
                       <a:endParaRPr lang="zh-TW" altLang="en-US" sz="2400" dirty="0"/>
@@ -9662,10 +9344,9 @@
                     <a:p>
                       <a:pPr algn="ctr"/>
                       <a:r>
-                        <a:rPr lang="zh-TW" altLang="en-US" sz="2400" dirty="0" smtClean="0"/>
+                        <a:rPr lang="zh-TW" altLang="en-US" sz="2400" dirty="0"/>
                         <a:t>統整</a:t>
                       </a:r>
-                      <a:endParaRPr lang="zh-TW" altLang="en-US" sz="2400" dirty="0"/>
                     </a:p>
                   </a:txBody>
                   <a:tcPr/>
@@ -9677,7 +9358,7 @@
                     <a:p>
                       <a:pPr algn="ctr"/>
                       <a:r>
-                        <a:rPr lang="en-US" altLang="zh-TW" sz="2400" dirty="0" smtClean="0"/>
+                        <a:rPr lang="en-US" altLang="zh-TW" sz="2400" dirty="0"/>
                         <a:t>GUI</a:t>
                       </a:r>
                       <a:endParaRPr lang="zh-TW" altLang="en-US" sz="2400" dirty="0"/>
@@ -9699,10 +9380,9 @@
                     <a:p>
                       <a:pPr algn="ctr"/>
                       <a:r>
-                        <a:rPr lang="zh-TW" altLang="en-US" sz="2400" dirty="0" smtClean="0"/>
+                        <a:rPr lang="zh-TW" altLang="en-US" sz="2400" dirty="0"/>
                         <a:t>遊戲設計</a:t>
                       </a:r>
-                      <a:endParaRPr lang="zh-TW" altLang="en-US" sz="2400" dirty="0"/>
                     </a:p>
                   </a:txBody>
                   <a:tcPr/>
@@ -9714,10 +9394,9 @@
                     <a:p>
                       <a:pPr algn="ctr"/>
                       <a:r>
-                        <a:rPr lang="zh-TW" altLang="en-US" sz="2400" dirty="0" smtClean="0"/>
+                        <a:rPr lang="zh-TW" altLang="en-US" sz="2400" dirty="0"/>
                         <a:t>美編</a:t>
                       </a:r>
-                      <a:endParaRPr lang="zh-TW" altLang="en-US" sz="2400" dirty="0"/>
                     </a:p>
                   </a:txBody>
                   <a:tcPr/>
@@ -9729,7 +9408,7 @@
                     <a:p>
                       <a:pPr algn="ctr"/>
                       <a:r>
-                        <a:rPr lang="en-US" altLang="zh-TW" sz="2400" smtClean="0"/>
+                        <a:rPr lang="en-US" altLang="zh-TW" sz="2400"/>
                         <a:t>debug</a:t>
                       </a:r>
                       <a:endParaRPr lang="zh-TW" altLang="en-US" sz="2400" dirty="0"/>
@@ -9744,10 +9423,9 @@
                     <a:p>
                       <a:pPr algn="ctr"/>
                       <a:r>
-                        <a:rPr lang="zh-TW" altLang="en-US" sz="2400" dirty="0" smtClean="0"/>
+                        <a:rPr lang="zh-TW" altLang="en-US" sz="2400" dirty="0"/>
                         <a:t>地圖設計，道具設計</a:t>
                       </a:r>
-                      <a:endParaRPr lang="zh-TW" altLang="en-US" sz="2400" dirty="0"/>
                     </a:p>
                   </a:txBody>
                   <a:tcPr/>
@@ -9766,10 +9444,9 @@
                     <a:p>
                       <a:pPr algn="ctr"/>
                       <a:r>
-                        <a:rPr lang="zh-TW" altLang="en-US" sz="2400" dirty="0" smtClean="0"/>
+                        <a:rPr lang="zh-TW" altLang="en-US" sz="2400" dirty="0"/>
                         <a:t>程式碼</a:t>
                       </a:r>
-                      <a:endParaRPr lang="zh-TW" altLang="en-US" sz="2400" dirty="0"/>
                     </a:p>
                   </a:txBody>
                   <a:tcPr/>
@@ -9797,7 +9474,7 @@
                         <a:defRPr/>
                       </a:pPr>
                       <a:r>
-                        <a:rPr lang="zh-TW" altLang="en-US" sz="2400" dirty="0" smtClean="0"/>
+                        <a:rPr lang="zh-TW" altLang="en-US" sz="2400" dirty="0"/>
                         <a:t>程式碼</a:t>
                       </a:r>
                     </a:p>
@@ -9831,7 +9508,7 @@
                         <a:defRPr/>
                       </a:pPr>
                       <a:r>
-                        <a:rPr lang="zh-TW" altLang="en-US" sz="2400" dirty="0" smtClean="0"/>
+                        <a:rPr lang="zh-TW" altLang="en-US" sz="2400" dirty="0"/>
                         <a:t>程式碼</a:t>
                       </a:r>
                     </a:p>
@@ -9865,7 +9542,7 @@
                         <a:defRPr/>
                       </a:pPr>
                       <a:r>
-                        <a:rPr lang="zh-TW" altLang="en-US" sz="2400" dirty="0" smtClean="0"/>
+                        <a:rPr lang="zh-TW" altLang="en-US" sz="2400" dirty="0"/>
                         <a:t>程式碼</a:t>
                       </a:r>
                     </a:p>
@@ -9890,11 +9567,11 @@
                     <a:p>
                       <a:pPr algn="ctr"/>
                       <a:r>
-                        <a:rPr lang="zh-TW" altLang="en-US" sz="2400" dirty="0" smtClean="0"/>
+                        <a:rPr lang="zh-TW" altLang="en-US" sz="2400" dirty="0"/>
                         <a:t>排版 </a:t>
                       </a:r>
                       <a:r>
-                        <a:rPr lang="en-US" altLang="zh-TW" sz="2400" dirty="0" smtClean="0"/>
+                        <a:rPr lang="en-US" altLang="zh-TW" sz="2400" dirty="0"/>
                         <a:t>debug</a:t>
                       </a:r>
                       <a:endParaRPr lang="zh-TW" altLang="en-US" sz="2400" dirty="0"/>
@@ -9955,13 +9632,6 @@
   <p:clrMapOvr>
     <a:masterClrMapping/>
   </p:clrMapOvr>
-  <p:timing>
-    <p:tnLst>
-      <p:par>
-        <p:cTn id="1" dur="indefinite" restart="never" nodeType="tmRoot"/>
-      </p:par>
-    </p:tnLst>
-  </p:timing>
 </p:sld>
 </file>
 
@@ -10000,10 +9670,9 @@
           <a:lstStyle/>
           <a:p>
             <a:r>
-              <a:rPr lang="zh-TW" altLang="en-US" sz="4800" b="1" dirty="0" smtClean="0"/>
+              <a:rPr lang="zh-TW" altLang="en-US" sz="4800" b="1" dirty="0"/>
               <a:t>工作時程</a:t>
             </a:r>
-            <a:endParaRPr lang="zh-TW" altLang="en-US" sz="4800" b="1" dirty="0"/>
           </a:p>
         </p:txBody>
       </p:sp>
@@ -10027,7 +9696,7 @@
             <a:pPr marL="0" indent="0">
               <a:buNone/>
             </a:pPr>
-            <a:endParaRPr lang="en-US" altLang="zh-TW" dirty="0" smtClean="0"/>
+            <a:endParaRPr lang="en-US" altLang="zh-TW" dirty="0"/>
           </a:p>
           <a:p>
             <a:pPr marL="0" indent="0">
@@ -10039,7 +9708,7 @@
             <a:pPr marL="0" indent="0">
               <a:buNone/>
             </a:pPr>
-            <a:endParaRPr lang="en-US" altLang="zh-TW" dirty="0" smtClean="0"/>
+            <a:endParaRPr lang="en-US" altLang="zh-TW" dirty="0"/>
           </a:p>
         </p:txBody>
       </p:sp>
@@ -10098,10 +9767,9 @@
                     <a:p>
                       <a:pPr algn="ctr"/>
                       <a:r>
-                        <a:rPr lang="zh-TW" altLang="en-US" sz="2400" dirty="0" smtClean="0"/>
+                        <a:rPr lang="zh-TW" altLang="en-US" sz="2400" dirty="0"/>
                         <a:t>起</a:t>
                       </a:r>
-                      <a:endParaRPr lang="zh-TW" altLang="en-US" sz="2400" dirty="0"/>
                     </a:p>
                   </a:txBody>
                   <a:tcPr/>
@@ -10113,10 +9781,9 @@
                     <a:p>
                       <a:pPr algn="ctr"/>
                       <a:r>
-                        <a:rPr lang="zh-TW" altLang="en-US" sz="2400" dirty="0" smtClean="0"/>
+                        <a:rPr lang="zh-TW" altLang="en-US" sz="2400" dirty="0"/>
                         <a:t>迄</a:t>
                       </a:r>
-                      <a:endParaRPr lang="zh-TW" altLang="en-US" sz="2400" dirty="0"/>
                     </a:p>
                   </a:txBody>
                   <a:tcPr/>
@@ -10128,10 +9795,9 @@
                     <a:p>
                       <a:pPr algn="ctr"/>
                       <a:r>
-                        <a:rPr lang="zh-TW" altLang="en-US" sz="2400" dirty="0" smtClean="0"/>
+                        <a:rPr lang="zh-TW" altLang="en-US" sz="2400" dirty="0"/>
                         <a:t>內容</a:t>
                       </a:r>
-                      <a:endParaRPr lang="zh-TW" altLang="en-US" sz="2400" dirty="0"/>
                     </a:p>
                   </a:txBody>
                   <a:tcPr/>
@@ -10150,7 +9816,7 @@
                     <a:p>
                       <a:pPr algn="ctr"/>
                       <a:r>
-                        <a:rPr lang="en-US" altLang="zh-TW" sz="2400" dirty="0" smtClean="0"/>
+                        <a:rPr lang="en-US" altLang="zh-TW" sz="2400" dirty="0"/>
                         <a:t>-</a:t>
                       </a:r>
                       <a:endParaRPr lang="zh-TW" altLang="en-US" sz="2400" dirty="0"/>
@@ -10165,7 +9831,7 @@
                     <a:p>
                       <a:pPr algn="ctr"/>
                       <a:r>
-                        <a:rPr lang="en-US" altLang="zh-TW" sz="2400" dirty="0" smtClean="0"/>
+                        <a:rPr lang="en-US" altLang="zh-TW" sz="2400" dirty="0"/>
                         <a:t>4/18</a:t>
                       </a:r>
                       <a:endParaRPr lang="zh-TW" altLang="en-US" sz="2400" dirty="0"/>
@@ -10196,7 +9862,7 @@
                         <a:defRPr/>
                       </a:pPr>
                       <a:r>
-                        <a:rPr lang="zh-TW" altLang="en-US" sz="2400" dirty="0" smtClean="0"/>
+                        <a:rPr lang="zh-TW" altLang="en-US" sz="2400" dirty="0"/>
                         <a:t>構思</a:t>
                       </a:r>
                     </a:p>
@@ -10217,7 +9883,7 @@
                     <a:p>
                       <a:pPr algn="ctr"/>
                       <a:r>
-                        <a:rPr lang="en-US" altLang="zh-TW" sz="2400" dirty="0" smtClean="0"/>
+                        <a:rPr lang="en-US" altLang="zh-TW" sz="2400" dirty="0"/>
                         <a:t>4/25</a:t>
                       </a:r>
                       <a:endParaRPr lang="zh-TW" altLang="en-US" sz="2400" dirty="0"/>
@@ -10232,7 +9898,7 @@
                     <a:p>
                       <a:pPr algn="ctr"/>
                       <a:r>
-                        <a:rPr lang="en-US" altLang="zh-TW" sz="2400" dirty="0" smtClean="0"/>
+                        <a:rPr lang="en-US" altLang="zh-TW" sz="2400" dirty="0"/>
                         <a:t>5/1</a:t>
                       </a:r>
                       <a:endParaRPr lang="zh-TW" altLang="en-US" sz="2400" dirty="0"/>
@@ -10247,19 +9913,19 @@
                     <a:p>
                       <a:pPr algn="ctr"/>
                       <a:r>
-                        <a:rPr lang="zh-TW" altLang="en-US" sz="2400" dirty="0" smtClean="0"/>
+                        <a:rPr lang="zh-TW" altLang="en-US" sz="2400" dirty="0"/>
                         <a:t>構想遊戲細節</a:t>
                       </a:r>
                       <a:r>
-                        <a:rPr lang="en-US" altLang="zh-TW" sz="2400" dirty="0" smtClean="0"/>
+                        <a:rPr lang="en-US" altLang="zh-TW" sz="2400" dirty="0"/>
                         <a:t>(</a:t>
                       </a:r>
                       <a:r>
-                        <a:rPr lang="zh-TW" altLang="en-US" sz="2400" dirty="0" smtClean="0"/>
+                        <a:rPr lang="zh-TW" altLang="en-US" sz="2400" dirty="0"/>
                         <a:t>道具 人物設定</a:t>
                       </a:r>
                       <a:r>
-                        <a:rPr lang="en-US" altLang="zh-TW" sz="2400" dirty="0" smtClean="0"/>
+                        <a:rPr lang="en-US" altLang="zh-TW" sz="2400" dirty="0"/>
                         <a:t>)</a:t>
                       </a:r>
                       <a:endParaRPr lang="zh-TW" altLang="en-US" sz="2400" dirty="0"/>
@@ -10281,7 +9947,7 @@
                     <a:p>
                       <a:pPr algn="ctr"/>
                       <a:r>
-                        <a:rPr lang="en-US" altLang="zh-TW" sz="2400" dirty="0" smtClean="0"/>
+                        <a:rPr lang="en-US" altLang="zh-TW" sz="2400" dirty="0"/>
                         <a:t>5/2</a:t>
                       </a:r>
                       <a:endParaRPr lang="zh-TW" altLang="en-US" sz="2400" dirty="0"/>
@@ -10296,7 +9962,7 @@
                     <a:p>
                       <a:pPr algn="ctr"/>
                       <a:r>
-                        <a:rPr lang="en-US" altLang="zh-TW" sz="2400" dirty="0" smtClean="0"/>
+                        <a:rPr lang="en-US" altLang="zh-TW" sz="2400" dirty="0"/>
                         <a:t>5/7</a:t>
                       </a:r>
                       <a:endParaRPr lang="zh-TW" altLang="en-US" sz="2400" dirty="0"/>
@@ -10327,7 +9993,7 @@
                         <a:defRPr/>
                       </a:pPr>
                       <a:r>
-                        <a:rPr lang="en-US" altLang="zh-TW" sz="2400" dirty="0" smtClean="0"/>
+                        <a:rPr lang="en-US" altLang="zh-TW" sz="2400" dirty="0"/>
                         <a:t>GUI</a:t>
                       </a:r>
                     </a:p>
@@ -10348,7 +10014,7 @@
                     <a:p>
                       <a:pPr algn="ctr"/>
                       <a:r>
-                        <a:rPr lang="en-US" altLang="zh-TW" sz="2400" dirty="0" smtClean="0"/>
+                        <a:rPr lang="en-US" altLang="zh-TW" sz="2400" dirty="0"/>
                         <a:t>5/8</a:t>
                       </a:r>
                       <a:endParaRPr lang="zh-TW" altLang="en-US" sz="2400" dirty="0"/>
@@ -10363,7 +10029,7 @@
                     <a:p>
                       <a:pPr algn="ctr"/>
                       <a:r>
-                        <a:rPr lang="en-US" altLang="zh-TW" sz="2400" dirty="0" smtClean="0"/>
+                        <a:rPr lang="en-US" altLang="zh-TW" sz="2400" dirty="0"/>
                         <a:t>6/8</a:t>
                       </a:r>
                       <a:endParaRPr lang="zh-TW" altLang="en-US" sz="2400" dirty="0"/>
@@ -10394,11 +10060,11 @@
                         <a:defRPr/>
                       </a:pPr>
                       <a:r>
-                        <a:rPr lang="zh-TW" altLang="en-US" sz="2400" dirty="0" smtClean="0"/>
+                        <a:rPr lang="zh-TW" altLang="en-US" sz="2400" dirty="0"/>
                         <a:t>設計遊戲、</a:t>
                       </a:r>
                       <a:r>
-                        <a:rPr lang="en-US" altLang="zh-TW" sz="2400" dirty="0" smtClean="0"/>
+                        <a:rPr lang="en-US" altLang="zh-TW" sz="2400" dirty="0"/>
                         <a:t>debug</a:t>
                       </a:r>
                     </a:p>
@@ -10419,7 +10085,7 @@
                     <a:p>
                       <a:pPr algn="ctr"/>
                       <a:r>
-                        <a:rPr lang="en-US" altLang="zh-TW" sz="2400" dirty="0" smtClean="0"/>
+                        <a:rPr lang="en-US" altLang="zh-TW" sz="2400" dirty="0"/>
                         <a:t>5/27</a:t>
                       </a:r>
                       <a:endParaRPr lang="zh-TW" altLang="en-US" sz="2400" dirty="0"/>
@@ -10434,7 +10100,7 @@
                     <a:p>
                       <a:pPr algn="ctr"/>
                       <a:r>
-                        <a:rPr lang="en-US" altLang="zh-TW" sz="2400" dirty="0" smtClean="0"/>
+                        <a:rPr lang="en-US" altLang="zh-TW" sz="2400" dirty="0"/>
                         <a:t>6/16</a:t>
                       </a:r>
                       <a:endParaRPr lang="zh-TW" altLang="en-US" sz="2400" dirty="0"/>
@@ -10465,10 +10131,10 @@
                         <a:defRPr/>
                       </a:pPr>
                       <a:r>
-                        <a:rPr lang="zh-TW" altLang="en-US" sz="2400" dirty="0" smtClean="0"/>
+                        <a:rPr lang="zh-TW" altLang="en-US" sz="2400" dirty="0"/>
                         <a:t>美術創作</a:t>
                       </a:r>
-                      <a:endParaRPr lang="en-US" altLang="zh-TW" sz="2400" dirty="0" smtClean="0"/>
+                      <a:endParaRPr lang="en-US" altLang="zh-TW" sz="2400" dirty="0"/>
                     </a:p>
                   </a:txBody>
                   <a:tcPr/>
@@ -10493,13 +10159,6 @@
   <p:clrMapOvr>
     <a:masterClrMapping/>
   </p:clrMapOvr>
-  <p:timing>
-    <p:tnLst>
-      <p:par>
-        <p:cTn id="1" dur="indefinite" restart="never" nodeType="tmRoot"/>
-      </p:par>
-    </p:tnLst>
-  </p:timing>
 </p:sld>
 </file>
 
@@ -10522,6 +10181,159 @@
       </p:grpSpPr>
       <p:sp>
         <p:nvSpPr>
+          <p:cNvPr id="2" name="Title 1">
+            <a:extLst>
+              <a:ext uri="{FF2B5EF4-FFF2-40B4-BE49-F238E27FC236}">
+                <a16:creationId xmlns:a16="http://schemas.microsoft.com/office/drawing/2014/main" id="{50045B1F-8BAF-5246-BAAD-753CE1114CB8}"/>
+              </a:ext>
+            </a:extLst>
+          </p:cNvPr>
+          <p:cNvSpPr>
+            <a:spLocks noGrp="1"/>
+          </p:cNvSpPr>
+          <p:nvPr>
+            <p:ph type="title"/>
+          </p:nvPr>
+        </p:nvSpPr>
+        <p:spPr/>
+        <p:txBody>
+          <a:bodyPr>
+            <a:normAutofit/>
+          </a:bodyPr>
+          <a:lstStyle/>
+          <a:p>
+            <a:r>
+              <a:rPr lang="en-US" altLang="zh-TW" sz="4800" dirty="0"/>
+              <a:t>We</a:t>
+            </a:r>
+            <a:r>
+              <a:rPr lang="zh-TW" altLang="en-US" sz="4800" dirty="0"/>
+              <a:t> </a:t>
+            </a:r>
+            <a:r>
+              <a:rPr lang="en-US" altLang="zh-TW" sz="4800" dirty="0"/>
+              <a:t>did</a:t>
+            </a:r>
+            <a:r>
+              <a:rPr lang="zh-TW" altLang="en-US" sz="4800" dirty="0"/>
+              <a:t> </a:t>
+            </a:r>
+            <a:r>
+              <a:rPr lang="en-US" altLang="zh-TW" sz="4800" dirty="0"/>
+              <a:t>use</a:t>
+            </a:r>
+            <a:r>
+              <a:rPr lang="zh-TW" altLang="en-US" sz="4800" dirty="0"/>
+              <a:t> </a:t>
+            </a:r>
+            <a:r>
+              <a:rPr lang="en-US" altLang="zh-TW" sz="4800" dirty="0" err="1"/>
+              <a:t>github</a:t>
+            </a:r>
+            <a:endParaRPr lang="en-US" sz="4800" dirty="0"/>
+          </a:p>
+        </p:txBody>
+      </p:sp>
+      <p:pic>
+        <p:nvPicPr>
+          <p:cNvPr id="4" name="Picture 3">
+            <a:extLst>
+              <a:ext uri="{FF2B5EF4-FFF2-40B4-BE49-F238E27FC236}">
+                <a16:creationId xmlns:a16="http://schemas.microsoft.com/office/drawing/2014/main" id="{57AB882E-ED8D-6D4D-9C16-E965BE6421F1}"/>
+              </a:ext>
+            </a:extLst>
+          </p:cNvPr>
+          <p:cNvPicPr>
+            <a:picLocks noChangeAspect="1"/>
+          </p:cNvPicPr>
+          <p:nvPr/>
+        </p:nvPicPr>
+        <p:blipFill>
+          <a:blip r:embed="rId2">
+            <a:extLst>
+              <a:ext uri="{28A0092B-C50C-407E-A947-70E740481C1C}">
+                <a14:useLocalDpi xmlns:a14="http://schemas.microsoft.com/office/drawing/2010/main" val="0"/>
+              </a:ext>
+            </a:extLst>
+          </a:blip>
+          <a:stretch>
+            <a:fillRect/>
+          </a:stretch>
+        </p:blipFill>
+        <p:spPr>
+          <a:xfrm>
+            <a:off x="2052249" y="2720239"/>
+            <a:ext cx="8087501" cy="2543419"/>
+          </a:xfrm>
+          <a:prstGeom prst="rect">
+            <a:avLst/>
+          </a:prstGeom>
+        </p:spPr>
+      </p:pic>
+      <p:sp>
+        <p:nvSpPr>
+          <p:cNvPr id="6" name="TextBox 5">
+            <a:extLst>
+              <a:ext uri="{FF2B5EF4-FFF2-40B4-BE49-F238E27FC236}">
+                <a16:creationId xmlns:a16="http://schemas.microsoft.com/office/drawing/2014/main" id="{60E5958B-6CEA-9940-AE7B-8ADD38B32B2F}"/>
+              </a:ext>
+            </a:extLst>
+          </p:cNvPr>
+          <p:cNvSpPr txBox="1"/>
+          <p:nvPr/>
+        </p:nvSpPr>
+        <p:spPr>
+          <a:xfrm>
+            <a:off x="3666392" y="1019908"/>
+            <a:ext cx="184731" cy="369332"/>
+          </a:xfrm>
+          <a:prstGeom prst="rect">
+            <a:avLst/>
+          </a:prstGeom>
+          <a:noFill/>
+        </p:spPr>
+        <p:txBody>
+          <a:bodyPr wrap="none" rtlCol="0">
+            <a:spAutoFit/>
+          </a:bodyPr>
+          <a:lstStyle/>
+          <a:p>
+            <a:endParaRPr lang="en-US" dirty="0"/>
+          </a:p>
+        </p:txBody>
+      </p:sp>
+    </p:spTree>
+    <p:extLst>
+      <p:ext uri="{BB962C8B-B14F-4D97-AF65-F5344CB8AC3E}">
+        <p14:creationId xmlns:p14="http://schemas.microsoft.com/office/powerpoint/2010/main" val="633969072"/>
+      </p:ext>
+    </p:extLst>
+  </p:cSld>
+  <p:clrMapOvr>
+    <a:masterClrMapping/>
+  </p:clrMapOvr>
+</p:sld>
+</file>
+
+<file path=ppt/slides/slide24.xml><?xml version="1.0" encoding="utf-8"?>
+<p:sld xmlns:a="http://schemas.openxmlformats.org/drawingml/2006/main" xmlns:r="http://schemas.openxmlformats.org/officeDocument/2006/relationships" xmlns:p="http://schemas.openxmlformats.org/presentationml/2006/main">
+  <p:cSld>
+    <p:spTree>
+      <p:nvGrpSpPr>
+        <p:cNvPr id="1" name=""/>
+        <p:cNvGrpSpPr/>
+        <p:nvPr/>
+      </p:nvGrpSpPr>
+      <p:grpSpPr>
+        <a:xfrm>
+          <a:off x="0" y="0"/>
+          <a:ext cx="0" cy="0"/>
+          <a:chOff x="0" y="0"/>
+          <a:chExt cx="0" cy="0"/>
+        </a:xfrm>
+      </p:grpSpPr>
+      <p:sp>
+        <p:nvSpPr>
           <p:cNvPr id="2" name="標題 1"/>
           <p:cNvSpPr>
             <a:spLocks noGrp="1"/>
@@ -10539,10 +10351,9 @@
           <a:p>
             <a:pPr algn="ctr"/>
             <a:r>
-              <a:rPr lang="zh-TW" altLang="en-US" sz="5400" b="1" dirty="0" smtClean="0"/>
+              <a:rPr lang="zh-TW" altLang="en-US" sz="5400" b="1" dirty="0"/>
               <a:t>音效來源</a:t>
             </a:r>
-            <a:endParaRPr lang="zh-TW" altLang="en-US" sz="5400" b="1" dirty="0"/>
           </a:p>
         </p:txBody>
       </p:sp>
@@ -10595,7 +10406,7 @@
                     <a:p>
                       <a:pPr algn="ctr"/>
                       <a:r>
-                        <a:rPr lang="en-US" altLang="zh-TW" sz="2400" dirty="0" smtClean="0"/>
+                        <a:rPr lang="en-US" altLang="zh-TW" sz="2400" dirty="0"/>
                         <a:t>Start Music</a:t>
                       </a:r>
                       <a:endParaRPr lang="zh-TW" altLang="en-US" sz="2400" dirty="0"/>
@@ -10609,7 +10420,7 @@
                     <a:lstStyle/>
                     <a:p>
                       <a:r>
-                        <a:rPr lang="en-US" altLang="zh-TW" sz="2400" dirty="0" smtClean="0"/>
+                        <a:rPr lang="en-US" altLang="zh-TW" sz="2400" dirty="0"/>
                         <a:t>NIVIRO - The Ghost [NCS Official Video]</a:t>
                       </a:r>
                       <a:endParaRPr lang="zh-TW" altLang="en-US" sz="2400" dirty="0"/>
@@ -10631,7 +10442,7 @@
                     <a:p>
                       <a:pPr algn="r"/>
                       <a:r>
-                        <a:rPr lang="en-US" altLang="zh-TW" sz="2400" dirty="0" smtClean="0">
+                        <a:rPr lang="en-US" altLang="zh-TW" sz="2400" dirty="0">
                           <a:solidFill>
                             <a:schemeClr val="accent2"/>
                           </a:solidFill>
@@ -10653,7 +10464,7 @@
                     <a:lstStyle/>
                     <a:p>
                       <a:r>
-                        <a:rPr lang="en-US" altLang="zh-TW" sz="2400" dirty="0" smtClean="0">
+                        <a:rPr lang="en-US" altLang="zh-TW" sz="2400" dirty="0">
                           <a:solidFill>
                             <a:schemeClr val="accent2"/>
                           </a:solidFill>
@@ -10727,11 +10538,11 @@
                     <a:p>
                       <a:pPr algn="ctr"/>
                       <a:r>
-                        <a:rPr lang="en-US" altLang="zh-TW" sz="2400" dirty="0" smtClean="0"/>
+                        <a:rPr lang="en-US" altLang="zh-TW" sz="2400" dirty="0"/>
                         <a:t>Game</a:t>
                       </a:r>
                       <a:r>
-                        <a:rPr lang="en-US" altLang="zh-TW" sz="2400" baseline="0" dirty="0" smtClean="0"/>
+                        <a:rPr lang="en-US" altLang="zh-TW" sz="2400" baseline="0" dirty="0"/>
                         <a:t> Music</a:t>
                       </a:r>
                       <a:endParaRPr lang="zh-TW" altLang="en-US" sz="2400" dirty="0"/>
@@ -10762,18 +10573,18 @@
                         <a:defRPr/>
                       </a:pPr>
                       <a:r>
-                        <a:rPr lang="en-US" altLang="zh-TW" sz="2400" dirty="0" smtClean="0"/>
+                        <a:rPr lang="en-US" altLang="zh-TW" sz="2400" dirty="0"/>
                         <a:t>Juan </a:t>
                       </a:r>
                       <a:r>
-                        <a:rPr lang="en-US" altLang="zh-TW" sz="2400" dirty="0" err="1" smtClean="0"/>
+                        <a:rPr lang="en-US" altLang="zh-TW" sz="2400" dirty="0" err="1"/>
                         <a:t>Alcaraz</a:t>
                       </a:r>
                       <a:r>
-                        <a:rPr lang="en-US" altLang="zh-TW" sz="2400" dirty="0" smtClean="0"/>
+                        <a:rPr lang="en-US" altLang="zh-TW" sz="2400" dirty="0"/>
                         <a:t> - Minions Bounce (Original Mix) Video Edit Miguel Arteaga</a:t>
                       </a:r>
-                      <a:endParaRPr lang="zh-TW" altLang="en-US" sz="2400" dirty="0" smtClean="0"/>
+                      <a:endParaRPr lang="zh-TW" altLang="en-US" sz="2400" dirty="0"/>
                     </a:p>
                   </a:txBody>
                   <a:tcPr/>
@@ -10792,7 +10603,7 @@
                     <a:p>
                       <a:pPr algn="r"/>
                       <a:r>
-                        <a:rPr lang="en-US" altLang="zh-TW" sz="2400" dirty="0" smtClean="0">
+                        <a:rPr lang="en-US" altLang="zh-TW" sz="2400" dirty="0">
                           <a:solidFill>
                             <a:schemeClr val="accent2"/>
                           </a:solidFill>
@@ -10814,7 +10625,7 @@
                     <a:lstStyle/>
                     <a:p>
                       <a:r>
-                        <a:rPr lang="en-US" altLang="zh-TW" sz="2400" dirty="0" smtClean="0">
+                        <a:rPr lang="en-US" altLang="zh-TW" sz="2400" dirty="0">
                           <a:solidFill>
                             <a:schemeClr val="accent2"/>
                           </a:solidFill>
@@ -10850,17 +10661,10 @@
   <p:clrMapOvr>
     <a:masterClrMapping/>
   </p:clrMapOvr>
-  <p:timing>
-    <p:tnLst>
-      <p:par>
-        <p:cTn id="1" dur="indefinite" restart="never" nodeType="tmRoot"/>
-      </p:par>
-    </p:tnLst>
-  </p:timing>
 </p:sld>
 </file>
 
-<file path=ppt/slides/slide24.xml><?xml version="1.0" encoding="utf-8"?>
+<file path=ppt/slides/slide25.xml><?xml version="1.0" encoding="utf-8"?>
 <p:sld xmlns:a="http://schemas.openxmlformats.org/drawingml/2006/main" xmlns:r="http://schemas.openxmlformats.org/officeDocument/2006/relationships" xmlns:p="http://schemas.openxmlformats.org/presentationml/2006/main">
   <p:cSld>
     <p:spTree>
@@ -10896,7 +10700,7 @@
           <a:p>
             <a:pPr algn="ctr"/>
             <a:r>
-              <a:rPr lang="en-US" altLang="zh-TW" sz="8000" dirty="0" smtClean="0"/>
+              <a:rPr lang="en-US" altLang="zh-TW" sz="8000" dirty="0"/>
               <a:t>Fin.</a:t>
             </a:r>
             <a:endParaRPr lang="zh-TW" altLang="en-US" sz="8000" dirty="0"/>
@@ -10921,7 +10725,7 @@
           <a:lstStyle/>
           <a:p>
             <a:r>
-              <a:rPr lang="en-US" altLang="zh-TW" sz="2400" dirty="0" smtClean="0"/>
+              <a:rPr lang="en-US" altLang="zh-TW" sz="2400" dirty="0"/>
               <a:t>Thank for watching…</a:t>
             </a:r>
             <a:endParaRPr lang="zh-TW" altLang="en-US" sz="2400" dirty="0"/>
@@ -10938,13 +10742,6 @@
   <p:clrMapOvr>
     <a:masterClrMapping/>
   </p:clrMapOvr>
-  <p:timing>
-    <p:tnLst>
-      <p:par>
-        <p:cTn id="1" dur="indefinite" restart="never" nodeType="tmRoot"/>
-      </p:par>
-    </p:tnLst>
-  </p:timing>
 </p:sld>
 </file>
 
@@ -10984,10 +10781,9 @@
           <a:p>
             <a:pPr algn="ctr"/>
             <a:r>
-              <a:rPr lang="zh-TW" altLang="en-US" sz="4800" b="1" dirty="0" smtClean="0"/>
+              <a:rPr lang="zh-TW" altLang="en-US" sz="4800" b="1" dirty="0"/>
               <a:t>遊戲特色</a:t>
             </a:r>
-            <a:endParaRPr lang="zh-TW" altLang="en-US" sz="4800" b="1" dirty="0"/>
           </a:p>
         </p:txBody>
       </p:sp>
@@ -11026,13 +10822,6 @@
   <p:clrMapOvr>
     <a:masterClrMapping/>
   </p:clrMapOvr>
-  <p:timing>
-    <p:tnLst>
-      <p:par>
-        <p:cTn id="1" dur="indefinite" restart="never" nodeType="tmRoot"/>
-      </p:par>
-    </p:tnLst>
-  </p:timing>
 </p:sld>
 </file>
 
@@ -11071,28 +10860,24 @@
           <a:lstStyle/>
           <a:p>
             <a:r>
-              <a:rPr lang="zh-TW" altLang="en-US" sz="4800" dirty="0" smtClean="0"/>
+              <a:rPr lang="zh-TW" altLang="en-US" sz="4800" dirty="0"/>
               <a:t>角色介紹 </a:t>
             </a:r>
             <a:r>
-              <a:rPr lang="en-US" altLang="zh-TW" sz="4800" dirty="0" smtClean="0"/>
+              <a:rPr lang="en-US" altLang="zh-TW" sz="4800" dirty="0"/>
               <a:t>-</a:t>
             </a:r>
             <a:r>
-              <a:rPr lang="zh-TW" altLang="en-US" sz="4800" dirty="0" smtClean="0"/>
+              <a:rPr lang="zh-TW" altLang="en-US" sz="4800" dirty="0"/>
               <a:t> </a:t>
             </a:r>
             <a:r>
-              <a:rPr lang="zh-TW" altLang="en-US" sz="4800" b="1" dirty="0" smtClean="0"/>
+              <a:rPr lang="zh-TW" altLang="en-US" sz="4800" b="1" dirty="0"/>
               <a:t>囚犯 </a:t>
             </a:r>
             <a:r>
-              <a:rPr lang="en-US" altLang="zh-TW" sz="3600" dirty="0" smtClean="0"/>
-              <a:t>(</a:t>
-            </a:r>
-            <a:r>
               <a:rPr lang="en-US" altLang="zh-TW" sz="3600" dirty="0"/>
-              <a:t>Human)</a:t>
+              <a:t>(Human)</a:t>
             </a:r>
             <a:endParaRPr lang="zh-TW" altLang="en-US" sz="3600" dirty="0"/>
           </a:p>
@@ -11114,22 +10899,17 @@
           <a:lstStyle/>
           <a:p>
             <a:r>
-              <a:rPr lang="zh-TW" altLang="en-US" sz="2400" dirty="0" smtClean="0"/>
-              <a:t>圓</a:t>
-            </a:r>
-            <a:r>
               <a:rPr lang="zh-TW" altLang="en-US" sz="2400" dirty="0"/>
-              <a:t>圓</a:t>
-            </a:r>
-            <a:r>
-              <a:rPr lang="zh-TW" altLang="en-US" sz="2400" b="1" dirty="0" smtClean="0"/>
+              <a:t>圓圓</a:t>
+            </a:r>
+            <a:r>
+              <a:rPr lang="zh-TW" altLang="en-US" sz="2400" b="1" dirty="0"/>
               <a:t>囚犯逃跑</a:t>
             </a:r>
             <a:r>
-              <a:rPr lang="zh-TW" altLang="en-US" sz="2400" dirty="0" smtClean="0"/>
+              <a:rPr lang="zh-TW" altLang="en-US" sz="2400" dirty="0"/>
               <a:t>計畫！</a:t>
             </a:r>
-            <a:endParaRPr lang="zh-TW" altLang="en-US" sz="2400" dirty="0"/>
           </a:p>
         </p:txBody>
       </p:sp>
@@ -11178,18 +10958,17 @@
           <a:lstStyle/>
           <a:p>
             <a:r>
-              <a:rPr lang="zh-TW" altLang="en-US" sz="2400" dirty="0" smtClean="0"/>
+              <a:rPr lang="zh-TW" altLang="en-US" sz="2400" dirty="0"/>
               <a:t>由</a:t>
             </a:r>
             <a:r>
-              <a:rPr lang="zh-TW" altLang="en-US" sz="2400" b="1" dirty="0" smtClean="0"/>
+              <a:rPr lang="zh-TW" altLang="en-US" sz="2400" b="1" dirty="0"/>
               <a:t>玩家</a:t>
             </a:r>
             <a:r>
-              <a:rPr lang="zh-TW" altLang="en-US" sz="2400" dirty="0" smtClean="0"/>
+              <a:rPr lang="zh-TW" altLang="en-US" sz="2400" dirty="0"/>
               <a:t>操作</a:t>
             </a:r>
-            <a:endParaRPr lang="zh-TW" altLang="en-US" sz="2400" dirty="0"/>
           </a:p>
         </p:txBody>
       </p:sp>
@@ -11338,13 +11117,6 @@
   <p:clrMapOvr>
     <a:masterClrMapping/>
   </p:clrMapOvr>
-  <p:timing>
-    <p:tnLst>
-      <p:par>
-        <p:cTn id="1" dur="indefinite" restart="never" nodeType="tmRoot"/>
-      </p:par>
-    </p:tnLst>
-  </p:timing>
 </p:sld>
 </file>
 
@@ -11391,15 +11163,15 @@
               <a:t>-</a:t>
             </a:r>
             <a:r>
-              <a:rPr lang="zh-TW" altLang="en-US" sz="4800" dirty="0" smtClean="0"/>
+              <a:rPr lang="zh-TW" altLang="en-US" sz="4800" dirty="0"/>
               <a:t> </a:t>
             </a:r>
             <a:r>
-              <a:rPr lang="zh-TW" altLang="en-US" sz="4800" b="1" dirty="0" smtClean="0"/>
+              <a:rPr lang="zh-TW" altLang="en-US" sz="4800" b="1" dirty="0"/>
               <a:t>警察 </a:t>
             </a:r>
             <a:r>
-              <a:rPr lang="en-US" altLang="zh-TW" sz="4800" dirty="0" smtClean="0"/>
+              <a:rPr lang="en-US" altLang="zh-TW" sz="4800" dirty="0"/>
               <a:t>(Ghost)</a:t>
             </a:r>
             <a:endParaRPr lang="zh-TW" altLang="en-US" sz="4800" dirty="0"/>
@@ -11422,20 +11194,16 @@
           <a:lstStyle/>
           <a:p>
             <a:r>
-              <a:rPr lang="zh-TW" altLang="en-US" sz="2400" dirty="0" smtClean="0"/>
+              <a:rPr lang="zh-TW" altLang="en-US" sz="2400" dirty="0"/>
               <a:t>古錐</a:t>
             </a:r>
             <a:r>
-              <a:rPr lang="zh-TW" altLang="en-US" sz="2400" b="1" dirty="0" smtClean="0"/>
+              <a:rPr lang="zh-TW" altLang="en-US" sz="2400" b="1" dirty="0"/>
               <a:t>警察</a:t>
             </a:r>
             <a:r>
-              <a:rPr lang="zh-TW" altLang="en-US" sz="2400" dirty="0" smtClean="0"/>
-              <a:t>來啦</a:t>
-            </a:r>
-            <a:r>
               <a:rPr lang="zh-TW" altLang="en-US" sz="2400" dirty="0"/>
-              <a:t>！</a:t>
+              <a:t>來啦！</a:t>
             </a:r>
           </a:p>
         </p:txBody>
@@ -11485,18 +11253,17 @@
           <a:lstStyle/>
           <a:p>
             <a:r>
-              <a:rPr lang="zh-TW" altLang="en-US" sz="2400" dirty="0" smtClean="0"/>
+              <a:rPr lang="zh-TW" altLang="en-US" sz="2400" dirty="0"/>
               <a:t>由</a:t>
             </a:r>
             <a:r>
-              <a:rPr lang="zh-TW" altLang="en-US" sz="2400" b="1" dirty="0" smtClean="0"/>
+              <a:rPr lang="zh-TW" altLang="en-US" sz="2400" b="1" dirty="0"/>
               <a:t>系統</a:t>
             </a:r>
             <a:r>
-              <a:rPr lang="zh-TW" altLang="en-US" sz="2400" dirty="0" smtClean="0"/>
+              <a:rPr lang="zh-TW" altLang="en-US" sz="2400" dirty="0"/>
               <a:t>自然生成</a:t>
             </a:r>
-            <a:endParaRPr lang="zh-TW" altLang="en-US" sz="2400" dirty="0"/>
           </a:p>
         </p:txBody>
       </p:sp>
@@ -11645,13 +11412,6 @@
   <p:clrMapOvr>
     <a:masterClrMapping/>
   </p:clrMapOvr>
-  <p:timing>
-    <p:tnLst>
-      <p:par>
-        <p:cTn id="1" dur="indefinite" restart="never" nodeType="tmRoot"/>
-      </p:par>
-    </p:tnLst>
-  </p:timing>
 </p:sld>
 </file>
 
@@ -11690,30 +11450,29 @@
           <a:lstStyle/>
           <a:p>
             <a:r>
-              <a:rPr lang="zh-TW" altLang="en-US" sz="4800" dirty="0" smtClean="0"/>
+              <a:rPr lang="zh-TW" altLang="en-US" sz="4800" dirty="0"/>
               <a:t>道具介紹 </a:t>
             </a:r>
             <a:r>
-              <a:rPr lang="en-US" altLang="zh-TW" sz="4800" dirty="0" smtClean="0"/>
+              <a:rPr lang="en-US" altLang="zh-TW" sz="4800" dirty="0"/>
               <a:t>-</a:t>
             </a:r>
             <a:r>
-              <a:rPr lang="zh-TW" altLang="en-US" sz="4800" dirty="0" smtClean="0"/>
+              <a:rPr lang="zh-TW" altLang="en-US" sz="4800" dirty="0"/>
               <a:t> </a:t>
             </a:r>
             <a:r>
-              <a:rPr lang="zh-TW" altLang="en-US" sz="4800" b="1" dirty="0" smtClean="0"/>
+              <a:rPr lang="zh-TW" altLang="en-US" sz="4800" b="1" dirty="0"/>
               <a:t>加速 </a:t>
             </a:r>
             <a:r>
-              <a:rPr lang="en-US" altLang="zh-TW" sz="4800" dirty="0" smtClean="0"/>
+              <a:rPr lang="en-US" altLang="zh-TW" sz="4800" dirty="0"/>
               <a:t>&amp; </a:t>
             </a:r>
             <a:r>
-              <a:rPr lang="zh-TW" altLang="en-US" sz="4800" b="1" dirty="0" smtClean="0"/>
+              <a:rPr lang="zh-TW" altLang="en-US" sz="4800" b="1" dirty="0"/>
               <a:t>減速</a:t>
             </a:r>
-            <a:endParaRPr lang="zh-TW" altLang="en-US" sz="4800" b="1" dirty="0"/>
           </a:p>
         </p:txBody>
       </p:sp>
@@ -11733,14 +11492,13 @@
           <a:lstStyle/>
           <a:p>
             <a:r>
-              <a:rPr lang="zh-TW" altLang="en-US" sz="2400" dirty="0" smtClean="0"/>
+              <a:rPr lang="zh-TW" altLang="en-US" sz="2400" dirty="0"/>
               <a:t>加速：</a:t>
             </a:r>
             <a:r>
-              <a:rPr lang="zh-TW" altLang="en-US" sz="2400" b="1" dirty="0" smtClean="0"/>
+              <a:rPr lang="zh-TW" altLang="en-US" sz="2400" b="1" dirty="0"/>
               <a:t>駱駝</a:t>
             </a:r>
-            <a:endParaRPr lang="zh-TW" altLang="en-US" sz="2400" b="1" dirty="0"/>
           </a:p>
         </p:txBody>
       </p:sp>
@@ -11762,10 +11520,10 @@
           <a:lstStyle/>
           <a:p>
             <a:r>
-              <a:rPr lang="zh-TW" altLang="en-US" sz="2400" dirty="0" smtClean="0"/>
+              <a:rPr lang="zh-TW" altLang="en-US" sz="2400" dirty="0"/>
               <a:t>你的好夥伴！</a:t>
             </a:r>
-            <a:endParaRPr lang="en-US" altLang="zh-TW" sz="2400" dirty="0" smtClean="0"/>
+            <a:endParaRPr lang="en-US" altLang="zh-TW" sz="2400" dirty="0"/>
           </a:p>
           <a:p>
             <a:endParaRPr lang="zh-TW" altLang="en-US" sz="2400" dirty="0"/>
@@ -11788,14 +11546,13 @@
           <a:lstStyle/>
           <a:p>
             <a:r>
-              <a:rPr lang="zh-TW" altLang="en-US" sz="2400" dirty="0" smtClean="0"/>
+              <a:rPr lang="zh-TW" altLang="en-US" sz="2400" dirty="0"/>
               <a:t>減速：</a:t>
             </a:r>
             <a:r>
-              <a:rPr lang="zh-TW" altLang="en-US" sz="2400" b="1" dirty="0" smtClean="0"/>
+              <a:rPr lang="zh-TW" altLang="en-US" sz="2400" b="1" dirty="0"/>
               <a:t>流沙</a:t>
             </a:r>
-            <a:endParaRPr lang="zh-TW" altLang="en-US" sz="2400" b="1" dirty="0"/>
           </a:p>
         </p:txBody>
       </p:sp>
@@ -11817,11 +11574,11 @@
           <a:lstStyle/>
           <a:p>
             <a:r>
-              <a:rPr lang="zh-TW" altLang="en-US" sz="2400" dirty="0" smtClean="0"/>
+              <a:rPr lang="zh-TW" altLang="en-US" sz="2400" dirty="0"/>
               <a:t>小心別踩！很危險</a:t>
             </a:r>
             <a:r>
-              <a:rPr lang="en-US" altLang="zh-TW" sz="2400" dirty="0" smtClean="0"/>
+              <a:rPr lang="en-US" altLang="zh-TW" sz="2400" dirty="0"/>
               <a:t>~</a:t>
             </a:r>
             <a:endParaRPr lang="zh-TW" altLang="en-US" sz="2400" dirty="0"/>
@@ -11898,13 +11655,6 @@
   <p:clrMapOvr>
     <a:masterClrMapping/>
   </p:clrMapOvr>
-  <p:timing>
-    <p:tnLst>
-      <p:par>
-        <p:cTn id="1" dur="indefinite" restart="never" nodeType="tmRoot"/>
-      </p:par>
-    </p:tnLst>
-  </p:timing>
 </p:sld>
 </file>
 
@@ -11943,38 +11693,37 @@
           <a:lstStyle/>
           <a:p>
             <a:r>
-              <a:rPr lang="zh-TW" altLang="en-US" sz="4800" dirty="0" smtClean="0"/>
+              <a:rPr lang="zh-TW" altLang="en-US" sz="4800" dirty="0"/>
               <a:t>道具介紹 </a:t>
             </a:r>
             <a:r>
-              <a:rPr lang="en-US" altLang="zh-TW" sz="4800" dirty="0" smtClean="0"/>
+              <a:rPr lang="en-US" altLang="zh-TW" sz="4800" dirty="0"/>
               <a:t>–</a:t>
             </a:r>
             <a:r>
-              <a:rPr lang="zh-TW" altLang="en-US" sz="4800" dirty="0" smtClean="0"/>
+              <a:rPr lang="zh-TW" altLang="en-US" sz="4800" dirty="0"/>
               <a:t> </a:t>
             </a:r>
             <a:r>
-              <a:rPr lang="zh-TW" altLang="en-US" sz="4800" b="1" dirty="0" smtClean="0"/>
+              <a:rPr lang="zh-TW" altLang="en-US" sz="4800" b="1" dirty="0"/>
               <a:t>任意門 </a:t>
             </a:r>
             <a:r>
-              <a:rPr lang="en-US" altLang="zh-TW" sz="4800" dirty="0" smtClean="0"/>
+              <a:rPr lang="en-US" altLang="zh-TW" sz="4800" dirty="0"/>
               <a:t>&amp;</a:t>
             </a:r>
             <a:r>
-              <a:rPr lang="zh-TW" altLang="en-US" sz="4800" dirty="0" smtClean="0"/>
+              <a:rPr lang="zh-TW" altLang="en-US" sz="4800" dirty="0"/>
               <a:t> </a:t>
             </a:r>
             <a:r>
-              <a:rPr lang="zh-TW" altLang="en-US" sz="4800" b="1" dirty="0" smtClean="0"/>
+              <a:rPr lang="zh-TW" altLang="en-US" sz="4800" b="1" dirty="0"/>
               <a:t>迷幻</a:t>
             </a:r>
             <a:r>
-              <a:rPr lang="zh-TW" altLang="en-US" sz="4800" dirty="0" smtClean="0"/>
+              <a:rPr lang="zh-TW" altLang="en-US" sz="4800" dirty="0"/>
               <a:t>效果</a:t>
             </a:r>
-            <a:endParaRPr lang="zh-TW" altLang="en-US" sz="4800" dirty="0"/>
           </a:p>
         </p:txBody>
       </p:sp>
@@ -11994,14 +11743,13 @@
           <a:lstStyle/>
           <a:p>
             <a:r>
-              <a:rPr lang="zh-TW" altLang="en-US" sz="2400" dirty="0" smtClean="0"/>
+              <a:rPr lang="zh-TW" altLang="en-US" sz="2400" dirty="0"/>
               <a:t>任意門：</a:t>
             </a:r>
             <a:r>
-              <a:rPr lang="zh-TW" altLang="en-US" sz="2400" b="1" dirty="0" smtClean="0"/>
+              <a:rPr lang="zh-TW" altLang="en-US" sz="2400" b="1" dirty="0"/>
               <a:t>山洞</a:t>
             </a:r>
-            <a:endParaRPr lang="zh-TW" altLang="en-US" sz="2400" b="1" dirty="0"/>
           </a:p>
         </p:txBody>
       </p:sp>
@@ -12023,21 +11771,20 @@
           <a:lstStyle/>
           <a:p>
             <a:r>
-              <a:rPr lang="zh-TW" altLang="en-US" sz="2400" dirty="0" smtClean="0"/>
+              <a:rPr lang="zh-TW" altLang="en-US" sz="2400" dirty="0"/>
               <a:t>誰都</a:t>
             </a:r>
             <a:r>
-              <a:rPr lang="zh-TW" altLang="en-US" sz="2400" b="1" dirty="0" smtClean="0"/>
+              <a:rPr lang="zh-TW" altLang="en-US" sz="2400" b="1" dirty="0"/>
               <a:t>不知道會被傳送到哪</a:t>
             </a:r>
-            <a:endParaRPr lang="en-US" altLang="zh-TW" sz="2400" b="1" dirty="0" smtClean="0"/>
-          </a:p>
-          <a:p>
-            <a:r>
-              <a:rPr lang="zh-TW" altLang="en-US" sz="2400" dirty="0" smtClean="0"/>
+            <a:endParaRPr lang="en-US" altLang="zh-TW" sz="2400" b="1" dirty="0"/>
+          </a:p>
+          <a:p>
+            <a:r>
+              <a:rPr lang="zh-TW" altLang="en-US" sz="2400" dirty="0"/>
               <a:t>所以山洞別亂進！</a:t>
             </a:r>
-            <a:endParaRPr lang="zh-TW" altLang="en-US" sz="2400" dirty="0"/>
           </a:p>
         </p:txBody>
       </p:sp>
@@ -12057,14 +11804,13 @@
           <a:lstStyle/>
           <a:p>
             <a:r>
-              <a:rPr lang="zh-TW" altLang="en-US" sz="2400" dirty="0" smtClean="0"/>
+              <a:rPr lang="zh-TW" altLang="en-US" sz="2400" dirty="0"/>
               <a:t>迷幻效果：</a:t>
             </a:r>
             <a:r>
-              <a:rPr lang="zh-TW" altLang="en-US" sz="2400" b="1" dirty="0" smtClean="0"/>
+              <a:rPr lang="zh-TW" altLang="en-US" sz="2400" b="1" dirty="0"/>
               <a:t>蜈蚣</a:t>
             </a:r>
-            <a:endParaRPr lang="zh-TW" altLang="en-US" sz="2400" b="1" dirty="0"/>
           </a:p>
         </p:txBody>
       </p:sp>
@@ -12086,18 +11832,17 @@
           <a:lstStyle/>
           <a:p>
             <a:r>
-              <a:rPr lang="zh-TW" altLang="en-US" sz="2400" dirty="0" smtClean="0"/>
+              <a:rPr lang="zh-TW" altLang="en-US" sz="2400" dirty="0"/>
               <a:t>被蜈蚣攻擊、</a:t>
             </a:r>
             <a:r>
-              <a:rPr lang="zh-TW" altLang="en-US" sz="2400" b="1" dirty="0" smtClean="0"/>
+              <a:rPr lang="zh-TW" altLang="en-US" sz="2400" b="1" dirty="0"/>
               <a:t>分不清左右上下</a:t>
             </a:r>
             <a:r>
-              <a:rPr lang="zh-TW" altLang="en-US" sz="2400" dirty="0" smtClean="0"/>
+              <a:rPr lang="zh-TW" altLang="en-US" sz="2400" dirty="0"/>
               <a:t>！</a:t>
             </a:r>
-            <a:endParaRPr lang="zh-TW" altLang="en-US" sz="2400" dirty="0"/>
           </a:p>
         </p:txBody>
       </p:sp>
@@ -12171,13 +11916,6 @@
   <p:clrMapOvr>
     <a:masterClrMapping/>
   </p:clrMapOvr>
-  <p:timing>
-    <p:tnLst>
-      <p:par>
-        <p:cTn id="1" dur="indefinite" restart="never" nodeType="tmRoot"/>
-      </p:par>
-    </p:tnLst>
-  </p:timing>
 </p:sld>
 </file>
 
@@ -12228,7 +11966,7 @@
               <a:t> </a:t>
             </a:r>
             <a:r>
-              <a:rPr lang="zh-TW" altLang="en-US" sz="4800" b="1" dirty="0" smtClean="0"/>
+              <a:rPr lang="zh-TW" altLang="en-US" sz="4800" b="1" dirty="0"/>
               <a:t>惡魔果實！</a:t>
             </a:r>
             <a:endParaRPr lang="zh-TW" altLang="en-US" sz="4800" dirty="0"/>
@@ -12372,10 +12110,9 @@
           <a:lstStyle/>
           <a:p>
             <a:r>
-              <a:rPr lang="zh-TW" altLang="en-US" dirty="0" smtClean="0"/>
+              <a:rPr lang="zh-TW" altLang="en-US" dirty="0"/>
               <a:t>跑跑跑</a:t>
             </a:r>
-            <a:endParaRPr lang="zh-TW" altLang="en-US" dirty="0"/>
           </a:p>
         </p:txBody>
       </p:sp>
@@ -12426,11 +12163,11 @@
           <a:lstStyle/>
           <a:p>
             <a:r>
-              <a:rPr lang="zh-TW" altLang="en-US" sz="3600" dirty="0" smtClean="0"/>
+              <a:rPr lang="zh-TW" altLang="en-US" sz="3600" dirty="0"/>
               <a:t>駱駝跑起來喇</a:t>
             </a:r>
             <a:r>
-              <a:rPr lang="en-US" altLang="zh-TW" sz="3600" dirty="0" smtClean="0"/>
+              <a:rPr lang="en-US" altLang="zh-TW" sz="3600" dirty="0"/>
               <a:t>~</a:t>
             </a:r>
             <a:endParaRPr lang="zh-TW" altLang="en-US" sz="3600" dirty="0"/>
@@ -12537,13 +12274,6 @@
   <p:clrMapOvr>
     <a:masterClrMapping/>
   </p:clrMapOvr>
-  <p:timing>
-    <p:tnLst>
-      <p:par>
-        <p:cTn id="1" dur="indefinite" restart="never" nodeType="tmRoot"/>
-      </p:par>
-    </p:tnLst>
-  </p:timing>
 </p:sld>
 </file>
 

--- a/PPT/JAVA Final project.pptx
+++ b/PPT/JAVA Final project.pptx
@@ -8788,8 +8788,12 @@
           <a:p>
             <a:pPr lvl="1"/>
             <a:r>
+              <a:rPr lang="en-US" altLang="zh-TW" sz="2200" dirty="0"/>
+              <a:t>Framework</a:t>
+            </a:r>
+            <a:r>
               <a:rPr lang="zh-TW" altLang="en-US" sz="2200" dirty="0"/>
-              <a:t>碰撞無法完全偵測</a:t>
+              <a:t> 碰撞無法完全偵測</a:t>
             </a:r>
             <a:endParaRPr lang="en-US" altLang="zh-TW" sz="2200" dirty="0"/>
           </a:p>
@@ -10270,38 +10274,6 @@
           </a:prstGeom>
         </p:spPr>
       </p:pic>
-      <p:sp>
-        <p:nvSpPr>
-          <p:cNvPr id="6" name="TextBox 5">
-            <a:extLst>
-              <a:ext uri="{FF2B5EF4-FFF2-40B4-BE49-F238E27FC236}">
-                <a16:creationId xmlns:a16="http://schemas.microsoft.com/office/drawing/2014/main" id="{60E5958B-6CEA-9940-AE7B-8ADD38B32B2F}"/>
-              </a:ext>
-            </a:extLst>
-          </p:cNvPr>
-          <p:cNvSpPr txBox="1"/>
-          <p:nvPr/>
-        </p:nvSpPr>
-        <p:spPr>
-          <a:xfrm>
-            <a:off x="3666392" y="1019908"/>
-            <a:ext cx="184731" cy="369332"/>
-          </a:xfrm>
-          <a:prstGeom prst="rect">
-            <a:avLst/>
-          </a:prstGeom>
-          <a:noFill/>
-        </p:spPr>
-        <p:txBody>
-          <a:bodyPr wrap="none" rtlCol="0">
-            <a:spAutoFit/>
-          </a:bodyPr>
-          <a:lstStyle/>
-          <a:p>
-            <a:endParaRPr lang="en-US" dirty="0"/>
-          </a:p>
-        </p:txBody>
-      </p:sp>
     </p:spTree>
     <p:extLst>
       <p:ext uri="{BB962C8B-B14F-4D97-AF65-F5344CB8AC3E}">

--- a/PPT/JAVA Final project.pptx
+++ b/PPT/JAVA Final project.pptx
@@ -10266,7 +10266,7 @@
         </p:blipFill>
         <p:spPr>
           <a:xfrm>
-            <a:off x="2052249" y="2720239"/>
+            <a:off x="2052249" y="2711447"/>
             <a:ext cx="8087501" cy="2543419"/>
           </a:xfrm>
           <a:prstGeom prst="rect">

--- a/PPT/JAVA Final project.pptx
+++ b/PPT/JAVA Final project.pptx
@@ -20,16 +20,17 @@
     <p:sldId id="276" r:id="rId14"/>
     <p:sldId id="277" r:id="rId15"/>
     <p:sldId id="267" r:id="rId16"/>
-    <p:sldId id="274" r:id="rId17"/>
-    <p:sldId id="270" r:id="rId18"/>
-    <p:sldId id="278" r:id="rId19"/>
-    <p:sldId id="280" r:id="rId20"/>
-    <p:sldId id="279" r:id="rId21"/>
-    <p:sldId id="268" r:id="rId22"/>
-    <p:sldId id="269" r:id="rId23"/>
-    <p:sldId id="281" r:id="rId24"/>
-    <p:sldId id="271" r:id="rId25"/>
-    <p:sldId id="273" r:id="rId26"/>
+    <p:sldId id="282" r:id="rId17"/>
+    <p:sldId id="274" r:id="rId18"/>
+    <p:sldId id="270" r:id="rId19"/>
+    <p:sldId id="278" r:id="rId20"/>
+    <p:sldId id="280" r:id="rId21"/>
+    <p:sldId id="279" r:id="rId22"/>
+    <p:sldId id="268" r:id="rId23"/>
+    <p:sldId id="269" r:id="rId24"/>
+    <p:sldId id="281" r:id="rId25"/>
+    <p:sldId id="271" r:id="rId26"/>
+    <p:sldId id="273" r:id="rId27"/>
   </p:sldIdLst>
   <p:sldSz cx="12192000" cy="6858000"/>
   <p:notesSz cx="6858000" cy="9144000"/>
@@ -8137,7 +8138,7 @@
             <a:pPr algn="ctr"/>
             <a:r>
               <a:rPr lang="en-US" altLang="zh-TW" sz="8800" b="1" dirty="0"/>
-              <a:t>UML</a:t>
+              <a:t>DEMO</a:t>
             </a:r>
             <a:endParaRPr lang="zh-TW" altLang="en-US" sz="8800" b="1" dirty="0"/>
           </a:p>
@@ -8163,7 +8164,7 @@
             <a:pPr algn="ctr"/>
             <a:r>
               <a:rPr lang="zh-TW" altLang="en-US" sz="2400" dirty="0"/>
-              <a:t>系統設計</a:t>
+              <a:t>展示</a:t>
             </a:r>
           </a:p>
         </p:txBody>
@@ -8182,6 +8183,87 @@
 </file>
 
 <file path=ppt/slides/slide16.xml><?xml version="1.0" encoding="utf-8"?>
+<p:sld xmlns:a="http://schemas.openxmlformats.org/drawingml/2006/main" xmlns:r="http://schemas.openxmlformats.org/officeDocument/2006/relationships" xmlns:p="http://schemas.openxmlformats.org/presentationml/2006/main">
+  <p:cSld>
+    <p:spTree>
+      <p:nvGrpSpPr>
+        <p:cNvPr id="1" name=""/>
+        <p:cNvGrpSpPr/>
+        <p:nvPr/>
+      </p:nvGrpSpPr>
+      <p:grpSpPr>
+        <a:xfrm>
+          <a:off x="0" y="0"/>
+          <a:ext cx="0" cy="0"/>
+          <a:chOff x="0" y="0"/>
+          <a:chExt cx="0" cy="0"/>
+        </a:xfrm>
+      </p:grpSpPr>
+      <p:sp>
+        <p:nvSpPr>
+          <p:cNvPr id="2" name="標題 1"/>
+          <p:cNvSpPr>
+            <a:spLocks noGrp="1"/>
+          </p:cNvSpPr>
+          <p:nvPr>
+            <p:ph type="title"/>
+          </p:nvPr>
+        </p:nvSpPr>
+        <p:spPr/>
+        <p:txBody>
+          <a:bodyPr>
+            <a:normAutofit/>
+          </a:bodyPr>
+          <a:lstStyle/>
+          <a:p>
+            <a:pPr algn="ctr"/>
+            <a:r>
+              <a:rPr lang="en-US" altLang="zh-TW" sz="8800" b="1" dirty="0"/>
+              <a:t>UML</a:t>
+            </a:r>
+            <a:endParaRPr lang="zh-TW" altLang="en-US" sz="8800" b="1" dirty="0"/>
+          </a:p>
+        </p:txBody>
+      </p:sp>
+      <p:sp>
+        <p:nvSpPr>
+          <p:cNvPr id="3" name="文字版面配置區 2"/>
+          <p:cNvSpPr>
+            <a:spLocks noGrp="1"/>
+          </p:cNvSpPr>
+          <p:nvPr>
+            <p:ph type="body" idx="1"/>
+          </p:nvPr>
+        </p:nvSpPr>
+        <p:spPr/>
+        <p:txBody>
+          <a:bodyPr>
+            <a:normAutofit/>
+          </a:bodyPr>
+          <a:lstStyle/>
+          <a:p>
+            <a:pPr algn="ctr"/>
+            <a:r>
+              <a:rPr lang="zh-TW" altLang="en-US" sz="2400" dirty="0"/>
+              <a:t>系統設計</a:t>
+            </a:r>
+          </a:p>
+        </p:txBody>
+      </p:sp>
+    </p:spTree>
+    <p:extLst>
+      <p:ext uri="{BB962C8B-B14F-4D97-AF65-F5344CB8AC3E}">
+        <p14:creationId xmlns:p14="http://schemas.microsoft.com/office/powerpoint/2010/main" val="645112373"/>
+      </p:ext>
+    </p:extLst>
+  </p:cSld>
+  <p:clrMapOvr>
+    <a:masterClrMapping/>
+  </p:clrMapOvr>
+</p:sld>
+</file>
+
+<file path=ppt/slides/slide17.xml><?xml version="1.0" encoding="utf-8"?>
 <p:sld xmlns:a="http://schemas.openxmlformats.org/drawingml/2006/main" xmlns:r="http://schemas.openxmlformats.org/officeDocument/2006/relationships" xmlns:p="http://schemas.openxmlformats.org/presentationml/2006/main">
   <p:cSld>
     <p:spTree>
@@ -8252,91 +8334,6 @@
 </p:sld>
 </file>
 
-<file path=ppt/slides/slide17.xml><?xml version="1.0" encoding="utf-8"?>
-<p:sld xmlns:a="http://schemas.openxmlformats.org/drawingml/2006/main" xmlns:r="http://schemas.openxmlformats.org/officeDocument/2006/relationships" xmlns:p="http://schemas.openxmlformats.org/presentationml/2006/main">
-  <p:cSld>
-    <p:spTree>
-      <p:nvGrpSpPr>
-        <p:cNvPr id="1" name=""/>
-        <p:cNvGrpSpPr/>
-        <p:nvPr/>
-      </p:nvGrpSpPr>
-      <p:grpSpPr>
-        <a:xfrm>
-          <a:off x="0" y="0"/>
-          <a:ext cx="0" cy="0"/>
-          <a:chOff x="0" y="0"/>
-          <a:chExt cx="0" cy="0"/>
-        </a:xfrm>
-      </p:grpSpPr>
-      <p:sp>
-        <p:nvSpPr>
-          <p:cNvPr id="2" name="標題 1"/>
-          <p:cNvSpPr>
-            <a:spLocks noGrp="1"/>
-          </p:cNvSpPr>
-          <p:nvPr>
-            <p:ph type="title"/>
-          </p:nvPr>
-        </p:nvSpPr>
-        <p:spPr/>
-        <p:txBody>
-          <a:bodyPr>
-            <a:noAutofit/>
-          </a:bodyPr>
-          <a:lstStyle/>
-          <a:p>
-            <a:pPr algn="ctr"/>
-            <a:r>
-              <a:rPr lang="zh-TW" altLang="en-US" sz="9600" b="1" dirty="0"/>
-              <a:t>問題紀錄</a:t>
-            </a:r>
-          </a:p>
-        </p:txBody>
-      </p:sp>
-      <p:sp>
-        <p:nvSpPr>
-          <p:cNvPr id="3" name="文字版面配置區 2"/>
-          <p:cNvSpPr>
-            <a:spLocks noGrp="1"/>
-          </p:cNvSpPr>
-          <p:nvPr>
-            <p:ph type="body" idx="1"/>
-          </p:nvPr>
-        </p:nvSpPr>
-        <p:spPr/>
-        <p:txBody>
-          <a:bodyPr>
-            <a:normAutofit/>
-          </a:bodyPr>
-          <a:lstStyle/>
-          <a:p>
-            <a:pPr algn="ctr"/>
-            <a:r>
-              <a:rPr lang="zh-TW" altLang="en-US" sz="2400" dirty="0"/>
-              <a:t>發生了許多無理取鬧的問題</a:t>
-            </a:r>
-            <a:r>
-              <a:rPr lang="en-US" altLang="zh-TW" sz="2400" dirty="0"/>
-              <a:t>…</a:t>
-            </a:r>
-            <a:endParaRPr lang="zh-TW" altLang="en-US" sz="2400" dirty="0"/>
-          </a:p>
-        </p:txBody>
-      </p:sp>
-    </p:spTree>
-    <p:extLst>
-      <p:ext uri="{BB962C8B-B14F-4D97-AF65-F5344CB8AC3E}">
-        <p14:creationId xmlns:p14="http://schemas.microsoft.com/office/powerpoint/2010/main" val="2101376914"/>
-      </p:ext>
-    </p:extLst>
-  </p:cSld>
-  <p:clrMapOvr>
-    <a:masterClrMapping/>
-  </p:clrMapOvr>
-</p:sld>
-</file>
-
 <file path=ppt/slides/slide18.xml><?xml version="1.0" encoding="utf-8"?>
 <p:sld xmlns:a="http://schemas.openxmlformats.org/drawingml/2006/main" xmlns:r="http://schemas.openxmlformats.org/officeDocument/2006/relationships" xmlns:p="http://schemas.openxmlformats.org/presentationml/2006/main">
   <p:cSld>
@@ -8367,169 +8364,26 @@
         <p:spPr/>
         <p:txBody>
           <a:bodyPr>
-            <a:normAutofit/>
+            <a:noAutofit/>
           </a:bodyPr>
           <a:lstStyle/>
           <a:p>
             <a:pPr algn="ctr"/>
             <a:r>
-              <a:rPr lang="en-US" altLang="zh-TW" sz="4800" dirty="0"/>
-              <a:t>IN</a:t>
-            </a:r>
-            <a:r>
-              <a:rPr lang="zh-TW" altLang="en-US" sz="4800" dirty="0"/>
-              <a:t> </a:t>
-            </a:r>
-            <a:r>
-              <a:rPr lang="en-US" altLang="zh-TW" sz="4800" b="1" dirty="0"/>
-              <a:t>GUI</a:t>
-            </a:r>
-            <a:endParaRPr lang="zh-TW" altLang="en-US" sz="4800" b="1" dirty="0"/>
-          </a:p>
-        </p:txBody>
-      </p:sp>
-      <p:sp>
-        <p:nvSpPr>
-          <p:cNvPr id="6" name="文字版面配置區 5"/>
+              <a:rPr lang="zh-TW" altLang="en-US" sz="9600" b="1" dirty="0"/>
+              <a:t>問題紀錄</a:t>
+            </a:r>
+          </a:p>
+        </p:txBody>
+      </p:sp>
+      <p:sp>
+        <p:nvSpPr>
+          <p:cNvPr id="3" name="文字版面配置區 2"/>
           <p:cNvSpPr>
             <a:spLocks noGrp="1"/>
           </p:cNvSpPr>
           <p:nvPr>
             <p:ph type="body" idx="1"/>
-          </p:nvPr>
-        </p:nvSpPr>
-        <p:spPr/>
-        <p:txBody>
-          <a:bodyPr/>
-          <a:lstStyle/>
-          <a:p>
-            <a:r>
-              <a:rPr lang="zh-TW" altLang="en-US" sz="2400" dirty="0"/>
-              <a:t>已解決</a:t>
-            </a:r>
-          </a:p>
-        </p:txBody>
-      </p:sp>
-      <p:sp>
-        <p:nvSpPr>
-          <p:cNvPr id="7" name="內容版面配置區 6"/>
-          <p:cNvSpPr>
-            <a:spLocks noGrp="1"/>
-          </p:cNvSpPr>
-          <p:nvPr>
-            <p:ph sz="half" idx="2"/>
-          </p:nvPr>
-        </p:nvSpPr>
-        <p:spPr/>
-        <p:txBody>
-          <a:bodyPr>
-            <a:normAutofit lnSpcReduction="10000"/>
-          </a:bodyPr>
-          <a:lstStyle/>
-          <a:p>
-            <a:r>
-              <a:rPr lang="zh-TW" altLang="en-US" sz="2400" dirty="0"/>
-              <a:t>排版問題，無法把選單放在正中間，並將按鈕以垂直排列。</a:t>
-            </a:r>
-            <a:endParaRPr lang="en-US" altLang="zh-TW" sz="2400" dirty="0"/>
-          </a:p>
-          <a:p>
-            <a:pPr lvl="1"/>
-            <a:r>
-              <a:rPr lang="zh-TW" altLang="en-US" sz="2200" dirty="0"/>
-              <a:t>學新的 </a:t>
-            </a:r>
-            <a:r>
-              <a:rPr lang="en-US" altLang="zh-TW" sz="2200" dirty="0"/>
-              <a:t>Layout</a:t>
-            </a:r>
-          </a:p>
-          <a:p>
-            <a:r>
-              <a:rPr lang="zh-TW" altLang="en-US" sz="2400" dirty="0"/>
-              <a:t>預設按鈕很醜</a:t>
-            </a:r>
-            <a:endParaRPr lang="en-US" altLang="zh-TW" sz="2400" dirty="0"/>
-          </a:p>
-          <a:p>
-            <a:pPr lvl="1"/>
-            <a:r>
-              <a:rPr lang="zh-TW" altLang="en-US" sz="2200" dirty="0"/>
-              <a:t>重寫一個繼承 </a:t>
-            </a:r>
-            <a:r>
-              <a:rPr lang="en-US" altLang="zh-TW" sz="2200" dirty="0" err="1"/>
-              <a:t>JButton</a:t>
-            </a:r>
-            <a:r>
-              <a:rPr lang="zh-TW" altLang="en-US" sz="2200" dirty="0"/>
-              <a:t>的自訂按鈕</a:t>
-            </a:r>
-            <a:endParaRPr lang="en-US" altLang="zh-TW" sz="2200" dirty="0"/>
-          </a:p>
-          <a:p>
-            <a:pPr lvl="1"/>
-            <a:r>
-              <a:rPr lang="zh-TW" altLang="en-US" sz="2200" dirty="0"/>
-              <a:t>原來調整大小的方法 </a:t>
-            </a:r>
-            <a:r>
-              <a:rPr lang="en-US" altLang="zh-TW" sz="2200" dirty="0"/>
-              <a:t>ex. </a:t>
-            </a:r>
-            <a:r>
-              <a:rPr lang="en-US" altLang="zh-TW" sz="2200" dirty="0" err="1"/>
-              <a:t>setSize</a:t>
-            </a:r>
-            <a:r>
-              <a:rPr lang="en-US" altLang="zh-TW" sz="2200" dirty="0"/>
-              <a:t>()</a:t>
-            </a:r>
-            <a:r>
-              <a:rPr lang="zh-TW" altLang="en-US" sz="2200" dirty="0"/>
-              <a:t>，在有設定 </a:t>
-            </a:r>
-            <a:r>
-              <a:rPr lang="en-US" altLang="zh-TW" sz="2200" dirty="0"/>
-              <a:t>Layout</a:t>
-            </a:r>
-            <a:r>
-              <a:rPr lang="zh-TW" altLang="en-US" sz="2200" dirty="0"/>
-              <a:t> 的情形下會失效。</a:t>
-            </a:r>
-          </a:p>
-        </p:txBody>
-      </p:sp>
-      <p:sp>
-        <p:nvSpPr>
-          <p:cNvPr id="8" name="文字版面配置區 7"/>
-          <p:cNvSpPr>
-            <a:spLocks noGrp="1"/>
-          </p:cNvSpPr>
-          <p:nvPr>
-            <p:ph type="body" sz="quarter" idx="3"/>
-          </p:nvPr>
-        </p:nvSpPr>
-        <p:spPr/>
-        <p:txBody>
-          <a:bodyPr/>
-          <a:lstStyle/>
-          <a:p>
-            <a:r>
-              <a:rPr lang="zh-TW" altLang="en-US" sz="2400" dirty="0"/>
-              <a:t>無法解決</a:t>
-            </a:r>
-          </a:p>
-        </p:txBody>
-      </p:sp>
-      <p:sp>
-        <p:nvSpPr>
-          <p:cNvPr id="9" name="內容版面配置區 8"/>
-          <p:cNvSpPr>
-            <a:spLocks noGrp="1"/>
-          </p:cNvSpPr>
-          <p:nvPr>
-            <p:ph sz="quarter" idx="4"/>
           </p:nvPr>
         </p:nvSpPr>
         <p:spPr/>
@@ -8539,41 +8393,23 @@
           </a:bodyPr>
           <a:lstStyle/>
           <a:p>
+            <a:pPr algn="ctr"/>
             <a:r>
               <a:rPr lang="zh-TW" altLang="en-US" sz="2400" dirty="0"/>
-              <a:t>本來在遊戲載入前，放置一個</a:t>
+              <a:t>發生了許多無理取鬧的問題</a:t>
             </a:r>
             <a:r>
               <a:rPr lang="en-US" altLang="zh-TW" sz="2400" dirty="0"/>
-              <a:t>Loading…</a:t>
-            </a:r>
-            <a:r>
-              <a:rPr lang="zh-TW" altLang="en-US" sz="2400" dirty="0"/>
-              <a:t> 的 </a:t>
-            </a:r>
-            <a:r>
-              <a:rPr lang="en-US" altLang="zh-TW" sz="2400" dirty="0"/>
-              <a:t>Panel</a:t>
-            </a:r>
-            <a:r>
-              <a:rPr lang="zh-TW" altLang="en-US" sz="2400" dirty="0"/>
-              <a:t>，卻無法顯示</a:t>
-            </a:r>
-            <a:endParaRPr lang="en-US" altLang="zh-TW" sz="2400" dirty="0"/>
-          </a:p>
-          <a:p>
-            <a:pPr lvl="1"/>
-            <a:r>
-              <a:rPr lang="zh-TW" altLang="en-US" sz="2200" dirty="0"/>
-              <a:t>刪除此頁面</a:t>
-            </a:r>
+              <a:t>…</a:t>
+            </a:r>
+            <a:endParaRPr lang="zh-TW" altLang="en-US" sz="2400" dirty="0"/>
           </a:p>
         </p:txBody>
       </p:sp>
     </p:spTree>
     <p:extLst>
       <p:ext uri="{BB962C8B-B14F-4D97-AF65-F5344CB8AC3E}">
-        <p14:creationId xmlns:p14="http://schemas.microsoft.com/office/powerpoint/2010/main" val="2889762921"/>
+        <p14:creationId xmlns:p14="http://schemas.microsoft.com/office/powerpoint/2010/main" val="2101376914"/>
       </p:ext>
     </p:extLst>
   </p:cSld>
@@ -8620,11 +8456,15 @@
             <a:pPr algn="ctr"/>
             <a:r>
               <a:rPr lang="en-US" altLang="zh-TW" sz="4800" dirty="0"/>
-              <a:t>In </a:t>
+              <a:t>IN</a:t>
+            </a:r>
+            <a:r>
+              <a:rPr lang="zh-TW" altLang="en-US" sz="4800" dirty="0"/>
+              <a:t> </a:t>
             </a:r>
             <a:r>
               <a:rPr lang="en-US" altLang="zh-TW" sz="4800" b="1" dirty="0"/>
-              <a:t>game</a:t>
+              <a:t>GUI</a:t>
             </a:r>
             <a:endParaRPr lang="zh-TW" altLang="en-US" sz="4800" b="1" dirty="0"/>
           </a:p>
@@ -8632,7 +8472,7 @@
       </p:sp>
       <p:sp>
         <p:nvSpPr>
-          <p:cNvPr id="3" name="文字版面配置區 2"/>
+          <p:cNvPr id="6" name="文字版面配置區 5"/>
           <p:cNvSpPr>
             <a:spLocks noGrp="1"/>
           </p:cNvSpPr>
@@ -8654,12 +8494,124 @@
       </p:sp>
       <p:sp>
         <p:nvSpPr>
-          <p:cNvPr id="4" name="內容版面配置區 3"/>
+          <p:cNvPr id="7" name="內容版面配置區 6"/>
           <p:cNvSpPr>
             <a:spLocks noGrp="1"/>
           </p:cNvSpPr>
           <p:nvPr>
             <p:ph sz="half" idx="2"/>
+          </p:nvPr>
+        </p:nvSpPr>
+        <p:spPr/>
+        <p:txBody>
+          <a:bodyPr>
+            <a:normAutofit lnSpcReduction="10000"/>
+          </a:bodyPr>
+          <a:lstStyle/>
+          <a:p>
+            <a:r>
+              <a:rPr lang="zh-TW" altLang="en-US" sz="2400" dirty="0"/>
+              <a:t>排版問題，無法把選單放在正中間，並將按鈕以垂直排列。</a:t>
+            </a:r>
+            <a:endParaRPr lang="en-US" altLang="zh-TW" sz="2400" dirty="0"/>
+          </a:p>
+          <a:p>
+            <a:pPr lvl="1"/>
+            <a:r>
+              <a:rPr lang="zh-TW" altLang="en-US" sz="2200" dirty="0"/>
+              <a:t>學新的 </a:t>
+            </a:r>
+            <a:r>
+              <a:rPr lang="en-US" altLang="zh-TW" sz="2200" dirty="0"/>
+              <a:t>Layout</a:t>
+            </a:r>
+          </a:p>
+          <a:p>
+            <a:r>
+              <a:rPr lang="zh-TW" altLang="en-US" sz="2400" dirty="0"/>
+              <a:t>預設按鈕很醜</a:t>
+            </a:r>
+            <a:endParaRPr lang="en-US" altLang="zh-TW" sz="2400" dirty="0"/>
+          </a:p>
+          <a:p>
+            <a:pPr lvl="1"/>
+            <a:r>
+              <a:rPr lang="zh-TW" altLang="en-US" sz="2200" dirty="0"/>
+              <a:t>重寫一個繼承 </a:t>
+            </a:r>
+            <a:r>
+              <a:rPr lang="en-US" altLang="zh-TW" sz="2200" dirty="0" err="1"/>
+              <a:t>JButton</a:t>
+            </a:r>
+            <a:r>
+              <a:rPr lang="zh-TW" altLang="en-US" sz="2200" dirty="0"/>
+              <a:t>的自訂按鈕</a:t>
+            </a:r>
+            <a:endParaRPr lang="en-US" altLang="zh-TW" sz="2200" dirty="0"/>
+          </a:p>
+          <a:p>
+            <a:pPr lvl="1"/>
+            <a:r>
+              <a:rPr lang="zh-TW" altLang="en-US" sz="2200" dirty="0"/>
+              <a:t>原來調整大小的方法 </a:t>
+            </a:r>
+            <a:r>
+              <a:rPr lang="en-US" altLang="zh-TW" sz="2200" dirty="0"/>
+              <a:t>ex. </a:t>
+            </a:r>
+            <a:r>
+              <a:rPr lang="en-US" altLang="zh-TW" sz="2200" dirty="0" err="1"/>
+              <a:t>setSize</a:t>
+            </a:r>
+            <a:r>
+              <a:rPr lang="en-US" altLang="zh-TW" sz="2200" dirty="0"/>
+              <a:t>()</a:t>
+            </a:r>
+            <a:r>
+              <a:rPr lang="zh-TW" altLang="en-US" sz="2200" dirty="0"/>
+              <a:t>，在有設定 </a:t>
+            </a:r>
+            <a:r>
+              <a:rPr lang="en-US" altLang="zh-TW" sz="2200" dirty="0"/>
+              <a:t>Layout</a:t>
+            </a:r>
+            <a:r>
+              <a:rPr lang="zh-TW" altLang="en-US" sz="2200" dirty="0"/>
+              <a:t> 的情形下會失效。</a:t>
+            </a:r>
+          </a:p>
+        </p:txBody>
+      </p:sp>
+      <p:sp>
+        <p:nvSpPr>
+          <p:cNvPr id="8" name="文字版面配置區 7"/>
+          <p:cNvSpPr>
+            <a:spLocks noGrp="1"/>
+          </p:cNvSpPr>
+          <p:nvPr>
+            <p:ph type="body" sz="quarter" idx="3"/>
+          </p:nvPr>
+        </p:nvSpPr>
+        <p:spPr/>
+        <p:txBody>
+          <a:bodyPr/>
+          <a:lstStyle/>
+          <a:p>
+            <a:r>
+              <a:rPr lang="zh-TW" altLang="en-US" sz="2400" dirty="0"/>
+              <a:t>無法解決</a:t>
+            </a:r>
+          </a:p>
+        </p:txBody>
+      </p:sp>
+      <p:sp>
+        <p:nvSpPr>
+          <p:cNvPr id="9" name="內容版面配置區 8"/>
+          <p:cNvSpPr>
+            <a:spLocks noGrp="1"/>
+          </p:cNvSpPr>
+          <p:nvPr>
+            <p:ph sz="quarter" idx="4"/>
           </p:nvPr>
         </p:nvSpPr>
         <p:spPr/>
@@ -8671,7 +8623,23 @@
           <a:p>
             <a:r>
               <a:rPr lang="zh-TW" altLang="en-US" sz="2400" dirty="0"/>
-              <a:t>背景音樂無法同時進行</a:t>
+              <a:t>本來在遊戲載入前，放置一個</a:t>
+            </a:r>
+            <a:r>
+              <a:rPr lang="en-US" altLang="zh-TW" sz="2400" dirty="0"/>
+              <a:t>Loading…</a:t>
+            </a:r>
+            <a:r>
+              <a:rPr lang="zh-TW" altLang="en-US" sz="2400" dirty="0"/>
+              <a:t> 的 </a:t>
+            </a:r>
+            <a:r>
+              <a:rPr lang="en-US" altLang="zh-TW" sz="2400" dirty="0"/>
+              <a:t>Panel</a:t>
+            </a:r>
+            <a:r>
+              <a:rPr lang="zh-TW" altLang="en-US" sz="2400" dirty="0"/>
+              <a:t>，卻無法顯示</a:t>
             </a:r>
             <a:endParaRPr lang="en-US" altLang="zh-TW" sz="2400" dirty="0"/>
           </a:p>
@@ -8679,149 +8647,15 @@
             <a:pPr lvl="1"/>
             <a:r>
               <a:rPr lang="zh-TW" altLang="en-US" sz="2200" dirty="0"/>
-              <a:t>原先使用 </a:t>
-            </a:r>
-            <a:r>
-              <a:rPr lang="en-US" altLang="zh-TW" sz="2200" dirty="0"/>
-              <a:t>applet</a:t>
-            </a:r>
-            <a:r>
-              <a:rPr lang="zh-TW" altLang="en-US" sz="2200" dirty="0"/>
-              <a:t> 最後使用 </a:t>
-            </a:r>
-            <a:r>
-              <a:rPr lang="en-US" altLang="zh-TW" sz="2200" dirty="0"/>
-              <a:t>clip</a:t>
-            </a:r>
-          </a:p>
-          <a:p>
-            <a:r>
-              <a:rPr lang="zh-TW" altLang="en-US" sz="2400" dirty="0"/>
-              <a:t>碰撞判定，人碰撞到障礙物就會不能移動</a:t>
-            </a:r>
-            <a:endParaRPr lang="en-US" altLang="zh-TW" sz="2400" dirty="0"/>
-          </a:p>
-          <a:p>
-            <a:pPr lvl="1"/>
-            <a:r>
-              <a:rPr lang="zh-TW" altLang="en-US" sz="2200" dirty="0"/>
-              <a:t>不能直接到碰撞時 </a:t>
-            </a:r>
-            <a:r>
-              <a:rPr lang="en-US" altLang="zh-TW" sz="2200" dirty="0"/>
-              <a:t>speed</a:t>
-            </a:r>
-            <a:r>
-              <a:rPr lang="zh-TW" altLang="en-US" sz="2200" dirty="0"/>
-              <a:t> 改成 </a:t>
-            </a:r>
-            <a:r>
-              <a:rPr lang="en-US" altLang="zh-TW" sz="2200" dirty="0"/>
-              <a:t>0</a:t>
-            </a:r>
-          </a:p>
-          <a:p>
-            <a:pPr lvl="1"/>
-            <a:r>
-              <a:rPr lang="zh-TW" altLang="en-US" sz="2200" dirty="0"/>
-              <a:t>預測碰撞</a:t>
-            </a:r>
-            <a:endParaRPr lang="en-US" altLang="zh-TW" sz="2200" dirty="0"/>
-          </a:p>
-          <a:p>
-            <a:pPr lvl="2"/>
-            <a:endParaRPr lang="en-US" altLang="zh-TW" dirty="0"/>
-          </a:p>
-          <a:p>
-            <a:endParaRPr lang="en-US" altLang="zh-TW" dirty="0"/>
-          </a:p>
-          <a:p>
-            <a:endParaRPr lang="en-US" altLang="zh-TW" dirty="0"/>
-          </a:p>
-          <a:p>
-            <a:endParaRPr lang="zh-TW" altLang="en-US" dirty="0"/>
-          </a:p>
-        </p:txBody>
-      </p:sp>
-      <p:sp>
-        <p:nvSpPr>
-          <p:cNvPr id="5" name="文字版面配置區 4"/>
-          <p:cNvSpPr>
-            <a:spLocks noGrp="1"/>
-          </p:cNvSpPr>
-          <p:nvPr>
-            <p:ph type="body" sz="quarter" idx="3"/>
-          </p:nvPr>
-        </p:nvSpPr>
-        <p:spPr/>
-        <p:txBody>
-          <a:bodyPr/>
-          <a:lstStyle/>
-          <a:p>
-            <a:r>
-              <a:rPr lang="zh-TW" altLang="en-US" sz="2400" dirty="0"/>
-              <a:t>未解決</a:t>
-            </a:r>
-          </a:p>
-        </p:txBody>
-      </p:sp>
-      <p:sp>
-        <p:nvSpPr>
-          <p:cNvPr id="6" name="內容版面配置區 5"/>
-          <p:cNvSpPr>
-            <a:spLocks noGrp="1"/>
-          </p:cNvSpPr>
-          <p:nvPr>
-            <p:ph sz="quarter" idx="4"/>
-          </p:nvPr>
-        </p:nvSpPr>
-        <p:spPr/>
-        <p:txBody>
-          <a:bodyPr/>
-          <a:lstStyle/>
-          <a:p>
-            <a:r>
-              <a:rPr lang="en-US" altLang="zh-TW" sz="2400" dirty="0"/>
-              <a:t>3D</a:t>
-            </a:r>
-          </a:p>
-          <a:p>
-            <a:pPr lvl="1"/>
-            <a:r>
-              <a:rPr lang="en-US" altLang="zh-TW" sz="2200" dirty="0"/>
-              <a:t>Framework</a:t>
-            </a:r>
-            <a:r>
-              <a:rPr lang="zh-TW" altLang="en-US" sz="2200" dirty="0"/>
-              <a:t> 碰撞無法完全偵測</a:t>
-            </a:r>
-            <a:endParaRPr lang="en-US" altLang="zh-TW" sz="2200" dirty="0"/>
-          </a:p>
-          <a:p>
-            <a:r>
-              <a:rPr lang="zh-TW" altLang="en-US" sz="2400" dirty="0"/>
-              <a:t>連線</a:t>
-            </a:r>
-            <a:endParaRPr lang="en-US" altLang="zh-TW" sz="2400" dirty="0"/>
-          </a:p>
-          <a:p>
-            <a:pPr lvl="1"/>
-            <a:r>
-              <a:rPr lang="zh-TW" altLang="en-US" sz="2200" dirty="0"/>
-              <a:t>時間上來不及</a:t>
-            </a:r>
-            <a:endParaRPr lang="en-US" altLang="zh-TW" sz="2200" dirty="0"/>
-          </a:p>
-          <a:p>
-            <a:pPr lvl="2"/>
-            <a:endParaRPr lang="en-US" altLang="zh-TW" dirty="0"/>
+              <a:t>刪除此頁面</a:t>
+            </a:r>
           </a:p>
         </p:txBody>
       </p:sp>
     </p:spTree>
     <p:extLst>
       <p:ext uri="{BB962C8B-B14F-4D97-AF65-F5344CB8AC3E}">
-        <p14:creationId xmlns:p14="http://schemas.microsoft.com/office/powerpoint/2010/main" val="2239348133"/>
+        <p14:creationId xmlns:p14="http://schemas.microsoft.com/office/powerpoint/2010/main" val="2889762921"/>
       </p:ext>
     </p:extLst>
   </p:cSld>
@@ -8987,6 +8821,254 @@
             </a:r>
             <a:r>
               <a:rPr lang="en-US" altLang="zh-TW" sz="4800" b="1" dirty="0"/>
+              <a:t>game</a:t>
+            </a:r>
+            <a:endParaRPr lang="zh-TW" altLang="en-US" sz="4800" b="1" dirty="0"/>
+          </a:p>
+        </p:txBody>
+      </p:sp>
+      <p:sp>
+        <p:nvSpPr>
+          <p:cNvPr id="3" name="文字版面配置區 2"/>
+          <p:cNvSpPr>
+            <a:spLocks noGrp="1"/>
+          </p:cNvSpPr>
+          <p:nvPr>
+            <p:ph type="body" idx="1"/>
+          </p:nvPr>
+        </p:nvSpPr>
+        <p:spPr/>
+        <p:txBody>
+          <a:bodyPr/>
+          <a:lstStyle/>
+          <a:p>
+            <a:r>
+              <a:rPr lang="zh-TW" altLang="en-US" sz="2400" dirty="0"/>
+              <a:t>已解決</a:t>
+            </a:r>
+          </a:p>
+        </p:txBody>
+      </p:sp>
+      <p:sp>
+        <p:nvSpPr>
+          <p:cNvPr id="4" name="內容版面配置區 3"/>
+          <p:cNvSpPr>
+            <a:spLocks noGrp="1"/>
+          </p:cNvSpPr>
+          <p:nvPr>
+            <p:ph sz="half" idx="2"/>
+          </p:nvPr>
+        </p:nvSpPr>
+        <p:spPr/>
+        <p:txBody>
+          <a:bodyPr>
+            <a:normAutofit/>
+          </a:bodyPr>
+          <a:lstStyle/>
+          <a:p>
+            <a:r>
+              <a:rPr lang="zh-TW" altLang="en-US" sz="2400" dirty="0"/>
+              <a:t>背景音樂無法同時進行</a:t>
+            </a:r>
+            <a:endParaRPr lang="en-US" altLang="zh-TW" sz="2400" dirty="0"/>
+          </a:p>
+          <a:p>
+            <a:pPr lvl="1"/>
+            <a:r>
+              <a:rPr lang="zh-TW" altLang="en-US" sz="2200" dirty="0"/>
+              <a:t>原先使用 </a:t>
+            </a:r>
+            <a:r>
+              <a:rPr lang="en-US" altLang="zh-TW" sz="2200" dirty="0"/>
+              <a:t>applet</a:t>
+            </a:r>
+            <a:r>
+              <a:rPr lang="zh-TW" altLang="en-US" sz="2200" dirty="0"/>
+              <a:t> 最後使用 </a:t>
+            </a:r>
+            <a:r>
+              <a:rPr lang="en-US" altLang="zh-TW" sz="2200" dirty="0"/>
+              <a:t>clip</a:t>
+            </a:r>
+          </a:p>
+          <a:p>
+            <a:r>
+              <a:rPr lang="zh-TW" altLang="en-US" sz="2400" dirty="0"/>
+              <a:t>碰撞判定，人碰撞到障礙物就會不能移動</a:t>
+            </a:r>
+            <a:endParaRPr lang="en-US" altLang="zh-TW" sz="2400" dirty="0"/>
+          </a:p>
+          <a:p>
+            <a:pPr lvl="1"/>
+            <a:r>
+              <a:rPr lang="zh-TW" altLang="en-US" sz="2200" dirty="0"/>
+              <a:t>不能直接到碰撞時 </a:t>
+            </a:r>
+            <a:r>
+              <a:rPr lang="en-US" altLang="zh-TW" sz="2200" dirty="0"/>
+              <a:t>speed</a:t>
+            </a:r>
+            <a:r>
+              <a:rPr lang="zh-TW" altLang="en-US" sz="2200" dirty="0"/>
+              <a:t> 改成 </a:t>
+            </a:r>
+            <a:r>
+              <a:rPr lang="en-US" altLang="zh-TW" sz="2200" dirty="0"/>
+              <a:t>0</a:t>
+            </a:r>
+          </a:p>
+          <a:p>
+            <a:pPr lvl="1"/>
+            <a:r>
+              <a:rPr lang="zh-TW" altLang="en-US" sz="2200" dirty="0"/>
+              <a:t>預測碰撞</a:t>
+            </a:r>
+            <a:endParaRPr lang="en-US" altLang="zh-TW" sz="2200" dirty="0"/>
+          </a:p>
+          <a:p>
+            <a:pPr lvl="2"/>
+            <a:endParaRPr lang="en-US" altLang="zh-TW" dirty="0"/>
+          </a:p>
+          <a:p>
+            <a:endParaRPr lang="en-US" altLang="zh-TW" dirty="0"/>
+          </a:p>
+          <a:p>
+            <a:endParaRPr lang="en-US" altLang="zh-TW" dirty="0"/>
+          </a:p>
+          <a:p>
+            <a:endParaRPr lang="zh-TW" altLang="en-US" dirty="0"/>
+          </a:p>
+        </p:txBody>
+      </p:sp>
+      <p:sp>
+        <p:nvSpPr>
+          <p:cNvPr id="5" name="文字版面配置區 4"/>
+          <p:cNvSpPr>
+            <a:spLocks noGrp="1"/>
+          </p:cNvSpPr>
+          <p:nvPr>
+            <p:ph type="body" sz="quarter" idx="3"/>
+          </p:nvPr>
+        </p:nvSpPr>
+        <p:spPr/>
+        <p:txBody>
+          <a:bodyPr/>
+          <a:lstStyle/>
+          <a:p>
+            <a:r>
+              <a:rPr lang="zh-TW" altLang="en-US" sz="2400" dirty="0"/>
+              <a:t>未解決</a:t>
+            </a:r>
+          </a:p>
+        </p:txBody>
+      </p:sp>
+      <p:sp>
+        <p:nvSpPr>
+          <p:cNvPr id="6" name="內容版面配置區 5"/>
+          <p:cNvSpPr>
+            <a:spLocks noGrp="1"/>
+          </p:cNvSpPr>
+          <p:nvPr>
+            <p:ph sz="quarter" idx="4"/>
+          </p:nvPr>
+        </p:nvSpPr>
+        <p:spPr/>
+        <p:txBody>
+          <a:bodyPr/>
+          <a:lstStyle/>
+          <a:p>
+            <a:r>
+              <a:rPr lang="en-US" altLang="zh-TW" sz="2400" dirty="0"/>
+              <a:t>3D</a:t>
+            </a:r>
+          </a:p>
+          <a:p>
+            <a:pPr lvl="1"/>
+            <a:r>
+              <a:rPr lang="en-US" altLang="zh-TW" sz="2200" dirty="0"/>
+              <a:t>Framework</a:t>
+            </a:r>
+            <a:r>
+              <a:rPr lang="zh-TW" altLang="en-US" sz="2200" dirty="0"/>
+              <a:t> 碰撞無法完全偵測</a:t>
+            </a:r>
+            <a:endParaRPr lang="en-US" altLang="zh-TW" sz="2200" dirty="0"/>
+          </a:p>
+          <a:p>
+            <a:r>
+              <a:rPr lang="zh-TW" altLang="en-US" sz="2400" dirty="0"/>
+              <a:t>連線</a:t>
+            </a:r>
+            <a:endParaRPr lang="en-US" altLang="zh-TW" sz="2400" dirty="0"/>
+          </a:p>
+          <a:p>
+            <a:pPr lvl="1"/>
+            <a:r>
+              <a:rPr lang="zh-TW" altLang="en-US" sz="2200" dirty="0"/>
+              <a:t>時間上來不及</a:t>
+            </a:r>
+            <a:endParaRPr lang="en-US" altLang="zh-TW" sz="2200" dirty="0"/>
+          </a:p>
+          <a:p>
+            <a:pPr lvl="2"/>
+            <a:endParaRPr lang="en-US" altLang="zh-TW" dirty="0"/>
+          </a:p>
+        </p:txBody>
+      </p:sp>
+    </p:spTree>
+    <p:extLst>
+      <p:ext uri="{BB962C8B-B14F-4D97-AF65-F5344CB8AC3E}">
+        <p14:creationId xmlns:p14="http://schemas.microsoft.com/office/powerpoint/2010/main" val="2239348133"/>
+      </p:ext>
+    </p:extLst>
+  </p:cSld>
+  <p:clrMapOvr>
+    <a:masterClrMapping/>
+  </p:clrMapOvr>
+</p:sld>
+</file>
+
+<file path=ppt/slides/slide21.xml><?xml version="1.0" encoding="utf-8"?>
+<p:sld xmlns:a="http://schemas.openxmlformats.org/drawingml/2006/main" xmlns:r="http://schemas.openxmlformats.org/officeDocument/2006/relationships" xmlns:p="http://schemas.openxmlformats.org/presentationml/2006/main">
+  <p:cSld>
+    <p:spTree>
+      <p:nvGrpSpPr>
+        <p:cNvPr id="1" name=""/>
+        <p:cNvGrpSpPr/>
+        <p:nvPr/>
+      </p:nvGrpSpPr>
+      <p:grpSpPr>
+        <a:xfrm>
+          <a:off x="0" y="0"/>
+          <a:ext cx="0" cy="0"/>
+          <a:chOff x="0" y="0"/>
+          <a:chExt cx="0" cy="0"/>
+        </a:xfrm>
+      </p:grpSpPr>
+      <p:sp>
+        <p:nvSpPr>
+          <p:cNvPr id="2" name="標題 1"/>
+          <p:cNvSpPr>
+            <a:spLocks noGrp="1"/>
+          </p:cNvSpPr>
+          <p:nvPr>
+            <p:ph type="title"/>
+          </p:nvPr>
+        </p:nvSpPr>
+        <p:spPr/>
+        <p:txBody>
+          <a:bodyPr>
+            <a:normAutofit/>
+          </a:bodyPr>
+          <a:lstStyle/>
+          <a:p>
+            <a:pPr algn="ctr"/>
+            <a:r>
+              <a:rPr lang="en-US" altLang="zh-TW" sz="4800" dirty="0"/>
+              <a:t>In </a:t>
+            </a:r>
+            <a:r>
+              <a:rPr lang="en-US" altLang="zh-TW" sz="4800" b="1" dirty="0"/>
               <a:t>Game</a:t>
             </a:r>
             <a:endParaRPr lang="zh-TW" altLang="en-US" sz="4800" b="1" dirty="0"/>
@@ -9150,7 +9232,7 @@
 </p:sld>
 </file>
 
-<file path=ppt/slides/slide21.xml><?xml version="1.0" encoding="utf-8"?>
+<file path=ppt/slides/slide22.xml><?xml version="1.0" encoding="utf-8"?>
 <p:sld xmlns:a="http://schemas.openxmlformats.org/drawingml/2006/main" xmlns:r="http://schemas.openxmlformats.org/officeDocument/2006/relationships" xmlns:p="http://schemas.openxmlformats.org/presentationml/2006/main">
   <p:cSld>
     <p:spTree>
@@ -9639,7 +9721,7 @@
 </p:sld>
 </file>
 
-<file path=ppt/slides/slide22.xml><?xml version="1.0" encoding="utf-8"?>
+<file path=ppt/slides/slide23.xml><?xml version="1.0" encoding="utf-8"?>
 <p:sld xmlns:a="http://schemas.openxmlformats.org/drawingml/2006/main" xmlns:r="http://schemas.openxmlformats.org/officeDocument/2006/relationships" xmlns:p="http://schemas.openxmlformats.org/presentationml/2006/main">
   <p:cSld>
     <p:spTree>
@@ -10166,7 +10248,7 @@
 </p:sld>
 </file>
 
-<file path=ppt/slides/slide23.xml><?xml version="1.0" encoding="utf-8"?>
+<file path=ppt/slides/slide24.xml><?xml version="1.0" encoding="utf-8"?>
 <p:sld xmlns:a="http://schemas.openxmlformats.org/drawingml/2006/main" xmlns:r="http://schemas.openxmlformats.org/officeDocument/2006/relationships" xmlns:p="http://schemas.openxmlformats.org/presentationml/2006/main">
   <p:cSld>
     <p:spTree>
@@ -10287,7 +10369,7 @@
 </p:sld>
 </file>
 
-<file path=ppt/slides/slide24.xml><?xml version="1.0" encoding="utf-8"?>
+<file path=ppt/slides/slide25.xml><?xml version="1.0" encoding="utf-8"?>
 <p:sld xmlns:a="http://schemas.openxmlformats.org/drawingml/2006/main" xmlns:r="http://schemas.openxmlformats.org/officeDocument/2006/relationships" xmlns:p="http://schemas.openxmlformats.org/presentationml/2006/main">
   <p:cSld>
     <p:spTree>
@@ -10636,7 +10718,7 @@
 </p:sld>
 </file>
 
-<file path=ppt/slides/slide25.xml><?xml version="1.0" encoding="utf-8"?>
+<file path=ppt/slides/slide26.xml><?xml version="1.0" encoding="utf-8"?>
 <p:sld xmlns:a="http://schemas.openxmlformats.org/drawingml/2006/main" xmlns:r="http://schemas.openxmlformats.org/officeDocument/2006/relationships" xmlns:p="http://schemas.openxmlformats.org/presentationml/2006/main">
   <p:cSld>
     <p:spTree>

--- a/PPT/JAVA Final project.pptx
+++ b/PPT/JAVA Final project.pptx
@@ -10779,8 +10779,12 @@
           <a:lstStyle/>
           <a:p>
             <a:r>
+              <a:rPr lang="en-US" altLang="zh-TW" sz="2400"/>
+              <a:t>Thanks </a:t>
+            </a:r>
+            <a:r>
               <a:rPr lang="en-US" altLang="zh-TW" sz="2400" dirty="0"/>
-              <a:t>Thank for watching…</a:t>
+              <a:t>for watching…</a:t>
             </a:r>
             <a:endParaRPr lang="zh-TW" altLang="en-US" sz="2400" dirty="0"/>
           </a:p>

--- a/PPT/JAVA Final project.pptx
+++ b/PPT/JAVA Final project.pptx
@@ -16,21 +16,23 @@
     <p:sldId id="262" r:id="rId10"/>
     <p:sldId id="263" r:id="rId11"/>
     <p:sldId id="265" r:id="rId12"/>
-    <p:sldId id="266" r:id="rId13"/>
-    <p:sldId id="276" r:id="rId14"/>
-    <p:sldId id="277" r:id="rId15"/>
-    <p:sldId id="267" r:id="rId16"/>
-    <p:sldId id="282" r:id="rId17"/>
-    <p:sldId id="274" r:id="rId18"/>
-    <p:sldId id="270" r:id="rId19"/>
-    <p:sldId id="278" r:id="rId20"/>
-    <p:sldId id="280" r:id="rId21"/>
-    <p:sldId id="279" r:id="rId22"/>
-    <p:sldId id="268" r:id="rId23"/>
-    <p:sldId id="269" r:id="rId24"/>
-    <p:sldId id="281" r:id="rId25"/>
-    <p:sldId id="271" r:id="rId26"/>
-    <p:sldId id="273" r:id="rId27"/>
+    <p:sldId id="284" r:id="rId13"/>
+    <p:sldId id="266" r:id="rId14"/>
+    <p:sldId id="276" r:id="rId15"/>
+    <p:sldId id="283" r:id="rId16"/>
+    <p:sldId id="277" r:id="rId17"/>
+    <p:sldId id="267" r:id="rId18"/>
+    <p:sldId id="282" r:id="rId19"/>
+    <p:sldId id="274" r:id="rId20"/>
+    <p:sldId id="270" r:id="rId21"/>
+    <p:sldId id="278" r:id="rId22"/>
+    <p:sldId id="280" r:id="rId23"/>
+    <p:sldId id="279" r:id="rId24"/>
+    <p:sldId id="268" r:id="rId25"/>
+    <p:sldId id="269" r:id="rId26"/>
+    <p:sldId id="281" r:id="rId27"/>
+    <p:sldId id="271" r:id="rId28"/>
+    <p:sldId id="273" r:id="rId29"/>
   </p:sldIdLst>
   <p:sldSz cx="12192000" cy="6858000"/>
   <p:notesSz cx="6858000" cy="9144000"/>
@@ -1385,9 +1387,9 @@
     <dgm:cxn modelId="{8D59BC2B-5B49-4BFA-9EF0-C835B72C0365}" srcId="{C758ECAF-F32F-4458-94B0-721E74BC9A0A}" destId="{923F61DE-E860-4815-8E74-4CB05693297D}" srcOrd="0" destOrd="0" parTransId="{E744A790-EB9B-4313-B917-85736D9CCEF3}" sibTransId="{67820AE9-A2F9-4D51-87AB-50964F1C2CBA}"/>
     <dgm:cxn modelId="{DA59C536-7D8A-4065-BA6E-B8A3961DF522}" srcId="{97530BD9-D8AB-4788-AF98-5256AAD70A54}" destId="{C758ECAF-F32F-4458-94B0-721E74BC9A0A}" srcOrd="0" destOrd="0" parTransId="{BA5BB22B-7B64-4AF0-8A3F-63159B402732}" sibTransId="{DA101461-B71B-4ACE-957D-B9144337C585}"/>
     <dgm:cxn modelId="{2DF6AC3B-6809-47C9-B39D-BA935CD3479D}" type="presOf" srcId="{809E0E03-2E77-4E7E-92B7-E861F6B01114}" destId="{EF9AD9C6-92B1-4BAC-947A-68F6701D7B54}" srcOrd="0" destOrd="0" presId="urn:microsoft.com/office/officeart/2005/8/layout/hList1"/>
-    <dgm:cxn modelId="{93D7815A-69CA-4D4E-9043-7996BADE4E3E}" type="presOf" srcId="{97530BD9-D8AB-4788-AF98-5256AAD70A54}" destId="{1C2A8DDC-5DEE-47DC-9B0D-40EC7A11488F}" srcOrd="0" destOrd="0" presId="urn:microsoft.com/office/officeart/2005/8/layout/hList1"/>
     <dgm:cxn modelId="{FE5AF861-A9B2-42D4-B2B2-AC7F5218174D}" type="presOf" srcId="{D88FC435-F8DF-418E-A9B4-BD48A6028889}" destId="{FC124E87-141F-486D-8C91-3ACD47AEB095}" srcOrd="0" destOrd="1" presId="urn:microsoft.com/office/officeart/2005/8/layout/hList1"/>
     <dgm:cxn modelId="{2AE4A962-33D0-403A-BD59-32BEDE971214}" type="presOf" srcId="{63271212-213F-47D9-BB84-B84BA86664EA}" destId="{FC124E87-141F-486D-8C91-3ACD47AEB095}" srcOrd="0" destOrd="0" presId="urn:microsoft.com/office/officeart/2005/8/layout/hList1"/>
+    <dgm:cxn modelId="{93D7815A-69CA-4D4E-9043-7996BADE4E3E}" type="presOf" srcId="{97530BD9-D8AB-4788-AF98-5256AAD70A54}" destId="{1C2A8DDC-5DEE-47DC-9B0D-40EC7A11488F}" srcOrd="0" destOrd="0" presId="urn:microsoft.com/office/officeart/2005/8/layout/hList1"/>
     <dgm:cxn modelId="{7F542080-580E-4D06-811D-854E9147D0C9}" type="presOf" srcId="{923F61DE-E860-4815-8E74-4CB05693297D}" destId="{3403FB3D-026A-4A43-8DFD-FA717358EC2E}" srcOrd="0" destOrd="0" presId="urn:microsoft.com/office/officeart/2005/8/layout/hList1"/>
     <dgm:cxn modelId="{75E89C87-201F-4D57-A122-7A070718B5DF}" srcId="{562658D3-9B9A-4932-AB1C-91A2ED42C30F}" destId="{3BE7D290-79C1-4C7C-BB2A-B107C3858D2A}" srcOrd="0" destOrd="0" parTransId="{1C57F9A4-9B0E-4C44-B7C9-F969456A8E56}" sibTransId="{D089A82C-6D7B-4363-B8AF-FD5546B08512}"/>
     <dgm:cxn modelId="{0824859A-35A9-4654-9743-22E2D85610F6}" srcId="{562658D3-9B9A-4932-AB1C-91A2ED42C30F}" destId="{345507A3-9419-41D9-B797-8D3204E98438}" srcOrd="2" destOrd="0" parTransId="{37A49160-76FB-499E-A104-2BD6F0DB6489}" sibTransId="{E7F66A6C-3EB7-4005-8DA5-11415CA13F82}"/>
@@ -3470,7 +3472,7 @@
           <a:p>
             <a:fld id="{32E0DD32-1C3F-4C1E-A478-0B3C75426AC3}" type="datetimeFigureOut">
               <a:rPr lang="zh-TW" altLang="en-US" smtClean="0"/>
-              <a:t>2020/6/17</a:t>
+              <a:t>2020/6/25</a:t>
             </a:fld>
             <a:endParaRPr lang="zh-TW" altLang="en-US"/>
           </a:p>
@@ -3732,7 +3734,7 @@
           <a:p>
             <a:fld id="{32E0DD32-1C3F-4C1E-A478-0B3C75426AC3}" type="datetimeFigureOut">
               <a:rPr lang="zh-TW" altLang="en-US" smtClean="0"/>
-              <a:t>2020/6/17</a:t>
+              <a:t>2020/6/25</a:t>
             </a:fld>
             <a:endParaRPr lang="zh-TW" altLang="en-US"/>
           </a:p>
@@ -3967,7 +3969,7 @@
           <a:p>
             <a:fld id="{32E0DD32-1C3F-4C1E-A478-0B3C75426AC3}" type="datetimeFigureOut">
               <a:rPr lang="zh-TW" altLang="en-US" smtClean="0"/>
-              <a:t>2020/6/17</a:t>
+              <a:t>2020/6/25</a:t>
             </a:fld>
             <a:endParaRPr lang="zh-TW" altLang="en-US"/>
           </a:p>
@@ -4207,7 +4209,7 @@
           <a:p>
             <a:fld id="{32E0DD32-1C3F-4C1E-A478-0B3C75426AC3}" type="datetimeFigureOut">
               <a:rPr lang="zh-TW" altLang="en-US" smtClean="0"/>
-              <a:t>2020/6/17</a:t>
+              <a:t>2020/6/25</a:t>
             </a:fld>
             <a:endParaRPr lang="zh-TW" altLang="en-US"/>
           </a:p>
@@ -4514,7 +4516,7 @@
           <a:p>
             <a:fld id="{32E0DD32-1C3F-4C1E-A478-0B3C75426AC3}" type="datetimeFigureOut">
               <a:rPr lang="zh-TW" altLang="en-US" smtClean="0"/>
-              <a:t>2020/6/17</a:t>
+              <a:t>2020/6/25</a:t>
             </a:fld>
             <a:endParaRPr lang="zh-TW" altLang="en-US"/>
           </a:p>
@@ -4816,7 +4818,7 @@
           <a:p>
             <a:fld id="{32E0DD32-1C3F-4C1E-A478-0B3C75426AC3}" type="datetimeFigureOut">
               <a:rPr lang="zh-TW" altLang="en-US" smtClean="0"/>
-              <a:t>2020/6/17</a:t>
+              <a:t>2020/6/25</a:t>
             </a:fld>
             <a:endParaRPr lang="zh-TW" altLang="en-US"/>
           </a:p>
@@ -5238,7 +5240,7 @@
           <a:p>
             <a:fld id="{32E0DD32-1C3F-4C1E-A478-0B3C75426AC3}" type="datetimeFigureOut">
               <a:rPr lang="zh-TW" altLang="en-US" smtClean="0"/>
-              <a:t>2020/6/17</a:t>
+              <a:t>2020/6/25</a:t>
             </a:fld>
             <a:endParaRPr lang="zh-TW" altLang="en-US"/>
           </a:p>
@@ -5400,7 +5402,7 @@
           <a:p>
             <a:fld id="{32E0DD32-1C3F-4C1E-A478-0B3C75426AC3}" type="datetimeFigureOut">
               <a:rPr lang="zh-TW" altLang="en-US" smtClean="0"/>
-              <a:t>2020/6/17</a:t>
+              <a:t>2020/6/25</a:t>
             </a:fld>
             <a:endParaRPr lang="zh-TW" altLang="en-US"/>
           </a:p>
@@ -5495,7 +5497,7 @@
           <a:p>
             <a:fld id="{32E0DD32-1C3F-4C1E-A478-0B3C75426AC3}" type="datetimeFigureOut">
               <a:rPr lang="zh-TW" altLang="en-US" smtClean="0"/>
-              <a:t>2020/6/17</a:t>
+              <a:t>2020/6/25</a:t>
             </a:fld>
             <a:endParaRPr lang="zh-TW" altLang="en-US"/>
           </a:p>
@@ -5873,7 +5875,7 @@
           <a:p>
             <a:fld id="{32E0DD32-1C3F-4C1E-A478-0B3C75426AC3}" type="datetimeFigureOut">
               <a:rPr lang="zh-TW" altLang="en-US" smtClean="0"/>
-              <a:t>2020/6/17</a:t>
+              <a:t>2020/6/25</a:t>
             </a:fld>
             <a:endParaRPr lang="zh-TW" altLang="en-US"/>
           </a:p>
@@ -6162,7 +6164,7 @@
           <a:p>
             <a:fld id="{32E0DD32-1C3F-4C1E-A478-0B3C75426AC3}" type="datetimeFigureOut">
               <a:rPr lang="zh-TW" altLang="en-US" smtClean="0"/>
-              <a:t>2020/6/17</a:t>
+              <a:t>2020/6/25</a:t>
             </a:fld>
             <a:endParaRPr lang="zh-TW" altLang="en-US"/>
           </a:p>
@@ -6373,7 +6375,7 @@
           <a:p>
             <a:fld id="{32E0DD32-1C3F-4C1E-A478-0B3C75426AC3}" type="datetimeFigureOut">
               <a:rPr lang="zh-TW" altLang="en-US" smtClean="0"/>
-              <a:t>2020/6/17</a:t>
+              <a:t>2020/6/25</a:t>
             </a:fld>
             <a:endParaRPr lang="zh-TW" altLang="en-US"/>
           </a:p>
@@ -7866,7 +7868,13 @@
       </p:grpSpPr>
       <p:sp>
         <p:nvSpPr>
-          <p:cNvPr id="2" name="標題 1"/>
+          <p:cNvPr id="2" name="標題 1">
+            <a:extLst>
+              <a:ext uri="{FF2B5EF4-FFF2-40B4-BE49-F238E27FC236}">
+                <a16:creationId xmlns:a16="http://schemas.microsoft.com/office/drawing/2014/main" id="{254ED240-E014-48FB-BB84-344F725F9B42}"/>
+              </a:ext>
+            </a:extLst>
+          </p:cNvPr>
           <p:cNvSpPr>
             <a:spLocks noGrp="1"/>
           </p:cNvSpPr>
@@ -7876,56 +7884,79 @@
         </p:nvSpPr>
         <p:spPr/>
         <p:txBody>
-          <a:bodyPr>
-            <a:noAutofit/>
-          </a:bodyPr>
+          <a:bodyPr/>
           <a:lstStyle/>
           <a:p>
-            <a:pPr algn="ctr"/>
-            <a:r>
-              <a:rPr lang="zh-TW" altLang="en-US" sz="8800" b="1" dirty="0"/>
-              <a:t>介面規劃</a:t>
-            </a:r>
-          </a:p>
-        </p:txBody>
-      </p:sp>
-      <p:sp>
-        <p:nvSpPr>
-          <p:cNvPr id="3" name="文字版面配置區 2"/>
-          <p:cNvSpPr>
-            <a:spLocks noGrp="1"/>
-          </p:cNvSpPr>
-          <p:nvPr>
-            <p:ph type="body" idx="1"/>
-          </p:nvPr>
-        </p:nvSpPr>
-        <p:spPr/>
-        <p:txBody>
-          <a:bodyPr>
-            <a:noAutofit/>
-          </a:bodyPr>
-          <a:lstStyle/>
-          <a:p>
-            <a:pPr algn="ctr"/>
-            <a:r>
-              <a:rPr lang="zh-TW" altLang="en-US" sz="3200" dirty="0"/>
-              <a:t>選單畫面 </a:t>
-            </a:r>
-            <a:r>
-              <a:rPr lang="en-US" altLang="zh-TW" sz="3200" dirty="0"/>
-              <a:t>&amp;</a:t>
-            </a:r>
-            <a:r>
-              <a:rPr lang="zh-TW" altLang="en-US" sz="3200" dirty="0"/>
-              <a:t> 遊戲畫面</a:t>
-            </a:r>
-          </a:p>
-        </p:txBody>
-      </p:sp>
+            <a:endParaRPr lang="zh-TW" altLang="en-US"/>
+          </a:p>
+        </p:txBody>
+      </p:sp>
+      <p:pic>
+        <p:nvPicPr>
+          <p:cNvPr id="8" name="內容版面配置區 7">
+            <a:extLst>
+              <a:ext uri="{FF2B5EF4-FFF2-40B4-BE49-F238E27FC236}">
+                <a16:creationId xmlns:a16="http://schemas.microsoft.com/office/drawing/2014/main" id="{6DC9F8E2-5A02-4E52-8C86-A03650130887}"/>
+              </a:ext>
+            </a:extLst>
+          </p:cNvPr>
+          <p:cNvPicPr>
+            <a:picLocks noGrp="1" noChangeAspect="1"/>
+          </p:cNvPicPr>
+          <p:nvPr>
+            <p:ph idx="1"/>
+          </p:nvPr>
+        </p:nvPicPr>
+        <p:blipFill>
+          <a:blip r:embed="rId2"/>
+          <a:stretch>
+            <a:fillRect/>
+          </a:stretch>
+        </p:blipFill>
+        <p:spPr>
+          <a:xfrm>
+            <a:off x="5758804" y="2347770"/>
+            <a:ext cx="4464240" cy="2211736"/>
+          </a:xfrm>
+          <a:prstGeom prst="rect">
+            <a:avLst/>
+          </a:prstGeom>
+        </p:spPr>
+      </p:pic>
+      <p:pic>
+        <p:nvPicPr>
+          <p:cNvPr id="7" name="圖片 6">
+            <a:extLst>
+              <a:ext uri="{FF2B5EF4-FFF2-40B4-BE49-F238E27FC236}">
+                <a16:creationId xmlns:a16="http://schemas.microsoft.com/office/drawing/2014/main" id="{29201823-D5D0-4A8F-AA25-03397175F53E}"/>
+              </a:ext>
+            </a:extLst>
+          </p:cNvPr>
+          <p:cNvPicPr>
+            <a:picLocks noChangeAspect="1"/>
+          </p:cNvPicPr>
+          <p:nvPr/>
+        </p:nvPicPr>
+        <p:blipFill>
+          <a:blip r:embed="rId3"/>
+          <a:stretch>
+            <a:fillRect/>
+          </a:stretch>
+        </p:blipFill>
+        <p:spPr>
+          <a:xfrm>
+            <a:off x="791866" y="2347770"/>
+            <a:ext cx="3602581" cy="3486055"/>
+          </a:xfrm>
+          <a:prstGeom prst="rect">
+            <a:avLst/>
+          </a:prstGeom>
+        </p:spPr>
+      </p:pic>
     </p:spTree>
     <p:extLst>
       <p:ext uri="{BB962C8B-B14F-4D97-AF65-F5344CB8AC3E}">
-        <p14:creationId xmlns:p14="http://schemas.microsoft.com/office/powerpoint/2010/main" val="2285744282"/>
+        <p14:creationId xmlns:p14="http://schemas.microsoft.com/office/powerpoint/2010/main" val="3324654742"/>
       </p:ext>
     </p:extLst>
   </p:cSld>
@@ -7965,6 +7996,94 @@
         <p:spPr/>
         <p:txBody>
           <a:bodyPr>
+            <a:noAutofit/>
+          </a:bodyPr>
+          <a:lstStyle/>
+          <a:p>
+            <a:pPr algn="ctr"/>
+            <a:r>
+              <a:rPr lang="zh-TW" altLang="en-US" sz="8800" b="1" dirty="0"/>
+              <a:t>介面規劃</a:t>
+            </a:r>
+          </a:p>
+        </p:txBody>
+      </p:sp>
+      <p:sp>
+        <p:nvSpPr>
+          <p:cNvPr id="3" name="文字版面配置區 2"/>
+          <p:cNvSpPr>
+            <a:spLocks noGrp="1"/>
+          </p:cNvSpPr>
+          <p:nvPr>
+            <p:ph type="body" idx="1"/>
+          </p:nvPr>
+        </p:nvSpPr>
+        <p:spPr/>
+        <p:txBody>
+          <a:bodyPr>
+            <a:noAutofit/>
+          </a:bodyPr>
+          <a:lstStyle/>
+          <a:p>
+            <a:pPr algn="ctr"/>
+            <a:r>
+              <a:rPr lang="zh-TW" altLang="en-US" sz="3200" dirty="0"/>
+              <a:t>選單畫面 </a:t>
+            </a:r>
+            <a:r>
+              <a:rPr lang="en-US" altLang="zh-TW" sz="3200" dirty="0"/>
+              <a:t>&amp;</a:t>
+            </a:r>
+            <a:r>
+              <a:rPr lang="zh-TW" altLang="en-US" sz="3200" dirty="0"/>
+              <a:t> 遊戲畫面</a:t>
+            </a:r>
+          </a:p>
+        </p:txBody>
+      </p:sp>
+    </p:spTree>
+    <p:extLst>
+      <p:ext uri="{BB962C8B-B14F-4D97-AF65-F5344CB8AC3E}">
+        <p14:creationId xmlns:p14="http://schemas.microsoft.com/office/powerpoint/2010/main" val="2285744282"/>
+      </p:ext>
+    </p:extLst>
+  </p:cSld>
+  <p:clrMapOvr>
+    <a:masterClrMapping/>
+  </p:clrMapOvr>
+</p:sld>
+</file>
+
+<file path=ppt/slides/slide14.xml><?xml version="1.0" encoding="utf-8"?>
+<p:sld xmlns:a="http://schemas.openxmlformats.org/drawingml/2006/main" xmlns:r="http://schemas.openxmlformats.org/officeDocument/2006/relationships" xmlns:p="http://schemas.openxmlformats.org/presentationml/2006/main">
+  <p:cSld>
+    <p:spTree>
+      <p:nvGrpSpPr>
+        <p:cNvPr id="1" name=""/>
+        <p:cNvGrpSpPr/>
+        <p:nvPr/>
+      </p:nvGrpSpPr>
+      <p:grpSpPr>
+        <a:xfrm>
+          <a:off x="0" y="0"/>
+          <a:ext cx="0" cy="0"/>
+          <a:chOff x="0" y="0"/>
+          <a:chExt cx="0" cy="0"/>
+        </a:xfrm>
+      </p:grpSpPr>
+      <p:sp>
+        <p:nvSpPr>
+          <p:cNvPr id="2" name="標題 1"/>
+          <p:cNvSpPr>
+            <a:spLocks noGrp="1"/>
+          </p:cNvSpPr>
+          <p:nvPr>
+            <p:ph type="title"/>
+          </p:nvPr>
+        </p:nvSpPr>
+        <p:spPr/>
+        <p:txBody>
+          <a:bodyPr>
             <a:normAutofit/>
           </a:bodyPr>
           <a:lstStyle/>
@@ -7999,7 +8118,7 @@
         </p:blipFill>
         <p:spPr>
           <a:xfrm>
-            <a:off x="2599042" y="2181225"/>
+            <a:off x="2599042" y="2339319"/>
             <a:ext cx="6993915" cy="3678238"/>
           </a:xfrm>
           <a:prstGeom prst="rect">
@@ -8007,6 +8126,275 @@
           </a:prstGeom>
         </p:spPr>
       </p:pic>
+      <p:sp>
+        <p:nvSpPr>
+          <p:cNvPr id="7" name="箭號: 向下 6">
+            <a:extLst>
+              <a:ext uri="{FF2B5EF4-FFF2-40B4-BE49-F238E27FC236}">
+                <a16:creationId xmlns:a16="http://schemas.microsoft.com/office/drawing/2014/main" id="{34CA77CE-2D27-42B4-B2DA-7196792A29F4}"/>
+              </a:ext>
+            </a:extLst>
+          </p:cNvPr>
+          <p:cNvSpPr/>
+          <p:nvPr/>
+        </p:nvSpPr>
+        <p:spPr>
+          <a:xfrm rot="5400000">
+            <a:off x="7027563" y="3999101"/>
+            <a:ext cx="246799" cy="467276"/>
+          </a:xfrm>
+          <a:prstGeom prst="downArrow">
+            <a:avLst/>
+          </a:prstGeom>
+        </p:spPr>
+        <p:style>
+          <a:lnRef idx="2">
+            <a:schemeClr val="accent1">
+              <a:shade val="50000"/>
+            </a:schemeClr>
+          </a:lnRef>
+          <a:fillRef idx="1">
+            <a:schemeClr val="accent1"/>
+          </a:fillRef>
+          <a:effectRef idx="0">
+            <a:schemeClr val="accent1"/>
+          </a:effectRef>
+          <a:fontRef idx="minor">
+            <a:schemeClr val="lt1"/>
+          </a:fontRef>
+        </p:style>
+        <p:txBody>
+          <a:bodyPr rtlCol="0" anchor="ctr"/>
+          <a:lstStyle/>
+          <a:p>
+            <a:pPr algn="ctr"/>
+            <a:endParaRPr lang="zh-TW" altLang="en-US" dirty="0"/>
+          </a:p>
+        </p:txBody>
+      </p:sp>
+      <p:sp>
+        <p:nvSpPr>
+          <p:cNvPr id="8" name="文字方塊 7">
+            <a:extLst>
+              <a:ext uri="{FF2B5EF4-FFF2-40B4-BE49-F238E27FC236}">
+                <a16:creationId xmlns:a16="http://schemas.microsoft.com/office/drawing/2014/main" id="{E1C5BD85-A9F3-483E-904B-846E81659904}"/>
+              </a:ext>
+            </a:extLst>
+          </p:cNvPr>
+          <p:cNvSpPr txBox="1"/>
+          <p:nvPr/>
+        </p:nvSpPr>
+        <p:spPr>
+          <a:xfrm>
+            <a:off x="7471690" y="4078932"/>
+            <a:ext cx="1734453" cy="400110"/>
+          </a:xfrm>
+          <a:prstGeom prst="rect">
+            <a:avLst/>
+          </a:prstGeom>
+          <a:noFill/>
+        </p:spPr>
+        <p:txBody>
+          <a:bodyPr wrap="square" rtlCol="0">
+            <a:spAutoFit/>
+          </a:bodyPr>
+          <a:lstStyle/>
+          <a:p>
+            <a:r>
+              <a:rPr lang="zh-TW" altLang="en-US" sz="2000" dirty="0">
+                <a:solidFill>
+                  <a:schemeClr val="accent3">
+                    <a:lumMod val="75000"/>
+                  </a:schemeClr>
+                </a:solidFill>
+                <a:latin typeface="Tw Cen MT Condensed Extra Bold" panose="020B0803020202020204" pitchFamily="34" charset="0"/>
+              </a:rPr>
+              <a:t>音樂</a:t>
+            </a:r>
+            <a:r>
+              <a:rPr lang="en-US" altLang="zh-TW" sz="2000" dirty="0">
+                <a:solidFill>
+                  <a:schemeClr val="accent3">
+                    <a:lumMod val="75000"/>
+                  </a:schemeClr>
+                </a:solidFill>
+                <a:latin typeface="Tw Cen MT Condensed Extra Bold" panose="020B0803020202020204" pitchFamily="34" charset="0"/>
+              </a:rPr>
+              <a:t>Start/Stop</a:t>
+            </a:r>
+            <a:endParaRPr lang="zh-TW" altLang="en-US" sz="2000" dirty="0">
+              <a:solidFill>
+                <a:schemeClr val="accent3">
+                  <a:lumMod val="75000"/>
+                </a:schemeClr>
+              </a:solidFill>
+              <a:latin typeface="Tw Cen MT Condensed Extra Bold" panose="020B0803020202020204" pitchFamily="34" charset="0"/>
+            </a:endParaRPr>
+          </a:p>
+        </p:txBody>
+      </p:sp>
+      <p:sp>
+        <p:nvSpPr>
+          <p:cNvPr id="10" name="箭號: 向下 9">
+            <a:extLst>
+              <a:ext uri="{FF2B5EF4-FFF2-40B4-BE49-F238E27FC236}">
+                <a16:creationId xmlns:a16="http://schemas.microsoft.com/office/drawing/2014/main" id="{2E799501-5873-4426-9539-F17C2E194313}"/>
+              </a:ext>
+            </a:extLst>
+          </p:cNvPr>
+          <p:cNvSpPr/>
+          <p:nvPr/>
+        </p:nvSpPr>
+        <p:spPr>
+          <a:xfrm rot="16200000">
+            <a:off x="4831080" y="3352764"/>
+            <a:ext cx="246799" cy="467276"/>
+          </a:xfrm>
+          <a:prstGeom prst="downArrow">
+            <a:avLst/>
+          </a:prstGeom>
+        </p:spPr>
+        <p:style>
+          <a:lnRef idx="2">
+            <a:schemeClr val="accent1">
+              <a:shade val="50000"/>
+            </a:schemeClr>
+          </a:lnRef>
+          <a:fillRef idx="1">
+            <a:schemeClr val="accent1"/>
+          </a:fillRef>
+          <a:effectRef idx="0">
+            <a:schemeClr val="accent1"/>
+          </a:effectRef>
+          <a:fontRef idx="minor">
+            <a:schemeClr val="lt1"/>
+          </a:fontRef>
+        </p:style>
+        <p:txBody>
+          <a:bodyPr rtlCol="0" anchor="ctr"/>
+          <a:lstStyle/>
+          <a:p>
+            <a:pPr algn="ctr"/>
+            <a:endParaRPr lang="zh-TW" altLang="en-US" dirty="0"/>
+          </a:p>
+        </p:txBody>
+      </p:sp>
+      <p:sp>
+        <p:nvSpPr>
+          <p:cNvPr id="12" name="文字方塊 11">
+            <a:extLst>
+              <a:ext uri="{FF2B5EF4-FFF2-40B4-BE49-F238E27FC236}">
+                <a16:creationId xmlns:a16="http://schemas.microsoft.com/office/drawing/2014/main" id="{29ED2CE4-BDE4-41F4-B9DE-CDB4EE60B764}"/>
+              </a:ext>
+            </a:extLst>
+          </p:cNvPr>
+          <p:cNvSpPr txBox="1"/>
+          <p:nvPr/>
+        </p:nvSpPr>
+        <p:spPr>
+          <a:xfrm>
+            <a:off x="3353679" y="3386347"/>
+            <a:ext cx="1367162" cy="400110"/>
+          </a:xfrm>
+          <a:prstGeom prst="rect">
+            <a:avLst/>
+          </a:prstGeom>
+          <a:noFill/>
+        </p:spPr>
+        <p:txBody>
+          <a:bodyPr wrap="square" rtlCol="0">
+            <a:spAutoFit/>
+          </a:bodyPr>
+          <a:lstStyle/>
+          <a:p>
+            <a:r>
+              <a:rPr lang="zh-TW" altLang="en-US" sz="2000" dirty="0"/>
+              <a:t>遊戲開始</a:t>
+            </a:r>
+          </a:p>
+        </p:txBody>
+      </p:sp>
+      <p:sp>
+        <p:nvSpPr>
+          <p:cNvPr id="13" name="箭號: 向下 12">
+            <a:extLst>
+              <a:ext uri="{FF2B5EF4-FFF2-40B4-BE49-F238E27FC236}">
+                <a16:creationId xmlns:a16="http://schemas.microsoft.com/office/drawing/2014/main" id="{88E8BA05-4F59-4B6A-BE94-3CBB9A392BAC}"/>
+              </a:ext>
+            </a:extLst>
+          </p:cNvPr>
+          <p:cNvSpPr/>
+          <p:nvPr/>
+        </p:nvSpPr>
+        <p:spPr>
+          <a:xfrm rot="16200000">
+            <a:off x="4831081" y="4478076"/>
+            <a:ext cx="246799" cy="467276"/>
+          </a:xfrm>
+          <a:prstGeom prst="downArrow">
+            <a:avLst/>
+          </a:prstGeom>
+        </p:spPr>
+        <p:style>
+          <a:lnRef idx="2">
+            <a:schemeClr val="accent1">
+              <a:shade val="50000"/>
+            </a:schemeClr>
+          </a:lnRef>
+          <a:fillRef idx="1">
+            <a:schemeClr val="accent1"/>
+          </a:fillRef>
+          <a:effectRef idx="0">
+            <a:schemeClr val="accent1"/>
+          </a:effectRef>
+          <a:fontRef idx="minor">
+            <a:schemeClr val="lt1"/>
+          </a:fontRef>
+        </p:style>
+        <p:txBody>
+          <a:bodyPr rtlCol="0" anchor="ctr"/>
+          <a:lstStyle/>
+          <a:p>
+            <a:pPr algn="ctr"/>
+            <a:endParaRPr lang="zh-TW" altLang="en-US" dirty="0"/>
+          </a:p>
+        </p:txBody>
+      </p:sp>
+      <p:sp>
+        <p:nvSpPr>
+          <p:cNvPr id="14" name="文字方塊 13">
+            <a:extLst>
+              <a:ext uri="{FF2B5EF4-FFF2-40B4-BE49-F238E27FC236}">
+                <a16:creationId xmlns:a16="http://schemas.microsoft.com/office/drawing/2014/main" id="{BE752592-89E7-4099-8A79-CC6422213B71}"/>
+              </a:ext>
+            </a:extLst>
+          </p:cNvPr>
+          <p:cNvSpPr txBox="1"/>
+          <p:nvPr/>
+        </p:nvSpPr>
+        <p:spPr>
+          <a:xfrm>
+            <a:off x="3353679" y="4541569"/>
+            <a:ext cx="1229837" cy="400110"/>
+          </a:xfrm>
+          <a:prstGeom prst="rect">
+            <a:avLst/>
+          </a:prstGeom>
+          <a:noFill/>
+        </p:spPr>
+        <p:txBody>
+          <a:bodyPr wrap="square" rtlCol="0">
+            <a:spAutoFit/>
+          </a:bodyPr>
+          <a:lstStyle/>
+          <a:p>
+            <a:r>
+              <a:rPr lang="zh-TW" altLang="en-US" sz="2000" dirty="0"/>
+              <a:t>遊戲說明</a:t>
+            </a:r>
+          </a:p>
+        </p:txBody>
+      </p:sp>
     </p:spTree>
     <p:extLst>
       <p:ext uri="{BB962C8B-B14F-4D97-AF65-F5344CB8AC3E}">
@@ -8020,7 +8408,311 @@
 </p:sld>
 </file>
 
-<file path=ppt/slides/slide14.xml><?xml version="1.0" encoding="utf-8"?>
+<file path=ppt/slides/slide15.xml><?xml version="1.0" encoding="utf-8"?>
+<p:sld xmlns:a="http://schemas.openxmlformats.org/drawingml/2006/main" xmlns:r="http://schemas.openxmlformats.org/officeDocument/2006/relationships" xmlns:p="http://schemas.openxmlformats.org/presentationml/2006/main">
+  <p:cSld>
+    <p:spTree>
+      <p:nvGrpSpPr>
+        <p:cNvPr id="1" name=""/>
+        <p:cNvGrpSpPr/>
+        <p:nvPr/>
+      </p:nvGrpSpPr>
+      <p:grpSpPr>
+        <a:xfrm>
+          <a:off x="0" y="0"/>
+          <a:ext cx="0" cy="0"/>
+          <a:chOff x="0" y="0"/>
+          <a:chExt cx="0" cy="0"/>
+        </a:xfrm>
+      </p:grpSpPr>
+      <p:sp>
+        <p:nvSpPr>
+          <p:cNvPr id="2" name="標題 1">
+            <a:extLst>
+              <a:ext uri="{FF2B5EF4-FFF2-40B4-BE49-F238E27FC236}">
+                <a16:creationId xmlns:a16="http://schemas.microsoft.com/office/drawing/2014/main" id="{EAB29240-6526-4E60-BDD6-D27190F8C93C}"/>
+              </a:ext>
+            </a:extLst>
+          </p:cNvPr>
+          <p:cNvSpPr>
+            <a:spLocks noGrp="1"/>
+          </p:cNvSpPr>
+          <p:nvPr>
+            <p:ph type="title"/>
+          </p:nvPr>
+        </p:nvSpPr>
+        <p:spPr/>
+        <p:txBody>
+          <a:bodyPr>
+            <a:normAutofit/>
+          </a:bodyPr>
+          <a:lstStyle/>
+          <a:p>
+            <a:pPr algn="ctr"/>
+            <a:r>
+              <a:rPr lang="zh-TW" altLang="en-US" sz="4800" dirty="0"/>
+              <a:t>遊戲選單</a:t>
+            </a:r>
+          </a:p>
+        </p:txBody>
+      </p:sp>
+      <p:pic>
+        <p:nvPicPr>
+          <p:cNvPr id="6" name="圖片 5">
+            <a:extLst>
+              <a:ext uri="{FF2B5EF4-FFF2-40B4-BE49-F238E27FC236}">
+                <a16:creationId xmlns:a16="http://schemas.microsoft.com/office/drawing/2014/main" id="{B72E854C-EA80-497A-84DE-EF04DF61BC58}"/>
+              </a:ext>
+            </a:extLst>
+          </p:cNvPr>
+          <p:cNvPicPr>
+            <a:picLocks noChangeAspect="1"/>
+          </p:cNvPicPr>
+          <p:nvPr/>
+        </p:nvPicPr>
+        <p:blipFill>
+          <a:blip r:embed="rId2"/>
+          <a:stretch>
+            <a:fillRect/>
+          </a:stretch>
+        </p:blipFill>
+        <p:spPr>
+          <a:xfrm>
+            <a:off x="9723195" y="2785606"/>
+            <a:ext cx="1737877" cy="3709339"/>
+          </a:xfrm>
+          <a:prstGeom prst="rect">
+            <a:avLst/>
+          </a:prstGeom>
+        </p:spPr>
+      </p:pic>
+      <p:pic>
+        <p:nvPicPr>
+          <p:cNvPr id="9" name="圖片 8">
+            <a:extLst>
+              <a:ext uri="{FF2B5EF4-FFF2-40B4-BE49-F238E27FC236}">
+                <a16:creationId xmlns:a16="http://schemas.microsoft.com/office/drawing/2014/main" id="{67E273F9-60B9-4A34-9DA1-EE05EB6C733D}"/>
+              </a:ext>
+            </a:extLst>
+          </p:cNvPr>
+          <p:cNvPicPr>
+            <a:picLocks noChangeAspect="1"/>
+          </p:cNvPicPr>
+          <p:nvPr/>
+        </p:nvPicPr>
+        <p:blipFill>
+          <a:blip r:embed="rId3"/>
+          <a:stretch>
+            <a:fillRect/>
+          </a:stretch>
+        </p:blipFill>
+        <p:spPr>
+          <a:xfrm>
+            <a:off x="532934" y="1937108"/>
+            <a:ext cx="2477485" cy="2415547"/>
+          </a:xfrm>
+          <a:prstGeom prst="rect">
+            <a:avLst/>
+          </a:prstGeom>
+        </p:spPr>
+      </p:pic>
+      <p:pic>
+        <p:nvPicPr>
+          <p:cNvPr id="10" name="圖片 9">
+            <a:extLst>
+              <a:ext uri="{FF2B5EF4-FFF2-40B4-BE49-F238E27FC236}">
+                <a16:creationId xmlns:a16="http://schemas.microsoft.com/office/drawing/2014/main" id="{2CF05F29-54B3-4F70-AFB2-F325983E9916}"/>
+              </a:ext>
+            </a:extLst>
+          </p:cNvPr>
+          <p:cNvPicPr>
+            <a:picLocks noChangeAspect="1"/>
+          </p:cNvPicPr>
+          <p:nvPr/>
+        </p:nvPicPr>
+        <p:blipFill>
+          <a:blip r:embed="rId4"/>
+          <a:stretch>
+            <a:fillRect/>
+          </a:stretch>
+        </p:blipFill>
+        <p:spPr>
+          <a:xfrm>
+            <a:off x="3258325" y="4353251"/>
+            <a:ext cx="2393935" cy="2350210"/>
+          </a:xfrm>
+          <a:prstGeom prst="rect">
+            <a:avLst/>
+          </a:prstGeom>
+        </p:spPr>
+      </p:pic>
+      <p:pic>
+        <p:nvPicPr>
+          <p:cNvPr id="11" name="圖片 10">
+            <a:extLst>
+              <a:ext uri="{FF2B5EF4-FFF2-40B4-BE49-F238E27FC236}">
+                <a16:creationId xmlns:a16="http://schemas.microsoft.com/office/drawing/2014/main" id="{2181918C-C3B1-4162-9E79-EFCE879314A0}"/>
+              </a:ext>
+            </a:extLst>
+          </p:cNvPr>
+          <p:cNvPicPr>
+            <a:picLocks noChangeAspect="1"/>
+          </p:cNvPicPr>
+          <p:nvPr/>
+        </p:nvPicPr>
+        <p:blipFill>
+          <a:blip r:embed="rId5"/>
+          <a:stretch>
+            <a:fillRect/>
+          </a:stretch>
+        </p:blipFill>
+        <p:spPr>
+          <a:xfrm>
+            <a:off x="5855635" y="1937108"/>
+            <a:ext cx="3491883" cy="3828450"/>
+          </a:xfrm>
+          <a:prstGeom prst="rect">
+            <a:avLst/>
+          </a:prstGeom>
+        </p:spPr>
+      </p:pic>
+      <p:cxnSp>
+        <p:nvCxnSpPr>
+          <p:cNvPr id="17" name="接點: 肘形 16">
+            <a:extLst>
+              <a:ext uri="{FF2B5EF4-FFF2-40B4-BE49-F238E27FC236}">
+                <a16:creationId xmlns:a16="http://schemas.microsoft.com/office/drawing/2014/main" id="{719BA974-EDE6-474A-9268-D7DC872CE683}"/>
+              </a:ext>
+            </a:extLst>
+          </p:cNvPr>
+          <p:cNvCxnSpPr>
+            <a:cxnSpLocks/>
+          </p:cNvCxnSpPr>
+          <p:nvPr/>
+        </p:nvCxnSpPr>
+        <p:spPr>
+          <a:xfrm>
+            <a:off x="9195148" y="2223966"/>
+            <a:ext cx="1620000" cy="561640"/>
+          </a:xfrm>
+          <a:prstGeom prst="bentConnector2">
+            <a:avLst/>
+          </a:prstGeom>
+          <a:ln w="57150">
+            <a:tailEnd type="triangle"/>
+          </a:ln>
+        </p:spPr>
+        <p:style>
+          <a:lnRef idx="1">
+            <a:schemeClr val="accent2"/>
+          </a:lnRef>
+          <a:fillRef idx="0">
+            <a:schemeClr val="accent2"/>
+          </a:fillRef>
+          <a:effectRef idx="0">
+            <a:schemeClr val="accent2"/>
+          </a:effectRef>
+          <a:fontRef idx="minor">
+            <a:schemeClr val="tx1"/>
+          </a:fontRef>
+        </p:style>
+      </p:cxnSp>
+      <p:cxnSp>
+        <p:nvCxnSpPr>
+          <p:cNvPr id="23" name="直線單箭頭接點 22">
+            <a:extLst>
+              <a:ext uri="{FF2B5EF4-FFF2-40B4-BE49-F238E27FC236}">
+                <a16:creationId xmlns:a16="http://schemas.microsoft.com/office/drawing/2014/main" id="{87D7F501-9D65-471B-A9C6-46BC7825068E}"/>
+              </a:ext>
+            </a:extLst>
+          </p:cNvPr>
+          <p:cNvCxnSpPr>
+            <a:cxnSpLocks/>
+          </p:cNvCxnSpPr>
+          <p:nvPr/>
+        </p:nvCxnSpPr>
+        <p:spPr>
+          <a:xfrm flipH="1">
+            <a:off x="3010419" y="3293616"/>
+            <a:ext cx="3017518" cy="0"/>
+          </a:xfrm>
+          <a:prstGeom prst="straightConnector1">
+            <a:avLst/>
+          </a:prstGeom>
+          <a:ln w="57150">
+            <a:tailEnd type="triangle"/>
+          </a:ln>
+        </p:spPr>
+        <p:style>
+          <a:lnRef idx="1">
+            <a:schemeClr val="accent5"/>
+          </a:lnRef>
+          <a:fillRef idx="0">
+            <a:schemeClr val="accent5"/>
+          </a:fillRef>
+          <a:effectRef idx="0">
+            <a:schemeClr val="accent5"/>
+          </a:effectRef>
+          <a:fontRef idx="minor">
+            <a:schemeClr val="tx1"/>
+          </a:fontRef>
+        </p:style>
+      </p:cxnSp>
+      <p:cxnSp>
+        <p:nvCxnSpPr>
+          <p:cNvPr id="25" name="接點: 肘形 24">
+            <a:extLst>
+              <a:ext uri="{FF2B5EF4-FFF2-40B4-BE49-F238E27FC236}">
+                <a16:creationId xmlns:a16="http://schemas.microsoft.com/office/drawing/2014/main" id="{04A2FEE6-B36B-4AE5-B3CC-E6614F7736B7}"/>
+              </a:ext>
+            </a:extLst>
+          </p:cNvPr>
+          <p:cNvCxnSpPr>
+            <a:cxnSpLocks/>
+          </p:cNvCxnSpPr>
+          <p:nvPr/>
+        </p:nvCxnSpPr>
+        <p:spPr>
+          <a:xfrm rot="10800000" flipV="1">
+            <a:off x="4448368" y="4127521"/>
+            <a:ext cx="1587584" cy="225134"/>
+          </a:xfrm>
+          <a:prstGeom prst="bentConnector2">
+            <a:avLst/>
+          </a:prstGeom>
+          <a:ln w="57150">
+            <a:tailEnd type="triangle"/>
+          </a:ln>
+        </p:spPr>
+        <p:style>
+          <a:lnRef idx="2">
+            <a:schemeClr val="accent6"/>
+          </a:lnRef>
+          <a:fillRef idx="0">
+            <a:schemeClr val="accent6"/>
+          </a:fillRef>
+          <a:effectRef idx="1">
+            <a:schemeClr val="accent6"/>
+          </a:effectRef>
+          <a:fontRef idx="minor">
+            <a:schemeClr val="tx1"/>
+          </a:fontRef>
+        </p:style>
+      </p:cxnSp>
+    </p:spTree>
+    <p:extLst>
+      <p:ext uri="{BB962C8B-B14F-4D97-AF65-F5344CB8AC3E}">
+        <p14:creationId xmlns:p14="http://schemas.microsoft.com/office/powerpoint/2010/main" val="2261841598"/>
+      </p:ext>
+    </p:extLst>
+  </p:cSld>
+  <p:clrMapOvr>
+    <a:masterClrMapping/>
+  </p:clrMapOvr>
+</p:sld>
+</file>
+
+<file path=ppt/slides/slide16.xml><?xml version="1.0" encoding="utf-8"?>
 <p:sld xmlns:a="http://schemas.openxmlformats.org/drawingml/2006/main" xmlns:r="http://schemas.openxmlformats.org/officeDocument/2006/relationships" xmlns:p="http://schemas.openxmlformats.org/presentationml/2006/main">
   <p:cSld>
     <p:spTree>
@@ -8101,7 +8793,7 @@
 </p:sld>
 </file>
 
-<file path=ppt/slides/slide15.xml><?xml version="1.0" encoding="utf-8"?>
+<file path=ppt/slides/slide17.xml><?xml version="1.0" encoding="utf-8"?>
 <p:sld xmlns:a="http://schemas.openxmlformats.org/drawingml/2006/main" xmlns:r="http://schemas.openxmlformats.org/officeDocument/2006/relationships" xmlns:p="http://schemas.openxmlformats.org/presentationml/2006/main">
   <p:cSld>
     <p:spTree>
@@ -8182,7 +8874,7 @@
 </p:sld>
 </file>
 
-<file path=ppt/slides/slide16.xml><?xml version="1.0" encoding="utf-8"?>
+<file path=ppt/slides/slide18.xml><?xml version="1.0" encoding="utf-8"?>
 <p:sld xmlns:a="http://schemas.openxmlformats.org/drawingml/2006/main" xmlns:r="http://schemas.openxmlformats.org/officeDocument/2006/relationships" xmlns:p="http://schemas.openxmlformats.org/presentationml/2006/main">
   <p:cSld>
     <p:spTree>
@@ -8263,7 +8955,7 @@
 </p:sld>
 </file>
 
-<file path=ppt/slides/slide17.xml><?xml version="1.0" encoding="utf-8"?>
+<file path=ppt/slides/slide19.xml><?xml version="1.0" encoding="utf-8"?>
 <p:sld xmlns:a="http://schemas.openxmlformats.org/drawingml/2006/main" xmlns:r="http://schemas.openxmlformats.org/officeDocument/2006/relationships" xmlns:p="http://schemas.openxmlformats.org/presentationml/2006/main">
   <p:cSld>
     <p:spTree>
@@ -8334,337 +9026,6 @@
 </p:sld>
 </file>
 
-<file path=ppt/slides/slide18.xml><?xml version="1.0" encoding="utf-8"?>
-<p:sld xmlns:a="http://schemas.openxmlformats.org/drawingml/2006/main" xmlns:r="http://schemas.openxmlformats.org/officeDocument/2006/relationships" xmlns:p="http://schemas.openxmlformats.org/presentationml/2006/main">
-  <p:cSld>
-    <p:spTree>
-      <p:nvGrpSpPr>
-        <p:cNvPr id="1" name=""/>
-        <p:cNvGrpSpPr/>
-        <p:nvPr/>
-      </p:nvGrpSpPr>
-      <p:grpSpPr>
-        <a:xfrm>
-          <a:off x="0" y="0"/>
-          <a:ext cx="0" cy="0"/>
-          <a:chOff x="0" y="0"/>
-          <a:chExt cx="0" cy="0"/>
-        </a:xfrm>
-      </p:grpSpPr>
-      <p:sp>
-        <p:nvSpPr>
-          <p:cNvPr id="2" name="標題 1"/>
-          <p:cNvSpPr>
-            <a:spLocks noGrp="1"/>
-          </p:cNvSpPr>
-          <p:nvPr>
-            <p:ph type="title"/>
-          </p:nvPr>
-        </p:nvSpPr>
-        <p:spPr/>
-        <p:txBody>
-          <a:bodyPr>
-            <a:noAutofit/>
-          </a:bodyPr>
-          <a:lstStyle/>
-          <a:p>
-            <a:pPr algn="ctr"/>
-            <a:r>
-              <a:rPr lang="zh-TW" altLang="en-US" sz="9600" b="1" dirty="0"/>
-              <a:t>問題紀錄</a:t>
-            </a:r>
-          </a:p>
-        </p:txBody>
-      </p:sp>
-      <p:sp>
-        <p:nvSpPr>
-          <p:cNvPr id="3" name="文字版面配置區 2"/>
-          <p:cNvSpPr>
-            <a:spLocks noGrp="1"/>
-          </p:cNvSpPr>
-          <p:nvPr>
-            <p:ph type="body" idx="1"/>
-          </p:nvPr>
-        </p:nvSpPr>
-        <p:spPr/>
-        <p:txBody>
-          <a:bodyPr>
-            <a:normAutofit/>
-          </a:bodyPr>
-          <a:lstStyle/>
-          <a:p>
-            <a:pPr algn="ctr"/>
-            <a:r>
-              <a:rPr lang="zh-TW" altLang="en-US" sz="2400" dirty="0"/>
-              <a:t>發生了許多無理取鬧的問題</a:t>
-            </a:r>
-            <a:r>
-              <a:rPr lang="en-US" altLang="zh-TW" sz="2400" dirty="0"/>
-              <a:t>…</a:t>
-            </a:r>
-            <a:endParaRPr lang="zh-TW" altLang="en-US" sz="2400" dirty="0"/>
-          </a:p>
-        </p:txBody>
-      </p:sp>
-    </p:spTree>
-    <p:extLst>
-      <p:ext uri="{BB962C8B-B14F-4D97-AF65-F5344CB8AC3E}">
-        <p14:creationId xmlns:p14="http://schemas.microsoft.com/office/powerpoint/2010/main" val="2101376914"/>
-      </p:ext>
-    </p:extLst>
-  </p:cSld>
-  <p:clrMapOvr>
-    <a:masterClrMapping/>
-  </p:clrMapOvr>
-</p:sld>
-</file>
-
-<file path=ppt/slides/slide19.xml><?xml version="1.0" encoding="utf-8"?>
-<p:sld xmlns:a="http://schemas.openxmlformats.org/drawingml/2006/main" xmlns:r="http://schemas.openxmlformats.org/officeDocument/2006/relationships" xmlns:p="http://schemas.openxmlformats.org/presentationml/2006/main">
-  <p:cSld>
-    <p:spTree>
-      <p:nvGrpSpPr>
-        <p:cNvPr id="1" name=""/>
-        <p:cNvGrpSpPr/>
-        <p:nvPr/>
-      </p:nvGrpSpPr>
-      <p:grpSpPr>
-        <a:xfrm>
-          <a:off x="0" y="0"/>
-          <a:ext cx="0" cy="0"/>
-          <a:chOff x="0" y="0"/>
-          <a:chExt cx="0" cy="0"/>
-        </a:xfrm>
-      </p:grpSpPr>
-      <p:sp>
-        <p:nvSpPr>
-          <p:cNvPr id="2" name="標題 1"/>
-          <p:cNvSpPr>
-            <a:spLocks noGrp="1"/>
-          </p:cNvSpPr>
-          <p:nvPr>
-            <p:ph type="title"/>
-          </p:nvPr>
-        </p:nvSpPr>
-        <p:spPr/>
-        <p:txBody>
-          <a:bodyPr>
-            <a:normAutofit/>
-          </a:bodyPr>
-          <a:lstStyle/>
-          <a:p>
-            <a:pPr algn="ctr"/>
-            <a:r>
-              <a:rPr lang="en-US" altLang="zh-TW" sz="4800" dirty="0"/>
-              <a:t>IN</a:t>
-            </a:r>
-            <a:r>
-              <a:rPr lang="zh-TW" altLang="en-US" sz="4800" dirty="0"/>
-              <a:t> </a:t>
-            </a:r>
-            <a:r>
-              <a:rPr lang="en-US" altLang="zh-TW" sz="4800" b="1" dirty="0"/>
-              <a:t>GUI</a:t>
-            </a:r>
-            <a:endParaRPr lang="zh-TW" altLang="en-US" sz="4800" b="1" dirty="0"/>
-          </a:p>
-        </p:txBody>
-      </p:sp>
-      <p:sp>
-        <p:nvSpPr>
-          <p:cNvPr id="6" name="文字版面配置區 5"/>
-          <p:cNvSpPr>
-            <a:spLocks noGrp="1"/>
-          </p:cNvSpPr>
-          <p:nvPr>
-            <p:ph type="body" idx="1"/>
-          </p:nvPr>
-        </p:nvSpPr>
-        <p:spPr/>
-        <p:txBody>
-          <a:bodyPr/>
-          <a:lstStyle/>
-          <a:p>
-            <a:r>
-              <a:rPr lang="zh-TW" altLang="en-US" sz="2400" dirty="0"/>
-              <a:t>已解決</a:t>
-            </a:r>
-          </a:p>
-        </p:txBody>
-      </p:sp>
-      <p:sp>
-        <p:nvSpPr>
-          <p:cNvPr id="7" name="內容版面配置區 6"/>
-          <p:cNvSpPr>
-            <a:spLocks noGrp="1"/>
-          </p:cNvSpPr>
-          <p:nvPr>
-            <p:ph sz="half" idx="2"/>
-          </p:nvPr>
-        </p:nvSpPr>
-        <p:spPr/>
-        <p:txBody>
-          <a:bodyPr>
-            <a:normAutofit lnSpcReduction="10000"/>
-          </a:bodyPr>
-          <a:lstStyle/>
-          <a:p>
-            <a:r>
-              <a:rPr lang="zh-TW" altLang="en-US" sz="2400" dirty="0"/>
-              <a:t>排版問題，無法把選單放在正中間，並將按鈕以垂直排列。</a:t>
-            </a:r>
-            <a:endParaRPr lang="en-US" altLang="zh-TW" sz="2400" dirty="0"/>
-          </a:p>
-          <a:p>
-            <a:pPr lvl="1"/>
-            <a:r>
-              <a:rPr lang="zh-TW" altLang="en-US" sz="2200" dirty="0"/>
-              <a:t>學新的 </a:t>
-            </a:r>
-            <a:r>
-              <a:rPr lang="en-US" altLang="zh-TW" sz="2200" dirty="0"/>
-              <a:t>Layout</a:t>
-            </a:r>
-          </a:p>
-          <a:p>
-            <a:r>
-              <a:rPr lang="zh-TW" altLang="en-US" sz="2400" dirty="0"/>
-              <a:t>預設按鈕很醜</a:t>
-            </a:r>
-            <a:endParaRPr lang="en-US" altLang="zh-TW" sz="2400" dirty="0"/>
-          </a:p>
-          <a:p>
-            <a:pPr lvl="1"/>
-            <a:r>
-              <a:rPr lang="zh-TW" altLang="en-US" sz="2200" dirty="0"/>
-              <a:t>重寫一個繼承 </a:t>
-            </a:r>
-            <a:r>
-              <a:rPr lang="en-US" altLang="zh-TW" sz="2200" dirty="0" err="1"/>
-              <a:t>JButton</a:t>
-            </a:r>
-            <a:r>
-              <a:rPr lang="zh-TW" altLang="en-US" sz="2200" dirty="0"/>
-              <a:t>的自訂按鈕</a:t>
-            </a:r>
-            <a:endParaRPr lang="en-US" altLang="zh-TW" sz="2200" dirty="0"/>
-          </a:p>
-          <a:p>
-            <a:pPr lvl="1"/>
-            <a:r>
-              <a:rPr lang="zh-TW" altLang="en-US" sz="2200" dirty="0"/>
-              <a:t>原來調整大小的方法 </a:t>
-            </a:r>
-            <a:r>
-              <a:rPr lang="en-US" altLang="zh-TW" sz="2200" dirty="0"/>
-              <a:t>ex. </a:t>
-            </a:r>
-            <a:r>
-              <a:rPr lang="en-US" altLang="zh-TW" sz="2200" dirty="0" err="1"/>
-              <a:t>setSize</a:t>
-            </a:r>
-            <a:r>
-              <a:rPr lang="en-US" altLang="zh-TW" sz="2200" dirty="0"/>
-              <a:t>()</a:t>
-            </a:r>
-            <a:r>
-              <a:rPr lang="zh-TW" altLang="en-US" sz="2200" dirty="0"/>
-              <a:t>，在有設定 </a:t>
-            </a:r>
-            <a:r>
-              <a:rPr lang="en-US" altLang="zh-TW" sz="2200" dirty="0"/>
-              <a:t>Layout</a:t>
-            </a:r>
-            <a:r>
-              <a:rPr lang="zh-TW" altLang="en-US" sz="2200" dirty="0"/>
-              <a:t> 的情形下會失效。</a:t>
-            </a:r>
-          </a:p>
-        </p:txBody>
-      </p:sp>
-      <p:sp>
-        <p:nvSpPr>
-          <p:cNvPr id="8" name="文字版面配置區 7"/>
-          <p:cNvSpPr>
-            <a:spLocks noGrp="1"/>
-          </p:cNvSpPr>
-          <p:nvPr>
-            <p:ph type="body" sz="quarter" idx="3"/>
-          </p:nvPr>
-        </p:nvSpPr>
-        <p:spPr/>
-        <p:txBody>
-          <a:bodyPr/>
-          <a:lstStyle/>
-          <a:p>
-            <a:r>
-              <a:rPr lang="zh-TW" altLang="en-US" sz="2400" dirty="0"/>
-              <a:t>無法解決</a:t>
-            </a:r>
-          </a:p>
-        </p:txBody>
-      </p:sp>
-      <p:sp>
-        <p:nvSpPr>
-          <p:cNvPr id="9" name="內容版面配置區 8"/>
-          <p:cNvSpPr>
-            <a:spLocks noGrp="1"/>
-          </p:cNvSpPr>
-          <p:nvPr>
-            <p:ph sz="quarter" idx="4"/>
-          </p:nvPr>
-        </p:nvSpPr>
-        <p:spPr/>
-        <p:txBody>
-          <a:bodyPr>
-            <a:normAutofit/>
-          </a:bodyPr>
-          <a:lstStyle/>
-          <a:p>
-            <a:r>
-              <a:rPr lang="zh-TW" altLang="en-US" sz="2400" dirty="0"/>
-              <a:t>本來在遊戲載入前，放置一個</a:t>
-            </a:r>
-            <a:r>
-              <a:rPr lang="en-US" altLang="zh-TW" sz="2400" dirty="0"/>
-              <a:t>Loading…</a:t>
-            </a:r>
-            <a:r>
-              <a:rPr lang="zh-TW" altLang="en-US" sz="2400" dirty="0"/>
-              <a:t> 的 </a:t>
-            </a:r>
-            <a:r>
-              <a:rPr lang="en-US" altLang="zh-TW" sz="2400" dirty="0"/>
-              <a:t>Panel</a:t>
-            </a:r>
-            <a:r>
-              <a:rPr lang="zh-TW" altLang="en-US" sz="2400" dirty="0"/>
-              <a:t>，卻無法顯示</a:t>
-            </a:r>
-            <a:endParaRPr lang="en-US" altLang="zh-TW" sz="2400" dirty="0"/>
-          </a:p>
-          <a:p>
-            <a:pPr lvl="1"/>
-            <a:r>
-              <a:rPr lang="zh-TW" altLang="en-US" sz="2200" dirty="0"/>
-              <a:t>刪除此頁面</a:t>
-            </a:r>
-          </a:p>
-        </p:txBody>
-      </p:sp>
-    </p:spTree>
-    <p:extLst>
-      <p:ext uri="{BB962C8B-B14F-4D97-AF65-F5344CB8AC3E}">
-        <p14:creationId xmlns:p14="http://schemas.microsoft.com/office/powerpoint/2010/main" val="2889762921"/>
-      </p:ext>
-    </p:extLst>
-  </p:cSld>
-  <p:clrMapOvr>
-    <a:masterClrMapping/>
-  </p:clrMapOvr>
-</p:sld>
-</file>
-
 <file path=ppt/slides/slide2.xml><?xml version="1.0" encoding="utf-8"?>
 <p:sld xmlns:a="http://schemas.openxmlformats.org/drawingml/2006/main" xmlns:r="http://schemas.openxmlformats.org/officeDocument/2006/relationships" xmlns:p="http://schemas.openxmlformats.org/presentationml/2006/main">
   <p:cSld>
@@ -8810,20 +9171,15 @@
         <p:spPr/>
         <p:txBody>
           <a:bodyPr>
-            <a:normAutofit/>
+            <a:noAutofit/>
           </a:bodyPr>
           <a:lstStyle/>
           <a:p>
             <a:pPr algn="ctr"/>
             <a:r>
-              <a:rPr lang="en-US" altLang="zh-TW" sz="4800" dirty="0"/>
-              <a:t>In </a:t>
-            </a:r>
-            <a:r>
-              <a:rPr lang="en-US" altLang="zh-TW" sz="4800" b="1" dirty="0"/>
-              <a:t>game</a:t>
-            </a:r>
-            <a:endParaRPr lang="zh-TW" altLang="en-US" sz="4800" b="1" dirty="0"/>
+              <a:rPr lang="zh-TW" altLang="en-US" sz="9600" b="1" dirty="0"/>
+              <a:t>問題紀錄</a:t>
+            </a:r>
           </a:p>
         </p:txBody>
       </p:sp>
@@ -8839,186 +9195,28 @@
         </p:nvSpPr>
         <p:spPr/>
         <p:txBody>
-          <a:bodyPr/>
-          <a:lstStyle/>
-          <a:p>
-            <a:r>
-              <a:rPr lang="zh-TW" altLang="en-US" sz="2400" dirty="0"/>
-              <a:t>已解決</a:t>
-            </a:r>
-          </a:p>
-        </p:txBody>
-      </p:sp>
-      <p:sp>
-        <p:nvSpPr>
-          <p:cNvPr id="4" name="內容版面配置區 3"/>
-          <p:cNvSpPr>
-            <a:spLocks noGrp="1"/>
-          </p:cNvSpPr>
-          <p:nvPr>
-            <p:ph sz="half" idx="2"/>
-          </p:nvPr>
-        </p:nvSpPr>
-        <p:spPr/>
-        <p:txBody>
           <a:bodyPr>
             <a:normAutofit/>
           </a:bodyPr>
           <a:lstStyle/>
           <a:p>
+            <a:pPr algn="ctr"/>
             <a:r>
               <a:rPr lang="zh-TW" altLang="en-US" sz="2400" dirty="0"/>
-              <a:t>背景音樂無法同時進行</a:t>
-            </a:r>
-            <a:endParaRPr lang="en-US" altLang="zh-TW" sz="2400" dirty="0"/>
-          </a:p>
-          <a:p>
-            <a:pPr lvl="1"/>
-            <a:r>
-              <a:rPr lang="zh-TW" altLang="en-US" sz="2200" dirty="0"/>
-              <a:t>原先使用 </a:t>
-            </a:r>
-            <a:r>
-              <a:rPr lang="en-US" altLang="zh-TW" sz="2200" dirty="0"/>
-              <a:t>applet</a:t>
-            </a:r>
-            <a:r>
-              <a:rPr lang="zh-TW" altLang="en-US" sz="2200" dirty="0"/>
-              <a:t> 最後使用 </a:t>
-            </a:r>
-            <a:r>
-              <a:rPr lang="en-US" altLang="zh-TW" sz="2200" dirty="0"/>
-              <a:t>clip</a:t>
-            </a:r>
-          </a:p>
-          <a:p>
-            <a:r>
-              <a:rPr lang="zh-TW" altLang="en-US" sz="2400" dirty="0"/>
-              <a:t>碰撞判定，人碰撞到障礙物就會不能移動</a:t>
-            </a:r>
-            <a:endParaRPr lang="en-US" altLang="zh-TW" sz="2400" dirty="0"/>
-          </a:p>
-          <a:p>
-            <a:pPr lvl="1"/>
-            <a:r>
-              <a:rPr lang="zh-TW" altLang="en-US" sz="2200" dirty="0"/>
-              <a:t>不能直接到碰撞時 </a:t>
-            </a:r>
-            <a:r>
-              <a:rPr lang="en-US" altLang="zh-TW" sz="2200" dirty="0"/>
-              <a:t>speed</a:t>
-            </a:r>
-            <a:r>
-              <a:rPr lang="zh-TW" altLang="en-US" sz="2200" dirty="0"/>
-              <a:t> 改成 </a:t>
-            </a:r>
-            <a:r>
-              <a:rPr lang="en-US" altLang="zh-TW" sz="2200" dirty="0"/>
-              <a:t>0</a:t>
-            </a:r>
-          </a:p>
-          <a:p>
-            <a:pPr lvl="1"/>
-            <a:r>
-              <a:rPr lang="zh-TW" altLang="en-US" sz="2200" dirty="0"/>
-              <a:t>預測碰撞</a:t>
-            </a:r>
-            <a:endParaRPr lang="en-US" altLang="zh-TW" sz="2200" dirty="0"/>
-          </a:p>
-          <a:p>
-            <a:pPr lvl="2"/>
-            <a:endParaRPr lang="en-US" altLang="zh-TW" dirty="0"/>
-          </a:p>
-          <a:p>
-            <a:endParaRPr lang="en-US" altLang="zh-TW" dirty="0"/>
-          </a:p>
-          <a:p>
-            <a:endParaRPr lang="en-US" altLang="zh-TW" dirty="0"/>
-          </a:p>
-          <a:p>
-            <a:endParaRPr lang="zh-TW" altLang="en-US" dirty="0"/>
-          </a:p>
-        </p:txBody>
-      </p:sp>
-      <p:sp>
-        <p:nvSpPr>
-          <p:cNvPr id="5" name="文字版面配置區 4"/>
-          <p:cNvSpPr>
-            <a:spLocks noGrp="1"/>
-          </p:cNvSpPr>
-          <p:nvPr>
-            <p:ph type="body" sz="quarter" idx="3"/>
-          </p:nvPr>
-        </p:nvSpPr>
-        <p:spPr/>
-        <p:txBody>
-          <a:bodyPr/>
-          <a:lstStyle/>
-          <a:p>
-            <a:r>
-              <a:rPr lang="zh-TW" altLang="en-US" sz="2400" dirty="0"/>
-              <a:t>未解決</a:t>
-            </a:r>
-          </a:p>
-        </p:txBody>
-      </p:sp>
-      <p:sp>
-        <p:nvSpPr>
-          <p:cNvPr id="6" name="內容版面配置區 5"/>
-          <p:cNvSpPr>
-            <a:spLocks noGrp="1"/>
-          </p:cNvSpPr>
-          <p:nvPr>
-            <p:ph sz="quarter" idx="4"/>
-          </p:nvPr>
-        </p:nvSpPr>
-        <p:spPr/>
-        <p:txBody>
-          <a:bodyPr/>
-          <a:lstStyle/>
-          <a:p>
+              <a:t>發生了許多無理取鬧的問題</a:t>
+            </a:r>
             <a:r>
               <a:rPr lang="en-US" altLang="zh-TW" sz="2400" dirty="0"/>
-              <a:t>3D</a:t>
-            </a:r>
-          </a:p>
-          <a:p>
-            <a:pPr lvl="1"/>
-            <a:r>
-              <a:rPr lang="en-US" altLang="zh-TW" sz="2200" dirty="0"/>
-              <a:t>Framework</a:t>
-            </a:r>
-            <a:r>
-              <a:rPr lang="zh-TW" altLang="en-US" sz="2200" dirty="0"/>
-              <a:t> 碰撞無法完全偵測</a:t>
-            </a:r>
-            <a:endParaRPr lang="en-US" altLang="zh-TW" sz="2200" dirty="0"/>
-          </a:p>
-          <a:p>
-            <a:r>
-              <a:rPr lang="zh-TW" altLang="en-US" sz="2400" dirty="0"/>
-              <a:t>連線</a:t>
-            </a:r>
-            <a:endParaRPr lang="en-US" altLang="zh-TW" sz="2400" dirty="0"/>
-          </a:p>
-          <a:p>
-            <a:pPr lvl="1"/>
-            <a:r>
-              <a:rPr lang="zh-TW" altLang="en-US" sz="2200" dirty="0"/>
-              <a:t>時間上來不及</a:t>
-            </a:r>
-            <a:endParaRPr lang="en-US" altLang="zh-TW" sz="2200" dirty="0"/>
-          </a:p>
-          <a:p>
-            <a:pPr lvl="2"/>
-            <a:endParaRPr lang="en-US" altLang="zh-TW" dirty="0"/>
+              <a:t>…</a:t>
+            </a:r>
+            <a:endParaRPr lang="zh-TW" altLang="en-US" sz="2400" dirty="0"/>
           </a:p>
         </p:txBody>
       </p:sp>
     </p:spTree>
     <p:extLst>
       <p:ext uri="{BB962C8B-B14F-4D97-AF65-F5344CB8AC3E}">
-        <p14:creationId xmlns:p14="http://schemas.microsoft.com/office/powerpoint/2010/main" val="2239348133"/>
+        <p14:creationId xmlns:p14="http://schemas.microsoft.com/office/powerpoint/2010/main" val="2101376914"/>
       </p:ext>
     </p:extLst>
   </p:cSld>
@@ -9065,6 +9263,500 @@
             <a:pPr algn="ctr"/>
             <a:r>
               <a:rPr lang="en-US" altLang="zh-TW" sz="4800" dirty="0"/>
+              <a:t>IN</a:t>
+            </a:r>
+            <a:r>
+              <a:rPr lang="zh-TW" altLang="en-US" sz="4800" dirty="0"/>
+              <a:t> </a:t>
+            </a:r>
+            <a:r>
+              <a:rPr lang="en-US" altLang="zh-TW" sz="4800" b="1" dirty="0"/>
+              <a:t>GUI</a:t>
+            </a:r>
+            <a:endParaRPr lang="zh-TW" altLang="en-US" sz="4800" b="1" dirty="0"/>
+          </a:p>
+        </p:txBody>
+      </p:sp>
+      <p:sp>
+        <p:nvSpPr>
+          <p:cNvPr id="6" name="文字版面配置區 5"/>
+          <p:cNvSpPr>
+            <a:spLocks noGrp="1"/>
+          </p:cNvSpPr>
+          <p:nvPr>
+            <p:ph type="body" idx="1"/>
+          </p:nvPr>
+        </p:nvSpPr>
+        <p:spPr/>
+        <p:txBody>
+          <a:bodyPr/>
+          <a:lstStyle/>
+          <a:p>
+            <a:r>
+              <a:rPr lang="zh-TW" altLang="en-US" sz="2400" dirty="0"/>
+              <a:t>已解決</a:t>
+            </a:r>
+          </a:p>
+        </p:txBody>
+      </p:sp>
+      <p:sp>
+        <p:nvSpPr>
+          <p:cNvPr id="7" name="內容版面配置區 6"/>
+          <p:cNvSpPr>
+            <a:spLocks noGrp="1"/>
+          </p:cNvSpPr>
+          <p:nvPr>
+            <p:ph sz="half" idx="2"/>
+          </p:nvPr>
+        </p:nvSpPr>
+        <p:spPr/>
+        <p:txBody>
+          <a:bodyPr>
+            <a:normAutofit lnSpcReduction="10000"/>
+          </a:bodyPr>
+          <a:lstStyle/>
+          <a:p>
+            <a:r>
+              <a:rPr lang="zh-TW" altLang="en-US" sz="2400" dirty="0"/>
+              <a:t>排版問題，無法把選單放在正中間，並將按鈕以垂直排列。</a:t>
+            </a:r>
+            <a:endParaRPr lang="en-US" altLang="zh-TW" sz="2400" dirty="0"/>
+          </a:p>
+          <a:p>
+            <a:pPr lvl="1"/>
+            <a:r>
+              <a:rPr lang="zh-TW" altLang="en-US" sz="2200" dirty="0"/>
+              <a:t>學新的 </a:t>
+            </a:r>
+            <a:r>
+              <a:rPr lang="en-US" altLang="zh-TW" sz="2200" dirty="0"/>
+              <a:t>Layout</a:t>
+            </a:r>
+          </a:p>
+          <a:p>
+            <a:r>
+              <a:rPr lang="zh-TW" altLang="en-US" sz="2400" dirty="0"/>
+              <a:t>預設按鈕很醜</a:t>
+            </a:r>
+            <a:endParaRPr lang="en-US" altLang="zh-TW" sz="2400" dirty="0"/>
+          </a:p>
+          <a:p>
+            <a:pPr lvl="1"/>
+            <a:r>
+              <a:rPr lang="zh-TW" altLang="en-US" sz="2200" dirty="0"/>
+              <a:t>重寫一個繼承 </a:t>
+            </a:r>
+            <a:r>
+              <a:rPr lang="en-US" altLang="zh-TW" sz="2200" dirty="0" err="1"/>
+              <a:t>JButton</a:t>
+            </a:r>
+            <a:r>
+              <a:rPr lang="zh-TW" altLang="en-US" sz="2200" dirty="0"/>
+              <a:t>的自訂按鈕</a:t>
+            </a:r>
+            <a:endParaRPr lang="en-US" altLang="zh-TW" sz="2200" dirty="0"/>
+          </a:p>
+          <a:p>
+            <a:pPr lvl="1"/>
+            <a:r>
+              <a:rPr lang="zh-TW" altLang="en-US" sz="2200" dirty="0"/>
+              <a:t>原來調整大小的方法 </a:t>
+            </a:r>
+            <a:r>
+              <a:rPr lang="en-US" altLang="zh-TW" sz="2200" dirty="0"/>
+              <a:t>ex. </a:t>
+            </a:r>
+            <a:r>
+              <a:rPr lang="en-US" altLang="zh-TW" sz="2200" dirty="0" err="1"/>
+              <a:t>setSize</a:t>
+            </a:r>
+            <a:r>
+              <a:rPr lang="en-US" altLang="zh-TW" sz="2200" dirty="0"/>
+              <a:t>()</a:t>
+            </a:r>
+            <a:r>
+              <a:rPr lang="zh-TW" altLang="en-US" sz="2200" dirty="0"/>
+              <a:t>，在有設定 </a:t>
+            </a:r>
+            <a:r>
+              <a:rPr lang="en-US" altLang="zh-TW" sz="2200" dirty="0"/>
+              <a:t>Layout</a:t>
+            </a:r>
+            <a:r>
+              <a:rPr lang="zh-TW" altLang="en-US" sz="2200" dirty="0"/>
+              <a:t> 的情形下會失效。</a:t>
+            </a:r>
+          </a:p>
+        </p:txBody>
+      </p:sp>
+      <p:sp>
+        <p:nvSpPr>
+          <p:cNvPr id="8" name="文字版面配置區 7"/>
+          <p:cNvSpPr>
+            <a:spLocks noGrp="1"/>
+          </p:cNvSpPr>
+          <p:nvPr>
+            <p:ph type="body" sz="quarter" idx="3"/>
+          </p:nvPr>
+        </p:nvSpPr>
+        <p:spPr/>
+        <p:txBody>
+          <a:bodyPr/>
+          <a:lstStyle/>
+          <a:p>
+            <a:r>
+              <a:rPr lang="zh-TW" altLang="en-US" sz="2400" dirty="0"/>
+              <a:t>無法解決</a:t>
+            </a:r>
+          </a:p>
+        </p:txBody>
+      </p:sp>
+      <p:sp>
+        <p:nvSpPr>
+          <p:cNvPr id="9" name="內容版面配置區 8"/>
+          <p:cNvSpPr>
+            <a:spLocks noGrp="1"/>
+          </p:cNvSpPr>
+          <p:nvPr>
+            <p:ph sz="quarter" idx="4"/>
+          </p:nvPr>
+        </p:nvSpPr>
+        <p:spPr/>
+        <p:txBody>
+          <a:bodyPr>
+            <a:normAutofit/>
+          </a:bodyPr>
+          <a:lstStyle/>
+          <a:p>
+            <a:r>
+              <a:rPr lang="zh-TW" altLang="en-US" sz="2400" dirty="0"/>
+              <a:t>本來在遊戲載入前，放置一個</a:t>
+            </a:r>
+            <a:r>
+              <a:rPr lang="en-US" altLang="zh-TW" sz="2400" dirty="0"/>
+              <a:t>Loading…</a:t>
+            </a:r>
+            <a:r>
+              <a:rPr lang="zh-TW" altLang="en-US" sz="2400" dirty="0"/>
+              <a:t> 的 </a:t>
+            </a:r>
+            <a:r>
+              <a:rPr lang="en-US" altLang="zh-TW" sz="2400" dirty="0"/>
+              <a:t>Panel</a:t>
+            </a:r>
+            <a:r>
+              <a:rPr lang="zh-TW" altLang="en-US" sz="2400" dirty="0"/>
+              <a:t>，卻無法顯示</a:t>
+            </a:r>
+            <a:endParaRPr lang="en-US" altLang="zh-TW" sz="2400" dirty="0"/>
+          </a:p>
+          <a:p>
+            <a:pPr lvl="1"/>
+            <a:r>
+              <a:rPr lang="zh-TW" altLang="en-US" sz="2200" dirty="0"/>
+              <a:t>刪除此頁面</a:t>
+            </a:r>
+          </a:p>
+        </p:txBody>
+      </p:sp>
+    </p:spTree>
+    <p:extLst>
+      <p:ext uri="{BB962C8B-B14F-4D97-AF65-F5344CB8AC3E}">
+        <p14:creationId xmlns:p14="http://schemas.microsoft.com/office/powerpoint/2010/main" val="2889762921"/>
+      </p:ext>
+    </p:extLst>
+  </p:cSld>
+  <p:clrMapOvr>
+    <a:masterClrMapping/>
+  </p:clrMapOvr>
+</p:sld>
+</file>
+
+<file path=ppt/slides/slide22.xml><?xml version="1.0" encoding="utf-8"?>
+<p:sld xmlns:a="http://schemas.openxmlformats.org/drawingml/2006/main" xmlns:r="http://schemas.openxmlformats.org/officeDocument/2006/relationships" xmlns:p="http://schemas.openxmlformats.org/presentationml/2006/main">
+  <p:cSld>
+    <p:spTree>
+      <p:nvGrpSpPr>
+        <p:cNvPr id="1" name=""/>
+        <p:cNvGrpSpPr/>
+        <p:nvPr/>
+      </p:nvGrpSpPr>
+      <p:grpSpPr>
+        <a:xfrm>
+          <a:off x="0" y="0"/>
+          <a:ext cx="0" cy="0"/>
+          <a:chOff x="0" y="0"/>
+          <a:chExt cx="0" cy="0"/>
+        </a:xfrm>
+      </p:grpSpPr>
+      <p:sp>
+        <p:nvSpPr>
+          <p:cNvPr id="2" name="標題 1"/>
+          <p:cNvSpPr>
+            <a:spLocks noGrp="1"/>
+          </p:cNvSpPr>
+          <p:nvPr>
+            <p:ph type="title"/>
+          </p:nvPr>
+        </p:nvSpPr>
+        <p:spPr/>
+        <p:txBody>
+          <a:bodyPr>
+            <a:normAutofit/>
+          </a:bodyPr>
+          <a:lstStyle/>
+          <a:p>
+            <a:pPr algn="ctr"/>
+            <a:r>
+              <a:rPr lang="en-US" altLang="zh-TW" sz="4800" dirty="0"/>
+              <a:t>In </a:t>
+            </a:r>
+            <a:r>
+              <a:rPr lang="en-US" altLang="zh-TW" sz="4800" b="1" dirty="0"/>
+              <a:t>game</a:t>
+            </a:r>
+            <a:endParaRPr lang="zh-TW" altLang="en-US" sz="4800" b="1" dirty="0"/>
+          </a:p>
+        </p:txBody>
+      </p:sp>
+      <p:sp>
+        <p:nvSpPr>
+          <p:cNvPr id="3" name="文字版面配置區 2"/>
+          <p:cNvSpPr>
+            <a:spLocks noGrp="1"/>
+          </p:cNvSpPr>
+          <p:nvPr>
+            <p:ph type="body" idx="1"/>
+          </p:nvPr>
+        </p:nvSpPr>
+        <p:spPr/>
+        <p:txBody>
+          <a:bodyPr/>
+          <a:lstStyle/>
+          <a:p>
+            <a:r>
+              <a:rPr lang="zh-TW" altLang="en-US" sz="2400" dirty="0"/>
+              <a:t>已解決</a:t>
+            </a:r>
+          </a:p>
+        </p:txBody>
+      </p:sp>
+      <p:sp>
+        <p:nvSpPr>
+          <p:cNvPr id="4" name="內容版面配置區 3"/>
+          <p:cNvSpPr>
+            <a:spLocks noGrp="1"/>
+          </p:cNvSpPr>
+          <p:nvPr>
+            <p:ph sz="half" idx="2"/>
+          </p:nvPr>
+        </p:nvSpPr>
+        <p:spPr/>
+        <p:txBody>
+          <a:bodyPr>
+            <a:normAutofit/>
+          </a:bodyPr>
+          <a:lstStyle/>
+          <a:p>
+            <a:r>
+              <a:rPr lang="zh-TW" altLang="en-US" sz="2400" dirty="0"/>
+              <a:t>背景音樂無法同時進行</a:t>
+            </a:r>
+            <a:endParaRPr lang="en-US" altLang="zh-TW" sz="2400" dirty="0"/>
+          </a:p>
+          <a:p>
+            <a:pPr lvl="1"/>
+            <a:r>
+              <a:rPr lang="zh-TW" altLang="en-US" sz="2200" dirty="0"/>
+              <a:t>原先使用 </a:t>
+            </a:r>
+            <a:r>
+              <a:rPr lang="en-US" altLang="zh-TW" sz="2200" dirty="0"/>
+              <a:t>applet</a:t>
+            </a:r>
+            <a:r>
+              <a:rPr lang="zh-TW" altLang="en-US" sz="2200" dirty="0"/>
+              <a:t> 最後使用 </a:t>
+            </a:r>
+            <a:r>
+              <a:rPr lang="en-US" altLang="zh-TW" sz="2200" dirty="0"/>
+              <a:t>clip</a:t>
+            </a:r>
+          </a:p>
+          <a:p>
+            <a:r>
+              <a:rPr lang="zh-TW" altLang="en-US" sz="2400" dirty="0"/>
+              <a:t>碰撞判定，人碰撞到障礙物就會不能移動</a:t>
+            </a:r>
+            <a:endParaRPr lang="en-US" altLang="zh-TW" sz="2400" dirty="0"/>
+          </a:p>
+          <a:p>
+            <a:pPr lvl="1"/>
+            <a:r>
+              <a:rPr lang="zh-TW" altLang="en-US" sz="2200" dirty="0"/>
+              <a:t>不能直接到碰撞時 </a:t>
+            </a:r>
+            <a:r>
+              <a:rPr lang="en-US" altLang="zh-TW" sz="2200" dirty="0"/>
+              <a:t>speed</a:t>
+            </a:r>
+            <a:r>
+              <a:rPr lang="zh-TW" altLang="en-US" sz="2200" dirty="0"/>
+              <a:t> 改成 </a:t>
+            </a:r>
+            <a:r>
+              <a:rPr lang="en-US" altLang="zh-TW" sz="2200" dirty="0"/>
+              <a:t>0</a:t>
+            </a:r>
+          </a:p>
+          <a:p>
+            <a:pPr lvl="1"/>
+            <a:r>
+              <a:rPr lang="zh-TW" altLang="en-US" sz="2200" dirty="0"/>
+              <a:t>預測碰撞</a:t>
+            </a:r>
+            <a:endParaRPr lang="en-US" altLang="zh-TW" sz="2200" dirty="0"/>
+          </a:p>
+          <a:p>
+            <a:pPr lvl="2"/>
+            <a:endParaRPr lang="en-US" altLang="zh-TW" dirty="0"/>
+          </a:p>
+          <a:p>
+            <a:endParaRPr lang="en-US" altLang="zh-TW" dirty="0"/>
+          </a:p>
+          <a:p>
+            <a:endParaRPr lang="en-US" altLang="zh-TW" dirty="0"/>
+          </a:p>
+          <a:p>
+            <a:endParaRPr lang="zh-TW" altLang="en-US" dirty="0"/>
+          </a:p>
+        </p:txBody>
+      </p:sp>
+      <p:sp>
+        <p:nvSpPr>
+          <p:cNvPr id="5" name="文字版面配置區 4"/>
+          <p:cNvSpPr>
+            <a:spLocks noGrp="1"/>
+          </p:cNvSpPr>
+          <p:nvPr>
+            <p:ph type="body" sz="quarter" idx="3"/>
+          </p:nvPr>
+        </p:nvSpPr>
+        <p:spPr/>
+        <p:txBody>
+          <a:bodyPr/>
+          <a:lstStyle/>
+          <a:p>
+            <a:r>
+              <a:rPr lang="zh-TW" altLang="en-US" sz="2400" dirty="0"/>
+              <a:t>未解決</a:t>
+            </a:r>
+          </a:p>
+        </p:txBody>
+      </p:sp>
+      <p:sp>
+        <p:nvSpPr>
+          <p:cNvPr id="6" name="內容版面配置區 5"/>
+          <p:cNvSpPr>
+            <a:spLocks noGrp="1"/>
+          </p:cNvSpPr>
+          <p:nvPr>
+            <p:ph sz="quarter" idx="4"/>
+          </p:nvPr>
+        </p:nvSpPr>
+        <p:spPr/>
+        <p:txBody>
+          <a:bodyPr/>
+          <a:lstStyle/>
+          <a:p>
+            <a:r>
+              <a:rPr lang="en-US" altLang="zh-TW" sz="2400" dirty="0"/>
+              <a:t>3D</a:t>
+            </a:r>
+          </a:p>
+          <a:p>
+            <a:pPr lvl="1"/>
+            <a:r>
+              <a:rPr lang="en-US" altLang="zh-TW" sz="2200" dirty="0"/>
+              <a:t>Framework</a:t>
+            </a:r>
+            <a:r>
+              <a:rPr lang="zh-TW" altLang="en-US" sz="2200" dirty="0"/>
+              <a:t> 碰撞無法完全偵測</a:t>
+            </a:r>
+            <a:endParaRPr lang="en-US" altLang="zh-TW" sz="2200" dirty="0"/>
+          </a:p>
+          <a:p>
+            <a:r>
+              <a:rPr lang="zh-TW" altLang="en-US" sz="2400" dirty="0"/>
+              <a:t>連線</a:t>
+            </a:r>
+            <a:endParaRPr lang="en-US" altLang="zh-TW" sz="2400" dirty="0"/>
+          </a:p>
+          <a:p>
+            <a:pPr lvl="1"/>
+            <a:r>
+              <a:rPr lang="zh-TW" altLang="en-US" sz="2200" dirty="0"/>
+              <a:t>時間上來不及</a:t>
+            </a:r>
+            <a:endParaRPr lang="en-US" altLang="zh-TW" sz="2200" dirty="0"/>
+          </a:p>
+          <a:p>
+            <a:pPr lvl="2"/>
+            <a:endParaRPr lang="en-US" altLang="zh-TW" dirty="0"/>
+          </a:p>
+        </p:txBody>
+      </p:sp>
+    </p:spTree>
+    <p:extLst>
+      <p:ext uri="{BB962C8B-B14F-4D97-AF65-F5344CB8AC3E}">
+        <p14:creationId xmlns:p14="http://schemas.microsoft.com/office/powerpoint/2010/main" val="2239348133"/>
+      </p:ext>
+    </p:extLst>
+  </p:cSld>
+  <p:clrMapOvr>
+    <a:masterClrMapping/>
+  </p:clrMapOvr>
+</p:sld>
+</file>
+
+<file path=ppt/slides/slide23.xml><?xml version="1.0" encoding="utf-8"?>
+<p:sld xmlns:a="http://schemas.openxmlformats.org/drawingml/2006/main" xmlns:r="http://schemas.openxmlformats.org/officeDocument/2006/relationships" xmlns:p="http://schemas.openxmlformats.org/presentationml/2006/main">
+  <p:cSld>
+    <p:spTree>
+      <p:nvGrpSpPr>
+        <p:cNvPr id="1" name=""/>
+        <p:cNvGrpSpPr/>
+        <p:nvPr/>
+      </p:nvGrpSpPr>
+      <p:grpSpPr>
+        <a:xfrm>
+          <a:off x="0" y="0"/>
+          <a:ext cx="0" cy="0"/>
+          <a:chOff x="0" y="0"/>
+          <a:chExt cx="0" cy="0"/>
+        </a:xfrm>
+      </p:grpSpPr>
+      <p:sp>
+        <p:nvSpPr>
+          <p:cNvPr id="2" name="標題 1"/>
+          <p:cNvSpPr>
+            <a:spLocks noGrp="1"/>
+          </p:cNvSpPr>
+          <p:nvPr>
+            <p:ph type="title"/>
+          </p:nvPr>
+        </p:nvSpPr>
+        <p:spPr/>
+        <p:txBody>
+          <a:bodyPr>
+            <a:normAutofit/>
+          </a:bodyPr>
+          <a:lstStyle/>
+          <a:p>
+            <a:pPr algn="ctr"/>
+            <a:r>
+              <a:rPr lang="en-US" altLang="zh-TW" sz="4800" dirty="0"/>
               <a:t>In </a:t>
             </a:r>
             <a:r>
@@ -9232,7 +9924,7 @@
 </p:sld>
 </file>
 
-<file path=ppt/slides/slide22.xml><?xml version="1.0" encoding="utf-8"?>
+<file path=ppt/slides/slide24.xml><?xml version="1.0" encoding="utf-8"?>
 <p:sld xmlns:a="http://schemas.openxmlformats.org/drawingml/2006/main" xmlns:r="http://schemas.openxmlformats.org/officeDocument/2006/relationships" xmlns:p="http://schemas.openxmlformats.org/presentationml/2006/main">
   <p:cSld>
     <p:spTree>
@@ -9721,7 +10413,7 @@
 </p:sld>
 </file>
 
-<file path=ppt/slides/slide23.xml><?xml version="1.0" encoding="utf-8"?>
+<file path=ppt/slides/slide25.xml><?xml version="1.0" encoding="utf-8"?>
 <p:sld xmlns:a="http://schemas.openxmlformats.org/drawingml/2006/main" xmlns:r="http://schemas.openxmlformats.org/officeDocument/2006/relationships" xmlns:p="http://schemas.openxmlformats.org/presentationml/2006/main">
   <p:cSld>
     <p:spTree>
@@ -10248,7 +10940,7 @@
 </p:sld>
 </file>
 
-<file path=ppt/slides/slide24.xml><?xml version="1.0" encoding="utf-8"?>
+<file path=ppt/slides/slide26.xml><?xml version="1.0" encoding="utf-8"?>
 <p:sld xmlns:a="http://schemas.openxmlformats.org/drawingml/2006/main" xmlns:r="http://schemas.openxmlformats.org/officeDocument/2006/relationships" xmlns:p="http://schemas.openxmlformats.org/presentationml/2006/main">
   <p:cSld>
     <p:spTree>
@@ -10369,7 +11061,7 @@
 </p:sld>
 </file>
 
-<file path=ppt/slides/slide25.xml><?xml version="1.0" encoding="utf-8"?>
+<file path=ppt/slides/slide27.xml><?xml version="1.0" encoding="utf-8"?>
 <p:sld xmlns:a="http://schemas.openxmlformats.org/drawingml/2006/main" xmlns:r="http://schemas.openxmlformats.org/officeDocument/2006/relationships" xmlns:p="http://schemas.openxmlformats.org/presentationml/2006/main">
   <p:cSld>
     <p:spTree>
@@ -10718,7 +11410,7 @@
 </p:sld>
 </file>
 
-<file path=ppt/slides/slide26.xml><?xml version="1.0" encoding="utf-8"?>
+<file path=ppt/slides/slide28.xml><?xml version="1.0" encoding="utf-8"?>
 <p:sld xmlns:a="http://schemas.openxmlformats.org/drawingml/2006/main" xmlns:r="http://schemas.openxmlformats.org/officeDocument/2006/relationships" xmlns:p="http://schemas.openxmlformats.org/presentationml/2006/main">
   <p:cSld>
     <p:spTree>
@@ -11229,10 +11921,10 @@
               <a:t>警察 </a:t>
             </a:r>
             <a:r>
-              <a:rPr lang="en-US" altLang="zh-TW" sz="4800" dirty="0"/>
+              <a:rPr lang="en-US" altLang="zh-TW" sz="3600" dirty="0"/>
               <a:t>(Ghost)</a:t>
             </a:r>
-            <a:endParaRPr lang="zh-TW" altLang="en-US" sz="4800" dirty="0"/>
+            <a:endParaRPr lang="zh-TW" altLang="en-US" sz="3600" dirty="0"/>
           </a:p>
         </p:txBody>
       </p:sp>
@@ -11645,7 +12337,13 @@
       </p:sp>
       <p:pic>
         <p:nvPicPr>
-          <p:cNvPr id="7" name="圖片 6"/>
+          <p:cNvPr id="10" name="圖片 9">
+            <a:extLst>
+              <a:ext uri="{FF2B5EF4-FFF2-40B4-BE49-F238E27FC236}">
+                <a16:creationId xmlns:a16="http://schemas.microsoft.com/office/drawing/2014/main" id="{18818A3B-CDEC-479B-BC8B-EB3FFE471084}"/>
+              </a:ext>
+            </a:extLst>
+          </p:cNvPr>
           <p:cNvPicPr>
             <a:picLocks noChangeAspect="1"/>
           </p:cNvPicPr>
@@ -11665,8 +12363,8 @@
         </p:blipFill>
         <p:spPr>
           <a:xfrm>
-            <a:off x="2261871" y="3490365"/>
-            <a:ext cx="2031746" cy="2031746"/>
+            <a:off x="7832524" y="3624709"/>
+            <a:ext cx="1897402" cy="1897402"/>
           </a:xfrm>
           <a:prstGeom prst="rect">
             <a:avLst/>
@@ -11675,7 +12373,13 @@
       </p:pic>
       <p:pic>
         <p:nvPicPr>
-          <p:cNvPr id="8" name="圖片 7"/>
+          <p:cNvPr id="12" name="圖片 11">
+            <a:extLst>
+              <a:ext uri="{FF2B5EF4-FFF2-40B4-BE49-F238E27FC236}">
+                <a16:creationId xmlns:a16="http://schemas.microsoft.com/office/drawing/2014/main" id="{0705F2E2-D000-4D72-8781-EAE0E09B7C80}"/>
+              </a:ext>
+            </a:extLst>
+          </p:cNvPr>
           <p:cNvPicPr>
             <a:picLocks noChangeAspect="1"/>
           </p:cNvPicPr>
@@ -11695,8 +12399,8 @@
         </p:blipFill>
         <p:spPr>
           <a:xfrm>
-            <a:off x="8051398" y="3490365"/>
-            <a:ext cx="2031746" cy="2031746"/>
+            <a:off x="1850993" y="3555705"/>
+            <a:ext cx="1966406" cy="1966406"/>
           </a:xfrm>
           <a:prstGeom prst="rect">
             <a:avLst/>
@@ -12114,6 +12818,114 @@
           <a:xfrm>
             <a:off x="7400313" y="2893880"/>
             <a:ext cx="2031746" cy="2031746"/>
+          </a:xfrm>
+          <a:prstGeom prst="rect">
+            <a:avLst/>
+          </a:prstGeom>
+        </p:spPr>
+      </p:pic>
+      <p:pic>
+        <p:nvPicPr>
+          <p:cNvPr id="7" name="圖片 6">
+            <a:extLst>
+              <a:ext uri="{FF2B5EF4-FFF2-40B4-BE49-F238E27FC236}">
+                <a16:creationId xmlns:a16="http://schemas.microsoft.com/office/drawing/2014/main" id="{681AF920-5C22-49DA-8745-DED58DC5893A}"/>
+              </a:ext>
+            </a:extLst>
+          </p:cNvPr>
+          <p:cNvPicPr>
+            <a:picLocks noChangeAspect="1"/>
+          </p:cNvPicPr>
+          <p:nvPr/>
+        </p:nvPicPr>
+        <p:blipFill>
+          <a:blip r:embed="rId5">
+            <a:extLst>
+              <a:ext uri="{28A0092B-C50C-407E-A947-70E740481C1C}">
+                <a14:useLocalDpi xmlns:a14="http://schemas.microsoft.com/office/drawing/2010/main" val="0"/>
+              </a:ext>
+            </a:extLst>
+          </a:blip>
+          <a:stretch>
+            <a:fillRect/>
+          </a:stretch>
+        </p:blipFill>
+        <p:spPr>
+          <a:xfrm>
+            <a:off x="5080123" y="2872689"/>
+            <a:ext cx="2031745" cy="2031745"/>
+          </a:xfrm>
+          <a:prstGeom prst="rect">
+            <a:avLst/>
+          </a:prstGeom>
+        </p:spPr>
+      </p:pic>
+      <p:pic>
+        <p:nvPicPr>
+          <p:cNvPr id="9" name="圖片 8">
+            <a:extLst>
+              <a:ext uri="{FF2B5EF4-FFF2-40B4-BE49-F238E27FC236}">
+                <a16:creationId xmlns:a16="http://schemas.microsoft.com/office/drawing/2014/main" id="{C6777D51-EB87-4A49-83E7-642B04423B53}"/>
+              </a:ext>
+            </a:extLst>
+          </p:cNvPr>
+          <p:cNvPicPr>
+            <a:picLocks noChangeAspect="1"/>
+          </p:cNvPicPr>
+          <p:nvPr/>
+        </p:nvPicPr>
+        <p:blipFill>
+          <a:blip r:embed="rId6">
+            <a:extLst>
+              <a:ext uri="{28A0092B-C50C-407E-A947-70E740481C1C}">
+                <a14:useLocalDpi xmlns:a14="http://schemas.microsoft.com/office/drawing/2010/main" val="0"/>
+              </a:ext>
+            </a:extLst>
+          </a:blip>
+          <a:stretch>
+            <a:fillRect/>
+          </a:stretch>
+        </p:blipFill>
+        <p:spPr>
+          <a:xfrm>
+            <a:off x="7400312" y="2893878"/>
+            <a:ext cx="2031745" cy="2031745"/>
+          </a:xfrm>
+          <a:prstGeom prst="rect">
+            <a:avLst/>
+          </a:prstGeom>
+        </p:spPr>
+      </p:pic>
+      <p:pic>
+        <p:nvPicPr>
+          <p:cNvPr id="11" name="圖片 10">
+            <a:extLst>
+              <a:ext uri="{FF2B5EF4-FFF2-40B4-BE49-F238E27FC236}">
+                <a16:creationId xmlns:a16="http://schemas.microsoft.com/office/drawing/2014/main" id="{94DEA4D8-B1C7-4EF6-B444-BEF5769B9DF1}"/>
+              </a:ext>
+            </a:extLst>
+          </p:cNvPr>
+          <p:cNvPicPr>
+            <a:picLocks noChangeAspect="1"/>
+          </p:cNvPicPr>
+          <p:nvPr/>
+        </p:nvPicPr>
+        <p:blipFill>
+          <a:blip r:embed="rId7">
+            <a:extLst>
+              <a:ext uri="{28A0092B-C50C-407E-A947-70E740481C1C}">
+                <a14:useLocalDpi xmlns:a14="http://schemas.microsoft.com/office/drawing/2010/main" val="0"/>
+              </a:ext>
+            </a:extLst>
+          </a:blip>
+          <a:stretch>
+            <a:fillRect/>
+          </a:stretch>
+        </p:blipFill>
+        <p:spPr>
+          <a:xfrm>
+            <a:off x="2759940" y="2893879"/>
+            <a:ext cx="2031745" cy="2031745"/>
           </a:xfrm>
           <a:prstGeom prst="rect">
             <a:avLst/>

--- a/PPT/JAVA Final project.pptx
+++ b/PPT/JAVA Final project.pptx
@@ -13,26 +13,27 @@
     <p:sldId id="261" r:id="rId7"/>
     <p:sldId id="264" r:id="rId8"/>
     <p:sldId id="275" r:id="rId9"/>
-    <p:sldId id="262" r:id="rId10"/>
-    <p:sldId id="263" r:id="rId11"/>
-    <p:sldId id="265" r:id="rId12"/>
-    <p:sldId id="284" r:id="rId13"/>
-    <p:sldId id="266" r:id="rId14"/>
-    <p:sldId id="276" r:id="rId15"/>
-    <p:sldId id="283" r:id="rId16"/>
-    <p:sldId id="277" r:id="rId17"/>
-    <p:sldId id="267" r:id="rId18"/>
-    <p:sldId id="282" r:id="rId19"/>
-    <p:sldId id="274" r:id="rId20"/>
-    <p:sldId id="270" r:id="rId21"/>
-    <p:sldId id="278" r:id="rId22"/>
-    <p:sldId id="280" r:id="rId23"/>
-    <p:sldId id="279" r:id="rId24"/>
-    <p:sldId id="268" r:id="rId25"/>
-    <p:sldId id="269" r:id="rId26"/>
-    <p:sldId id="281" r:id="rId27"/>
-    <p:sldId id="271" r:id="rId28"/>
-    <p:sldId id="273" r:id="rId29"/>
+    <p:sldId id="285" r:id="rId10"/>
+    <p:sldId id="262" r:id="rId11"/>
+    <p:sldId id="263" r:id="rId12"/>
+    <p:sldId id="265" r:id="rId13"/>
+    <p:sldId id="284" r:id="rId14"/>
+    <p:sldId id="266" r:id="rId15"/>
+    <p:sldId id="276" r:id="rId16"/>
+    <p:sldId id="283" r:id="rId17"/>
+    <p:sldId id="277" r:id="rId18"/>
+    <p:sldId id="267" r:id="rId19"/>
+    <p:sldId id="282" r:id="rId20"/>
+    <p:sldId id="274" r:id="rId21"/>
+    <p:sldId id="270" r:id="rId22"/>
+    <p:sldId id="278" r:id="rId23"/>
+    <p:sldId id="280" r:id="rId24"/>
+    <p:sldId id="279" r:id="rId25"/>
+    <p:sldId id="268" r:id="rId26"/>
+    <p:sldId id="269" r:id="rId27"/>
+    <p:sldId id="281" r:id="rId28"/>
+    <p:sldId id="271" r:id="rId29"/>
+    <p:sldId id="273" r:id="rId30"/>
   </p:sldIdLst>
   <p:sldSz cx="12192000" cy="6858000"/>
   <p:notesSz cx="6858000" cy="9144000"/>
@@ -1267,7 +1268,7 @@
         <a:lstStyle/>
         <a:p>
           <a:r>
-            <a:rPr lang="zh-TW" altLang="en-US" sz="2400" dirty="0"/>
+            <a:rPr lang="zh-TW" altLang="en-US" sz="2000" dirty="0"/>
             <a:t>成為子彈擊退鬼</a:t>
           </a:r>
         </a:p>
@@ -1295,6 +1296,75 @@
         </a:p>
       </dgm:t>
     </dgm:pt>
+    <dgm:pt modelId="{E800B014-883F-4BA4-8A6E-D254B93A79B0}">
+      <dgm:prSet phldrT="[文字]" custT="1"/>
+      <dgm:spPr/>
+      <dgm:t>
+        <a:bodyPr/>
+        <a:lstStyle/>
+        <a:p>
+          <a:r>
+            <a:rPr lang="zh-TW" altLang="en-US" sz="3600" dirty="0" smtClean="0"/>
+            <a:t>多人連線</a:t>
+          </a:r>
+          <a:endParaRPr lang="zh-TW" altLang="en-US" sz="3600" dirty="0"/>
+        </a:p>
+      </dgm:t>
+    </dgm:pt>
+    <dgm:pt modelId="{D514DFA8-BE58-49A7-A14E-B2BD61B6177E}" type="parTrans" cxnId="{D7DF3FCC-C423-4B8A-B2F0-F22D299F801F}">
+      <dgm:prSet/>
+      <dgm:spPr/>
+    </dgm:pt>
+    <dgm:pt modelId="{2B0C52AC-81B1-4AF8-ADB4-D370056EE2BF}" type="sibTrans" cxnId="{D7DF3FCC-C423-4B8A-B2F0-F22D299F801F}">
+      <dgm:prSet/>
+      <dgm:spPr/>
+    </dgm:pt>
+    <dgm:pt modelId="{6A72E133-B681-4A11-BF1A-3FD3E8A8AB3C}">
+      <dgm:prSet phldrT="[文字]" custT="1"/>
+      <dgm:spPr/>
+      <dgm:t>
+        <a:bodyPr/>
+        <a:lstStyle/>
+        <a:p>
+          <a:r>
+            <a:rPr lang="zh-TW" altLang="en-US" sz="2400" dirty="0" smtClean="0"/>
+            <a:t>跟朋友一起玩</a:t>
+          </a:r>
+          <a:endParaRPr lang="zh-TW" altLang="en-US" sz="2400" dirty="0"/>
+        </a:p>
+      </dgm:t>
+    </dgm:pt>
+    <dgm:pt modelId="{3A9CE90C-8C41-4F36-AA21-A3E4C83F309F}" type="parTrans" cxnId="{E137388B-D7B2-4EB6-B337-B33BE04E8277}">
+      <dgm:prSet/>
+      <dgm:spPr/>
+    </dgm:pt>
+    <dgm:pt modelId="{96E3AE3F-5841-4AEE-8EE9-A3F3494881FB}" type="sibTrans" cxnId="{E137388B-D7B2-4EB6-B337-B33BE04E8277}">
+      <dgm:prSet/>
+      <dgm:spPr/>
+    </dgm:pt>
+    <dgm:pt modelId="{232D2096-BE69-4416-B5E6-4D2C2E4743AE}">
+      <dgm:prSet phldrT="[文字]" custT="1"/>
+      <dgm:spPr/>
+      <dgm:t>
+        <a:bodyPr/>
+        <a:lstStyle/>
+        <a:p>
+          <a:r>
+            <a:rPr lang="zh-TW" altLang="en-US" sz="2400" dirty="0" smtClean="0"/>
+            <a:t>更有趣！</a:t>
+          </a:r>
+          <a:endParaRPr lang="zh-TW" altLang="en-US" sz="2400" dirty="0"/>
+        </a:p>
+      </dgm:t>
+    </dgm:pt>
+    <dgm:pt modelId="{105B7335-1C53-40A0-964E-9F2DE3501C85}" type="parTrans" cxnId="{E0174C85-DA8E-480A-A162-6BC7223DC927}">
+      <dgm:prSet/>
+      <dgm:spPr/>
+    </dgm:pt>
+    <dgm:pt modelId="{EAAF2DAF-4D0B-4C0A-9F2A-7C00A5C7E614}" type="sibTrans" cxnId="{E0174C85-DA8E-480A-A162-6BC7223DC927}">
+      <dgm:prSet/>
+      <dgm:spPr/>
+    </dgm:pt>
     <dgm:pt modelId="{1C2A8DDC-5DEE-47DC-9B0D-40EC7A11488F}" type="pres">
       <dgm:prSet presAssocID="{97530BD9-D8AB-4788-AF98-5256AAD70A54}" presName="Name0" presStyleCnt="0">
         <dgm:presLayoutVars>
@@ -1304,13 +1374,20 @@
         </dgm:presLayoutVars>
       </dgm:prSet>
       <dgm:spPr/>
+      <dgm:t>
+        <a:bodyPr/>
+        <a:lstStyle/>
+        <a:p>
+          <a:endParaRPr lang="zh-TW" altLang="en-US"/>
+        </a:p>
+      </dgm:t>
     </dgm:pt>
     <dgm:pt modelId="{12DE72CE-4EED-4979-B5A8-6EF3F2DAE39D}" type="pres">
       <dgm:prSet presAssocID="{C758ECAF-F32F-4458-94B0-721E74BC9A0A}" presName="composite" presStyleCnt="0"/>
       <dgm:spPr/>
     </dgm:pt>
     <dgm:pt modelId="{C21B7ABD-EFAB-4ACC-A816-F2104D1654EC}" type="pres">
-      <dgm:prSet presAssocID="{C758ECAF-F32F-4458-94B0-721E74BC9A0A}" presName="parTx" presStyleLbl="alignNode1" presStyleIdx="0" presStyleCnt="3">
+      <dgm:prSet presAssocID="{C758ECAF-F32F-4458-94B0-721E74BC9A0A}" presName="parTx" presStyleLbl="alignNode1" presStyleIdx="0" presStyleCnt="4">
         <dgm:presLayoutVars>
           <dgm:chMax val="0"/>
           <dgm:chPref val="0"/>
@@ -1318,14 +1395,28 @@
         </dgm:presLayoutVars>
       </dgm:prSet>
       <dgm:spPr/>
+      <dgm:t>
+        <a:bodyPr/>
+        <a:lstStyle/>
+        <a:p>
+          <a:endParaRPr lang="zh-TW" altLang="en-US"/>
+        </a:p>
+      </dgm:t>
     </dgm:pt>
     <dgm:pt modelId="{3403FB3D-026A-4A43-8DFD-FA717358EC2E}" type="pres">
-      <dgm:prSet presAssocID="{C758ECAF-F32F-4458-94B0-721E74BC9A0A}" presName="desTx" presStyleLbl="alignAccFollowNode1" presStyleIdx="0" presStyleCnt="3">
+      <dgm:prSet presAssocID="{C758ECAF-F32F-4458-94B0-721E74BC9A0A}" presName="desTx" presStyleLbl="alignAccFollowNode1" presStyleIdx="0" presStyleCnt="4">
         <dgm:presLayoutVars>
           <dgm:bulletEnabled val="1"/>
         </dgm:presLayoutVars>
       </dgm:prSet>
       <dgm:spPr/>
+      <dgm:t>
+        <a:bodyPr/>
+        <a:lstStyle/>
+        <a:p>
+          <a:endParaRPr lang="zh-TW" altLang="en-US"/>
+        </a:p>
+      </dgm:t>
     </dgm:pt>
     <dgm:pt modelId="{DFB40080-8CE4-4707-BF1F-C9CB984FFD2E}" type="pres">
       <dgm:prSet presAssocID="{DA101461-B71B-4ACE-957D-B9144337C585}" presName="space" presStyleCnt="0"/>
@@ -1336,7 +1427,7 @@
       <dgm:spPr/>
     </dgm:pt>
     <dgm:pt modelId="{EF9AD9C6-92B1-4BAC-947A-68F6701D7B54}" type="pres">
-      <dgm:prSet presAssocID="{809E0E03-2E77-4E7E-92B7-E861F6B01114}" presName="parTx" presStyleLbl="alignNode1" presStyleIdx="1" presStyleCnt="3">
+      <dgm:prSet presAssocID="{809E0E03-2E77-4E7E-92B7-E861F6B01114}" presName="parTx" presStyleLbl="alignNode1" presStyleIdx="1" presStyleCnt="4">
         <dgm:presLayoutVars>
           <dgm:chMax val="0"/>
           <dgm:chPref val="0"/>
@@ -1344,14 +1435,28 @@
         </dgm:presLayoutVars>
       </dgm:prSet>
       <dgm:spPr/>
+      <dgm:t>
+        <a:bodyPr/>
+        <a:lstStyle/>
+        <a:p>
+          <a:endParaRPr lang="zh-TW" altLang="en-US"/>
+        </a:p>
+      </dgm:t>
     </dgm:pt>
     <dgm:pt modelId="{FC124E87-141F-486D-8C91-3ACD47AEB095}" type="pres">
-      <dgm:prSet presAssocID="{809E0E03-2E77-4E7E-92B7-E861F6B01114}" presName="desTx" presStyleLbl="alignAccFollowNode1" presStyleIdx="1" presStyleCnt="3">
+      <dgm:prSet presAssocID="{809E0E03-2E77-4E7E-92B7-E861F6B01114}" presName="desTx" presStyleLbl="alignAccFollowNode1" presStyleIdx="1" presStyleCnt="4">
         <dgm:presLayoutVars>
           <dgm:bulletEnabled val="1"/>
         </dgm:presLayoutVars>
       </dgm:prSet>
       <dgm:spPr/>
+      <dgm:t>
+        <a:bodyPr/>
+        <a:lstStyle/>
+        <a:p>
+          <a:endParaRPr lang="zh-TW" altLang="en-US"/>
+        </a:p>
+      </dgm:t>
     </dgm:pt>
     <dgm:pt modelId="{3F255FE8-3F70-4F47-8560-1B3F29F24DF9}" type="pres">
       <dgm:prSet presAssocID="{6B6B0D51-6F38-47B0-93E4-E5059DEE9228}" presName="space" presStyleCnt="0"/>
@@ -1362,7 +1467,7 @@
       <dgm:spPr/>
     </dgm:pt>
     <dgm:pt modelId="{7C36AF3A-B3F5-448C-95B7-293D095EDED1}" type="pres">
-      <dgm:prSet presAssocID="{562658D3-9B9A-4932-AB1C-91A2ED42C30F}" presName="parTx" presStyleLbl="alignNode1" presStyleIdx="2" presStyleCnt="3">
+      <dgm:prSet presAssocID="{562658D3-9B9A-4932-AB1C-91A2ED42C30F}" presName="parTx" presStyleLbl="alignNode1" presStyleIdx="2" presStyleCnt="4">
         <dgm:presLayoutVars>
           <dgm:chMax val="0"/>
           <dgm:chPref val="0"/>
@@ -1370,38 +1475,98 @@
         </dgm:presLayoutVars>
       </dgm:prSet>
       <dgm:spPr/>
+      <dgm:t>
+        <a:bodyPr/>
+        <a:lstStyle/>
+        <a:p>
+          <a:endParaRPr lang="zh-TW" altLang="en-US"/>
+        </a:p>
+      </dgm:t>
     </dgm:pt>
     <dgm:pt modelId="{89ED2C74-9297-4BB1-B2AC-CC9AFBE3C64B}" type="pres">
-      <dgm:prSet presAssocID="{562658D3-9B9A-4932-AB1C-91A2ED42C30F}" presName="desTx" presStyleLbl="alignAccFollowNode1" presStyleIdx="2" presStyleCnt="3">
+      <dgm:prSet presAssocID="{562658D3-9B9A-4932-AB1C-91A2ED42C30F}" presName="desTx" presStyleLbl="alignAccFollowNode1" presStyleIdx="2" presStyleCnt="4">
         <dgm:presLayoutVars>
           <dgm:bulletEnabled val="1"/>
         </dgm:presLayoutVars>
       </dgm:prSet>
       <dgm:spPr/>
+      <dgm:t>
+        <a:bodyPr/>
+        <a:lstStyle/>
+        <a:p>
+          <a:endParaRPr lang="zh-TW" altLang="en-US"/>
+        </a:p>
+      </dgm:t>
+    </dgm:pt>
+    <dgm:pt modelId="{38CDB579-2EBA-4227-88CF-D9AF7C14B4F9}" type="pres">
+      <dgm:prSet presAssocID="{8FE84243-108D-4674-8C5F-016A91163256}" presName="space" presStyleCnt="0"/>
+      <dgm:spPr/>
+    </dgm:pt>
+    <dgm:pt modelId="{925E37D6-19DA-47E6-9AB2-29CDA2075E5E}" type="pres">
+      <dgm:prSet presAssocID="{E800B014-883F-4BA4-8A6E-D254B93A79B0}" presName="composite" presStyleCnt="0"/>
+      <dgm:spPr/>
+    </dgm:pt>
+    <dgm:pt modelId="{5C81EF02-E2D4-45A5-B6D3-27AE3138F7C7}" type="pres">
+      <dgm:prSet presAssocID="{E800B014-883F-4BA4-8A6E-D254B93A79B0}" presName="parTx" presStyleLbl="alignNode1" presStyleIdx="3" presStyleCnt="4">
+        <dgm:presLayoutVars>
+          <dgm:chMax val="0"/>
+          <dgm:chPref val="0"/>
+          <dgm:bulletEnabled val="1"/>
+        </dgm:presLayoutVars>
+      </dgm:prSet>
+      <dgm:spPr/>
+      <dgm:t>
+        <a:bodyPr/>
+        <a:lstStyle/>
+        <a:p>
+          <a:endParaRPr lang="zh-TW" altLang="en-US"/>
+        </a:p>
+      </dgm:t>
+    </dgm:pt>
+    <dgm:pt modelId="{73222181-92E5-4D80-8DD4-E4B3394F8260}" type="pres">
+      <dgm:prSet presAssocID="{E800B014-883F-4BA4-8A6E-D254B93A79B0}" presName="desTx" presStyleLbl="alignAccFollowNode1" presStyleIdx="3" presStyleCnt="4">
+        <dgm:presLayoutVars>
+          <dgm:bulletEnabled val="1"/>
+        </dgm:presLayoutVars>
+      </dgm:prSet>
+      <dgm:spPr/>
+      <dgm:t>
+        <a:bodyPr/>
+        <a:lstStyle/>
+        <a:p>
+          <a:endParaRPr lang="zh-TW" altLang="en-US"/>
+        </a:p>
+      </dgm:t>
     </dgm:pt>
   </dgm:ptLst>
   <dgm:cxnLst>
+    <dgm:cxn modelId="{E137388B-D7B2-4EB6-B337-B33BE04E8277}" srcId="{E800B014-883F-4BA4-8A6E-D254B93A79B0}" destId="{6A72E133-B681-4A11-BF1A-3FD3E8A8AB3C}" srcOrd="0" destOrd="0" parTransId="{3A9CE90C-8C41-4F36-AA21-A3E4C83F309F}" sibTransId="{96E3AE3F-5841-4AEE-8EE9-A3F3494881FB}"/>
+    <dgm:cxn modelId="{C54D805F-39F7-41AB-85A7-D72D699BC09B}" type="presOf" srcId="{232D2096-BE69-4416-B5E6-4D2C2E4743AE}" destId="{73222181-92E5-4D80-8DD4-E4B3394F8260}" srcOrd="0" destOrd="1" presId="urn:microsoft.com/office/officeart/2005/8/layout/hList1"/>
+    <dgm:cxn modelId="{D7DF3FCC-C423-4B8A-B2F0-F22D299F801F}" srcId="{97530BD9-D8AB-4788-AF98-5256AAD70A54}" destId="{E800B014-883F-4BA4-8A6E-D254B93A79B0}" srcOrd="3" destOrd="0" parTransId="{D514DFA8-BE58-49A7-A14E-B2BD61B6177E}" sibTransId="{2B0C52AC-81B1-4AF8-ADB4-D370056EE2BF}"/>
+    <dgm:cxn modelId="{2DF6AC3B-6809-47C9-B39D-BA935CD3479D}" type="presOf" srcId="{809E0E03-2E77-4E7E-92B7-E861F6B01114}" destId="{EF9AD9C6-92B1-4BAC-947A-68F6701D7B54}" srcOrd="0" destOrd="0" presId="urn:microsoft.com/office/officeart/2005/8/layout/hList1"/>
+    <dgm:cxn modelId="{C85477E2-3508-4AFF-9505-19B631204D6E}" type="presOf" srcId="{C758ECAF-F32F-4458-94B0-721E74BC9A0A}" destId="{C21B7ABD-EFAB-4ACC-A816-F2104D1654EC}" srcOrd="0" destOrd="0" presId="urn:microsoft.com/office/officeart/2005/8/layout/hList1"/>
+    <dgm:cxn modelId="{882732E0-AE9B-4471-9641-415209DA9838}" type="presOf" srcId="{6A72E133-B681-4A11-BF1A-3FD3E8A8AB3C}" destId="{73222181-92E5-4D80-8DD4-E4B3394F8260}" srcOrd="0" destOrd="0" presId="urn:microsoft.com/office/officeart/2005/8/layout/hList1"/>
+    <dgm:cxn modelId="{946378F4-1F9B-4234-988C-90889DA9CA99}" type="presOf" srcId="{562658D3-9B9A-4932-AB1C-91A2ED42C30F}" destId="{7C36AF3A-B3F5-448C-95B7-293D095EDED1}" srcOrd="0" destOrd="0" presId="urn:microsoft.com/office/officeart/2005/8/layout/hList1"/>
+    <dgm:cxn modelId="{30BF6E16-A8CD-4596-A49C-FDF01B1FC638}" type="presOf" srcId="{0A0F0714-B356-41DF-B12E-0E4389850F15}" destId="{3403FB3D-026A-4A43-8DFD-FA717358EC2E}" srcOrd="0" destOrd="1" presId="urn:microsoft.com/office/officeart/2005/8/layout/hList1"/>
+    <dgm:cxn modelId="{E6C1B3C4-7BD8-4225-8464-DA6DC6E638BE}" type="presOf" srcId="{3BE7D290-79C1-4C7C-BB2A-B107C3858D2A}" destId="{89ED2C74-9297-4BB1-B2AC-CC9AFBE3C64B}" srcOrd="0" destOrd="0" presId="urn:microsoft.com/office/officeart/2005/8/layout/hList1"/>
+    <dgm:cxn modelId="{8104A2B7-35FA-4101-877E-FD4621797B46}" type="presOf" srcId="{345507A3-9419-41D9-B797-8D3204E98438}" destId="{89ED2C74-9297-4BB1-B2AC-CC9AFBE3C64B}" srcOrd="0" destOrd="2" presId="urn:microsoft.com/office/officeart/2005/8/layout/hList1"/>
+    <dgm:cxn modelId="{56FD2D06-41CC-4CDA-88EE-B2A3D058E874}" type="presOf" srcId="{E800B014-883F-4BA4-8A6E-D254B93A79B0}" destId="{5C81EF02-E2D4-45A5-B6D3-27AE3138F7C7}" srcOrd="0" destOrd="0" presId="urn:microsoft.com/office/officeart/2005/8/layout/hList1"/>
+    <dgm:cxn modelId="{3401D9F1-92EB-45A6-A17F-34DF30F9FCC4}" srcId="{97530BD9-D8AB-4788-AF98-5256AAD70A54}" destId="{562658D3-9B9A-4932-AB1C-91A2ED42C30F}" srcOrd="2" destOrd="0" parTransId="{3FBF06B3-2832-401F-9524-17A8DA1D0F69}" sibTransId="{8FE84243-108D-4674-8C5F-016A91163256}"/>
+    <dgm:cxn modelId="{D80F80C4-3E1F-493E-A49F-6CFACA64BB76}" srcId="{809E0E03-2E77-4E7E-92B7-E861F6B01114}" destId="{63271212-213F-47D9-BB84-B84BA86664EA}" srcOrd="0" destOrd="0" parTransId="{34EB48B3-08B9-4296-BCD2-575C8ADB0EA9}" sibTransId="{EE3A2A11-5181-4B21-8F93-B9C377ABE497}"/>
+    <dgm:cxn modelId="{8D59BC2B-5B49-4BFA-9EF0-C835B72C0365}" srcId="{C758ECAF-F32F-4458-94B0-721E74BC9A0A}" destId="{923F61DE-E860-4815-8E74-4CB05693297D}" srcOrd="0" destOrd="0" parTransId="{E744A790-EB9B-4313-B917-85736D9CCEF3}" sibTransId="{67820AE9-A2F9-4D51-87AB-50964F1C2CBA}"/>
+    <dgm:cxn modelId="{7F542080-580E-4D06-811D-854E9147D0C9}" type="presOf" srcId="{923F61DE-E860-4815-8E74-4CB05693297D}" destId="{3403FB3D-026A-4A43-8DFD-FA717358EC2E}" srcOrd="0" destOrd="0" presId="urn:microsoft.com/office/officeart/2005/8/layout/hList1"/>
+    <dgm:cxn modelId="{9D62A0E7-7FF1-40D2-A46E-1078CC093A87}" srcId="{809E0E03-2E77-4E7E-92B7-E861F6B01114}" destId="{D88FC435-F8DF-418E-A9B4-BD48A6028889}" srcOrd="1" destOrd="0" parTransId="{E16356B6-9EF6-469A-98EC-AD35133D76BD}" sibTransId="{E6AF035E-3EC7-4364-96F4-06AB0FCA770A}"/>
+    <dgm:cxn modelId="{ACF650E4-7425-4AAE-8DAA-E42DC23642DA}" srcId="{97530BD9-D8AB-4788-AF98-5256AAD70A54}" destId="{809E0E03-2E77-4E7E-92B7-E861F6B01114}" srcOrd="1" destOrd="0" parTransId="{67488039-66EC-450C-8416-665B4A65BE35}" sibTransId="{6B6B0D51-6F38-47B0-93E4-E5059DEE9228}"/>
+    <dgm:cxn modelId="{93D7815A-69CA-4D4E-9043-7996BADE4E3E}" type="presOf" srcId="{97530BD9-D8AB-4788-AF98-5256AAD70A54}" destId="{1C2A8DDC-5DEE-47DC-9B0D-40EC7A11488F}" srcOrd="0" destOrd="0" presId="urn:microsoft.com/office/officeart/2005/8/layout/hList1"/>
+    <dgm:cxn modelId="{2AE4A962-33D0-403A-BD59-32BEDE971214}" type="presOf" srcId="{63271212-213F-47D9-BB84-B84BA86664EA}" destId="{FC124E87-141F-486D-8C91-3ACD47AEB095}" srcOrd="0" destOrd="0" presId="urn:microsoft.com/office/officeart/2005/8/layout/hList1"/>
     <dgm:cxn modelId="{055D4307-FE81-4F6C-869F-76E11F1292E9}" srcId="{562658D3-9B9A-4932-AB1C-91A2ED42C30F}" destId="{7FA0FC05-50B9-44A9-BB7D-2E2AFA8E616C}" srcOrd="1" destOrd="0" parTransId="{018515F1-8B1F-49E5-8EFB-DE7151DD8410}" sibTransId="{D04BF425-E135-4B42-8B54-79A335C20DE0}"/>
-    <dgm:cxn modelId="{30BF6E16-A8CD-4596-A49C-FDF01B1FC638}" type="presOf" srcId="{0A0F0714-B356-41DF-B12E-0E4389850F15}" destId="{3403FB3D-026A-4A43-8DFD-FA717358EC2E}" srcOrd="0" destOrd="1" presId="urn:microsoft.com/office/officeart/2005/8/layout/hList1"/>
-    <dgm:cxn modelId="{2C60B517-2F1A-4037-98CD-A1A5E64D89A6}" type="presOf" srcId="{7FA0FC05-50B9-44A9-BB7D-2E2AFA8E616C}" destId="{89ED2C74-9297-4BB1-B2AC-CC9AFBE3C64B}" srcOrd="0" destOrd="1" presId="urn:microsoft.com/office/officeart/2005/8/layout/hList1"/>
-    <dgm:cxn modelId="{8D59BC2B-5B49-4BFA-9EF0-C835B72C0365}" srcId="{C758ECAF-F32F-4458-94B0-721E74BC9A0A}" destId="{923F61DE-E860-4815-8E74-4CB05693297D}" srcOrd="0" destOrd="0" parTransId="{E744A790-EB9B-4313-B917-85736D9CCEF3}" sibTransId="{67820AE9-A2F9-4D51-87AB-50964F1C2CBA}"/>
-    <dgm:cxn modelId="{DA59C536-7D8A-4065-BA6E-B8A3961DF522}" srcId="{97530BD9-D8AB-4788-AF98-5256AAD70A54}" destId="{C758ECAF-F32F-4458-94B0-721E74BC9A0A}" srcOrd="0" destOrd="0" parTransId="{BA5BB22B-7B64-4AF0-8A3F-63159B402732}" sibTransId="{DA101461-B71B-4ACE-957D-B9144337C585}"/>
-    <dgm:cxn modelId="{2DF6AC3B-6809-47C9-B39D-BA935CD3479D}" type="presOf" srcId="{809E0E03-2E77-4E7E-92B7-E861F6B01114}" destId="{EF9AD9C6-92B1-4BAC-947A-68F6701D7B54}" srcOrd="0" destOrd="0" presId="urn:microsoft.com/office/officeart/2005/8/layout/hList1"/>
-    <dgm:cxn modelId="{FE5AF861-A9B2-42D4-B2B2-AC7F5218174D}" type="presOf" srcId="{D88FC435-F8DF-418E-A9B4-BD48A6028889}" destId="{FC124E87-141F-486D-8C91-3ACD47AEB095}" srcOrd="0" destOrd="1" presId="urn:microsoft.com/office/officeart/2005/8/layout/hList1"/>
-    <dgm:cxn modelId="{2AE4A962-33D0-403A-BD59-32BEDE971214}" type="presOf" srcId="{63271212-213F-47D9-BB84-B84BA86664EA}" destId="{FC124E87-141F-486D-8C91-3ACD47AEB095}" srcOrd="0" destOrd="0" presId="urn:microsoft.com/office/officeart/2005/8/layout/hList1"/>
-    <dgm:cxn modelId="{93D7815A-69CA-4D4E-9043-7996BADE4E3E}" type="presOf" srcId="{97530BD9-D8AB-4788-AF98-5256AAD70A54}" destId="{1C2A8DDC-5DEE-47DC-9B0D-40EC7A11488F}" srcOrd="0" destOrd="0" presId="urn:microsoft.com/office/officeart/2005/8/layout/hList1"/>
-    <dgm:cxn modelId="{7F542080-580E-4D06-811D-854E9147D0C9}" type="presOf" srcId="{923F61DE-E860-4815-8E74-4CB05693297D}" destId="{3403FB3D-026A-4A43-8DFD-FA717358EC2E}" srcOrd="0" destOrd="0" presId="urn:microsoft.com/office/officeart/2005/8/layout/hList1"/>
     <dgm:cxn modelId="{75E89C87-201F-4D57-A122-7A070718B5DF}" srcId="{562658D3-9B9A-4932-AB1C-91A2ED42C30F}" destId="{3BE7D290-79C1-4C7C-BB2A-B107C3858D2A}" srcOrd="0" destOrd="0" parTransId="{1C57F9A4-9B0E-4C44-B7C9-F969456A8E56}" sibTransId="{D089A82C-6D7B-4363-B8AF-FD5546B08512}"/>
     <dgm:cxn modelId="{0824859A-35A9-4654-9743-22E2D85610F6}" srcId="{562658D3-9B9A-4932-AB1C-91A2ED42C30F}" destId="{345507A3-9419-41D9-B797-8D3204E98438}" srcOrd="2" destOrd="0" parTransId="{37A49160-76FB-499E-A104-2BD6F0DB6489}" sibTransId="{E7F66A6C-3EB7-4005-8DA5-11415CA13F82}"/>
     <dgm:cxn modelId="{3AB1F5B4-0200-432E-BF4C-F1B129A50505}" srcId="{C758ECAF-F32F-4458-94B0-721E74BC9A0A}" destId="{0A0F0714-B356-41DF-B12E-0E4389850F15}" srcOrd="1" destOrd="0" parTransId="{B389920E-7768-4240-B4DE-5F0FE1098638}" sibTransId="{8951F423-65D3-4381-98D1-DB29738E83DC}"/>
-    <dgm:cxn modelId="{8104A2B7-35FA-4101-877E-FD4621797B46}" type="presOf" srcId="{345507A3-9419-41D9-B797-8D3204E98438}" destId="{89ED2C74-9297-4BB1-B2AC-CC9AFBE3C64B}" srcOrd="0" destOrd="2" presId="urn:microsoft.com/office/officeart/2005/8/layout/hList1"/>
-    <dgm:cxn modelId="{D80F80C4-3E1F-493E-A49F-6CFACA64BB76}" srcId="{809E0E03-2E77-4E7E-92B7-E861F6B01114}" destId="{63271212-213F-47D9-BB84-B84BA86664EA}" srcOrd="0" destOrd="0" parTransId="{34EB48B3-08B9-4296-BCD2-575C8ADB0EA9}" sibTransId="{EE3A2A11-5181-4B21-8F93-B9C377ABE497}"/>
-    <dgm:cxn modelId="{E6C1B3C4-7BD8-4225-8464-DA6DC6E638BE}" type="presOf" srcId="{3BE7D290-79C1-4C7C-BB2A-B107C3858D2A}" destId="{89ED2C74-9297-4BB1-B2AC-CC9AFBE3C64B}" srcOrd="0" destOrd="0" presId="urn:microsoft.com/office/officeart/2005/8/layout/hList1"/>
-    <dgm:cxn modelId="{C85477E2-3508-4AFF-9505-19B631204D6E}" type="presOf" srcId="{C758ECAF-F32F-4458-94B0-721E74BC9A0A}" destId="{C21B7ABD-EFAB-4ACC-A816-F2104D1654EC}" srcOrd="0" destOrd="0" presId="urn:microsoft.com/office/officeart/2005/8/layout/hList1"/>
-    <dgm:cxn modelId="{ACF650E4-7425-4AAE-8DAA-E42DC23642DA}" srcId="{97530BD9-D8AB-4788-AF98-5256AAD70A54}" destId="{809E0E03-2E77-4E7E-92B7-E861F6B01114}" srcOrd="1" destOrd="0" parTransId="{67488039-66EC-450C-8416-665B4A65BE35}" sibTransId="{6B6B0D51-6F38-47B0-93E4-E5059DEE9228}"/>
-    <dgm:cxn modelId="{9D62A0E7-7FF1-40D2-A46E-1078CC093A87}" srcId="{809E0E03-2E77-4E7E-92B7-E861F6B01114}" destId="{D88FC435-F8DF-418E-A9B4-BD48A6028889}" srcOrd="1" destOrd="0" parTransId="{E16356B6-9EF6-469A-98EC-AD35133D76BD}" sibTransId="{E6AF035E-3EC7-4364-96F4-06AB0FCA770A}"/>
-    <dgm:cxn modelId="{3401D9F1-92EB-45A6-A17F-34DF30F9FCC4}" srcId="{97530BD9-D8AB-4788-AF98-5256AAD70A54}" destId="{562658D3-9B9A-4932-AB1C-91A2ED42C30F}" srcOrd="2" destOrd="0" parTransId="{3FBF06B3-2832-401F-9524-17A8DA1D0F69}" sibTransId="{8FE84243-108D-4674-8C5F-016A91163256}"/>
-    <dgm:cxn modelId="{946378F4-1F9B-4234-988C-90889DA9CA99}" type="presOf" srcId="{562658D3-9B9A-4932-AB1C-91A2ED42C30F}" destId="{7C36AF3A-B3F5-448C-95B7-293D095EDED1}" srcOrd="0" destOrd="0" presId="urn:microsoft.com/office/officeart/2005/8/layout/hList1"/>
+    <dgm:cxn modelId="{FE5AF861-A9B2-42D4-B2B2-AC7F5218174D}" type="presOf" srcId="{D88FC435-F8DF-418E-A9B4-BD48A6028889}" destId="{FC124E87-141F-486D-8C91-3ACD47AEB095}" srcOrd="0" destOrd="1" presId="urn:microsoft.com/office/officeart/2005/8/layout/hList1"/>
+    <dgm:cxn modelId="{E0174C85-DA8E-480A-A162-6BC7223DC927}" srcId="{E800B014-883F-4BA4-8A6E-D254B93A79B0}" destId="{232D2096-BE69-4416-B5E6-4D2C2E4743AE}" srcOrd="1" destOrd="0" parTransId="{105B7335-1C53-40A0-964E-9F2DE3501C85}" sibTransId="{EAAF2DAF-4D0B-4C0A-9F2A-7C00A5C7E614}"/>
+    <dgm:cxn modelId="{DA59C536-7D8A-4065-BA6E-B8A3961DF522}" srcId="{97530BD9-D8AB-4788-AF98-5256AAD70A54}" destId="{C758ECAF-F32F-4458-94B0-721E74BC9A0A}" srcOrd="0" destOrd="0" parTransId="{BA5BB22B-7B64-4AF0-8A3F-63159B402732}" sibTransId="{DA101461-B71B-4ACE-957D-B9144337C585}"/>
+    <dgm:cxn modelId="{2C60B517-2F1A-4037-98CD-A1A5E64D89A6}" type="presOf" srcId="{7FA0FC05-50B9-44A9-BB7D-2E2AFA8E616C}" destId="{89ED2C74-9297-4BB1-B2AC-CC9AFBE3C64B}" srcOrd="0" destOrd="1" presId="urn:microsoft.com/office/officeart/2005/8/layout/hList1"/>
     <dgm:cxn modelId="{1E6E5947-ED04-41C8-A036-380DD5BDC579}" type="presParOf" srcId="{1C2A8DDC-5DEE-47DC-9B0D-40EC7A11488F}" destId="{12DE72CE-4EED-4979-B5A8-6EF3F2DAE39D}" srcOrd="0" destOrd="0" presId="urn:microsoft.com/office/officeart/2005/8/layout/hList1"/>
     <dgm:cxn modelId="{BDAEDA6B-E249-4691-88A9-D9588AFC2A33}" type="presParOf" srcId="{12DE72CE-4EED-4979-B5A8-6EF3F2DAE39D}" destId="{C21B7ABD-EFAB-4ACC-A816-F2104D1654EC}" srcOrd="0" destOrd="0" presId="urn:microsoft.com/office/officeart/2005/8/layout/hList1"/>
     <dgm:cxn modelId="{85B1F4BD-9924-4DF0-9279-6AF36FE331DD}" type="presParOf" srcId="{12DE72CE-4EED-4979-B5A8-6EF3F2DAE39D}" destId="{3403FB3D-026A-4A43-8DFD-FA717358EC2E}" srcOrd="1" destOrd="0" presId="urn:microsoft.com/office/officeart/2005/8/layout/hList1"/>
@@ -1413,6 +1578,10 @@
     <dgm:cxn modelId="{48F70496-606E-4437-94C2-9FE0B25D0B46}" type="presParOf" srcId="{1C2A8DDC-5DEE-47DC-9B0D-40EC7A11488F}" destId="{52077D8B-3473-4964-A01F-4B62205E0889}" srcOrd="4" destOrd="0" presId="urn:microsoft.com/office/officeart/2005/8/layout/hList1"/>
     <dgm:cxn modelId="{323AF321-62DA-48F2-A91A-34366F951D9D}" type="presParOf" srcId="{52077D8B-3473-4964-A01F-4B62205E0889}" destId="{7C36AF3A-B3F5-448C-95B7-293D095EDED1}" srcOrd="0" destOrd="0" presId="urn:microsoft.com/office/officeart/2005/8/layout/hList1"/>
     <dgm:cxn modelId="{B703AEFB-F953-4748-AA9F-1CD76D6858A6}" type="presParOf" srcId="{52077D8B-3473-4964-A01F-4B62205E0889}" destId="{89ED2C74-9297-4BB1-B2AC-CC9AFBE3C64B}" srcOrd="1" destOrd="0" presId="urn:microsoft.com/office/officeart/2005/8/layout/hList1"/>
+    <dgm:cxn modelId="{4CC09589-AF3D-41D2-84D8-AED7A962E549}" type="presParOf" srcId="{1C2A8DDC-5DEE-47DC-9B0D-40EC7A11488F}" destId="{38CDB579-2EBA-4227-88CF-D9AF7C14B4F9}" srcOrd="5" destOrd="0" presId="urn:microsoft.com/office/officeart/2005/8/layout/hList1"/>
+    <dgm:cxn modelId="{A32FA02C-7E16-4C2A-B27D-68237613359F}" type="presParOf" srcId="{1C2A8DDC-5DEE-47DC-9B0D-40EC7A11488F}" destId="{925E37D6-19DA-47E6-9AB2-29CDA2075E5E}" srcOrd="6" destOrd="0" presId="urn:microsoft.com/office/officeart/2005/8/layout/hList1"/>
+    <dgm:cxn modelId="{37D14932-01BA-4091-8ABA-23E3C288A610}" type="presParOf" srcId="{925E37D6-19DA-47E6-9AB2-29CDA2075E5E}" destId="{5C81EF02-E2D4-45A5-B6D3-27AE3138F7C7}" srcOrd="0" destOrd="0" presId="urn:microsoft.com/office/officeart/2005/8/layout/hList1"/>
+    <dgm:cxn modelId="{DB4784DE-36BE-4FB7-8917-E29A9A7FA28F}" type="presParOf" srcId="{925E37D6-19DA-47E6-9AB2-29CDA2075E5E}" destId="{73222181-92E5-4D80-8DD4-E4B3394F8260}" srcOrd="1" destOrd="0" presId="urn:microsoft.com/office/officeart/2005/8/layout/hList1"/>
   </dgm:cxnLst>
   <dgm:bg/>
   <dgm:whole/>
@@ -1439,8 +1608,8 @@
       </dsp:nvSpPr>
       <dsp:spPr>
         <a:xfrm>
-          <a:off x="3446" y="3101"/>
-          <a:ext cx="3360687" cy="1344275"/>
+          <a:off x="4147" y="841"/>
+          <a:ext cx="2493587" cy="997434"/>
         </a:xfrm>
         <a:prstGeom prst="rect">
           <a:avLst/>
@@ -1486,7 +1655,7 @@
         </a:bodyPr>
         <a:lstStyle/>
         <a:p>
-          <a:pPr marL="0" lvl="0" indent="0" algn="ctr" defTabSz="1778000">
+          <a:pPr lvl="0" algn="ctr" defTabSz="1778000">
             <a:lnSpc>
               <a:spcPct val="90000"/>
             </a:lnSpc>
@@ -1496,7 +1665,6 @@
             <a:spcAft>
               <a:spcPct val="35000"/>
             </a:spcAft>
-            <a:buNone/>
           </a:pPr>
           <a:r>
             <a:rPr lang="zh-TW" altLang="en-US" sz="4000" kern="1200" dirty="0"/>
@@ -1505,8 +1673,8 @@
         </a:p>
       </dsp:txBody>
       <dsp:txXfrm>
-        <a:off x="3446" y="3101"/>
-        <a:ext cx="3360687" cy="1344275"/>
+        <a:off x="4147" y="841"/>
+        <a:ext cx="2493587" cy="997434"/>
       </dsp:txXfrm>
     </dsp:sp>
     <dsp:sp modelId="{3403FB3D-026A-4A43-8DFD-FA717358EC2E}">
@@ -1516,8 +1684,8 @@
       </dsp:nvSpPr>
       <dsp:spPr>
         <a:xfrm>
-          <a:off x="3446" y="1347376"/>
-          <a:ext cx="3360687" cy="2327760"/>
+          <a:off x="4147" y="998276"/>
+          <a:ext cx="2493587" cy="2679120"/>
         </a:xfrm>
         <a:prstGeom prst="rect">
           <a:avLst/>
@@ -1575,7 +1743,7 @@
             <a:spcAft>
               <a:spcPct val="15000"/>
             </a:spcAft>
-            <a:buChar char="•"/>
+            <a:buChar char="••"/>
           </a:pPr>
           <a:r>
             <a:rPr lang="zh-TW" altLang="en-US" sz="2400" kern="1200" dirty="0"/>
@@ -1593,7 +1761,7 @@
             <a:spcAft>
               <a:spcPct val="15000"/>
             </a:spcAft>
-            <a:buChar char="•"/>
+            <a:buChar char="••"/>
           </a:pPr>
           <a:r>
             <a:rPr lang="zh-TW" altLang="en-US" sz="2400" kern="1200" dirty="0"/>
@@ -1602,8 +1770,8 @@
         </a:p>
       </dsp:txBody>
       <dsp:txXfrm>
-        <a:off x="3446" y="1347376"/>
-        <a:ext cx="3360687" cy="2327760"/>
+        <a:off x="4147" y="998276"/>
+        <a:ext cx="2493587" cy="2679120"/>
       </dsp:txXfrm>
     </dsp:sp>
     <dsp:sp modelId="{EF9AD9C6-92B1-4BAC-947A-68F6701D7B54}">
@@ -1613,26 +1781,26 @@
       </dsp:nvSpPr>
       <dsp:spPr>
         <a:xfrm>
-          <a:off x="3834631" y="3101"/>
-          <a:ext cx="3360687" cy="1344275"/>
+          <a:off x="2846836" y="841"/>
+          <a:ext cx="2493587" cy="997434"/>
         </a:xfrm>
         <a:prstGeom prst="rect">
           <a:avLst/>
         </a:prstGeom>
         <a:solidFill>
           <a:schemeClr val="accent2">
-            <a:hueOff val="-1483991"/>
-            <a:satOff val="-9911"/>
-            <a:lumOff val="-3921"/>
+            <a:hueOff val="-989327"/>
+            <a:satOff val="-6608"/>
+            <a:lumOff val="-2614"/>
             <a:alphaOff val="0"/>
           </a:schemeClr>
         </a:solidFill>
         <a:ln w="22225" cap="rnd" cmpd="sng" algn="ctr">
           <a:solidFill>
             <a:schemeClr val="accent2">
-              <a:hueOff val="-1483991"/>
-              <a:satOff val="-9911"/>
-              <a:lumOff val="-3921"/>
+              <a:hueOff val="-989327"/>
+              <a:satOff val="-6608"/>
+              <a:lumOff val="-2614"/>
               <a:alphaOff val="0"/>
             </a:schemeClr>
           </a:solidFill>
@@ -1660,7 +1828,7 @@
         </a:bodyPr>
         <a:lstStyle/>
         <a:p>
-          <a:pPr marL="0" lvl="0" indent="0" algn="ctr" defTabSz="1778000">
+          <a:pPr lvl="0" algn="ctr" defTabSz="1778000">
             <a:lnSpc>
               <a:spcPct val="90000"/>
             </a:lnSpc>
@@ -1670,7 +1838,6 @@
             <a:spcAft>
               <a:spcPct val="35000"/>
             </a:spcAft>
-            <a:buNone/>
           </a:pPr>
           <a:r>
             <a:rPr lang="zh-TW" altLang="en-US" sz="4000" kern="1200" dirty="0"/>
@@ -1679,8 +1846,8 @@
         </a:p>
       </dsp:txBody>
       <dsp:txXfrm>
-        <a:off x="3834631" y="3101"/>
-        <a:ext cx="3360687" cy="1344275"/>
+        <a:off x="2846836" y="841"/>
+        <a:ext cx="2493587" cy="997434"/>
       </dsp:txXfrm>
     </dsp:sp>
     <dsp:sp modelId="{FC124E87-141F-486D-8C91-3ACD47AEB095}">
@@ -1690,8 +1857,8 @@
       </dsp:nvSpPr>
       <dsp:spPr>
         <a:xfrm>
-          <a:off x="3834631" y="1347376"/>
-          <a:ext cx="3360687" cy="2327760"/>
+          <a:off x="2846836" y="998276"/>
+          <a:ext cx="2493587" cy="2679120"/>
         </a:xfrm>
         <a:prstGeom prst="rect">
           <a:avLst/>
@@ -1700,9 +1867,9 @@
           <a:schemeClr val="accent2">
             <a:tint val="40000"/>
             <a:alpha val="90000"/>
-            <a:hueOff val="-1637819"/>
-            <a:satOff val="-6786"/>
-            <a:lumOff val="-892"/>
+            <a:hueOff val="-1091879"/>
+            <a:satOff val="-4524"/>
+            <a:lumOff val="-595"/>
             <a:alphaOff val="0"/>
           </a:schemeClr>
         </a:solidFill>
@@ -1711,9 +1878,9 @@
             <a:schemeClr val="accent2">
               <a:tint val="40000"/>
               <a:alpha val="90000"/>
-              <a:hueOff val="-1637819"/>
-              <a:satOff val="-6786"/>
-              <a:lumOff val="-892"/>
+              <a:hueOff val="-1091879"/>
+              <a:satOff val="-4524"/>
+              <a:lumOff val="-595"/>
               <a:alphaOff val="0"/>
             </a:schemeClr>
           </a:solidFill>
@@ -1749,7 +1916,7 @@
             <a:spcAft>
               <a:spcPct val="15000"/>
             </a:spcAft>
-            <a:buChar char="•"/>
+            <a:buChar char="••"/>
           </a:pPr>
           <a:r>
             <a:rPr lang="zh-TW" altLang="en-US" sz="2400" kern="1200" dirty="0"/>
@@ -1767,7 +1934,7 @@
             <a:spcAft>
               <a:spcPct val="15000"/>
             </a:spcAft>
-            <a:buChar char="•"/>
+            <a:buChar char="••"/>
           </a:pPr>
           <a:r>
             <a:rPr lang="zh-TW" altLang="en-US" sz="2400" kern="1200" dirty="0"/>
@@ -1776,8 +1943,8 @@
         </a:p>
       </dsp:txBody>
       <dsp:txXfrm>
-        <a:off x="3834631" y="1347376"/>
-        <a:ext cx="3360687" cy="2327760"/>
+        <a:off x="2846836" y="998276"/>
+        <a:ext cx="2493587" cy="2679120"/>
       </dsp:txXfrm>
     </dsp:sp>
     <dsp:sp modelId="{7C36AF3A-B3F5-448C-95B7-293D095EDED1}">
@@ -1787,8 +1954,199 @@
       </dsp:nvSpPr>
       <dsp:spPr>
         <a:xfrm>
-          <a:off x="7665815" y="3101"/>
-          <a:ext cx="3360687" cy="1344275"/>
+          <a:off x="5689526" y="841"/>
+          <a:ext cx="2493587" cy="997434"/>
+        </a:xfrm>
+        <a:prstGeom prst="rect">
+          <a:avLst/>
+        </a:prstGeom>
+        <a:solidFill>
+          <a:schemeClr val="accent2">
+            <a:hueOff val="-1978655"/>
+            <a:satOff val="-13215"/>
+            <a:lumOff val="-5228"/>
+            <a:alphaOff val="0"/>
+          </a:schemeClr>
+        </a:solidFill>
+        <a:ln w="22225" cap="rnd" cmpd="sng" algn="ctr">
+          <a:solidFill>
+            <a:schemeClr val="accent2">
+              <a:hueOff val="-1978655"/>
+              <a:satOff val="-13215"/>
+              <a:lumOff val="-5228"/>
+              <a:alphaOff val="0"/>
+            </a:schemeClr>
+          </a:solidFill>
+          <a:prstDash val="solid"/>
+        </a:ln>
+        <a:effectLst/>
+      </dsp:spPr>
+      <dsp:style>
+        <a:lnRef idx="2">
+          <a:scrgbClr r="0" g="0" b="0"/>
+        </a:lnRef>
+        <a:fillRef idx="1">
+          <a:scrgbClr r="0" g="0" b="0"/>
+        </a:fillRef>
+        <a:effectRef idx="0">
+          <a:scrgbClr r="0" g="0" b="0"/>
+        </a:effectRef>
+        <a:fontRef idx="minor">
+          <a:schemeClr val="lt1"/>
+        </a:fontRef>
+      </dsp:style>
+      <dsp:txBody>
+        <a:bodyPr spcFirstLastPara="0" vert="horz" wrap="square" lIns="284480" tIns="162560" rIns="284480" bIns="162560" numCol="1" spcCol="1270" anchor="ctr" anchorCtr="0">
+          <a:noAutofit/>
+        </a:bodyPr>
+        <a:lstStyle/>
+        <a:p>
+          <a:pPr lvl="0" algn="ctr" defTabSz="1778000">
+            <a:lnSpc>
+              <a:spcPct val="90000"/>
+            </a:lnSpc>
+            <a:spcBef>
+              <a:spcPct val="0"/>
+            </a:spcBef>
+            <a:spcAft>
+              <a:spcPct val="35000"/>
+            </a:spcAft>
+          </a:pPr>
+          <a:r>
+            <a:rPr lang="zh-TW" altLang="en-US" sz="4000" kern="1200" dirty="0"/>
+            <a:t>可挖地</a:t>
+          </a:r>
+        </a:p>
+      </dsp:txBody>
+      <dsp:txXfrm>
+        <a:off x="5689526" y="841"/>
+        <a:ext cx="2493587" cy="997434"/>
+      </dsp:txXfrm>
+    </dsp:sp>
+    <dsp:sp modelId="{89ED2C74-9297-4BB1-B2AC-CC9AFBE3C64B}">
+      <dsp:nvSpPr>
+        <dsp:cNvPr id="0" name=""/>
+        <dsp:cNvSpPr/>
+      </dsp:nvSpPr>
+      <dsp:spPr>
+        <a:xfrm>
+          <a:off x="5689526" y="998276"/>
+          <a:ext cx="2493587" cy="2679120"/>
+        </a:xfrm>
+        <a:prstGeom prst="rect">
+          <a:avLst/>
+        </a:prstGeom>
+        <a:solidFill>
+          <a:schemeClr val="accent2">
+            <a:tint val="40000"/>
+            <a:alpha val="90000"/>
+            <a:hueOff val="-2183759"/>
+            <a:satOff val="-9047"/>
+            <a:lumOff val="-1189"/>
+            <a:alphaOff val="0"/>
+          </a:schemeClr>
+        </a:solidFill>
+        <a:ln w="22225" cap="rnd" cmpd="sng" algn="ctr">
+          <a:solidFill>
+            <a:schemeClr val="accent2">
+              <a:tint val="40000"/>
+              <a:alpha val="90000"/>
+              <a:hueOff val="-2183759"/>
+              <a:satOff val="-9047"/>
+              <a:lumOff val="-1189"/>
+              <a:alphaOff val="0"/>
+            </a:schemeClr>
+          </a:solidFill>
+          <a:prstDash val="solid"/>
+        </a:ln>
+        <a:effectLst/>
+      </dsp:spPr>
+      <dsp:style>
+        <a:lnRef idx="2">
+          <a:scrgbClr r="0" g="0" b="0"/>
+        </a:lnRef>
+        <a:fillRef idx="1">
+          <a:scrgbClr r="0" g="0" b="0"/>
+        </a:fillRef>
+        <a:effectRef idx="0">
+          <a:scrgbClr r="0" g="0" b="0"/>
+        </a:effectRef>
+        <a:fontRef idx="minor"/>
+      </dsp:style>
+      <dsp:txBody>
+        <a:bodyPr spcFirstLastPara="0" vert="horz" wrap="square" lIns="128016" tIns="128016" rIns="170688" bIns="192024" numCol="1" spcCol="1270" anchor="t" anchorCtr="0">
+          <a:noAutofit/>
+        </a:bodyPr>
+        <a:lstStyle/>
+        <a:p>
+          <a:pPr marL="228600" lvl="1" indent="-228600" algn="l" defTabSz="1066800">
+            <a:lnSpc>
+              <a:spcPct val="90000"/>
+            </a:lnSpc>
+            <a:spcBef>
+              <a:spcPct val="0"/>
+            </a:spcBef>
+            <a:spcAft>
+              <a:spcPct val="15000"/>
+            </a:spcAft>
+            <a:buChar char="••"/>
+          </a:pPr>
+          <a:r>
+            <a:rPr lang="zh-TW" altLang="en-US" sz="2400" kern="1200" dirty="0"/>
+            <a:t>發想自麥塊</a:t>
+          </a:r>
+        </a:p>
+        <a:p>
+          <a:pPr marL="228600" lvl="1" indent="-228600" algn="l" defTabSz="1066800">
+            <a:lnSpc>
+              <a:spcPct val="90000"/>
+            </a:lnSpc>
+            <a:spcBef>
+              <a:spcPct val="0"/>
+            </a:spcBef>
+            <a:spcAft>
+              <a:spcPct val="15000"/>
+            </a:spcAft>
+            <a:buChar char="••"/>
+          </a:pPr>
+          <a:r>
+            <a:rPr lang="zh-TW" altLang="en-US" sz="2400" kern="1200" dirty="0"/>
+            <a:t>可挖掉地板</a:t>
+          </a:r>
+        </a:p>
+        <a:p>
+          <a:pPr marL="228600" lvl="1" indent="-228600" algn="l" defTabSz="889000">
+            <a:lnSpc>
+              <a:spcPct val="90000"/>
+            </a:lnSpc>
+            <a:spcBef>
+              <a:spcPct val="0"/>
+            </a:spcBef>
+            <a:spcAft>
+              <a:spcPct val="15000"/>
+            </a:spcAft>
+            <a:buChar char="••"/>
+          </a:pPr>
+          <a:r>
+            <a:rPr lang="zh-TW" altLang="en-US" sz="2000" kern="1200" dirty="0"/>
+            <a:t>成為子彈擊退鬼</a:t>
+          </a:r>
+        </a:p>
+      </dsp:txBody>
+      <dsp:txXfrm>
+        <a:off x="5689526" y="998276"/>
+        <a:ext cx="2493587" cy="2679120"/>
+      </dsp:txXfrm>
+    </dsp:sp>
+    <dsp:sp modelId="{5C81EF02-E2D4-45A5-B6D3-27AE3138F7C7}">
+      <dsp:nvSpPr>
+        <dsp:cNvPr id="0" name=""/>
+        <dsp:cNvSpPr/>
+      </dsp:nvSpPr>
+      <dsp:spPr>
+        <a:xfrm>
+          <a:off x="8532215" y="841"/>
+          <a:ext cx="2493587" cy="997434"/>
         </a:xfrm>
         <a:prstGeom prst="rect">
           <a:avLst/>
@@ -1829,12 +2187,12 @@
         </a:fontRef>
       </dsp:style>
       <dsp:txBody>
-        <a:bodyPr spcFirstLastPara="0" vert="horz" wrap="square" lIns="284480" tIns="162560" rIns="284480" bIns="162560" numCol="1" spcCol="1270" anchor="ctr" anchorCtr="0">
+        <a:bodyPr spcFirstLastPara="0" vert="horz" wrap="square" lIns="256032" tIns="146304" rIns="256032" bIns="146304" numCol="1" spcCol="1270" anchor="ctr" anchorCtr="0">
           <a:noAutofit/>
         </a:bodyPr>
         <a:lstStyle/>
         <a:p>
-          <a:pPr marL="0" lvl="0" indent="0" algn="ctr" defTabSz="1778000">
+          <a:pPr lvl="0" algn="ctr" defTabSz="1600200">
             <a:lnSpc>
               <a:spcPct val="90000"/>
             </a:lnSpc>
@@ -1844,28 +2202,28 @@
             <a:spcAft>
               <a:spcPct val="35000"/>
             </a:spcAft>
-            <a:buNone/>
           </a:pPr>
           <a:r>
-            <a:rPr lang="zh-TW" altLang="en-US" sz="4000" kern="1200" dirty="0"/>
-            <a:t>可挖地</a:t>
+            <a:rPr lang="zh-TW" altLang="en-US" sz="3600" kern="1200" dirty="0" smtClean="0"/>
+            <a:t>多人連線</a:t>
           </a:r>
+          <a:endParaRPr lang="zh-TW" altLang="en-US" sz="3600" kern="1200" dirty="0"/>
         </a:p>
       </dsp:txBody>
       <dsp:txXfrm>
-        <a:off x="7665815" y="3101"/>
-        <a:ext cx="3360687" cy="1344275"/>
+        <a:off x="8532215" y="841"/>
+        <a:ext cx="2493587" cy="997434"/>
       </dsp:txXfrm>
     </dsp:sp>
-    <dsp:sp modelId="{89ED2C74-9297-4BB1-B2AC-CC9AFBE3C64B}">
+    <dsp:sp modelId="{73222181-92E5-4D80-8DD4-E4B3394F8260}">
       <dsp:nvSpPr>
         <dsp:cNvPr id="0" name=""/>
         <dsp:cNvSpPr/>
       </dsp:nvSpPr>
       <dsp:spPr>
         <a:xfrm>
-          <a:off x="7665815" y="1347376"/>
-          <a:ext cx="3360687" cy="2327760"/>
+          <a:off x="8532215" y="998276"/>
+          <a:ext cx="2493587" cy="2679120"/>
         </a:xfrm>
         <a:prstGeom prst="rect">
           <a:avLst/>
@@ -1923,12 +2281,13 @@
             <a:spcAft>
               <a:spcPct val="15000"/>
             </a:spcAft>
-            <a:buChar char="•"/>
+            <a:buChar char="••"/>
           </a:pPr>
           <a:r>
-            <a:rPr lang="zh-TW" altLang="en-US" sz="2400" kern="1200" dirty="0"/>
-            <a:t>發想自麥塊</a:t>
+            <a:rPr lang="zh-TW" altLang="en-US" sz="2400" kern="1200" dirty="0" smtClean="0"/>
+            <a:t>跟朋友一起玩</a:t>
           </a:r>
+          <a:endParaRPr lang="zh-TW" altLang="en-US" sz="2400" kern="1200" dirty="0"/>
         </a:p>
         <a:p>
           <a:pPr marL="228600" lvl="1" indent="-228600" algn="l" defTabSz="1066800">
@@ -1941,35 +2300,18 @@
             <a:spcAft>
               <a:spcPct val="15000"/>
             </a:spcAft>
-            <a:buChar char="•"/>
+            <a:buChar char="••"/>
           </a:pPr>
           <a:r>
-            <a:rPr lang="zh-TW" altLang="en-US" sz="2400" kern="1200" dirty="0"/>
-            <a:t>可挖掉地板</a:t>
+            <a:rPr lang="zh-TW" altLang="en-US" sz="2400" kern="1200" dirty="0" smtClean="0"/>
+            <a:t>更有趣！</a:t>
           </a:r>
-        </a:p>
-        <a:p>
-          <a:pPr marL="228600" lvl="1" indent="-228600" algn="l" defTabSz="1066800">
-            <a:lnSpc>
-              <a:spcPct val="90000"/>
-            </a:lnSpc>
-            <a:spcBef>
-              <a:spcPct val="0"/>
-            </a:spcBef>
-            <a:spcAft>
-              <a:spcPct val="15000"/>
-            </a:spcAft>
-            <a:buChar char="•"/>
-          </a:pPr>
-          <a:r>
-            <a:rPr lang="zh-TW" altLang="en-US" sz="2400" kern="1200" dirty="0"/>
-            <a:t>成為子彈擊退鬼</a:t>
-          </a:r>
+          <a:endParaRPr lang="zh-TW" altLang="en-US" sz="2400" kern="1200" dirty="0"/>
         </a:p>
       </dsp:txBody>
       <dsp:txXfrm>
-        <a:off x="7665815" y="1347376"/>
-        <a:ext cx="3360687" cy="2327760"/>
+        <a:off x="8532215" y="998276"/>
+        <a:ext cx="2493587" cy="2679120"/>
       </dsp:txXfrm>
     </dsp:sp>
   </dsp:spTree>
@@ -3472,7 +3814,7 @@
           <a:p>
             <a:fld id="{32E0DD32-1C3F-4C1E-A478-0B3C75426AC3}" type="datetimeFigureOut">
               <a:rPr lang="zh-TW" altLang="en-US" smtClean="0"/>
-              <a:t>2020/6/25</a:t>
+              <a:t>2020/6/26</a:t>
             </a:fld>
             <a:endParaRPr lang="zh-TW" altLang="en-US"/>
           </a:p>
@@ -3734,7 +4076,7 @@
           <a:p>
             <a:fld id="{32E0DD32-1C3F-4C1E-A478-0B3C75426AC3}" type="datetimeFigureOut">
               <a:rPr lang="zh-TW" altLang="en-US" smtClean="0"/>
-              <a:t>2020/6/25</a:t>
+              <a:t>2020/6/26</a:t>
             </a:fld>
             <a:endParaRPr lang="zh-TW" altLang="en-US"/>
           </a:p>
@@ -3969,7 +4311,7 @@
           <a:p>
             <a:fld id="{32E0DD32-1C3F-4C1E-A478-0B3C75426AC3}" type="datetimeFigureOut">
               <a:rPr lang="zh-TW" altLang="en-US" smtClean="0"/>
-              <a:t>2020/6/25</a:t>
+              <a:t>2020/6/26</a:t>
             </a:fld>
             <a:endParaRPr lang="zh-TW" altLang="en-US"/>
           </a:p>
@@ -4209,7 +4551,7 @@
           <a:p>
             <a:fld id="{32E0DD32-1C3F-4C1E-A478-0B3C75426AC3}" type="datetimeFigureOut">
               <a:rPr lang="zh-TW" altLang="en-US" smtClean="0"/>
-              <a:t>2020/6/25</a:t>
+              <a:t>2020/6/26</a:t>
             </a:fld>
             <a:endParaRPr lang="zh-TW" altLang="en-US"/>
           </a:p>
@@ -4516,7 +4858,7 @@
           <a:p>
             <a:fld id="{32E0DD32-1C3F-4C1E-A478-0B3C75426AC3}" type="datetimeFigureOut">
               <a:rPr lang="zh-TW" altLang="en-US" smtClean="0"/>
-              <a:t>2020/6/25</a:t>
+              <a:t>2020/6/26</a:t>
             </a:fld>
             <a:endParaRPr lang="zh-TW" altLang="en-US"/>
           </a:p>
@@ -4818,7 +5160,7 @@
           <a:p>
             <a:fld id="{32E0DD32-1C3F-4C1E-A478-0B3C75426AC3}" type="datetimeFigureOut">
               <a:rPr lang="zh-TW" altLang="en-US" smtClean="0"/>
-              <a:t>2020/6/25</a:t>
+              <a:t>2020/6/26</a:t>
             </a:fld>
             <a:endParaRPr lang="zh-TW" altLang="en-US"/>
           </a:p>
@@ -5240,7 +5582,7 @@
           <a:p>
             <a:fld id="{32E0DD32-1C3F-4C1E-A478-0B3C75426AC3}" type="datetimeFigureOut">
               <a:rPr lang="zh-TW" altLang="en-US" smtClean="0"/>
-              <a:t>2020/6/25</a:t>
+              <a:t>2020/6/26</a:t>
             </a:fld>
             <a:endParaRPr lang="zh-TW" altLang="en-US"/>
           </a:p>
@@ -5402,7 +5744,7 @@
           <a:p>
             <a:fld id="{32E0DD32-1C3F-4C1E-A478-0B3C75426AC3}" type="datetimeFigureOut">
               <a:rPr lang="zh-TW" altLang="en-US" smtClean="0"/>
-              <a:t>2020/6/25</a:t>
+              <a:t>2020/6/26</a:t>
             </a:fld>
             <a:endParaRPr lang="zh-TW" altLang="en-US"/>
           </a:p>
@@ -5497,7 +5839,7 @@
           <a:p>
             <a:fld id="{32E0DD32-1C3F-4C1E-A478-0B3C75426AC3}" type="datetimeFigureOut">
               <a:rPr lang="zh-TW" altLang="en-US" smtClean="0"/>
-              <a:t>2020/6/25</a:t>
+              <a:t>2020/6/26</a:t>
             </a:fld>
             <a:endParaRPr lang="zh-TW" altLang="en-US"/>
           </a:p>
@@ -5875,7 +6217,7 @@
           <a:p>
             <a:fld id="{32E0DD32-1C3F-4C1E-A478-0B3C75426AC3}" type="datetimeFigureOut">
               <a:rPr lang="zh-TW" altLang="en-US" smtClean="0"/>
-              <a:t>2020/6/25</a:t>
+              <a:t>2020/6/26</a:t>
             </a:fld>
             <a:endParaRPr lang="zh-TW" altLang="en-US"/>
           </a:p>
@@ -6164,7 +6506,7 @@
           <a:p>
             <a:fld id="{32E0DD32-1C3F-4C1E-A478-0B3C75426AC3}" type="datetimeFigureOut">
               <a:rPr lang="zh-TW" altLang="en-US" smtClean="0"/>
-              <a:t>2020/6/25</a:t>
+              <a:t>2020/6/26</a:t>
             </a:fld>
             <a:endParaRPr lang="zh-TW" altLang="en-US"/>
           </a:p>
@@ -6375,7 +6717,7 @@
           <a:p>
             <a:fld id="{32E0DD32-1C3F-4C1E-A478-0B3C75426AC3}" type="datetimeFigureOut">
               <a:rPr lang="zh-TW" altLang="en-US" smtClean="0"/>
-              <a:t>2020/6/25</a:t>
+              <a:t>2020/6/26</a:t>
             </a:fld>
             <a:endParaRPr lang="zh-TW" altLang="en-US"/>
           </a:p>
@@ -7394,6 +7736,208 @@
             <p:ph type="title"/>
           </p:nvPr>
         </p:nvSpPr>
+        <p:spPr/>
+        <p:txBody>
+          <a:bodyPr>
+            <a:normAutofit/>
+          </a:bodyPr>
+          <a:lstStyle/>
+          <a:p>
+            <a:r>
+              <a:rPr lang="zh-TW" altLang="en-US" dirty="0"/>
+              <a:t>跑跑跑</a:t>
+            </a:r>
+          </a:p>
+        </p:txBody>
+      </p:sp>
+      <p:pic>
+        <p:nvPicPr>
+          <p:cNvPr id="5" name="內容版面配置區 4"/>
+          <p:cNvPicPr>
+            <a:picLocks noGrp="1" noChangeAspect="1"/>
+          </p:cNvPicPr>
+          <p:nvPr>
+            <p:ph idx="1"/>
+          </p:nvPr>
+        </p:nvPicPr>
+        <p:blipFill>
+          <a:blip r:embed="rId2">
+            <a:extLst>
+              <a:ext uri="{28A0092B-C50C-407E-A947-70E740481C1C}">
+                <a14:useLocalDpi xmlns:a14="http://schemas.microsoft.com/office/drawing/2010/main" val="0"/>
+              </a:ext>
+            </a:extLst>
+          </a:blip>
+          <a:stretch>
+            <a:fillRect/>
+          </a:stretch>
+        </p:blipFill>
+        <p:spPr>
+          <a:xfrm>
+            <a:off x="1909621" y="2151103"/>
+            <a:ext cx="2031746" cy="2031746"/>
+          </a:xfrm>
+        </p:spPr>
+      </p:pic>
+      <p:sp>
+        <p:nvSpPr>
+          <p:cNvPr id="4" name="文字版面配置區 3"/>
+          <p:cNvSpPr>
+            <a:spLocks noGrp="1"/>
+          </p:cNvSpPr>
+          <p:nvPr>
+            <p:ph type="body" sz="half" idx="2"/>
+          </p:nvPr>
+        </p:nvSpPr>
+        <p:spPr/>
+        <p:txBody>
+          <a:bodyPr>
+            <a:normAutofit/>
+          </a:bodyPr>
+          <a:lstStyle/>
+          <a:p>
+            <a:r>
+              <a:rPr lang="zh-TW" altLang="en-US" sz="3600" dirty="0"/>
+              <a:t>駱駝跑起來喇</a:t>
+            </a:r>
+            <a:r>
+              <a:rPr lang="en-US" altLang="zh-TW" sz="3600" dirty="0"/>
+              <a:t>~</a:t>
+            </a:r>
+            <a:endParaRPr lang="zh-TW" altLang="en-US" sz="3600" dirty="0"/>
+          </a:p>
+        </p:txBody>
+      </p:sp>
+      <p:pic>
+        <p:nvPicPr>
+          <p:cNvPr id="6" name="圖片 5"/>
+          <p:cNvPicPr>
+            <a:picLocks noChangeAspect="1"/>
+          </p:cNvPicPr>
+          <p:nvPr/>
+        </p:nvPicPr>
+        <p:blipFill>
+          <a:blip r:embed="rId3">
+            <a:extLst>
+              <a:ext uri="{28A0092B-C50C-407E-A947-70E740481C1C}">
+                <a14:useLocalDpi xmlns:a14="http://schemas.microsoft.com/office/drawing/2010/main" val="0"/>
+              </a:ext>
+            </a:extLst>
+          </a:blip>
+          <a:stretch>
+            <a:fillRect/>
+          </a:stretch>
+        </p:blipFill>
+        <p:spPr>
+          <a:xfrm>
+            <a:off x="3941367" y="2151103"/>
+            <a:ext cx="2031746" cy="2031746"/>
+          </a:xfrm>
+          <a:prstGeom prst="rect">
+            <a:avLst/>
+          </a:prstGeom>
+        </p:spPr>
+      </p:pic>
+      <p:pic>
+        <p:nvPicPr>
+          <p:cNvPr id="7" name="圖片 6"/>
+          <p:cNvPicPr>
+            <a:picLocks noChangeAspect="1"/>
+          </p:cNvPicPr>
+          <p:nvPr/>
+        </p:nvPicPr>
+        <p:blipFill>
+          <a:blip r:embed="rId4">
+            <a:extLst>
+              <a:ext uri="{28A0092B-C50C-407E-A947-70E740481C1C}">
+                <a14:useLocalDpi xmlns:a14="http://schemas.microsoft.com/office/drawing/2010/main" val="0"/>
+              </a:ext>
+            </a:extLst>
+          </a:blip>
+          <a:stretch>
+            <a:fillRect/>
+          </a:stretch>
+        </p:blipFill>
+        <p:spPr>
+          <a:xfrm>
+            <a:off x="6181871" y="2151103"/>
+            <a:ext cx="2031746" cy="2031746"/>
+          </a:xfrm>
+          <a:prstGeom prst="rect">
+            <a:avLst/>
+          </a:prstGeom>
+        </p:spPr>
+      </p:pic>
+      <p:pic>
+        <p:nvPicPr>
+          <p:cNvPr id="8" name="圖片 7"/>
+          <p:cNvPicPr>
+            <a:picLocks noChangeAspect="1"/>
+          </p:cNvPicPr>
+          <p:nvPr/>
+        </p:nvPicPr>
+        <p:blipFill>
+          <a:blip r:embed="rId5">
+            <a:extLst>
+              <a:ext uri="{28A0092B-C50C-407E-A947-70E740481C1C}">
+                <a14:useLocalDpi xmlns:a14="http://schemas.microsoft.com/office/drawing/2010/main" val="0"/>
+              </a:ext>
+            </a:extLst>
+          </a:blip>
+          <a:stretch>
+            <a:fillRect/>
+          </a:stretch>
+        </p:blipFill>
+        <p:spPr>
+          <a:xfrm>
+            <a:off x="8422375" y="2151103"/>
+            <a:ext cx="2031746" cy="2031746"/>
+          </a:xfrm>
+          <a:prstGeom prst="rect">
+            <a:avLst/>
+          </a:prstGeom>
+        </p:spPr>
+      </p:pic>
+    </p:spTree>
+    <p:extLst>
+      <p:ext uri="{BB962C8B-B14F-4D97-AF65-F5344CB8AC3E}">
+        <p14:creationId xmlns:p14="http://schemas.microsoft.com/office/powerpoint/2010/main" val="1970581000"/>
+      </p:ext>
+    </p:extLst>
+  </p:cSld>
+  <p:clrMapOvr>
+    <a:masterClrMapping/>
+  </p:clrMapOvr>
+</p:sld>
+</file>
+
+<file path=ppt/slides/slide11.xml><?xml version="1.0" encoding="utf-8"?>
+<p:sld xmlns:a="http://schemas.openxmlformats.org/drawingml/2006/main" xmlns:r="http://schemas.openxmlformats.org/officeDocument/2006/relationships" xmlns:p="http://schemas.openxmlformats.org/presentationml/2006/main">
+  <p:cSld>
+    <p:spTree>
+      <p:nvGrpSpPr>
+        <p:cNvPr id="1" name=""/>
+        <p:cNvGrpSpPr/>
+        <p:nvPr/>
+      </p:nvGrpSpPr>
+      <p:grpSpPr>
+        <a:xfrm>
+          <a:off x="0" y="0"/>
+          <a:ext cx="0" cy="0"/>
+          <a:chOff x="0" y="0"/>
+          <a:chExt cx="0" cy="0"/>
+        </a:xfrm>
+      </p:grpSpPr>
+      <p:sp>
+        <p:nvSpPr>
+          <p:cNvPr id="2" name="標題 1"/>
+          <p:cNvSpPr>
+            <a:spLocks noGrp="1"/>
+          </p:cNvSpPr>
+          <p:nvPr>
+            <p:ph type="title"/>
+          </p:nvPr>
+        </p:nvSpPr>
         <p:spPr>
           <a:xfrm>
             <a:off x="581193" y="5262296"/>
@@ -7581,7 +8125,7 @@
 </p:sld>
 </file>
 
-<file path=ppt/slides/slide11.xml><?xml version="1.0" encoding="utf-8"?>
+<file path=ppt/slides/slide12.xml><?xml version="1.0" encoding="utf-8"?>
 <p:sld xmlns:a="http://schemas.openxmlformats.org/drawingml/2006/main" xmlns:r="http://schemas.openxmlformats.org/officeDocument/2006/relationships" xmlns:p="http://schemas.openxmlformats.org/presentationml/2006/main">
   <p:cSld>
     <p:spTree>
@@ -7849,7 +8393,7 @@
 </p:sld>
 </file>
 
-<file path=ppt/slides/slide12.xml><?xml version="1.0" encoding="utf-8"?>
+<file path=ppt/slides/slide13.xml><?xml version="1.0" encoding="utf-8"?>
 <p:sld xmlns:a="http://schemas.openxmlformats.org/drawingml/2006/main" xmlns:r="http://schemas.openxmlformats.org/officeDocument/2006/relationships" xmlns:p="http://schemas.openxmlformats.org/presentationml/2006/main">
   <p:cSld>
     <p:spTree>
@@ -7966,7 +8510,7 @@
 </p:sld>
 </file>
 
-<file path=ppt/slides/slide13.xml><?xml version="1.0" encoding="utf-8"?>
+<file path=ppt/slides/slide14.xml><?xml version="1.0" encoding="utf-8"?>
 <p:sld xmlns:a="http://schemas.openxmlformats.org/drawingml/2006/main" xmlns:r="http://schemas.openxmlformats.org/officeDocument/2006/relationships" xmlns:p="http://schemas.openxmlformats.org/presentationml/2006/main">
   <p:cSld>
     <p:spTree>
@@ -8054,7 +8598,7 @@
 </p:sld>
 </file>
 
-<file path=ppt/slides/slide14.xml><?xml version="1.0" encoding="utf-8"?>
+<file path=ppt/slides/slide15.xml><?xml version="1.0" encoding="utf-8"?>
 <p:sld xmlns:a="http://schemas.openxmlformats.org/drawingml/2006/main" xmlns:r="http://schemas.openxmlformats.org/officeDocument/2006/relationships" xmlns:p="http://schemas.openxmlformats.org/presentationml/2006/main">
   <p:cSld>
     <p:spTree>
@@ -8408,7 +8952,7 @@
 </p:sld>
 </file>
 
-<file path=ppt/slides/slide15.xml><?xml version="1.0" encoding="utf-8"?>
+<file path=ppt/slides/slide16.xml><?xml version="1.0" encoding="utf-8"?>
 <p:sld xmlns:a="http://schemas.openxmlformats.org/drawingml/2006/main" xmlns:r="http://schemas.openxmlformats.org/officeDocument/2006/relationships" xmlns:p="http://schemas.openxmlformats.org/presentationml/2006/main">
   <p:cSld>
     <p:spTree>
@@ -8712,7 +9256,7 @@
 </p:sld>
 </file>
 
-<file path=ppt/slides/slide16.xml><?xml version="1.0" encoding="utf-8"?>
+<file path=ppt/slides/slide17.xml><?xml version="1.0" encoding="utf-8"?>
 <p:sld xmlns:a="http://schemas.openxmlformats.org/drawingml/2006/main" xmlns:r="http://schemas.openxmlformats.org/officeDocument/2006/relationships" xmlns:p="http://schemas.openxmlformats.org/presentationml/2006/main">
   <p:cSld>
     <p:spTree>
@@ -8793,87 +9337,6 @@
 </p:sld>
 </file>
 
-<file path=ppt/slides/slide17.xml><?xml version="1.0" encoding="utf-8"?>
-<p:sld xmlns:a="http://schemas.openxmlformats.org/drawingml/2006/main" xmlns:r="http://schemas.openxmlformats.org/officeDocument/2006/relationships" xmlns:p="http://schemas.openxmlformats.org/presentationml/2006/main">
-  <p:cSld>
-    <p:spTree>
-      <p:nvGrpSpPr>
-        <p:cNvPr id="1" name=""/>
-        <p:cNvGrpSpPr/>
-        <p:nvPr/>
-      </p:nvGrpSpPr>
-      <p:grpSpPr>
-        <a:xfrm>
-          <a:off x="0" y="0"/>
-          <a:ext cx="0" cy="0"/>
-          <a:chOff x="0" y="0"/>
-          <a:chExt cx="0" cy="0"/>
-        </a:xfrm>
-      </p:grpSpPr>
-      <p:sp>
-        <p:nvSpPr>
-          <p:cNvPr id="2" name="標題 1"/>
-          <p:cNvSpPr>
-            <a:spLocks noGrp="1"/>
-          </p:cNvSpPr>
-          <p:nvPr>
-            <p:ph type="title"/>
-          </p:nvPr>
-        </p:nvSpPr>
-        <p:spPr/>
-        <p:txBody>
-          <a:bodyPr>
-            <a:normAutofit/>
-          </a:bodyPr>
-          <a:lstStyle/>
-          <a:p>
-            <a:pPr algn="ctr"/>
-            <a:r>
-              <a:rPr lang="en-US" altLang="zh-TW" sz="8800" b="1" dirty="0"/>
-              <a:t>DEMO</a:t>
-            </a:r>
-            <a:endParaRPr lang="zh-TW" altLang="en-US" sz="8800" b="1" dirty="0"/>
-          </a:p>
-        </p:txBody>
-      </p:sp>
-      <p:sp>
-        <p:nvSpPr>
-          <p:cNvPr id="3" name="文字版面配置區 2"/>
-          <p:cNvSpPr>
-            <a:spLocks noGrp="1"/>
-          </p:cNvSpPr>
-          <p:nvPr>
-            <p:ph type="body" idx="1"/>
-          </p:nvPr>
-        </p:nvSpPr>
-        <p:spPr/>
-        <p:txBody>
-          <a:bodyPr>
-            <a:normAutofit/>
-          </a:bodyPr>
-          <a:lstStyle/>
-          <a:p>
-            <a:pPr algn="ctr"/>
-            <a:r>
-              <a:rPr lang="zh-TW" altLang="en-US" sz="2400" dirty="0"/>
-              <a:t>展示</a:t>
-            </a:r>
-          </a:p>
-        </p:txBody>
-      </p:sp>
-    </p:spTree>
-    <p:extLst>
-      <p:ext uri="{BB962C8B-B14F-4D97-AF65-F5344CB8AC3E}">
-        <p14:creationId xmlns:p14="http://schemas.microsoft.com/office/powerpoint/2010/main" val="989993130"/>
-      </p:ext>
-    </p:extLst>
-  </p:cSld>
-  <p:clrMapOvr>
-    <a:masterClrMapping/>
-  </p:clrMapOvr>
-</p:sld>
-</file>
-
 <file path=ppt/slides/slide18.xml><?xml version="1.0" encoding="utf-8"?>
 <p:sld xmlns:a="http://schemas.openxmlformats.org/drawingml/2006/main" xmlns:r="http://schemas.openxmlformats.org/officeDocument/2006/relationships" xmlns:p="http://schemas.openxmlformats.org/presentationml/2006/main">
   <p:cSld>
@@ -8911,6 +9374,87 @@
             <a:pPr algn="ctr"/>
             <a:r>
               <a:rPr lang="en-US" altLang="zh-TW" sz="8800" b="1" dirty="0"/>
+              <a:t>DEMO</a:t>
+            </a:r>
+            <a:endParaRPr lang="zh-TW" altLang="en-US" sz="8800" b="1" dirty="0"/>
+          </a:p>
+        </p:txBody>
+      </p:sp>
+      <p:sp>
+        <p:nvSpPr>
+          <p:cNvPr id="3" name="文字版面配置區 2"/>
+          <p:cNvSpPr>
+            <a:spLocks noGrp="1"/>
+          </p:cNvSpPr>
+          <p:nvPr>
+            <p:ph type="body" idx="1"/>
+          </p:nvPr>
+        </p:nvSpPr>
+        <p:spPr/>
+        <p:txBody>
+          <a:bodyPr>
+            <a:normAutofit/>
+          </a:bodyPr>
+          <a:lstStyle/>
+          <a:p>
+            <a:pPr algn="ctr"/>
+            <a:r>
+              <a:rPr lang="zh-TW" altLang="en-US" sz="2400" dirty="0"/>
+              <a:t>展示</a:t>
+            </a:r>
+          </a:p>
+        </p:txBody>
+      </p:sp>
+    </p:spTree>
+    <p:extLst>
+      <p:ext uri="{BB962C8B-B14F-4D97-AF65-F5344CB8AC3E}">
+        <p14:creationId xmlns:p14="http://schemas.microsoft.com/office/powerpoint/2010/main" val="989993130"/>
+      </p:ext>
+    </p:extLst>
+  </p:cSld>
+  <p:clrMapOvr>
+    <a:masterClrMapping/>
+  </p:clrMapOvr>
+</p:sld>
+</file>
+
+<file path=ppt/slides/slide19.xml><?xml version="1.0" encoding="utf-8"?>
+<p:sld xmlns:a="http://schemas.openxmlformats.org/drawingml/2006/main" xmlns:r="http://schemas.openxmlformats.org/officeDocument/2006/relationships" xmlns:p="http://schemas.openxmlformats.org/presentationml/2006/main">
+  <p:cSld>
+    <p:spTree>
+      <p:nvGrpSpPr>
+        <p:cNvPr id="1" name=""/>
+        <p:cNvGrpSpPr/>
+        <p:nvPr/>
+      </p:nvGrpSpPr>
+      <p:grpSpPr>
+        <a:xfrm>
+          <a:off x="0" y="0"/>
+          <a:ext cx="0" cy="0"/>
+          <a:chOff x="0" y="0"/>
+          <a:chExt cx="0" cy="0"/>
+        </a:xfrm>
+      </p:grpSpPr>
+      <p:sp>
+        <p:nvSpPr>
+          <p:cNvPr id="2" name="標題 1"/>
+          <p:cNvSpPr>
+            <a:spLocks noGrp="1"/>
+          </p:cNvSpPr>
+          <p:nvPr>
+            <p:ph type="title"/>
+          </p:nvPr>
+        </p:nvSpPr>
+        <p:spPr/>
+        <p:txBody>
+          <a:bodyPr>
+            <a:normAutofit/>
+          </a:bodyPr>
+          <a:lstStyle/>
+          <a:p>
+            <a:pPr algn="ctr"/>
+            <a:r>
+              <a:rPr lang="en-US" altLang="zh-TW" sz="8800" b="1" dirty="0"/>
               <a:t>UML</a:t>
             </a:r>
             <a:endParaRPr lang="zh-TW" altLang="en-US" sz="8800" b="1" dirty="0"/>
@@ -8955,7 +9499,122 @@
 </p:sld>
 </file>
 
-<file path=ppt/slides/slide19.xml><?xml version="1.0" encoding="utf-8"?>
+<file path=ppt/slides/slide2.xml><?xml version="1.0" encoding="utf-8"?>
+<p:sld xmlns:a="http://schemas.openxmlformats.org/drawingml/2006/main" xmlns:r="http://schemas.openxmlformats.org/officeDocument/2006/relationships" xmlns:p="http://schemas.openxmlformats.org/presentationml/2006/main">
+  <p:cSld>
+    <p:spTree>
+      <p:nvGrpSpPr>
+        <p:cNvPr id="1" name=""/>
+        <p:cNvGrpSpPr/>
+        <p:nvPr/>
+      </p:nvGrpSpPr>
+      <p:grpSpPr>
+        <a:xfrm>
+          <a:off x="0" y="0"/>
+          <a:ext cx="0" cy="0"/>
+          <a:chOff x="0" y="0"/>
+          <a:chExt cx="0" cy="0"/>
+        </a:xfrm>
+      </p:grpSpPr>
+      <p:sp>
+        <p:nvSpPr>
+          <p:cNvPr id="2" name="標題 1"/>
+          <p:cNvSpPr>
+            <a:spLocks noGrp="1"/>
+          </p:cNvSpPr>
+          <p:nvPr>
+            <p:ph type="title"/>
+          </p:nvPr>
+        </p:nvSpPr>
+        <p:spPr/>
+        <p:txBody>
+          <a:bodyPr>
+            <a:normAutofit/>
+          </a:bodyPr>
+          <a:lstStyle/>
+          <a:p>
+            <a:pPr algn="ctr"/>
+            <a:r>
+              <a:rPr lang="zh-TW" altLang="en-US" sz="4800" b="1" dirty="0"/>
+              <a:t>簡介</a:t>
+            </a:r>
+          </a:p>
+        </p:txBody>
+      </p:sp>
+      <p:sp>
+        <p:nvSpPr>
+          <p:cNvPr id="3" name="內容版面配置區 2"/>
+          <p:cNvSpPr>
+            <a:spLocks noGrp="1"/>
+          </p:cNvSpPr>
+          <p:nvPr>
+            <p:ph sz="half" idx="1"/>
+          </p:nvPr>
+        </p:nvSpPr>
+        <p:spPr/>
+        <p:txBody>
+          <a:bodyPr>
+            <a:normAutofit/>
+          </a:bodyPr>
+          <a:lstStyle/>
+          <a:p>
+            <a:r>
+              <a:rPr lang="zh-TW" altLang="en-US" sz="2400" dirty="0"/>
+              <a:t>亂吃來路不明的水果，會發生什麼有趣的事呢？</a:t>
+            </a:r>
+            <a:endParaRPr lang="en-US" altLang="zh-TW" sz="2400" dirty="0"/>
+          </a:p>
+          <a:p>
+            <a:r>
+              <a:rPr lang="zh-TW" altLang="en-US" sz="2400" dirty="0"/>
+              <a:t>在沙漠中，會遇見什麼？</a:t>
+            </a:r>
+          </a:p>
+        </p:txBody>
+      </p:sp>
+      <p:pic>
+        <p:nvPicPr>
+          <p:cNvPr id="5" name="內容版面配置區 4"/>
+          <p:cNvPicPr>
+            <a:picLocks noGrp="1" noChangeAspect="1"/>
+          </p:cNvPicPr>
+          <p:nvPr>
+            <p:ph sz="half" idx="2"/>
+          </p:nvPr>
+        </p:nvPicPr>
+        <p:blipFill>
+          <a:blip r:embed="rId2" cstate="print">
+            <a:extLst>
+              <a:ext uri="{28A0092B-C50C-407E-A947-70E740481C1C}">
+                <a14:useLocalDpi xmlns:a14="http://schemas.microsoft.com/office/drawing/2010/main" val="0"/>
+              </a:ext>
+            </a:extLst>
+          </a:blip>
+          <a:stretch>
+            <a:fillRect/>
+          </a:stretch>
+        </p:blipFill>
+        <p:spPr>
+          <a:xfrm>
+            <a:off x="6188075" y="3073164"/>
+            <a:ext cx="5422900" cy="1941984"/>
+          </a:xfrm>
+        </p:spPr>
+      </p:pic>
+    </p:spTree>
+    <p:extLst>
+      <p:ext uri="{BB962C8B-B14F-4D97-AF65-F5344CB8AC3E}">
+        <p14:creationId xmlns:p14="http://schemas.microsoft.com/office/powerpoint/2010/main" val="2518679045"/>
+      </p:ext>
+    </p:extLst>
+  </p:cSld>
+  <p:clrMapOvr>
+    <a:masterClrMapping/>
+  </p:clrMapOvr>
+</p:sld>
+</file>
+
+<file path=ppt/slides/slide20.xml><?xml version="1.0" encoding="utf-8"?>
 <p:sld xmlns:a="http://schemas.openxmlformats.org/drawingml/2006/main" xmlns:r="http://schemas.openxmlformats.org/officeDocument/2006/relationships" xmlns:p="http://schemas.openxmlformats.org/presentationml/2006/main">
   <p:cSld>
     <p:spTree>
@@ -9026,206 +9685,6 @@
 </p:sld>
 </file>
 
-<file path=ppt/slides/slide2.xml><?xml version="1.0" encoding="utf-8"?>
-<p:sld xmlns:a="http://schemas.openxmlformats.org/drawingml/2006/main" xmlns:r="http://schemas.openxmlformats.org/officeDocument/2006/relationships" xmlns:p="http://schemas.openxmlformats.org/presentationml/2006/main">
-  <p:cSld>
-    <p:spTree>
-      <p:nvGrpSpPr>
-        <p:cNvPr id="1" name=""/>
-        <p:cNvGrpSpPr/>
-        <p:nvPr/>
-      </p:nvGrpSpPr>
-      <p:grpSpPr>
-        <a:xfrm>
-          <a:off x="0" y="0"/>
-          <a:ext cx="0" cy="0"/>
-          <a:chOff x="0" y="0"/>
-          <a:chExt cx="0" cy="0"/>
-        </a:xfrm>
-      </p:grpSpPr>
-      <p:sp>
-        <p:nvSpPr>
-          <p:cNvPr id="2" name="標題 1"/>
-          <p:cNvSpPr>
-            <a:spLocks noGrp="1"/>
-          </p:cNvSpPr>
-          <p:nvPr>
-            <p:ph type="title"/>
-          </p:nvPr>
-        </p:nvSpPr>
-        <p:spPr/>
-        <p:txBody>
-          <a:bodyPr>
-            <a:normAutofit/>
-          </a:bodyPr>
-          <a:lstStyle/>
-          <a:p>
-            <a:pPr algn="ctr"/>
-            <a:r>
-              <a:rPr lang="zh-TW" altLang="en-US" sz="4800" b="1" dirty="0"/>
-              <a:t>簡介</a:t>
-            </a:r>
-          </a:p>
-        </p:txBody>
-      </p:sp>
-      <p:sp>
-        <p:nvSpPr>
-          <p:cNvPr id="3" name="內容版面配置區 2"/>
-          <p:cNvSpPr>
-            <a:spLocks noGrp="1"/>
-          </p:cNvSpPr>
-          <p:nvPr>
-            <p:ph sz="half" idx="1"/>
-          </p:nvPr>
-        </p:nvSpPr>
-        <p:spPr/>
-        <p:txBody>
-          <a:bodyPr>
-            <a:normAutofit/>
-          </a:bodyPr>
-          <a:lstStyle/>
-          <a:p>
-            <a:r>
-              <a:rPr lang="zh-TW" altLang="en-US" sz="2400" dirty="0"/>
-              <a:t>亂吃來路不明的水果，會發生什麼有趣的事呢？</a:t>
-            </a:r>
-            <a:endParaRPr lang="en-US" altLang="zh-TW" sz="2400" dirty="0"/>
-          </a:p>
-          <a:p>
-            <a:r>
-              <a:rPr lang="zh-TW" altLang="en-US" sz="2400" dirty="0"/>
-              <a:t>在沙漠中，會遇見什麼？</a:t>
-            </a:r>
-          </a:p>
-        </p:txBody>
-      </p:sp>
-      <p:pic>
-        <p:nvPicPr>
-          <p:cNvPr id="5" name="內容版面配置區 4"/>
-          <p:cNvPicPr>
-            <a:picLocks noGrp="1" noChangeAspect="1"/>
-          </p:cNvPicPr>
-          <p:nvPr>
-            <p:ph sz="half" idx="2"/>
-          </p:nvPr>
-        </p:nvPicPr>
-        <p:blipFill>
-          <a:blip r:embed="rId2" cstate="print">
-            <a:extLst>
-              <a:ext uri="{28A0092B-C50C-407E-A947-70E740481C1C}">
-                <a14:useLocalDpi xmlns:a14="http://schemas.microsoft.com/office/drawing/2010/main" val="0"/>
-              </a:ext>
-            </a:extLst>
-          </a:blip>
-          <a:stretch>
-            <a:fillRect/>
-          </a:stretch>
-        </p:blipFill>
-        <p:spPr>
-          <a:xfrm>
-            <a:off x="6188075" y="3073164"/>
-            <a:ext cx="5422900" cy="1941984"/>
-          </a:xfrm>
-        </p:spPr>
-      </p:pic>
-    </p:spTree>
-    <p:extLst>
-      <p:ext uri="{BB962C8B-B14F-4D97-AF65-F5344CB8AC3E}">
-        <p14:creationId xmlns:p14="http://schemas.microsoft.com/office/powerpoint/2010/main" val="2518679045"/>
-      </p:ext>
-    </p:extLst>
-  </p:cSld>
-  <p:clrMapOvr>
-    <a:masterClrMapping/>
-  </p:clrMapOvr>
-</p:sld>
-</file>
-
-<file path=ppt/slides/slide20.xml><?xml version="1.0" encoding="utf-8"?>
-<p:sld xmlns:a="http://schemas.openxmlformats.org/drawingml/2006/main" xmlns:r="http://schemas.openxmlformats.org/officeDocument/2006/relationships" xmlns:p="http://schemas.openxmlformats.org/presentationml/2006/main">
-  <p:cSld>
-    <p:spTree>
-      <p:nvGrpSpPr>
-        <p:cNvPr id="1" name=""/>
-        <p:cNvGrpSpPr/>
-        <p:nvPr/>
-      </p:nvGrpSpPr>
-      <p:grpSpPr>
-        <a:xfrm>
-          <a:off x="0" y="0"/>
-          <a:ext cx="0" cy="0"/>
-          <a:chOff x="0" y="0"/>
-          <a:chExt cx="0" cy="0"/>
-        </a:xfrm>
-      </p:grpSpPr>
-      <p:sp>
-        <p:nvSpPr>
-          <p:cNvPr id="2" name="標題 1"/>
-          <p:cNvSpPr>
-            <a:spLocks noGrp="1"/>
-          </p:cNvSpPr>
-          <p:nvPr>
-            <p:ph type="title"/>
-          </p:nvPr>
-        </p:nvSpPr>
-        <p:spPr/>
-        <p:txBody>
-          <a:bodyPr>
-            <a:noAutofit/>
-          </a:bodyPr>
-          <a:lstStyle/>
-          <a:p>
-            <a:pPr algn="ctr"/>
-            <a:r>
-              <a:rPr lang="zh-TW" altLang="en-US" sz="9600" b="1" dirty="0"/>
-              <a:t>問題紀錄</a:t>
-            </a:r>
-          </a:p>
-        </p:txBody>
-      </p:sp>
-      <p:sp>
-        <p:nvSpPr>
-          <p:cNvPr id="3" name="文字版面配置區 2"/>
-          <p:cNvSpPr>
-            <a:spLocks noGrp="1"/>
-          </p:cNvSpPr>
-          <p:nvPr>
-            <p:ph type="body" idx="1"/>
-          </p:nvPr>
-        </p:nvSpPr>
-        <p:spPr/>
-        <p:txBody>
-          <a:bodyPr>
-            <a:normAutofit/>
-          </a:bodyPr>
-          <a:lstStyle/>
-          <a:p>
-            <a:pPr algn="ctr"/>
-            <a:r>
-              <a:rPr lang="zh-TW" altLang="en-US" sz="2400" dirty="0"/>
-              <a:t>發生了許多無理取鬧的問題</a:t>
-            </a:r>
-            <a:r>
-              <a:rPr lang="en-US" altLang="zh-TW" sz="2400" dirty="0"/>
-              <a:t>…</a:t>
-            </a:r>
-            <a:endParaRPr lang="zh-TW" altLang="en-US" sz="2400" dirty="0"/>
-          </a:p>
-        </p:txBody>
-      </p:sp>
-    </p:spTree>
-    <p:extLst>
-      <p:ext uri="{BB962C8B-B14F-4D97-AF65-F5344CB8AC3E}">
-        <p14:creationId xmlns:p14="http://schemas.microsoft.com/office/powerpoint/2010/main" val="2101376914"/>
-      </p:ext>
-    </p:extLst>
-  </p:cSld>
-  <p:clrMapOvr>
-    <a:masterClrMapping/>
-  </p:clrMapOvr>
-</p:sld>
-</file>
-
 <file path=ppt/slides/slide21.xml><?xml version="1.0" encoding="utf-8"?>
 <p:sld xmlns:a="http://schemas.openxmlformats.org/drawingml/2006/main" xmlns:r="http://schemas.openxmlformats.org/officeDocument/2006/relationships" xmlns:p="http://schemas.openxmlformats.org/presentationml/2006/main">
   <p:cSld>
@@ -9256,169 +9715,26 @@
         <p:spPr/>
         <p:txBody>
           <a:bodyPr>
-            <a:normAutofit/>
+            <a:noAutofit/>
           </a:bodyPr>
           <a:lstStyle/>
           <a:p>
             <a:pPr algn="ctr"/>
             <a:r>
-              <a:rPr lang="en-US" altLang="zh-TW" sz="4800" dirty="0"/>
-              <a:t>IN</a:t>
-            </a:r>
-            <a:r>
-              <a:rPr lang="zh-TW" altLang="en-US" sz="4800" dirty="0"/>
-              <a:t> </a:t>
-            </a:r>
-            <a:r>
-              <a:rPr lang="en-US" altLang="zh-TW" sz="4800" b="1" dirty="0"/>
-              <a:t>GUI</a:t>
-            </a:r>
-            <a:endParaRPr lang="zh-TW" altLang="en-US" sz="4800" b="1" dirty="0"/>
-          </a:p>
-        </p:txBody>
-      </p:sp>
-      <p:sp>
-        <p:nvSpPr>
-          <p:cNvPr id="6" name="文字版面配置區 5"/>
+              <a:rPr lang="zh-TW" altLang="en-US" sz="9600" b="1" dirty="0"/>
+              <a:t>問題紀錄</a:t>
+            </a:r>
+          </a:p>
+        </p:txBody>
+      </p:sp>
+      <p:sp>
+        <p:nvSpPr>
+          <p:cNvPr id="3" name="文字版面配置區 2"/>
           <p:cNvSpPr>
             <a:spLocks noGrp="1"/>
           </p:cNvSpPr>
           <p:nvPr>
             <p:ph type="body" idx="1"/>
-          </p:nvPr>
-        </p:nvSpPr>
-        <p:spPr/>
-        <p:txBody>
-          <a:bodyPr/>
-          <a:lstStyle/>
-          <a:p>
-            <a:r>
-              <a:rPr lang="zh-TW" altLang="en-US" sz="2400" dirty="0"/>
-              <a:t>已解決</a:t>
-            </a:r>
-          </a:p>
-        </p:txBody>
-      </p:sp>
-      <p:sp>
-        <p:nvSpPr>
-          <p:cNvPr id="7" name="內容版面配置區 6"/>
-          <p:cNvSpPr>
-            <a:spLocks noGrp="1"/>
-          </p:cNvSpPr>
-          <p:nvPr>
-            <p:ph sz="half" idx="2"/>
-          </p:nvPr>
-        </p:nvSpPr>
-        <p:spPr/>
-        <p:txBody>
-          <a:bodyPr>
-            <a:normAutofit lnSpcReduction="10000"/>
-          </a:bodyPr>
-          <a:lstStyle/>
-          <a:p>
-            <a:r>
-              <a:rPr lang="zh-TW" altLang="en-US" sz="2400" dirty="0"/>
-              <a:t>排版問題，無法把選單放在正中間，並將按鈕以垂直排列。</a:t>
-            </a:r>
-            <a:endParaRPr lang="en-US" altLang="zh-TW" sz="2400" dirty="0"/>
-          </a:p>
-          <a:p>
-            <a:pPr lvl="1"/>
-            <a:r>
-              <a:rPr lang="zh-TW" altLang="en-US" sz="2200" dirty="0"/>
-              <a:t>學新的 </a:t>
-            </a:r>
-            <a:r>
-              <a:rPr lang="en-US" altLang="zh-TW" sz="2200" dirty="0"/>
-              <a:t>Layout</a:t>
-            </a:r>
-          </a:p>
-          <a:p>
-            <a:r>
-              <a:rPr lang="zh-TW" altLang="en-US" sz="2400" dirty="0"/>
-              <a:t>預設按鈕很醜</a:t>
-            </a:r>
-            <a:endParaRPr lang="en-US" altLang="zh-TW" sz="2400" dirty="0"/>
-          </a:p>
-          <a:p>
-            <a:pPr lvl="1"/>
-            <a:r>
-              <a:rPr lang="zh-TW" altLang="en-US" sz="2200" dirty="0"/>
-              <a:t>重寫一個繼承 </a:t>
-            </a:r>
-            <a:r>
-              <a:rPr lang="en-US" altLang="zh-TW" sz="2200" dirty="0" err="1"/>
-              <a:t>JButton</a:t>
-            </a:r>
-            <a:r>
-              <a:rPr lang="zh-TW" altLang="en-US" sz="2200" dirty="0"/>
-              <a:t>的自訂按鈕</a:t>
-            </a:r>
-            <a:endParaRPr lang="en-US" altLang="zh-TW" sz="2200" dirty="0"/>
-          </a:p>
-          <a:p>
-            <a:pPr lvl="1"/>
-            <a:r>
-              <a:rPr lang="zh-TW" altLang="en-US" sz="2200" dirty="0"/>
-              <a:t>原來調整大小的方法 </a:t>
-            </a:r>
-            <a:r>
-              <a:rPr lang="en-US" altLang="zh-TW" sz="2200" dirty="0"/>
-              <a:t>ex. </a:t>
-            </a:r>
-            <a:r>
-              <a:rPr lang="en-US" altLang="zh-TW" sz="2200" dirty="0" err="1"/>
-              <a:t>setSize</a:t>
-            </a:r>
-            <a:r>
-              <a:rPr lang="en-US" altLang="zh-TW" sz="2200" dirty="0"/>
-              <a:t>()</a:t>
-            </a:r>
-            <a:r>
-              <a:rPr lang="zh-TW" altLang="en-US" sz="2200" dirty="0"/>
-              <a:t>，在有設定 </a:t>
-            </a:r>
-            <a:r>
-              <a:rPr lang="en-US" altLang="zh-TW" sz="2200" dirty="0"/>
-              <a:t>Layout</a:t>
-            </a:r>
-            <a:r>
-              <a:rPr lang="zh-TW" altLang="en-US" sz="2200" dirty="0"/>
-              <a:t> 的情形下會失效。</a:t>
-            </a:r>
-          </a:p>
-        </p:txBody>
-      </p:sp>
-      <p:sp>
-        <p:nvSpPr>
-          <p:cNvPr id="8" name="文字版面配置區 7"/>
-          <p:cNvSpPr>
-            <a:spLocks noGrp="1"/>
-          </p:cNvSpPr>
-          <p:nvPr>
-            <p:ph type="body" sz="quarter" idx="3"/>
-          </p:nvPr>
-        </p:nvSpPr>
-        <p:spPr/>
-        <p:txBody>
-          <a:bodyPr/>
-          <a:lstStyle/>
-          <a:p>
-            <a:r>
-              <a:rPr lang="zh-TW" altLang="en-US" sz="2400" dirty="0"/>
-              <a:t>無法解決</a:t>
-            </a:r>
-          </a:p>
-        </p:txBody>
-      </p:sp>
-      <p:sp>
-        <p:nvSpPr>
-          <p:cNvPr id="9" name="內容版面配置區 8"/>
-          <p:cNvSpPr>
-            <a:spLocks noGrp="1"/>
-          </p:cNvSpPr>
-          <p:nvPr>
-            <p:ph sz="quarter" idx="4"/>
           </p:nvPr>
         </p:nvSpPr>
         <p:spPr/>
@@ -9428,41 +9744,23 @@
           </a:bodyPr>
           <a:lstStyle/>
           <a:p>
+            <a:pPr algn="ctr"/>
             <a:r>
               <a:rPr lang="zh-TW" altLang="en-US" sz="2400" dirty="0"/>
-              <a:t>本來在遊戲載入前，放置一個</a:t>
+              <a:t>發生了許多無理取鬧的問題</a:t>
             </a:r>
             <a:r>
               <a:rPr lang="en-US" altLang="zh-TW" sz="2400" dirty="0"/>
-              <a:t>Loading…</a:t>
-            </a:r>
-            <a:r>
-              <a:rPr lang="zh-TW" altLang="en-US" sz="2400" dirty="0"/>
-              <a:t> 的 </a:t>
-            </a:r>
-            <a:r>
-              <a:rPr lang="en-US" altLang="zh-TW" sz="2400" dirty="0"/>
-              <a:t>Panel</a:t>
-            </a:r>
-            <a:r>
-              <a:rPr lang="zh-TW" altLang="en-US" sz="2400" dirty="0"/>
-              <a:t>，卻無法顯示</a:t>
-            </a:r>
-            <a:endParaRPr lang="en-US" altLang="zh-TW" sz="2400" dirty="0"/>
-          </a:p>
-          <a:p>
-            <a:pPr lvl="1"/>
-            <a:r>
-              <a:rPr lang="zh-TW" altLang="en-US" sz="2200" dirty="0"/>
-              <a:t>刪除此頁面</a:t>
-            </a:r>
+              <a:t>…</a:t>
+            </a:r>
+            <a:endParaRPr lang="zh-TW" altLang="en-US" sz="2400" dirty="0"/>
           </a:p>
         </p:txBody>
       </p:sp>
     </p:spTree>
     <p:extLst>
       <p:ext uri="{BB962C8B-B14F-4D97-AF65-F5344CB8AC3E}">
-        <p14:creationId xmlns:p14="http://schemas.microsoft.com/office/powerpoint/2010/main" val="2889762921"/>
+        <p14:creationId xmlns:p14="http://schemas.microsoft.com/office/powerpoint/2010/main" val="2101376914"/>
       </p:ext>
     </p:extLst>
   </p:cSld>
@@ -9509,11 +9807,15 @@
             <a:pPr algn="ctr"/>
             <a:r>
               <a:rPr lang="en-US" altLang="zh-TW" sz="4800" dirty="0"/>
-              <a:t>In </a:t>
+              <a:t>IN</a:t>
+            </a:r>
+            <a:r>
+              <a:rPr lang="zh-TW" altLang="en-US" sz="4800" dirty="0"/>
+              <a:t> </a:t>
             </a:r>
             <a:r>
               <a:rPr lang="en-US" altLang="zh-TW" sz="4800" b="1" dirty="0"/>
-              <a:t>game</a:t>
+              <a:t>GUI</a:t>
             </a:r>
             <a:endParaRPr lang="zh-TW" altLang="en-US" sz="4800" b="1" dirty="0"/>
           </a:p>
@@ -9521,7 +9823,7 @@
       </p:sp>
       <p:sp>
         <p:nvSpPr>
-          <p:cNvPr id="3" name="文字版面配置區 2"/>
+          <p:cNvPr id="6" name="文字版面配置區 5"/>
           <p:cNvSpPr>
             <a:spLocks noGrp="1"/>
           </p:cNvSpPr>
@@ -9543,12 +9845,124 @@
       </p:sp>
       <p:sp>
         <p:nvSpPr>
-          <p:cNvPr id="4" name="內容版面配置區 3"/>
+          <p:cNvPr id="7" name="內容版面配置區 6"/>
           <p:cNvSpPr>
             <a:spLocks noGrp="1"/>
           </p:cNvSpPr>
           <p:nvPr>
             <p:ph sz="half" idx="2"/>
+          </p:nvPr>
+        </p:nvSpPr>
+        <p:spPr/>
+        <p:txBody>
+          <a:bodyPr>
+            <a:normAutofit lnSpcReduction="10000"/>
+          </a:bodyPr>
+          <a:lstStyle/>
+          <a:p>
+            <a:r>
+              <a:rPr lang="zh-TW" altLang="en-US" sz="2400" dirty="0"/>
+              <a:t>排版問題，無法把選單放在正中間，並將按鈕以垂直排列。</a:t>
+            </a:r>
+            <a:endParaRPr lang="en-US" altLang="zh-TW" sz="2400" dirty="0"/>
+          </a:p>
+          <a:p>
+            <a:pPr lvl="1"/>
+            <a:r>
+              <a:rPr lang="zh-TW" altLang="en-US" sz="2200" dirty="0"/>
+              <a:t>學新的 </a:t>
+            </a:r>
+            <a:r>
+              <a:rPr lang="en-US" altLang="zh-TW" sz="2200" dirty="0"/>
+              <a:t>Layout</a:t>
+            </a:r>
+          </a:p>
+          <a:p>
+            <a:r>
+              <a:rPr lang="zh-TW" altLang="en-US" sz="2400" dirty="0"/>
+              <a:t>預設按鈕很醜</a:t>
+            </a:r>
+            <a:endParaRPr lang="en-US" altLang="zh-TW" sz="2400" dirty="0"/>
+          </a:p>
+          <a:p>
+            <a:pPr lvl="1"/>
+            <a:r>
+              <a:rPr lang="zh-TW" altLang="en-US" sz="2200" dirty="0"/>
+              <a:t>重寫一個繼承 </a:t>
+            </a:r>
+            <a:r>
+              <a:rPr lang="en-US" altLang="zh-TW" sz="2200" dirty="0" err="1"/>
+              <a:t>JButton</a:t>
+            </a:r>
+            <a:r>
+              <a:rPr lang="zh-TW" altLang="en-US" sz="2200" dirty="0"/>
+              <a:t>的自訂按鈕</a:t>
+            </a:r>
+            <a:endParaRPr lang="en-US" altLang="zh-TW" sz="2200" dirty="0"/>
+          </a:p>
+          <a:p>
+            <a:pPr lvl="1"/>
+            <a:r>
+              <a:rPr lang="zh-TW" altLang="en-US" sz="2200" dirty="0"/>
+              <a:t>原來調整大小的方法 </a:t>
+            </a:r>
+            <a:r>
+              <a:rPr lang="en-US" altLang="zh-TW" sz="2200" dirty="0"/>
+              <a:t>ex. </a:t>
+            </a:r>
+            <a:r>
+              <a:rPr lang="en-US" altLang="zh-TW" sz="2200" dirty="0" err="1"/>
+              <a:t>setSize</a:t>
+            </a:r>
+            <a:r>
+              <a:rPr lang="en-US" altLang="zh-TW" sz="2200" dirty="0"/>
+              <a:t>()</a:t>
+            </a:r>
+            <a:r>
+              <a:rPr lang="zh-TW" altLang="en-US" sz="2200" dirty="0"/>
+              <a:t>，在有設定 </a:t>
+            </a:r>
+            <a:r>
+              <a:rPr lang="en-US" altLang="zh-TW" sz="2200" dirty="0"/>
+              <a:t>Layout</a:t>
+            </a:r>
+            <a:r>
+              <a:rPr lang="zh-TW" altLang="en-US" sz="2200" dirty="0"/>
+              <a:t> 的情形下會失效。</a:t>
+            </a:r>
+          </a:p>
+        </p:txBody>
+      </p:sp>
+      <p:sp>
+        <p:nvSpPr>
+          <p:cNvPr id="8" name="文字版面配置區 7"/>
+          <p:cNvSpPr>
+            <a:spLocks noGrp="1"/>
+          </p:cNvSpPr>
+          <p:nvPr>
+            <p:ph type="body" sz="quarter" idx="3"/>
+          </p:nvPr>
+        </p:nvSpPr>
+        <p:spPr/>
+        <p:txBody>
+          <a:bodyPr/>
+          <a:lstStyle/>
+          <a:p>
+            <a:r>
+              <a:rPr lang="zh-TW" altLang="en-US" sz="2400" dirty="0"/>
+              <a:t>無法解決</a:t>
+            </a:r>
+          </a:p>
+        </p:txBody>
+      </p:sp>
+      <p:sp>
+        <p:nvSpPr>
+          <p:cNvPr id="9" name="內容版面配置區 8"/>
+          <p:cNvSpPr>
+            <a:spLocks noGrp="1"/>
+          </p:cNvSpPr>
+          <p:nvPr>
+            <p:ph sz="quarter" idx="4"/>
           </p:nvPr>
         </p:nvSpPr>
         <p:spPr/>
@@ -9560,7 +9974,23 @@
           <a:p>
             <a:r>
               <a:rPr lang="zh-TW" altLang="en-US" sz="2400" dirty="0"/>
-              <a:t>背景音樂無法同時進行</a:t>
+              <a:t>本來在遊戲載入前，放置一個</a:t>
+            </a:r>
+            <a:r>
+              <a:rPr lang="en-US" altLang="zh-TW" sz="2400" dirty="0"/>
+              <a:t>Loading…</a:t>
+            </a:r>
+            <a:r>
+              <a:rPr lang="zh-TW" altLang="en-US" sz="2400" dirty="0"/>
+              <a:t> 的 </a:t>
+            </a:r>
+            <a:r>
+              <a:rPr lang="en-US" altLang="zh-TW" sz="2400" dirty="0"/>
+              <a:t>Panel</a:t>
+            </a:r>
+            <a:r>
+              <a:rPr lang="zh-TW" altLang="en-US" sz="2400" dirty="0"/>
+              <a:t>，卻無法顯示</a:t>
             </a:r>
             <a:endParaRPr lang="en-US" altLang="zh-TW" sz="2400" dirty="0"/>
           </a:p>
@@ -9568,149 +9998,15 @@
             <a:pPr lvl="1"/>
             <a:r>
               <a:rPr lang="zh-TW" altLang="en-US" sz="2200" dirty="0"/>
-              <a:t>原先使用 </a:t>
-            </a:r>
-            <a:r>
-              <a:rPr lang="en-US" altLang="zh-TW" sz="2200" dirty="0"/>
-              <a:t>applet</a:t>
-            </a:r>
-            <a:r>
-              <a:rPr lang="zh-TW" altLang="en-US" sz="2200" dirty="0"/>
-              <a:t> 最後使用 </a:t>
-            </a:r>
-            <a:r>
-              <a:rPr lang="en-US" altLang="zh-TW" sz="2200" dirty="0"/>
-              <a:t>clip</a:t>
-            </a:r>
-          </a:p>
-          <a:p>
-            <a:r>
-              <a:rPr lang="zh-TW" altLang="en-US" sz="2400" dirty="0"/>
-              <a:t>碰撞判定，人碰撞到障礙物就會不能移動</a:t>
-            </a:r>
-            <a:endParaRPr lang="en-US" altLang="zh-TW" sz="2400" dirty="0"/>
-          </a:p>
-          <a:p>
-            <a:pPr lvl="1"/>
-            <a:r>
-              <a:rPr lang="zh-TW" altLang="en-US" sz="2200" dirty="0"/>
-              <a:t>不能直接到碰撞時 </a:t>
-            </a:r>
-            <a:r>
-              <a:rPr lang="en-US" altLang="zh-TW" sz="2200" dirty="0"/>
-              <a:t>speed</a:t>
-            </a:r>
-            <a:r>
-              <a:rPr lang="zh-TW" altLang="en-US" sz="2200" dirty="0"/>
-              <a:t> 改成 </a:t>
-            </a:r>
-            <a:r>
-              <a:rPr lang="en-US" altLang="zh-TW" sz="2200" dirty="0"/>
-              <a:t>0</a:t>
-            </a:r>
-          </a:p>
-          <a:p>
-            <a:pPr lvl="1"/>
-            <a:r>
-              <a:rPr lang="zh-TW" altLang="en-US" sz="2200" dirty="0"/>
-              <a:t>預測碰撞</a:t>
-            </a:r>
-            <a:endParaRPr lang="en-US" altLang="zh-TW" sz="2200" dirty="0"/>
-          </a:p>
-          <a:p>
-            <a:pPr lvl="2"/>
-            <a:endParaRPr lang="en-US" altLang="zh-TW" dirty="0"/>
-          </a:p>
-          <a:p>
-            <a:endParaRPr lang="en-US" altLang="zh-TW" dirty="0"/>
-          </a:p>
-          <a:p>
-            <a:endParaRPr lang="en-US" altLang="zh-TW" dirty="0"/>
-          </a:p>
-          <a:p>
-            <a:endParaRPr lang="zh-TW" altLang="en-US" dirty="0"/>
-          </a:p>
-        </p:txBody>
-      </p:sp>
-      <p:sp>
-        <p:nvSpPr>
-          <p:cNvPr id="5" name="文字版面配置區 4"/>
-          <p:cNvSpPr>
-            <a:spLocks noGrp="1"/>
-          </p:cNvSpPr>
-          <p:nvPr>
-            <p:ph type="body" sz="quarter" idx="3"/>
-          </p:nvPr>
-        </p:nvSpPr>
-        <p:spPr/>
-        <p:txBody>
-          <a:bodyPr/>
-          <a:lstStyle/>
-          <a:p>
-            <a:r>
-              <a:rPr lang="zh-TW" altLang="en-US" sz="2400" dirty="0"/>
-              <a:t>未解決</a:t>
-            </a:r>
-          </a:p>
-        </p:txBody>
-      </p:sp>
-      <p:sp>
-        <p:nvSpPr>
-          <p:cNvPr id="6" name="內容版面配置區 5"/>
-          <p:cNvSpPr>
-            <a:spLocks noGrp="1"/>
-          </p:cNvSpPr>
-          <p:nvPr>
-            <p:ph sz="quarter" idx="4"/>
-          </p:nvPr>
-        </p:nvSpPr>
-        <p:spPr/>
-        <p:txBody>
-          <a:bodyPr/>
-          <a:lstStyle/>
-          <a:p>
-            <a:r>
-              <a:rPr lang="en-US" altLang="zh-TW" sz="2400" dirty="0"/>
-              <a:t>3D</a:t>
-            </a:r>
-          </a:p>
-          <a:p>
-            <a:pPr lvl="1"/>
-            <a:r>
-              <a:rPr lang="en-US" altLang="zh-TW" sz="2200" dirty="0"/>
-              <a:t>Framework</a:t>
-            </a:r>
-            <a:r>
-              <a:rPr lang="zh-TW" altLang="en-US" sz="2200" dirty="0"/>
-              <a:t> 碰撞無法完全偵測</a:t>
-            </a:r>
-            <a:endParaRPr lang="en-US" altLang="zh-TW" sz="2200" dirty="0"/>
-          </a:p>
-          <a:p>
-            <a:r>
-              <a:rPr lang="zh-TW" altLang="en-US" sz="2400" dirty="0"/>
-              <a:t>連線</a:t>
-            </a:r>
-            <a:endParaRPr lang="en-US" altLang="zh-TW" sz="2400" dirty="0"/>
-          </a:p>
-          <a:p>
-            <a:pPr lvl="1"/>
-            <a:r>
-              <a:rPr lang="zh-TW" altLang="en-US" sz="2200" dirty="0"/>
-              <a:t>時間上來不及</a:t>
-            </a:r>
-            <a:endParaRPr lang="en-US" altLang="zh-TW" sz="2200" dirty="0"/>
-          </a:p>
-          <a:p>
-            <a:pPr lvl="2"/>
-            <a:endParaRPr lang="en-US" altLang="zh-TW" dirty="0"/>
+              <a:t>刪除此頁面</a:t>
+            </a:r>
           </a:p>
         </p:txBody>
       </p:sp>
     </p:spTree>
     <p:extLst>
       <p:ext uri="{BB962C8B-B14F-4D97-AF65-F5344CB8AC3E}">
-        <p14:creationId xmlns:p14="http://schemas.microsoft.com/office/powerpoint/2010/main" val="2239348133"/>
+        <p14:creationId xmlns:p14="http://schemas.microsoft.com/office/powerpoint/2010/main" val="2889762921"/>
       </p:ext>
     </p:extLst>
   </p:cSld>
@@ -9761,6 +10057,254 @@
             </a:r>
             <a:r>
               <a:rPr lang="en-US" altLang="zh-TW" sz="4800" b="1" dirty="0"/>
+              <a:t>game</a:t>
+            </a:r>
+            <a:endParaRPr lang="zh-TW" altLang="en-US" sz="4800" b="1" dirty="0"/>
+          </a:p>
+        </p:txBody>
+      </p:sp>
+      <p:sp>
+        <p:nvSpPr>
+          <p:cNvPr id="3" name="文字版面配置區 2"/>
+          <p:cNvSpPr>
+            <a:spLocks noGrp="1"/>
+          </p:cNvSpPr>
+          <p:nvPr>
+            <p:ph type="body" idx="1"/>
+          </p:nvPr>
+        </p:nvSpPr>
+        <p:spPr/>
+        <p:txBody>
+          <a:bodyPr/>
+          <a:lstStyle/>
+          <a:p>
+            <a:r>
+              <a:rPr lang="zh-TW" altLang="en-US" sz="2400" dirty="0"/>
+              <a:t>已解決</a:t>
+            </a:r>
+          </a:p>
+        </p:txBody>
+      </p:sp>
+      <p:sp>
+        <p:nvSpPr>
+          <p:cNvPr id="4" name="內容版面配置區 3"/>
+          <p:cNvSpPr>
+            <a:spLocks noGrp="1"/>
+          </p:cNvSpPr>
+          <p:nvPr>
+            <p:ph sz="half" idx="2"/>
+          </p:nvPr>
+        </p:nvSpPr>
+        <p:spPr/>
+        <p:txBody>
+          <a:bodyPr>
+            <a:normAutofit/>
+          </a:bodyPr>
+          <a:lstStyle/>
+          <a:p>
+            <a:r>
+              <a:rPr lang="zh-TW" altLang="en-US" sz="2400" dirty="0"/>
+              <a:t>背景音樂無法同時進行</a:t>
+            </a:r>
+            <a:endParaRPr lang="en-US" altLang="zh-TW" sz="2400" dirty="0"/>
+          </a:p>
+          <a:p>
+            <a:pPr lvl="1"/>
+            <a:r>
+              <a:rPr lang="zh-TW" altLang="en-US" sz="2200" dirty="0"/>
+              <a:t>原先使用 </a:t>
+            </a:r>
+            <a:r>
+              <a:rPr lang="en-US" altLang="zh-TW" sz="2200" dirty="0"/>
+              <a:t>applet</a:t>
+            </a:r>
+            <a:r>
+              <a:rPr lang="zh-TW" altLang="en-US" sz="2200" dirty="0"/>
+              <a:t> 最後使用 </a:t>
+            </a:r>
+            <a:r>
+              <a:rPr lang="en-US" altLang="zh-TW" sz="2200" dirty="0"/>
+              <a:t>clip</a:t>
+            </a:r>
+          </a:p>
+          <a:p>
+            <a:r>
+              <a:rPr lang="zh-TW" altLang="en-US" sz="2400" dirty="0"/>
+              <a:t>碰撞判定，人碰撞到障礙物就會不能移動</a:t>
+            </a:r>
+            <a:endParaRPr lang="en-US" altLang="zh-TW" sz="2400" dirty="0"/>
+          </a:p>
+          <a:p>
+            <a:pPr lvl="1"/>
+            <a:r>
+              <a:rPr lang="zh-TW" altLang="en-US" sz="2200" dirty="0"/>
+              <a:t>不能直接到碰撞時 </a:t>
+            </a:r>
+            <a:r>
+              <a:rPr lang="en-US" altLang="zh-TW" sz="2200" dirty="0"/>
+              <a:t>speed</a:t>
+            </a:r>
+            <a:r>
+              <a:rPr lang="zh-TW" altLang="en-US" sz="2200" dirty="0"/>
+              <a:t> 改成 </a:t>
+            </a:r>
+            <a:r>
+              <a:rPr lang="en-US" altLang="zh-TW" sz="2200" dirty="0"/>
+              <a:t>0</a:t>
+            </a:r>
+          </a:p>
+          <a:p>
+            <a:pPr lvl="1"/>
+            <a:r>
+              <a:rPr lang="zh-TW" altLang="en-US" sz="2200" dirty="0"/>
+              <a:t>預測碰撞</a:t>
+            </a:r>
+            <a:endParaRPr lang="en-US" altLang="zh-TW" sz="2200" dirty="0"/>
+          </a:p>
+          <a:p>
+            <a:pPr lvl="2"/>
+            <a:endParaRPr lang="en-US" altLang="zh-TW" dirty="0"/>
+          </a:p>
+          <a:p>
+            <a:endParaRPr lang="en-US" altLang="zh-TW" dirty="0"/>
+          </a:p>
+          <a:p>
+            <a:endParaRPr lang="en-US" altLang="zh-TW" dirty="0"/>
+          </a:p>
+          <a:p>
+            <a:endParaRPr lang="zh-TW" altLang="en-US" dirty="0"/>
+          </a:p>
+        </p:txBody>
+      </p:sp>
+      <p:sp>
+        <p:nvSpPr>
+          <p:cNvPr id="5" name="文字版面配置區 4"/>
+          <p:cNvSpPr>
+            <a:spLocks noGrp="1"/>
+          </p:cNvSpPr>
+          <p:nvPr>
+            <p:ph type="body" sz="quarter" idx="3"/>
+          </p:nvPr>
+        </p:nvSpPr>
+        <p:spPr/>
+        <p:txBody>
+          <a:bodyPr/>
+          <a:lstStyle/>
+          <a:p>
+            <a:r>
+              <a:rPr lang="zh-TW" altLang="en-US" sz="2400" dirty="0"/>
+              <a:t>未解決</a:t>
+            </a:r>
+          </a:p>
+        </p:txBody>
+      </p:sp>
+      <p:sp>
+        <p:nvSpPr>
+          <p:cNvPr id="6" name="內容版面配置區 5"/>
+          <p:cNvSpPr>
+            <a:spLocks noGrp="1"/>
+          </p:cNvSpPr>
+          <p:nvPr>
+            <p:ph sz="quarter" idx="4"/>
+          </p:nvPr>
+        </p:nvSpPr>
+        <p:spPr/>
+        <p:txBody>
+          <a:bodyPr/>
+          <a:lstStyle/>
+          <a:p>
+            <a:r>
+              <a:rPr lang="en-US" altLang="zh-TW" sz="2400" dirty="0"/>
+              <a:t>3D</a:t>
+            </a:r>
+          </a:p>
+          <a:p>
+            <a:pPr lvl="1"/>
+            <a:r>
+              <a:rPr lang="en-US" altLang="zh-TW" sz="2200" dirty="0"/>
+              <a:t>Framework</a:t>
+            </a:r>
+            <a:r>
+              <a:rPr lang="zh-TW" altLang="en-US" sz="2200" dirty="0"/>
+              <a:t> 碰撞無法完全偵測</a:t>
+            </a:r>
+            <a:endParaRPr lang="en-US" altLang="zh-TW" sz="2200" dirty="0"/>
+          </a:p>
+          <a:p>
+            <a:r>
+              <a:rPr lang="zh-TW" altLang="en-US" sz="2400" dirty="0"/>
+              <a:t>連線</a:t>
+            </a:r>
+            <a:endParaRPr lang="en-US" altLang="zh-TW" sz="2400" dirty="0"/>
+          </a:p>
+          <a:p>
+            <a:pPr lvl="1"/>
+            <a:r>
+              <a:rPr lang="zh-TW" altLang="en-US" sz="2200" dirty="0"/>
+              <a:t>時間上來不及</a:t>
+            </a:r>
+            <a:endParaRPr lang="en-US" altLang="zh-TW" sz="2200" dirty="0"/>
+          </a:p>
+          <a:p>
+            <a:pPr lvl="2"/>
+            <a:endParaRPr lang="en-US" altLang="zh-TW" dirty="0"/>
+          </a:p>
+        </p:txBody>
+      </p:sp>
+    </p:spTree>
+    <p:extLst>
+      <p:ext uri="{BB962C8B-B14F-4D97-AF65-F5344CB8AC3E}">
+        <p14:creationId xmlns:p14="http://schemas.microsoft.com/office/powerpoint/2010/main" val="2239348133"/>
+      </p:ext>
+    </p:extLst>
+  </p:cSld>
+  <p:clrMapOvr>
+    <a:masterClrMapping/>
+  </p:clrMapOvr>
+</p:sld>
+</file>
+
+<file path=ppt/slides/slide24.xml><?xml version="1.0" encoding="utf-8"?>
+<p:sld xmlns:a="http://schemas.openxmlformats.org/drawingml/2006/main" xmlns:r="http://schemas.openxmlformats.org/officeDocument/2006/relationships" xmlns:p="http://schemas.openxmlformats.org/presentationml/2006/main">
+  <p:cSld>
+    <p:spTree>
+      <p:nvGrpSpPr>
+        <p:cNvPr id="1" name=""/>
+        <p:cNvGrpSpPr/>
+        <p:nvPr/>
+      </p:nvGrpSpPr>
+      <p:grpSpPr>
+        <a:xfrm>
+          <a:off x="0" y="0"/>
+          <a:ext cx="0" cy="0"/>
+          <a:chOff x="0" y="0"/>
+          <a:chExt cx="0" cy="0"/>
+        </a:xfrm>
+      </p:grpSpPr>
+      <p:sp>
+        <p:nvSpPr>
+          <p:cNvPr id="2" name="標題 1"/>
+          <p:cNvSpPr>
+            <a:spLocks noGrp="1"/>
+          </p:cNvSpPr>
+          <p:nvPr>
+            <p:ph type="title"/>
+          </p:nvPr>
+        </p:nvSpPr>
+        <p:spPr/>
+        <p:txBody>
+          <a:bodyPr>
+            <a:normAutofit/>
+          </a:bodyPr>
+          <a:lstStyle/>
+          <a:p>
+            <a:pPr algn="ctr"/>
+            <a:r>
+              <a:rPr lang="en-US" altLang="zh-TW" sz="4800" dirty="0"/>
+              <a:t>In </a:t>
+            </a:r>
+            <a:r>
+              <a:rPr lang="en-US" altLang="zh-TW" sz="4800" b="1" dirty="0"/>
               <a:t>Game</a:t>
             </a:r>
             <a:endParaRPr lang="zh-TW" altLang="en-US" sz="4800" b="1" dirty="0"/>
@@ -9924,7 +10468,7 @@
 </p:sld>
 </file>
 
-<file path=ppt/slides/slide24.xml><?xml version="1.0" encoding="utf-8"?>
+<file path=ppt/slides/slide25.xml><?xml version="1.0" encoding="utf-8"?>
 <p:sld xmlns:a="http://schemas.openxmlformats.org/drawingml/2006/main" xmlns:r="http://schemas.openxmlformats.org/officeDocument/2006/relationships" xmlns:p="http://schemas.openxmlformats.org/presentationml/2006/main">
   <p:cSld>
     <p:spTree>
@@ -10413,7 +10957,7 @@
 </p:sld>
 </file>
 
-<file path=ppt/slides/slide25.xml><?xml version="1.0" encoding="utf-8"?>
+<file path=ppt/slides/slide26.xml><?xml version="1.0" encoding="utf-8"?>
 <p:sld xmlns:a="http://schemas.openxmlformats.org/drawingml/2006/main" xmlns:r="http://schemas.openxmlformats.org/officeDocument/2006/relationships" xmlns:p="http://schemas.openxmlformats.org/presentationml/2006/main">
   <p:cSld>
     <p:spTree>
@@ -10940,7 +11484,7 @@
 </p:sld>
 </file>
 
-<file path=ppt/slides/slide26.xml><?xml version="1.0" encoding="utf-8"?>
+<file path=ppt/slides/slide27.xml><?xml version="1.0" encoding="utf-8"?>
 <p:sld xmlns:a="http://schemas.openxmlformats.org/drawingml/2006/main" xmlns:r="http://schemas.openxmlformats.org/officeDocument/2006/relationships" xmlns:p="http://schemas.openxmlformats.org/presentationml/2006/main">
   <p:cSld>
     <p:spTree>
@@ -11061,7 +11605,7 @@
 </p:sld>
 </file>
 
-<file path=ppt/slides/slide27.xml><?xml version="1.0" encoding="utf-8"?>
+<file path=ppt/slides/slide28.xml><?xml version="1.0" encoding="utf-8"?>
 <p:sld xmlns:a="http://schemas.openxmlformats.org/drawingml/2006/main" xmlns:r="http://schemas.openxmlformats.org/officeDocument/2006/relationships" xmlns:p="http://schemas.openxmlformats.org/presentationml/2006/main">
   <p:cSld>
     <p:spTree>
@@ -11410,7 +11954,7 @@
 </p:sld>
 </file>
 
-<file path=ppt/slides/slide28.xml><?xml version="1.0" encoding="utf-8"?>
+<file path=ppt/slides/slide29.xml><?xml version="1.0" encoding="utf-8"?>
 <p:sld xmlns:a="http://schemas.openxmlformats.org/drawingml/2006/main" xmlns:r="http://schemas.openxmlformats.org/officeDocument/2006/relationships" xmlns:p="http://schemas.openxmlformats.org/presentationml/2006/main">
   <p:cSld>
     <p:spTree>
@@ -11547,7 +12091,7 @@
             <p:ph idx="1"/>
             <p:extLst>
               <p:ext uri="{D42A27DB-BD31-4B8C-83A1-F6EECF244321}">
-                <p14:modId xmlns:p14="http://schemas.microsoft.com/office/powerpoint/2010/main" val="3159692761"/>
+                <p14:modId xmlns:p14="http://schemas.microsoft.com/office/powerpoint/2010/main" val="3974889927"/>
               </p:ext>
             </p:extLst>
           </p:nvPr>
@@ -12980,21 +13524,176 @@
           <a:lstStyle/>
           <a:p>
             <a:r>
-              <a:rPr lang="zh-TW" altLang="en-US" dirty="0"/>
-              <a:t>跑跑跑</a:t>
-            </a:r>
+              <a:rPr lang="zh-TW" altLang="en-US" sz="4800" dirty="0"/>
+              <a:t>功能</a:t>
+            </a:r>
+            <a:r>
+              <a:rPr lang="zh-TW" altLang="en-US" sz="4800" dirty="0" smtClean="0"/>
+              <a:t>介紹 </a:t>
+            </a:r>
+            <a:r>
+              <a:rPr lang="en-US" altLang="zh-TW" sz="4800" dirty="0" smtClean="0"/>
+              <a:t>–</a:t>
+            </a:r>
+            <a:r>
+              <a:rPr lang="zh-TW" altLang="en-US" sz="4800" dirty="0" smtClean="0"/>
+              <a:t> </a:t>
+            </a:r>
+            <a:r>
+              <a:rPr lang="zh-TW" altLang="en-US" sz="4800" b="1" dirty="0" smtClean="0"/>
+              <a:t>挖地 </a:t>
+            </a:r>
+            <a:r>
+              <a:rPr lang="en-US" altLang="zh-TW" sz="4800" dirty="0" smtClean="0"/>
+              <a:t>&amp; </a:t>
+            </a:r>
+            <a:r>
+              <a:rPr lang="zh-TW" altLang="en-US" sz="4800" b="1" dirty="0" smtClean="0"/>
+              <a:t>發射</a:t>
+            </a:r>
+            <a:endParaRPr lang="zh-TW" altLang="en-US" sz="4800" b="1" dirty="0"/>
+          </a:p>
+        </p:txBody>
+      </p:sp>
+      <p:sp>
+        <p:nvSpPr>
+          <p:cNvPr id="3" name="文字版面配置區 2"/>
+          <p:cNvSpPr>
+            <a:spLocks noGrp="1"/>
+          </p:cNvSpPr>
+          <p:nvPr>
+            <p:ph type="body" idx="1"/>
+          </p:nvPr>
+        </p:nvSpPr>
+        <p:spPr/>
+        <p:txBody>
+          <a:bodyPr/>
+          <a:lstStyle/>
+          <a:p>
+            <a:r>
+              <a:rPr lang="zh-TW" altLang="en-US" sz="2400" dirty="0" smtClean="0"/>
+              <a:t>按</a:t>
+            </a:r>
+            <a:r>
+              <a:rPr lang="zh-TW" altLang="en-US" sz="2400" b="1" dirty="0" smtClean="0"/>
+              <a:t> </a:t>
+            </a:r>
+            <a:r>
+              <a:rPr lang="en-US" altLang="zh-TW" sz="2400" b="1" dirty="0" smtClean="0"/>
+              <a:t>A</a:t>
+            </a:r>
+            <a:r>
+              <a:rPr lang="zh-TW" altLang="en-US" sz="2400" dirty="0" smtClean="0"/>
+              <a:t>：</a:t>
+            </a:r>
+            <a:r>
+              <a:rPr lang="zh-TW" altLang="en-US" sz="2400" b="1" dirty="0"/>
+              <a:t>挖</a:t>
+            </a:r>
+            <a:r>
+              <a:rPr lang="zh-TW" altLang="en-US" sz="2400" b="1" dirty="0" smtClean="0"/>
+              <a:t>地</a:t>
+            </a:r>
+            <a:endParaRPr lang="zh-TW" altLang="en-US" sz="2400" b="1" dirty="0"/>
+          </a:p>
+        </p:txBody>
+      </p:sp>
+      <p:sp>
+        <p:nvSpPr>
+          <p:cNvPr id="4" name="內容版面配置區 3"/>
+          <p:cNvSpPr>
+            <a:spLocks noGrp="1"/>
+          </p:cNvSpPr>
+          <p:nvPr>
+            <p:ph sz="half" idx="2"/>
+          </p:nvPr>
+        </p:nvSpPr>
+        <p:spPr/>
+        <p:txBody>
+          <a:bodyPr>
+            <a:normAutofit/>
+          </a:bodyPr>
+          <a:lstStyle/>
+          <a:p>
+            <a:r>
+              <a:rPr lang="zh-TW" altLang="en-US" sz="2400" dirty="0" smtClean="0"/>
+              <a:t>記得切換輸入</a:t>
+            </a:r>
+            <a:r>
+              <a:rPr lang="zh-TW" altLang="en-US" sz="2400" dirty="0"/>
+              <a:t>法</a:t>
+            </a:r>
+            <a:endParaRPr lang="zh-TW" altLang="en-US" sz="2400" dirty="0"/>
+          </a:p>
+        </p:txBody>
+      </p:sp>
+      <p:sp>
+        <p:nvSpPr>
+          <p:cNvPr id="5" name="文字版面配置區 4"/>
+          <p:cNvSpPr>
+            <a:spLocks noGrp="1"/>
+          </p:cNvSpPr>
+          <p:nvPr>
+            <p:ph type="body" sz="quarter" idx="3"/>
+          </p:nvPr>
+        </p:nvSpPr>
+        <p:spPr/>
+        <p:txBody>
+          <a:bodyPr/>
+          <a:lstStyle/>
+          <a:p>
+            <a:r>
+              <a:rPr lang="zh-TW" altLang="en-US" sz="2400" dirty="0" smtClean="0"/>
+              <a:t>按 </a:t>
+            </a:r>
+            <a:r>
+              <a:rPr lang="en-US" altLang="zh-TW" sz="2400" b="1" dirty="0" smtClean="0"/>
+              <a:t>W</a:t>
+            </a:r>
+            <a:r>
+              <a:rPr lang="zh-TW" altLang="en-US" sz="2400" dirty="0" smtClean="0"/>
+              <a:t>：</a:t>
+            </a:r>
+            <a:r>
+              <a:rPr lang="zh-TW" altLang="en-US" sz="2400" b="1" dirty="0" smtClean="0"/>
+              <a:t>發射</a:t>
+            </a:r>
+            <a:endParaRPr lang="zh-TW" altLang="en-US" sz="2400" b="1" dirty="0"/>
+          </a:p>
+        </p:txBody>
+      </p:sp>
+      <p:sp>
+        <p:nvSpPr>
+          <p:cNvPr id="6" name="內容版面配置區 5"/>
+          <p:cNvSpPr>
+            <a:spLocks noGrp="1"/>
+          </p:cNvSpPr>
+          <p:nvPr>
+            <p:ph sz="quarter" idx="4"/>
+          </p:nvPr>
+        </p:nvSpPr>
+        <p:spPr/>
+        <p:txBody>
+          <a:bodyPr>
+            <a:normAutofit/>
+          </a:bodyPr>
+          <a:lstStyle/>
+          <a:p>
+            <a:r>
+              <a:rPr lang="zh-TW" altLang="en-US" sz="2400" dirty="0" smtClean="0"/>
+              <a:t>對準鬼，按發射！</a:t>
+            </a:r>
+            <a:endParaRPr lang="zh-TW" altLang="en-US" sz="2400" dirty="0"/>
           </a:p>
         </p:txBody>
       </p:sp>
       <p:pic>
         <p:nvPicPr>
-          <p:cNvPr id="5" name="內容版面配置區 4"/>
+          <p:cNvPr id="7" name="圖片 6"/>
           <p:cNvPicPr>
-            <a:picLocks noGrp="1" noChangeAspect="1"/>
+            <a:picLocks noChangeAspect="1"/>
           </p:cNvPicPr>
-          <p:nvPr>
-            <p:ph idx="1"/>
-          </p:nvPr>
+          <p:nvPr/>
         </p:nvPicPr>
         <p:blipFill>
           <a:blip r:embed="rId2">
@@ -13010,43 +13709,257 @@
         </p:blipFill>
         <p:spPr>
           <a:xfrm>
-            <a:off x="1909621" y="2151103"/>
-            <a:ext cx="2031746" cy="2031746"/>
+            <a:off x="2896792" y="4393551"/>
+            <a:ext cx="380952" cy="380952"/>
           </a:xfrm>
+          <a:prstGeom prst="rect">
+            <a:avLst/>
+          </a:prstGeom>
         </p:spPr>
       </p:pic>
-      <p:sp>
-        <p:nvSpPr>
-          <p:cNvPr id="4" name="文字版面配置區 3"/>
-          <p:cNvSpPr>
-            <a:spLocks noGrp="1"/>
-          </p:cNvSpPr>
-          <p:nvPr>
-            <p:ph type="body" sz="half" idx="2"/>
-          </p:nvPr>
-        </p:nvSpPr>
-        <p:spPr/>
-        <p:txBody>
-          <a:bodyPr>
-            <a:normAutofit/>
-          </a:bodyPr>
-          <a:lstStyle/>
-          <a:p>
-            <a:r>
-              <a:rPr lang="zh-TW" altLang="en-US" sz="3600" dirty="0"/>
-              <a:t>駱駝跑起來喇</a:t>
-            </a:r>
-            <a:r>
-              <a:rPr lang="en-US" altLang="zh-TW" sz="3600" dirty="0"/>
-              <a:t>~</a:t>
-            </a:r>
-            <a:endParaRPr lang="zh-TW" altLang="en-US" sz="3600" dirty="0"/>
-          </a:p>
-        </p:txBody>
-      </p:sp>
       <p:pic>
         <p:nvPicPr>
-          <p:cNvPr id="6" name="圖片 5"/>
+          <p:cNvPr id="11" name="圖片 10"/>
+          <p:cNvPicPr>
+            <a:picLocks noChangeAspect="1"/>
+          </p:cNvPicPr>
+          <p:nvPr/>
+        </p:nvPicPr>
+        <p:blipFill>
+          <a:blip r:embed="rId2">
+            <a:extLst>
+              <a:ext uri="{28A0092B-C50C-407E-A947-70E740481C1C}">
+                <a14:useLocalDpi xmlns:a14="http://schemas.microsoft.com/office/drawing/2010/main" val="0"/>
+              </a:ext>
+            </a:extLst>
+          </a:blip>
+          <a:stretch>
+            <a:fillRect/>
+          </a:stretch>
+        </p:blipFill>
+        <p:spPr>
+          <a:xfrm>
+            <a:off x="3277744" y="4393551"/>
+            <a:ext cx="380952" cy="380952"/>
+          </a:xfrm>
+          <a:prstGeom prst="rect">
+            <a:avLst/>
+          </a:prstGeom>
+        </p:spPr>
+      </p:pic>
+      <p:pic>
+        <p:nvPicPr>
+          <p:cNvPr id="13" name="圖片 12"/>
+          <p:cNvPicPr>
+            <a:picLocks noChangeAspect="1"/>
+          </p:cNvPicPr>
+          <p:nvPr/>
+        </p:nvPicPr>
+        <p:blipFill>
+          <a:blip r:embed="rId2">
+            <a:extLst>
+              <a:ext uri="{28A0092B-C50C-407E-A947-70E740481C1C}">
+                <a14:useLocalDpi xmlns:a14="http://schemas.microsoft.com/office/drawing/2010/main" val="0"/>
+              </a:ext>
+            </a:extLst>
+          </a:blip>
+          <a:stretch>
+            <a:fillRect/>
+          </a:stretch>
+        </p:blipFill>
+        <p:spPr>
+          <a:xfrm>
+            <a:off x="2896792" y="4774503"/>
+            <a:ext cx="380952" cy="380952"/>
+          </a:xfrm>
+          <a:prstGeom prst="rect">
+            <a:avLst/>
+          </a:prstGeom>
+        </p:spPr>
+      </p:pic>
+      <p:pic>
+        <p:nvPicPr>
+          <p:cNvPr id="14" name="圖片 13"/>
+          <p:cNvPicPr>
+            <a:picLocks noChangeAspect="1"/>
+          </p:cNvPicPr>
+          <p:nvPr/>
+        </p:nvPicPr>
+        <p:blipFill>
+          <a:blip r:embed="rId2">
+            <a:extLst>
+              <a:ext uri="{28A0092B-C50C-407E-A947-70E740481C1C}">
+                <a14:useLocalDpi xmlns:a14="http://schemas.microsoft.com/office/drawing/2010/main" val="0"/>
+              </a:ext>
+            </a:extLst>
+          </a:blip>
+          <a:stretch>
+            <a:fillRect/>
+          </a:stretch>
+        </p:blipFill>
+        <p:spPr>
+          <a:xfrm>
+            <a:off x="2515840" y="4393551"/>
+            <a:ext cx="380952" cy="380952"/>
+          </a:xfrm>
+          <a:prstGeom prst="rect">
+            <a:avLst/>
+          </a:prstGeom>
+        </p:spPr>
+      </p:pic>
+      <p:pic>
+        <p:nvPicPr>
+          <p:cNvPr id="15" name="圖片 14"/>
+          <p:cNvPicPr>
+            <a:picLocks noChangeAspect="1"/>
+          </p:cNvPicPr>
+          <p:nvPr/>
+        </p:nvPicPr>
+        <p:blipFill>
+          <a:blip r:embed="rId2">
+            <a:extLst>
+              <a:ext uri="{28A0092B-C50C-407E-A947-70E740481C1C}">
+                <a14:useLocalDpi xmlns:a14="http://schemas.microsoft.com/office/drawing/2010/main" val="0"/>
+              </a:ext>
+            </a:extLst>
+          </a:blip>
+          <a:stretch>
+            <a:fillRect/>
+          </a:stretch>
+        </p:blipFill>
+        <p:spPr>
+          <a:xfrm>
+            <a:off x="2515840" y="4774503"/>
+            <a:ext cx="380952" cy="380952"/>
+          </a:xfrm>
+          <a:prstGeom prst="rect">
+            <a:avLst/>
+          </a:prstGeom>
+        </p:spPr>
+      </p:pic>
+      <p:pic>
+        <p:nvPicPr>
+          <p:cNvPr id="16" name="圖片 15"/>
+          <p:cNvPicPr>
+            <a:picLocks noChangeAspect="1"/>
+          </p:cNvPicPr>
+          <p:nvPr/>
+        </p:nvPicPr>
+        <p:blipFill>
+          <a:blip r:embed="rId2">
+            <a:extLst>
+              <a:ext uri="{28A0092B-C50C-407E-A947-70E740481C1C}">
+                <a14:useLocalDpi xmlns:a14="http://schemas.microsoft.com/office/drawing/2010/main" val="0"/>
+              </a:ext>
+            </a:extLst>
+          </a:blip>
+          <a:stretch>
+            <a:fillRect/>
+          </a:stretch>
+        </p:blipFill>
+        <p:spPr>
+          <a:xfrm>
+            <a:off x="3277744" y="4774503"/>
+            <a:ext cx="380952" cy="380952"/>
+          </a:xfrm>
+          <a:prstGeom prst="rect">
+            <a:avLst/>
+          </a:prstGeom>
+        </p:spPr>
+      </p:pic>
+      <p:pic>
+        <p:nvPicPr>
+          <p:cNvPr id="17" name="圖片 16"/>
+          <p:cNvPicPr>
+            <a:picLocks noChangeAspect="1"/>
+          </p:cNvPicPr>
+          <p:nvPr/>
+        </p:nvPicPr>
+        <p:blipFill>
+          <a:blip r:embed="rId2">
+            <a:extLst>
+              <a:ext uri="{28A0092B-C50C-407E-A947-70E740481C1C}">
+                <a14:useLocalDpi xmlns:a14="http://schemas.microsoft.com/office/drawing/2010/main" val="0"/>
+              </a:ext>
+            </a:extLst>
+          </a:blip>
+          <a:stretch>
+            <a:fillRect/>
+          </a:stretch>
+        </p:blipFill>
+        <p:spPr>
+          <a:xfrm>
+            <a:off x="2521486" y="4013267"/>
+            <a:ext cx="380952" cy="380952"/>
+          </a:xfrm>
+          <a:prstGeom prst="rect">
+            <a:avLst/>
+          </a:prstGeom>
+        </p:spPr>
+      </p:pic>
+      <p:pic>
+        <p:nvPicPr>
+          <p:cNvPr id="18" name="圖片 17"/>
+          <p:cNvPicPr>
+            <a:picLocks noChangeAspect="1"/>
+          </p:cNvPicPr>
+          <p:nvPr/>
+        </p:nvPicPr>
+        <p:blipFill>
+          <a:blip r:embed="rId2">
+            <a:extLst>
+              <a:ext uri="{28A0092B-C50C-407E-A947-70E740481C1C}">
+                <a14:useLocalDpi xmlns:a14="http://schemas.microsoft.com/office/drawing/2010/main" val="0"/>
+              </a:ext>
+            </a:extLst>
+          </a:blip>
+          <a:stretch>
+            <a:fillRect/>
+          </a:stretch>
+        </p:blipFill>
+        <p:spPr>
+          <a:xfrm>
+            <a:off x="2896792" y="4012599"/>
+            <a:ext cx="380952" cy="380952"/>
+          </a:xfrm>
+          <a:prstGeom prst="rect">
+            <a:avLst/>
+          </a:prstGeom>
+        </p:spPr>
+      </p:pic>
+      <p:pic>
+        <p:nvPicPr>
+          <p:cNvPr id="19" name="圖片 18"/>
+          <p:cNvPicPr>
+            <a:picLocks noChangeAspect="1"/>
+          </p:cNvPicPr>
+          <p:nvPr/>
+        </p:nvPicPr>
+        <p:blipFill>
+          <a:blip r:embed="rId2">
+            <a:extLst>
+              <a:ext uri="{28A0092B-C50C-407E-A947-70E740481C1C}">
+                <a14:useLocalDpi xmlns:a14="http://schemas.microsoft.com/office/drawing/2010/main" val="0"/>
+              </a:ext>
+            </a:extLst>
+          </a:blip>
+          <a:stretch>
+            <a:fillRect/>
+          </a:stretch>
+        </p:blipFill>
+        <p:spPr>
+          <a:xfrm>
+            <a:off x="3277744" y="4012599"/>
+            <a:ext cx="380952" cy="380952"/>
+          </a:xfrm>
+          <a:prstGeom prst="rect">
+            <a:avLst/>
+          </a:prstGeom>
+        </p:spPr>
+      </p:pic>
+      <p:pic>
+        <p:nvPicPr>
+          <p:cNvPr id="8" name="圖片 7"/>
           <p:cNvPicPr>
             <a:picLocks noChangeAspect="1"/>
           </p:cNvPicPr>
@@ -13066,68 +13979,8 @@
         </p:blipFill>
         <p:spPr>
           <a:xfrm>
-            <a:off x="3941367" y="2151103"/>
-            <a:ext cx="2031746" cy="2031746"/>
-          </a:xfrm>
-          <a:prstGeom prst="rect">
-            <a:avLst/>
-          </a:prstGeom>
-        </p:spPr>
-      </p:pic>
-      <p:pic>
-        <p:nvPicPr>
-          <p:cNvPr id="7" name="圖片 6"/>
-          <p:cNvPicPr>
-            <a:picLocks noChangeAspect="1"/>
-          </p:cNvPicPr>
-          <p:nvPr/>
-        </p:nvPicPr>
-        <p:blipFill>
-          <a:blip r:embed="rId4">
-            <a:extLst>
-              <a:ext uri="{28A0092B-C50C-407E-A947-70E740481C1C}">
-                <a14:useLocalDpi xmlns:a14="http://schemas.microsoft.com/office/drawing/2010/main" val="0"/>
-              </a:ext>
-            </a:extLst>
-          </a:blip>
-          <a:stretch>
-            <a:fillRect/>
-          </a:stretch>
-        </p:blipFill>
-        <p:spPr>
-          <a:xfrm>
-            <a:off x="6181871" y="2151103"/>
-            <a:ext cx="2031746" cy="2031746"/>
-          </a:xfrm>
-          <a:prstGeom prst="rect">
-            <a:avLst/>
-          </a:prstGeom>
-        </p:spPr>
-      </p:pic>
-      <p:pic>
-        <p:nvPicPr>
-          <p:cNvPr id="8" name="圖片 7"/>
-          <p:cNvPicPr>
-            <a:picLocks noChangeAspect="1"/>
-          </p:cNvPicPr>
-          <p:nvPr/>
-        </p:nvPicPr>
-        <p:blipFill>
-          <a:blip r:embed="rId5">
-            <a:extLst>
-              <a:ext uri="{28A0092B-C50C-407E-A947-70E740481C1C}">
-                <a14:useLocalDpi xmlns:a14="http://schemas.microsoft.com/office/drawing/2010/main" val="0"/>
-              </a:ext>
-            </a:extLst>
-          </a:blip>
-          <a:stretch>
-            <a:fillRect/>
-          </a:stretch>
-        </p:blipFill>
-        <p:spPr>
-          <a:xfrm>
-            <a:off x="8422375" y="2151103"/>
-            <a:ext cx="2031746" cy="2031746"/>
+            <a:off x="7639991" y="3881187"/>
+            <a:ext cx="1274268" cy="1274268"/>
           </a:xfrm>
           <a:prstGeom prst="rect">
             <a:avLst/>
@@ -13137,7 +13990,7 @@
     </p:spTree>
     <p:extLst>
       <p:ext uri="{BB962C8B-B14F-4D97-AF65-F5344CB8AC3E}">
-        <p14:creationId xmlns:p14="http://schemas.microsoft.com/office/powerpoint/2010/main" val="1970581000"/>
+        <p14:creationId xmlns:p14="http://schemas.microsoft.com/office/powerpoint/2010/main" val="2708416135"/>
       </p:ext>
     </p:extLst>
   </p:cSld>
